--- a/Progetto_SO.pptx
+++ b/Progetto_SO.pptx
@@ -9,10 +9,24 @@
     <p:sldId id="261" r:id="rId3"/>
     <p:sldId id="260" r:id="rId4"/>
     <p:sldId id="257" r:id="rId5"/>
-    <p:sldId id="258" r:id="rId6"/>
-    <p:sldId id="259" r:id="rId7"/>
-    <p:sldId id="262" r:id="rId8"/>
-    <p:sldId id="263" r:id="rId9"/>
+    <p:sldId id="264" r:id="rId6"/>
+    <p:sldId id="275" r:id="rId7"/>
+    <p:sldId id="276" r:id="rId8"/>
+    <p:sldId id="277" r:id="rId9"/>
+    <p:sldId id="278" r:id="rId10"/>
+    <p:sldId id="258" r:id="rId11"/>
+    <p:sldId id="268" r:id="rId12"/>
+    <p:sldId id="269" r:id="rId13"/>
+    <p:sldId id="270" r:id="rId14"/>
+    <p:sldId id="271" r:id="rId15"/>
+    <p:sldId id="272" r:id="rId16"/>
+    <p:sldId id="259" r:id="rId17"/>
+    <p:sldId id="273" r:id="rId18"/>
+    <p:sldId id="274" r:id="rId19"/>
+    <p:sldId id="279" r:id="rId20"/>
+    <p:sldId id="263" r:id="rId21"/>
+    <p:sldId id="280" r:id="rId22"/>
+    <p:sldId id="281" r:id="rId23"/>
   </p:sldIdLst>
   <p:sldSz cx="12192000" cy="6858000"/>
   <p:notesSz cx="6858000" cy="9144000"/>
@@ -111,6 +125,11 @@
       </a:defRPr>
     </a:lvl9pPr>
   </p:defaultTextStyle>
+  <p:extLst>
+    <p:ext uri="{EFAFB233-063F-42B5-8137-9DF3F51BA10A}">
+      <p15:sldGuideLst xmlns:p15="http://schemas.microsoft.com/office/powerpoint/2012/main"/>
+    </p:ext>
+  </p:extLst>
 </p:presentation>
 </file>
 
@@ -261,7 +280,7 @@
           <a:p>
             <a:fld id="{F259A98E-7D3E-4BAE-A284-2CE0D83E33BF}" type="datetimeFigureOut">
               <a:rPr lang="it-IT" smtClean="0"/>
-              <a:t>28/07/2023</a:t>
+              <a:t>30/07/2023</a:t>
             </a:fld>
             <a:endParaRPr lang="it-IT"/>
           </a:p>
@@ -459,7 +478,7 @@
           <a:p>
             <a:fld id="{F259A98E-7D3E-4BAE-A284-2CE0D83E33BF}" type="datetimeFigureOut">
               <a:rPr lang="it-IT" smtClean="0"/>
-              <a:t>28/07/2023</a:t>
+              <a:t>30/07/2023</a:t>
             </a:fld>
             <a:endParaRPr lang="it-IT"/>
           </a:p>
@@ -667,7 +686,7 @@
           <a:p>
             <a:fld id="{F259A98E-7D3E-4BAE-A284-2CE0D83E33BF}" type="datetimeFigureOut">
               <a:rPr lang="it-IT" smtClean="0"/>
-              <a:t>28/07/2023</a:t>
+              <a:t>30/07/2023</a:t>
             </a:fld>
             <a:endParaRPr lang="it-IT"/>
           </a:p>
@@ -865,7 +884,7 @@
           <a:p>
             <a:fld id="{F259A98E-7D3E-4BAE-A284-2CE0D83E33BF}" type="datetimeFigureOut">
               <a:rPr lang="it-IT" smtClean="0"/>
-              <a:t>28/07/2023</a:t>
+              <a:t>30/07/2023</a:t>
             </a:fld>
             <a:endParaRPr lang="it-IT"/>
           </a:p>
@@ -1140,7 +1159,7 @@
           <a:p>
             <a:fld id="{F259A98E-7D3E-4BAE-A284-2CE0D83E33BF}" type="datetimeFigureOut">
               <a:rPr lang="it-IT" smtClean="0"/>
-              <a:t>28/07/2023</a:t>
+              <a:t>30/07/2023</a:t>
             </a:fld>
             <a:endParaRPr lang="it-IT"/>
           </a:p>
@@ -1405,7 +1424,7 @@
           <a:p>
             <a:fld id="{F259A98E-7D3E-4BAE-A284-2CE0D83E33BF}" type="datetimeFigureOut">
               <a:rPr lang="it-IT" smtClean="0"/>
-              <a:t>28/07/2023</a:t>
+              <a:t>30/07/2023</a:t>
             </a:fld>
             <a:endParaRPr lang="it-IT"/>
           </a:p>
@@ -1817,7 +1836,7 @@
           <a:p>
             <a:fld id="{F259A98E-7D3E-4BAE-A284-2CE0D83E33BF}" type="datetimeFigureOut">
               <a:rPr lang="it-IT" smtClean="0"/>
-              <a:t>28/07/2023</a:t>
+              <a:t>30/07/2023</a:t>
             </a:fld>
             <a:endParaRPr lang="it-IT"/>
           </a:p>
@@ -1958,7 +1977,7 @@
           <a:p>
             <a:fld id="{F259A98E-7D3E-4BAE-A284-2CE0D83E33BF}" type="datetimeFigureOut">
               <a:rPr lang="it-IT" smtClean="0"/>
-              <a:t>28/07/2023</a:t>
+              <a:t>30/07/2023</a:t>
             </a:fld>
             <a:endParaRPr lang="it-IT"/>
           </a:p>
@@ -2071,7 +2090,7 @@
           <a:p>
             <a:fld id="{F259A98E-7D3E-4BAE-A284-2CE0D83E33BF}" type="datetimeFigureOut">
               <a:rPr lang="it-IT" smtClean="0"/>
-              <a:t>28/07/2023</a:t>
+              <a:t>30/07/2023</a:t>
             </a:fld>
             <a:endParaRPr lang="it-IT"/>
           </a:p>
@@ -2382,7 +2401,7 @@
           <a:p>
             <a:fld id="{F259A98E-7D3E-4BAE-A284-2CE0D83E33BF}" type="datetimeFigureOut">
               <a:rPr lang="it-IT" smtClean="0"/>
-              <a:t>28/07/2023</a:t>
+              <a:t>30/07/2023</a:t>
             </a:fld>
             <a:endParaRPr lang="it-IT"/>
           </a:p>
@@ -2670,7 +2689,7 @@
           <a:p>
             <a:fld id="{F259A98E-7D3E-4BAE-A284-2CE0D83E33BF}" type="datetimeFigureOut">
               <a:rPr lang="it-IT" smtClean="0"/>
-              <a:t>28/07/2023</a:t>
+              <a:t>30/07/2023</a:t>
             </a:fld>
             <a:endParaRPr lang="it-IT"/>
           </a:p>
@@ -2911,7 +2930,7 @@
           <a:p>
             <a:fld id="{F259A98E-7D3E-4BAE-A284-2CE0D83E33BF}" type="datetimeFigureOut">
               <a:rPr lang="it-IT" smtClean="0"/>
-              <a:t>28/07/2023</a:t>
+              <a:t>30/07/2023</a:t>
             </a:fld>
             <a:endParaRPr lang="it-IT"/>
           </a:p>
@@ -3452,6 +3471,1600 @@
 </p:sld>
 </file>
 
+<file path=ppt/slides/slide10.xml><?xml version="1.0" encoding="utf-8"?>
+<p:sld xmlns:a="http://schemas.openxmlformats.org/drawingml/2006/main" xmlns:r="http://schemas.openxmlformats.org/officeDocument/2006/relationships" xmlns:p="http://schemas.openxmlformats.org/presentationml/2006/main">
+  <p:cSld>
+    <p:spTree>
+      <p:nvGrpSpPr>
+        <p:cNvPr id="1" name=""/>
+        <p:cNvGrpSpPr/>
+        <p:nvPr/>
+      </p:nvGrpSpPr>
+      <p:grpSpPr>
+        <a:xfrm>
+          <a:off x="0" y="0"/>
+          <a:ext cx="0" cy="0"/>
+          <a:chOff x="0" y="0"/>
+          <a:chExt cx="0" cy="0"/>
+        </a:xfrm>
+      </p:grpSpPr>
+      <p:sp>
+        <p:nvSpPr>
+          <p:cNvPr id="2" name="Titolo 1">
+            <a:extLst>
+              <a:ext uri="{FF2B5EF4-FFF2-40B4-BE49-F238E27FC236}">
+                <a16:creationId xmlns:a16="http://schemas.microsoft.com/office/drawing/2014/main" id="{69441F67-1949-8EC8-EB98-85670AC3670C}"/>
+              </a:ext>
+            </a:extLst>
+          </p:cNvPr>
+          <p:cNvSpPr>
+            <a:spLocks noGrp="1"/>
+          </p:cNvSpPr>
+          <p:nvPr>
+            <p:ph type="title"/>
+          </p:nvPr>
+        </p:nvSpPr>
+        <p:spPr/>
+        <p:txBody>
+          <a:bodyPr>
+            <a:normAutofit/>
+          </a:bodyPr>
+          <a:lstStyle/>
+          <a:p>
+            <a:r>
+              <a:rPr lang="it-IT" dirty="0"/>
+              <a:t>Scheduling: Obiettivi</a:t>
+            </a:r>
+          </a:p>
+        </p:txBody>
+      </p:sp>
+      <p:sp>
+        <p:nvSpPr>
+          <p:cNvPr id="4" name="Segnaposto testo 3">
+            <a:extLst>
+              <a:ext uri="{FF2B5EF4-FFF2-40B4-BE49-F238E27FC236}">
+                <a16:creationId xmlns:a16="http://schemas.microsoft.com/office/drawing/2014/main" id="{3484543A-BB31-0207-182F-1F1C206F0C68}"/>
+              </a:ext>
+            </a:extLst>
+          </p:cNvPr>
+          <p:cNvSpPr>
+            <a:spLocks noGrp="1"/>
+          </p:cNvSpPr>
+          <p:nvPr>
+            <p:ph type="body" idx="1"/>
+          </p:nvPr>
+        </p:nvSpPr>
+        <p:spPr/>
+        <p:txBody>
+          <a:bodyPr/>
+          <a:lstStyle/>
+          <a:p>
+            <a:r>
+              <a:rPr lang="it-IT" dirty="0"/>
+              <a:t>OS161</a:t>
+            </a:r>
+          </a:p>
+        </p:txBody>
+      </p:sp>
+      <p:sp>
+        <p:nvSpPr>
+          <p:cNvPr id="8" name="Segnaposto contenuto 7">
+            <a:extLst>
+              <a:ext uri="{FF2B5EF4-FFF2-40B4-BE49-F238E27FC236}">
+                <a16:creationId xmlns:a16="http://schemas.microsoft.com/office/drawing/2014/main" id="{A1E5DF89-94E7-98C4-F563-B3A43317A1CE}"/>
+              </a:ext>
+            </a:extLst>
+          </p:cNvPr>
+          <p:cNvSpPr>
+            <a:spLocks noGrp="1"/>
+          </p:cNvSpPr>
+          <p:nvPr>
+            <p:ph sz="half" idx="2"/>
+          </p:nvPr>
+        </p:nvSpPr>
+        <p:spPr/>
+        <p:txBody>
+          <a:bodyPr/>
+          <a:lstStyle/>
+          <a:p>
+            <a:endParaRPr lang="it-IT"/>
+          </a:p>
+        </p:txBody>
+      </p:sp>
+      <p:sp>
+        <p:nvSpPr>
+          <p:cNvPr id="9" name="Segnaposto testo 8">
+            <a:extLst>
+              <a:ext uri="{FF2B5EF4-FFF2-40B4-BE49-F238E27FC236}">
+                <a16:creationId xmlns:a16="http://schemas.microsoft.com/office/drawing/2014/main" id="{00842FCF-9A2A-27B3-4ED6-BB0713CE4444}"/>
+              </a:ext>
+            </a:extLst>
+          </p:cNvPr>
+          <p:cNvSpPr>
+            <a:spLocks noGrp="1"/>
+          </p:cNvSpPr>
+          <p:nvPr>
+            <p:ph type="body" sz="quarter" idx="3"/>
+          </p:nvPr>
+        </p:nvSpPr>
+        <p:spPr/>
+        <p:txBody>
+          <a:bodyPr/>
+          <a:lstStyle/>
+          <a:p>
+            <a:r>
+              <a:rPr lang="it-IT" dirty="0"/>
+              <a:t>MINIX 3</a:t>
+            </a:r>
+          </a:p>
+        </p:txBody>
+      </p:sp>
+      <p:sp>
+        <p:nvSpPr>
+          <p:cNvPr id="10" name="Segnaposto contenuto 9">
+            <a:extLst>
+              <a:ext uri="{FF2B5EF4-FFF2-40B4-BE49-F238E27FC236}">
+                <a16:creationId xmlns:a16="http://schemas.microsoft.com/office/drawing/2014/main" id="{3CDA2ECB-1671-3745-42C6-213A778ECD29}"/>
+              </a:ext>
+            </a:extLst>
+          </p:cNvPr>
+          <p:cNvSpPr>
+            <a:spLocks noGrp="1"/>
+          </p:cNvSpPr>
+          <p:nvPr>
+            <p:ph sz="quarter" idx="4"/>
+          </p:nvPr>
+        </p:nvSpPr>
+        <p:spPr/>
+        <p:txBody>
+          <a:bodyPr/>
+          <a:lstStyle/>
+          <a:p>
+            <a:endParaRPr lang="it-IT"/>
+          </a:p>
+        </p:txBody>
+      </p:sp>
+    </p:spTree>
+    <p:extLst>
+      <p:ext uri="{BB962C8B-B14F-4D97-AF65-F5344CB8AC3E}">
+        <p14:creationId xmlns:p14="http://schemas.microsoft.com/office/powerpoint/2010/main" val="2070214546"/>
+      </p:ext>
+    </p:extLst>
+  </p:cSld>
+  <p:clrMapOvr>
+    <a:masterClrMapping/>
+  </p:clrMapOvr>
+</p:sld>
+</file>
+
+<file path=ppt/slides/slide11.xml><?xml version="1.0" encoding="utf-8"?>
+<p:sld xmlns:a="http://schemas.openxmlformats.org/drawingml/2006/main" xmlns:r="http://schemas.openxmlformats.org/officeDocument/2006/relationships" xmlns:p="http://schemas.openxmlformats.org/presentationml/2006/main">
+  <p:cSld>
+    <p:spTree>
+      <p:nvGrpSpPr>
+        <p:cNvPr id="1" name=""/>
+        <p:cNvGrpSpPr/>
+        <p:nvPr/>
+      </p:nvGrpSpPr>
+      <p:grpSpPr>
+        <a:xfrm>
+          <a:off x="0" y="0"/>
+          <a:ext cx="0" cy="0"/>
+          <a:chOff x="0" y="0"/>
+          <a:chExt cx="0" cy="0"/>
+        </a:xfrm>
+      </p:grpSpPr>
+      <p:sp>
+        <p:nvSpPr>
+          <p:cNvPr id="2" name="Titolo 1">
+            <a:extLst>
+              <a:ext uri="{FF2B5EF4-FFF2-40B4-BE49-F238E27FC236}">
+                <a16:creationId xmlns:a16="http://schemas.microsoft.com/office/drawing/2014/main" id="{69441F67-1949-8EC8-EB98-85670AC3670C}"/>
+              </a:ext>
+            </a:extLst>
+          </p:cNvPr>
+          <p:cNvSpPr>
+            <a:spLocks noGrp="1"/>
+          </p:cNvSpPr>
+          <p:nvPr>
+            <p:ph type="title"/>
+          </p:nvPr>
+        </p:nvSpPr>
+        <p:spPr/>
+        <p:txBody>
+          <a:bodyPr>
+            <a:normAutofit/>
+          </a:bodyPr>
+          <a:lstStyle/>
+          <a:p>
+            <a:r>
+              <a:rPr lang="it-IT" dirty="0"/>
+              <a:t>Scheduling: Politiche di scheduling</a:t>
+            </a:r>
+          </a:p>
+        </p:txBody>
+      </p:sp>
+      <p:sp>
+        <p:nvSpPr>
+          <p:cNvPr id="4" name="Segnaposto testo 3">
+            <a:extLst>
+              <a:ext uri="{FF2B5EF4-FFF2-40B4-BE49-F238E27FC236}">
+                <a16:creationId xmlns:a16="http://schemas.microsoft.com/office/drawing/2014/main" id="{3484543A-BB31-0207-182F-1F1C206F0C68}"/>
+              </a:ext>
+            </a:extLst>
+          </p:cNvPr>
+          <p:cNvSpPr>
+            <a:spLocks noGrp="1"/>
+          </p:cNvSpPr>
+          <p:nvPr>
+            <p:ph type="body" idx="1"/>
+          </p:nvPr>
+        </p:nvSpPr>
+        <p:spPr/>
+        <p:txBody>
+          <a:bodyPr/>
+          <a:lstStyle/>
+          <a:p>
+            <a:r>
+              <a:rPr lang="it-IT" dirty="0"/>
+              <a:t>OS161</a:t>
+            </a:r>
+          </a:p>
+        </p:txBody>
+      </p:sp>
+      <p:sp>
+        <p:nvSpPr>
+          <p:cNvPr id="8" name="Segnaposto contenuto 7">
+            <a:extLst>
+              <a:ext uri="{FF2B5EF4-FFF2-40B4-BE49-F238E27FC236}">
+                <a16:creationId xmlns:a16="http://schemas.microsoft.com/office/drawing/2014/main" id="{A1E5DF89-94E7-98C4-F563-B3A43317A1CE}"/>
+              </a:ext>
+            </a:extLst>
+          </p:cNvPr>
+          <p:cNvSpPr>
+            <a:spLocks noGrp="1"/>
+          </p:cNvSpPr>
+          <p:nvPr>
+            <p:ph sz="half" idx="2"/>
+          </p:nvPr>
+        </p:nvSpPr>
+        <p:spPr/>
+        <p:txBody>
+          <a:bodyPr/>
+          <a:lstStyle/>
+          <a:p>
+            <a:endParaRPr lang="it-IT"/>
+          </a:p>
+        </p:txBody>
+      </p:sp>
+      <p:sp>
+        <p:nvSpPr>
+          <p:cNvPr id="9" name="Segnaposto testo 8">
+            <a:extLst>
+              <a:ext uri="{FF2B5EF4-FFF2-40B4-BE49-F238E27FC236}">
+                <a16:creationId xmlns:a16="http://schemas.microsoft.com/office/drawing/2014/main" id="{00842FCF-9A2A-27B3-4ED6-BB0713CE4444}"/>
+              </a:ext>
+            </a:extLst>
+          </p:cNvPr>
+          <p:cNvSpPr>
+            <a:spLocks noGrp="1"/>
+          </p:cNvSpPr>
+          <p:nvPr>
+            <p:ph type="body" sz="quarter" idx="3"/>
+          </p:nvPr>
+        </p:nvSpPr>
+        <p:spPr/>
+        <p:txBody>
+          <a:bodyPr/>
+          <a:lstStyle/>
+          <a:p>
+            <a:r>
+              <a:rPr lang="it-IT" dirty="0"/>
+              <a:t>MINIX 3</a:t>
+            </a:r>
+          </a:p>
+        </p:txBody>
+      </p:sp>
+      <p:sp>
+        <p:nvSpPr>
+          <p:cNvPr id="10" name="Segnaposto contenuto 9">
+            <a:extLst>
+              <a:ext uri="{FF2B5EF4-FFF2-40B4-BE49-F238E27FC236}">
+                <a16:creationId xmlns:a16="http://schemas.microsoft.com/office/drawing/2014/main" id="{3CDA2ECB-1671-3745-42C6-213A778ECD29}"/>
+              </a:ext>
+            </a:extLst>
+          </p:cNvPr>
+          <p:cNvSpPr>
+            <a:spLocks noGrp="1"/>
+          </p:cNvSpPr>
+          <p:nvPr>
+            <p:ph sz="quarter" idx="4"/>
+          </p:nvPr>
+        </p:nvSpPr>
+        <p:spPr/>
+        <p:txBody>
+          <a:bodyPr/>
+          <a:lstStyle/>
+          <a:p>
+            <a:endParaRPr lang="it-IT"/>
+          </a:p>
+        </p:txBody>
+      </p:sp>
+    </p:spTree>
+    <p:extLst>
+      <p:ext uri="{BB962C8B-B14F-4D97-AF65-F5344CB8AC3E}">
+        <p14:creationId xmlns:p14="http://schemas.microsoft.com/office/powerpoint/2010/main" val="1934289931"/>
+      </p:ext>
+    </p:extLst>
+  </p:cSld>
+  <p:clrMapOvr>
+    <a:masterClrMapping/>
+  </p:clrMapOvr>
+</p:sld>
+</file>
+
+<file path=ppt/slides/slide12.xml><?xml version="1.0" encoding="utf-8"?>
+<p:sld xmlns:a="http://schemas.openxmlformats.org/drawingml/2006/main" xmlns:r="http://schemas.openxmlformats.org/officeDocument/2006/relationships" xmlns:p="http://schemas.openxmlformats.org/presentationml/2006/main">
+  <p:cSld>
+    <p:spTree>
+      <p:nvGrpSpPr>
+        <p:cNvPr id="1" name=""/>
+        <p:cNvGrpSpPr/>
+        <p:nvPr/>
+      </p:nvGrpSpPr>
+      <p:grpSpPr>
+        <a:xfrm>
+          <a:off x="0" y="0"/>
+          <a:ext cx="0" cy="0"/>
+          <a:chOff x="0" y="0"/>
+          <a:chExt cx="0" cy="0"/>
+        </a:xfrm>
+      </p:grpSpPr>
+      <p:sp>
+        <p:nvSpPr>
+          <p:cNvPr id="2" name="Titolo 1">
+            <a:extLst>
+              <a:ext uri="{FF2B5EF4-FFF2-40B4-BE49-F238E27FC236}">
+                <a16:creationId xmlns:a16="http://schemas.microsoft.com/office/drawing/2014/main" id="{69441F67-1949-8EC8-EB98-85670AC3670C}"/>
+              </a:ext>
+            </a:extLst>
+          </p:cNvPr>
+          <p:cNvSpPr>
+            <a:spLocks noGrp="1"/>
+          </p:cNvSpPr>
+          <p:nvPr>
+            <p:ph type="title"/>
+          </p:nvPr>
+        </p:nvSpPr>
+        <p:spPr/>
+        <p:txBody>
+          <a:bodyPr>
+            <a:normAutofit/>
+          </a:bodyPr>
+          <a:lstStyle/>
+          <a:p>
+            <a:r>
+              <a:rPr lang="it-IT" dirty="0"/>
+              <a:t>Scheduling: Implementazione</a:t>
+            </a:r>
+          </a:p>
+        </p:txBody>
+      </p:sp>
+      <p:sp>
+        <p:nvSpPr>
+          <p:cNvPr id="4" name="Segnaposto testo 3">
+            <a:extLst>
+              <a:ext uri="{FF2B5EF4-FFF2-40B4-BE49-F238E27FC236}">
+                <a16:creationId xmlns:a16="http://schemas.microsoft.com/office/drawing/2014/main" id="{3484543A-BB31-0207-182F-1F1C206F0C68}"/>
+              </a:ext>
+            </a:extLst>
+          </p:cNvPr>
+          <p:cNvSpPr>
+            <a:spLocks noGrp="1"/>
+          </p:cNvSpPr>
+          <p:nvPr>
+            <p:ph type="body" idx="1"/>
+          </p:nvPr>
+        </p:nvSpPr>
+        <p:spPr/>
+        <p:txBody>
+          <a:bodyPr/>
+          <a:lstStyle/>
+          <a:p>
+            <a:r>
+              <a:rPr lang="it-IT" dirty="0"/>
+              <a:t>OS161</a:t>
+            </a:r>
+          </a:p>
+        </p:txBody>
+      </p:sp>
+      <p:sp>
+        <p:nvSpPr>
+          <p:cNvPr id="8" name="Segnaposto contenuto 7">
+            <a:extLst>
+              <a:ext uri="{FF2B5EF4-FFF2-40B4-BE49-F238E27FC236}">
+                <a16:creationId xmlns:a16="http://schemas.microsoft.com/office/drawing/2014/main" id="{A1E5DF89-94E7-98C4-F563-B3A43317A1CE}"/>
+              </a:ext>
+            </a:extLst>
+          </p:cNvPr>
+          <p:cNvSpPr>
+            <a:spLocks noGrp="1"/>
+          </p:cNvSpPr>
+          <p:nvPr>
+            <p:ph sz="half" idx="2"/>
+          </p:nvPr>
+        </p:nvSpPr>
+        <p:spPr/>
+        <p:txBody>
+          <a:bodyPr/>
+          <a:lstStyle/>
+          <a:p>
+            <a:endParaRPr lang="it-IT"/>
+          </a:p>
+        </p:txBody>
+      </p:sp>
+      <p:sp>
+        <p:nvSpPr>
+          <p:cNvPr id="9" name="Segnaposto testo 8">
+            <a:extLst>
+              <a:ext uri="{FF2B5EF4-FFF2-40B4-BE49-F238E27FC236}">
+                <a16:creationId xmlns:a16="http://schemas.microsoft.com/office/drawing/2014/main" id="{00842FCF-9A2A-27B3-4ED6-BB0713CE4444}"/>
+              </a:ext>
+            </a:extLst>
+          </p:cNvPr>
+          <p:cNvSpPr>
+            <a:spLocks noGrp="1"/>
+          </p:cNvSpPr>
+          <p:nvPr>
+            <p:ph type="body" sz="quarter" idx="3"/>
+          </p:nvPr>
+        </p:nvSpPr>
+        <p:spPr/>
+        <p:txBody>
+          <a:bodyPr/>
+          <a:lstStyle/>
+          <a:p>
+            <a:r>
+              <a:rPr lang="it-IT" dirty="0"/>
+              <a:t>MINIX 3</a:t>
+            </a:r>
+          </a:p>
+        </p:txBody>
+      </p:sp>
+      <p:sp>
+        <p:nvSpPr>
+          <p:cNvPr id="10" name="Segnaposto contenuto 9">
+            <a:extLst>
+              <a:ext uri="{FF2B5EF4-FFF2-40B4-BE49-F238E27FC236}">
+                <a16:creationId xmlns:a16="http://schemas.microsoft.com/office/drawing/2014/main" id="{3CDA2ECB-1671-3745-42C6-213A778ECD29}"/>
+              </a:ext>
+            </a:extLst>
+          </p:cNvPr>
+          <p:cNvSpPr>
+            <a:spLocks noGrp="1"/>
+          </p:cNvSpPr>
+          <p:nvPr>
+            <p:ph sz="quarter" idx="4"/>
+          </p:nvPr>
+        </p:nvSpPr>
+        <p:spPr/>
+        <p:txBody>
+          <a:bodyPr/>
+          <a:lstStyle/>
+          <a:p>
+            <a:endParaRPr lang="it-IT"/>
+          </a:p>
+        </p:txBody>
+      </p:sp>
+    </p:spTree>
+    <p:extLst>
+      <p:ext uri="{BB962C8B-B14F-4D97-AF65-F5344CB8AC3E}">
+        <p14:creationId xmlns:p14="http://schemas.microsoft.com/office/powerpoint/2010/main" val="2975043876"/>
+      </p:ext>
+    </p:extLst>
+  </p:cSld>
+  <p:clrMapOvr>
+    <a:masterClrMapping/>
+  </p:clrMapOvr>
+</p:sld>
+</file>
+
+<file path=ppt/slides/slide13.xml><?xml version="1.0" encoding="utf-8"?>
+<p:sld xmlns:a="http://schemas.openxmlformats.org/drawingml/2006/main" xmlns:r="http://schemas.openxmlformats.org/officeDocument/2006/relationships" xmlns:p="http://schemas.openxmlformats.org/presentationml/2006/main">
+  <p:cSld>
+    <p:spTree>
+      <p:nvGrpSpPr>
+        <p:cNvPr id="1" name=""/>
+        <p:cNvGrpSpPr/>
+        <p:nvPr/>
+      </p:nvGrpSpPr>
+      <p:grpSpPr>
+        <a:xfrm>
+          <a:off x="0" y="0"/>
+          <a:ext cx="0" cy="0"/>
+          <a:chOff x="0" y="0"/>
+          <a:chExt cx="0" cy="0"/>
+        </a:xfrm>
+      </p:grpSpPr>
+      <p:sp>
+        <p:nvSpPr>
+          <p:cNvPr id="2" name="Titolo 1">
+            <a:extLst>
+              <a:ext uri="{FF2B5EF4-FFF2-40B4-BE49-F238E27FC236}">
+                <a16:creationId xmlns:a16="http://schemas.microsoft.com/office/drawing/2014/main" id="{69441F67-1949-8EC8-EB98-85670AC3670C}"/>
+              </a:ext>
+            </a:extLst>
+          </p:cNvPr>
+          <p:cNvSpPr>
+            <a:spLocks noGrp="1"/>
+          </p:cNvSpPr>
+          <p:nvPr>
+            <p:ph type="title"/>
+          </p:nvPr>
+        </p:nvSpPr>
+        <p:spPr/>
+        <p:txBody>
+          <a:bodyPr>
+            <a:normAutofit/>
+          </a:bodyPr>
+          <a:lstStyle/>
+          <a:p>
+            <a:r>
+              <a:rPr lang="it-IT" dirty="0"/>
+              <a:t>Scheduling: Gestione delle priorità</a:t>
+            </a:r>
+          </a:p>
+        </p:txBody>
+      </p:sp>
+      <p:sp>
+        <p:nvSpPr>
+          <p:cNvPr id="4" name="Segnaposto testo 3">
+            <a:extLst>
+              <a:ext uri="{FF2B5EF4-FFF2-40B4-BE49-F238E27FC236}">
+                <a16:creationId xmlns:a16="http://schemas.microsoft.com/office/drawing/2014/main" id="{3484543A-BB31-0207-182F-1F1C206F0C68}"/>
+              </a:ext>
+            </a:extLst>
+          </p:cNvPr>
+          <p:cNvSpPr>
+            <a:spLocks noGrp="1"/>
+          </p:cNvSpPr>
+          <p:nvPr>
+            <p:ph type="body" idx="1"/>
+          </p:nvPr>
+        </p:nvSpPr>
+        <p:spPr/>
+        <p:txBody>
+          <a:bodyPr/>
+          <a:lstStyle/>
+          <a:p>
+            <a:r>
+              <a:rPr lang="it-IT" dirty="0"/>
+              <a:t>OS161</a:t>
+            </a:r>
+          </a:p>
+        </p:txBody>
+      </p:sp>
+      <p:sp>
+        <p:nvSpPr>
+          <p:cNvPr id="8" name="Segnaposto contenuto 7">
+            <a:extLst>
+              <a:ext uri="{FF2B5EF4-FFF2-40B4-BE49-F238E27FC236}">
+                <a16:creationId xmlns:a16="http://schemas.microsoft.com/office/drawing/2014/main" id="{A1E5DF89-94E7-98C4-F563-B3A43317A1CE}"/>
+              </a:ext>
+            </a:extLst>
+          </p:cNvPr>
+          <p:cNvSpPr>
+            <a:spLocks noGrp="1"/>
+          </p:cNvSpPr>
+          <p:nvPr>
+            <p:ph sz="half" idx="2"/>
+          </p:nvPr>
+        </p:nvSpPr>
+        <p:spPr/>
+        <p:txBody>
+          <a:bodyPr/>
+          <a:lstStyle/>
+          <a:p>
+            <a:endParaRPr lang="it-IT"/>
+          </a:p>
+        </p:txBody>
+      </p:sp>
+      <p:sp>
+        <p:nvSpPr>
+          <p:cNvPr id="9" name="Segnaposto testo 8">
+            <a:extLst>
+              <a:ext uri="{FF2B5EF4-FFF2-40B4-BE49-F238E27FC236}">
+                <a16:creationId xmlns:a16="http://schemas.microsoft.com/office/drawing/2014/main" id="{00842FCF-9A2A-27B3-4ED6-BB0713CE4444}"/>
+              </a:ext>
+            </a:extLst>
+          </p:cNvPr>
+          <p:cNvSpPr>
+            <a:spLocks noGrp="1"/>
+          </p:cNvSpPr>
+          <p:nvPr>
+            <p:ph type="body" sz="quarter" idx="3"/>
+          </p:nvPr>
+        </p:nvSpPr>
+        <p:spPr/>
+        <p:txBody>
+          <a:bodyPr/>
+          <a:lstStyle/>
+          <a:p>
+            <a:r>
+              <a:rPr lang="it-IT" dirty="0"/>
+              <a:t>MINIX 3</a:t>
+            </a:r>
+          </a:p>
+        </p:txBody>
+      </p:sp>
+      <p:sp>
+        <p:nvSpPr>
+          <p:cNvPr id="10" name="Segnaposto contenuto 9">
+            <a:extLst>
+              <a:ext uri="{FF2B5EF4-FFF2-40B4-BE49-F238E27FC236}">
+                <a16:creationId xmlns:a16="http://schemas.microsoft.com/office/drawing/2014/main" id="{3CDA2ECB-1671-3745-42C6-213A778ECD29}"/>
+              </a:ext>
+            </a:extLst>
+          </p:cNvPr>
+          <p:cNvSpPr>
+            <a:spLocks noGrp="1"/>
+          </p:cNvSpPr>
+          <p:nvPr>
+            <p:ph sz="quarter" idx="4"/>
+          </p:nvPr>
+        </p:nvSpPr>
+        <p:spPr/>
+        <p:txBody>
+          <a:bodyPr/>
+          <a:lstStyle/>
+          <a:p>
+            <a:endParaRPr lang="it-IT"/>
+          </a:p>
+        </p:txBody>
+      </p:sp>
+    </p:spTree>
+    <p:extLst>
+      <p:ext uri="{BB962C8B-B14F-4D97-AF65-F5344CB8AC3E}">
+        <p14:creationId xmlns:p14="http://schemas.microsoft.com/office/powerpoint/2010/main" val="1587832053"/>
+      </p:ext>
+    </p:extLst>
+  </p:cSld>
+  <p:clrMapOvr>
+    <a:masterClrMapping/>
+  </p:clrMapOvr>
+</p:sld>
+</file>
+
+<file path=ppt/slides/slide14.xml><?xml version="1.0" encoding="utf-8"?>
+<p:sld xmlns:a="http://schemas.openxmlformats.org/drawingml/2006/main" xmlns:r="http://schemas.openxmlformats.org/officeDocument/2006/relationships" xmlns:p="http://schemas.openxmlformats.org/presentationml/2006/main">
+  <p:cSld>
+    <p:spTree>
+      <p:nvGrpSpPr>
+        <p:cNvPr id="1" name=""/>
+        <p:cNvGrpSpPr/>
+        <p:nvPr/>
+      </p:nvGrpSpPr>
+      <p:grpSpPr>
+        <a:xfrm>
+          <a:off x="0" y="0"/>
+          <a:ext cx="0" cy="0"/>
+          <a:chOff x="0" y="0"/>
+          <a:chExt cx="0" cy="0"/>
+        </a:xfrm>
+      </p:grpSpPr>
+      <p:sp>
+        <p:nvSpPr>
+          <p:cNvPr id="2" name="Titolo 1">
+            <a:extLst>
+              <a:ext uri="{FF2B5EF4-FFF2-40B4-BE49-F238E27FC236}">
+                <a16:creationId xmlns:a16="http://schemas.microsoft.com/office/drawing/2014/main" id="{69441F67-1949-8EC8-EB98-85670AC3670C}"/>
+              </a:ext>
+            </a:extLst>
+          </p:cNvPr>
+          <p:cNvSpPr>
+            <a:spLocks noGrp="1"/>
+          </p:cNvSpPr>
+          <p:nvPr>
+            <p:ph type="title"/>
+          </p:nvPr>
+        </p:nvSpPr>
+        <p:spPr/>
+        <p:txBody>
+          <a:bodyPr>
+            <a:normAutofit/>
+          </a:bodyPr>
+          <a:lstStyle/>
+          <a:p>
+            <a:r>
+              <a:rPr lang="it-IT" dirty="0"/>
+              <a:t>Scheduling: Gestione delle interruzioni</a:t>
+            </a:r>
+          </a:p>
+        </p:txBody>
+      </p:sp>
+      <p:sp>
+        <p:nvSpPr>
+          <p:cNvPr id="4" name="Segnaposto testo 3">
+            <a:extLst>
+              <a:ext uri="{FF2B5EF4-FFF2-40B4-BE49-F238E27FC236}">
+                <a16:creationId xmlns:a16="http://schemas.microsoft.com/office/drawing/2014/main" id="{3484543A-BB31-0207-182F-1F1C206F0C68}"/>
+              </a:ext>
+            </a:extLst>
+          </p:cNvPr>
+          <p:cNvSpPr>
+            <a:spLocks noGrp="1"/>
+          </p:cNvSpPr>
+          <p:nvPr>
+            <p:ph type="body" idx="1"/>
+          </p:nvPr>
+        </p:nvSpPr>
+        <p:spPr/>
+        <p:txBody>
+          <a:bodyPr/>
+          <a:lstStyle/>
+          <a:p>
+            <a:r>
+              <a:rPr lang="it-IT" dirty="0"/>
+              <a:t>OS161</a:t>
+            </a:r>
+          </a:p>
+        </p:txBody>
+      </p:sp>
+      <p:sp>
+        <p:nvSpPr>
+          <p:cNvPr id="8" name="Segnaposto contenuto 7">
+            <a:extLst>
+              <a:ext uri="{FF2B5EF4-FFF2-40B4-BE49-F238E27FC236}">
+                <a16:creationId xmlns:a16="http://schemas.microsoft.com/office/drawing/2014/main" id="{A1E5DF89-94E7-98C4-F563-B3A43317A1CE}"/>
+              </a:ext>
+            </a:extLst>
+          </p:cNvPr>
+          <p:cNvSpPr>
+            <a:spLocks noGrp="1"/>
+          </p:cNvSpPr>
+          <p:nvPr>
+            <p:ph sz="half" idx="2"/>
+          </p:nvPr>
+        </p:nvSpPr>
+        <p:spPr/>
+        <p:txBody>
+          <a:bodyPr/>
+          <a:lstStyle/>
+          <a:p>
+            <a:endParaRPr lang="it-IT"/>
+          </a:p>
+        </p:txBody>
+      </p:sp>
+      <p:sp>
+        <p:nvSpPr>
+          <p:cNvPr id="9" name="Segnaposto testo 8">
+            <a:extLst>
+              <a:ext uri="{FF2B5EF4-FFF2-40B4-BE49-F238E27FC236}">
+                <a16:creationId xmlns:a16="http://schemas.microsoft.com/office/drawing/2014/main" id="{00842FCF-9A2A-27B3-4ED6-BB0713CE4444}"/>
+              </a:ext>
+            </a:extLst>
+          </p:cNvPr>
+          <p:cNvSpPr>
+            <a:spLocks noGrp="1"/>
+          </p:cNvSpPr>
+          <p:nvPr>
+            <p:ph type="body" sz="quarter" idx="3"/>
+          </p:nvPr>
+        </p:nvSpPr>
+        <p:spPr/>
+        <p:txBody>
+          <a:bodyPr/>
+          <a:lstStyle/>
+          <a:p>
+            <a:r>
+              <a:rPr lang="it-IT" dirty="0"/>
+              <a:t>MINIX 3</a:t>
+            </a:r>
+          </a:p>
+        </p:txBody>
+      </p:sp>
+      <p:sp>
+        <p:nvSpPr>
+          <p:cNvPr id="10" name="Segnaposto contenuto 9">
+            <a:extLst>
+              <a:ext uri="{FF2B5EF4-FFF2-40B4-BE49-F238E27FC236}">
+                <a16:creationId xmlns:a16="http://schemas.microsoft.com/office/drawing/2014/main" id="{3CDA2ECB-1671-3745-42C6-213A778ECD29}"/>
+              </a:ext>
+            </a:extLst>
+          </p:cNvPr>
+          <p:cNvSpPr>
+            <a:spLocks noGrp="1"/>
+          </p:cNvSpPr>
+          <p:nvPr>
+            <p:ph sz="quarter" idx="4"/>
+          </p:nvPr>
+        </p:nvSpPr>
+        <p:spPr/>
+        <p:txBody>
+          <a:bodyPr/>
+          <a:lstStyle/>
+          <a:p>
+            <a:endParaRPr lang="it-IT"/>
+          </a:p>
+        </p:txBody>
+      </p:sp>
+    </p:spTree>
+    <p:extLst>
+      <p:ext uri="{BB962C8B-B14F-4D97-AF65-F5344CB8AC3E}">
+        <p14:creationId xmlns:p14="http://schemas.microsoft.com/office/powerpoint/2010/main" val="1764962512"/>
+      </p:ext>
+    </p:extLst>
+  </p:cSld>
+  <p:clrMapOvr>
+    <a:masterClrMapping/>
+  </p:clrMapOvr>
+</p:sld>
+</file>
+
+<file path=ppt/slides/slide15.xml><?xml version="1.0" encoding="utf-8"?>
+<p:sld xmlns:a="http://schemas.openxmlformats.org/drawingml/2006/main" xmlns:r="http://schemas.openxmlformats.org/officeDocument/2006/relationships" xmlns:p="http://schemas.openxmlformats.org/presentationml/2006/main">
+  <p:cSld>
+    <p:spTree>
+      <p:nvGrpSpPr>
+        <p:cNvPr id="1" name=""/>
+        <p:cNvGrpSpPr/>
+        <p:nvPr/>
+      </p:nvGrpSpPr>
+      <p:grpSpPr>
+        <a:xfrm>
+          <a:off x="0" y="0"/>
+          <a:ext cx="0" cy="0"/>
+          <a:chOff x="0" y="0"/>
+          <a:chExt cx="0" cy="0"/>
+        </a:xfrm>
+      </p:grpSpPr>
+      <p:sp>
+        <p:nvSpPr>
+          <p:cNvPr id="2" name="Titolo 1">
+            <a:extLst>
+              <a:ext uri="{FF2B5EF4-FFF2-40B4-BE49-F238E27FC236}">
+                <a16:creationId xmlns:a16="http://schemas.microsoft.com/office/drawing/2014/main" id="{69441F67-1949-8EC8-EB98-85670AC3670C}"/>
+              </a:ext>
+            </a:extLst>
+          </p:cNvPr>
+          <p:cNvSpPr>
+            <a:spLocks noGrp="1"/>
+          </p:cNvSpPr>
+          <p:nvPr>
+            <p:ph type="title"/>
+          </p:nvPr>
+        </p:nvSpPr>
+        <p:spPr/>
+        <p:txBody>
+          <a:bodyPr>
+            <a:normAutofit/>
+          </a:bodyPr>
+          <a:lstStyle/>
+          <a:p>
+            <a:r>
+              <a:rPr lang="it-IT" dirty="0"/>
+              <a:t>Scheduling: Conclusioni</a:t>
+            </a:r>
+          </a:p>
+        </p:txBody>
+      </p:sp>
+      <p:sp>
+        <p:nvSpPr>
+          <p:cNvPr id="4" name="Segnaposto testo 3">
+            <a:extLst>
+              <a:ext uri="{FF2B5EF4-FFF2-40B4-BE49-F238E27FC236}">
+                <a16:creationId xmlns:a16="http://schemas.microsoft.com/office/drawing/2014/main" id="{3484543A-BB31-0207-182F-1F1C206F0C68}"/>
+              </a:ext>
+            </a:extLst>
+          </p:cNvPr>
+          <p:cNvSpPr>
+            <a:spLocks noGrp="1"/>
+          </p:cNvSpPr>
+          <p:nvPr>
+            <p:ph type="body" idx="1"/>
+          </p:nvPr>
+        </p:nvSpPr>
+        <p:spPr/>
+        <p:txBody>
+          <a:bodyPr/>
+          <a:lstStyle/>
+          <a:p>
+            <a:r>
+              <a:rPr lang="it-IT" dirty="0"/>
+              <a:t>OS161</a:t>
+            </a:r>
+          </a:p>
+        </p:txBody>
+      </p:sp>
+      <p:sp>
+        <p:nvSpPr>
+          <p:cNvPr id="8" name="Segnaposto contenuto 7">
+            <a:extLst>
+              <a:ext uri="{FF2B5EF4-FFF2-40B4-BE49-F238E27FC236}">
+                <a16:creationId xmlns:a16="http://schemas.microsoft.com/office/drawing/2014/main" id="{A1E5DF89-94E7-98C4-F563-B3A43317A1CE}"/>
+              </a:ext>
+            </a:extLst>
+          </p:cNvPr>
+          <p:cNvSpPr>
+            <a:spLocks noGrp="1"/>
+          </p:cNvSpPr>
+          <p:nvPr>
+            <p:ph sz="half" idx="2"/>
+          </p:nvPr>
+        </p:nvSpPr>
+        <p:spPr/>
+        <p:txBody>
+          <a:bodyPr/>
+          <a:lstStyle/>
+          <a:p>
+            <a:endParaRPr lang="it-IT"/>
+          </a:p>
+        </p:txBody>
+      </p:sp>
+      <p:sp>
+        <p:nvSpPr>
+          <p:cNvPr id="9" name="Segnaposto testo 8">
+            <a:extLst>
+              <a:ext uri="{FF2B5EF4-FFF2-40B4-BE49-F238E27FC236}">
+                <a16:creationId xmlns:a16="http://schemas.microsoft.com/office/drawing/2014/main" id="{00842FCF-9A2A-27B3-4ED6-BB0713CE4444}"/>
+              </a:ext>
+            </a:extLst>
+          </p:cNvPr>
+          <p:cNvSpPr>
+            <a:spLocks noGrp="1"/>
+          </p:cNvSpPr>
+          <p:nvPr>
+            <p:ph type="body" sz="quarter" idx="3"/>
+          </p:nvPr>
+        </p:nvSpPr>
+        <p:spPr/>
+        <p:txBody>
+          <a:bodyPr/>
+          <a:lstStyle/>
+          <a:p>
+            <a:r>
+              <a:rPr lang="it-IT" dirty="0"/>
+              <a:t>MINIX 3</a:t>
+            </a:r>
+          </a:p>
+        </p:txBody>
+      </p:sp>
+      <p:sp>
+        <p:nvSpPr>
+          <p:cNvPr id="10" name="Segnaposto contenuto 9">
+            <a:extLst>
+              <a:ext uri="{FF2B5EF4-FFF2-40B4-BE49-F238E27FC236}">
+                <a16:creationId xmlns:a16="http://schemas.microsoft.com/office/drawing/2014/main" id="{3CDA2ECB-1671-3745-42C6-213A778ECD29}"/>
+              </a:ext>
+            </a:extLst>
+          </p:cNvPr>
+          <p:cNvSpPr>
+            <a:spLocks noGrp="1"/>
+          </p:cNvSpPr>
+          <p:nvPr>
+            <p:ph sz="quarter" idx="4"/>
+          </p:nvPr>
+        </p:nvSpPr>
+        <p:spPr/>
+        <p:txBody>
+          <a:bodyPr/>
+          <a:lstStyle/>
+          <a:p>
+            <a:endParaRPr lang="it-IT"/>
+          </a:p>
+        </p:txBody>
+      </p:sp>
+    </p:spTree>
+    <p:extLst>
+      <p:ext uri="{BB962C8B-B14F-4D97-AF65-F5344CB8AC3E}">
+        <p14:creationId xmlns:p14="http://schemas.microsoft.com/office/powerpoint/2010/main" val="1642301185"/>
+      </p:ext>
+    </p:extLst>
+  </p:cSld>
+  <p:clrMapOvr>
+    <a:masterClrMapping/>
+  </p:clrMapOvr>
+</p:sld>
+</file>
+
+<file path=ppt/slides/slide16.xml><?xml version="1.0" encoding="utf-8"?>
+<p:sld xmlns:a="http://schemas.openxmlformats.org/drawingml/2006/main" xmlns:r="http://schemas.openxmlformats.org/officeDocument/2006/relationships" xmlns:p="http://schemas.openxmlformats.org/presentationml/2006/main">
+  <p:cSld>
+    <p:spTree>
+      <p:nvGrpSpPr>
+        <p:cNvPr id="1" name=""/>
+        <p:cNvGrpSpPr/>
+        <p:nvPr/>
+      </p:nvGrpSpPr>
+      <p:grpSpPr>
+        <a:xfrm>
+          <a:off x="0" y="0"/>
+          <a:ext cx="0" cy="0"/>
+          <a:chOff x="0" y="0"/>
+          <a:chExt cx="0" cy="0"/>
+        </a:xfrm>
+      </p:grpSpPr>
+      <p:sp>
+        <p:nvSpPr>
+          <p:cNvPr id="2" name="Titolo 1">
+            <a:extLst>
+              <a:ext uri="{FF2B5EF4-FFF2-40B4-BE49-F238E27FC236}">
+                <a16:creationId xmlns:a16="http://schemas.microsoft.com/office/drawing/2014/main" id="{7900EF7C-7285-9CC8-2E3F-795F09433FAC}"/>
+              </a:ext>
+            </a:extLst>
+          </p:cNvPr>
+          <p:cNvSpPr>
+            <a:spLocks noGrp="1"/>
+          </p:cNvSpPr>
+          <p:nvPr>
+            <p:ph type="title"/>
+          </p:nvPr>
+        </p:nvSpPr>
+        <p:spPr/>
+        <p:txBody>
+          <a:bodyPr/>
+          <a:lstStyle/>
+          <a:p>
+            <a:r>
+              <a:rPr lang="it-IT" dirty="0"/>
+              <a:t>Gestione della memoria</a:t>
+            </a:r>
+          </a:p>
+        </p:txBody>
+      </p:sp>
+      <p:sp>
+        <p:nvSpPr>
+          <p:cNvPr id="3" name="Segnaposto contenuto 2">
+            <a:extLst>
+              <a:ext uri="{FF2B5EF4-FFF2-40B4-BE49-F238E27FC236}">
+                <a16:creationId xmlns:a16="http://schemas.microsoft.com/office/drawing/2014/main" id="{8582FC7B-01D3-3352-C58E-14891A68BC1C}"/>
+              </a:ext>
+            </a:extLst>
+          </p:cNvPr>
+          <p:cNvSpPr>
+            <a:spLocks noGrp="1"/>
+          </p:cNvSpPr>
+          <p:nvPr>
+            <p:ph idx="1"/>
+          </p:nvPr>
+        </p:nvSpPr>
+        <p:spPr/>
+        <p:txBody>
+          <a:bodyPr/>
+          <a:lstStyle/>
+          <a:p>
+            <a:endParaRPr lang="it-IT"/>
+          </a:p>
+        </p:txBody>
+      </p:sp>
+    </p:spTree>
+    <p:extLst>
+      <p:ext uri="{BB962C8B-B14F-4D97-AF65-F5344CB8AC3E}">
+        <p14:creationId xmlns:p14="http://schemas.microsoft.com/office/powerpoint/2010/main" val="3676064560"/>
+      </p:ext>
+    </p:extLst>
+  </p:cSld>
+  <p:clrMapOvr>
+    <a:masterClrMapping/>
+  </p:clrMapOvr>
+</p:sld>
+</file>
+
+<file path=ppt/slides/slide17.xml><?xml version="1.0" encoding="utf-8"?>
+<p:sld xmlns:a="http://schemas.openxmlformats.org/drawingml/2006/main" xmlns:r="http://schemas.openxmlformats.org/officeDocument/2006/relationships" xmlns:p="http://schemas.openxmlformats.org/presentationml/2006/main">
+  <p:cSld>
+    <p:spTree>
+      <p:nvGrpSpPr>
+        <p:cNvPr id="1" name=""/>
+        <p:cNvGrpSpPr/>
+        <p:nvPr/>
+      </p:nvGrpSpPr>
+      <p:grpSpPr>
+        <a:xfrm>
+          <a:off x="0" y="0"/>
+          <a:ext cx="0" cy="0"/>
+          <a:chOff x="0" y="0"/>
+          <a:chExt cx="0" cy="0"/>
+        </a:xfrm>
+      </p:grpSpPr>
+      <p:sp>
+        <p:nvSpPr>
+          <p:cNvPr id="2" name="Titolo 1">
+            <a:extLst>
+              <a:ext uri="{FF2B5EF4-FFF2-40B4-BE49-F238E27FC236}">
+                <a16:creationId xmlns:a16="http://schemas.microsoft.com/office/drawing/2014/main" id="{69441F67-1949-8EC8-EB98-85670AC3670C}"/>
+              </a:ext>
+            </a:extLst>
+          </p:cNvPr>
+          <p:cNvSpPr>
+            <a:spLocks noGrp="1"/>
+          </p:cNvSpPr>
+          <p:nvPr>
+            <p:ph type="title"/>
+          </p:nvPr>
+        </p:nvSpPr>
+        <p:spPr/>
+        <p:txBody>
+          <a:bodyPr>
+            <a:normAutofit/>
+          </a:bodyPr>
+          <a:lstStyle/>
+          <a:p>
+            <a:r>
+              <a:rPr lang="it-IT" dirty="0" err="1"/>
+              <a:t>Paging</a:t>
+            </a:r>
+            <a:r>
+              <a:rPr lang="it-IT" dirty="0"/>
+              <a:t> e </a:t>
+            </a:r>
+            <a:r>
+              <a:rPr lang="it-IT" dirty="0" err="1"/>
+              <a:t>virtual</a:t>
+            </a:r>
+            <a:r>
+              <a:rPr lang="it-IT" dirty="0"/>
+              <a:t> </a:t>
+            </a:r>
+            <a:r>
+              <a:rPr lang="it-IT" dirty="0" err="1"/>
+              <a:t>memory</a:t>
+            </a:r>
+            <a:endParaRPr lang="it-IT" dirty="0"/>
+          </a:p>
+        </p:txBody>
+      </p:sp>
+      <p:sp>
+        <p:nvSpPr>
+          <p:cNvPr id="4" name="Segnaposto testo 3">
+            <a:extLst>
+              <a:ext uri="{FF2B5EF4-FFF2-40B4-BE49-F238E27FC236}">
+                <a16:creationId xmlns:a16="http://schemas.microsoft.com/office/drawing/2014/main" id="{3484543A-BB31-0207-182F-1F1C206F0C68}"/>
+              </a:ext>
+            </a:extLst>
+          </p:cNvPr>
+          <p:cNvSpPr>
+            <a:spLocks noGrp="1"/>
+          </p:cNvSpPr>
+          <p:nvPr>
+            <p:ph type="body" idx="1"/>
+          </p:nvPr>
+        </p:nvSpPr>
+        <p:spPr/>
+        <p:txBody>
+          <a:bodyPr/>
+          <a:lstStyle/>
+          <a:p>
+            <a:r>
+              <a:rPr lang="it-IT" dirty="0"/>
+              <a:t>OS161</a:t>
+            </a:r>
+          </a:p>
+        </p:txBody>
+      </p:sp>
+      <p:sp>
+        <p:nvSpPr>
+          <p:cNvPr id="8" name="Segnaposto contenuto 7">
+            <a:extLst>
+              <a:ext uri="{FF2B5EF4-FFF2-40B4-BE49-F238E27FC236}">
+                <a16:creationId xmlns:a16="http://schemas.microsoft.com/office/drawing/2014/main" id="{A1E5DF89-94E7-98C4-F563-B3A43317A1CE}"/>
+              </a:ext>
+            </a:extLst>
+          </p:cNvPr>
+          <p:cNvSpPr>
+            <a:spLocks noGrp="1"/>
+          </p:cNvSpPr>
+          <p:nvPr>
+            <p:ph sz="half" idx="2"/>
+          </p:nvPr>
+        </p:nvSpPr>
+        <p:spPr/>
+        <p:txBody>
+          <a:bodyPr/>
+          <a:lstStyle/>
+          <a:p>
+            <a:endParaRPr lang="it-IT"/>
+          </a:p>
+        </p:txBody>
+      </p:sp>
+      <p:sp>
+        <p:nvSpPr>
+          <p:cNvPr id="9" name="Segnaposto testo 8">
+            <a:extLst>
+              <a:ext uri="{FF2B5EF4-FFF2-40B4-BE49-F238E27FC236}">
+                <a16:creationId xmlns:a16="http://schemas.microsoft.com/office/drawing/2014/main" id="{00842FCF-9A2A-27B3-4ED6-BB0713CE4444}"/>
+              </a:ext>
+            </a:extLst>
+          </p:cNvPr>
+          <p:cNvSpPr>
+            <a:spLocks noGrp="1"/>
+          </p:cNvSpPr>
+          <p:nvPr>
+            <p:ph type="body" sz="quarter" idx="3"/>
+          </p:nvPr>
+        </p:nvSpPr>
+        <p:spPr/>
+        <p:txBody>
+          <a:bodyPr/>
+          <a:lstStyle/>
+          <a:p>
+            <a:r>
+              <a:rPr lang="it-IT" dirty="0"/>
+              <a:t>MINIX 3</a:t>
+            </a:r>
+          </a:p>
+        </p:txBody>
+      </p:sp>
+      <p:sp>
+        <p:nvSpPr>
+          <p:cNvPr id="10" name="Segnaposto contenuto 9">
+            <a:extLst>
+              <a:ext uri="{FF2B5EF4-FFF2-40B4-BE49-F238E27FC236}">
+                <a16:creationId xmlns:a16="http://schemas.microsoft.com/office/drawing/2014/main" id="{3CDA2ECB-1671-3745-42C6-213A778ECD29}"/>
+              </a:ext>
+            </a:extLst>
+          </p:cNvPr>
+          <p:cNvSpPr>
+            <a:spLocks noGrp="1"/>
+          </p:cNvSpPr>
+          <p:nvPr>
+            <p:ph sz="quarter" idx="4"/>
+          </p:nvPr>
+        </p:nvSpPr>
+        <p:spPr/>
+        <p:txBody>
+          <a:bodyPr/>
+          <a:lstStyle/>
+          <a:p>
+            <a:endParaRPr lang="it-IT"/>
+          </a:p>
+        </p:txBody>
+      </p:sp>
+    </p:spTree>
+    <p:extLst>
+      <p:ext uri="{BB962C8B-B14F-4D97-AF65-F5344CB8AC3E}">
+        <p14:creationId xmlns:p14="http://schemas.microsoft.com/office/powerpoint/2010/main" val="1787713386"/>
+      </p:ext>
+    </p:extLst>
+  </p:cSld>
+  <p:clrMapOvr>
+    <a:masterClrMapping/>
+  </p:clrMapOvr>
+</p:sld>
+</file>
+
+<file path=ppt/slides/slide18.xml><?xml version="1.0" encoding="utf-8"?>
+<p:sld xmlns:a="http://schemas.openxmlformats.org/drawingml/2006/main" xmlns:r="http://schemas.openxmlformats.org/officeDocument/2006/relationships" xmlns:p="http://schemas.openxmlformats.org/presentationml/2006/main">
+  <p:cSld>
+    <p:spTree>
+      <p:nvGrpSpPr>
+        <p:cNvPr id="1" name=""/>
+        <p:cNvGrpSpPr/>
+        <p:nvPr/>
+      </p:nvGrpSpPr>
+      <p:grpSpPr>
+        <a:xfrm>
+          <a:off x="0" y="0"/>
+          <a:ext cx="0" cy="0"/>
+          <a:chOff x="0" y="0"/>
+          <a:chExt cx="0" cy="0"/>
+        </a:xfrm>
+      </p:grpSpPr>
+      <p:sp>
+        <p:nvSpPr>
+          <p:cNvPr id="2" name="Titolo 1">
+            <a:extLst>
+              <a:ext uri="{FF2B5EF4-FFF2-40B4-BE49-F238E27FC236}">
+                <a16:creationId xmlns:a16="http://schemas.microsoft.com/office/drawing/2014/main" id="{69441F67-1949-8EC8-EB98-85670AC3670C}"/>
+              </a:ext>
+            </a:extLst>
+          </p:cNvPr>
+          <p:cNvSpPr>
+            <a:spLocks noGrp="1"/>
+          </p:cNvSpPr>
+          <p:nvPr>
+            <p:ph type="title"/>
+          </p:nvPr>
+        </p:nvSpPr>
+        <p:spPr/>
+        <p:txBody>
+          <a:bodyPr>
+            <a:normAutofit/>
+          </a:bodyPr>
+          <a:lstStyle/>
+          <a:p>
+            <a:r>
+              <a:rPr lang="it-IT" dirty="0"/>
+              <a:t>Gestione delle chiamate</a:t>
+            </a:r>
+          </a:p>
+        </p:txBody>
+      </p:sp>
+      <p:sp>
+        <p:nvSpPr>
+          <p:cNvPr id="4" name="Segnaposto testo 3">
+            <a:extLst>
+              <a:ext uri="{FF2B5EF4-FFF2-40B4-BE49-F238E27FC236}">
+                <a16:creationId xmlns:a16="http://schemas.microsoft.com/office/drawing/2014/main" id="{3484543A-BB31-0207-182F-1F1C206F0C68}"/>
+              </a:ext>
+            </a:extLst>
+          </p:cNvPr>
+          <p:cNvSpPr>
+            <a:spLocks noGrp="1"/>
+          </p:cNvSpPr>
+          <p:nvPr>
+            <p:ph type="body" idx="1"/>
+          </p:nvPr>
+        </p:nvSpPr>
+        <p:spPr/>
+        <p:txBody>
+          <a:bodyPr/>
+          <a:lstStyle/>
+          <a:p>
+            <a:r>
+              <a:rPr lang="it-IT" dirty="0"/>
+              <a:t>OS161</a:t>
+            </a:r>
+          </a:p>
+        </p:txBody>
+      </p:sp>
+      <p:sp>
+        <p:nvSpPr>
+          <p:cNvPr id="8" name="Segnaposto contenuto 7">
+            <a:extLst>
+              <a:ext uri="{FF2B5EF4-FFF2-40B4-BE49-F238E27FC236}">
+                <a16:creationId xmlns:a16="http://schemas.microsoft.com/office/drawing/2014/main" id="{A1E5DF89-94E7-98C4-F563-B3A43317A1CE}"/>
+              </a:ext>
+            </a:extLst>
+          </p:cNvPr>
+          <p:cNvSpPr>
+            <a:spLocks noGrp="1"/>
+          </p:cNvSpPr>
+          <p:nvPr>
+            <p:ph sz="half" idx="2"/>
+          </p:nvPr>
+        </p:nvSpPr>
+        <p:spPr/>
+        <p:txBody>
+          <a:bodyPr/>
+          <a:lstStyle/>
+          <a:p>
+            <a:endParaRPr lang="it-IT"/>
+          </a:p>
+        </p:txBody>
+      </p:sp>
+      <p:sp>
+        <p:nvSpPr>
+          <p:cNvPr id="9" name="Segnaposto testo 8">
+            <a:extLst>
+              <a:ext uri="{FF2B5EF4-FFF2-40B4-BE49-F238E27FC236}">
+                <a16:creationId xmlns:a16="http://schemas.microsoft.com/office/drawing/2014/main" id="{00842FCF-9A2A-27B3-4ED6-BB0713CE4444}"/>
+              </a:ext>
+            </a:extLst>
+          </p:cNvPr>
+          <p:cNvSpPr>
+            <a:spLocks noGrp="1"/>
+          </p:cNvSpPr>
+          <p:nvPr>
+            <p:ph type="body" sz="quarter" idx="3"/>
+          </p:nvPr>
+        </p:nvSpPr>
+        <p:spPr/>
+        <p:txBody>
+          <a:bodyPr/>
+          <a:lstStyle/>
+          <a:p>
+            <a:r>
+              <a:rPr lang="it-IT" dirty="0"/>
+              <a:t>MINIX 3</a:t>
+            </a:r>
+          </a:p>
+        </p:txBody>
+      </p:sp>
+      <p:sp>
+        <p:nvSpPr>
+          <p:cNvPr id="10" name="Segnaposto contenuto 9">
+            <a:extLst>
+              <a:ext uri="{FF2B5EF4-FFF2-40B4-BE49-F238E27FC236}">
+                <a16:creationId xmlns:a16="http://schemas.microsoft.com/office/drawing/2014/main" id="{3CDA2ECB-1671-3745-42C6-213A778ECD29}"/>
+              </a:ext>
+            </a:extLst>
+          </p:cNvPr>
+          <p:cNvSpPr>
+            <a:spLocks noGrp="1"/>
+          </p:cNvSpPr>
+          <p:nvPr>
+            <p:ph sz="quarter" idx="4"/>
+          </p:nvPr>
+        </p:nvSpPr>
+        <p:spPr/>
+        <p:txBody>
+          <a:bodyPr/>
+          <a:lstStyle/>
+          <a:p>
+            <a:endParaRPr lang="it-IT"/>
+          </a:p>
+        </p:txBody>
+      </p:sp>
+    </p:spTree>
+    <p:extLst>
+      <p:ext uri="{BB962C8B-B14F-4D97-AF65-F5344CB8AC3E}">
+        <p14:creationId xmlns:p14="http://schemas.microsoft.com/office/powerpoint/2010/main" val="104424725"/>
+      </p:ext>
+    </p:extLst>
+  </p:cSld>
+  <p:clrMapOvr>
+    <a:masterClrMapping/>
+  </p:clrMapOvr>
+</p:sld>
+</file>
+
+<file path=ppt/slides/slide19.xml><?xml version="1.0" encoding="utf-8"?>
+<p:sld xmlns:a="http://schemas.openxmlformats.org/drawingml/2006/main" xmlns:r="http://schemas.openxmlformats.org/officeDocument/2006/relationships" xmlns:p="http://schemas.openxmlformats.org/presentationml/2006/main">
+  <p:cSld>
+    <p:spTree>
+      <p:nvGrpSpPr>
+        <p:cNvPr id="1" name=""/>
+        <p:cNvGrpSpPr/>
+        <p:nvPr/>
+      </p:nvGrpSpPr>
+      <p:grpSpPr>
+        <a:xfrm>
+          <a:off x="0" y="0"/>
+          <a:ext cx="0" cy="0"/>
+          <a:chOff x="0" y="0"/>
+          <a:chExt cx="0" cy="0"/>
+        </a:xfrm>
+      </p:grpSpPr>
+      <p:sp>
+        <p:nvSpPr>
+          <p:cNvPr id="2" name="Titolo 1">
+            <a:extLst>
+              <a:ext uri="{FF2B5EF4-FFF2-40B4-BE49-F238E27FC236}">
+                <a16:creationId xmlns:a16="http://schemas.microsoft.com/office/drawing/2014/main" id="{69441F67-1949-8EC8-EB98-85670AC3670C}"/>
+              </a:ext>
+            </a:extLst>
+          </p:cNvPr>
+          <p:cNvSpPr>
+            <a:spLocks noGrp="1"/>
+          </p:cNvSpPr>
+          <p:nvPr>
+            <p:ph type="title"/>
+          </p:nvPr>
+        </p:nvSpPr>
+        <p:spPr/>
+        <p:txBody>
+          <a:bodyPr>
+            <a:normAutofit/>
+          </a:bodyPr>
+          <a:lstStyle/>
+          <a:p>
+            <a:r>
+              <a:rPr lang="it-IT" dirty="0"/>
+              <a:t>Meccanismi di sincronizzazione</a:t>
+            </a:r>
+          </a:p>
+        </p:txBody>
+      </p:sp>
+      <p:sp>
+        <p:nvSpPr>
+          <p:cNvPr id="4" name="Segnaposto testo 3">
+            <a:extLst>
+              <a:ext uri="{FF2B5EF4-FFF2-40B4-BE49-F238E27FC236}">
+                <a16:creationId xmlns:a16="http://schemas.microsoft.com/office/drawing/2014/main" id="{3484543A-BB31-0207-182F-1F1C206F0C68}"/>
+              </a:ext>
+            </a:extLst>
+          </p:cNvPr>
+          <p:cNvSpPr>
+            <a:spLocks noGrp="1"/>
+          </p:cNvSpPr>
+          <p:nvPr>
+            <p:ph type="body" idx="1"/>
+          </p:nvPr>
+        </p:nvSpPr>
+        <p:spPr/>
+        <p:txBody>
+          <a:bodyPr/>
+          <a:lstStyle/>
+          <a:p>
+            <a:r>
+              <a:rPr lang="it-IT" dirty="0"/>
+              <a:t>OS161</a:t>
+            </a:r>
+          </a:p>
+        </p:txBody>
+      </p:sp>
+      <p:sp>
+        <p:nvSpPr>
+          <p:cNvPr id="8" name="Segnaposto contenuto 7">
+            <a:extLst>
+              <a:ext uri="{FF2B5EF4-FFF2-40B4-BE49-F238E27FC236}">
+                <a16:creationId xmlns:a16="http://schemas.microsoft.com/office/drawing/2014/main" id="{A1E5DF89-94E7-98C4-F563-B3A43317A1CE}"/>
+              </a:ext>
+            </a:extLst>
+          </p:cNvPr>
+          <p:cNvSpPr>
+            <a:spLocks noGrp="1"/>
+          </p:cNvSpPr>
+          <p:nvPr>
+            <p:ph sz="half" idx="2"/>
+          </p:nvPr>
+        </p:nvSpPr>
+        <p:spPr/>
+        <p:txBody>
+          <a:bodyPr/>
+          <a:lstStyle/>
+          <a:p>
+            <a:endParaRPr lang="it-IT"/>
+          </a:p>
+        </p:txBody>
+      </p:sp>
+      <p:sp>
+        <p:nvSpPr>
+          <p:cNvPr id="9" name="Segnaposto testo 8">
+            <a:extLst>
+              <a:ext uri="{FF2B5EF4-FFF2-40B4-BE49-F238E27FC236}">
+                <a16:creationId xmlns:a16="http://schemas.microsoft.com/office/drawing/2014/main" id="{00842FCF-9A2A-27B3-4ED6-BB0713CE4444}"/>
+              </a:ext>
+            </a:extLst>
+          </p:cNvPr>
+          <p:cNvSpPr>
+            <a:spLocks noGrp="1"/>
+          </p:cNvSpPr>
+          <p:nvPr>
+            <p:ph type="body" sz="quarter" idx="3"/>
+          </p:nvPr>
+        </p:nvSpPr>
+        <p:spPr/>
+        <p:txBody>
+          <a:bodyPr/>
+          <a:lstStyle/>
+          <a:p>
+            <a:r>
+              <a:rPr lang="it-IT" dirty="0"/>
+              <a:t>MINIX 3</a:t>
+            </a:r>
+          </a:p>
+        </p:txBody>
+      </p:sp>
+      <p:sp>
+        <p:nvSpPr>
+          <p:cNvPr id="10" name="Segnaposto contenuto 9">
+            <a:extLst>
+              <a:ext uri="{FF2B5EF4-FFF2-40B4-BE49-F238E27FC236}">
+                <a16:creationId xmlns:a16="http://schemas.microsoft.com/office/drawing/2014/main" id="{3CDA2ECB-1671-3745-42C6-213A778ECD29}"/>
+              </a:ext>
+            </a:extLst>
+          </p:cNvPr>
+          <p:cNvSpPr>
+            <a:spLocks noGrp="1"/>
+          </p:cNvSpPr>
+          <p:nvPr>
+            <p:ph sz="quarter" idx="4"/>
+          </p:nvPr>
+        </p:nvSpPr>
+        <p:spPr/>
+        <p:txBody>
+          <a:bodyPr/>
+          <a:lstStyle/>
+          <a:p>
+            <a:endParaRPr lang="it-IT"/>
+          </a:p>
+        </p:txBody>
+      </p:sp>
+    </p:spTree>
+    <p:extLst>
+      <p:ext uri="{BB962C8B-B14F-4D97-AF65-F5344CB8AC3E}">
+        <p14:creationId xmlns:p14="http://schemas.microsoft.com/office/powerpoint/2010/main" val="151468646"/>
+      </p:ext>
+    </p:extLst>
+  </p:cSld>
+  <p:clrMapOvr>
+    <a:masterClrMapping/>
+  </p:clrMapOvr>
+</p:sld>
+</file>
+
 <file path=ppt/slides/slide2.xml><?xml version="1.0" encoding="utf-8"?>
 <p:sld xmlns:a="http://schemas.openxmlformats.org/drawingml/2006/main" xmlns:r="http://schemas.openxmlformats.org/officeDocument/2006/relationships" xmlns:p="http://schemas.openxmlformats.org/presentationml/2006/main">
   <p:cSld>
@@ -3526,6 +5139,471 @@
     <p:extLst>
       <p:ext uri="{BB962C8B-B14F-4D97-AF65-F5344CB8AC3E}">
         <p14:creationId xmlns:p14="http://schemas.microsoft.com/office/powerpoint/2010/main" val="3101614826"/>
+      </p:ext>
+    </p:extLst>
+  </p:cSld>
+  <p:clrMapOvr>
+    <a:masterClrMapping/>
+  </p:clrMapOvr>
+</p:sld>
+</file>
+
+<file path=ppt/slides/slide20.xml><?xml version="1.0" encoding="utf-8"?>
+<p:sld xmlns:a="http://schemas.openxmlformats.org/drawingml/2006/main" xmlns:r="http://schemas.openxmlformats.org/officeDocument/2006/relationships" xmlns:p="http://schemas.openxmlformats.org/presentationml/2006/main">
+  <p:cSld>
+    <p:spTree>
+      <p:nvGrpSpPr>
+        <p:cNvPr id="1" name=""/>
+        <p:cNvGrpSpPr/>
+        <p:nvPr/>
+      </p:nvGrpSpPr>
+      <p:grpSpPr>
+        <a:xfrm>
+          <a:off x="0" y="0"/>
+          <a:ext cx="0" cy="0"/>
+          <a:chOff x="0" y="0"/>
+          <a:chExt cx="0" cy="0"/>
+        </a:xfrm>
+      </p:grpSpPr>
+      <p:sp>
+        <p:nvSpPr>
+          <p:cNvPr id="4" name="Titolo 3">
+            <a:extLst>
+              <a:ext uri="{FF2B5EF4-FFF2-40B4-BE49-F238E27FC236}">
+                <a16:creationId xmlns:a16="http://schemas.microsoft.com/office/drawing/2014/main" id="{4C6958DE-4CE8-5842-7EB3-6A77942BB66B}"/>
+              </a:ext>
+            </a:extLst>
+          </p:cNvPr>
+          <p:cNvSpPr>
+            <a:spLocks noGrp="1"/>
+          </p:cNvSpPr>
+          <p:nvPr>
+            <p:ph type="title"/>
+          </p:nvPr>
+        </p:nvSpPr>
+        <p:spPr/>
+        <p:txBody>
+          <a:bodyPr/>
+          <a:lstStyle/>
+          <a:p>
+            <a:endParaRPr lang="it-IT"/>
+          </a:p>
+        </p:txBody>
+      </p:sp>
+      <p:sp>
+        <p:nvSpPr>
+          <p:cNvPr id="5" name="Segnaposto testo 4">
+            <a:extLst>
+              <a:ext uri="{FF2B5EF4-FFF2-40B4-BE49-F238E27FC236}">
+                <a16:creationId xmlns:a16="http://schemas.microsoft.com/office/drawing/2014/main" id="{A4B09623-3F65-2A7A-7B90-C83F04115A56}"/>
+              </a:ext>
+            </a:extLst>
+          </p:cNvPr>
+          <p:cNvSpPr>
+            <a:spLocks noGrp="1"/>
+          </p:cNvSpPr>
+          <p:nvPr>
+            <p:ph type="body" idx="1"/>
+          </p:nvPr>
+        </p:nvSpPr>
+        <p:spPr/>
+        <p:txBody>
+          <a:bodyPr/>
+          <a:lstStyle/>
+          <a:p>
+            <a:endParaRPr lang="it-IT"/>
+          </a:p>
+        </p:txBody>
+      </p:sp>
+      <p:sp>
+        <p:nvSpPr>
+          <p:cNvPr id="6" name="Segnaposto contenuto 5">
+            <a:extLst>
+              <a:ext uri="{FF2B5EF4-FFF2-40B4-BE49-F238E27FC236}">
+                <a16:creationId xmlns:a16="http://schemas.microsoft.com/office/drawing/2014/main" id="{4BCD0132-CD1D-8CC1-F046-77698045EF07}"/>
+              </a:ext>
+            </a:extLst>
+          </p:cNvPr>
+          <p:cNvSpPr>
+            <a:spLocks noGrp="1"/>
+          </p:cNvSpPr>
+          <p:nvPr>
+            <p:ph sz="half" idx="2"/>
+          </p:nvPr>
+        </p:nvSpPr>
+        <p:spPr/>
+        <p:txBody>
+          <a:bodyPr/>
+          <a:lstStyle/>
+          <a:p>
+            <a:endParaRPr lang="it-IT"/>
+          </a:p>
+        </p:txBody>
+      </p:sp>
+      <p:sp>
+        <p:nvSpPr>
+          <p:cNvPr id="7" name="Segnaposto testo 6">
+            <a:extLst>
+              <a:ext uri="{FF2B5EF4-FFF2-40B4-BE49-F238E27FC236}">
+                <a16:creationId xmlns:a16="http://schemas.microsoft.com/office/drawing/2014/main" id="{E1B43DBC-8A47-364D-11EC-72C37033637E}"/>
+              </a:ext>
+            </a:extLst>
+          </p:cNvPr>
+          <p:cNvSpPr>
+            <a:spLocks noGrp="1"/>
+          </p:cNvSpPr>
+          <p:nvPr>
+            <p:ph type="body" sz="quarter" idx="3"/>
+          </p:nvPr>
+        </p:nvSpPr>
+        <p:spPr/>
+        <p:txBody>
+          <a:bodyPr/>
+          <a:lstStyle/>
+          <a:p>
+            <a:endParaRPr lang="it-IT"/>
+          </a:p>
+        </p:txBody>
+      </p:sp>
+      <p:sp>
+        <p:nvSpPr>
+          <p:cNvPr id="8" name="Segnaposto contenuto 7">
+            <a:extLst>
+              <a:ext uri="{FF2B5EF4-FFF2-40B4-BE49-F238E27FC236}">
+                <a16:creationId xmlns:a16="http://schemas.microsoft.com/office/drawing/2014/main" id="{3CBFDA4D-DA92-DE97-0B71-9E459466A516}"/>
+              </a:ext>
+            </a:extLst>
+          </p:cNvPr>
+          <p:cNvSpPr>
+            <a:spLocks noGrp="1"/>
+          </p:cNvSpPr>
+          <p:nvPr>
+            <p:ph sz="quarter" idx="4"/>
+          </p:nvPr>
+        </p:nvSpPr>
+        <p:spPr/>
+        <p:txBody>
+          <a:bodyPr/>
+          <a:lstStyle/>
+          <a:p>
+            <a:endParaRPr lang="it-IT"/>
+          </a:p>
+        </p:txBody>
+      </p:sp>
+    </p:spTree>
+    <p:extLst>
+      <p:ext uri="{BB962C8B-B14F-4D97-AF65-F5344CB8AC3E}">
+        <p14:creationId xmlns:p14="http://schemas.microsoft.com/office/powerpoint/2010/main" val="1346140153"/>
+      </p:ext>
+    </p:extLst>
+  </p:cSld>
+  <p:clrMapOvr>
+    <a:masterClrMapping/>
+  </p:clrMapOvr>
+</p:sld>
+</file>
+
+<file path=ppt/slides/slide21.xml><?xml version="1.0" encoding="utf-8"?>
+<p:sld xmlns:a="http://schemas.openxmlformats.org/drawingml/2006/main" xmlns:r="http://schemas.openxmlformats.org/officeDocument/2006/relationships" xmlns:p="http://schemas.openxmlformats.org/presentationml/2006/main">
+  <p:cSld>
+    <p:spTree>
+      <p:nvGrpSpPr>
+        <p:cNvPr id="1" name=""/>
+        <p:cNvGrpSpPr/>
+        <p:nvPr/>
+      </p:nvGrpSpPr>
+      <p:grpSpPr>
+        <a:xfrm>
+          <a:off x="0" y="0"/>
+          <a:ext cx="0" cy="0"/>
+          <a:chOff x="0" y="0"/>
+          <a:chExt cx="0" cy="0"/>
+        </a:xfrm>
+      </p:grpSpPr>
+      <p:sp>
+        <p:nvSpPr>
+          <p:cNvPr id="4" name="Titolo 3">
+            <a:extLst>
+              <a:ext uri="{FF2B5EF4-FFF2-40B4-BE49-F238E27FC236}">
+                <a16:creationId xmlns:a16="http://schemas.microsoft.com/office/drawing/2014/main" id="{4C6958DE-4CE8-5842-7EB3-6A77942BB66B}"/>
+              </a:ext>
+            </a:extLst>
+          </p:cNvPr>
+          <p:cNvSpPr>
+            <a:spLocks noGrp="1"/>
+          </p:cNvSpPr>
+          <p:nvPr>
+            <p:ph type="title"/>
+          </p:nvPr>
+        </p:nvSpPr>
+        <p:spPr/>
+        <p:txBody>
+          <a:bodyPr/>
+          <a:lstStyle/>
+          <a:p>
+            <a:endParaRPr lang="it-IT"/>
+          </a:p>
+        </p:txBody>
+      </p:sp>
+      <p:sp>
+        <p:nvSpPr>
+          <p:cNvPr id="5" name="Segnaposto testo 4">
+            <a:extLst>
+              <a:ext uri="{FF2B5EF4-FFF2-40B4-BE49-F238E27FC236}">
+                <a16:creationId xmlns:a16="http://schemas.microsoft.com/office/drawing/2014/main" id="{A4B09623-3F65-2A7A-7B90-C83F04115A56}"/>
+              </a:ext>
+            </a:extLst>
+          </p:cNvPr>
+          <p:cNvSpPr>
+            <a:spLocks noGrp="1"/>
+          </p:cNvSpPr>
+          <p:nvPr>
+            <p:ph type="body" idx="1"/>
+          </p:nvPr>
+        </p:nvSpPr>
+        <p:spPr/>
+        <p:txBody>
+          <a:bodyPr/>
+          <a:lstStyle/>
+          <a:p>
+            <a:endParaRPr lang="it-IT"/>
+          </a:p>
+        </p:txBody>
+      </p:sp>
+      <p:sp>
+        <p:nvSpPr>
+          <p:cNvPr id="6" name="Segnaposto contenuto 5">
+            <a:extLst>
+              <a:ext uri="{FF2B5EF4-FFF2-40B4-BE49-F238E27FC236}">
+                <a16:creationId xmlns:a16="http://schemas.microsoft.com/office/drawing/2014/main" id="{4BCD0132-CD1D-8CC1-F046-77698045EF07}"/>
+              </a:ext>
+            </a:extLst>
+          </p:cNvPr>
+          <p:cNvSpPr>
+            <a:spLocks noGrp="1"/>
+          </p:cNvSpPr>
+          <p:nvPr>
+            <p:ph sz="half" idx="2"/>
+          </p:nvPr>
+        </p:nvSpPr>
+        <p:spPr/>
+        <p:txBody>
+          <a:bodyPr/>
+          <a:lstStyle/>
+          <a:p>
+            <a:endParaRPr lang="it-IT"/>
+          </a:p>
+        </p:txBody>
+      </p:sp>
+      <p:sp>
+        <p:nvSpPr>
+          <p:cNvPr id="7" name="Segnaposto testo 6">
+            <a:extLst>
+              <a:ext uri="{FF2B5EF4-FFF2-40B4-BE49-F238E27FC236}">
+                <a16:creationId xmlns:a16="http://schemas.microsoft.com/office/drawing/2014/main" id="{E1B43DBC-8A47-364D-11EC-72C37033637E}"/>
+              </a:ext>
+            </a:extLst>
+          </p:cNvPr>
+          <p:cNvSpPr>
+            <a:spLocks noGrp="1"/>
+          </p:cNvSpPr>
+          <p:nvPr>
+            <p:ph type="body" sz="quarter" idx="3"/>
+          </p:nvPr>
+        </p:nvSpPr>
+        <p:spPr/>
+        <p:txBody>
+          <a:bodyPr/>
+          <a:lstStyle/>
+          <a:p>
+            <a:endParaRPr lang="it-IT"/>
+          </a:p>
+        </p:txBody>
+      </p:sp>
+      <p:sp>
+        <p:nvSpPr>
+          <p:cNvPr id="8" name="Segnaposto contenuto 7">
+            <a:extLst>
+              <a:ext uri="{FF2B5EF4-FFF2-40B4-BE49-F238E27FC236}">
+                <a16:creationId xmlns:a16="http://schemas.microsoft.com/office/drawing/2014/main" id="{3CBFDA4D-DA92-DE97-0B71-9E459466A516}"/>
+              </a:ext>
+            </a:extLst>
+          </p:cNvPr>
+          <p:cNvSpPr>
+            <a:spLocks noGrp="1"/>
+          </p:cNvSpPr>
+          <p:nvPr>
+            <p:ph sz="quarter" idx="4"/>
+          </p:nvPr>
+        </p:nvSpPr>
+        <p:spPr/>
+        <p:txBody>
+          <a:bodyPr/>
+          <a:lstStyle/>
+          <a:p>
+            <a:endParaRPr lang="it-IT"/>
+          </a:p>
+        </p:txBody>
+      </p:sp>
+    </p:spTree>
+    <p:extLst>
+      <p:ext uri="{BB962C8B-B14F-4D97-AF65-F5344CB8AC3E}">
+        <p14:creationId xmlns:p14="http://schemas.microsoft.com/office/powerpoint/2010/main" val="3327742900"/>
+      </p:ext>
+    </p:extLst>
+  </p:cSld>
+  <p:clrMapOvr>
+    <a:masterClrMapping/>
+  </p:clrMapOvr>
+</p:sld>
+</file>
+
+<file path=ppt/slides/slide22.xml><?xml version="1.0" encoding="utf-8"?>
+<p:sld xmlns:a="http://schemas.openxmlformats.org/drawingml/2006/main" xmlns:r="http://schemas.openxmlformats.org/officeDocument/2006/relationships" xmlns:p="http://schemas.openxmlformats.org/presentationml/2006/main">
+  <p:cSld>
+    <p:spTree>
+      <p:nvGrpSpPr>
+        <p:cNvPr id="1" name=""/>
+        <p:cNvGrpSpPr/>
+        <p:nvPr/>
+      </p:nvGrpSpPr>
+      <p:grpSpPr>
+        <a:xfrm>
+          <a:off x="0" y="0"/>
+          <a:ext cx="0" cy="0"/>
+          <a:chOff x="0" y="0"/>
+          <a:chExt cx="0" cy="0"/>
+        </a:xfrm>
+      </p:grpSpPr>
+      <p:sp>
+        <p:nvSpPr>
+          <p:cNvPr id="4" name="Titolo 3">
+            <a:extLst>
+              <a:ext uri="{FF2B5EF4-FFF2-40B4-BE49-F238E27FC236}">
+                <a16:creationId xmlns:a16="http://schemas.microsoft.com/office/drawing/2014/main" id="{4C6958DE-4CE8-5842-7EB3-6A77942BB66B}"/>
+              </a:ext>
+            </a:extLst>
+          </p:cNvPr>
+          <p:cNvSpPr>
+            <a:spLocks noGrp="1"/>
+          </p:cNvSpPr>
+          <p:nvPr>
+            <p:ph type="title"/>
+          </p:nvPr>
+        </p:nvSpPr>
+        <p:spPr/>
+        <p:txBody>
+          <a:bodyPr/>
+          <a:lstStyle/>
+          <a:p>
+            <a:endParaRPr lang="it-IT"/>
+          </a:p>
+        </p:txBody>
+      </p:sp>
+      <p:sp>
+        <p:nvSpPr>
+          <p:cNvPr id="5" name="Segnaposto testo 4">
+            <a:extLst>
+              <a:ext uri="{FF2B5EF4-FFF2-40B4-BE49-F238E27FC236}">
+                <a16:creationId xmlns:a16="http://schemas.microsoft.com/office/drawing/2014/main" id="{A4B09623-3F65-2A7A-7B90-C83F04115A56}"/>
+              </a:ext>
+            </a:extLst>
+          </p:cNvPr>
+          <p:cNvSpPr>
+            <a:spLocks noGrp="1"/>
+          </p:cNvSpPr>
+          <p:nvPr>
+            <p:ph type="body" idx="1"/>
+          </p:nvPr>
+        </p:nvSpPr>
+        <p:spPr/>
+        <p:txBody>
+          <a:bodyPr/>
+          <a:lstStyle/>
+          <a:p>
+            <a:endParaRPr lang="it-IT"/>
+          </a:p>
+        </p:txBody>
+      </p:sp>
+      <p:sp>
+        <p:nvSpPr>
+          <p:cNvPr id="6" name="Segnaposto contenuto 5">
+            <a:extLst>
+              <a:ext uri="{FF2B5EF4-FFF2-40B4-BE49-F238E27FC236}">
+                <a16:creationId xmlns:a16="http://schemas.microsoft.com/office/drawing/2014/main" id="{4BCD0132-CD1D-8CC1-F046-77698045EF07}"/>
+              </a:ext>
+            </a:extLst>
+          </p:cNvPr>
+          <p:cNvSpPr>
+            <a:spLocks noGrp="1"/>
+          </p:cNvSpPr>
+          <p:nvPr>
+            <p:ph sz="half" idx="2"/>
+          </p:nvPr>
+        </p:nvSpPr>
+        <p:spPr/>
+        <p:txBody>
+          <a:bodyPr/>
+          <a:lstStyle/>
+          <a:p>
+            <a:endParaRPr lang="it-IT"/>
+          </a:p>
+        </p:txBody>
+      </p:sp>
+      <p:sp>
+        <p:nvSpPr>
+          <p:cNvPr id="7" name="Segnaposto testo 6">
+            <a:extLst>
+              <a:ext uri="{FF2B5EF4-FFF2-40B4-BE49-F238E27FC236}">
+                <a16:creationId xmlns:a16="http://schemas.microsoft.com/office/drawing/2014/main" id="{E1B43DBC-8A47-364D-11EC-72C37033637E}"/>
+              </a:ext>
+            </a:extLst>
+          </p:cNvPr>
+          <p:cNvSpPr>
+            <a:spLocks noGrp="1"/>
+          </p:cNvSpPr>
+          <p:nvPr>
+            <p:ph type="body" sz="quarter" idx="3"/>
+          </p:nvPr>
+        </p:nvSpPr>
+        <p:spPr/>
+        <p:txBody>
+          <a:bodyPr/>
+          <a:lstStyle/>
+          <a:p>
+            <a:endParaRPr lang="it-IT"/>
+          </a:p>
+        </p:txBody>
+      </p:sp>
+      <p:sp>
+        <p:nvSpPr>
+          <p:cNvPr id="8" name="Segnaposto contenuto 7">
+            <a:extLst>
+              <a:ext uri="{FF2B5EF4-FFF2-40B4-BE49-F238E27FC236}">
+                <a16:creationId xmlns:a16="http://schemas.microsoft.com/office/drawing/2014/main" id="{3CBFDA4D-DA92-DE97-0B71-9E459466A516}"/>
+              </a:ext>
+            </a:extLst>
+          </p:cNvPr>
+          <p:cNvSpPr>
+            <a:spLocks noGrp="1"/>
+          </p:cNvSpPr>
+          <p:nvPr>
+            <p:ph sz="quarter" idx="4"/>
+          </p:nvPr>
+        </p:nvSpPr>
+        <p:spPr/>
+        <p:txBody>
+          <a:bodyPr/>
+          <a:lstStyle/>
+          <a:p>
+            <a:endParaRPr lang="it-IT"/>
+          </a:p>
+        </p:txBody>
+      </p:sp>
+    </p:spTree>
+    <p:extLst>
+      <p:ext uri="{BB962C8B-B14F-4D97-AF65-F5344CB8AC3E}">
+        <p14:creationId xmlns:p14="http://schemas.microsoft.com/office/powerpoint/2010/main" val="2906817671"/>
       </p:ext>
     </p:extLst>
   </p:cSld>
@@ -3582,18 +5660,99 @@
       </p:sp>
       <p:sp>
         <p:nvSpPr>
-          <p:cNvPr id="3" name="Segnaposto contenuto 2">
-            <a:extLst>
-              <a:ext uri="{FF2B5EF4-FFF2-40B4-BE49-F238E27FC236}">
-                <a16:creationId xmlns:a16="http://schemas.microsoft.com/office/drawing/2014/main" id="{2A77DB20-05F5-791F-D3C8-0D94540B279C}"/>
-              </a:ext>
-            </a:extLst>
-          </p:cNvPr>
-          <p:cNvSpPr>
-            <a:spLocks noGrp="1"/>
-          </p:cNvSpPr>
-          <p:nvPr>
-            <p:ph idx="1"/>
+          <p:cNvPr id="4" name="Segnaposto testo 3">
+            <a:extLst>
+              <a:ext uri="{FF2B5EF4-FFF2-40B4-BE49-F238E27FC236}">
+                <a16:creationId xmlns:a16="http://schemas.microsoft.com/office/drawing/2014/main" id="{31A68C2D-C33A-10A8-7A82-EEBA431B6445}"/>
+              </a:ext>
+            </a:extLst>
+          </p:cNvPr>
+          <p:cNvSpPr>
+            <a:spLocks noGrp="1"/>
+          </p:cNvSpPr>
+          <p:nvPr>
+            <p:ph type="body" idx="1"/>
+          </p:nvPr>
+        </p:nvSpPr>
+        <p:spPr/>
+        <p:txBody>
+          <a:bodyPr/>
+          <a:lstStyle/>
+          <a:p>
+            <a:r>
+              <a:rPr lang="it-IT" dirty="0"/>
+              <a:t>OS161</a:t>
+            </a:r>
+          </a:p>
+        </p:txBody>
+      </p:sp>
+      <p:sp>
+        <p:nvSpPr>
+          <p:cNvPr id="5" name="Segnaposto contenuto 4">
+            <a:extLst>
+              <a:ext uri="{FF2B5EF4-FFF2-40B4-BE49-F238E27FC236}">
+                <a16:creationId xmlns:a16="http://schemas.microsoft.com/office/drawing/2014/main" id="{0D7371ED-F5BC-982B-58F8-28F9F8113C0D}"/>
+              </a:ext>
+            </a:extLst>
+          </p:cNvPr>
+          <p:cNvSpPr>
+            <a:spLocks noGrp="1"/>
+          </p:cNvSpPr>
+          <p:nvPr>
+            <p:ph sz="half" idx="2"/>
+          </p:nvPr>
+        </p:nvSpPr>
+        <p:spPr/>
+        <p:txBody>
+          <a:bodyPr/>
+          <a:lstStyle/>
+          <a:p>
+            <a:endParaRPr lang="it-IT"/>
+          </a:p>
+        </p:txBody>
+      </p:sp>
+      <p:sp>
+        <p:nvSpPr>
+          <p:cNvPr id="6" name="Segnaposto testo 5">
+            <a:extLst>
+              <a:ext uri="{FF2B5EF4-FFF2-40B4-BE49-F238E27FC236}">
+                <a16:creationId xmlns:a16="http://schemas.microsoft.com/office/drawing/2014/main" id="{FFBEBABE-B4DB-FE16-E48B-31864C487D0C}"/>
+              </a:ext>
+            </a:extLst>
+          </p:cNvPr>
+          <p:cNvSpPr>
+            <a:spLocks noGrp="1"/>
+          </p:cNvSpPr>
+          <p:nvPr>
+            <p:ph type="body" sz="quarter" idx="3"/>
+          </p:nvPr>
+        </p:nvSpPr>
+        <p:spPr/>
+        <p:txBody>
+          <a:bodyPr/>
+          <a:lstStyle/>
+          <a:p>
+            <a:r>
+              <a:rPr lang="it-IT" dirty="0"/>
+              <a:t>MINIX 3</a:t>
+            </a:r>
+          </a:p>
+        </p:txBody>
+      </p:sp>
+      <p:sp>
+        <p:nvSpPr>
+          <p:cNvPr id="7" name="Segnaposto contenuto 6">
+            <a:extLst>
+              <a:ext uri="{FF2B5EF4-FFF2-40B4-BE49-F238E27FC236}">
+                <a16:creationId xmlns:a16="http://schemas.microsoft.com/office/drawing/2014/main" id="{DDE9AF7B-AB52-EAB2-5EDA-B64EFD65681D}"/>
+              </a:ext>
+            </a:extLst>
+          </p:cNvPr>
+          <p:cNvSpPr>
+            <a:spLocks noGrp="1"/>
+          </p:cNvSpPr>
+          <p:nvPr>
+            <p:ph sz="quarter" idx="4"/>
           </p:nvPr>
         </p:nvSpPr>
         <p:spPr/>
@@ -3723,7 +5882,7 @@
           <p:cNvPr id="2" name="Titolo 1">
             <a:extLst>
               <a:ext uri="{FF2B5EF4-FFF2-40B4-BE49-F238E27FC236}">
-                <a16:creationId xmlns:a16="http://schemas.microsoft.com/office/drawing/2014/main" id="{69441F67-1949-8EC8-EB98-85670AC3670C}"/>
+                <a16:creationId xmlns:a16="http://schemas.microsoft.com/office/drawing/2014/main" id="{E59A807A-FBE3-B66C-5E76-C14B95235667}"/>
               </a:ext>
             </a:extLst>
           </p:cNvPr>
@@ -3736,32 +5895,111 @@
         </p:nvSpPr>
         <p:spPr/>
         <p:txBody>
-          <a:bodyPr>
-            <a:normAutofit/>
-          </a:bodyPr>
+          <a:bodyPr/>
           <a:lstStyle/>
           <a:p>
             <a:r>
               <a:rPr lang="it-IT" dirty="0"/>
-              <a:t>Scheduling</a:t>
-            </a:r>
-          </a:p>
-        </p:txBody>
-      </p:sp>
-      <p:sp>
-        <p:nvSpPr>
-          <p:cNvPr id="3" name="Segnaposto contenuto 2">
-            <a:extLst>
-              <a:ext uri="{FF2B5EF4-FFF2-40B4-BE49-F238E27FC236}">
-                <a16:creationId xmlns:a16="http://schemas.microsoft.com/office/drawing/2014/main" id="{292D1563-9230-21BF-1FDE-D27DF9B4159D}"/>
-              </a:ext>
-            </a:extLst>
-          </p:cNvPr>
-          <p:cNvSpPr>
-            <a:spLocks noGrp="1"/>
-          </p:cNvSpPr>
-          <p:nvPr>
-            <p:ph idx="1"/>
+              <a:t>Fork</a:t>
+            </a:r>
+          </a:p>
+        </p:txBody>
+      </p:sp>
+      <p:sp>
+        <p:nvSpPr>
+          <p:cNvPr id="4" name="Segnaposto testo 3">
+            <a:extLst>
+              <a:ext uri="{FF2B5EF4-FFF2-40B4-BE49-F238E27FC236}">
+                <a16:creationId xmlns:a16="http://schemas.microsoft.com/office/drawing/2014/main" id="{5E5D57F9-0477-4F76-EB1F-30ADF530B627}"/>
+              </a:ext>
+            </a:extLst>
+          </p:cNvPr>
+          <p:cNvSpPr>
+            <a:spLocks noGrp="1"/>
+          </p:cNvSpPr>
+          <p:nvPr>
+            <p:ph type="body" idx="1"/>
+          </p:nvPr>
+        </p:nvSpPr>
+        <p:spPr/>
+        <p:txBody>
+          <a:bodyPr/>
+          <a:lstStyle/>
+          <a:p>
+            <a:r>
+              <a:rPr lang="it-IT" dirty="0"/>
+              <a:t>OS161</a:t>
+            </a:r>
+          </a:p>
+        </p:txBody>
+      </p:sp>
+      <p:sp>
+        <p:nvSpPr>
+          <p:cNvPr id="5" name="Segnaposto contenuto 4">
+            <a:extLst>
+              <a:ext uri="{FF2B5EF4-FFF2-40B4-BE49-F238E27FC236}">
+                <a16:creationId xmlns:a16="http://schemas.microsoft.com/office/drawing/2014/main" id="{163BE631-5171-41CB-1651-B8CBA56189FD}"/>
+              </a:ext>
+            </a:extLst>
+          </p:cNvPr>
+          <p:cNvSpPr>
+            <a:spLocks noGrp="1"/>
+          </p:cNvSpPr>
+          <p:nvPr>
+            <p:ph sz="half" idx="2"/>
+          </p:nvPr>
+        </p:nvSpPr>
+        <p:spPr/>
+        <p:txBody>
+          <a:bodyPr/>
+          <a:lstStyle/>
+          <a:p>
+            <a:endParaRPr lang="it-IT"/>
+          </a:p>
+        </p:txBody>
+      </p:sp>
+      <p:sp>
+        <p:nvSpPr>
+          <p:cNvPr id="6" name="Segnaposto testo 5">
+            <a:extLst>
+              <a:ext uri="{FF2B5EF4-FFF2-40B4-BE49-F238E27FC236}">
+                <a16:creationId xmlns:a16="http://schemas.microsoft.com/office/drawing/2014/main" id="{6BB84A92-9DB7-C903-13D1-DA423998BE9E}"/>
+              </a:ext>
+            </a:extLst>
+          </p:cNvPr>
+          <p:cNvSpPr>
+            <a:spLocks noGrp="1"/>
+          </p:cNvSpPr>
+          <p:nvPr>
+            <p:ph type="body" sz="quarter" idx="3"/>
+          </p:nvPr>
+        </p:nvSpPr>
+        <p:spPr/>
+        <p:txBody>
+          <a:bodyPr/>
+          <a:lstStyle/>
+          <a:p>
+            <a:r>
+              <a:rPr lang="it-IT" dirty="0"/>
+              <a:t>MINIX 3</a:t>
+            </a:r>
+          </a:p>
+        </p:txBody>
+      </p:sp>
+      <p:sp>
+        <p:nvSpPr>
+          <p:cNvPr id="7" name="Segnaposto contenuto 6">
+            <a:extLst>
+              <a:ext uri="{FF2B5EF4-FFF2-40B4-BE49-F238E27FC236}">
+                <a16:creationId xmlns:a16="http://schemas.microsoft.com/office/drawing/2014/main" id="{57618781-70D6-1FBC-40FF-8F829D20BC33}"/>
+              </a:ext>
+            </a:extLst>
+          </p:cNvPr>
+          <p:cNvSpPr>
+            <a:spLocks noGrp="1"/>
+          </p:cNvSpPr>
+          <p:nvPr>
+            <p:ph sz="quarter" idx="4"/>
           </p:nvPr>
         </p:nvSpPr>
         <p:spPr/>
@@ -3776,7 +6014,7 @@
     </p:spTree>
     <p:extLst>
       <p:ext uri="{BB962C8B-B14F-4D97-AF65-F5344CB8AC3E}">
-        <p14:creationId xmlns:p14="http://schemas.microsoft.com/office/powerpoint/2010/main" val="2070214546"/>
+        <p14:creationId xmlns:p14="http://schemas.microsoft.com/office/powerpoint/2010/main" val="39553206"/>
       </p:ext>
     </p:extLst>
   </p:cSld>
@@ -3808,7 +6046,7 @@
           <p:cNvPr id="2" name="Titolo 1">
             <a:extLst>
               <a:ext uri="{FF2B5EF4-FFF2-40B4-BE49-F238E27FC236}">
-                <a16:creationId xmlns:a16="http://schemas.microsoft.com/office/drawing/2014/main" id="{7900EF7C-7285-9CC8-2E3F-795F09433FAC}"/>
+                <a16:creationId xmlns:a16="http://schemas.microsoft.com/office/drawing/2014/main" id="{E59A807A-FBE3-B66C-5E76-C14B95235667}"/>
               </a:ext>
             </a:extLst>
           </p:cNvPr>
@@ -3826,25 +6064,106 @@
           <a:p>
             <a:r>
               <a:rPr lang="it-IT" dirty="0"/>
-              <a:t>Gestione della memoria</a:t>
-            </a:r>
-          </a:p>
-        </p:txBody>
-      </p:sp>
-      <p:sp>
-        <p:nvSpPr>
-          <p:cNvPr id="3" name="Segnaposto contenuto 2">
-            <a:extLst>
-              <a:ext uri="{FF2B5EF4-FFF2-40B4-BE49-F238E27FC236}">
-                <a16:creationId xmlns:a16="http://schemas.microsoft.com/office/drawing/2014/main" id="{8582FC7B-01D3-3352-C58E-14891A68BC1C}"/>
-              </a:ext>
-            </a:extLst>
-          </p:cNvPr>
-          <p:cNvSpPr>
-            <a:spLocks noGrp="1"/>
-          </p:cNvSpPr>
-          <p:nvPr>
-            <p:ph idx="1"/>
+              <a:t>Exit</a:t>
+            </a:r>
+          </a:p>
+        </p:txBody>
+      </p:sp>
+      <p:sp>
+        <p:nvSpPr>
+          <p:cNvPr id="4" name="Segnaposto testo 3">
+            <a:extLst>
+              <a:ext uri="{FF2B5EF4-FFF2-40B4-BE49-F238E27FC236}">
+                <a16:creationId xmlns:a16="http://schemas.microsoft.com/office/drawing/2014/main" id="{5E5D57F9-0477-4F76-EB1F-30ADF530B627}"/>
+              </a:ext>
+            </a:extLst>
+          </p:cNvPr>
+          <p:cNvSpPr>
+            <a:spLocks noGrp="1"/>
+          </p:cNvSpPr>
+          <p:nvPr>
+            <p:ph type="body" idx="1"/>
+          </p:nvPr>
+        </p:nvSpPr>
+        <p:spPr/>
+        <p:txBody>
+          <a:bodyPr/>
+          <a:lstStyle/>
+          <a:p>
+            <a:r>
+              <a:rPr lang="it-IT" dirty="0"/>
+              <a:t>OS161</a:t>
+            </a:r>
+          </a:p>
+        </p:txBody>
+      </p:sp>
+      <p:sp>
+        <p:nvSpPr>
+          <p:cNvPr id="5" name="Segnaposto contenuto 4">
+            <a:extLst>
+              <a:ext uri="{FF2B5EF4-FFF2-40B4-BE49-F238E27FC236}">
+                <a16:creationId xmlns:a16="http://schemas.microsoft.com/office/drawing/2014/main" id="{163BE631-5171-41CB-1651-B8CBA56189FD}"/>
+              </a:ext>
+            </a:extLst>
+          </p:cNvPr>
+          <p:cNvSpPr>
+            <a:spLocks noGrp="1"/>
+          </p:cNvSpPr>
+          <p:nvPr>
+            <p:ph sz="half" idx="2"/>
+          </p:nvPr>
+        </p:nvSpPr>
+        <p:spPr/>
+        <p:txBody>
+          <a:bodyPr/>
+          <a:lstStyle/>
+          <a:p>
+            <a:endParaRPr lang="it-IT"/>
+          </a:p>
+        </p:txBody>
+      </p:sp>
+      <p:sp>
+        <p:nvSpPr>
+          <p:cNvPr id="6" name="Segnaposto testo 5">
+            <a:extLst>
+              <a:ext uri="{FF2B5EF4-FFF2-40B4-BE49-F238E27FC236}">
+                <a16:creationId xmlns:a16="http://schemas.microsoft.com/office/drawing/2014/main" id="{6BB84A92-9DB7-C903-13D1-DA423998BE9E}"/>
+              </a:ext>
+            </a:extLst>
+          </p:cNvPr>
+          <p:cNvSpPr>
+            <a:spLocks noGrp="1"/>
+          </p:cNvSpPr>
+          <p:nvPr>
+            <p:ph type="body" sz="quarter" idx="3"/>
+          </p:nvPr>
+        </p:nvSpPr>
+        <p:spPr/>
+        <p:txBody>
+          <a:bodyPr/>
+          <a:lstStyle/>
+          <a:p>
+            <a:r>
+              <a:rPr lang="it-IT" dirty="0"/>
+              <a:t>MINIX 3</a:t>
+            </a:r>
+          </a:p>
+        </p:txBody>
+      </p:sp>
+      <p:sp>
+        <p:nvSpPr>
+          <p:cNvPr id="7" name="Segnaposto contenuto 6">
+            <a:extLst>
+              <a:ext uri="{FF2B5EF4-FFF2-40B4-BE49-F238E27FC236}">
+                <a16:creationId xmlns:a16="http://schemas.microsoft.com/office/drawing/2014/main" id="{57618781-70D6-1FBC-40FF-8F829D20BC33}"/>
+              </a:ext>
+            </a:extLst>
+          </p:cNvPr>
+          <p:cNvSpPr>
+            <a:spLocks noGrp="1"/>
+          </p:cNvSpPr>
+          <p:nvPr>
+            <p:ph sz="quarter" idx="4"/>
           </p:nvPr>
         </p:nvSpPr>
         <p:spPr/>
@@ -3859,7 +6178,7 @@
     </p:spTree>
     <p:extLst>
       <p:ext uri="{BB962C8B-B14F-4D97-AF65-F5344CB8AC3E}">
-        <p14:creationId xmlns:p14="http://schemas.microsoft.com/office/powerpoint/2010/main" val="3676064560"/>
+        <p14:creationId xmlns:p14="http://schemas.microsoft.com/office/powerpoint/2010/main" val="1786976587"/>
       </p:ext>
     </p:extLst>
   </p:cSld>
@@ -3891,7 +6210,7 @@
           <p:cNvPr id="2" name="Titolo 1">
             <a:extLst>
               <a:ext uri="{FF2B5EF4-FFF2-40B4-BE49-F238E27FC236}">
-                <a16:creationId xmlns:a16="http://schemas.microsoft.com/office/drawing/2014/main" id="{4874BB06-3122-4811-5940-BE062E9CE00C}"/>
+                <a16:creationId xmlns:a16="http://schemas.microsoft.com/office/drawing/2014/main" id="{E59A807A-FBE3-B66C-5E76-C14B95235667}"/>
               </a:ext>
             </a:extLst>
           </p:cNvPr>
@@ -3907,24 +6226,109 @@
           <a:bodyPr/>
           <a:lstStyle/>
           <a:p>
-            <a:endParaRPr lang="it-IT"/>
-          </a:p>
-        </p:txBody>
-      </p:sp>
-      <p:sp>
-        <p:nvSpPr>
-          <p:cNvPr id="3" name="Segnaposto contenuto 2">
-            <a:extLst>
-              <a:ext uri="{FF2B5EF4-FFF2-40B4-BE49-F238E27FC236}">
-                <a16:creationId xmlns:a16="http://schemas.microsoft.com/office/drawing/2014/main" id="{851D9C4F-B737-0CF9-901D-AE0699A693C9}"/>
-              </a:ext>
-            </a:extLst>
-          </p:cNvPr>
-          <p:cNvSpPr>
-            <a:spLocks noGrp="1"/>
-          </p:cNvSpPr>
-          <p:nvPr>
-            <p:ph idx="1"/>
+            <a:r>
+              <a:rPr lang="it-IT" dirty="0" err="1"/>
+              <a:t>Exec</a:t>
+            </a:r>
+            <a:endParaRPr lang="it-IT" dirty="0"/>
+          </a:p>
+        </p:txBody>
+      </p:sp>
+      <p:sp>
+        <p:nvSpPr>
+          <p:cNvPr id="4" name="Segnaposto testo 3">
+            <a:extLst>
+              <a:ext uri="{FF2B5EF4-FFF2-40B4-BE49-F238E27FC236}">
+                <a16:creationId xmlns:a16="http://schemas.microsoft.com/office/drawing/2014/main" id="{5E5D57F9-0477-4F76-EB1F-30ADF530B627}"/>
+              </a:ext>
+            </a:extLst>
+          </p:cNvPr>
+          <p:cNvSpPr>
+            <a:spLocks noGrp="1"/>
+          </p:cNvSpPr>
+          <p:nvPr>
+            <p:ph type="body" idx="1"/>
+          </p:nvPr>
+        </p:nvSpPr>
+        <p:spPr/>
+        <p:txBody>
+          <a:bodyPr/>
+          <a:lstStyle/>
+          <a:p>
+            <a:r>
+              <a:rPr lang="it-IT" dirty="0"/>
+              <a:t>OS161</a:t>
+            </a:r>
+          </a:p>
+        </p:txBody>
+      </p:sp>
+      <p:sp>
+        <p:nvSpPr>
+          <p:cNvPr id="5" name="Segnaposto contenuto 4">
+            <a:extLst>
+              <a:ext uri="{FF2B5EF4-FFF2-40B4-BE49-F238E27FC236}">
+                <a16:creationId xmlns:a16="http://schemas.microsoft.com/office/drawing/2014/main" id="{163BE631-5171-41CB-1651-B8CBA56189FD}"/>
+              </a:ext>
+            </a:extLst>
+          </p:cNvPr>
+          <p:cNvSpPr>
+            <a:spLocks noGrp="1"/>
+          </p:cNvSpPr>
+          <p:nvPr>
+            <p:ph sz="half" idx="2"/>
+          </p:nvPr>
+        </p:nvSpPr>
+        <p:spPr/>
+        <p:txBody>
+          <a:bodyPr/>
+          <a:lstStyle/>
+          <a:p>
+            <a:endParaRPr lang="it-IT"/>
+          </a:p>
+        </p:txBody>
+      </p:sp>
+      <p:sp>
+        <p:nvSpPr>
+          <p:cNvPr id="6" name="Segnaposto testo 5">
+            <a:extLst>
+              <a:ext uri="{FF2B5EF4-FFF2-40B4-BE49-F238E27FC236}">
+                <a16:creationId xmlns:a16="http://schemas.microsoft.com/office/drawing/2014/main" id="{6BB84A92-9DB7-C903-13D1-DA423998BE9E}"/>
+              </a:ext>
+            </a:extLst>
+          </p:cNvPr>
+          <p:cNvSpPr>
+            <a:spLocks noGrp="1"/>
+          </p:cNvSpPr>
+          <p:nvPr>
+            <p:ph type="body" sz="quarter" idx="3"/>
+          </p:nvPr>
+        </p:nvSpPr>
+        <p:spPr/>
+        <p:txBody>
+          <a:bodyPr/>
+          <a:lstStyle/>
+          <a:p>
+            <a:r>
+              <a:rPr lang="it-IT" dirty="0"/>
+              <a:t>MINIX 3</a:t>
+            </a:r>
+          </a:p>
+        </p:txBody>
+      </p:sp>
+      <p:sp>
+        <p:nvSpPr>
+          <p:cNvPr id="7" name="Segnaposto contenuto 6">
+            <a:extLst>
+              <a:ext uri="{FF2B5EF4-FFF2-40B4-BE49-F238E27FC236}">
+                <a16:creationId xmlns:a16="http://schemas.microsoft.com/office/drawing/2014/main" id="{57618781-70D6-1FBC-40FF-8F829D20BC33}"/>
+              </a:ext>
+            </a:extLst>
+          </p:cNvPr>
+          <p:cNvSpPr>
+            <a:spLocks noGrp="1"/>
+          </p:cNvSpPr>
+          <p:nvPr>
+            <p:ph sz="quarter" idx="4"/>
           </p:nvPr>
         </p:nvSpPr>
         <p:spPr/>
@@ -3939,7 +6343,7 @@
     </p:spTree>
     <p:extLst>
       <p:ext uri="{BB962C8B-B14F-4D97-AF65-F5344CB8AC3E}">
-        <p14:creationId xmlns:p14="http://schemas.microsoft.com/office/powerpoint/2010/main" val="1936099562"/>
+        <p14:creationId xmlns:p14="http://schemas.microsoft.com/office/powerpoint/2010/main" val="3107582510"/>
       </p:ext>
     </p:extLst>
   </p:cSld>
@@ -3971,7 +6375,7 @@
           <p:cNvPr id="2" name="Titolo 1">
             <a:extLst>
               <a:ext uri="{FF2B5EF4-FFF2-40B4-BE49-F238E27FC236}">
-                <a16:creationId xmlns:a16="http://schemas.microsoft.com/office/drawing/2014/main" id="{8B1CD36B-C7CA-E880-5B01-8B627F60F497}"/>
+                <a16:creationId xmlns:a16="http://schemas.microsoft.com/office/drawing/2014/main" id="{E59A807A-FBE3-B66C-5E76-C14B95235667}"/>
               </a:ext>
             </a:extLst>
           </p:cNvPr>
@@ -3987,24 +6391,108 @@
           <a:bodyPr/>
           <a:lstStyle/>
           <a:p>
-            <a:endParaRPr lang="it-IT"/>
-          </a:p>
-        </p:txBody>
-      </p:sp>
-      <p:sp>
-        <p:nvSpPr>
-          <p:cNvPr id="3" name="Segnaposto contenuto 2">
-            <a:extLst>
-              <a:ext uri="{FF2B5EF4-FFF2-40B4-BE49-F238E27FC236}">
-                <a16:creationId xmlns:a16="http://schemas.microsoft.com/office/drawing/2014/main" id="{F8324B44-CCC4-1966-2611-429E070CF26C}"/>
-              </a:ext>
-            </a:extLst>
-          </p:cNvPr>
-          <p:cNvSpPr>
-            <a:spLocks noGrp="1"/>
-          </p:cNvSpPr>
-          <p:nvPr>
-            <p:ph idx="1"/>
+            <a:r>
+              <a:rPr lang="it-IT" dirty="0"/>
+              <a:t>Kill</a:t>
+            </a:r>
+          </a:p>
+        </p:txBody>
+      </p:sp>
+      <p:sp>
+        <p:nvSpPr>
+          <p:cNvPr id="4" name="Segnaposto testo 3">
+            <a:extLst>
+              <a:ext uri="{FF2B5EF4-FFF2-40B4-BE49-F238E27FC236}">
+                <a16:creationId xmlns:a16="http://schemas.microsoft.com/office/drawing/2014/main" id="{5E5D57F9-0477-4F76-EB1F-30ADF530B627}"/>
+              </a:ext>
+            </a:extLst>
+          </p:cNvPr>
+          <p:cNvSpPr>
+            <a:spLocks noGrp="1"/>
+          </p:cNvSpPr>
+          <p:nvPr>
+            <p:ph type="body" idx="1"/>
+          </p:nvPr>
+        </p:nvSpPr>
+        <p:spPr/>
+        <p:txBody>
+          <a:bodyPr/>
+          <a:lstStyle/>
+          <a:p>
+            <a:r>
+              <a:rPr lang="it-IT" dirty="0"/>
+              <a:t>OS161</a:t>
+            </a:r>
+          </a:p>
+        </p:txBody>
+      </p:sp>
+      <p:sp>
+        <p:nvSpPr>
+          <p:cNvPr id="5" name="Segnaposto contenuto 4">
+            <a:extLst>
+              <a:ext uri="{FF2B5EF4-FFF2-40B4-BE49-F238E27FC236}">
+                <a16:creationId xmlns:a16="http://schemas.microsoft.com/office/drawing/2014/main" id="{163BE631-5171-41CB-1651-B8CBA56189FD}"/>
+              </a:ext>
+            </a:extLst>
+          </p:cNvPr>
+          <p:cNvSpPr>
+            <a:spLocks noGrp="1"/>
+          </p:cNvSpPr>
+          <p:nvPr>
+            <p:ph sz="half" idx="2"/>
+          </p:nvPr>
+        </p:nvSpPr>
+        <p:spPr/>
+        <p:txBody>
+          <a:bodyPr/>
+          <a:lstStyle/>
+          <a:p>
+            <a:endParaRPr lang="it-IT"/>
+          </a:p>
+        </p:txBody>
+      </p:sp>
+      <p:sp>
+        <p:nvSpPr>
+          <p:cNvPr id="6" name="Segnaposto testo 5">
+            <a:extLst>
+              <a:ext uri="{FF2B5EF4-FFF2-40B4-BE49-F238E27FC236}">
+                <a16:creationId xmlns:a16="http://schemas.microsoft.com/office/drawing/2014/main" id="{6BB84A92-9DB7-C903-13D1-DA423998BE9E}"/>
+              </a:ext>
+            </a:extLst>
+          </p:cNvPr>
+          <p:cNvSpPr>
+            <a:spLocks noGrp="1"/>
+          </p:cNvSpPr>
+          <p:nvPr>
+            <p:ph type="body" sz="quarter" idx="3"/>
+          </p:nvPr>
+        </p:nvSpPr>
+        <p:spPr/>
+        <p:txBody>
+          <a:bodyPr/>
+          <a:lstStyle/>
+          <a:p>
+            <a:r>
+              <a:rPr lang="it-IT" dirty="0"/>
+              <a:t>MINIX 3</a:t>
+            </a:r>
+          </a:p>
+        </p:txBody>
+      </p:sp>
+      <p:sp>
+        <p:nvSpPr>
+          <p:cNvPr id="7" name="Segnaposto contenuto 6">
+            <a:extLst>
+              <a:ext uri="{FF2B5EF4-FFF2-40B4-BE49-F238E27FC236}">
+                <a16:creationId xmlns:a16="http://schemas.microsoft.com/office/drawing/2014/main" id="{57618781-70D6-1FBC-40FF-8F829D20BC33}"/>
+              </a:ext>
+            </a:extLst>
+          </p:cNvPr>
+          <p:cNvSpPr>
+            <a:spLocks noGrp="1"/>
+          </p:cNvSpPr>
+          <p:nvPr>
+            <p:ph sz="quarter" idx="4"/>
           </p:nvPr>
         </p:nvSpPr>
         <p:spPr/>
@@ -4019,7 +6507,172 @@
     </p:spTree>
     <p:extLst>
       <p:ext uri="{BB962C8B-B14F-4D97-AF65-F5344CB8AC3E}">
-        <p14:creationId xmlns:p14="http://schemas.microsoft.com/office/powerpoint/2010/main" val="1346140153"/>
+        <p14:creationId xmlns:p14="http://schemas.microsoft.com/office/powerpoint/2010/main" val="472109040"/>
+      </p:ext>
+    </p:extLst>
+  </p:cSld>
+  <p:clrMapOvr>
+    <a:masterClrMapping/>
+  </p:clrMapOvr>
+</p:sld>
+</file>
+
+<file path=ppt/slides/slide9.xml><?xml version="1.0" encoding="utf-8"?>
+<p:sld xmlns:a="http://schemas.openxmlformats.org/drawingml/2006/main" xmlns:r="http://schemas.openxmlformats.org/officeDocument/2006/relationships" xmlns:p="http://schemas.openxmlformats.org/presentationml/2006/main">
+  <p:cSld>
+    <p:spTree>
+      <p:nvGrpSpPr>
+        <p:cNvPr id="1" name=""/>
+        <p:cNvGrpSpPr/>
+        <p:nvPr/>
+      </p:nvGrpSpPr>
+      <p:grpSpPr>
+        <a:xfrm>
+          <a:off x="0" y="0"/>
+          <a:ext cx="0" cy="0"/>
+          <a:chOff x="0" y="0"/>
+          <a:chExt cx="0" cy="0"/>
+        </a:xfrm>
+      </p:grpSpPr>
+      <p:sp>
+        <p:nvSpPr>
+          <p:cNvPr id="2" name="Titolo 1">
+            <a:extLst>
+              <a:ext uri="{FF2B5EF4-FFF2-40B4-BE49-F238E27FC236}">
+                <a16:creationId xmlns:a16="http://schemas.microsoft.com/office/drawing/2014/main" id="{E59A807A-FBE3-B66C-5E76-C14B95235667}"/>
+              </a:ext>
+            </a:extLst>
+          </p:cNvPr>
+          <p:cNvSpPr>
+            <a:spLocks noGrp="1"/>
+          </p:cNvSpPr>
+          <p:nvPr>
+            <p:ph type="title"/>
+          </p:nvPr>
+        </p:nvSpPr>
+        <p:spPr/>
+        <p:txBody>
+          <a:bodyPr/>
+          <a:lstStyle/>
+          <a:p>
+            <a:r>
+              <a:rPr lang="it-IT" dirty="0" err="1"/>
+              <a:t>Waitpid</a:t>
+            </a:r>
+            <a:endParaRPr lang="it-IT" dirty="0"/>
+          </a:p>
+        </p:txBody>
+      </p:sp>
+      <p:sp>
+        <p:nvSpPr>
+          <p:cNvPr id="4" name="Segnaposto testo 3">
+            <a:extLst>
+              <a:ext uri="{FF2B5EF4-FFF2-40B4-BE49-F238E27FC236}">
+                <a16:creationId xmlns:a16="http://schemas.microsoft.com/office/drawing/2014/main" id="{5E5D57F9-0477-4F76-EB1F-30ADF530B627}"/>
+              </a:ext>
+            </a:extLst>
+          </p:cNvPr>
+          <p:cNvSpPr>
+            <a:spLocks noGrp="1"/>
+          </p:cNvSpPr>
+          <p:nvPr>
+            <p:ph type="body" idx="1"/>
+          </p:nvPr>
+        </p:nvSpPr>
+        <p:spPr/>
+        <p:txBody>
+          <a:bodyPr/>
+          <a:lstStyle/>
+          <a:p>
+            <a:r>
+              <a:rPr lang="it-IT" dirty="0"/>
+              <a:t>OS161</a:t>
+            </a:r>
+          </a:p>
+        </p:txBody>
+      </p:sp>
+      <p:sp>
+        <p:nvSpPr>
+          <p:cNvPr id="5" name="Segnaposto contenuto 4">
+            <a:extLst>
+              <a:ext uri="{FF2B5EF4-FFF2-40B4-BE49-F238E27FC236}">
+                <a16:creationId xmlns:a16="http://schemas.microsoft.com/office/drawing/2014/main" id="{163BE631-5171-41CB-1651-B8CBA56189FD}"/>
+              </a:ext>
+            </a:extLst>
+          </p:cNvPr>
+          <p:cNvSpPr>
+            <a:spLocks noGrp="1"/>
+          </p:cNvSpPr>
+          <p:nvPr>
+            <p:ph sz="half" idx="2"/>
+          </p:nvPr>
+        </p:nvSpPr>
+        <p:spPr/>
+        <p:txBody>
+          <a:bodyPr/>
+          <a:lstStyle/>
+          <a:p>
+            <a:endParaRPr lang="it-IT"/>
+          </a:p>
+        </p:txBody>
+      </p:sp>
+      <p:sp>
+        <p:nvSpPr>
+          <p:cNvPr id="6" name="Segnaposto testo 5">
+            <a:extLst>
+              <a:ext uri="{FF2B5EF4-FFF2-40B4-BE49-F238E27FC236}">
+                <a16:creationId xmlns:a16="http://schemas.microsoft.com/office/drawing/2014/main" id="{6BB84A92-9DB7-C903-13D1-DA423998BE9E}"/>
+              </a:ext>
+            </a:extLst>
+          </p:cNvPr>
+          <p:cNvSpPr>
+            <a:spLocks noGrp="1"/>
+          </p:cNvSpPr>
+          <p:nvPr>
+            <p:ph type="body" sz="quarter" idx="3"/>
+          </p:nvPr>
+        </p:nvSpPr>
+        <p:spPr/>
+        <p:txBody>
+          <a:bodyPr/>
+          <a:lstStyle/>
+          <a:p>
+            <a:r>
+              <a:rPr lang="it-IT" dirty="0"/>
+              <a:t>MINIX 3</a:t>
+            </a:r>
+          </a:p>
+        </p:txBody>
+      </p:sp>
+      <p:sp>
+        <p:nvSpPr>
+          <p:cNvPr id="7" name="Segnaposto contenuto 6">
+            <a:extLst>
+              <a:ext uri="{FF2B5EF4-FFF2-40B4-BE49-F238E27FC236}">
+                <a16:creationId xmlns:a16="http://schemas.microsoft.com/office/drawing/2014/main" id="{57618781-70D6-1FBC-40FF-8F829D20BC33}"/>
+              </a:ext>
+            </a:extLst>
+          </p:cNvPr>
+          <p:cNvSpPr>
+            <a:spLocks noGrp="1"/>
+          </p:cNvSpPr>
+          <p:nvPr>
+            <p:ph sz="quarter" idx="4"/>
+          </p:nvPr>
+        </p:nvSpPr>
+        <p:spPr/>
+        <p:txBody>
+          <a:bodyPr/>
+          <a:lstStyle/>
+          <a:p>
+            <a:endParaRPr lang="it-IT"/>
+          </a:p>
+        </p:txBody>
+      </p:sp>
+    </p:spTree>
+    <p:extLst>
+      <p:ext uri="{BB962C8B-B14F-4D97-AF65-F5344CB8AC3E}">
+        <p14:creationId xmlns:p14="http://schemas.microsoft.com/office/powerpoint/2010/main" val="830413120"/>
       </p:ext>
     </p:extLst>
   </p:cSld>

--- a/Progetto_SO.pptx
+++ b/Progetto_SO.pptx
@@ -9,24 +9,19 @@
     <p:sldId id="261" r:id="rId3"/>
     <p:sldId id="260" r:id="rId4"/>
     <p:sldId id="257" r:id="rId5"/>
-    <p:sldId id="264" r:id="rId6"/>
-    <p:sldId id="275" r:id="rId7"/>
-    <p:sldId id="276" r:id="rId8"/>
-    <p:sldId id="277" r:id="rId9"/>
-    <p:sldId id="278" r:id="rId10"/>
-    <p:sldId id="258" r:id="rId11"/>
-    <p:sldId id="268" r:id="rId12"/>
-    <p:sldId id="269" r:id="rId13"/>
-    <p:sldId id="270" r:id="rId14"/>
-    <p:sldId id="271" r:id="rId15"/>
-    <p:sldId id="272" r:id="rId16"/>
-    <p:sldId id="259" r:id="rId17"/>
-    <p:sldId id="273" r:id="rId18"/>
-    <p:sldId id="274" r:id="rId19"/>
-    <p:sldId id="279" r:id="rId20"/>
-    <p:sldId id="263" r:id="rId21"/>
-    <p:sldId id="280" r:id="rId22"/>
-    <p:sldId id="281" r:id="rId23"/>
+    <p:sldId id="258" r:id="rId6"/>
+    <p:sldId id="268" r:id="rId7"/>
+    <p:sldId id="269" r:id="rId8"/>
+    <p:sldId id="270" r:id="rId9"/>
+    <p:sldId id="271" r:id="rId10"/>
+    <p:sldId id="272" r:id="rId11"/>
+    <p:sldId id="259" r:id="rId12"/>
+    <p:sldId id="273" r:id="rId13"/>
+    <p:sldId id="274" r:id="rId14"/>
+    <p:sldId id="279" r:id="rId15"/>
+    <p:sldId id="263" r:id="rId16"/>
+    <p:sldId id="280" r:id="rId17"/>
+    <p:sldId id="281" r:id="rId18"/>
   </p:sldIdLst>
   <p:sldSz cx="12192000" cy="6858000"/>
   <p:notesSz cx="6858000" cy="9144000"/>
@@ -280,7 +275,7 @@
           <a:p>
             <a:fld id="{F259A98E-7D3E-4BAE-A284-2CE0D83E33BF}" type="datetimeFigureOut">
               <a:rPr lang="it-IT" smtClean="0"/>
-              <a:t>30/07/2023</a:t>
+              <a:t>02/11/2023</a:t>
             </a:fld>
             <a:endParaRPr lang="it-IT"/>
           </a:p>
@@ -478,7 +473,7 @@
           <a:p>
             <a:fld id="{F259A98E-7D3E-4BAE-A284-2CE0D83E33BF}" type="datetimeFigureOut">
               <a:rPr lang="it-IT" smtClean="0"/>
-              <a:t>30/07/2023</a:t>
+              <a:t>02/11/2023</a:t>
             </a:fld>
             <a:endParaRPr lang="it-IT"/>
           </a:p>
@@ -686,7 +681,7 @@
           <a:p>
             <a:fld id="{F259A98E-7D3E-4BAE-A284-2CE0D83E33BF}" type="datetimeFigureOut">
               <a:rPr lang="it-IT" smtClean="0"/>
-              <a:t>30/07/2023</a:t>
+              <a:t>02/11/2023</a:t>
             </a:fld>
             <a:endParaRPr lang="it-IT"/>
           </a:p>
@@ -884,7 +879,7 @@
           <a:p>
             <a:fld id="{F259A98E-7D3E-4BAE-A284-2CE0D83E33BF}" type="datetimeFigureOut">
               <a:rPr lang="it-IT" smtClean="0"/>
-              <a:t>30/07/2023</a:t>
+              <a:t>02/11/2023</a:t>
             </a:fld>
             <a:endParaRPr lang="it-IT"/>
           </a:p>
@@ -1159,7 +1154,7 @@
           <a:p>
             <a:fld id="{F259A98E-7D3E-4BAE-A284-2CE0D83E33BF}" type="datetimeFigureOut">
               <a:rPr lang="it-IT" smtClean="0"/>
-              <a:t>30/07/2023</a:t>
+              <a:t>02/11/2023</a:t>
             </a:fld>
             <a:endParaRPr lang="it-IT"/>
           </a:p>
@@ -1424,7 +1419,7 @@
           <a:p>
             <a:fld id="{F259A98E-7D3E-4BAE-A284-2CE0D83E33BF}" type="datetimeFigureOut">
               <a:rPr lang="it-IT" smtClean="0"/>
-              <a:t>30/07/2023</a:t>
+              <a:t>02/11/2023</a:t>
             </a:fld>
             <a:endParaRPr lang="it-IT"/>
           </a:p>
@@ -1836,7 +1831,7 @@
           <a:p>
             <a:fld id="{F259A98E-7D3E-4BAE-A284-2CE0D83E33BF}" type="datetimeFigureOut">
               <a:rPr lang="it-IT" smtClean="0"/>
-              <a:t>30/07/2023</a:t>
+              <a:t>02/11/2023</a:t>
             </a:fld>
             <a:endParaRPr lang="it-IT"/>
           </a:p>
@@ -1977,7 +1972,7 @@
           <a:p>
             <a:fld id="{F259A98E-7D3E-4BAE-A284-2CE0D83E33BF}" type="datetimeFigureOut">
               <a:rPr lang="it-IT" smtClean="0"/>
-              <a:t>30/07/2023</a:t>
+              <a:t>02/11/2023</a:t>
             </a:fld>
             <a:endParaRPr lang="it-IT"/>
           </a:p>
@@ -2090,7 +2085,7 @@
           <a:p>
             <a:fld id="{F259A98E-7D3E-4BAE-A284-2CE0D83E33BF}" type="datetimeFigureOut">
               <a:rPr lang="it-IT" smtClean="0"/>
-              <a:t>30/07/2023</a:t>
+              <a:t>02/11/2023</a:t>
             </a:fld>
             <a:endParaRPr lang="it-IT"/>
           </a:p>
@@ -2401,7 +2396,7 @@
           <a:p>
             <a:fld id="{F259A98E-7D3E-4BAE-A284-2CE0D83E33BF}" type="datetimeFigureOut">
               <a:rPr lang="it-IT" smtClean="0"/>
-              <a:t>30/07/2023</a:t>
+              <a:t>02/11/2023</a:t>
             </a:fld>
             <a:endParaRPr lang="it-IT"/>
           </a:p>
@@ -2689,7 +2684,7 @@
           <a:p>
             <a:fld id="{F259A98E-7D3E-4BAE-A284-2CE0D83E33BF}" type="datetimeFigureOut">
               <a:rPr lang="it-IT" smtClean="0"/>
-              <a:t>30/07/2023</a:t>
+              <a:t>02/11/2023</a:t>
             </a:fld>
             <a:endParaRPr lang="it-IT"/>
           </a:p>
@@ -2930,7 +2925,7 @@
           <a:p>
             <a:fld id="{F259A98E-7D3E-4BAE-A284-2CE0D83E33BF}" type="datetimeFigureOut">
               <a:rPr lang="it-IT" smtClean="0"/>
-              <a:t>30/07/2023</a:t>
+              <a:t>02/11/2023</a:t>
             </a:fld>
             <a:endParaRPr lang="it-IT"/>
           </a:p>
@@ -3513,7 +3508,7 @@
           <a:p>
             <a:r>
               <a:rPr lang="it-IT" dirty="0"/>
-              <a:t>Scheduling: Obiettivi</a:t>
+              <a:t>Scheduling: Conclusioni</a:t>
             </a:r>
           </a:p>
         </p:txBody>
@@ -3594,7 +3589,7 @@
           <a:p>
             <a:r>
               <a:rPr lang="it-IT" dirty="0"/>
-              <a:t>MINIX 3</a:t>
+              <a:t>PINTOS</a:t>
             </a:r>
           </a:p>
         </p:txBody>
@@ -3627,7 +3622,7 @@
     </p:spTree>
     <p:extLst>
       <p:ext uri="{BB962C8B-B14F-4D97-AF65-F5344CB8AC3E}">
-        <p14:creationId xmlns:p14="http://schemas.microsoft.com/office/powerpoint/2010/main" val="2070214546"/>
+        <p14:creationId xmlns:p14="http://schemas.microsoft.com/office/powerpoint/2010/main" val="1642301185"/>
       </p:ext>
     </p:extLst>
   </p:cSld>
@@ -3659,7 +3654,7 @@
           <p:cNvPr id="2" name="Titolo 1">
             <a:extLst>
               <a:ext uri="{FF2B5EF4-FFF2-40B4-BE49-F238E27FC236}">
-                <a16:creationId xmlns:a16="http://schemas.microsoft.com/office/drawing/2014/main" id="{69441F67-1949-8EC8-EB98-85670AC3670C}"/>
+                <a16:creationId xmlns:a16="http://schemas.microsoft.com/office/drawing/2014/main" id="{7900EF7C-7285-9CC8-2E3F-795F09433FAC}"/>
               </a:ext>
             </a:extLst>
           </p:cNvPr>
@@ -3672,113 +3667,30 @@
         </p:nvSpPr>
         <p:spPr/>
         <p:txBody>
-          <a:bodyPr>
-            <a:normAutofit/>
-          </a:bodyPr>
+          <a:bodyPr/>
           <a:lstStyle/>
           <a:p>
             <a:r>
               <a:rPr lang="it-IT" dirty="0"/>
-              <a:t>Scheduling: Politiche di scheduling</a:t>
-            </a:r>
-          </a:p>
-        </p:txBody>
-      </p:sp>
-      <p:sp>
-        <p:nvSpPr>
-          <p:cNvPr id="4" name="Segnaposto testo 3">
-            <a:extLst>
-              <a:ext uri="{FF2B5EF4-FFF2-40B4-BE49-F238E27FC236}">
-                <a16:creationId xmlns:a16="http://schemas.microsoft.com/office/drawing/2014/main" id="{3484543A-BB31-0207-182F-1F1C206F0C68}"/>
-              </a:ext>
-            </a:extLst>
-          </p:cNvPr>
-          <p:cNvSpPr>
-            <a:spLocks noGrp="1"/>
-          </p:cNvSpPr>
-          <p:nvPr>
-            <p:ph type="body" idx="1"/>
-          </p:nvPr>
-        </p:nvSpPr>
-        <p:spPr/>
-        <p:txBody>
-          <a:bodyPr/>
-          <a:lstStyle/>
-          <a:p>
-            <a:r>
-              <a:rPr lang="it-IT" dirty="0"/>
-              <a:t>OS161</a:t>
-            </a:r>
-          </a:p>
-        </p:txBody>
-      </p:sp>
-      <p:sp>
-        <p:nvSpPr>
-          <p:cNvPr id="8" name="Segnaposto contenuto 7">
-            <a:extLst>
-              <a:ext uri="{FF2B5EF4-FFF2-40B4-BE49-F238E27FC236}">
-                <a16:creationId xmlns:a16="http://schemas.microsoft.com/office/drawing/2014/main" id="{A1E5DF89-94E7-98C4-F563-B3A43317A1CE}"/>
-              </a:ext>
-            </a:extLst>
-          </p:cNvPr>
-          <p:cNvSpPr>
-            <a:spLocks noGrp="1"/>
-          </p:cNvSpPr>
-          <p:nvPr>
-            <p:ph sz="half" idx="2"/>
-          </p:nvPr>
-        </p:nvSpPr>
-        <p:spPr/>
-        <p:txBody>
-          <a:bodyPr/>
-          <a:lstStyle/>
-          <a:p>
-            <a:endParaRPr lang="it-IT"/>
-          </a:p>
-        </p:txBody>
-      </p:sp>
-      <p:sp>
-        <p:nvSpPr>
-          <p:cNvPr id="9" name="Segnaposto testo 8">
-            <a:extLst>
-              <a:ext uri="{FF2B5EF4-FFF2-40B4-BE49-F238E27FC236}">
-                <a16:creationId xmlns:a16="http://schemas.microsoft.com/office/drawing/2014/main" id="{00842FCF-9A2A-27B3-4ED6-BB0713CE4444}"/>
-              </a:ext>
-            </a:extLst>
-          </p:cNvPr>
-          <p:cNvSpPr>
-            <a:spLocks noGrp="1"/>
-          </p:cNvSpPr>
-          <p:nvPr>
-            <p:ph type="body" sz="quarter" idx="3"/>
-          </p:nvPr>
-        </p:nvSpPr>
-        <p:spPr/>
-        <p:txBody>
-          <a:bodyPr/>
-          <a:lstStyle/>
-          <a:p>
-            <a:r>
-              <a:rPr lang="it-IT" dirty="0"/>
-              <a:t>MINIX 3</a:t>
-            </a:r>
-          </a:p>
-        </p:txBody>
-      </p:sp>
-      <p:sp>
-        <p:nvSpPr>
-          <p:cNvPr id="10" name="Segnaposto contenuto 9">
-            <a:extLst>
-              <a:ext uri="{FF2B5EF4-FFF2-40B4-BE49-F238E27FC236}">
-                <a16:creationId xmlns:a16="http://schemas.microsoft.com/office/drawing/2014/main" id="{3CDA2ECB-1671-3745-42C6-213A778ECD29}"/>
-              </a:ext>
-            </a:extLst>
-          </p:cNvPr>
-          <p:cNvSpPr>
-            <a:spLocks noGrp="1"/>
-          </p:cNvSpPr>
-          <p:nvPr>
-            <p:ph sz="quarter" idx="4"/>
+              <a:t>Gestione della memoria</a:t>
+            </a:r>
+          </a:p>
+        </p:txBody>
+      </p:sp>
+      <p:sp>
+        <p:nvSpPr>
+          <p:cNvPr id="3" name="Segnaposto contenuto 2">
+            <a:extLst>
+              <a:ext uri="{FF2B5EF4-FFF2-40B4-BE49-F238E27FC236}">
+                <a16:creationId xmlns:a16="http://schemas.microsoft.com/office/drawing/2014/main" id="{8582FC7B-01D3-3352-C58E-14891A68BC1C}"/>
+              </a:ext>
+            </a:extLst>
+          </p:cNvPr>
+          <p:cNvSpPr>
+            <a:spLocks noGrp="1"/>
+          </p:cNvSpPr>
+          <p:nvPr>
+            <p:ph idx="1"/>
           </p:nvPr>
         </p:nvSpPr>
         <p:spPr/>
@@ -3793,7 +3705,7 @@
     </p:spTree>
     <p:extLst>
       <p:ext uri="{BB962C8B-B14F-4D97-AF65-F5344CB8AC3E}">
-        <p14:creationId xmlns:p14="http://schemas.microsoft.com/office/powerpoint/2010/main" val="1934289931"/>
+        <p14:creationId xmlns:p14="http://schemas.microsoft.com/office/powerpoint/2010/main" val="3676064560"/>
       </p:ext>
     </p:extLst>
   </p:cSld>
@@ -3844,9 +3756,26 @@
           <a:lstStyle/>
           <a:p>
             <a:r>
+              <a:rPr lang="it-IT" dirty="0" err="1"/>
+              <a:t>Paging</a:t>
+            </a:r>
+            <a:r>
               <a:rPr lang="it-IT" dirty="0"/>
-              <a:t>Scheduling: Implementazione</a:t>
-            </a:r>
+              <a:t> e </a:t>
+            </a:r>
+            <a:r>
+              <a:rPr lang="it-IT" dirty="0" err="1"/>
+              <a:t>virtual</a:t>
+            </a:r>
+            <a:r>
+              <a:rPr lang="it-IT" dirty="0"/>
+              <a:t> </a:t>
+            </a:r>
+            <a:r>
+              <a:rPr lang="it-IT" dirty="0" err="1"/>
+              <a:t>memory</a:t>
+            </a:r>
+            <a:endParaRPr lang="it-IT" dirty="0"/>
           </a:p>
         </p:txBody>
       </p:sp>
@@ -3926,7 +3855,7 @@
           <a:p>
             <a:r>
               <a:rPr lang="it-IT" dirty="0"/>
-              <a:t>MINIX 3</a:t>
+              <a:t>PINTOS</a:t>
             </a:r>
           </a:p>
         </p:txBody>
@@ -3959,7 +3888,7 @@
     </p:spTree>
     <p:extLst>
       <p:ext uri="{BB962C8B-B14F-4D97-AF65-F5344CB8AC3E}">
-        <p14:creationId xmlns:p14="http://schemas.microsoft.com/office/powerpoint/2010/main" val="2975043876"/>
+        <p14:creationId xmlns:p14="http://schemas.microsoft.com/office/powerpoint/2010/main" val="1787713386"/>
       </p:ext>
     </p:extLst>
   </p:cSld>
@@ -4011,7 +3940,7 @@
           <a:p>
             <a:r>
               <a:rPr lang="it-IT" dirty="0"/>
-              <a:t>Scheduling: Gestione delle priorità</a:t>
+              <a:t>Gestione delle chiamate</a:t>
             </a:r>
           </a:p>
         </p:txBody>
@@ -4092,7 +4021,7 @@
           <a:p>
             <a:r>
               <a:rPr lang="it-IT" dirty="0"/>
-              <a:t>MINIX 3</a:t>
+              <a:t>PINTOS</a:t>
             </a:r>
           </a:p>
         </p:txBody>
@@ -4125,7 +4054,7 @@
     </p:spTree>
     <p:extLst>
       <p:ext uri="{BB962C8B-B14F-4D97-AF65-F5344CB8AC3E}">
-        <p14:creationId xmlns:p14="http://schemas.microsoft.com/office/powerpoint/2010/main" val="1587832053"/>
+        <p14:creationId xmlns:p14="http://schemas.microsoft.com/office/powerpoint/2010/main" val="104424725"/>
       </p:ext>
     </p:extLst>
   </p:cSld>
@@ -4177,7 +4106,7 @@
           <a:p>
             <a:r>
               <a:rPr lang="it-IT" dirty="0"/>
-              <a:t>Scheduling: Gestione delle interruzioni</a:t>
+              <a:t>Meccanismi di sincronizzazione</a:t>
             </a:r>
           </a:p>
         </p:txBody>
@@ -4258,7 +4187,7 @@
           <a:p>
             <a:r>
               <a:rPr lang="it-IT" dirty="0"/>
-              <a:t>MINIX 3</a:t>
+              <a:t>PINTOS</a:t>
             </a:r>
           </a:p>
         </p:txBody>
@@ -4291,7 +4220,7 @@
     </p:spTree>
     <p:extLst>
       <p:ext uri="{BB962C8B-B14F-4D97-AF65-F5344CB8AC3E}">
-        <p14:creationId xmlns:p14="http://schemas.microsoft.com/office/powerpoint/2010/main" val="1764962512"/>
+        <p14:creationId xmlns:p14="http://schemas.microsoft.com/office/powerpoint/2010/main" val="151468646"/>
       </p:ext>
     </p:extLst>
   </p:cSld>
@@ -4320,10 +4249,10 @@
       </p:grpSpPr>
       <p:sp>
         <p:nvSpPr>
-          <p:cNvPr id="2" name="Titolo 1">
-            <a:extLst>
-              <a:ext uri="{FF2B5EF4-FFF2-40B4-BE49-F238E27FC236}">
-                <a16:creationId xmlns:a16="http://schemas.microsoft.com/office/drawing/2014/main" id="{69441F67-1949-8EC8-EB98-85670AC3670C}"/>
+          <p:cNvPr id="4" name="Titolo 3">
+            <a:extLst>
+              <a:ext uri="{FF2B5EF4-FFF2-40B4-BE49-F238E27FC236}">
+                <a16:creationId xmlns:a16="http://schemas.microsoft.com/office/drawing/2014/main" id="{4C6958DE-4CE8-5842-7EB3-6A77942BB66B}"/>
               </a:ext>
             </a:extLst>
           </p:cNvPr>
@@ -4336,24 +4265,19 @@
         </p:nvSpPr>
         <p:spPr/>
         <p:txBody>
-          <a:bodyPr>
-            <a:normAutofit/>
-          </a:bodyPr>
-          <a:lstStyle/>
-          <a:p>
-            <a:r>
-              <a:rPr lang="it-IT" dirty="0"/>
-              <a:t>Scheduling: Conclusioni</a:t>
-            </a:r>
-          </a:p>
-        </p:txBody>
-      </p:sp>
-      <p:sp>
-        <p:nvSpPr>
-          <p:cNvPr id="4" name="Segnaposto testo 3">
-            <a:extLst>
-              <a:ext uri="{FF2B5EF4-FFF2-40B4-BE49-F238E27FC236}">
-                <a16:creationId xmlns:a16="http://schemas.microsoft.com/office/drawing/2014/main" id="{3484543A-BB31-0207-182F-1F1C206F0C68}"/>
+          <a:bodyPr/>
+          <a:lstStyle/>
+          <a:p>
+            <a:endParaRPr lang="it-IT"/>
+          </a:p>
+        </p:txBody>
+      </p:sp>
+      <p:sp>
+        <p:nvSpPr>
+          <p:cNvPr id="5" name="Segnaposto testo 4">
+            <a:extLst>
+              <a:ext uri="{FF2B5EF4-FFF2-40B4-BE49-F238E27FC236}">
+                <a16:creationId xmlns:a16="http://schemas.microsoft.com/office/drawing/2014/main" id="{A4B09623-3F65-2A7A-7B90-C83F04115A56}"/>
               </a:ext>
             </a:extLst>
           </p:cNvPr>
@@ -4369,10 +4293,57 @@
           <a:bodyPr/>
           <a:lstStyle/>
           <a:p>
-            <a:r>
-              <a:rPr lang="it-IT" dirty="0"/>
-              <a:t>OS161</a:t>
-            </a:r>
+            <a:endParaRPr lang="it-IT"/>
+          </a:p>
+        </p:txBody>
+      </p:sp>
+      <p:sp>
+        <p:nvSpPr>
+          <p:cNvPr id="6" name="Segnaposto contenuto 5">
+            <a:extLst>
+              <a:ext uri="{FF2B5EF4-FFF2-40B4-BE49-F238E27FC236}">
+                <a16:creationId xmlns:a16="http://schemas.microsoft.com/office/drawing/2014/main" id="{4BCD0132-CD1D-8CC1-F046-77698045EF07}"/>
+              </a:ext>
+            </a:extLst>
+          </p:cNvPr>
+          <p:cNvSpPr>
+            <a:spLocks noGrp="1"/>
+          </p:cNvSpPr>
+          <p:nvPr>
+            <p:ph sz="half" idx="2"/>
+          </p:nvPr>
+        </p:nvSpPr>
+        <p:spPr/>
+        <p:txBody>
+          <a:bodyPr/>
+          <a:lstStyle/>
+          <a:p>
+            <a:endParaRPr lang="it-IT"/>
+          </a:p>
+        </p:txBody>
+      </p:sp>
+      <p:sp>
+        <p:nvSpPr>
+          <p:cNvPr id="7" name="Segnaposto testo 6">
+            <a:extLst>
+              <a:ext uri="{FF2B5EF4-FFF2-40B4-BE49-F238E27FC236}">
+                <a16:creationId xmlns:a16="http://schemas.microsoft.com/office/drawing/2014/main" id="{E1B43DBC-8A47-364D-11EC-72C37033637E}"/>
+              </a:ext>
+            </a:extLst>
+          </p:cNvPr>
+          <p:cNvSpPr>
+            <a:spLocks noGrp="1"/>
+          </p:cNvSpPr>
+          <p:nvPr>
+            <p:ph type="body" sz="quarter" idx="3"/>
+          </p:nvPr>
+        </p:nvSpPr>
+        <p:spPr/>
+        <p:txBody>
+          <a:bodyPr/>
+          <a:lstStyle/>
+          <a:p>
+            <a:endParaRPr lang="it-IT"/>
           </a:p>
         </p:txBody>
       </p:sp>
@@ -4381,60 +4352,7 @@
           <p:cNvPr id="8" name="Segnaposto contenuto 7">
             <a:extLst>
               <a:ext uri="{FF2B5EF4-FFF2-40B4-BE49-F238E27FC236}">
-                <a16:creationId xmlns:a16="http://schemas.microsoft.com/office/drawing/2014/main" id="{A1E5DF89-94E7-98C4-F563-B3A43317A1CE}"/>
-              </a:ext>
-            </a:extLst>
-          </p:cNvPr>
-          <p:cNvSpPr>
-            <a:spLocks noGrp="1"/>
-          </p:cNvSpPr>
-          <p:nvPr>
-            <p:ph sz="half" idx="2"/>
-          </p:nvPr>
-        </p:nvSpPr>
-        <p:spPr/>
-        <p:txBody>
-          <a:bodyPr/>
-          <a:lstStyle/>
-          <a:p>
-            <a:endParaRPr lang="it-IT"/>
-          </a:p>
-        </p:txBody>
-      </p:sp>
-      <p:sp>
-        <p:nvSpPr>
-          <p:cNvPr id="9" name="Segnaposto testo 8">
-            <a:extLst>
-              <a:ext uri="{FF2B5EF4-FFF2-40B4-BE49-F238E27FC236}">
-                <a16:creationId xmlns:a16="http://schemas.microsoft.com/office/drawing/2014/main" id="{00842FCF-9A2A-27B3-4ED6-BB0713CE4444}"/>
-              </a:ext>
-            </a:extLst>
-          </p:cNvPr>
-          <p:cNvSpPr>
-            <a:spLocks noGrp="1"/>
-          </p:cNvSpPr>
-          <p:nvPr>
-            <p:ph type="body" sz="quarter" idx="3"/>
-          </p:nvPr>
-        </p:nvSpPr>
-        <p:spPr/>
-        <p:txBody>
-          <a:bodyPr/>
-          <a:lstStyle/>
-          <a:p>
-            <a:r>
-              <a:rPr lang="it-IT" dirty="0"/>
-              <a:t>MINIX 3</a:t>
-            </a:r>
-          </a:p>
-        </p:txBody>
-      </p:sp>
-      <p:sp>
-        <p:nvSpPr>
-          <p:cNvPr id="10" name="Segnaposto contenuto 9">
-            <a:extLst>
-              <a:ext uri="{FF2B5EF4-FFF2-40B4-BE49-F238E27FC236}">
-                <a16:creationId xmlns:a16="http://schemas.microsoft.com/office/drawing/2014/main" id="{3CDA2ECB-1671-3745-42C6-213A778ECD29}"/>
+                <a16:creationId xmlns:a16="http://schemas.microsoft.com/office/drawing/2014/main" id="{3CBFDA4D-DA92-DE97-0B71-9E459466A516}"/>
               </a:ext>
             </a:extLst>
           </p:cNvPr>
@@ -4457,7 +4375,7 @@
     </p:spTree>
     <p:extLst>
       <p:ext uri="{BB962C8B-B14F-4D97-AF65-F5344CB8AC3E}">
-        <p14:creationId xmlns:p14="http://schemas.microsoft.com/office/powerpoint/2010/main" val="1642301185"/>
+        <p14:creationId xmlns:p14="http://schemas.microsoft.com/office/powerpoint/2010/main" val="1346140153"/>
       </p:ext>
     </p:extLst>
   </p:cSld>
@@ -4486,10 +4404,10 @@
       </p:grpSpPr>
       <p:sp>
         <p:nvSpPr>
-          <p:cNvPr id="2" name="Titolo 1">
-            <a:extLst>
-              <a:ext uri="{FF2B5EF4-FFF2-40B4-BE49-F238E27FC236}">
-                <a16:creationId xmlns:a16="http://schemas.microsoft.com/office/drawing/2014/main" id="{7900EF7C-7285-9CC8-2E3F-795F09433FAC}"/>
+          <p:cNvPr id="4" name="Titolo 3">
+            <a:extLst>
+              <a:ext uri="{FF2B5EF4-FFF2-40B4-BE49-F238E27FC236}">
+                <a16:creationId xmlns:a16="http://schemas.microsoft.com/office/drawing/2014/main" id="{4C6958DE-4CE8-5842-7EB3-6A77942BB66B}"/>
               </a:ext>
             </a:extLst>
           </p:cNvPr>
@@ -4505,27 +4423,99 @@
           <a:bodyPr/>
           <a:lstStyle/>
           <a:p>
-            <a:r>
-              <a:rPr lang="it-IT" dirty="0"/>
-              <a:t>Gestione della memoria</a:t>
-            </a:r>
-          </a:p>
-        </p:txBody>
-      </p:sp>
-      <p:sp>
-        <p:nvSpPr>
-          <p:cNvPr id="3" name="Segnaposto contenuto 2">
-            <a:extLst>
-              <a:ext uri="{FF2B5EF4-FFF2-40B4-BE49-F238E27FC236}">
-                <a16:creationId xmlns:a16="http://schemas.microsoft.com/office/drawing/2014/main" id="{8582FC7B-01D3-3352-C58E-14891A68BC1C}"/>
-              </a:ext>
-            </a:extLst>
-          </p:cNvPr>
-          <p:cNvSpPr>
-            <a:spLocks noGrp="1"/>
-          </p:cNvSpPr>
-          <p:nvPr>
-            <p:ph idx="1"/>
+            <a:endParaRPr lang="it-IT"/>
+          </a:p>
+        </p:txBody>
+      </p:sp>
+      <p:sp>
+        <p:nvSpPr>
+          <p:cNvPr id="5" name="Segnaposto testo 4">
+            <a:extLst>
+              <a:ext uri="{FF2B5EF4-FFF2-40B4-BE49-F238E27FC236}">
+                <a16:creationId xmlns:a16="http://schemas.microsoft.com/office/drawing/2014/main" id="{A4B09623-3F65-2A7A-7B90-C83F04115A56}"/>
+              </a:ext>
+            </a:extLst>
+          </p:cNvPr>
+          <p:cNvSpPr>
+            <a:spLocks noGrp="1"/>
+          </p:cNvSpPr>
+          <p:nvPr>
+            <p:ph type="body" idx="1"/>
+          </p:nvPr>
+        </p:nvSpPr>
+        <p:spPr/>
+        <p:txBody>
+          <a:bodyPr/>
+          <a:lstStyle/>
+          <a:p>
+            <a:endParaRPr lang="it-IT"/>
+          </a:p>
+        </p:txBody>
+      </p:sp>
+      <p:sp>
+        <p:nvSpPr>
+          <p:cNvPr id="6" name="Segnaposto contenuto 5">
+            <a:extLst>
+              <a:ext uri="{FF2B5EF4-FFF2-40B4-BE49-F238E27FC236}">
+                <a16:creationId xmlns:a16="http://schemas.microsoft.com/office/drawing/2014/main" id="{4BCD0132-CD1D-8CC1-F046-77698045EF07}"/>
+              </a:ext>
+            </a:extLst>
+          </p:cNvPr>
+          <p:cNvSpPr>
+            <a:spLocks noGrp="1"/>
+          </p:cNvSpPr>
+          <p:nvPr>
+            <p:ph sz="half" idx="2"/>
+          </p:nvPr>
+        </p:nvSpPr>
+        <p:spPr/>
+        <p:txBody>
+          <a:bodyPr/>
+          <a:lstStyle/>
+          <a:p>
+            <a:endParaRPr lang="it-IT"/>
+          </a:p>
+        </p:txBody>
+      </p:sp>
+      <p:sp>
+        <p:nvSpPr>
+          <p:cNvPr id="7" name="Segnaposto testo 6">
+            <a:extLst>
+              <a:ext uri="{FF2B5EF4-FFF2-40B4-BE49-F238E27FC236}">
+                <a16:creationId xmlns:a16="http://schemas.microsoft.com/office/drawing/2014/main" id="{E1B43DBC-8A47-364D-11EC-72C37033637E}"/>
+              </a:ext>
+            </a:extLst>
+          </p:cNvPr>
+          <p:cNvSpPr>
+            <a:spLocks noGrp="1"/>
+          </p:cNvSpPr>
+          <p:nvPr>
+            <p:ph type="body" sz="quarter" idx="3"/>
+          </p:nvPr>
+        </p:nvSpPr>
+        <p:spPr/>
+        <p:txBody>
+          <a:bodyPr/>
+          <a:lstStyle/>
+          <a:p>
+            <a:endParaRPr lang="it-IT"/>
+          </a:p>
+        </p:txBody>
+      </p:sp>
+      <p:sp>
+        <p:nvSpPr>
+          <p:cNvPr id="8" name="Segnaposto contenuto 7">
+            <a:extLst>
+              <a:ext uri="{FF2B5EF4-FFF2-40B4-BE49-F238E27FC236}">
+                <a16:creationId xmlns:a16="http://schemas.microsoft.com/office/drawing/2014/main" id="{3CBFDA4D-DA92-DE97-0B71-9E459466A516}"/>
+              </a:ext>
+            </a:extLst>
+          </p:cNvPr>
+          <p:cNvSpPr>
+            <a:spLocks noGrp="1"/>
+          </p:cNvSpPr>
+          <p:nvPr>
+            <p:ph sz="quarter" idx="4"/>
           </p:nvPr>
         </p:nvSpPr>
         <p:spPr/>
@@ -4540,7 +4530,7 @@
     </p:spTree>
     <p:extLst>
       <p:ext uri="{BB962C8B-B14F-4D97-AF65-F5344CB8AC3E}">
-        <p14:creationId xmlns:p14="http://schemas.microsoft.com/office/powerpoint/2010/main" val="3676064560"/>
+        <p14:creationId xmlns:p14="http://schemas.microsoft.com/office/powerpoint/2010/main" val="3327742900"/>
       </p:ext>
     </p:extLst>
   </p:cSld>
@@ -4569,10 +4559,10 @@
       </p:grpSpPr>
       <p:sp>
         <p:nvSpPr>
-          <p:cNvPr id="2" name="Titolo 1">
-            <a:extLst>
-              <a:ext uri="{FF2B5EF4-FFF2-40B4-BE49-F238E27FC236}">
-                <a16:creationId xmlns:a16="http://schemas.microsoft.com/office/drawing/2014/main" id="{69441F67-1949-8EC8-EB98-85670AC3670C}"/>
+          <p:cNvPr id="4" name="Titolo 3">
+            <a:extLst>
+              <a:ext uri="{FF2B5EF4-FFF2-40B4-BE49-F238E27FC236}">
+                <a16:creationId xmlns:a16="http://schemas.microsoft.com/office/drawing/2014/main" id="{4C6958DE-4CE8-5842-7EB3-6A77942BB66B}"/>
               </a:ext>
             </a:extLst>
           </p:cNvPr>
@@ -4585,41 +4575,19 @@
         </p:nvSpPr>
         <p:spPr/>
         <p:txBody>
-          <a:bodyPr>
-            <a:normAutofit/>
-          </a:bodyPr>
-          <a:lstStyle/>
-          <a:p>
-            <a:r>
-              <a:rPr lang="it-IT" dirty="0" err="1"/>
-              <a:t>Paging</a:t>
-            </a:r>
-            <a:r>
-              <a:rPr lang="it-IT" dirty="0"/>
-              <a:t> e </a:t>
-            </a:r>
-            <a:r>
-              <a:rPr lang="it-IT" dirty="0" err="1"/>
-              <a:t>virtual</a:t>
-            </a:r>
-            <a:r>
-              <a:rPr lang="it-IT" dirty="0"/>
-              <a:t> </a:t>
-            </a:r>
-            <a:r>
-              <a:rPr lang="it-IT" dirty="0" err="1"/>
-              <a:t>memory</a:t>
-            </a:r>
-            <a:endParaRPr lang="it-IT" dirty="0"/>
-          </a:p>
-        </p:txBody>
-      </p:sp>
-      <p:sp>
-        <p:nvSpPr>
-          <p:cNvPr id="4" name="Segnaposto testo 3">
-            <a:extLst>
-              <a:ext uri="{FF2B5EF4-FFF2-40B4-BE49-F238E27FC236}">
-                <a16:creationId xmlns:a16="http://schemas.microsoft.com/office/drawing/2014/main" id="{3484543A-BB31-0207-182F-1F1C206F0C68}"/>
+          <a:bodyPr/>
+          <a:lstStyle/>
+          <a:p>
+            <a:endParaRPr lang="it-IT"/>
+          </a:p>
+        </p:txBody>
+      </p:sp>
+      <p:sp>
+        <p:nvSpPr>
+          <p:cNvPr id="5" name="Segnaposto testo 4">
+            <a:extLst>
+              <a:ext uri="{FF2B5EF4-FFF2-40B4-BE49-F238E27FC236}">
+                <a16:creationId xmlns:a16="http://schemas.microsoft.com/office/drawing/2014/main" id="{A4B09623-3F65-2A7A-7B90-C83F04115A56}"/>
               </a:ext>
             </a:extLst>
           </p:cNvPr>
@@ -4635,10 +4603,57 @@
           <a:bodyPr/>
           <a:lstStyle/>
           <a:p>
-            <a:r>
-              <a:rPr lang="it-IT" dirty="0"/>
-              <a:t>OS161</a:t>
-            </a:r>
+            <a:endParaRPr lang="it-IT"/>
+          </a:p>
+        </p:txBody>
+      </p:sp>
+      <p:sp>
+        <p:nvSpPr>
+          <p:cNvPr id="6" name="Segnaposto contenuto 5">
+            <a:extLst>
+              <a:ext uri="{FF2B5EF4-FFF2-40B4-BE49-F238E27FC236}">
+                <a16:creationId xmlns:a16="http://schemas.microsoft.com/office/drawing/2014/main" id="{4BCD0132-CD1D-8CC1-F046-77698045EF07}"/>
+              </a:ext>
+            </a:extLst>
+          </p:cNvPr>
+          <p:cNvSpPr>
+            <a:spLocks noGrp="1"/>
+          </p:cNvSpPr>
+          <p:nvPr>
+            <p:ph sz="half" idx="2"/>
+          </p:nvPr>
+        </p:nvSpPr>
+        <p:spPr/>
+        <p:txBody>
+          <a:bodyPr/>
+          <a:lstStyle/>
+          <a:p>
+            <a:endParaRPr lang="it-IT"/>
+          </a:p>
+        </p:txBody>
+      </p:sp>
+      <p:sp>
+        <p:nvSpPr>
+          <p:cNvPr id="7" name="Segnaposto testo 6">
+            <a:extLst>
+              <a:ext uri="{FF2B5EF4-FFF2-40B4-BE49-F238E27FC236}">
+                <a16:creationId xmlns:a16="http://schemas.microsoft.com/office/drawing/2014/main" id="{E1B43DBC-8A47-364D-11EC-72C37033637E}"/>
+              </a:ext>
+            </a:extLst>
+          </p:cNvPr>
+          <p:cNvSpPr>
+            <a:spLocks noGrp="1"/>
+          </p:cNvSpPr>
+          <p:nvPr>
+            <p:ph type="body" sz="quarter" idx="3"/>
+          </p:nvPr>
+        </p:nvSpPr>
+        <p:spPr/>
+        <p:txBody>
+          <a:bodyPr/>
+          <a:lstStyle/>
+          <a:p>
+            <a:endParaRPr lang="it-IT"/>
           </a:p>
         </p:txBody>
       </p:sp>
@@ -4647,60 +4662,7 @@
           <p:cNvPr id="8" name="Segnaposto contenuto 7">
             <a:extLst>
               <a:ext uri="{FF2B5EF4-FFF2-40B4-BE49-F238E27FC236}">
-                <a16:creationId xmlns:a16="http://schemas.microsoft.com/office/drawing/2014/main" id="{A1E5DF89-94E7-98C4-F563-B3A43317A1CE}"/>
-              </a:ext>
-            </a:extLst>
-          </p:cNvPr>
-          <p:cNvSpPr>
-            <a:spLocks noGrp="1"/>
-          </p:cNvSpPr>
-          <p:nvPr>
-            <p:ph sz="half" idx="2"/>
-          </p:nvPr>
-        </p:nvSpPr>
-        <p:spPr/>
-        <p:txBody>
-          <a:bodyPr/>
-          <a:lstStyle/>
-          <a:p>
-            <a:endParaRPr lang="it-IT"/>
-          </a:p>
-        </p:txBody>
-      </p:sp>
-      <p:sp>
-        <p:nvSpPr>
-          <p:cNvPr id="9" name="Segnaposto testo 8">
-            <a:extLst>
-              <a:ext uri="{FF2B5EF4-FFF2-40B4-BE49-F238E27FC236}">
-                <a16:creationId xmlns:a16="http://schemas.microsoft.com/office/drawing/2014/main" id="{00842FCF-9A2A-27B3-4ED6-BB0713CE4444}"/>
-              </a:ext>
-            </a:extLst>
-          </p:cNvPr>
-          <p:cNvSpPr>
-            <a:spLocks noGrp="1"/>
-          </p:cNvSpPr>
-          <p:nvPr>
-            <p:ph type="body" sz="quarter" idx="3"/>
-          </p:nvPr>
-        </p:nvSpPr>
-        <p:spPr/>
-        <p:txBody>
-          <a:bodyPr/>
-          <a:lstStyle/>
-          <a:p>
-            <a:r>
-              <a:rPr lang="it-IT" dirty="0"/>
-              <a:t>MINIX 3</a:t>
-            </a:r>
-          </a:p>
-        </p:txBody>
-      </p:sp>
-      <p:sp>
-        <p:nvSpPr>
-          <p:cNvPr id="10" name="Segnaposto contenuto 9">
-            <a:extLst>
-              <a:ext uri="{FF2B5EF4-FFF2-40B4-BE49-F238E27FC236}">
-                <a16:creationId xmlns:a16="http://schemas.microsoft.com/office/drawing/2014/main" id="{3CDA2ECB-1671-3745-42C6-213A778ECD29}"/>
+                <a16:creationId xmlns:a16="http://schemas.microsoft.com/office/drawing/2014/main" id="{3CBFDA4D-DA92-DE97-0B71-9E459466A516}"/>
               </a:ext>
             </a:extLst>
           </p:cNvPr>
@@ -4723,339 +4685,7 @@
     </p:spTree>
     <p:extLst>
       <p:ext uri="{BB962C8B-B14F-4D97-AF65-F5344CB8AC3E}">
-        <p14:creationId xmlns:p14="http://schemas.microsoft.com/office/powerpoint/2010/main" val="1787713386"/>
-      </p:ext>
-    </p:extLst>
-  </p:cSld>
-  <p:clrMapOvr>
-    <a:masterClrMapping/>
-  </p:clrMapOvr>
-</p:sld>
-</file>
-
-<file path=ppt/slides/slide18.xml><?xml version="1.0" encoding="utf-8"?>
-<p:sld xmlns:a="http://schemas.openxmlformats.org/drawingml/2006/main" xmlns:r="http://schemas.openxmlformats.org/officeDocument/2006/relationships" xmlns:p="http://schemas.openxmlformats.org/presentationml/2006/main">
-  <p:cSld>
-    <p:spTree>
-      <p:nvGrpSpPr>
-        <p:cNvPr id="1" name=""/>
-        <p:cNvGrpSpPr/>
-        <p:nvPr/>
-      </p:nvGrpSpPr>
-      <p:grpSpPr>
-        <a:xfrm>
-          <a:off x="0" y="0"/>
-          <a:ext cx="0" cy="0"/>
-          <a:chOff x="0" y="0"/>
-          <a:chExt cx="0" cy="0"/>
-        </a:xfrm>
-      </p:grpSpPr>
-      <p:sp>
-        <p:nvSpPr>
-          <p:cNvPr id="2" name="Titolo 1">
-            <a:extLst>
-              <a:ext uri="{FF2B5EF4-FFF2-40B4-BE49-F238E27FC236}">
-                <a16:creationId xmlns:a16="http://schemas.microsoft.com/office/drawing/2014/main" id="{69441F67-1949-8EC8-EB98-85670AC3670C}"/>
-              </a:ext>
-            </a:extLst>
-          </p:cNvPr>
-          <p:cNvSpPr>
-            <a:spLocks noGrp="1"/>
-          </p:cNvSpPr>
-          <p:nvPr>
-            <p:ph type="title"/>
-          </p:nvPr>
-        </p:nvSpPr>
-        <p:spPr/>
-        <p:txBody>
-          <a:bodyPr>
-            <a:normAutofit/>
-          </a:bodyPr>
-          <a:lstStyle/>
-          <a:p>
-            <a:r>
-              <a:rPr lang="it-IT" dirty="0"/>
-              <a:t>Gestione delle chiamate</a:t>
-            </a:r>
-          </a:p>
-        </p:txBody>
-      </p:sp>
-      <p:sp>
-        <p:nvSpPr>
-          <p:cNvPr id="4" name="Segnaposto testo 3">
-            <a:extLst>
-              <a:ext uri="{FF2B5EF4-FFF2-40B4-BE49-F238E27FC236}">
-                <a16:creationId xmlns:a16="http://schemas.microsoft.com/office/drawing/2014/main" id="{3484543A-BB31-0207-182F-1F1C206F0C68}"/>
-              </a:ext>
-            </a:extLst>
-          </p:cNvPr>
-          <p:cNvSpPr>
-            <a:spLocks noGrp="1"/>
-          </p:cNvSpPr>
-          <p:nvPr>
-            <p:ph type="body" idx="1"/>
-          </p:nvPr>
-        </p:nvSpPr>
-        <p:spPr/>
-        <p:txBody>
-          <a:bodyPr/>
-          <a:lstStyle/>
-          <a:p>
-            <a:r>
-              <a:rPr lang="it-IT" dirty="0"/>
-              <a:t>OS161</a:t>
-            </a:r>
-          </a:p>
-        </p:txBody>
-      </p:sp>
-      <p:sp>
-        <p:nvSpPr>
-          <p:cNvPr id="8" name="Segnaposto contenuto 7">
-            <a:extLst>
-              <a:ext uri="{FF2B5EF4-FFF2-40B4-BE49-F238E27FC236}">
-                <a16:creationId xmlns:a16="http://schemas.microsoft.com/office/drawing/2014/main" id="{A1E5DF89-94E7-98C4-F563-B3A43317A1CE}"/>
-              </a:ext>
-            </a:extLst>
-          </p:cNvPr>
-          <p:cNvSpPr>
-            <a:spLocks noGrp="1"/>
-          </p:cNvSpPr>
-          <p:nvPr>
-            <p:ph sz="half" idx="2"/>
-          </p:nvPr>
-        </p:nvSpPr>
-        <p:spPr/>
-        <p:txBody>
-          <a:bodyPr/>
-          <a:lstStyle/>
-          <a:p>
-            <a:endParaRPr lang="it-IT"/>
-          </a:p>
-        </p:txBody>
-      </p:sp>
-      <p:sp>
-        <p:nvSpPr>
-          <p:cNvPr id="9" name="Segnaposto testo 8">
-            <a:extLst>
-              <a:ext uri="{FF2B5EF4-FFF2-40B4-BE49-F238E27FC236}">
-                <a16:creationId xmlns:a16="http://schemas.microsoft.com/office/drawing/2014/main" id="{00842FCF-9A2A-27B3-4ED6-BB0713CE4444}"/>
-              </a:ext>
-            </a:extLst>
-          </p:cNvPr>
-          <p:cNvSpPr>
-            <a:spLocks noGrp="1"/>
-          </p:cNvSpPr>
-          <p:nvPr>
-            <p:ph type="body" sz="quarter" idx="3"/>
-          </p:nvPr>
-        </p:nvSpPr>
-        <p:spPr/>
-        <p:txBody>
-          <a:bodyPr/>
-          <a:lstStyle/>
-          <a:p>
-            <a:r>
-              <a:rPr lang="it-IT" dirty="0"/>
-              <a:t>MINIX 3</a:t>
-            </a:r>
-          </a:p>
-        </p:txBody>
-      </p:sp>
-      <p:sp>
-        <p:nvSpPr>
-          <p:cNvPr id="10" name="Segnaposto contenuto 9">
-            <a:extLst>
-              <a:ext uri="{FF2B5EF4-FFF2-40B4-BE49-F238E27FC236}">
-                <a16:creationId xmlns:a16="http://schemas.microsoft.com/office/drawing/2014/main" id="{3CDA2ECB-1671-3745-42C6-213A778ECD29}"/>
-              </a:ext>
-            </a:extLst>
-          </p:cNvPr>
-          <p:cNvSpPr>
-            <a:spLocks noGrp="1"/>
-          </p:cNvSpPr>
-          <p:nvPr>
-            <p:ph sz="quarter" idx="4"/>
-          </p:nvPr>
-        </p:nvSpPr>
-        <p:spPr/>
-        <p:txBody>
-          <a:bodyPr/>
-          <a:lstStyle/>
-          <a:p>
-            <a:endParaRPr lang="it-IT"/>
-          </a:p>
-        </p:txBody>
-      </p:sp>
-    </p:spTree>
-    <p:extLst>
-      <p:ext uri="{BB962C8B-B14F-4D97-AF65-F5344CB8AC3E}">
-        <p14:creationId xmlns:p14="http://schemas.microsoft.com/office/powerpoint/2010/main" val="104424725"/>
-      </p:ext>
-    </p:extLst>
-  </p:cSld>
-  <p:clrMapOvr>
-    <a:masterClrMapping/>
-  </p:clrMapOvr>
-</p:sld>
-</file>
-
-<file path=ppt/slides/slide19.xml><?xml version="1.0" encoding="utf-8"?>
-<p:sld xmlns:a="http://schemas.openxmlformats.org/drawingml/2006/main" xmlns:r="http://schemas.openxmlformats.org/officeDocument/2006/relationships" xmlns:p="http://schemas.openxmlformats.org/presentationml/2006/main">
-  <p:cSld>
-    <p:spTree>
-      <p:nvGrpSpPr>
-        <p:cNvPr id="1" name=""/>
-        <p:cNvGrpSpPr/>
-        <p:nvPr/>
-      </p:nvGrpSpPr>
-      <p:grpSpPr>
-        <a:xfrm>
-          <a:off x="0" y="0"/>
-          <a:ext cx="0" cy="0"/>
-          <a:chOff x="0" y="0"/>
-          <a:chExt cx="0" cy="0"/>
-        </a:xfrm>
-      </p:grpSpPr>
-      <p:sp>
-        <p:nvSpPr>
-          <p:cNvPr id="2" name="Titolo 1">
-            <a:extLst>
-              <a:ext uri="{FF2B5EF4-FFF2-40B4-BE49-F238E27FC236}">
-                <a16:creationId xmlns:a16="http://schemas.microsoft.com/office/drawing/2014/main" id="{69441F67-1949-8EC8-EB98-85670AC3670C}"/>
-              </a:ext>
-            </a:extLst>
-          </p:cNvPr>
-          <p:cNvSpPr>
-            <a:spLocks noGrp="1"/>
-          </p:cNvSpPr>
-          <p:nvPr>
-            <p:ph type="title"/>
-          </p:nvPr>
-        </p:nvSpPr>
-        <p:spPr/>
-        <p:txBody>
-          <a:bodyPr>
-            <a:normAutofit/>
-          </a:bodyPr>
-          <a:lstStyle/>
-          <a:p>
-            <a:r>
-              <a:rPr lang="it-IT" dirty="0"/>
-              <a:t>Meccanismi di sincronizzazione</a:t>
-            </a:r>
-          </a:p>
-        </p:txBody>
-      </p:sp>
-      <p:sp>
-        <p:nvSpPr>
-          <p:cNvPr id="4" name="Segnaposto testo 3">
-            <a:extLst>
-              <a:ext uri="{FF2B5EF4-FFF2-40B4-BE49-F238E27FC236}">
-                <a16:creationId xmlns:a16="http://schemas.microsoft.com/office/drawing/2014/main" id="{3484543A-BB31-0207-182F-1F1C206F0C68}"/>
-              </a:ext>
-            </a:extLst>
-          </p:cNvPr>
-          <p:cNvSpPr>
-            <a:spLocks noGrp="1"/>
-          </p:cNvSpPr>
-          <p:nvPr>
-            <p:ph type="body" idx="1"/>
-          </p:nvPr>
-        </p:nvSpPr>
-        <p:spPr/>
-        <p:txBody>
-          <a:bodyPr/>
-          <a:lstStyle/>
-          <a:p>
-            <a:r>
-              <a:rPr lang="it-IT" dirty="0"/>
-              <a:t>OS161</a:t>
-            </a:r>
-          </a:p>
-        </p:txBody>
-      </p:sp>
-      <p:sp>
-        <p:nvSpPr>
-          <p:cNvPr id="8" name="Segnaposto contenuto 7">
-            <a:extLst>
-              <a:ext uri="{FF2B5EF4-FFF2-40B4-BE49-F238E27FC236}">
-                <a16:creationId xmlns:a16="http://schemas.microsoft.com/office/drawing/2014/main" id="{A1E5DF89-94E7-98C4-F563-B3A43317A1CE}"/>
-              </a:ext>
-            </a:extLst>
-          </p:cNvPr>
-          <p:cNvSpPr>
-            <a:spLocks noGrp="1"/>
-          </p:cNvSpPr>
-          <p:nvPr>
-            <p:ph sz="half" idx="2"/>
-          </p:nvPr>
-        </p:nvSpPr>
-        <p:spPr/>
-        <p:txBody>
-          <a:bodyPr/>
-          <a:lstStyle/>
-          <a:p>
-            <a:endParaRPr lang="it-IT"/>
-          </a:p>
-        </p:txBody>
-      </p:sp>
-      <p:sp>
-        <p:nvSpPr>
-          <p:cNvPr id="9" name="Segnaposto testo 8">
-            <a:extLst>
-              <a:ext uri="{FF2B5EF4-FFF2-40B4-BE49-F238E27FC236}">
-                <a16:creationId xmlns:a16="http://schemas.microsoft.com/office/drawing/2014/main" id="{00842FCF-9A2A-27B3-4ED6-BB0713CE4444}"/>
-              </a:ext>
-            </a:extLst>
-          </p:cNvPr>
-          <p:cNvSpPr>
-            <a:spLocks noGrp="1"/>
-          </p:cNvSpPr>
-          <p:nvPr>
-            <p:ph type="body" sz="quarter" idx="3"/>
-          </p:nvPr>
-        </p:nvSpPr>
-        <p:spPr/>
-        <p:txBody>
-          <a:bodyPr/>
-          <a:lstStyle/>
-          <a:p>
-            <a:r>
-              <a:rPr lang="it-IT" dirty="0"/>
-              <a:t>MINIX 3</a:t>
-            </a:r>
-          </a:p>
-        </p:txBody>
-      </p:sp>
-      <p:sp>
-        <p:nvSpPr>
-          <p:cNvPr id="10" name="Segnaposto contenuto 9">
-            <a:extLst>
-              <a:ext uri="{FF2B5EF4-FFF2-40B4-BE49-F238E27FC236}">
-                <a16:creationId xmlns:a16="http://schemas.microsoft.com/office/drawing/2014/main" id="{3CDA2ECB-1671-3745-42C6-213A778ECD29}"/>
-              </a:ext>
-            </a:extLst>
-          </p:cNvPr>
-          <p:cNvSpPr>
-            <a:spLocks noGrp="1"/>
-          </p:cNvSpPr>
-          <p:nvPr>
-            <p:ph sz="quarter" idx="4"/>
-          </p:nvPr>
-        </p:nvSpPr>
-        <p:spPr/>
-        <p:txBody>
-          <a:bodyPr/>
-          <a:lstStyle/>
-          <a:p>
-            <a:endParaRPr lang="it-IT"/>
-          </a:p>
-        </p:txBody>
-      </p:sp>
-    </p:spTree>
-    <p:extLst>
-      <p:ext uri="{BB962C8B-B14F-4D97-AF65-F5344CB8AC3E}">
-        <p14:creationId xmlns:p14="http://schemas.microsoft.com/office/powerpoint/2010/main" val="151468646"/>
+        <p14:creationId xmlns:p14="http://schemas.microsoft.com/office/powerpoint/2010/main" val="2906817671"/>
       </p:ext>
     </p:extLst>
   </p:cSld>
@@ -5148,471 +4778,6 @@
 </p:sld>
 </file>
 
-<file path=ppt/slides/slide20.xml><?xml version="1.0" encoding="utf-8"?>
-<p:sld xmlns:a="http://schemas.openxmlformats.org/drawingml/2006/main" xmlns:r="http://schemas.openxmlformats.org/officeDocument/2006/relationships" xmlns:p="http://schemas.openxmlformats.org/presentationml/2006/main">
-  <p:cSld>
-    <p:spTree>
-      <p:nvGrpSpPr>
-        <p:cNvPr id="1" name=""/>
-        <p:cNvGrpSpPr/>
-        <p:nvPr/>
-      </p:nvGrpSpPr>
-      <p:grpSpPr>
-        <a:xfrm>
-          <a:off x="0" y="0"/>
-          <a:ext cx="0" cy="0"/>
-          <a:chOff x="0" y="0"/>
-          <a:chExt cx="0" cy="0"/>
-        </a:xfrm>
-      </p:grpSpPr>
-      <p:sp>
-        <p:nvSpPr>
-          <p:cNvPr id="4" name="Titolo 3">
-            <a:extLst>
-              <a:ext uri="{FF2B5EF4-FFF2-40B4-BE49-F238E27FC236}">
-                <a16:creationId xmlns:a16="http://schemas.microsoft.com/office/drawing/2014/main" id="{4C6958DE-4CE8-5842-7EB3-6A77942BB66B}"/>
-              </a:ext>
-            </a:extLst>
-          </p:cNvPr>
-          <p:cNvSpPr>
-            <a:spLocks noGrp="1"/>
-          </p:cNvSpPr>
-          <p:nvPr>
-            <p:ph type="title"/>
-          </p:nvPr>
-        </p:nvSpPr>
-        <p:spPr/>
-        <p:txBody>
-          <a:bodyPr/>
-          <a:lstStyle/>
-          <a:p>
-            <a:endParaRPr lang="it-IT"/>
-          </a:p>
-        </p:txBody>
-      </p:sp>
-      <p:sp>
-        <p:nvSpPr>
-          <p:cNvPr id="5" name="Segnaposto testo 4">
-            <a:extLst>
-              <a:ext uri="{FF2B5EF4-FFF2-40B4-BE49-F238E27FC236}">
-                <a16:creationId xmlns:a16="http://schemas.microsoft.com/office/drawing/2014/main" id="{A4B09623-3F65-2A7A-7B90-C83F04115A56}"/>
-              </a:ext>
-            </a:extLst>
-          </p:cNvPr>
-          <p:cNvSpPr>
-            <a:spLocks noGrp="1"/>
-          </p:cNvSpPr>
-          <p:nvPr>
-            <p:ph type="body" idx="1"/>
-          </p:nvPr>
-        </p:nvSpPr>
-        <p:spPr/>
-        <p:txBody>
-          <a:bodyPr/>
-          <a:lstStyle/>
-          <a:p>
-            <a:endParaRPr lang="it-IT"/>
-          </a:p>
-        </p:txBody>
-      </p:sp>
-      <p:sp>
-        <p:nvSpPr>
-          <p:cNvPr id="6" name="Segnaposto contenuto 5">
-            <a:extLst>
-              <a:ext uri="{FF2B5EF4-FFF2-40B4-BE49-F238E27FC236}">
-                <a16:creationId xmlns:a16="http://schemas.microsoft.com/office/drawing/2014/main" id="{4BCD0132-CD1D-8CC1-F046-77698045EF07}"/>
-              </a:ext>
-            </a:extLst>
-          </p:cNvPr>
-          <p:cNvSpPr>
-            <a:spLocks noGrp="1"/>
-          </p:cNvSpPr>
-          <p:nvPr>
-            <p:ph sz="half" idx="2"/>
-          </p:nvPr>
-        </p:nvSpPr>
-        <p:spPr/>
-        <p:txBody>
-          <a:bodyPr/>
-          <a:lstStyle/>
-          <a:p>
-            <a:endParaRPr lang="it-IT"/>
-          </a:p>
-        </p:txBody>
-      </p:sp>
-      <p:sp>
-        <p:nvSpPr>
-          <p:cNvPr id="7" name="Segnaposto testo 6">
-            <a:extLst>
-              <a:ext uri="{FF2B5EF4-FFF2-40B4-BE49-F238E27FC236}">
-                <a16:creationId xmlns:a16="http://schemas.microsoft.com/office/drawing/2014/main" id="{E1B43DBC-8A47-364D-11EC-72C37033637E}"/>
-              </a:ext>
-            </a:extLst>
-          </p:cNvPr>
-          <p:cNvSpPr>
-            <a:spLocks noGrp="1"/>
-          </p:cNvSpPr>
-          <p:nvPr>
-            <p:ph type="body" sz="quarter" idx="3"/>
-          </p:nvPr>
-        </p:nvSpPr>
-        <p:spPr/>
-        <p:txBody>
-          <a:bodyPr/>
-          <a:lstStyle/>
-          <a:p>
-            <a:endParaRPr lang="it-IT"/>
-          </a:p>
-        </p:txBody>
-      </p:sp>
-      <p:sp>
-        <p:nvSpPr>
-          <p:cNvPr id="8" name="Segnaposto contenuto 7">
-            <a:extLst>
-              <a:ext uri="{FF2B5EF4-FFF2-40B4-BE49-F238E27FC236}">
-                <a16:creationId xmlns:a16="http://schemas.microsoft.com/office/drawing/2014/main" id="{3CBFDA4D-DA92-DE97-0B71-9E459466A516}"/>
-              </a:ext>
-            </a:extLst>
-          </p:cNvPr>
-          <p:cNvSpPr>
-            <a:spLocks noGrp="1"/>
-          </p:cNvSpPr>
-          <p:nvPr>
-            <p:ph sz="quarter" idx="4"/>
-          </p:nvPr>
-        </p:nvSpPr>
-        <p:spPr/>
-        <p:txBody>
-          <a:bodyPr/>
-          <a:lstStyle/>
-          <a:p>
-            <a:endParaRPr lang="it-IT"/>
-          </a:p>
-        </p:txBody>
-      </p:sp>
-    </p:spTree>
-    <p:extLst>
-      <p:ext uri="{BB962C8B-B14F-4D97-AF65-F5344CB8AC3E}">
-        <p14:creationId xmlns:p14="http://schemas.microsoft.com/office/powerpoint/2010/main" val="1346140153"/>
-      </p:ext>
-    </p:extLst>
-  </p:cSld>
-  <p:clrMapOvr>
-    <a:masterClrMapping/>
-  </p:clrMapOvr>
-</p:sld>
-</file>
-
-<file path=ppt/slides/slide21.xml><?xml version="1.0" encoding="utf-8"?>
-<p:sld xmlns:a="http://schemas.openxmlformats.org/drawingml/2006/main" xmlns:r="http://schemas.openxmlformats.org/officeDocument/2006/relationships" xmlns:p="http://schemas.openxmlformats.org/presentationml/2006/main">
-  <p:cSld>
-    <p:spTree>
-      <p:nvGrpSpPr>
-        <p:cNvPr id="1" name=""/>
-        <p:cNvGrpSpPr/>
-        <p:nvPr/>
-      </p:nvGrpSpPr>
-      <p:grpSpPr>
-        <a:xfrm>
-          <a:off x="0" y="0"/>
-          <a:ext cx="0" cy="0"/>
-          <a:chOff x="0" y="0"/>
-          <a:chExt cx="0" cy="0"/>
-        </a:xfrm>
-      </p:grpSpPr>
-      <p:sp>
-        <p:nvSpPr>
-          <p:cNvPr id="4" name="Titolo 3">
-            <a:extLst>
-              <a:ext uri="{FF2B5EF4-FFF2-40B4-BE49-F238E27FC236}">
-                <a16:creationId xmlns:a16="http://schemas.microsoft.com/office/drawing/2014/main" id="{4C6958DE-4CE8-5842-7EB3-6A77942BB66B}"/>
-              </a:ext>
-            </a:extLst>
-          </p:cNvPr>
-          <p:cNvSpPr>
-            <a:spLocks noGrp="1"/>
-          </p:cNvSpPr>
-          <p:nvPr>
-            <p:ph type="title"/>
-          </p:nvPr>
-        </p:nvSpPr>
-        <p:spPr/>
-        <p:txBody>
-          <a:bodyPr/>
-          <a:lstStyle/>
-          <a:p>
-            <a:endParaRPr lang="it-IT"/>
-          </a:p>
-        </p:txBody>
-      </p:sp>
-      <p:sp>
-        <p:nvSpPr>
-          <p:cNvPr id="5" name="Segnaposto testo 4">
-            <a:extLst>
-              <a:ext uri="{FF2B5EF4-FFF2-40B4-BE49-F238E27FC236}">
-                <a16:creationId xmlns:a16="http://schemas.microsoft.com/office/drawing/2014/main" id="{A4B09623-3F65-2A7A-7B90-C83F04115A56}"/>
-              </a:ext>
-            </a:extLst>
-          </p:cNvPr>
-          <p:cNvSpPr>
-            <a:spLocks noGrp="1"/>
-          </p:cNvSpPr>
-          <p:nvPr>
-            <p:ph type="body" idx="1"/>
-          </p:nvPr>
-        </p:nvSpPr>
-        <p:spPr/>
-        <p:txBody>
-          <a:bodyPr/>
-          <a:lstStyle/>
-          <a:p>
-            <a:endParaRPr lang="it-IT"/>
-          </a:p>
-        </p:txBody>
-      </p:sp>
-      <p:sp>
-        <p:nvSpPr>
-          <p:cNvPr id="6" name="Segnaposto contenuto 5">
-            <a:extLst>
-              <a:ext uri="{FF2B5EF4-FFF2-40B4-BE49-F238E27FC236}">
-                <a16:creationId xmlns:a16="http://schemas.microsoft.com/office/drawing/2014/main" id="{4BCD0132-CD1D-8CC1-F046-77698045EF07}"/>
-              </a:ext>
-            </a:extLst>
-          </p:cNvPr>
-          <p:cNvSpPr>
-            <a:spLocks noGrp="1"/>
-          </p:cNvSpPr>
-          <p:nvPr>
-            <p:ph sz="half" idx="2"/>
-          </p:nvPr>
-        </p:nvSpPr>
-        <p:spPr/>
-        <p:txBody>
-          <a:bodyPr/>
-          <a:lstStyle/>
-          <a:p>
-            <a:endParaRPr lang="it-IT"/>
-          </a:p>
-        </p:txBody>
-      </p:sp>
-      <p:sp>
-        <p:nvSpPr>
-          <p:cNvPr id="7" name="Segnaposto testo 6">
-            <a:extLst>
-              <a:ext uri="{FF2B5EF4-FFF2-40B4-BE49-F238E27FC236}">
-                <a16:creationId xmlns:a16="http://schemas.microsoft.com/office/drawing/2014/main" id="{E1B43DBC-8A47-364D-11EC-72C37033637E}"/>
-              </a:ext>
-            </a:extLst>
-          </p:cNvPr>
-          <p:cNvSpPr>
-            <a:spLocks noGrp="1"/>
-          </p:cNvSpPr>
-          <p:nvPr>
-            <p:ph type="body" sz="quarter" idx="3"/>
-          </p:nvPr>
-        </p:nvSpPr>
-        <p:spPr/>
-        <p:txBody>
-          <a:bodyPr/>
-          <a:lstStyle/>
-          <a:p>
-            <a:endParaRPr lang="it-IT"/>
-          </a:p>
-        </p:txBody>
-      </p:sp>
-      <p:sp>
-        <p:nvSpPr>
-          <p:cNvPr id="8" name="Segnaposto contenuto 7">
-            <a:extLst>
-              <a:ext uri="{FF2B5EF4-FFF2-40B4-BE49-F238E27FC236}">
-                <a16:creationId xmlns:a16="http://schemas.microsoft.com/office/drawing/2014/main" id="{3CBFDA4D-DA92-DE97-0B71-9E459466A516}"/>
-              </a:ext>
-            </a:extLst>
-          </p:cNvPr>
-          <p:cNvSpPr>
-            <a:spLocks noGrp="1"/>
-          </p:cNvSpPr>
-          <p:nvPr>
-            <p:ph sz="quarter" idx="4"/>
-          </p:nvPr>
-        </p:nvSpPr>
-        <p:spPr/>
-        <p:txBody>
-          <a:bodyPr/>
-          <a:lstStyle/>
-          <a:p>
-            <a:endParaRPr lang="it-IT"/>
-          </a:p>
-        </p:txBody>
-      </p:sp>
-    </p:spTree>
-    <p:extLst>
-      <p:ext uri="{BB962C8B-B14F-4D97-AF65-F5344CB8AC3E}">
-        <p14:creationId xmlns:p14="http://schemas.microsoft.com/office/powerpoint/2010/main" val="3327742900"/>
-      </p:ext>
-    </p:extLst>
-  </p:cSld>
-  <p:clrMapOvr>
-    <a:masterClrMapping/>
-  </p:clrMapOvr>
-</p:sld>
-</file>
-
-<file path=ppt/slides/slide22.xml><?xml version="1.0" encoding="utf-8"?>
-<p:sld xmlns:a="http://schemas.openxmlformats.org/drawingml/2006/main" xmlns:r="http://schemas.openxmlformats.org/officeDocument/2006/relationships" xmlns:p="http://schemas.openxmlformats.org/presentationml/2006/main">
-  <p:cSld>
-    <p:spTree>
-      <p:nvGrpSpPr>
-        <p:cNvPr id="1" name=""/>
-        <p:cNvGrpSpPr/>
-        <p:nvPr/>
-      </p:nvGrpSpPr>
-      <p:grpSpPr>
-        <a:xfrm>
-          <a:off x="0" y="0"/>
-          <a:ext cx="0" cy="0"/>
-          <a:chOff x="0" y="0"/>
-          <a:chExt cx="0" cy="0"/>
-        </a:xfrm>
-      </p:grpSpPr>
-      <p:sp>
-        <p:nvSpPr>
-          <p:cNvPr id="4" name="Titolo 3">
-            <a:extLst>
-              <a:ext uri="{FF2B5EF4-FFF2-40B4-BE49-F238E27FC236}">
-                <a16:creationId xmlns:a16="http://schemas.microsoft.com/office/drawing/2014/main" id="{4C6958DE-4CE8-5842-7EB3-6A77942BB66B}"/>
-              </a:ext>
-            </a:extLst>
-          </p:cNvPr>
-          <p:cNvSpPr>
-            <a:spLocks noGrp="1"/>
-          </p:cNvSpPr>
-          <p:nvPr>
-            <p:ph type="title"/>
-          </p:nvPr>
-        </p:nvSpPr>
-        <p:spPr/>
-        <p:txBody>
-          <a:bodyPr/>
-          <a:lstStyle/>
-          <a:p>
-            <a:endParaRPr lang="it-IT"/>
-          </a:p>
-        </p:txBody>
-      </p:sp>
-      <p:sp>
-        <p:nvSpPr>
-          <p:cNvPr id="5" name="Segnaposto testo 4">
-            <a:extLst>
-              <a:ext uri="{FF2B5EF4-FFF2-40B4-BE49-F238E27FC236}">
-                <a16:creationId xmlns:a16="http://schemas.microsoft.com/office/drawing/2014/main" id="{A4B09623-3F65-2A7A-7B90-C83F04115A56}"/>
-              </a:ext>
-            </a:extLst>
-          </p:cNvPr>
-          <p:cNvSpPr>
-            <a:spLocks noGrp="1"/>
-          </p:cNvSpPr>
-          <p:nvPr>
-            <p:ph type="body" idx="1"/>
-          </p:nvPr>
-        </p:nvSpPr>
-        <p:spPr/>
-        <p:txBody>
-          <a:bodyPr/>
-          <a:lstStyle/>
-          <a:p>
-            <a:endParaRPr lang="it-IT"/>
-          </a:p>
-        </p:txBody>
-      </p:sp>
-      <p:sp>
-        <p:nvSpPr>
-          <p:cNvPr id="6" name="Segnaposto contenuto 5">
-            <a:extLst>
-              <a:ext uri="{FF2B5EF4-FFF2-40B4-BE49-F238E27FC236}">
-                <a16:creationId xmlns:a16="http://schemas.microsoft.com/office/drawing/2014/main" id="{4BCD0132-CD1D-8CC1-F046-77698045EF07}"/>
-              </a:ext>
-            </a:extLst>
-          </p:cNvPr>
-          <p:cNvSpPr>
-            <a:spLocks noGrp="1"/>
-          </p:cNvSpPr>
-          <p:nvPr>
-            <p:ph sz="half" idx="2"/>
-          </p:nvPr>
-        </p:nvSpPr>
-        <p:spPr/>
-        <p:txBody>
-          <a:bodyPr/>
-          <a:lstStyle/>
-          <a:p>
-            <a:endParaRPr lang="it-IT"/>
-          </a:p>
-        </p:txBody>
-      </p:sp>
-      <p:sp>
-        <p:nvSpPr>
-          <p:cNvPr id="7" name="Segnaposto testo 6">
-            <a:extLst>
-              <a:ext uri="{FF2B5EF4-FFF2-40B4-BE49-F238E27FC236}">
-                <a16:creationId xmlns:a16="http://schemas.microsoft.com/office/drawing/2014/main" id="{E1B43DBC-8A47-364D-11EC-72C37033637E}"/>
-              </a:ext>
-            </a:extLst>
-          </p:cNvPr>
-          <p:cNvSpPr>
-            <a:spLocks noGrp="1"/>
-          </p:cNvSpPr>
-          <p:nvPr>
-            <p:ph type="body" sz="quarter" idx="3"/>
-          </p:nvPr>
-        </p:nvSpPr>
-        <p:spPr/>
-        <p:txBody>
-          <a:bodyPr/>
-          <a:lstStyle/>
-          <a:p>
-            <a:endParaRPr lang="it-IT"/>
-          </a:p>
-        </p:txBody>
-      </p:sp>
-      <p:sp>
-        <p:nvSpPr>
-          <p:cNvPr id="8" name="Segnaposto contenuto 7">
-            <a:extLst>
-              <a:ext uri="{FF2B5EF4-FFF2-40B4-BE49-F238E27FC236}">
-                <a16:creationId xmlns:a16="http://schemas.microsoft.com/office/drawing/2014/main" id="{3CBFDA4D-DA92-DE97-0B71-9E459466A516}"/>
-              </a:ext>
-            </a:extLst>
-          </p:cNvPr>
-          <p:cNvSpPr>
-            <a:spLocks noGrp="1"/>
-          </p:cNvSpPr>
-          <p:nvPr>
-            <p:ph sz="quarter" idx="4"/>
-          </p:nvPr>
-        </p:nvSpPr>
-        <p:spPr/>
-        <p:txBody>
-          <a:bodyPr/>
-          <a:lstStyle/>
-          <a:p>
-            <a:endParaRPr lang="it-IT"/>
-          </a:p>
-        </p:txBody>
-      </p:sp>
-    </p:spTree>
-    <p:extLst>
-      <p:ext uri="{BB962C8B-B14F-4D97-AF65-F5344CB8AC3E}">
-        <p14:creationId xmlns:p14="http://schemas.microsoft.com/office/powerpoint/2010/main" val="2906817671"/>
-      </p:ext>
-    </p:extLst>
-  </p:cSld>
-  <p:clrMapOvr>
-    <a:masterClrMapping/>
-  </p:clrMapOvr>
-</p:sld>
-</file>
-
 <file path=ppt/slides/slide3.xml><?xml version="1.0" encoding="utf-8"?>
 <p:sld xmlns:a="http://schemas.openxmlformats.org/drawingml/2006/main" xmlns:r="http://schemas.openxmlformats.org/officeDocument/2006/relationships" xmlns:p="http://schemas.openxmlformats.org/presentationml/2006/main">
   <p:cSld>
@@ -5734,7 +4899,7 @@
           <a:p>
             <a:r>
               <a:rPr lang="it-IT" dirty="0"/>
-              <a:t>MINIX 3</a:t>
+              <a:t>PINTOS</a:t>
             </a:r>
           </a:p>
         </p:txBody>
@@ -5882,7 +5047,7 @@
           <p:cNvPr id="2" name="Titolo 1">
             <a:extLst>
               <a:ext uri="{FF2B5EF4-FFF2-40B4-BE49-F238E27FC236}">
-                <a16:creationId xmlns:a16="http://schemas.microsoft.com/office/drawing/2014/main" id="{E59A807A-FBE3-B66C-5E76-C14B95235667}"/>
+                <a16:creationId xmlns:a16="http://schemas.microsoft.com/office/drawing/2014/main" id="{69441F67-1949-8EC8-EB98-85670AC3670C}"/>
               </a:ext>
             </a:extLst>
           </p:cNvPr>
@@ -5895,12 +5060,14 @@
         </p:nvSpPr>
         <p:spPr/>
         <p:txBody>
-          <a:bodyPr/>
+          <a:bodyPr>
+            <a:normAutofit/>
+          </a:bodyPr>
           <a:lstStyle/>
           <a:p>
             <a:r>
               <a:rPr lang="it-IT" dirty="0"/>
-              <a:t>Fork</a:t>
+              <a:t>Scheduling: Obiettivi</a:t>
             </a:r>
           </a:p>
         </p:txBody>
@@ -5910,7 +5077,7 @@
           <p:cNvPr id="4" name="Segnaposto testo 3">
             <a:extLst>
               <a:ext uri="{FF2B5EF4-FFF2-40B4-BE49-F238E27FC236}">
-                <a16:creationId xmlns:a16="http://schemas.microsoft.com/office/drawing/2014/main" id="{5E5D57F9-0477-4F76-EB1F-30ADF530B627}"/>
+                <a16:creationId xmlns:a16="http://schemas.microsoft.com/office/drawing/2014/main" id="{3484543A-BB31-0207-182F-1F1C206F0C68}"/>
               </a:ext>
             </a:extLst>
           </p:cNvPr>
@@ -5935,10 +5102,10 @@
       </p:sp>
       <p:sp>
         <p:nvSpPr>
-          <p:cNvPr id="5" name="Segnaposto contenuto 4">
-            <a:extLst>
-              <a:ext uri="{FF2B5EF4-FFF2-40B4-BE49-F238E27FC236}">
-                <a16:creationId xmlns:a16="http://schemas.microsoft.com/office/drawing/2014/main" id="{163BE631-5171-41CB-1651-B8CBA56189FD}"/>
+          <p:cNvPr id="8" name="Segnaposto contenuto 7">
+            <a:extLst>
+              <a:ext uri="{FF2B5EF4-FFF2-40B4-BE49-F238E27FC236}">
+                <a16:creationId xmlns:a16="http://schemas.microsoft.com/office/drawing/2014/main" id="{A1E5DF89-94E7-98C4-F563-B3A43317A1CE}"/>
               </a:ext>
             </a:extLst>
           </p:cNvPr>
@@ -5960,10 +5127,10 @@
       </p:sp>
       <p:sp>
         <p:nvSpPr>
-          <p:cNvPr id="6" name="Segnaposto testo 5">
-            <a:extLst>
-              <a:ext uri="{FF2B5EF4-FFF2-40B4-BE49-F238E27FC236}">
-                <a16:creationId xmlns:a16="http://schemas.microsoft.com/office/drawing/2014/main" id="{6BB84A92-9DB7-C903-13D1-DA423998BE9E}"/>
+          <p:cNvPr id="9" name="Segnaposto testo 8">
+            <a:extLst>
+              <a:ext uri="{FF2B5EF4-FFF2-40B4-BE49-F238E27FC236}">
+                <a16:creationId xmlns:a16="http://schemas.microsoft.com/office/drawing/2014/main" id="{00842FCF-9A2A-27B3-4ED6-BB0713CE4444}"/>
               </a:ext>
             </a:extLst>
           </p:cNvPr>
@@ -5981,17 +5148,17 @@
           <a:p>
             <a:r>
               <a:rPr lang="it-IT" dirty="0"/>
-              <a:t>MINIX 3</a:t>
-            </a:r>
-          </a:p>
-        </p:txBody>
-      </p:sp>
-      <p:sp>
-        <p:nvSpPr>
-          <p:cNvPr id="7" name="Segnaposto contenuto 6">
-            <a:extLst>
-              <a:ext uri="{FF2B5EF4-FFF2-40B4-BE49-F238E27FC236}">
-                <a16:creationId xmlns:a16="http://schemas.microsoft.com/office/drawing/2014/main" id="{57618781-70D6-1FBC-40FF-8F829D20BC33}"/>
+              <a:t>PINTOS</a:t>
+            </a:r>
+          </a:p>
+        </p:txBody>
+      </p:sp>
+      <p:sp>
+        <p:nvSpPr>
+          <p:cNvPr id="10" name="Segnaposto contenuto 9">
+            <a:extLst>
+              <a:ext uri="{FF2B5EF4-FFF2-40B4-BE49-F238E27FC236}">
+                <a16:creationId xmlns:a16="http://schemas.microsoft.com/office/drawing/2014/main" id="{3CDA2ECB-1671-3745-42C6-213A778ECD29}"/>
               </a:ext>
             </a:extLst>
           </p:cNvPr>
@@ -6014,7 +5181,7 @@
     </p:spTree>
     <p:extLst>
       <p:ext uri="{BB962C8B-B14F-4D97-AF65-F5344CB8AC3E}">
-        <p14:creationId xmlns:p14="http://schemas.microsoft.com/office/powerpoint/2010/main" val="39553206"/>
+        <p14:creationId xmlns:p14="http://schemas.microsoft.com/office/powerpoint/2010/main" val="2070214546"/>
       </p:ext>
     </p:extLst>
   </p:cSld>
@@ -6046,7 +5213,7 @@
           <p:cNvPr id="2" name="Titolo 1">
             <a:extLst>
               <a:ext uri="{FF2B5EF4-FFF2-40B4-BE49-F238E27FC236}">
-                <a16:creationId xmlns:a16="http://schemas.microsoft.com/office/drawing/2014/main" id="{E59A807A-FBE3-B66C-5E76-C14B95235667}"/>
+                <a16:creationId xmlns:a16="http://schemas.microsoft.com/office/drawing/2014/main" id="{69441F67-1949-8EC8-EB98-85670AC3670C}"/>
               </a:ext>
             </a:extLst>
           </p:cNvPr>
@@ -6059,12 +5226,14 @@
         </p:nvSpPr>
         <p:spPr/>
         <p:txBody>
-          <a:bodyPr/>
+          <a:bodyPr>
+            <a:normAutofit/>
+          </a:bodyPr>
           <a:lstStyle/>
           <a:p>
             <a:r>
               <a:rPr lang="it-IT" dirty="0"/>
-              <a:t>Exit</a:t>
+              <a:t>Scheduling: Politiche di scheduling</a:t>
             </a:r>
           </a:p>
         </p:txBody>
@@ -6074,7 +5243,7 @@
           <p:cNvPr id="4" name="Segnaposto testo 3">
             <a:extLst>
               <a:ext uri="{FF2B5EF4-FFF2-40B4-BE49-F238E27FC236}">
-                <a16:creationId xmlns:a16="http://schemas.microsoft.com/office/drawing/2014/main" id="{5E5D57F9-0477-4F76-EB1F-30ADF530B627}"/>
+                <a16:creationId xmlns:a16="http://schemas.microsoft.com/office/drawing/2014/main" id="{3484543A-BB31-0207-182F-1F1C206F0C68}"/>
               </a:ext>
             </a:extLst>
           </p:cNvPr>
@@ -6099,10 +5268,10 @@
       </p:sp>
       <p:sp>
         <p:nvSpPr>
-          <p:cNvPr id="5" name="Segnaposto contenuto 4">
-            <a:extLst>
-              <a:ext uri="{FF2B5EF4-FFF2-40B4-BE49-F238E27FC236}">
-                <a16:creationId xmlns:a16="http://schemas.microsoft.com/office/drawing/2014/main" id="{163BE631-5171-41CB-1651-B8CBA56189FD}"/>
+          <p:cNvPr id="8" name="Segnaposto contenuto 7">
+            <a:extLst>
+              <a:ext uri="{FF2B5EF4-FFF2-40B4-BE49-F238E27FC236}">
+                <a16:creationId xmlns:a16="http://schemas.microsoft.com/office/drawing/2014/main" id="{A1E5DF89-94E7-98C4-F563-B3A43317A1CE}"/>
               </a:ext>
             </a:extLst>
           </p:cNvPr>
@@ -6124,10 +5293,10 @@
       </p:sp>
       <p:sp>
         <p:nvSpPr>
-          <p:cNvPr id="6" name="Segnaposto testo 5">
-            <a:extLst>
-              <a:ext uri="{FF2B5EF4-FFF2-40B4-BE49-F238E27FC236}">
-                <a16:creationId xmlns:a16="http://schemas.microsoft.com/office/drawing/2014/main" id="{6BB84A92-9DB7-C903-13D1-DA423998BE9E}"/>
+          <p:cNvPr id="9" name="Segnaposto testo 8">
+            <a:extLst>
+              <a:ext uri="{FF2B5EF4-FFF2-40B4-BE49-F238E27FC236}">
+                <a16:creationId xmlns:a16="http://schemas.microsoft.com/office/drawing/2014/main" id="{00842FCF-9A2A-27B3-4ED6-BB0713CE4444}"/>
               </a:ext>
             </a:extLst>
           </p:cNvPr>
@@ -6145,17 +5314,17 @@
           <a:p>
             <a:r>
               <a:rPr lang="it-IT" dirty="0"/>
-              <a:t>MINIX 3</a:t>
-            </a:r>
-          </a:p>
-        </p:txBody>
-      </p:sp>
-      <p:sp>
-        <p:nvSpPr>
-          <p:cNvPr id="7" name="Segnaposto contenuto 6">
-            <a:extLst>
-              <a:ext uri="{FF2B5EF4-FFF2-40B4-BE49-F238E27FC236}">
-                <a16:creationId xmlns:a16="http://schemas.microsoft.com/office/drawing/2014/main" id="{57618781-70D6-1FBC-40FF-8F829D20BC33}"/>
+              <a:t>PINTOS</a:t>
+            </a:r>
+          </a:p>
+        </p:txBody>
+      </p:sp>
+      <p:sp>
+        <p:nvSpPr>
+          <p:cNvPr id="10" name="Segnaposto contenuto 9">
+            <a:extLst>
+              <a:ext uri="{FF2B5EF4-FFF2-40B4-BE49-F238E27FC236}">
+                <a16:creationId xmlns:a16="http://schemas.microsoft.com/office/drawing/2014/main" id="{3CDA2ECB-1671-3745-42C6-213A778ECD29}"/>
               </a:ext>
             </a:extLst>
           </p:cNvPr>
@@ -6178,7 +5347,7 @@
     </p:spTree>
     <p:extLst>
       <p:ext uri="{BB962C8B-B14F-4D97-AF65-F5344CB8AC3E}">
-        <p14:creationId xmlns:p14="http://schemas.microsoft.com/office/powerpoint/2010/main" val="1786976587"/>
+        <p14:creationId xmlns:p14="http://schemas.microsoft.com/office/powerpoint/2010/main" val="1934289931"/>
       </p:ext>
     </p:extLst>
   </p:cSld>
@@ -6210,7 +5379,7 @@
           <p:cNvPr id="2" name="Titolo 1">
             <a:extLst>
               <a:ext uri="{FF2B5EF4-FFF2-40B4-BE49-F238E27FC236}">
-                <a16:creationId xmlns:a16="http://schemas.microsoft.com/office/drawing/2014/main" id="{E59A807A-FBE3-B66C-5E76-C14B95235667}"/>
+                <a16:creationId xmlns:a16="http://schemas.microsoft.com/office/drawing/2014/main" id="{69441F67-1949-8EC8-EB98-85670AC3670C}"/>
               </a:ext>
             </a:extLst>
           </p:cNvPr>
@@ -6223,14 +5392,15 @@
         </p:nvSpPr>
         <p:spPr/>
         <p:txBody>
-          <a:bodyPr/>
-          <a:lstStyle/>
-          <a:p>
-            <a:r>
-              <a:rPr lang="it-IT" dirty="0" err="1"/>
-              <a:t>Exec</a:t>
-            </a:r>
-            <a:endParaRPr lang="it-IT" dirty="0"/>
+          <a:bodyPr>
+            <a:normAutofit/>
+          </a:bodyPr>
+          <a:lstStyle/>
+          <a:p>
+            <a:r>
+              <a:rPr lang="it-IT" dirty="0"/>
+              <a:t>Scheduling: Implementazione</a:t>
+            </a:r>
           </a:p>
         </p:txBody>
       </p:sp>
@@ -6239,7 +5409,7 @@
           <p:cNvPr id="4" name="Segnaposto testo 3">
             <a:extLst>
               <a:ext uri="{FF2B5EF4-FFF2-40B4-BE49-F238E27FC236}">
-                <a16:creationId xmlns:a16="http://schemas.microsoft.com/office/drawing/2014/main" id="{5E5D57F9-0477-4F76-EB1F-30ADF530B627}"/>
+                <a16:creationId xmlns:a16="http://schemas.microsoft.com/office/drawing/2014/main" id="{3484543A-BB31-0207-182F-1F1C206F0C68}"/>
               </a:ext>
             </a:extLst>
           </p:cNvPr>
@@ -6264,10 +5434,10 @@
       </p:sp>
       <p:sp>
         <p:nvSpPr>
-          <p:cNvPr id="5" name="Segnaposto contenuto 4">
-            <a:extLst>
-              <a:ext uri="{FF2B5EF4-FFF2-40B4-BE49-F238E27FC236}">
-                <a16:creationId xmlns:a16="http://schemas.microsoft.com/office/drawing/2014/main" id="{163BE631-5171-41CB-1651-B8CBA56189FD}"/>
+          <p:cNvPr id="8" name="Segnaposto contenuto 7">
+            <a:extLst>
+              <a:ext uri="{FF2B5EF4-FFF2-40B4-BE49-F238E27FC236}">
+                <a16:creationId xmlns:a16="http://schemas.microsoft.com/office/drawing/2014/main" id="{A1E5DF89-94E7-98C4-F563-B3A43317A1CE}"/>
               </a:ext>
             </a:extLst>
           </p:cNvPr>
@@ -6289,10 +5459,10 @@
       </p:sp>
       <p:sp>
         <p:nvSpPr>
-          <p:cNvPr id="6" name="Segnaposto testo 5">
-            <a:extLst>
-              <a:ext uri="{FF2B5EF4-FFF2-40B4-BE49-F238E27FC236}">
-                <a16:creationId xmlns:a16="http://schemas.microsoft.com/office/drawing/2014/main" id="{6BB84A92-9DB7-C903-13D1-DA423998BE9E}"/>
+          <p:cNvPr id="9" name="Segnaposto testo 8">
+            <a:extLst>
+              <a:ext uri="{FF2B5EF4-FFF2-40B4-BE49-F238E27FC236}">
+                <a16:creationId xmlns:a16="http://schemas.microsoft.com/office/drawing/2014/main" id="{00842FCF-9A2A-27B3-4ED6-BB0713CE4444}"/>
               </a:ext>
             </a:extLst>
           </p:cNvPr>
@@ -6310,17 +5480,17 @@
           <a:p>
             <a:r>
               <a:rPr lang="it-IT" dirty="0"/>
-              <a:t>MINIX 3</a:t>
-            </a:r>
-          </a:p>
-        </p:txBody>
-      </p:sp>
-      <p:sp>
-        <p:nvSpPr>
-          <p:cNvPr id="7" name="Segnaposto contenuto 6">
-            <a:extLst>
-              <a:ext uri="{FF2B5EF4-FFF2-40B4-BE49-F238E27FC236}">
-                <a16:creationId xmlns:a16="http://schemas.microsoft.com/office/drawing/2014/main" id="{57618781-70D6-1FBC-40FF-8F829D20BC33}"/>
+              <a:t>PINTOS</a:t>
+            </a:r>
+          </a:p>
+        </p:txBody>
+      </p:sp>
+      <p:sp>
+        <p:nvSpPr>
+          <p:cNvPr id="10" name="Segnaposto contenuto 9">
+            <a:extLst>
+              <a:ext uri="{FF2B5EF4-FFF2-40B4-BE49-F238E27FC236}">
+                <a16:creationId xmlns:a16="http://schemas.microsoft.com/office/drawing/2014/main" id="{3CDA2ECB-1671-3745-42C6-213A778ECD29}"/>
               </a:ext>
             </a:extLst>
           </p:cNvPr>
@@ -6343,7 +5513,7 @@
     </p:spTree>
     <p:extLst>
       <p:ext uri="{BB962C8B-B14F-4D97-AF65-F5344CB8AC3E}">
-        <p14:creationId xmlns:p14="http://schemas.microsoft.com/office/powerpoint/2010/main" val="3107582510"/>
+        <p14:creationId xmlns:p14="http://schemas.microsoft.com/office/powerpoint/2010/main" val="2975043876"/>
       </p:ext>
     </p:extLst>
   </p:cSld>
@@ -6375,7 +5545,7 @@
           <p:cNvPr id="2" name="Titolo 1">
             <a:extLst>
               <a:ext uri="{FF2B5EF4-FFF2-40B4-BE49-F238E27FC236}">
-                <a16:creationId xmlns:a16="http://schemas.microsoft.com/office/drawing/2014/main" id="{E59A807A-FBE3-B66C-5E76-C14B95235667}"/>
+                <a16:creationId xmlns:a16="http://schemas.microsoft.com/office/drawing/2014/main" id="{69441F67-1949-8EC8-EB98-85670AC3670C}"/>
               </a:ext>
             </a:extLst>
           </p:cNvPr>
@@ -6388,12 +5558,14 @@
         </p:nvSpPr>
         <p:spPr/>
         <p:txBody>
-          <a:bodyPr/>
+          <a:bodyPr>
+            <a:normAutofit/>
+          </a:bodyPr>
           <a:lstStyle/>
           <a:p>
             <a:r>
               <a:rPr lang="it-IT" dirty="0"/>
-              <a:t>Kill</a:t>
+              <a:t>Scheduling: Gestione delle priorità</a:t>
             </a:r>
           </a:p>
         </p:txBody>
@@ -6403,7 +5575,7 @@
           <p:cNvPr id="4" name="Segnaposto testo 3">
             <a:extLst>
               <a:ext uri="{FF2B5EF4-FFF2-40B4-BE49-F238E27FC236}">
-                <a16:creationId xmlns:a16="http://schemas.microsoft.com/office/drawing/2014/main" id="{5E5D57F9-0477-4F76-EB1F-30ADF530B627}"/>
+                <a16:creationId xmlns:a16="http://schemas.microsoft.com/office/drawing/2014/main" id="{3484543A-BB31-0207-182F-1F1C206F0C68}"/>
               </a:ext>
             </a:extLst>
           </p:cNvPr>
@@ -6428,10 +5600,10 @@
       </p:sp>
       <p:sp>
         <p:nvSpPr>
-          <p:cNvPr id="5" name="Segnaposto contenuto 4">
-            <a:extLst>
-              <a:ext uri="{FF2B5EF4-FFF2-40B4-BE49-F238E27FC236}">
-                <a16:creationId xmlns:a16="http://schemas.microsoft.com/office/drawing/2014/main" id="{163BE631-5171-41CB-1651-B8CBA56189FD}"/>
+          <p:cNvPr id="8" name="Segnaposto contenuto 7">
+            <a:extLst>
+              <a:ext uri="{FF2B5EF4-FFF2-40B4-BE49-F238E27FC236}">
+                <a16:creationId xmlns:a16="http://schemas.microsoft.com/office/drawing/2014/main" id="{A1E5DF89-94E7-98C4-F563-B3A43317A1CE}"/>
               </a:ext>
             </a:extLst>
           </p:cNvPr>
@@ -6453,10 +5625,10 @@
       </p:sp>
       <p:sp>
         <p:nvSpPr>
-          <p:cNvPr id="6" name="Segnaposto testo 5">
-            <a:extLst>
-              <a:ext uri="{FF2B5EF4-FFF2-40B4-BE49-F238E27FC236}">
-                <a16:creationId xmlns:a16="http://schemas.microsoft.com/office/drawing/2014/main" id="{6BB84A92-9DB7-C903-13D1-DA423998BE9E}"/>
+          <p:cNvPr id="9" name="Segnaposto testo 8">
+            <a:extLst>
+              <a:ext uri="{FF2B5EF4-FFF2-40B4-BE49-F238E27FC236}">
+                <a16:creationId xmlns:a16="http://schemas.microsoft.com/office/drawing/2014/main" id="{00842FCF-9A2A-27B3-4ED6-BB0713CE4444}"/>
               </a:ext>
             </a:extLst>
           </p:cNvPr>
@@ -6474,17 +5646,17 @@
           <a:p>
             <a:r>
               <a:rPr lang="it-IT" dirty="0"/>
-              <a:t>MINIX 3</a:t>
-            </a:r>
-          </a:p>
-        </p:txBody>
-      </p:sp>
-      <p:sp>
-        <p:nvSpPr>
-          <p:cNvPr id="7" name="Segnaposto contenuto 6">
-            <a:extLst>
-              <a:ext uri="{FF2B5EF4-FFF2-40B4-BE49-F238E27FC236}">
-                <a16:creationId xmlns:a16="http://schemas.microsoft.com/office/drawing/2014/main" id="{57618781-70D6-1FBC-40FF-8F829D20BC33}"/>
+              <a:t>PINTOS</a:t>
+            </a:r>
+          </a:p>
+        </p:txBody>
+      </p:sp>
+      <p:sp>
+        <p:nvSpPr>
+          <p:cNvPr id="10" name="Segnaposto contenuto 9">
+            <a:extLst>
+              <a:ext uri="{FF2B5EF4-FFF2-40B4-BE49-F238E27FC236}">
+                <a16:creationId xmlns:a16="http://schemas.microsoft.com/office/drawing/2014/main" id="{3CDA2ECB-1671-3745-42C6-213A778ECD29}"/>
               </a:ext>
             </a:extLst>
           </p:cNvPr>
@@ -6507,7 +5679,7 @@
     </p:spTree>
     <p:extLst>
       <p:ext uri="{BB962C8B-B14F-4D97-AF65-F5344CB8AC3E}">
-        <p14:creationId xmlns:p14="http://schemas.microsoft.com/office/powerpoint/2010/main" val="472109040"/>
+        <p14:creationId xmlns:p14="http://schemas.microsoft.com/office/powerpoint/2010/main" val="1587832053"/>
       </p:ext>
     </p:extLst>
   </p:cSld>
@@ -6539,7 +5711,7 @@
           <p:cNvPr id="2" name="Titolo 1">
             <a:extLst>
               <a:ext uri="{FF2B5EF4-FFF2-40B4-BE49-F238E27FC236}">
-                <a16:creationId xmlns:a16="http://schemas.microsoft.com/office/drawing/2014/main" id="{E59A807A-FBE3-B66C-5E76-C14B95235667}"/>
+                <a16:creationId xmlns:a16="http://schemas.microsoft.com/office/drawing/2014/main" id="{69441F67-1949-8EC8-EB98-85670AC3670C}"/>
               </a:ext>
             </a:extLst>
           </p:cNvPr>
@@ -6552,14 +5724,15 @@
         </p:nvSpPr>
         <p:spPr/>
         <p:txBody>
-          <a:bodyPr/>
-          <a:lstStyle/>
-          <a:p>
-            <a:r>
-              <a:rPr lang="it-IT" dirty="0" err="1"/>
-              <a:t>Waitpid</a:t>
-            </a:r>
-            <a:endParaRPr lang="it-IT" dirty="0"/>
+          <a:bodyPr>
+            <a:normAutofit/>
+          </a:bodyPr>
+          <a:lstStyle/>
+          <a:p>
+            <a:r>
+              <a:rPr lang="it-IT" dirty="0"/>
+              <a:t>Scheduling: Gestione delle interruzioni</a:t>
+            </a:r>
           </a:p>
         </p:txBody>
       </p:sp>
@@ -6568,7 +5741,7 @@
           <p:cNvPr id="4" name="Segnaposto testo 3">
             <a:extLst>
               <a:ext uri="{FF2B5EF4-FFF2-40B4-BE49-F238E27FC236}">
-                <a16:creationId xmlns:a16="http://schemas.microsoft.com/office/drawing/2014/main" id="{5E5D57F9-0477-4F76-EB1F-30ADF530B627}"/>
+                <a16:creationId xmlns:a16="http://schemas.microsoft.com/office/drawing/2014/main" id="{3484543A-BB31-0207-182F-1F1C206F0C68}"/>
               </a:ext>
             </a:extLst>
           </p:cNvPr>
@@ -6593,10 +5766,10 @@
       </p:sp>
       <p:sp>
         <p:nvSpPr>
-          <p:cNvPr id="5" name="Segnaposto contenuto 4">
-            <a:extLst>
-              <a:ext uri="{FF2B5EF4-FFF2-40B4-BE49-F238E27FC236}">
-                <a16:creationId xmlns:a16="http://schemas.microsoft.com/office/drawing/2014/main" id="{163BE631-5171-41CB-1651-B8CBA56189FD}"/>
+          <p:cNvPr id="8" name="Segnaposto contenuto 7">
+            <a:extLst>
+              <a:ext uri="{FF2B5EF4-FFF2-40B4-BE49-F238E27FC236}">
+                <a16:creationId xmlns:a16="http://schemas.microsoft.com/office/drawing/2014/main" id="{A1E5DF89-94E7-98C4-F563-B3A43317A1CE}"/>
               </a:ext>
             </a:extLst>
           </p:cNvPr>
@@ -6618,10 +5791,10 @@
       </p:sp>
       <p:sp>
         <p:nvSpPr>
-          <p:cNvPr id="6" name="Segnaposto testo 5">
-            <a:extLst>
-              <a:ext uri="{FF2B5EF4-FFF2-40B4-BE49-F238E27FC236}">
-                <a16:creationId xmlns:a16="http://schemas.microsoft.com/office/drawing/2014/main" id="{6BB84A92-9DB7-C903-13D1-DA423998BE9E}"/>
+          <p:cNvPr id="9" name="Segnaposto testo 8">
+            <a:extLst>
+              <a:ext uri="{FF2B5EF4-FFF2-40B4-BE49-F238E27FC236}">
+                <a16:creationId xmlns:a16="http://schemas.microsoft.com/office/drawing/2014/main" id="{00842FCF-9A2A-27B3-4ED6-BB0713CE4444}"/>
               </a:ext>
             </a:extLst>
           </p:cNvPr>
@@ -6639,17 +5812,17 @@
           <a:p>
             <a:r>
               <a:rPr lang="it-IT" dirty="0"/>
-              <a:t>MINIX 3</a:t>
-            </a:r>
-          </a:p>
-        </p:txBody>
-      </p:sp>
-      <p:sp>
-        <p:nvSpPr>
-          <p:cNvPr id="7" name="Segnaposto contenuto 6">
-            <a:extLst>
-              <a:ext uri="{FF2B5EF4-FFF2-40B4-BE49-F238E27FC236}">
-                <a16:creationId xmlns:a16="http://schemas.microsoft.com/office/drawing/2014/main" id="{57618781-70D6-1FBC-40FF-8F829D20BC33}"/>
+              <a:t>PINTOS</a:t>
+            </a:r>
+          </a:p>
+        </p:txBody>
+      </p:sp>
+      <p:sp>
+        <p:nvSpPr>
+          <p:cNvPr id="10" name="Segnaposto contenuto 9">
+            <a:extLst>
+              <a:ext uri="{FF2B5EF4-FFF2-40B4-BE49-F238E27FC236}">
+                <a16:creationId xmlns:a16="http://schemas.microsoft.com/office/drawing/2014/main" id="{3CDA2ECB-1671-3745-42C6-213A778ECD29}"/>
               </a:ext>
             </a:extLst>
           </p:cNvPr>
@@ -6672,7 +5845,7 @@
     </p:spTree>
     <p:extLst>
       <p:ext uri="{BB962C8B-B14F-4D97-AF65-F5344CB8AC3E}">
-        <p14:creationId xmlns:p14="http://schemas.microsoft.com/office/powerpoint/2010/main" val="830413120"/>
+        <p14:creationId xmlns:p14="http://schemas.microsoft.com/office/powerpoint/2010/main" val="1764962512"/>
       </p:ext>
     </p:extLst>
   </p:cSld>

--- a/Progetto_SO.pptx
+++ b/Progetto_SO.pptx
@@ -2,7 +2,7 @@
 <file path=ppt/presentation.xml><?xml version="1.0" encoding="utf-8"?>
 <p:presentation xmlns:a="http://schemas.openxmlformats.org/drawingml/2006/main" xmlns:r="http://schemas.openxmlformats.org/officeDocument/2006/relationships" xmlns:p="http://schemas.openxmlformats.org/presentationml/2006/main" saveSubsetFonts="1">
   <p:sldMasterIdLst>
-    <p:sldMasterId id="2147483648" r:id="rId1"/>
+    <p:sldMasterId id="2147483684" r:id="rId1"/>
   </p:sldMasterIdLst>
   <p:sldIdLst>
     <p:sldId id="256" r:id="rId2"/>
@@ -27,9 +27,9 @@
   <p:notesSz cx="6858000" cy="9144000"/>
   <p:defaultTextStyle>
     <a:defPPr>
-      <a:defRPr lang="it-IT"/>
+      <a:defRPr lang="en-US"/>
     </a:defPPr>
-    <a:lvl1pPr marL="0" algn="l" defTabSz="914400" rtl="0" eaLnBrk="1" latinLnBrk="0" hangingPunct="1">
+    <a:lvl1pPr marL="0" algn="l" defTabSz="457200" rtl="0" eaLnBrk="1" latinLnBrk="0" hangingPunct="1">
       <a:defRPr sz="1800" kern="1200">
         <a:solidFill>
           <a:schemeClr val="tx1"/>
@@ -39,7 +39,7 @@
         <a:cs typeface="+mn-cs"/>
       </a:defRPr>
     </a:lvl1pPr>
-    <a:lvl2pPr marL="457200" algn="l" defTabSz="914400" rtl="0" eaLnBrk="1" latinLnBrk="0" hangingPunct="1">
+    <a:lvl2pPr marL="457200" algn="l" defTabSz="457200" rtl="0" eaLnBrk="1" latinLnBrk="0" hangingPunct="1">
       <a:defRPr sz="1800" kern="1200">
         <a:solidFill>
           <a:schemeClr val="tx1"/>
@@ -49,7 +49,7 @@
         <a:cs typeface="+mn-cs"/>
       </a:defRPr>
     </a:lvl2pPr>
-    <a:lvl3pPr marL="914400" algn="l" defTabSz="914400" rtl="0" eaLnBrk="1" latinLnBrk="0" hangingPunct="1">
+    <a:lvl3pPr marL="914400" algn="l" defTabSz="457200" rtl="0" eaLnBrk="1" latinLnBrk="0" hangingPunct="1">
       <a:defRPr sz="1800" kern="1200">
         <a:solidFill>
           <a:schemeClr val="tx1"/>
@@ -59,7 +59,7 @@
         <a:cs typeface="+mn-cs"/>
       </a:defRPr>
     </a:lvl3pPr>
-    <a:lvl4pPr marL="1371600" algn="l" defTabSz="914400" rtl="0" eaLnBrk="1" latinLnBrk="0" hangingPunct="1">
+    <a:lvl4pPr marL="1371600" algn="l" defTabSz="457200" rtl="0" eaLnBrk="1" latinLnBrk="0" hangingPunct="1">
       <a:defRPr sz="1800" kern="1200">
         <a:solidFill>
           <a:schemeClr val="tx1"/>
@@ -69,7 +69,7 @@
         <a:cs typeface="+mn-cs"/>
       </a:defRPr>
     </a:lvl4pPr>
-    <a:lvl5pPr marL="1828800" algn="l" defTabSz="914400" rtl="0" eaLnBrk="1" latinLnBrk="0" hangingPunct="1">
+    <a:lvl5pPr marL="1828800" algn="l" defTabSz="457200" rtl="0" eaLnBrk="1" latinLnBrk="0" hangingPunct="1">
       <a:defRPr sz="1800" kern="1200">
         <a:solidFill>
           <a:schemeClr val="tx1"/>
@@ -79,7 +79,7 @@
         <a:cs typeface="+mn-cs"/>
       </a:defRPr>
     </a:lvl5pPr>
-    <a:lvl6pPr marL="2286000" algn="l" defTabSz="914400" rtl="0" eaLnBrk="1" latinLnBrk="0" hangingPunct="1">
+    <a:lvl6pPr marL="2286000" algn="l" defTabSz="457200" rtl="0" eaLnBrk="1" latinLnBrk="0" hangingPunct="1">
       <a:defRPr sz="1800" kern="1200">
         <a:solidFill>
           <a:schemeClr val="tx1"/>
@@ -89,7 +89,7 @@
         <a:cs typeface="+mn-cs"/>
       </a:defRPr>
     </a:lvl6pPr>
-    <a:lvl7pPr marL="2743200" algn="l" defTabSz="914400" rtl="0" eaLnBrk="1" latinLnBrk="0" hangingPunct="1">
+    <a:lvl7pPr marL="2743200" algn="l" defTabSz="457200" rtl="0" eaLnBrk="1" latinLnBrk="0" hangingPunct="1">
       <a:defRPr sz="1800" kern="1200">
         <a:solidFill>
           <a:schemeClr val="tx1"/>
@@ -99,7 +99,7 @@
         <a:cs typeface="+mn-cs"/>
       </a:defRPr>
     </a:lvl7pPr>
-    <a:lvl8pPr marL="3200400" algn="l" defTabSz="914400" rtl="0" eaLnBrk="1" latinLnBrk="0" hangingPunct="1">
+    <a:lvl8pPr marL="3200400" algn="l" defTabSz="457200" rtl="0" eaLnBrk="1" latinLnBrk="0" hangingPunct="1">
       <a:defRPr sz="1800" kern="1200">
         <a:solidFill>
           <a:schemeClr val="tx1"/>
@@ -109,7 +109,7 @@
         <a:cs typeface="+mn-cs"/>
       </a:defRPr>
     </a:lvl8pPr>
-    <a:lvl9pPr marL="3657600" algn="l" defTabSz="914400" rtl="0" eaLnBrk="1" latinLnBrk="0" hangingPunct="1">
+    <a:lvl9pPr marL="3657600" algn="l" defTabSz="457200" rtl="0" eaLnBrk="1" latinLnBrk="0" hangingPunct="1">
       <a:defRPr sz="1800" kern="1200">
         <a:solidFill>
           <a:schemeClr val="tx1"/>
@@ -147,101 +147,188 @@
       </p:grpSpPr>
       <p:sp>
         <p:nvSpPr>
-          <p:cNvPr id="2" name="Titolo 1">
-            <a:extLst>
-              <a:ext uri="{FF2B5EF4-FFF2-40B4-BE49-F238E27FC236}">
-                <a16:creationId xmlns:a16="http://schemas.microsoft.com/office/drawing/2014/main" id="{AE3F0C36-A7F2-AB5E-2B84-F626C9063612}"/>
-              </a:ext>
-            </a:extLst>
-          </p:cNvPr>
-          <p:cNvSpPr>
-            <a:spLocks noGrp="1"/>
-          </p:cNvSpPr>
-          <p:nvPr>
-            <p:ph type="ctrTitle"/>
-          </p:nvPr>
+          <p:cNvPr id="7" name="Rectangle 6"/>
+          <p:cNvSpPr/>
+          <p:nvPr/>
         </p:nvSpPr>
         <p:spPr>
           <a:xfrm>
-            <a:off x="1524000" y="1122363"/>
-            <a:ext cx="9144000" cy="2387600"/>
+            <a:off x="446534" y="3085765"/>
+            <a:ext cx="11262866" cy="3304800"/>
+          </a:xfrm>
+          <a:prstGeom prst="rect">
+            <a:avLst/>
+          </a:prstGeom>
+          <a:solidFill>
+            <a:schemeClr val="accent1"/>
+          </a:solidFill>
+          <a:ln>
+            <a:noFill/>
+          </a:ln>
+          <a:effectLst/>
+        </p:spPr>
+        <p:style>
+          <a:lnRef idx="1">
+            <a:schemeClr val="accent1"/>
+          </a:lnRef>
+          <a:fillRef idx="3">
+            <a:schemeClr val="accent1"/>
+          </a:fillRef>
+          <a:effectRef idx="2">
+            <a:schemeClr val="accent1"/>
+          </a:effectRef>
+          <a:fontRef idx="minor">
+            <a:schemeClr val="lt1"/>
+          </a:fontRef>
+        </p:style>
+      </p:sp>
+      <p:sp>
+        <p:nvSpPr>
+          <p:cNvPr id="2" name="Title 1"/>
+          <p:cNvSpPr>
+            <a:spLocks noGrp="1"/>
+          </p:cNvSpPr>
+          <p:nvPr>
+            <p:ph type="ctrTitle"/>
+          </p:nvPr>
+        </p:nvSpPr>
+        <p:spPr>
+          <a:xfrm>
+            <a:off x="581191" y="1020431"/>
+            <a:ext cx="10993549" cy="1475013"/>
+          </a:xfrm>
+          <a:effectLst/>
+        </p:spPr>
+        <p:txBody>
+          <a:bodyPr anchor="b">
+            <a:normAutofit/>
+          </a:bodyPr>
+          <a:lstStyle>
+            <a:lvl1pPr>
+              <a:defRPr sz="3600">
+                <a:solidFill>
+                  <a:schemeClr val="accent1"/>
+                </a:solidFill>
+              </a:defRPr>
+            </a:lvl1pPr>
+          </a:lstStyle>
+          <a:p>
+            <a:r>
+              <a:rPr lang="it-IT"/>
+              <a:t>Fare clic per modificare lo stile del titolo dello schema</a:t>
+            </a:r>
+            <a:endParaRPr lang="en-US" dirty="0"/>
+          </a:p>
+        </p:txBody>
+      </p:sp>
+      <p:sp>
+        <p:nvSpPr>
+          <p:cNvPr id="3" name="Subtitle 2"/>
+          <p:cNvSpPr>
+            <a:spLocks noGrp="1"/>
+          </p:cNvSpPr>
+          <p:nvPr>
+            <p:ph type="subTitle" idx="1"/>
+          </p:nvPr>
+        </p:nvSpPr>
+        <p:spPr>
+          <a:xfrm>
+            <a:off x="581194" y="2495445"/>
+            <a:ext cx="10993546" cy="590321"/>
           </a:xfrm>
         </p:spPr>
         <p:txBody>
-          <a:bodyPr anchor="b"/>
+          <a:bodyPr anchor="t">
+            <a:normAutofit/>
+          </a:bodyPr>
           <a:lstStyle>
-            <a:lvl1pPr algn="ctr">
-              <a:defRPr sz="6000"/>
-            </a:lvl1pPr>
-          </a:lstStyle>
-          <a:p>
-            <a:r>
-              <a:rPr lang="it-IT"/>
-              <a:t>Fare clic per modificare lo stile del titolo dello schema</a:t>
-            </a:r>
-          </a:p>
-        </p:txBody>
-      </p:sp>
-      <p:sp>
-        <p:nvSpPr>
-          <p:cNvPr id="3" name="Sottotitolo 2">
-            <a:extLst>
-              <a:ext uri="{FF2B5EF4-FFF2-40B4-BE49-F238E27FC236}">
-                <a16:creationId xmlns:a16="http://schemas.microsoft.com/office/drawing/2014/main" id="{72672828-6E79-FC45-8E4F-EC0DF88C160D}"/>
-              </a:ext>
-            </a:extLst>
-          </p:cNvPr>
-          <p:cNvSpPr>
-            <a:spLocks noGrp="1"/>
-          </p:cNvSpPr>
-          <p:nvPr>
-            <p:ph type="subTitle" idx="1"/>
-          </p:nvPr>
-        </p:nvSpPr>
-        <p:spPr>
-          <a:xfrm>
-            <a:off x="1524000" y="3602038"/>
-            <a:ext cx="9144000" cy="1655762"/>
-          </a:xfrm>
-        </p:spPr>
-        <p:txBody>
-          <a:bodyPr/>
-          <a:lstStyle>
-            <a:lvl1pPr marL="0" indent="0" algn="ctr">
+            <a:lvl1pPr marL="0" indent="0" algn="l">
               <a:buNone/>
-              <a:defRPr sz="2400"/>
+              <a:defRPr sz="1600" cap="all">
+                <a:solidFill>
+                  <a:schemeClr val="accent2"/>
+                </a:solidFill>
+              </a:defRPr>
             </a:lvl1pPr>
             <a:lvl2pPr marL="457200" indent="0" algn="ctr">
               <a:buNone/>
-              <a:defRPr sz="2000"/>
+              <a:defRPr>
+                <a:solidFill>
+                  <a:schemeClr val="tx1">
+                    <a:tint val="75000"/>
+                  </a:schemeClr>
+                </a:solidFill>
+              </a:defRPr>
             </a:lvl2pPr>
             <a:lvl3pPr marL="914400" indent="0" algn="ctr">
               <a:buNone/>
-              <a:defRPr sz="1800"/>
+              <a:defRPr>
+                <a:solidFill>
+                  <a:schemeClr val="tx1">
+                    <a:tint val="75000"/>
+                  </a:schemeClr>
+                </a:solidFill>
+              </a:defRPr>
             </a:lvl3pPr>
             <a:lvl4pPr marL="1371600" indent="0" algn="ctr">
               <a:buNone/>
-              <a:defRPr sz="1600"/>
+              <a:defRPr>
+                <a:solidFill>
+                  <a:schemeClr val="tx1">
+                    <a:tint val="75000"/>
+                  </a:schemeClr>
+                </a:solidFill>
+              </a:defRPr>
             </a:lvl4pPr>
             <a:lvl5pPr marL="1828800" indent="0" algn="ctr">
               <a:buNone/>
-              <a:defRPr sz="1600"/>
+              <a:defRPr>
+                <a:solidFill>
+                  <a:schemeClr val="tx1">
+                    <a:tint val="75000"/>
+                  </a:schemeClr>
+                </a:solidFill>
+              </a:defRPr>
             </a:lvl5pPr>
             <a:lvl6pPr marL="2286000" indent="0" algn="ctr">
               <a:buNone/>
-              <a:defRPr sz="1600"/>
+              <a:defRPr>
+                <a:solidFill>
+                  <a:schemeClr val="tx1">
+                    <a:tint val="75000"/>
+                  </a:schemeClr>
+                </a:solidFill>
+              </a:defRPr>
             </a:lvl6pPr>
             <a:lvl7pPr marL="2743200" indent="0" algn="ctr">
               <a:buNone/>
-              <a:defRPr sz="1600"/>
+              <a:defRPr>
+                <a:solidFill>
+                  <a:schemeClr val="tx1">
+                    <a:tint val="75000"/>
+                  </a:schemeClr>
+                </a:solidFill>
+              </a:defRPr>
             </a:lvl7pPr>
             <a:lvl8pPr marL="3200400" indent="0" algn="ctr">
               <a:buNone/>
-              <a:defRPr sz="1600"/>
+              <a:defRPr>
+                <a:solidFill>
+                  <a:schemeClr val="tx1">
+                    <a:tint val="75000"/>
+                  </a:schemeClr>
+                </a:solidFill>
+              </a:defRPr>
             </a:lvl8pPr>
             <a:lvl9pPr marL="3657600" indent="0" algn="ctr">
               <a:buNone/>
-              <a:defRPr sz="1600"/>
+              <a:defRPr>
+                <a:solidFill>
+                  <a:schemeClr val="tx1">
+                    <a:tint val="75000"/>
+                  </a:schemeClr>
+                </a:solidFill>
+              </a:defRPr>
             </a:lvl9pPr>
           </a:lstStyle>
           <a:p>
@@ -249,18 +336,13 @@
               <a:rPr lang="it-IT"/>
               <a:t>Fare clic per modificare lo stile del sottotitolo dello schema</a:t>
             </a:r>
-          </a:p>
-        </p:txBody>
-      </p:sp>
-      <p:sp>
-        <p:nvSpPr>
-          <p:cNvPr id="4" name="Segnaposto data 3">
-            <a:extLst>
-              <a:ext uri="{FF2B5EF4-FFF2-40B4-BE49-F238E27FC236}">
-                <a16:creationId xmlns:a16="http://schemas.microsoft.com/office/drawing/2014/main" id="{8D7877E0-CEEA-3D4D-FCB5-F0B53A6FDBC3}"/>
-              </a:ext>
-            </a:extLst>
-          </p:cNvPr>
+            <a:endParaRPr lang="en-US" dirty="0"/>
+          </a:p>
+        </p:txBody>
+      </p:sp>
+      <p:sp>
+        <p:nvSpPr>
+          <p:cNvPr id="4" name="Date Placeholder 3"/>
           <p:cNvSpPr>
             <a:spLocks noGrp="1"/>
           </p:cNvSpPr>
@@ -268,14 +350,30 @@
             <p:ph type="dt" sz="half" idx="10"/>
           </p:nvPr>
         </p:nvSpPr>
-        <p:spPr/>
-        <p:txBody>
-          <a:bodyPr/>
-          <a:lstStyle/>
+        <p:spPr>
+          <a:xfrm>
+            <a:off x="7605951" y="5956137"/>
+            <a:ext cx="2844800" cy="365125"/>
+          </a:xfrm>
+        </p:spPr>
+        <p:txBody>
+          <a:bodyPr/>
+          <a:lstStyle>
+            <a:lvl1pPr>
+              <a:defRPr>
+                <a:solidFill>
+                  <a:schemeClr val="accent1">
+                    <a:lumMod val="75000"/>
+                    <a:lumOff val="25000"/>
+                  </a:schemeClr>
+                </a:solidFill>
+              </a:defRPr>
+            </a:lvl1pPr>
+          </a:lstStyle>
           <a:p>
             <a:fld id="{F259A98E-7D3E-4BAE-A284-2CE0D83E33BF}" type="datetimeFigureOut">
               <a:rPr lang="it-IT" smtClean="0"/>
-              <a:t>02/11/2023</a:t>
+              <a:t>09/12/2023</a:t>
             </a:fld>
             <a:endParaRPr lang="it-IT"/>
           </a:p>
@@ -283,13 +381,7 @@
       </p:sp>
       <p:sp>
         <p:nvSpPr>
-          <p:cNvPr id="5" name="Segnaposto piè di pagina 4">
-            <a:extLst>
-              <a:ext uri="{FF2B5EF4-FFF2-40B4-BE49-F238E27FC236}">
-                <a16:creationId xmlns:a16="http://schemas.microsoft.com/office/drawing/2014/main" id="{456C2B36-4747-989C-A3D0-60B797A698BA}"/>
-              </a:ext>
-            </a:extLst>
-          </p:cNvPr>
+          <p:cNvPr id="5" name="Footer Placeholder 4"/>
           <p:cNvSpPr>
             <a:spLocks noGrp="1"/>
           </p:cNvSpPr>
@@ -297,10 +389,26 @@
             <p:ph type="ftr" sz="quarter" idx="11"/>
           </p:nvPr>
         </p:nvSpPr>
-        <p:spPr/>
-        <p:txBody>
-          <a:bodyPr/>
-          <a:lstStyle/>
+        <p:spPr>
+          <a:xfrm>
+            <a:off x="581192" y="5951811"/>
+            <a:ext cx="6917210" cy="365125"/>
+          </a:xfrm>
+        </p:spPr>
+        <p:txBody>
+          <a:bodyPr/>
+          <a:lstStyle>
+            <a:lvl1pPr>
+              <a:defRPr>
+                <a:solidFill>
+                  <a:schemeClr val="accent1">
+                    <a:lumMod val="75000"/>
+                    <a:lumOff val="25000"/>
+                  </a:schemeClr>
+                </a:solidFill>
+              </a:defRPr>
+            </a:lvl1pPr>
+          </a:lstStyle>
           <a:p>
             <a:endParaRPr lang="it-IT"/>
           </a:p>
@@ -308,13 +416,7 @@
       </p:sp>
       <p:sp>
         <p:nvSpPr>
-          <p:cNvPr id="6" name="Segnaposto numero diapositiva 5">
-            <a:extLst>
-              <a:ext uri="{FF2B5EF4-FFF2-40B4-BE49-F238E27FC236}">
-                <a16:creationId xmlns:a16="http://schemas.microsoft.com/office/drawing/2014/main" id="{2A97095E-E635-945D-2775-A69D4B2C8709}"/>
-              </a:ext>
-            </a:extLst>
-          </p:cNvPr>
+          <p:cNvPr id="6" name="Slide Number Placeholder 5"/>
           <p:cNvSpPr>
             <a:spLocks noGrp="1"/>
           </p:cNvSpPr>
@@ -322,10 +424,26 @@
             <p:ph type="sldNum" sz="quarter" idx="12"/>
           </p:nvPr>
         </p:nvSpPr>
-        <p:spPr/>
-        <p:txBody>
-          <a:bodyPr/>
-          <a:lstStyle/>
+        <p:spPr>
+          <a:xfrm>
+            <a:off x="10558300" y="5956137"/>
+            <a:ext cx="1016440" cy="365125"/>
+          </a:xfrm>
+        </p:spPr>
+        <p:txBody>
+          <a:bodyPr/>
+          <a:lstStyle>
+            <a:lvl1pPr>
+              <a:defRPr>
+                <a:solidFill>
+                  <a:schemeClr val="accent1">
+                    <a:lumMod val="75000"/>
+                    <a:lumOff val="25000"/>
+                  </a:schemeClr>
+                </a:solidFill>
+              </a:defRPr>
+            </a:lvl1pPr>
+          </a:lstStyle>
           <a:p>
             <a:fld id="{FD8D997C-7E66-44D2-B54E-C5D091DF0A81}" type="slidenum">
               <a:rPr lang="it-IT" smtClean="0"/>
@@ -338,7 +456,7 @@
     </p:spTree>
     <p:extLst>
       <p:ext uri="{BB962C8B-B14F-4D97-AF65-F5344CB8AC3E}">
-        <p14:creationId xmlns:p14="http://schemas.microsoft.com/office/powerpoint/2010/main" val="1028901351"/>
+        <p14:creationId xmlns:p14="http://schemas.microsoft.com/office/powerpoint/2010/main" val="1871839915"/>
       </p:ext>
     </p:extLst>
   </p:cSld>
@@ -367,13 +485,46 @@
       </p:grpSpPr>
       <p:sp>
         <p:nvSpPr>
-          <p:cNvPr id="2" name="Titolo 1">
-            <a:extLst>
-              <a:ext uri="{FF2B5EF4-FFF2-40B4-BE49-F238E27FC236}">
-                <a16:creationId xmlns:a16="http://schemas.microsoft.com/office/drawing/2014/main" id="{43401D5F-69EA-1D27-8740-2629834B1365}"/>
-              </a:ext>
-            </a:extLst>
-          </p:cNvPr>
+          <p:cNvPr id="8" name="Rectangle 7"/>
+          <p:cNvSpPr>
+            <a:spLocks noChangeAspect="1"/>
+          </p:cNvSpPr>
+          <p:nvPr/>
+        </p:nvSpPr>
+        <p:spPr>
+          <a:xfrm>
+            <a:off x="440286" y="614407"/>
+            <a:ext cx="11309338" cy="1189298"/>
+          </a:xfrm>
+          <a:prstGeom prst="rect">
+            <a:avLst/>
+          </a:prstGeom>
+          <a:solidFill>
+            <a:schemeClr val="accent1"/>
+          </a:solidFill>
+          <a:ln>
+            <a:noFill/>
+          </a:ln>
+          <a:effectLst/>
+        </p:spPr>
+        <p:style>
+          <a:lnRef idx="1">
+            <a:schemeClr val="accent1"/>
+          </a:lnRef>
+          <a:fillRef idx="3">
+            <a:schemeClr val="accent1"/>
+          </a:fillRef>
+          <a:effectRef idx="2">
+            <a:schemeClr val="accent1"/>
+          </a:effectRef>
+          <a:fontRef idx="minor">
+            <a:schemeClr val="lt1"/>
+          </a:fontRef>
+        </p:style>
+      </p:sp>
+      <p:sp>
+        <p:nvSpPr>
+          <p:cNvPr id="9" name="Title 1"/>
           <p:cNvSpPr>
             <a:spLocks noGrp="1"/>
           </p:cNvSpPr>
@@ -381,7 +532,12 @@
             <p:ph type="title"/>
           </p:nvPr>
         </p:nvSpPr>
-        <p:spPr/>
+        <p:spPr>
+          <a:xfrm>
+            <a:off x="581192" y="702156"/>
+            <a:ext cx="11029616" cy="1013800"/>
+          </a:xfrm>
+        </p:spPr>
         <p:txBody>
           <a:bodyPr/>
           <a:lstStyle/>
@@ -390,18 +546,13 @@
               <a:rPr lang="it-IT"/>
               <a:t>Fare clic per modificare lo stile del titolo dello schema</a:t>
             </a:r>
-          </a:p>
-        </p:txBody>
-      </p:sp>
-      <p:sp>
-        <p:nvSpPr>
-          <p:cNvPr id="3" name="Segnaposto testo verticale 2">
-            <a:extLst>
-              <a:ext uri="{FF2B5EF4-FFF2-40B4-BE49-F238E27FC236}">
-                <a16:creationId xmlns:a16="http://schemas.microsoft.com/office/drawing/2014/main" id="{5DDD5D48-0B39-39C1-90C1-8433D39FAACA}"/>
-              </a:ext>
-            </a:extLst>
-          </p:cNvPr>
+            <a:endParaRPr lang="en-US" dirty="0"/>
+          </a:p>
+        </p:txBody>
+      </p:sp>
+      <p:sp>
+        <p:nvSpPr>
+          <p:cNvPr id="3" name="Vertical Text Placeholder 2"/>
           <p:cNvSpPr>
             <a:spLocks noGrp="1"/>
           </p:cNvSpPr>
@@ -411,8 +562,24 @@
         </p:nvSpPr>
         <p:spPr/>
         <p:txBody>
-          <a:bodyPr vert="eaVert"/>
-          <a:lstStyle/>
+          <a:bodyPr vert="eaVert" anchor="t"/>
+          <a:lstStyle>
+            <a:lvl1pPr algn="l">
+              <a:defRPr/>
+            </a:lvl1pPr>
+            <a:lvl2pPr algn="l">
+              <a:defRPr/>
+            </a:lvl2pPr>
+            <a:lvl3pPr algn="l">
+              <a:defRPr/>
+            </a:lvl3pPr>
+            <a:lvl4pPr algn="l">
+              <a:defRPr/>
+            </a:lvl4pPr>
+            <a:lvl5pPr algn="l">
+              <a:defRPr/>
+            </a:lvl5pPr>
+          </a:lstStyle>
           <a:p>
             <a:pPr lvl="0"/>
             <a:r>
@@ -447,18 +614,13 @@
               <a:rPr lang="it-IT"/>
               <a:t>Quinto livello</a:t>
             </a:r>
-          </a:p>
-        </p:txBody>
-      </p:sp>
-      <p:sp>
-        <p:nvSpPr>
-          <p:cNvPr id="4" name="Segnaposto data 3">
-            <a:extLst>
-              <a:ext uri="{FF2B5EF4-FFF2-40B4-BE49-F238E27FC236}">
-                <a16:creationId xmlns:a16="http://schemas.microsoft.com/office/drawing/2014/main" id="{0B850FDC-ECCC-8FC7-C12D-03550078C3A4}"/>
-              </a:ext>
-            </a:extLst>
-          </p:cNvPr>
+            <a:endParaRPr lang="en-US" dirty="0"/>
+          </a:p>
+        </p:txBody>
+      </p:sp>
+      <p:sp>
+        <p:nvSpPr>
+          <p:cNvPr id="4" name="Date Placeholder 3"/>
           <p:cNvSpPr>
             <a:spLocks noGrp="1"/>
           </p:cNvSpPr>
@@ -473,7 +635,7 @@
           <a:p>
             <a:fld id="{F259A98E-7D3E-4BAE-A284-2CE0D83E33BF}" type="datetimeFigureOut">
               <a:rPr lang="it-IT" smtClean="0"/>
-              <a:t>02/11/2023</a:t>
+              <a:t>09/12/2023</a:t>
             </a:fld>
             <a:endParaRPr lang="it-IT"/>
           </a:p>
@@ -481,13 +643,7 @@
       </p:sp>
       <p:sp>
         <p:nvSpPr>
-          <p:cNvPr id="5" name="Segnaposto piè di pagina 4">
-            <a:extLst>
-              <a:ext uri="{FF2B5EF4-FFF2-40B4-BE49-F238E27FC236}">
-                <a16:creationId xmlns:a16="http://schemas.microsoft.com/office/drawing/2014/main" id="{30981FFA-B7A2-BD05-4DC3-4BF2E0DE8F84}"/>
-              </a:ext>
-            </a:extLst>
-          </p:cNvPr>
+          <p:cNvPr id="5" name="Footer Placeholder 4"/>
           <p:cNvSpPr>
             <a:spLocks noGrp="1"/>
           </p:cNvSpPr>
@@ -506,13 +662,7 @@
       </p:sp>
       <p:sp>
         <p:nvSpPr>
-          <p:cNvPr id="6" name="Segnaposto numero diapositiva 5">
-            <a:extLst>
-              <a:ext uri="{FF2B5EF4-FFF2-40B4-BE49-F238E27FC236}">
-                <a16:creationId xmlns:a16="http://schemas.microsoft.com/office/drawing/2014/main" id="{A9341705-8FB4-6916-C3B5-FEF9A2964E2A}"/>
-              </a:ext>
-            </a:extLst>
-          </p:cNvPr>
+          <p:cNvPr id="6" name="Slide Number Placeholder 5"/>
           <p:cNvSpPr>
             <a:spLocks noGrp="1"/>
           </p:cNvSpPr>
@@ -536,7 +686,7 @@
     </p:spTree>
     <p:extLst>
       <p:ext uri="{BB962C8B-B14F-4D97-AF65-F5344CB8AC3E}">
-        <p14:creationId xmlns:p14="http://schemas.microsoft.com/office/powerpoint/2010/main" val="778523847"/>
+        <p14:creationId xmlns:p14="http://schemas.microsoft.com/office/powerpoint/2010/main" val="3731309586"/>
       </p:ext>
     </p:extLst>
   </p:cSld>
@@ -565,24 +715,57 @@
       </p:grpSpPr>
       <p:sp>
         <p:nvSpPr>
-          <p:cNvPr id="2" name="Titolo verticale 1">
-            <a:extLst>
-              <a:ext uri="{FF2B5EF4-FFF2-40B4-BE49-F238E27FC236}">
-                <a16:creationId xmlns:a16="http://schemas.microsoft.com/office/drawing/2014/main" id="{3B265CED-E3AB-092B-FEA1-FB96B40409BD}"/>
-              </a:ext>
-            </a:extLst>
-          </p:cNvPr>
-          <p:cNvSpPr>
-            <a:spLocks noGrp="1"/>
-          </p:cNvSpPr>
-          <p:nvPr>
-            <p:ph type="title" orient="vert"/>
-          </p:nvPr>
+          <p:cNvPr id="7" name="Rectangle 6"/>
+          <p:cNvSpPr>
+            <a:spLocks noChangeAspect="1"/>
+          </p:cNvSpPr>
+          <p:nvPr/>
         </p:nvSpPr>
         <p:spPr>
           <a:xfrm>
-            <a:off x="8724900" y="365125"/>
-            <a:ext cx="2628900" cy="5811838"/>
+            <a:off x="8839201" y="599725"/>
+            <a:ext cx="2906817" cy="5816950"/>
+          </a:xfrm>
+          <a:prstGeom prst="rect">
+            <a:avLst/>
+          </a:prstGeom>
+          <a:solidFill>
+            <a:schemeClr val="accent1"/>
+          </a:solidFill>
+          <a:ln>
+            <a:noFill/>
+          </a:ln>
+          <a:effectLst/>
+        </p:spPr>
+        <p:style>
+          <a:lnRef idx="1">
+            <a:schemeClr val="accent1"/>
+          </a:lnRef>
+          <a:fillRef idx="3">
+            <a:schemeClr val="accent1"/>
+          </a:fillRef>
+          <a:effectRef idx="2">
+            <a:schemeClr val="accent1"/>
+          </a:effectRef>
+          <a:fontRef idx="minor">
+            <a:schemeClr val="lt1"/>
+          </a:fontRef>
+        </p:style>
+      </p:sp>
+      <p:sp>
+        <p:nvSpPr>
+          <p:cNvPr id="2" name="Vertical Title 1"/>
+          <p:cNvSpPr>
+            <a:spLocks noGrp="1"/>
+          </p:cNvSpPr>
+          <p:nvPr>
+            <p:ph type="title" orient="vert"/>
+          </p:nvPr>
+        </p:nvSpPr>
+        <p:spPr>
+          <a:xfrm>
+            <a:off x="8839201" y="675726"/>
+            <a:ext cx="2004164" cy="5183073"/>
           </a:xfrm>
         </p:spPr>
         <p:txBody>
@@ -593,18 +776,13 @@
               <a:rPr lang="it-IT"/>
               <a:t>Fare clic per modificare lo stile del titolo dello schema</a:t>
             </a:r>
-          </a:p>
-        </p:txBody>
-      </p:sp>
-      <p:sp>
-        <p:nvSpPr>
-          <p:cNvPr id="3" name="Segnaposto testo verticale 2">
-            <a:extLst>
-              <a:ext uri="{FF2B5EF4-FFF2-40B4-BE49-F238E27FC236}">
-                <a16:creationId xmlns:a16="http://schemas.microsoft.com/office/drawing/2014/main" id="{A0328049-8A4B-1138-4715-2381C493D1EB}"/>
-              </a:ext>
-            </a:extLst>
-          </p:cNvPr>
+            <a:endParaRPr lang="en-US" dirty="0"/>
+          </a:p>
+        </p:txBody>
+      </p:sp>
+      <p:sp>
+        <p:nvSpPr>
+          <p:cNvPr id="3" name="Vertical Text Placeholder 2"/>
           <p:cNvSpPr>
             <a:spLocks noGrp="1"/>
           </p:cNvSpPr>
@@ -614,12 +792,12 @@
         </p:nvSpPr>
         <p:spPr>
           <a:xfrm>
-            <a:off x="838200" y="365125"/>
-            <a:ext cx="7734300" cy="5811838"/>
+            <a:off x="774923" y="675726"/>
+            <a:ext cx="7896279" cy="5183073"/>
           </a:xfrm>
         </p:spPr>
         <p:txBody>
-          <a:bodyPr vert="eaVert"/>
+          <a:bodyPr vert="eaVert" anchor="t"/>
           <a:lstStyle/>
           <a:p>
             <a:pPr lvl="0"/>
@@ -655,18 +833,13 @@
               <a:rPr lang="it-IT"/>
               <a:t>Quinto livello</a:t>
             </a:r>
-          </a:p>
-        </p:txBody>
-      </p:sp>
-      <p:sp>
-        <p:nvSpPr>
-          <p:cNvPr id="4" name="Segnaposto data 3">
-            <a:extLst>
-              <a:ext uri="{FF2B5EF4-FFF2-40B4-BE49-F238E27FC236}">
-                <a16:creationId xmlns:a16="http://schemas.microsoft.com/office/drawing/2014/main" id="{0AF99150-18EF-1D2E-4D5C-8FC14D8C0CD2}"/>
-              </a:ext>
-            </a:extLst>
-          </p:cNvPr>
+            <a:endParaRPr lang="en-US" dirty="0"/>
+          </a:p>
+        </p:txBody>
+      </p:sp>
+      <p:sp>
+        <p:nvSpPr>
+          <p:cNvPr id="4" name="Date Placeholder 3"/>
           <p:cNvSpPr>
             <a:spLocks noGrp="1"/>
           </p:cNvSpPr>
@@ -674,14 +847,30 @@
             <p:ph type="dt" sz="half" idx="10"/>
           </p:nvPr>
         </p:nvSpPr>
-        <p:spPr/>
-        <p:txBody>
-          <a:bodyPr/>
-          <a:lstStyle/>
+        <p:spPr>
+          <a:xfrm>
+            <a:off x="8993673" y="5956137"/>
+            <a:ext cx="1328141" cy="365125"/>
+          </a:xfrm>
+        </p:spPr>
+        <p:txBody>
+          <a:bodyPr/>
+          <a:lstStyle>
+            <a:lvl1pPr>
+              <a:defRPr>
+                <a:solidFill>
+                  <a:schemeClr val="accent1">
+                    <a:lumMod val="75000"/>
+                    <a:lumOff val="25000"/>
+                  </a:schemeClr>
+                </a:solidFill>
+              </a:defRPr>
+            </a:lvl1pPr>
+          </a:lstStyle>
           <a:p>
             <a:fld id="{F259A98E-7D3E-4BAE-A284-2CE0D83E33BF}" type="datetimeFigureOut">
               <a:rPr lang="it-IT" smtClean="0"/>
-              <a:t>02/11/2023</a:t>
+              <a:t>09/12/2023</a:t>
             </a:fld>
             <a:endParaRPr lang="it-IT"/>
           </a:p>
@@ -689,13 +878,7 @@
       </p:sp>
       <p:sp>
         <p:nvSpPr>
-          <p:cNvPr id="5" name="Segnaposto piè di pagina 4">
-            <a:extLst>
-              <a:ext uri="{FF2B5EF4-FFF2-40B4-BE49-F238E27FC236}">
-                <a16:creationId xmlns:a16="http://schemas.microsoft.com/office/drawing/2014/main" id="{D85B3B7E-9D4A-4AD8-39FB-BA4D376CE925}"/>
-              </a:ext>
-            </a:extLst>
-          </p:cNvPr>
+          <p:cNvPr id="5" name="Footer Placeholder 4"/>
           <p:cNvSpPr>
             <a:spLocks noGrp="1"/>
           </p:cNvSpPr>
@@ -703,7 +886,12 @@
             <p:ph type="ftr" sz="quarter" idx="11"/>
           </p:nvPr>
         </p:nvSpPr>
-        <p:spPr/>
+        <p:spPr>
+          <a:xfrm>
+            <a:off x="774923" y="5951811"/>
+            <a:ext cx="7896279" cy="365125"/>
+          </a:xfrm>
+        </p:spPr>
         <p:txBody>
           <a:bodyPr/>
           <a:lstStyle/>
@@ -714,13 +902,7 @@
       </p:sp>
       <p:sp>
         <p:nvSpPr>
-          <p:cNvPr id="6" name="Segnaposto numero diapositiva 5">
-            <a:extLst>
-              <a:ext uri="{FF2B5EF4-FFF2-40B4-BE49-F238E27FC236}">
-                <a16:creationId xmlns:a16="http://schemas.microsoft.com/office/drawing/2014/main" id="{32FBB15E-955B-737F-0F0A-531B1C4924DF}"/>
-              </a:ext>
-            </a:extLst>
-          </p:cNvPr>
+          <p:cNvPr id="6" name="Slide Number Placeholder 5"/>
           <p:cNvSpPr>
             <a:spLocks noGrp="1"/>
           </p:cNvSpPr>
@@ -728,10 +910,26 @@
             <p:ph type="sldNum" sz="quarter" idx="12"/>
           </p:nvPr>
         </p:nvSpPr>
-        <p:spPr/>
-        <p:txBody>
-          <a:bodyPr/>
-          <a:lstStyle/>
+        <p:spPr>
+          <a:xfrm>
+            <a:off x="10446615" y="5956137"/>
+            <a:ext cx="1164195" cy="365125"/>
+          </a:xfrm>
+        </p:spPr>
+        <p:txBody>
+          <a:bodyPr/>
+          <a:lstStyle>
+            <a:lvl1pPr>
+              <a:defRPr>
+                <a:solidFill>
+                  <a:schemeClr val="accent1">
+                    <a:lumMod val="75000"/>
+                    <a:lumOff val="25000"/>
+                  </a:schemeClr>
+                </a:solidFill>
+              </a:defRPr>
+            </a:lvl1pPr>
+          </a:lstStyle>
           <a:p>
             <a:fld id="{FD8D997C-7E66-44D2-B54E-C5D091DF0A81}" type="slidenum">
               <a:rPr lang="it-IT" smtClean="0"/>
@@ -744,7 +942,7 @@
     </p:spTree>
     <p:extLst>
       <p:ext uri="{BB962C8B-B14F-4D97-AF65-F5344CB8AC3E}">
-        <p14:creationId xmlns:p14="http://schemas.microsoft.com/office/powerpoint/2010/main" val="2182225760"/>
+        <p14:creationId xmlns:p14="http://schemas.microsoft.com/office/powerpoint/2010/main" val="2307894960"/>
       </p:ext>
     </p:extLst>
   </p:cSld>
@@ -773,13 +971,46 @@
       </p:grpSpPr>
       <p:sp>
         <p:nvSpPr>
-          <p:cNvPr id="2" name="Titolo 1">
-            <a:extLst>
-              <a:ext uri="{FF2B5EF4-FFF2-40B4-BE49-F238E27FC236}">
-                <a16:creationId xmlns:a16="http://schemas.microsoft.com/office/drawing/2014/main" id="{C1649767-C59D-6D0D-EB44-322C06F6EF29}"/>
-              </a:ext>
-            </a:extLst>
-          </p:cNvPr>
+          <p:cNvPr id="7" name="Rectangle 6"/>
+          <p:cNvSpPr>
+            <a:spLocks noChangeAspect="1"/>
+          </p:cNvSpPr>
+          <p:nvPr/>
+        </p:nvSpPr>
+        <p:spPr>
+          <a:xfrm>
+            <a:off x="440286" y="614407"/>
+            <a:ext cx="11309338" cy="1189298"/>
+          </a:xfrm>
+          <a:prstGeom prst="rect">
+            <a:avLst/>
+          </a:prstGeom>
+          <a:solidFill>
+            <a:schemeClr val="accent1"/>
+          </a:solidFill>
+          <a:ln>
+            <a:noFill/>
+          </a:ln>
+          <a:effectLst/>
+        </p:spPr>
+        <p:style>
+          <a:lnRef idx="1">
+            <a:schemeClr val="accent1"/>
+          </a:lnRef>
+          <a:fillRef idx="3">
+            <a:schemeClr val="accent1"/>
+          </a:fillRef>
+          <a:effectRef idx="2">
+            <a:schemeClr val="accent1"/>
+          </a:effectRef>
+          <a:fontRef idx="minor">
+            <a:schemeClr val="lt1"/>
+          </a:fontRef>
+        </p:style>
+      </p:sp>
+      <p:sp>
+        <p:nvSpPr>
+          <p:cNvPr id="2" name="Title 1"/>
           <p:cNvSpPr>
             <a:spLocks noGrp="1"/>
           </p:cNvSpPr>
@@ -787,7 +1018,12 @@
             <p:ph type="title"/>
           </p:nvPr>
         </p:nvSpPr>
-        <p:spPr/>
+        <p:spPr>
+          <a:xfrm>
+            <a:off x="581192" y="702156"/>
+            <a:ext cx="11029616" cy="1013800"/>
+          </a:xfrm>
+        </p:spPr>
         <p:txBody>
           <a:bodyPr/>
           <a:lstStyle/>
@@ -796,18 +1032,13 @@
               <a:rPr lang="it-IT"/>
               <a:t>Fare clic per modificare lo stile del titolo dello schema</a:t>
             </a:r>
-          </a:p>
-        </p:txBody>
-      </p:sp>
-      <p:sp>
-        <p:nvSpPr>
-          <p:cNvPr id="3" name="Segnaposto contenuto 2">
-            <a:extLst>
-              <a:ext uri="{FF2B5EF4-FFF2-40B4-BE49-F238E27FC236}">
-                <a16:creationId xmlns:a16="http://schemas.microsoft.com/office/drawing/2014/main" id="{1C466EAE-7EA5-ABAB-D15C-FA5D3F86616B}"/>
-              </a:ext>
-            </a:extLst>
-          </p:cNvPr>
+            <a:endParaRPr lang="en-US" dirty="0"/>
+          </a:p>
+        </p:txBody>
+      </p:sp>
+      <p:sp>
+        <p:nvSpPr>
+          <p:cNvPr id="3" name="Content Placeholder 2"/>
           <p:cNvSpPr>
             <a:spLocks noGrp="1"/>
           </p:cNvSpPr>
@@ -815,7 +1046,12 @@
             <p:ph idx="1"/>
           </p:nvPr>
         </p:nvSpPr>
-        <p:spPr/>
+        <p:spPr>
+          <a:xfrm>
+            <a:off x="581192" y="2180496"/>
+            <a:ext cx="11029615" cy="3678303"/>
+          </a:xfrm>
+        </p:spPr>
         <p:txBody>
           <a:bodyPr/>
           <a:lstStyle/>
@@ -853,18 +1089,13 @@
               <a:rPr lang="it-IT"/>
               <a:t>Quinto livello</a:t>
             </a:r>
-          </a:p>
-        </p:txBody>
-      </p:sp>
-      <p:sp>
-        <p:nvSpPr>
-          <p:cNvPr id="4" name="Segnaposto data 3">
-            <a:extLst>
-              <a:ext uri="{FF2B5EF4-FFF2-40B4-BE49-F238E27FC236}">
-                <a16:creationId xmlns:a16="http://schemas.microsoft.com/office/drawing/2014/main" id="{DF2B5357-6B57-4016-A018-EBBA3ADB784C}"/>
-              </a:ext>
-            </a:extLst>
-          </p:cNvPr>
+            <a:endParaRPr lang="en-US" dirty="0"/>
+          </a:p>
+        </p:txBody>
+      </p:sp>
+      <p:sp>
+        <p:nvSpPr>
+          <p:cNvPr id="4" name="Date Placeholder 3"/>
           <p:cNvSpPr>
             <a:spLocks noGrp="1"/>
           </p:cNvSpPr>
@@ -879,7 +1110,7 @@
           <a:p>
             <a:fld id="{F259A98E-7D3E-4BAE-A284-2CE0D83E33BF}" type="datetimeFigureOut">
               <a:rPr lang="it-IT" smtClean="0"/>
-              <a:t>02/11/2023</a:t>
+              <a:t>09/12/2023</a:t>
             </a:fld>
             <a:endParaRPr lang="it-IT"/>
           </a:p>
@@ -887,13 +1118,7 @@
       </p:sp>
       <p:sp>
         <p:nvSpPr>
-          <p:cNvPr id="5" name="Segnaposto piè di pagina 4">
-            <a:extLst>
-              <a:ext uri="{FF2B5EF4-FFF2-40B4-BE49-F238E27FC236}">
-                <a16:creationId xmlns:a16="http://schemas.microsoft.com/office/drawing/2014/main" id="{D02F21F1-3F10-AD9A-C203-65BB0106DCC1}"/>
-              </a:ext>
-            </a:extLst>
-          </p:cNvPr>
+          <p:cNvPr id="5" name="Footer Placeholder 4"/>
           <p:cNvSpPr>
             <a:spLocks noGrp="1"/>
           </p:cNvSpPr>
@@ -912,13 +1137,7 @@
       </p:sp>
       <p:sp>
         <p:nvSpPr>
-          <p:cNvPr id="6" name="Segnaposto numero diapositiva 5">
-            <a:extLst>
-              <a:ext uri="{FF2B5EF4-FFF2-40B4-BE49-F238E27FC236}">
-                <a16:creationId xmlns:a16="http://schemas.microsoft.com/office/drawing/2014/main" id="{224A941A-43BA-13C4-13B5-FBAF2738E270}"/>
-              </a:ext>
-            </a:extLst>
-          </p:cNvPr>
+          <p:cNvPr id="6" name="Slide Number Placeholder 5"/>
           <p:cNvSpPr>
             <a:spLocks noGrp="1"/>
           </p:cNvSpPr>
@@ -926,7 +1145,12 @@
             <p:ph type="sldNum" sz="quarter" idx="12"/>
           </p:nvPr>
         </p:nvSpPr>
-        <p:spPr/>
+        <p:spPr>
+          <a:xfrm>
+            <a:off x="10558300" y="5956137"/>
+            <a:ext cx="1052508" cy="365125"/>
+          </a:xfrm>
+        </p:spPr>
         <p:txBody>
           <a:bodyPr/>
           <a:lstStyle/>
@@ -942,7 +1166,7 @@
     </p:spTree>
     <p:extLst>
       <p:ext uri="{BB962C8B-B14F-4D97-AF65-F5344CB8AC3E}">
-        <p14:creationId xmlns:p14="http://schemas.microsoft.com/office/powerpoint/2010/main" val="4114326677"/>
+        <p14:creationId xmlns:p14="http://schemas.microsoft.com/office/powerpoint/2010/main" val="2662309974"/>
       </p:ext>
     </p:extLst>
   </p:cSld>
@@ -971,31 +1195,70 @@
       </p:grpSpPr>
       <p:sp>
         <p:nvSpPr>
-          <p:cNvPr id="2" name="Titolo 1">
-            <a:extLst>
-              <a:ext uri="{FF2B5EF4-FFF2-40B4-BE49-F238E27FC236}">
-                <a16:creationId xmlns:a16="http://schemas.microsoft.com/office/drawing/2014/main" id="{AD5F3EFF-06F1-B07F-C912-66D515EED472}"/>
-              </a:ext>
-            </a:extLst>
-          </p:cNvPr>
-          <p:cNvSpPr>
-            <a:spLocks noGrp="1"/>
-          </p:cNvSpPr>
-          <p:nvPr>
-            <p:ph type="title"/>
-          </p:nvPr>
+          <p:cNvPr id="8" name="Rectangle 7"/>
+          <p:cNvSpPr>
+            <a:spLocks noChangeAspect="1"/>
+          </p:cNvSpPr>
+          <p:nvPr/>
         </p:nvSpPr>
         <p:spPr>
           <a:xfrm>
-            <a:off x="831850" y="1709738"/>
-            <a:ext cx="10515600" cy="2852737"/>
+            <a:off x="447817" y="5141974"/>
+            <a:ext cx="11290860" cy="1258827"/>
+          </a:xfrm>
+          <a:prstGeom prst="rect">
+            <a:avLst/>
+          </a:prstGeom>
+          <a:solidFill>
+            <a:schemeClr val="accent1"/>
+          </a:solidFill>
+          <a:ln>
+            <a:noFill/>
+          </a:ln>
+          <a:effectLst/>
+        </p:spPr>
+        <p:style>
+          <a:lnRef idx="1">
+            <a:schemeClr val="accent1"/>
+          </a:lnRef>
+          <a:fillRef idx="3">
+            <a:schemeClr val="accent1"/>
+          </a:fillRef>
+          <a:effectRef idx="2">
+            <a:schemeClr val="accent1"/>
+          </a:effectRef>
+          <a:fontRef idx="minor">
+            <a:schemeClr val="lt1"/>
+          </a:fontRef>
+        </p:style>
+      </p:sp>
+      <p:sp>
+        <p:nvSpPr>
+          <p:cNvPr id="2" name="Title 1"/>
+          <p:cNvSpPr>
+            <a:spLocks noGrp="1"/>
+          </p:cNvSpPr>
+          <p:nvPr>
+            <p:ph type="title"/>
+          </p:nvPr>
+        </p:nvSpPr>
+        <p:spPr>
+          <a:xfrm>
+            <a:off x="581193" y="3043910"/>
+            <a:ext cx="11029615" cy="1497507"/>
           </a:xfrm>
         </p:spPr>
         <p:txBody>
-          <a:bodyPr anchor="b"/>
+          <a:bodyPr anchor="b">
+            <a:normAutofit/>
+          </a:bodyPr>
           <a:lstStyle>
-            <a:lvl1pPr>
-              <a:defRPr sz="6000"/>
+            <a:lvl1pPr algn="l">
+              <a:defRPr sz="3600" b="0" cap="all">
+                <a:solidFill>
+                  <a:schemeClr val="accent1"/>
+                </a:solidFill>
+              </a:defRPr>
             </a:lvl1pPr>
           </a:lstStyle>
           <a:p>
@@ -1003,18 +1266,13 @@
               <a:rPr lang="it-IT"/>
               <a:t>Fare clic per modificare lo stile del titolo dello schema</a:t>
             </a:r>
-          </a:p>
-        </p:txBody>
-      </p:sp>
-      <p:sp>
-        <p:nvSpPr>
-          <p:cNvPr id="3" name="Segnaposto testo 2">
-            <a:extLst>
-              <a:ext uri="{FF2B5EF4-FFF2-40B4-BE49-F238E27FC236}">
-                <a16:creationId xmlns:a16="http://schemas.microsoft.com/office/drawing/2014/main" id="{2F15BE99-EDDB-43C6-0955-1AE12CB6281F}"/>
-              </a:ext>
-            </a:extLst>
-          </p:cNvPr>
+            <a:endParaRPr lang="en-US" dirty="0"/>
+          </a:p>
+        </p:txBody>
+      </p:sp>
+      <p:sp>
+        <p:nvSpPr>
+          <p:cNvPr id="3" name="Text Placeholder 2"/>
           <p:cNvSpPr>
             <a:spLocks noGrp="1"/>
           </p:cNvSpPr>
@@ -1024,99 +1282,99 @@
         </p:nvSpPr>
         <p:spPr>
           <a:xfrm>
-            <a:off x="831850" y="4589463"/>
-            <a:ext cx="10515600" cy="1500187"/>
+            <a:off x="581192" y="4541417"/>
+            <a:ext cx="11029615" cy="600556"/>
           </a:xfrm>
         </p:spPr>
         <p:txBody>
-          <a:bodyPr/>
+          <a:bodyPr anchor="t">
+            <a:normAutofit/>
+          </a:bodyPr>
           <a:lstStyle>
-            <a:lvl1pPr marL="0" indent="0">
+            <a:lvl1pPr marL="0" indent="0" algn="l">
               <a:buNone/>
-              <a:defRPr sz="2400">
+              <a:defRPr sz="1800" cap="all">
                 <a:solidFill>
-                  <a:schemeClr val="tx1">
-                    <a:tint val="82000"/>
-                  </a:schemeClr>
+                  <a:schemeClr val="accent2"/>
                 </a:solidFill>
               </a:defRPr>
             </a:lvl1pPr>
             <a:lvl2pPr marL="457200" indent="0">
               <a:buNone/>
-              <a:defRPr sz="2000">
+              <a:defRPr sz="1800">
                 <a:solidFill>
                   <a:schemeClr val="tx1">
-                    <a:tint val="82000"/>
+                    <a:tint val="75000"/>
                   </a:schemeClr>
                 </a:solidFill>
               </a:defRPr>
             </a:lvl2pPr>
             <a:lvl3pPr marL="914400" indent="0">
               <a:buNone/>
-              <a:defRPr sz="1800">
+              <a:defRPr sz="1600">
                 <a:solidFill>
                   <a:schemeClr val="tx1">
-                    <a:tint val="82000"/>
+                    <a:tint val="75000"/>
                   </a:schemeClr>
                 </a:solidFill>
               </a:defRPr>
             </a:lvl3pPr>
             <a:lvl4pPr marL="1371600" indent="0">
               <a:buNone/>
-              <a:defRPr sz="1600">
+              <a:defRPr sz="1400">
                 <a:solidFill>
                   <a:schemeClr val="tx1">
-                    <a:tint val="82000"/>
+                    <a:tint val="75000"/>
                   </a:schemeClr>
                 </a:solidFill>
               </a:defRPr>
             </a:lvl4pPr>
             <a:lvl5pPr marL="1828800" indent="0">
               <a:buNone/>
-              <a:defRPr sz="1600">
+              <a:defRPr sz="1400">
                 <a:solidFill>
                   <a:schemeClr val="tx1">
-                    <a:tint val="82000"/>
+                    <a:tint val="75000"/>
                   </a:schemeClr>
                 </a:solidFill>
               </a:defRPr>
             </a:lvl5pPr>
             <a:lvl6pPr marL="2286000" indent="0">
               <a:buNone/>
-              <a:defRPr sz="1600">
+              <a:defRPr sz="1400">
                 <a:solidFill>
                   <a:schemeClr val="tx1">
-                    <a:tint val="82000"/>
+                    <a:tint val="75000"/>
                   </a:schemeClr>
                 </a:solidFill>
               </a:defRPr>
             </a:lvl6pPr>
             <a:lvl7pPr marL="2743200" indent="0">
               <a:buNone/>
-              <a:defRPr sz="1600">
+              <a:defRPr sz="1400">
                 <a:solidFill>
                   <a:schemeClr val="tx1">
-                    <a:tint val="82000"/>
+                    <a:tint val="75000"/>
                   </a:schemeClr>
                 </a:solidFill>
               </a:defRPr>
             </a:lvl7pPr>
             <a:lvl8pPr marL="3200400" indent="0">
               <a:buNone/>
-              <a:defRPr sz="1600">
+              <a:defRPr sz="1400">
                 <a:solidFill>
                   <a:schemeClr val="tx1">
-                    <a:tint val="82000"/>
+                    <a:tint val="75000"/>
                   </a:schemeClr>
                 </a:solidFill>
               </a:defRPr>
             </a:lvl8pPr>
             <a:lvl9pPr marL="3657600" indent="0">
               <a:buNone/>
-              <a:defRPr sz="1600">
+              <a:defRPr sz="1400">
                 <a:solidFill>
                   <a:schemeClr val="tx1">
-                    <a:tint val="82000"/>
+                    <a:tint val="75000"/>
                   </a:schemeClr>
                 </a:solidFill>
               </a:defRPr>
@@ -1133,13 +1391,7 @@
       </p:sp>
       <p:sp>
         <p:nvSpPr>
-          <p:cNvPr id="4" name="Segnaposto data 3">
-            <a:extLst>
-              <a:ext uri="{FF2B5EF4-FFF2-40B4-BE49-F238E27FC236}">
-                <a16:creationId xmlns:a16="http://schemas.microsoft.com/office/drawing/2014/main" id="{BAF85D01-7E03-A89C-51FC-D1EE9436AC58}"/>
-              </a:ext>
-            </a:extLst>
-          </p:cNvPr>
+          <p:cNvPr id="4" name="Date Placeholder 3"/>
           <p:cNvSpPr>
             <a:spLocks noGrp="1"/>
           </p:cNvSpPr>
@@ -1150,11 +1402,22 @@
         <p:spPr/>
         <p:txBody>
           <a:bodyPr/>
-          <a:lstStyle/>
+          <a:lstStyle>
+            <a:lvl1pPr>
+              <a:defRPr>
+                <a:solidFill>
+                  <a:schemeClr val="accent1">
+                    <a:lumMod val="75000"/>
+                    <a:lumOff val="25000"/>
+                  </a:schemeClr>
+                </a:solidFill>
+              </a:defRPr>
+            </a:lvl1pPr>
+          </a:lstStyle>
           <a:p>
             <a:fld id="{F259A98E-7D3E-4BAE-A284-2CE0D83E33BF}" type="datetimeFigureOut">
               <a:rPr lang="it-IT" smtClean="0"/>
-              <a:t>02/11/2023</a:t>
+              <a:t>09/12/2023</a:t>
             </a:fld>
             <a:endParaRPr lang="it-IT"/>
           </a:p>
@@ -1162,13 +1425,7 @@
       </p:sp>
       <p:sp>
         <p:nvSpPr>
-          <p:cNvPr id="5" name="Segnaposto piè di pagina 4">
-            <a:extLst>
-              <a:ext uri="{FF2B5EF4-FFF2-40B4-BE49-F238E27FC236}">
-                <a16:creationId xmlns:a16="http://schemas.microsoft.com/office/drawing/2014/main" id="{5B8ACED2-DB9F-C8DE-29C7-075C3327AF18}"/>
-              </a:ext>
-            </a:extLst>
-          </p:cNvPr>
+          <p:cNvPr id="5" name="Footer Placeholder 4"/>
           <p:cNvSpPr>
             <a:spLocks noGrp="1"/>
           </p:cNvSpPr>
@@ -1179,7 +1436,18 @@
         <p:spPr/>
         <p:txBody>
           <a:bodyPr/>
-          <a:lstStyle/>
+          <a:lstStyle>
+            <a:lvl1pPr>
+              <a:defRPr>
+                <a:solidFill>
+                  <a:schemeClr val="accent1">
+                    <a:lumMod val="75000"/>
+                    <a:lumOff val="25000"/>
+                  </a:schemeClr>
+                </a:solidFill>
+              </a:defRPr>
+            </a:lvl1pPr>
+          </a:lstStyle>
           <a:p>
             <a:endParaRPr lang="it-IT"/>
           </a:p>
@@ -1187,13 +1455,7 @@
       </p:sp>
       <p:sp>
         <p:nvSpPr>
-          <p:cNvPr id="6" name="Segnaposto numero diapositiva 5">
-            <a:extLst>
-              <a:ext uri="{FF2B5EF4-FFF2-40B4-BE49-F238E27FC236}">
-                <a16:creationId xmlns:a16="http://schemas.microsoft.com/office/drawing/2014/main" id="{716D21DB-811C-6DAC-63D7-54D584A36486}"/>
-              </a:ext>
-            </a:extLst>
-          </p:cNvPr>
+          <p:cNvPr id="6" name="Slide Number Placeholder 5"/>
           <p:cNvSpPr>
             <a:spLocks noGrp="1"/>
           </p:cNvSpPr>
@@ -1204,7 +1466,18 @@
         <p:spPr/>
         <p:txBody>
           <a:bodyPr/>
-          <a:lstStyle/>
+          <a:lstStyle>
+            <a:lvl1pPr>
+              <a:defRPr>
+                <a:solidFill>
+                  <a:schemeClr val="accent1">
+                    <a:lumMod val="75000"/>
+                    <a:lumOff val="25000"/>
+                  </a:schemeClr>
+                </a:solidFill>
+              </a:defRPr>
+            </a:lvl1pPr>
+          </a:lstStyle>
           <a:p>
             <a:fld id="{FD8D997C-7E66-44D2-B54E-C5D091DF0A81}" type="slidenum">
               <a:rPr lang="it-IT" smtClean="0"/>
@@ -1217,7 +1490,7 @@
     </p:spTree>
     <p:extLst>
       <p:ext uri="{BB962C8B-B14F-4D97-AF65-F5344CB8AC3E}">
-        <p14:creationId xmlns:p14="http://schemas.microsoft.com/office/powerpoint/2010/main" val="2723013063"/>
+        <p14:creationId xmlns:p14="http://schemas.microsoft.com/office/powerpoint/2010/main" val="1164832240"/>
       </p:ext>
     </p:extLst>
   </p:cSld>
@@ -1246,13 +1519,46 @@
       </p:grpSpPr>
       <p:sp>
         <p:nvSpPr>
-          <p:cNvPr id="2" name="Titolo 1">
-            <a:extLst>
-              <a:ext uri="{FF2B5EF4-FFF2-40B4-BE49-F238E27FC236}">
-                <a16:creationId xmlns:a16="http://schemas.microsoft.com/office/drawing/2014/main" id="{502E9461-C709-72A4-DC27-E7C048C983B5}"/>
-              </a:ext>
-            </a:extLst>
-          </p:cNvPr>
+          <p:cNvPr id="8" name="Rectangle 7"/>
+          <p:cNvSpPr>
+            <a:spLocks noChangeAspect="1"/>
+          </p:cNvSpPr>
+          <p:nvPr/>
+        </p:nvSpPr>
+        <p:spPr>
+          <a:xfrm>
+            <a:off x="445982" y="606554"/>
+            <a:ext cx="11300036" cy="1258827"/>
+          </a:xfrm>
+          <a:prstGeom prst="rect">
+            <a:avLst/>
+          </a:prstGeom>
+          <a:solidFill>
+            <a:schemeClr val="accent1"/>
+          </a:solidFill>
+          <a:ln>
+            <a:noFill/>
+          </a:ln>
+          <a:effectLst/>
+        </p:spPr>
+        <p:style>
+          <a:lnRef idx="1">
+            <a:schemeClr val="accent1"/>
+          </a:lnRef>
+          <a:fillRef idx="3">
+            <a:schemeClr val="accent1"/>
+          </a:fillRef>
+          <a:effectRef idx="2">
+            <a:schemeClr val="accent1"/>
+          </a:effectRef>
+          <a:fontRef idx="minor">
+            <a:schemeClr val="lt1"/>
+          </a:fontRef>
+        </p:style>
+      </p:sp>
+      <p:sp>
+        <p:nvSpPr>
+          <p:cNvPr id="2" name="Title 1"/>
           <p:cNvSpPr>
             <a:spLocks noGrp="1"/>
           </p:cNvSpPr>
@@ -1260,7 +1566,12 @@
             <p:ph type="title"/>
           </p:nvPr>
         </p:nvSpPr>
-        <p:spPr/>
+        <p:spPr>
+          <a:xfrm>
+            <a:off x="581193" y="729658"/>
+            <a:ext cx="11029616" cy="988332"/>
+          </a:xfrm>
+        </p:spPr>
         <p:txBody>
           <a:bodyPr/>
           <a:lstStyle/>
@@ -1269,18 +1580,13 @@
               <a:rPr lang="it-IT"/>
               <a:t>Fare clic per modificare lo stile del titolo dello schema</a:t>
             </a:r>
-          </a:p>
-        </p:txBody>
-      </p:sp>
-      <p:sp>
-        <p:nvSpPr>
-          <p:cNvPr id="3" name="Segnaposto contenuto 2">
-            <a:extLst>
-              <a:ext uri="{FF2B5EF4-FFF2-40B4-BE49-F238E27FC236}">
-                <a16:creationId xmlns:a16="http://schemas.microsoft.com/office/drawing/2014/main" id="{B2314DDC-F6E7-EBAB-4358-126CE9D2274B}"/>
-              </a:ext>
-            </a:extLst>
-          </p:cNvPr>
+            <a:endParaRPr lang="en-US" dirty="0"/>
+          </a:p>
+        </p:txBody>
+      </p:sp>
+      <p:sp>
+        <p:nvSpPr>
+          <p:cNvPr id="3" name="Content Placeholder 2"/>
           <p:cNvSpPr>
             <a:spLocks noGrp="1"/>
           </p:cNvSpPr>
@@ -1290,12 +1596,14 @@
         </p:nvSpPr>
         <p:spPr>
           <a:xfrm>
-            <a:off x="838200" y="1825625"/>
-            <a:ext cx="5181600" cy="4351338"/>
+            <a:off x="581193" y="2228003"/>
+            <a:ext cx="5422390" cy="3633047"/>
           </a:xfrm>
         </p:spPr>
         <p:txBody>
-          <a:bodyPr/>
+          <a:bodyPr>
+            <a:normAutofit/>
+          </a:bodyPr>
           <a:lstStyle/>
           <a:p>
             <a:pPr lvl="0"/>
@@ -1331,18 +1639,13 @@
               <a:rPr lang="it-IT"/>
               <a:t>Quinto livello</a:t>
             </a:r>
-          </a:p>
-        </p:txBody>
-      </p:sp>
-      <p:sp>
-        <p:nvSpPr>
-          <p:cNvPr id="4" name="Segnaposto contenuto 3">
-            <a:extLst>
-              <a:ext uri="{FF2B5EF4-FFF2-40B4-BE49-F238E27FC236}">
-                <a16:creationId xmlns:a16="http://schemas.microsoft.com/office/drawing/2014/main" id="{24DDC6F1-9E00-AA90-2961-6782E3C4FA4A}"/>
-              </a:ext>
-            </a:extLst>
-          </p:cNvPr>
+            <a:endParaRPr lang="en-US" dirty="0"/>
+          </a:p>
+        </p:txBody>
+      </p:sp>
+      <p:sp>
+        <p:nvSpPr>
+          <p:cNvPr id="4" name="Content Placeholder 3"/>
           <p:cNvSpPr>
             <a:spLocks noGrp="1"/>
           </p:cNvSpPr>
@@ -1352,12 +1655,14 @@
         </p:nvSpPr>
         <p:spPr>
           <a:xfrm>
-            <a:off x="6172200" y="1825625"/>
-            <a:ext cx="5181600" cy="4351338"/>
+            <a:off x="6188417" y="2228003"/>
+            <a:ext cx="5422392" cy="3633047"/>
           </a:xfrm>
         </p:spPr>
         <p:txBody>
-          <a:bodyPr/>
+          <a:bodyPr>
+            <a:normAutofit/>
+          </a:bodyPr>
           <a:lstStyle/>
           <a:p>
             <a:pPr lvl="0"/>
@@ -1393,18 +1698,13 @@
               <a:rPr lang="it-IT"/>
               <a:t>Quinto livello</a:t>
             </a:r>
-          </a:p>
-        </p:txBody>
-      </p:sp>
-      <p:sp>
-        <p:nvSpPr>
-          <p:cNvPr id="5" name="Segnaposto data 4">
-            <a:extLst>
-              <a:ext uri="{FF2B5EF4-FFF2-40B4-BE49-F238E27FC236}">
-                <a16:creationId xmlns:a16="http://schemas.microsoft.com/office/drawing/2014/main" id="{95607E2C-C125-CDA1-9670-8EBEB247FE53}"/>
-              </a:ext>
-            </a:extLst>
-          </p:cNvPr>
+            <a:endParaRPr lang="en-US" dirty="0"/>
+          </a:p>
+        </p:txBody>
+      </p:sp>
+      <p:sp>
+        <p:nvSpPr>
+          <p:cNvPr id="5" name="Date Placeholder 4"/>
           <p:cNvSpPr>
             <a:spLocks noGrp="1"/>
           </p:cNvSpPr>
@@ -1419,7 +1719,7 @@
           <a:p>
             <a:fld id="{F259A98E-7D3E-4BAE-A284-2CE0D83E33BF}" type="datetimeFigureOut">
               <a:rPr lang="it-IT" smtClean="0"/>
-              <a:t>02/11/2023</a:t>
+              <a:t>09/12/2023</a:t>
             </a:fld>
             <a:endParaRPr lang="it-IT"/>
           </a:p>
@@ -1427,13 +1727,7 @@
       </p:sp>
       <p:sp>
         <p:nvSpPr>
-          <p:cNvPr id="6" name="Segnaposto piè di pagina 5">
-            <a:extLst>
-              <a:ext uri="{FF2B5EF4-FFF2-40B4-BE49-F238E27FC236}">
-                <a16:creationId xmlns:a16="http://schemas.microsoft.com/office/drawing/2014/main" id="{5C8F9B12-3334-0AA5-5986-7AEF960B8BEF}"/>
-              </a:ext>
-            </a:extLst>
-          </p:cNvPr>
+          <p:cNvPr id="6" name="Footer Placeholder 5"/>
           <p:cNvSpPr>
             <a:spLocks noGrp="1"/>
           </p:cNvSpPr>
@@ -1452,13 +1746,7 @@
       </p:sp>
       <p:sp>
         <p:nvSpPr>
-          <p:cNvPr id="7" name="Segnaposto numero diapositiva 6">
-            <a:extLst>
-              <a:ext uri="{FF2B5EF4-FFF2-40B4-BE49-F238E27FC236}">
-                <a16:creationId xmlns:a16="http://schemas.microsoft.com/office/drawing/2014/main" id="{6B13B765-23F7-26BE-9CE3-701E213BE0ED}"/>
-              </a:ext>
-            </a:extLst>
-          </p:cNvPr>
+          <p:cNvPr id="7" name="Slide Number Placeholder 6"/>
           <p:cNvSpPr>
             <a:spLocks noGrp="1"/>
           </p:cNvSpPr>
@@ -1482,7 +1770,7 @@
     </p:spTree>
     <p:extLst>
       <p:ext uri="{BB962C8B-B14F-4D97-AF65-F5344CB8AC3E}">
-        <p14:creationId xmlns:p14="http://schemas.microsoft.com/office/powerpoint/2010/main" val="287815486"/>
+        <p14:creationId xmlns:p14="http://schemas.microsoft.com/office/powerpoint/2010/main" val="1180512444"/>
       </p:ext>
     </p:extLst>
   </p:cSld>
@@ -1511,24 +1799,57 @@
       </p:grpSpPr>
       <p:sp>
         <p:nvSpPr>
-          <p:cNvPr id="2" name="Titolo 1">
-            <a:extLst>
-              <a:ext uri="{FF2B5EF4-FFF2-40B4-BE49-F238E27FC236}">
-                <a16:creationId xmlns:a16="http://schemas.microsoft.com/office/drawing/2014/main" id="{B75CEF76-307D-58F2-2CCE-3C55B2015376}"/>
-              </a:ext>
-            </a:extLst>
-          </p:cNvPr>
-          <p:cNvSpPr>
-            <a:spLocks noGrp="1"/>
-          </p:cNvSpPr>
-          <p:nvPr>
-            <p:ph type="title"/>
-          </p:nvPr>
+          <p:cNvPr id="11" name="Rectangle 10"/>
+          <p:cNvSpPr>
+            <a:spLocks noChangeAspect="1"/>
+          </p:cNvSpPr>
+          <p:nvPr/>
         </p:nvSpPr>
         <p:spPr>
           <a:xfrm>
-            <a:off x="839788" y="365125"/>
-            <a:ext cx="10515600" cy="1325563"/>
+            <a:off x="445982" y="606554"/>
+            <a:ext cx="11300036" cy="1258827"/>
+          </a:xfrm>
+          <a:prstGeom prst="rect">
+            <a:avLst/>
+          </a:prstGeom>
+          <a:solidFill>
+            <a:schemeClr val="accent1"/>
+          </a:solidFill>
+          <a:ln>
+            <a:noFill/>
+          </a:ln>
+          <a:effectLst/>
+        </p:spPr>
+        <p:style>
+          <a:lnRef idx="1">
+            <a:schemeClr val="accent1"/>
+          </a:lnRef>
+          <a:fillRef idx="3">
+            <a:schemeClr val="accent1"/>
+          </a:fillRef>
+          <a:effectRef idx="2">
+            <a:schemeClr val="accent1"/>
+          </a:effectRef>
+          <a:fontRef idx="minor">
+            <a:schemeClr val="lt1"/>
+          </a:fontRef>
+        </p:style>
+      </p:sp>
+      <p:sp>
+        <p:nvSpPr>
+          <p:cNvPr id="12" name="Title 1"/>
+          <p:cNvSpPr>
+            <a:spLocks noGrp="1"/>
+          </p:cNvSpPr>
+          <p:nvPr>
+            <p:ph type="title"/>
+          </p:nvPr>
+        </p:nvSpPr>
+        <p:spPr>
+          <a:xfrm>
+            <a:off x="581193" y="729658"/>
+            <a:ext cx="11029616" cy="988332"/>
           </a:xfrm>
         </p:spPr>
         <p:txBody>
@@ -1539,18 +1860,13 @@
               <a:rPr lang="it-IT"/>
               <a:t>Fare clic per modificare lo stile del titolo dello schema</a:t>
             </a:r>
-          </a:p>
-        </p:txBody>
-      </p:sp>
-      <p:sp>
-        <p:nvSpPr>
-          <p:cNvPr id="3" name="Segnaposto testo 2">
-            <a:extLst>
-              <a:ext uri="{FF2B5EF4-FFF2-40B4-BE49-F238E27FC236}">
-                <a16:creationId xmlns:a16="http://schemas.microsoft.com/office/drawing/2014/main" id="{01F5EC6B-0E37-603C-5911-F03BEADF6C43}"/>
-              </a:ext>
-            </a:extLst>
-          </p:cNvPr>
+            <a:endParaRPr lang="en-US" dirty="0"/>
+          </a:p>
+        </p:txBody>
+      </p:sp>
+      <p:sp>
+        <p:nvSpPr>
+          <p:cNvPr id="3" name="Text Placeholder 2"/>
           <p:cNvSpPr>
             <a:spLocks noGrp="1"/>
           </p:cNvSpPr>
@@ -1560,16 +1876,22 @@
         </p:nvSpPr>
         <p:spPr>
           <a:xfrm>
-            <a:off x="839788" y="1681163"/>
-            <a:ext cx="5157787" cy="823912"/>
+            <a:off x="887219" y="2250892"/>
+            <a:ext cx="5087075" cy="536005"/>
           </a:xfrm>
         </p:spPr>
         <p:txBody>
-          <a:bodyPr anchor="b"/>
+          <a:bodyPr anchor="b">
+            <a:noAutofit/>
+          </a:bodyPr>
           <a:lstStyle>
             <a:lvl1pPr marL="0" indent="0">
               <a:buNone/>
-              <a:defRPr sz="2400" b="1"/>
+              <a:defRPr sz="2200" b="0">
+                <a:solidFill>
+                  <a:schemeClr val="accent2"/>
+                </a:solidFill>
+              </a:defRPr>
             </a:lvl1pPr>
             <a:lvl2pPr marL="457200" indent="0">
               <a:buNone/>
@@ -1615,13 +1937,7 @@
       </p:sp>
       <p:sp>
         <p:nvSpPr>
-          <p:cNvPr id="4" name="Segnaposto contenuto 3">
-            <a:extLst>
-              <a:ext uri="{FF2B5EF4-FFF2-40B4-BE49-F238E27FC236}">
-                <a16:creationId xmlns:a16="http://schemas.microsoft.com/office/drawing/2014/main" id="{4D058197-60FE-BB19-338B-38FEC43D01A3}"/>
-              </a:ext>
-            </a:extLst>
-          </p:cNvPr>
+          <p:cNvPr id="4" name="Content Placeholder 3"/>
           <p:cNvSpPr>
             <a:spLocks noGrp="1"/>
           </p:cNvSpPr>
@@ -1631,12 +1947,14 @@
         </p:nvSpPr>
         <p:spPr>
           <a:xfrm>
-            <a:off x="839788" y="2505075"/>
-            <a:ext cx="5157787" cy="3684588"/>
+            <a:off x="581194" y="2926052"/>
+            <a:ext cx="5393100" cy="2934999"/>
           </a:xfrm>
         </p:spPr>
         <p:txBody>
-          <a:bodyPr/>
+          <a:bodyPr anchor="t">
+            <a:normAutofit/>
+          </a:bodyPr>
           <a:lstStyle/>
           <a:p>
             <a:pPr lvl="0"/>
@@ -1672,18 +1990,13 @@
               <a:rPr lang="it-IT"/>
               <a:t>Quinto livello</a:t>
             </a:r>
-          </a:p>
-        </p:txBody>
-      </p:sp>
-      <p:sp>
-        <p:nvSpPr>
-          <p:cNvPr id="5" name="Segnaposto testo 4">
-            <a:extLst>
-              <a:ext uri="{FF2B5EF4-FFF2-40B4-BE49-F238E27FC236}">
-                <a16:creationId xmlns:a16="http://schemas.microsoft.com/office/drawing/2014/main" id="{D7B62768-BC13-B60B-7DED-0102FBAB9D75}"/>
-              </a:ext>
-            </a:extLst>
-          </p:cNvPr>
+            <a:endParaRPr lang="en-US" dirty="0"/>
+          </a:p>
+        </p:txBody>
+      </p:sp>
+      <p:sp>
+        <p:nvSpPr>
+          <p:cNvPr id="5" name="Text Placeholder 4"/>
           <p:cNvSpPr>
             <a:spLocks noGrp="1"/>
           </p:cNvSpPr>
@@ -1693,16 +2006,22 @@
         </p:nvSpPr>
         <p:spPr>
           <a:xfrm>
-            <a:off x="6172200" y="1681163"/>
-            <a:ext cx="5183188" cy="823912"/>
+            <a:off x="6523735" y="2250892"/>
+            <a:ext cx="5087073" cy="553373"/>
           </a:xfrm>
         </p:spPr>
         <p:txBody>
-          <a:bodyPr anchor="b"/>
+          <a:bodyPr anchor="b">
+            <a:noAutofit/>
+          </a:bodyPr>
           <a:lstStyle>
             <a:lvl1pPr marL="0" indent="0">
               <a:buNone/>
-              <a:defRPr sz="2400" b="1"/>
+              <a:defRPr sz="2200" b="0">
+                <a:solidFill>
+                  <a:schemeClr val="accent2"/>
+                </a:solidFill>
+              </a:defRPr>
             </a:lvl1pPr>
             <a:lvl2pPr marL="457200" indent="0">
               <a:buNone/>
@@ -1748,13 +2067,7 @@
       </p:sp>
       <p:sp>
         <p:nvSpPr>
-          <p:cNvPr id="6" name="Segnaposto contenuto 5">
-            <a:extLst>
-              <a:ext uri="{FF2B5EF4-FFF2-40B4-BE49-F238E27FC236}">
-                <a16:creationId xmlns:a16="http://schemas.microsoft.com/office/drawing/2014/main" id="{A0C5D8B1-9564-8874-78A8-F9DFF4D86CCE}"/>
-              </a:ext>
-            </a:extLst>
-          </p:cNvPr>
+          <p:cNvPr id="6" name="Content Placeholder 5"/>
           <p:cNvSpPr>
             <a:spLocks noGrp="1"/>
           </p:cNvSpPr>
@@ -1764,12 +2077,14 @@
         </p:nvSpPr>
         <p:spPr>
           <a:xfrm>
-            <a:off x="6172200" y="2505075"/>
-            <a:ext cx="5183188" cy="3684588"/>
+            <a:off x="6217709" y="2926052"/>
+            <a:ext cx="5393100" cy="2934999"/>
           </a:xfrm>
         </p:spPr>
         <p:txBody>
-          <a:bodyPr/>
+          <a:bodyPr anchor="t">
+            <a:normAutofit/>
+          </a:bodyPr>
           <a:lstStyle/>
           <a:p>
             <a:pPr lvl="0"/>
@@ -1805,18 +2120,13 @@
               <a:rPr lang="it-IT"/>
               <a:t>Quinto livello</a:t>
             </a:r>
-          </a:p>
-        </p:txBody>
-      </p:sp>
-      <p:sp>
-        <p:nvSpPr>
-          <p:cNvPr id="7" name="Segnaposto data 6">
-            <a:extLst>
-              <a:ext uri="{FF2B5EF4-FFF2-40B4-BE49-F238E27FC236}">
-                <a16:creationId xmlns:a16="http://schemas.microsoft.com/office/drawing/2014/main" id="{55BC983A-A280-3111-3C96-DD1DD02DC231}"/>
-              </a:ext>
-            </a:extLst>
-          </p:cNvPr>
+            <a:endParaRPr lang="en-US" dirty="0"/>
+          </a:p>
+        </p:txBody>
+      </p:sp>
+      <p:sp>
+        <p:nvSpPr>
+          <p:cNvPr id="7" name="Date Placeholder 6"/>
           <p:cNvSpPr>
             <a:spLocks noGrp="1"/>
           </p:cNvSpPr>
@@ -1831,7 +2141,7 @@
           <a:p>
             <a:fld id="{F259A98E-7D3E-4BAE-A284-2CE0D83E33BF}" type="datetimeFigureOut">
               <a:rPr lang="it-IT" smtClean="0"/>
-              <a:t>02/11/2023</a:t>
+              <a:t>09/12/2023</a:t>
             </a:fld>
             <a:endParaRPr lang="it-IT"/>
           </a:p>
@@ -1839,13 +2149,7 @@
       </p:sp>
       <p:sp>
         <p:nvSpPr>
-          <p:cNvPr id="8" name="Segnaposto piè di pagina 7">
-            <a:extLst>
-              <a:ext uri="{FF2B5EF4-FFF2-40B4-BE49-F238E27FC236}">
-                <a16:creationId xmlns:a16="http://schemas.microsoft.com/office/drawing/2014/main" id="{97BCA1C9-CD85-47A7-EDAA-AC06605E2B85}"/>
-              </a:ext>
-            </a:extLst>
-          </p:cNvPr>
+          <p:cNvPr id="8" name="Footer Placeholder 7"/>
           <p:cNvSpPr>
             <a:spLocks noGrp="1"/>
           </p:cNvSpPr>
@@ -1864,13 +2168,7 @@
       </p:sp>
       <p:sp>
         <p:nvSpPr>
-          <p:cNvPr id="9" name="Segnaposto numero diapositiva 8">
-            <a:extLst>
-              <a:ext uri="{FF2B5EF4-FFF2-40B4-BE49-F238E27FC236}">
-                <a16:creationId xmlns:a16="http://schemas.microsoft.com/office/drawing/2014/main" id="{7B2BE092-0BB3-03EF-8CC3-09DED2AAFA64}"/>
-              </a:ext>
-            </a:extLst>
-          </p:cNvPr>
+          <p:cNvPr id="9" name="Slide Number Placeholder 8"/>
           <p:cNvSpPr>
             <a:spLocks noGrp="1"/>
           </p:cNvSpPr>
@@ -1894,7 +2192,7 @@
     </p:spTree>
     <p:extLst>
       <p:ext uri="{BB962C8B-B14F-4D97-AF65-F5344CB8AC3E}">
-        <p14:creationId xmlns:p14="http://schemas.microsoft.com/office/powerpoint/2010/main" val="3926892728"/>
+        <p14:creationId xmlns:p14="http://schemas.microsoft.com/office/powerpoint/2010/main" val="3688886971"/>
       </p:ext>
     </p:extLst>
   </p:cSld>
@@ -1923,41 +2221,7 @@
       </p:grpSpPr>
       <p:sp>
         <p:nvSpPr>
-          <p:cNvPr id="2" name="Titolo 1">
-            <a:extLst>
-              <a:ext uri="{FF2B5EF4-FFF2-40B4-BE49-F238E27FC236}">
-                <a16:creationId xmlns:a16="http://schemas.microsoft.com/office/drawing/2014/main" id="{A12B19A1-FEE2-A14D-FDED-9B8E3818D910}"/>
-              </a:ext>
-            </a:extLst>
-          </p:cNvPr>
-          <p:cNvSpPr>
-            <a:spLocks noGrp="1"/>
-          </p:cNvSpPr>
-          <p:nvPr>
-            <p:ph type="title"/>
-          </p:nvPr>
-        </p:nvSpPr>
-        <p:spPr/>
-        <p:txBody>
-          <a:bodyPr/>
-          <a:lstStyle/>
-          <a:p>
-            <a:r>
-              <a:rPr lang="it-IT"/>
-              <a:t>Fare clic per modificare lo stile del titolo dello schema</a:t>
-            </a:r>
-          </a:p>
-        </p:txBody>
-      </p:sp>
-      <p:sp>
-        <p:nvSpPr>
-          <p:cNvPr id="3" name="Segnaposto data 2">
-            <a:extLst>
-              <a:ext uri="{FF2B5EF4-FFF2-40B4-BE49-F238E27FC236}">
-                <a16:creationId xmlns:a16="http://schemas.microsoft.com/office/drawing/2014/main" id="{40D01A78-5C58-F103-F85B-C219F576913E}"/>
-              </a:ext>
-            </a:extLst>
-          </p:cNvPr>
+          <p:cNvPr id="3" name="Date Placeholder 2"/>
           <p:cNvSpPr>
             <a:spLocks noGrp="1"/>
           </p:cNvSpPr>
@@ -1972,7 +2236,7 @@
           <a:p>
             <a:fld id="{F259A98E-7D3E-4BAE-A284-2CE0D83E33BF}" type="datetimeFigureOut">
               <a:rPr lang="it-IT" smtClean="0"/>
-              <a:t>02/11/2023</a:t>
+              <a:t>09/12/2023</a:t>
             </a:fld>
             <a:endParaRPr lang="it-IT"/>
           </a:p>
@@ -1980,13 +2244,7 @@
       </p:sp>
       <p:sp>
         <p:nvSpPr>
-          <p:cNvPr id="4" name="Segnaposto piè di pagina 3">
-            <a:extLst>
-              <a:ext uri="{FF2B5EF4-FFF2-40B4-BE49-F238E27FC236}">
-                <a16:creationId xmlns:a16="http://schemas.microsoft.com/office/drawing/2014/main" id="{6DF569C9-745A-5462-4C23-5CC8D9E63FDF}"/>
-              </a:ext>
-            </a:extLst>
-          </p:cNvPr>
+          <p:cNvPr id="4" name="Footer Placeholder 3"/>
           <p:cNvSpPr>
             <a:spLocks noGrp="1"/>
           </p:cNvSpPr>
@@ -2005,13 +2263,7 @@
       </p:sp>
       <p:sp>
         <p:nvSpPr>
-          <p:cNvPr id="5" name="Segnaposto numero diapositiva 4">
-            <a:extLst>
-              <a:ext uri="{FF2B5EF4-FFF2-40B4-BE49-F238E27FC236}">
-                <a16:creationId xmlns:a16="http://schemas.microsoft.com/office/drawing/2014/main" id="{8D791F1A-E87C-B47F-4D0B-A9D59ECF3F1B}"/>
-              </a:ext>
-            </a:extLst>
-          </p:cNvPr>
+          <p:cNvPr id="5" name="Slide Number Placeholder 4"/>
           <p:cNvSpPr>
             <a:spLocks noGrp="1"/>
           </p:cNvSpPr>
@@ -2032,10 +2284,77 @@
           </a:p>
         </p:txBody>
       </p:sp>
+      <p:sp>
+        <p:nvSpPr>
+          <p:cNvPr id="7" name="Rectangle 6"/>
+          <p:cNvSpPr>
+            <a:spLocks noChangeAspect="1"/>
+          </p:cNvSpPr>
+          <p:nvPr/>
+        </p:nvSpPr>
+        <p:spPr>
+          <a:xfrm>
+            <a:off x="440683" y="606554"/>
+            <a:ext cx="11300036" cy="1258827"/>
+          </a:xfrm>
+          <a:prstGeom prst="rect">
+            <a:avLst/>
+          </a:prstGeom>
+          <a:solidFill>
+            <a:schemeClr val="accent1"/>
+          </a:solidFill>
+          <a:ln>
+            <a:noFill/>
+          </a:ln>
+          <a:effectLst/>
+        </p:spPr>
+        <p:style>
+          <a:lnRef idx="1">
+            <a:schemeClr val="accent1"/>
+          </a:lnRef>
+          <a:fillRef idx="3">
+            <a:schemeClr val="accent1"/>
+          </a:fillRef>
+          <a:effectRef idx="2">
+            <a:schemeClr val="accent1"/>
+          </a:effectRef>
+          <a:fontRef idx="minor">
+            <a:schemeClr val="lt1"/>
+          </a:fontRef>
+        </p:style>
+      </p:sp>
+      <p:sp>
+        <p:nvSpPr>
+          <p:cNvPr id="8" name="Title 1"/>
+          <p:cNvSpPr>
+            <a:spLocks noGrp="1"/>
+          </p:cNvSpPr>
+          <p:nvPr>
+            <p:ph type="title"/>
+          </p:nvPr>
+        </p:nvSpPr>
+        <p:spPr>
+          <a:xfrm>
+            <a:off x="575894" y="729658"/>
+            <a:ext cx="11029616" cy="988332"/>
+          </a:xfrm>
+        </p:spPr>
+        <p:txBody>
+          <a:bodyPr/>
+          <a:lstStyle/>
+          <a:p>
+            <a:r>
+              <a:rPr lang="it-IT"/>
+              <a:t>Fare clic per modificare lo stile del titolo dello schema</a:t>
+            </a:r>
+            <a:endParaRPr lang="en-US" dirty="0"/>
+          </a:p>
+        </p:txBody>
+      </p:sp>
     </p:spTree>
     <p:extLst>
       <p:ext uri="{BB962C8B-B14F-4D97-AF65-F5344CB8AC3E}">
-        <p14:creationId xmlns:p14="http://schemas.microsoft.com/office/powerpoint/2010/main" val="3223320241"/>
+        <p14:creationId xmlns:p14="http://schemas.microsoft.com/office/powerpoint/2010/main" val="414737027"/>
       </p:ext>
     </p:extLst>
   </p:cSld>
@@ -2064,13 +2383,7 @@
       </p:grpSpPr>
       <p:sp>
         <p:nvSpPr>
-          <p:cNvPr id="2" name="Segnaposto data 1">
-            <a:extLst>
-              <a:ext uri="{FF2B5EF4-FFF2-40B4-BE49-F238E27FC236}">
-                <a16:creationId xmlns:a16="http://schemas.microsoft.com/office/drawing/2014/main" id="{A052C3D7-DF5F-0DBC-D41C-B9C83BF06605}"/>
-              </a:ext>
-            </a:extLst>
-          </p:cNvPr>
+          <p:cNvPr id="2" name="Date Placeholder 1"/>
           <p:cNvSpPr>
             <a:spLocks noGrp="1"/>
           </p:cNvSpPr>
@@ -2085,7 +2398,7 @@
           <a:p>
             <a:fld id="{F259A98E-7D3E-4BAE-A284-2CE0D83E33BF}" type="datetimeFigureOut">
               <a:rPr lang="it-IT" smtClean="0"/>
-              <a:t>02/11/2023</a:t>
+              <a:t>09/12/2023</a:t>
             </a:fld>
             <a:endParaRPr lang="it-IT"/>
           </a:p>
@@ -2093,13 +2406,7 @@
       </p:sp>
       <p:sp>
         <p:nvSpPr>
-          <p:cNvPr id="3" name="Segnaposto piè di pagina 2">
-            <a:extLst>
-              <a:ext uri="{FF2B5EF4-FFF2-40B4-BE49-F238E27FC236}">
-                <a16:creationId xmlns:a16="http://schemas.microsoft.com/office/drawing/2014/main" id="{2C11137C-011F-A42C-F5C6-9E099F2477A5}"/>
-              </a:ext>
-            </a:extLst>
-          </p:cNvPr>
+          <p:cNvPr id="3" name="Footer Placeholder 2"/>
           <p:cNvSpPr>
             <a:spLocks noGrp="1"/>
           </p:cNvSpPr>
@@ -2118,13 +2425,7 @@
       </p:sp>
       <p:sp>
         <p:nvSpPr>
-          <p:cNvPr id="4" name="Segnaposto numero diapositiva 3">
-            <a:extLst>
-              <a:ext uri="{FF2B5EF4-FFF2-40B4-BE49-F238E27FC236}">
-                <a16:creationId xmlns:a16="http://schemas.microsoft.com/office/drawing/2014/main" id="{5C73B88B-6B35-00F4-1309-4FF3B2FEC32B}"/>
-              </a:ext>
-            </a:extLst>
-          </p:cNvPr>
+          <p:cNvPr id="4" name="Slide Number Placeholder 3"/>
           <p:cNvSpPr>
             <a:spLocks noGrp="1"/>
           </p:cNvSpPr>
@@ -2148,7 +2449,7 @@
     </p:spTree>
     <p:extLst>
       <p:ext uri="{BB962C8B-B14F-4D97-AF65-F5344CB8AC3E}">
-        <p14:creationId xmlns:p14="http://schemas.microsoft.com/office/powerpoint/2010/main" val="1625836196"/>
+        <p14:creationId xmlns:p14="http://schemas.microsoft.com/office/powerpoint/2010/main" val="2632218014"/>
       </p:ext>
     </p:extLst>
   </p:cSld>
@@ -2177,191 +2478,265 @@
       </p:grpSpPr>
       <p:sp>
         <p:nvSpPr>
-          <p:cNvPr id="2" name="Titolo 1">
-            <a:extLst>
-              <a:ext uri="{FF2B5EF4-FFF2-40B4-BE49-F238E27FC236}">
-                <a16:creationId xmlns:a16="http://schemas.microsoft.com/office/drawing/2014/main" id="{0DC167C3-A219-D972-4E89-A129DC05F4A6}"/>
-              </a:ext>
-            </a:extLst>
-          </p:cNvPr>
-          <p:cNvSpPr>
-            <a:spLocks noGrp="1"/>
-          </p:cNvSpPr>
-          <p:nvPr>
-            <p:ph type="title"/>
-          </p:nvPr>
+          <p:cNvPr id="9" name="Rectangle 8"/>
+          <p:cNvSpPr>
+            <a:spLocks noChangeAspect="1"/>
+          </p:cNvSpPr>
+          <p:nvPr/>
         </p:nvSpPr>
         <p:spPr>
           <a:xfrm>
-            <a:off x="839788" y="457200"/>
-            <a:ext cx="3932237" cy="1600200"/>
+            <a:off x="447817" y="5141973"/>
+            <a:ext cx="11298200" cy="1274702"/>
+          </a:xfrm>
+          <a:prstGeom prst="rect">
+            <a:avLst/>
+          </a:prstGeom>
+          <a:solidFill>
+            <a:schemeClr val="accent1"/>
+          </a:solidFill>
+          <a:ln>
+            <a:noFill/>
+          </a:ln>
+          <a:effectLst/>
+        </p:spPr>
+        <p:style>
+          <a:lnRef idx="1">
+            <a:schemeClr val="accent1"/>
+          </a:lnRef>
+          <a:fillRef idx="3">
+            <a:schemeClr val="accent1"/>
+          </a:fillRef>
+          <a:effectRef idx="2">
+            <a:schemeClr val="accent1"/>
+          </a:effectRef>
+          <a:fontRef idx="minor">
+            <a:schemeClr val="lt1"/>
+          </a:fontRef>
+        </p:style>
+      </p:sp>
+      <p:sp>
+        <p:nvSpPr>
+          <p:cNvPr id="2" name="Title 1"/>
+          <p:cNvSpPr>
+            <a:spLocks noGrp="1"/>
+          </p:cNvSpPr>
+          <p:nvPr>
+            <p:ph type="title"/>
+          </p:nvPr>
+        </p:nvSpPr>
+        <p:spPr>
+          <a:xfrm>
+            <a:off x="581192" y="5262296"/>
+            <a:ext cx="4909445" cy="689514"/>
           </a:xfrm>
         </p:spPr>
         <p:txBody>
-          <a:bodyPr anchor="b"/>
+          <a:bodyPr anchor="ctr"/>
+          <a:lstStyle>
+            <a:lvl1pPr algn="l">
+              <a:defRPr sz="2000" b="0">
+                <a:solidFill>
+                  <a:schemeClr val="accent1">
+                    <a:lumMod val="75000"/>
+                    <a:lumOff val="25000"/>
+                  </a:schemeClr>
+                </a:solidFill>
+              </a:defRPr>
+            </a:lvl1pPr>
+          </a:lstStyle>
+          <a:p>
+            <a:r>
+              <a:rPr lang="it-IT"/>
+              <a:t>Fare clic per modificare lo stile del titolo dello schema</a:t>
+            </a:r>
+            <a:endParaRPr lang="en-US" dirty="0"/>
+          </a:p>
+        </p:txBody>
+      </p:sp>
+      <p:sp>
+        <p:nvSpPr>
+          <p:cNvPr id="3" name="Content Placeholder 2"/>
+          <p:cNvSpPr>
+            <a:spLocks noGrp="1"/>
+          </p:cNvSpPr>
+          <p:nvPr>
+            <p:ph idx="1"/>
+          </p:nvPr>
+        </p:nvSpPr>
+        <p:spPr>
+          <a:xfrm>
+            <a:off x="447816" y="601200"/>
+            <a:ext cx="11292840" cy="4204800"/>
+          </a:xfrm>
+        </p:spPr>
+        <p:txBody>
+          <a:bodyPr anchor="ctr">
+            <a:normAutofit/>
+          </a:bodyPr>
           <a:lstStyle>
             <a:lvl1pPr>
-              <a:defRPr sz="3200"/>
+              <a:defRPr sz="2000">
+                <a:solidFill>
+                  <a:schemeClr val="tx2"/>
+                </a:solidFill>
+              </a:defRPr>
             </a:lvl1pPr>
+            <a:lvl2pPr>
+              <a:defRPr sz="1800">
+                <a:solidFill>
+                  <a:schemeClr val="tx2"/>
+                </a:solidFill>
+              </a:defRPr>
+            </a:lvl2pPr>
+            <a:lvl3pPr>
+              <a:defRPr sz="1600">
+                <a:solidFill>
+                  <a:schemeClr val="tx2"/>
+                </a:solidFill>
+              </a:defRPr>
+            </a:lvl3pPr>
+            <a:lvl4pPr>
+              <a:defRPr sz="1400">
+                <a:solidFill>
+                  <a:schemeClr val="tx2"/>
+                </a:solidFill>
+              </a:defRPr>
+            </a:lvl4pPr>
+            <a:lvl5pPr>
+              <a:defRPr sz="1400">
+                <a:solidFill>
+                  <a:schemeClr val="tx2"/>
+                </a:solidFill>
+              </a:defRPr>
+            </a:lvl5pPr>
+            <a:lvl6pPr>
+              <a:defRPr sz="1400">
+                <a:solidFill>
+                  <a:schemeClr val="tx2"/>
+                </a:solidFill>
+              </a:defRPr>
+            </a:lvl6pPr>
+            <a:lvl7pPr>
+              <a:defRPr sz="1400">
+                <a:solidFill>
+                  <a:schemeClr val="tx2"/>
+                </a:solidFill>
+              </a:defRPr>
+            </a:lvl7pPr>
+            <a:lvl8pPr>
+              <a:defRPr sz="1400">
+                <a:solidFill>
+                  <a:schemeClr val="tx2"/>
+                </a:solidFill>
+              </a:defRPr>
+            </a:lvl8pPr>
+            <a:lvl9pPr>
+              <a:defRPr sz="1400">
+                <a:solidFill>
+                  <a:schemeClr val="tx2"/>
+                </a:solidFill>
+              </a:defRPr>
+            </a:lvl9pPr>
           </a:lstStyle>
           <a:p>
+            <a:pPr lvl="0"/>
             <a:r>
               <a:rPr lang="it-IT"/>
-              <a:t>Fare clic per modificare lo stile del titolo dello schema</a:t>
-            </a:r>
-          </a:p>
-        </p:txBody>
-      </p:sp>
-      <p:sp>
-        <p:nvSpPr>
-          <p:cNvPr id="3" name="Segnaposto contenuto 2">
-            <a:extLst>
-              <a:ext uri="{FF2B5EF4-FFF2-40B4-BE49-F238E27FC236}">
-                <a16:creationId xmlns:a16="http://schemas.microsoft.com/office/drawing/2014/main" id="{0D8AF8C0-563D-10F0-FD3E-08DBC363E47E}"/>
-              </a:ext>
-            </a:extLst>
-          </p:cNvPr>
-          <p:cNvSpPr>
-            <a:spLocks noGrp="1"/>
-          </p:cNvSpPr>
-          <p:nvPr>
-            <p:ph idx="1"/>
+              <a:t>Fare clic per modificare gli stili del testo dello schema</a:t>
+            </a:r>
+          </a:p>
+          <a:p>
+            <a:pPr lvl="1"/>
+            <a:r>
+              <a:rPr lang="it-IT"/>
+              <a:t>Secondo livello</a:t>
+            </a:r>
+          </a:p>
+          <a:p>
+            <a:pPr lvl="2"/>
+            <a:r>
+              <a:rPr lang="it-IT"/>
+              <a:t>Terzo livello</a:t>
+            </a:r>
+          </a:p>
+          <a:p>
+            <a:pPr lvl="3"/>
+            <a:r>
+              <a:rPr lang="it-IT"/>
+              <a:t>Quarto livello</a:t>
+            </a:r>
+          </a:p>
+          <a:p>
+            <a:pPr lvl="4"/>
+            <a:r>
+              <a:rPr lang="it-IT"/>
+              <a:t>Quinto livello</a:t>
+            </a:r>
+            <a:endParaRPr lang="en-US" dirty="0"/>
+          </a:p>
+        </p:txBody>
+      </p:sp>
+      <p:sp>
+        <p:nvSpPr>
+          <p:cNvPr id="4" name="Text Placeholder 3"/>
+          <p:cNvSpPr>
+            <a:spLocks noGrp="1"/>
+          </p:cNvSpPr>
+          <p:nvPr>
+            <p:ph type="body" sz="half" idx="2"/>
           </p:nvPr>
         </p:nvSpPr>
         <p:spPr>
           <a:xfrm>
-            <a:off x="5183188" y="987425"/>
-            <a:ext cx="6172200" cy="4873625"/>
+            <a:off x="5740823" y="5262296"/>
+            <a:ext cx="5869987" cy="689515"/>
           </a:xfrm>
         </p:spPr>
         <p:txBody>
-          <a:bodyPr/>
+          <a:bodyPr anchor="ctr">
+            <a:normAutofit/>
+          </a:bodyPr>
           <a:lstStyle>
-            <a:lvl1pPr>
-              <a:defRPr sz="3200"/>
-            </a:lvl1pPr>
-            <a:lvl2pPr>
-              <a:defRPr sz="2800"/>
-            </a:lvl2pPr>
-            <a:lvl3pPr>
-              <a:defRPr sz="2400"/>
-            </a:lvl3pPr>
-            <a:lvl4pPr>
-              <a:defRPr sz="2000"/>
-            </a:lvl4pPr>
-            <a:lvl5pPr>
-              <a:defRPr sz="2000"/>
-            </a:lvl5pPr>
-            <a:lvl6pPr>
-              <a:defRPr sz="2000"/>
-            </a:lvl6pPr>
-            <a:lvl7pPr>
-              <a:defRPr sz="2000"/>
-            </a:lvl7pPr>
-            <a:lvl8pPr>
-              <a:defRPr sz="2000"/>
-            </a:lvl8pPr>
-            <a:lvl9pPr>
-              <a:defRPr sz="2000"/>
-            </a:lvl9pPr>
-          </a:lstStyle>
-          <a:p>
-            <a:pPr lvl="0"/>
-            <a:r>
-              <a:rPr lang="it-IT"/>
-              <a:t>Fare clic per modificare gli stili del testo dello schema</a:t>
-            </a:r>
-          </a:p>
-          <a:p>
-            <a:pPr lvl="1"/>
-            <a:r>
-              <a:rPr lang="it-IT"/>
-              <a:t>Secondo livello</a:t>
-            </a:r>
-          </a:p>
-          <a:p>
-            <a:pPr lvl="2"/>
-            <a:r>
-              <a:rPr lang="it-IT"/>
-              <a:t>Terzo livello</a:t>
-            </a:r>
-          </a:p>
-          <a:p>
-            <a:pPr lvl="3"/>
-            <a:r>
-              <a:rPr lang="it-IT"/>
-              <a:t>Quarto livello</a:t>
-            </a:r>
-          </a:p>
-          <a:p>
-            <a:pPr lvl="4"/>
-            <a:r>
-              <a:rPr lang="it-IT"/>
-              <a:t>Quinto livello</a:t>
-            </a:r>
-          </a:p>
-        </p:txBody>
-      </p:sp>
-      <p:sp>
-        <p:nvSpPr>
-          <p:cNvPr id="4" name="Segnaposto testo 3">
-            <a:extLst>
-              <a:ext uri="{FF2B5EF4-FFF2-40B4-BE49-F238E27FC236}">
-                <a16:creationId xmlns:a16="http://schemas.microsoft.com/office/drawing/2014/main" id="{132F7CE7-690D-8191-1858-55B7C0FB5C09}"/>
-              </a:ext>
-            </a:extLst>
-          </p:cNvPr>
-          <p:cNvSpPr>
-            <a:spLocks noGrp="1"/>
-          </p:cNvSpPr>
-          <p:nvPr>
-            <p:ph type="body" sz="half" idx="2"/>
-          </p:nvPr>
-        </p:nvSpPr>
-        <p:spPr>
-          <a:xfrm>
-            <a:off x="839788" y="2057400"/>
-            <a:ext cx="3932237" cy="3811588"/>
-          </a:xfrm>
-        </p:spPr>
-        <p:txBody>
-          <a:bodyPr/>
-          <a:lstStyle>
-            <a:lvl1pPr marL="0" indent="0">
+            <a:lvl1pPr marL="0" indent="0" algn="r">
               <a:buNone/>
-              <a:defRPr sz="1600"/>
+              <a:defRPr sz="1100">
+                <a:solidFill>
+                  <a:schemeClr val="bg1"/>
+                </a:solidFill>
+              </a:defRPr>
             </a:lvl1pPr>
             <a:lvl2pPr marL="457200" indent="0">
               <a:buNone/>
-              <a:defRPr sz="1400"/>
+              <a:defRPr sz="1100"/>
             </a:lvl2pPr>
             <a:lvl3pPr marL="914400" indent="0">
               <a:buNone/>
-              <a:defRPr sz="1200"/>
+              <a:defRPr sz="1000"/>
             </a:lvl3pPr>
             <a:lvl4pPr marL="1371600" indent="0">
               <a:buNone/>
-              <a:defRPr sz="1000"/>
+              <a:defRPr sz="900"/>
             </a:lvl4pPr>
             <a:lvl5pPr marL="1828800" indent="0">
               <a:buNone/>
-              <a:defRPr sz="1000"/>
+              <a:defRPr sz="900"/>
             </a:lvl5pPr>
             <a:lvl6pPr marL="2286000" indent="0">
               <a:buNone/>
-              <a:defRPr sz="1000"/>
+              <a:defRPr sz="900"/>
             </a:lvl6pPr>
             <a:lvl7pPr marL="2743200" indent="0">
               <a:buNone/>
-              <a:defRPr sz="1000"/>
+              <a:defRPr sz="900"/>
             </a:lvl7pPr>
             <a:lvl8pPr marL="3200400" indent="0">
               <a:buNone/>
-              <a:defRPr sz="1000"/>
+              <a:defRPr sz="900"/>
             </a:lvl8pPr>
             <a:lvl9pPr marL="3657600" indent="0">
               <a:buNone/>
-              <a:defRPr sz="1000"/>
+              <a:defRPr sz="900"/>
             </a:lvl9pPr>
           </a:lstStyle>
           <a:p>
@@ -2375,13 +2750,7 @@
       </p:sp>
       <p:sp>
         <p:nvSpPr>
-          <p:cNvPr id="5" name="Segnaposto data 4">
-            <a:extLst>
-              <a:ext uri="{FF2B5EF4-FFF2-40B4-BE49-F238E27FC236}">
-                <a16:creationId xmlns:a16="http://schemas.microsoft.com/office/drawing/2014/main" id="{46C5469F-A461-44E3-35D5-B7D93DD40CE8}"/>
-              </a:ext>
-            </a:extLst>
-          </p:cNvPr>
+          <p:cNvPr id="5" name="Date Placeholder 4"/>
           <p:cNvSpPr>
             <a:spLocks noGrp="1"/>
           </p:cNvSpPr>
@@ -2392,11 +2761,22 @@
         <p:spPr/>
         <p:txBody>
           <a:bodyPr/>
-          <a:lstStyle/>
+          <a:lstStyle>
+            <a:lvl1pPr>
+              <a:defRPr>
+                <a:solidFill>
+                  <a:schemeClr val="accent1">
+                    <a:lumMod val="75000"/>
+                    <a:lumOff val="25000"/>
+                  </a:schemeClr>
+                </a:solidFill>
+              </a:defRPr>
+            </a:lvl1pPr>
+          </a:lstStyle>
           <a:p>
             <a:fld id="{F259A98E-7D3E-4BAE-A284-2CE0D83E33BF}" type="datetimeFigureOut">
               <a:rPr lang="it-IT" smtClean="0"/>
-              <a:t>02/11/2023</a:t>
+              <a:t>09/12/2023</a:t>
             </a:fld>
             <a:endParaRPr lang="it-IT"/>
           </a:p>
@@ -2404,13 +2784,7 @@
       </p:sp>
       <p:sp>
         <p:nvSpPr>
-          <p:cNvPr id="6" name="Segnaposto piè di pagina 5">
-            <a:extLst>
-              <a:ext uri="{FF2B5EF4-FFF2-40B4-BE49-F238E27FC236}">
-                <a16:creationId xmlns:a16="http://schemas.microsoft.com/office/drawing/2014/main" id="{E65E8112-78AD-A04E-25B4-EE791748DB31}"/>
-              </a:ext>
-            </a:extLst>
-          </p:cNvPr>
+          <p:cNvPr id="6" name="Footer Placeholder 5"/>
           <p:cNvSpPr>
             <a:spLocks noGrp="1"/>
           </p:cNvSpPr>
@@ -2421,7 +2795,18 @@
         <p:spPr/>
         <p:txBody>
           <a:bodyPr/>
-          <a:lstStyle/>
+          <a:lstStyle>
+            <a:lvl1pPr>
+              <a:defRPr>
+                <a:solidFill>
+                  <a:schemeClr val="accent1">
+                    <a:lumMod val="75000"/>
+                    <a:lumOff val="25000"/>
+                  </a:schemeClr>
+                </a:solidFill>
+              </a:defRPr>
+            </a:lvl1pPr>
+          </a:lstStyle>
           <a:p>
             <a:endParaRPr lang="it-IT"/>
           </a:p>
@@ -2429,13 +2814,7 @@
       </p:sp>
       <p:sp>
         <p:nvSpPr>
-          <p:cNvPr id="7" name="Segnaposto numero diapositiva 6">
-            <a:extLst>
-              <a:ext uri="{FF2B5EF4-FFF2-40B4-BE49-F238E27FC236}">
-                <a16:creationId xmlns:a16="http://schemas.microsoft.com/office/drawing/2014/main" id="{C2E6F5CD-A46C-1499-9BF7-8D06753173EC}"/>
-              </a:ext>
-            </a:extLst>
-          </p:cNvPr>
+          <p:cNvPr id="7" name="Slide Number Placeholder 6"/>
           <p:cNvSpPr>
             <a:spLocks noGrp="1"/>
           </p:cNvSpPr>
@@ -2446,7 +2825,18 @@
         <p:spPr/>
         <p:txBody>
           <a:bodyPr/>
-          <a:lstStyle/>
+          <a:lstStyle>
+            <a:lvl1pPr>
+              <a:defRPr>
+                <a:solidFill>
+                  <a:schemeClr val="accent1">
+                    <a:lumMod val="75000"/>
+                    <a:lumOff val="25000"/>
+                  </a:schemeClr>
+                </a:solidFill>
+              </a:defRPr>
+            </a:lvl1pPr>
+          </a:lstStyle>
           <a:p>
             <a:fld id="{FD8D997C-7E66-44D2-B54E-C5D091DF0A81}" type="slidenum">
               <a:rPr lang="it-IT" smtClean="0"/>
@@ -2459,7 +2849,7 @@
     </p:spTree>
     <p:extLst>
       <p:ext uri="{BB962C8B-B14F-4D97-AF65-F5344CB8AC3E}">
-        <p14:creationId xmlns:p14="http://schemas.microsoft.com/office/powerpoint/2010/main" val="1984484521"/>
+        <p14:creationId xmlns:p14="http://schemas.microsoft.com/office/powerpoint/2010/main" val="2350339118"/>
       </p:ext>
     </p:extLst>
   </p:cSld>
@@ -2488,13 +2878,7 @@
       </p:grpSpPr>
       <p:sp>
         <p:nvSpPr>
-          <p:cNvPr id="2" name="Titolo 1">
-            <a:extLst>
-              <a:ext uri="{FF2B5EF4-FFF2-40B4-BE49-F238E27FC236}">
-                <a16:creationId xmlns:a16="http://schemas.microsoft.com/office/drawing/2014/main" id="{57B61C0A-B417-8B6D-59E3-0E9EFA82E0B6}"/>
-              </a:ext>
-            </a:extLst>
-          </p:cNvPr>
+          <p:cNvPr id="2" name="Title 1"/>
           <p:cNvSpPr>
             <a:spLocks noGrp="1"/>
           </p:cNvSpPr>
@@ -2504,15 +2888,21 @@
         </p:nvSpPr>
         <p:spPr>
           <a:xfrm>
-            <a:off x="839788" y="457200"/>
-            <a:ext cx="3932237" cy="1600200"/>
+            <a:off x="581193" y="4693389"/>
+            <a:ext cx="11029616" cy="566738"/>
           </a:xfrm>
         </p:spPr>
         <p:txBody>
-          <a:bodyPr anchor="b"/>
+          <a:bodyPr anchor="b">
+            <a:normAutofit/>
+          </a:bodyPr>
           <a:lstStyle>
-            <a:lvl1pPr>
-              <a:defRPr sz="3200"/>
+            <a:lvl1pPr algn="l">
+              <a:defRPr sz="2400" b="0">
+                <a:solidFill>
+                  <a:schemeClr val="accent1"/>
+                </a:solidFill>
+              </a:defRPr>
             </a:lvl1pPr>
           </a:lstStyle>
           <a:p>
@@ -2520,20 +2910,15 @@
               <a:rPr lang="it-IT"/>
               <a:t>Fare clic per modificare lo stile del titolo dello schema</a:t>
             </a:r>
-          </a:p>
-        </p:txBody>
-      </p:sp>
-      <p:sp>
-        <p:nvSpPr>
-          <p:cNvPr id="3" name="Segnaposto immagine 2">
-            <a:extLst>
-              <a:ext uri="{FF2B5EF4-FFF2-40B4-BE49-F238E27FC236}">
-                <a16:creationId xmlns:a16="http://schemas.microsoft.com/office/drawing/2014/main" id="{2672DB44-04ED-A522-B6EE-2915D1422C8F}"/>
-              </a:ext>
-            </a:extLst>
-          </p:cNvPr>
-          <p:cNvSpPr>
-            <a:spLocks noGrp="1"/>
+            <a:endParaRPr lang="en-US" dirty="0"/>
+          </a:p>
+        </p:txBody>
+      </p:sp>
+      <p:sp>
+        <p:nvSpPr>
+          <p:cNvPr id="3" name="Picture Placeholder 2"/>
+          <p:cNvSpPr>
+            <a:spLocks noGrp="1" noChangeAspect="1"/>
           </p:cNvSpPr>
           <p:nvPr>
             <p:ph type="pic" idx="1"/>
@@ -2541,118 +2926,120 @@
         </p:nvSpPr>
         <p:spPr>
           <a:xfrm>
-            <a:off x="5183188" y="987425"/>
-            <a:ext cx="6172200" cy="4873625"/>
+            <a:off x="447817" y="599725"/>
+            <a:ext cx="11290859" cy="3557252"/>
           </a:xfrm>
         </p:spPr>
         <p:txBody>
-          <a:bodyPr/>
+          <a:bodyPr anchor="t">
+            <a:normAutofit/>
+          </a:bodyPr>
           <a:lstStyle>
-            <a:lvl1pPr marL="0" indent="0">
-              <a:buNone/>
-              <a:defRPr sz="3200"/>
-            </a:lvl1pPr>
-            <a:lvl2pPr marL="457200" indent="0">
-              <a:buNone/>
-              <a:defRPr sz="2800"/>
-            </a:lvl2pPr>
-            <a:lvl3pPr marL="914400" indent="0">
-              <a:buNone/>
-              <a:defRPr sz="2400"/>
-            </a:lvl3pPr>
-            <a:lvl4pPr marL="1371600" indent="0">
-              <a:buNone/>
-              <a:defRPr sz="2000"/>
-            </a:lvl4pPr>
-            <a:lvl5pPr marL="1828800" indent="0">
-              <a:buNone/>
-              <a:defRPr sz="2000"/>
-            </a:lvl5pPr>
-            <a:lvl6pPr marL="2286000" indent="0">
-              <a:buNone/>
-              <a:defRPr sz="2000"/>
-            </a:lvl6pPr>
-            <a:lvl7pPr marL="2743200" indent="0">
-              <a:buNone/>
-              <a:defRPr sz="2000"/>
-            </a:lvl7pPr>
-            <a:lvl8pPr marL="3200400" indent="0">
-              <a:buNone/>
-              <a:defRPr sz="2000"/>
-            </a:lvl8pPr>
-            <a:lvl9pPr marL="3657600" indent="0">
-              <a:buNone/>
-              <a:defRPr sz="2000"/>
-            </a:lvl9pPr>
-          </a:lstStyle>
-          <a:p>
-            <a:endParaRPr lang="it-IT"/>
-          </a:p>
-        </p:txBody>
-      </p:sp>
-      <p:sp>
-        <p:nvSpPr>
-          <p:cNvPr id="4" name="Segnaposto testo 3">
-            <a:extLst>
-              <a:ext uri="{FF2B5EF4-FFF2-40B4-BE49-F238E27FC236}">
-                <a16:creationId xmlns:a16="http://schemas.microsoft.com/office/drawing/2014/main" id="{FF89E8B1-FF88-7604-EA85-927349915E8A}"/>
-              </a:ext>
-            </a:extLst>
-          </p:cNvPr>
-          <p:cNvSpPr>
-            <a:spLocks noGrp="1"/>
-          </p:cNvSpPr>
-          <p:nvPr>
-            <p:ph type="body" sz="half" idx="2"/>
-          </p:nvPr>
-        </p:nvSpPr>
-        <p:spPr>
-          <a:xfrm>
-            <a:off x="839788" y="2057400"/>
-            <a:ext cx="3932237" cy="3811588"/>
-          </a:xfrm>
-        </p:spPr>
-        <p:txBody>
-          <a:bodyPr/>
-          <a:lstStyle>
-            <a:lvl1pPr marL="0" indent="0">
+            <a:lvl1pPr marL="0" indent="0" algn="ctr">
               <a:buNone/>
               <a:defRPr sz="1600"/>
             </a:lvl1pPr>
             <a:lvl2pPr marL="457200" indent="0">
               <a:buNone/>
-              <a:defRPr sz="1400"/>
+              <a:defRPr sz="1600"/>
             </a:lvl2pPr>
             <a:lvl3pPr marL="914400" indent="0">
               <a:buNone/>
-              <a:defRPr sz="1200"/>
+              <a:defRPr sz="1600"/>
             </a:lvl3pPr>
             <a:lvl4pPr marL="1371600" indent="0">
               <a:buNone/>
-              <a:defRPr sz="1000"/>
+              <a:defRPr sz="1600"/>
             </a:lvl4pPr>
             <a:lvl5pPr marL="1828800" indent="0">
               <a:buNone/>
-              <a:defRPr sz="1000"/>
+              <a:defRPr sz="1600"/>
             </a:lvl5pPr>
             <a:lvl6pPr marL="2286000" indent="0">
               <a:buNone/>
-              <a:defRPr sz="1000"/>
+              <a:defRPr sz="1600"/>
             </a:lvl6pPr>
             <a:lvl7pPr marL="2743200" indent="0">
               <a:buNone/>
-              <a:defRPr sz="1000"/>
+              <a:defRPr sz="1600"/>
             </a:lvl7pPr>
             <a:lvl8pPr marL="3200400" indent="0">
               <a:buNone/>
-              <a:defRPr sz="1000"/>
+              <a:defRPr sz="1600"/>
             </a:lvl8pPr>
             <a:lvl9pPr marL="3657600" indent="0">
               <a:buNone/>
-              <a:defRPr sz="1000"/>
+              <a:defRPr sz="1600"/>
             </a:lvl9pPr>
           </a:lstStyle>
           <a:p>
+            <a:r>
+              <a:rPr lang="it-IT"/>
+              <a:t>Fare clic sull'icona per inserire un'immagine</a:t>
+            </a:r>
+            <a:endParaRPr lang="en-US" dirty="0"/>
+          </a:p>
+        </p:txBody>
+      </p:sp>
+      <p:sp>
+        <p:nvSpPr>
+          <p:cNvPr id="4" name="Text Placeholder 3"/>
+          <p:cNvSpPr>
+            <a:spLocks noGrp="1"/>
+          </p:cNvSpPr>
+          <p:nvPr>
+            <p:ph type="body" sz="half" idx="2"/>
+          </p:nvPr>
+        </p:nvSpPr>
+        <p:spPr>
+          <a:xfrm>
+            <a:off x="581192" y="5260127"/>
+            <a:ext cx="11029617" cy="598671"/>
+          </a:xfrm>
+        </p:spPr>
+        <p:txBody>
+          <a:bodyPr>
+            <a:normAutofit/>
+          </a:bodyPr>
+          <a:lstStyle>
+            <a:lvl1pPr marL="0" indent="0">
+              <a:buNone/>
+              <a:defRPr sz="1200"/>
+            </a:lvl1pPr>
+            <a:lvl2pPr marL="457200" indent="0">
+              <a:buNone/>
+              <a:defRPr sz="1200"/>
+            </a:lvl2pPr>
+            <a:lvl3pPr marL="914400" indent="0">
+              <a:buNone/>
+              <a:defRPr sz="1000"/>
+            </a:lvl3pPr>
+            <a:lvl4pPr marL="1371600" indent="0">
+              <a:buNone/>
+              <a:defRPr sz="900"/>
+            </a:lvl4pPr>
+            <a:lvl5pPr marL="1828800" indent="0">
+              <a:buNone/>
+              <a:defRPr sz="900"/>
+            </a:lvl5pPr>
+            <a:lvl6pPr marL="2286000" indent="0">
+              <a:buNone/>
+              <a:defRPr sz="900"/>
+            </a:lvl6pPr>
+            <a:lvl7pPr marL="2743200" indent="0">
+              <a:buNone/>
+              <a:defRPr sz="900"/>
+            </a:lvl7pPr>
+            <a:lvl8pPr marL="3200400" indent="0">
+              <a:buNone/>
+              <a:defRPr sz="900"/>
+            </a:lvl8pPr>
+            <a:lvl9pPr marL="3657600" indent="0">
+              <a:buNone/>
+              <a:defRPr sz="900"/>
+            </a:lvl9pPr>
+          </a:lstStyle>
+          <a:p>
             <a:pPr lvl="0"/>
             <a:r>
               <a:rPr lang="it-IT"/>
@@ -2663,13 +3050,7 @@
       </p:sp>
       <p:sp>
         <p:nvSpPr>
-          <p:cNvPr id="5" name="Segnaposto data 4">
-            <a:extLst>
-              <a:ext uri="{FF2B5EF4-FFF2-40B4-BE49-F238E27FC236}">
-                <a16:creationId xmlns:a16="http://schemas.microsoft.com/office/drawing/2014/main" id="{5423F2D8-47F7-8C99-61AA-048A8FA14AFF}"/>
-              </a:ext>
-            </a:extLst>
-          </p:cNvPr>
+          <p:cNvPr id="5" name="Date Placeholder 4"/>
           <p:cNvSpPr>
             <a:spLocks noGrp="1"/>
           </p:cNvSpPr>
@@ -2684,7 +3065,7 @@
           <a:p>
             <a:fld id="{F259A98E-7D3E-4BAE-A284-2CE0D83E33BF}" type="datetimeFigureOut">
               <a:rPr lang="it-IT" smtClean="0"/>
-              <a:t>02/11/2023</a:t>
+              <a:t>09/12/2023</a:t>
             </a:fld>
             <a:endParaRPr lang="it-IT"/>
           </a:p>
@@ -2692,13 +3073,7 @@
       </p:sp>
       <p:sp>
         <p:nvSpPr>
-          <p:cNvPr id="6" name="Segnaposto piè di pagina 5">
-            <a:extLst>
-              <a:ext uri="{FF2B5EF4-FFF2-40B4-BE49-F238E27FC236}">
-                <a16:creationId xmlns:a16="http://schemas.microsoft.com/office/drawing/2014/main" id="{E59466BE-1C15-6D8B-649D-D82E16E42D68}"/>
-              </a:ext>
-            </a:extLst>
-          </p:cNvPr>
+          <p:cNvPr id="6" name="Footer Placeholder 5"/>
           <p:cNvSpPr>
             <a:spLocks noGrp="1"/>
           </p:cNvSpPr>
@@ -2717,13 +3092,7 @@
       </p:sp>
       <p:sp>
         <p:nvSpPr>
-          <p:cNvPr id="7" name="Segnaposto numero diapositiva 6">
-            <a:extLst>
-              <a:ext uri="{FF2B5EF4-FFF2-40B4-BE49-F238E27FC236}">
-                <a16:creationId xmlns:a16="http://schemas.microsoft.com/office/drawing/2014/main" id="{00961E86-4443-334D-F651-9D82658DBAEA}"/>
-              </a:ext>
-            </a:extLst>
-          </p:cNvPr>
+          <p:cNvPr id="7" name="Slide Number Placeholder 6"/>
           <p:cNvSpPr>
             <a:spLocks noGrp="1"/>
           </p:cNvSpPr>
@@ -2747,7 +3116,7 @@
     </p:spTree>
     <p:extLst>
       <p:ext uri="{BB962C8B-B14F-4D97-AF65-F5344CB8AC3E}">
-        <p14:creationId xmlns:p14="http://schemas.microsoft.com/office/powerpoint/2010/main" val="2283336227"/>
+        <p14:creationId xmlns:p14="http://schemas.microsoft.com/office/powerpoint/2010/main" val="3148190781"/>
       </p:ext>
     </p:extLst>
   </p:cSld>
@@ -2781,13 +3150,7 @@
       </p:grpSpPr>
       <p:sp>
         <p:nvSpPr>
-          <p:cNvPr id="2" name="Segnaposto titolo 1">
-            <a:extLst>
-              <a:ext uri="{FF2B5EF4-FFF2-40B4-BE49-F238E27FC236}">
-                <a16:creationId xmlns:a16="http://schemas.microsoft.com/office/drawing/2014/main" id="{04788C13-B450-8732-67A0-51D6ACBB2C99}"/>
-              </a:ext>
-            </a:extLst>
-          </p:cNvPr>
+          <p:cNvPr id="2" name="Title Placeholder 1"/>
           <p:cNvSpPr>
             <a:spLocks noGrp="1"/>
           </p:cNvSpPr>
@@ -2797,15 +3160,15 @@
         </p:nvSpPr>
         <p:spPr>
           <a:xfrm>
-            <a:off x="838200" y="365125"/>
-            <a:ext cx="10515600" cy="1325563"/>
+            <a:off x="581192" y="705124"/>
+            <a:ext cx="11029616" cy="1189554"/>
           </a:xfrm>
           <a:prstGeom prst="rect">
             <a:avLst/>
           </a:prstGeom>
         </p:spPr>
         <p:txBody>
-          <a:bodyPr vert="horz" lIns="91440" tIns="45720" rIns="91440" bIns="45720" rtlCol="0" anchor="ctr">
+          <a:bodyPr vert="horz" lIns="91440" tIns="45720" rIns="91440" bIns="45720" rtlCol="0" anchor="b">
             <a:normAutofit/>
           </a:bodyPr>
           <a:lstStyle/>
@@ -2814,18 +3177,13 @@
               <a:rPr lang="it-IT"/>
               <a:t>Fare clic per modificare lo stile del titolo dello schema</a:t>
             </a:r>
-          </a:p>
-        </p:txBody>
-      </p:sp>
-      <p:sp>
-        <p:nvSpPr>
-          <p:cNvPr id="3" name="Segnaposto testo 2">
-            <a:extLst>
-              <a:ext uri="{FF2B5EF4-FFF2-40B4-BE49-F238E27FC236}">
-                <a16:creationId xmlns:a16="http://schemas.microsoft.com/office/drawing/2014/main" id="{ADB9AD8D-A112-CB35-084A-DD158DD86095}"/>
-              </a:ext>
-            </a:extLst>
-          </p:cNvPr>
+            <a:endParaRPr lang="en-US" dirty="0"/>
+          </a:p>
+        </p:txBody>
+      </p:sp>
+      <p:sp>
+        <p:nvSpPr>
+          <p:cNvPr id="3" name="Text Placeholder 2"/>
           <p:cNvSpPr>
             <a:spLocks noGrp="1"/>
           </p:cNvSpPr>
@@ -2835,15 +3193,15 @@
         </p:nvSpPr>
         <p:spPr>
           <a:xfrm>
-            <a:off x="838200" y="1825625"/>
-            <a:ext cx="10515600" cy="4351338"/>
+            <a:off x="581192" y="2336003"/>
+            <a:ext cx="11029616" cy="3522794"/>
           </a:xfrm>
           <a:prstGeom prst="rect">
             <a:avLst/>
           </a:prstGeom>
         </p:spPr>
         <p:txBody>
-          <a:bodyPr vert="horz" lIns="91440" tIns="45720" rIns="91440" bIns="45720" rtlCol="0">
+          <a:bodyPr vert="horz" lIns="91440" tIns="45720" rIns="91440" bIns="45720" rtlCol="0" anchor="ctr">
             <a:normAutofit/>
           </a:bodyPr>
           <a:lstStyle/>
@@ -2881,18 +3239,13 @@
               <a:rPr lang="it-IT"/>
               <a:t>Quinto livello</a:t>
             </a:r>
-          </a:p>
-        </p:txBody>
-      </p:sp>
-      <p:sp>
-        <p:nvSpPr>
-          <p:cNvPr id="4" name="Segnaposto data 3">
-            <a:extLst>
-              <a:ext uri="{FF2B5EF4-FFF2-40B4-BE49-F238E27FC236}">
-                <a16:creationId xmlns:a16="http://schemas.microsoft.com/office/drawing/2014/main" id="{36509D51-4462-8C2B-FA6B-28C1CAFB68EA}"/>
-              </a:ext>
-            </a:extLst>
-          </p:cNvPr>
+            <a:endParaRPr lang="en-US" dirty="0"/>
+          </a:p>
+        </p:txBody>
+      </p:sp>
+      <p:sp>
+        <p:nvSpPr>
+          <p:cNvPr id="4" name="Date Placeholder 3"/>
           <p:cNvSpPr>
             <a:spLocks noGrp="1"/>
           </p:cNvSpPr>
@@ -2902,8 +3255,8 @@
         </p:nvSpPr>
         <p:spPr>
           <a:xfrm>
-            <a:off x="838200" y="6356350"/>
-            <a:ext cx="2743200" cy="365125"/>
+            <a:off x="7605951" y="5956137"/>
+            <a:ext cx="2844799" cy="365125"/>
           </a:xfrm>
           <a:prstGeom prst="rect">
             <a:avLst/>
@@ -2912,12 +3265,10 @@
         <p:txBody>
           <a:bodyPr vert="horz" lIns="91440" tIns="45720" rIns="91440" bIns="45720" rtlCol="0" anchor="ctr"/>
           <a:lstStyle>
-            <a:lvl1pPr algn="l">
-              <a:defRPr sz="1200">
+            <a:lvl1pPr algn="r">
+              <a:defRPr sz="900">
                 <a:solidFill>
-                  <a:schemeClr val="tx1">
-                    <a:tint val="82000"/>
-                  </a:schemeClr>
+                  <a:schemeClr val="accent2"/>
                 </a:solidFill>
               </a:defRPr>
             </a:lvl1pPr>
@@ -2925,7 +3276,7 @@
           <a:p>
             <a:fld id="{F259A98E-7D3E-4BAE-A284-2CE0D83E33BF}" type="datetimeFigureOut">
               <a:rPr lang="it-IT" smtClean="0"/>
-              <a:t>02/11/2023</a:t>
+              <a:t>09/12/2023</a:t>
             </a:fld>
             <a:endParaRPr lang="it-IT"/>
           </a:p>
@@ -2933,13 +3284,7 @@
       </p:sp>
       <p:sp>
         <p:nvSpPr>
-          <p:cNvPr id="5" name="Segnaposto piè di pagina 4">
-            <a:extLst>
-              <a:ext uri="{FF2B5EF4-FFF2-40B4-BE49-F238E27FC236}">
-                <a16:creationId xmlns:a16="http://schemas.microsoft.com/office/drawing/2014/main" id="{76508862-526B-7604-9200-F5259530EE32}"/>
-              </a:ext>
-            </a:extLst>
-          </p:cNvPr>
+          <p:cNvPr id="5" name="Footer Placeholder 4"/>
           <p:cNvSpPr>
             <a:spLocks noGrp="1"/>
           </p:cNvSpPr>
@@ -2949,8 +3294,8 @@
         </p:nvSpPr>
         <p:spPr>
           <a:xfrm>
-            <a:off x="4038600" y="6356350"/>
-            <a:ext cx="4114800" cy="365125"/>
+            <a:off x="581192" y="5951811"/>
+            <a:ext cx="6917210" cy="365125"/>
           </a:xfrm>
           <a:prstGeom prst="rect">
             <a:avLst/>
@@ -2959,12 +3304,10 @@
         <p:txBody>
           <a:bodyPr vert="horz" lIns="91440" tIns="45720" rIns="91440" bIns="45720" rtlCol="0" anchor="ctr"/>
           <a:lstStyle>
-            <a:lvl1pPr algn="ctr">
-              <a:defRPr sz="1200">
+            <a:lvl1pPr algn="l">
+              <a:defRPr sz="900" cap="all">
                 <a:solidFill>
-                  <a:schemeClr val="tx1">
-                    <a:tint val="82000"/>
-                  </a:schemeClr>
+                  <a:schemeClr val="accent2"/>
                 </a:solidFill>
               </a:defRPr>
             </a:lvl1pPr>
@@ -2976,13 +3319,7 @@
       </p:sp>
       <p:sp>
         <p:nvSpPr>
-          <p:cNvPr id="6" name="Segnaposto numero diapositiva 5">
-            <a:extLst>
-              <a:ext uri="{FF2B5EF4-FFF2-40B4-BE49-F238E27FC236}">
-                <a16:creationId xmlns:a16="http://schemas.microsoft.com/office/drawing/2014/main" id="{6E1D711C-ECDB-289A-4C61-E4CCCE2F970C}"/>
-              </a:ext>
-            </a:extLst>
-          </p:cNvPr>
+          <p:cNvPr id="6" name="Slide Number Placeholder 5"/>
           <p:cNvSpPr>
             <a:spLocks noGrp="1"/>
           </p:cNvSpPr>
@@ -2992,8 +3329,8 @@
         </p:nvSpPr>
         <p:spPr>
           <a:xfrm>
-            <a:off x="8610600" y="6356350"/>
-            <a:ext cx="2743200" cy="365125"/>
+            <a:off x="10558300" y="5956137"/>
+            <a:ext cx="1052510" cy="365125"/>
           </a:xfrm>
           <a:prstGeom prst="rect">
             <a:avLst/>
@@ -3003,11 +3340,9 @@
           <a:bodyPr vert="horz" lIns="91440" tIns="45720" rIns="91440" bIns="45720" rtlCol="0" anchor="ctr"/>
           <a:lstStyle>
             <a:lvl1pPr algn="r">
-              <a:defRPr sz="1200">
+              <a:defRPr sz="900">
                 <a:solidFill>
-                  <a:schemeClr val="tx1">
-                    <a:tint val="82000"/>
-                  </a:schemeClr>
+                  <a:schemeClr val="accent2"/>
                 </a:solidFill>
               </a:defRPr>
             </a:lvl1pPr>
@@ -3021,58 +3356,417 @@
           </a:p>
         </p:txBody>
       </p:sp>
+      <p:sp>
+        <p:nvSpPr>
+          <p:cNvPr id="9" name="Rectangle 8"/>
+          <p:cNvSpPr/>
+          <p:nvPr/>
+        </p:nvSpPr>
+        <p:spPr>
+          <a:xfrm>
+            <a:off x="446534" y="457200"/>
+            <a:ext cx="3703320" cy="94997"/>
+          </a:xfrm>
+          <a:prstGeom prst="rect">
+            <a:avLst/>
+          </a:prstGeom>
+          <a:solidFill>
+            <a:schemeClr val="accent1"/>
+          </a:solidFill>
+          <a:ln>
+            <a:noFill/>
+          </a:ln>
+          <a:effectLst/>
+        </p:spPr>
+        <p:style>
+          <a:lnRef idx="1">
+            <a:schemeClr val="accent1"/>
+          </a:lnRef>
+          <a:fillRef idx="3">
+            <a:schemeClr val="accent1"/>
+          </a:fillRef>
+          <a:effectRef idx="2">
+            <a:schemeClr val="accent1"/>
+          </a:effectRef>
+          <a:fontRef idx="minor">
+            <a:schemeClr val="lt1"/>
+          </a:fontRef>
+        </p:style>
+      </p:sp>
+      <p:sp>
+        <p:nvSpPr>
+          <p:cNvPr id="10" name="Rectangle 9"/>
+          <p:cNvSpPr/>
+          <p:nvPr/>
+        </p:nvSpPr>
+        <p:spPr>
+          <a:xfrm>
+            <a:off x="8042147" y="453643"/>
+            <a:ext cx="3703320" cy="98554"/>
+          </a:xfrm>
+          <a:prstGeom prst="rect">
+            <a:avLst/>
+          </a:prstGeom>
+          <a:solidFill>
+            <a:schemeClr val="accent4"/>
+          </a:solidFill>
+          <a:ln>
+            <a:noFill/>
+          </a:ln>
+          <a:effectLst/>
+        </p:spPr>
+        <p:style>
+          <a:lnRef idx="1">
+            <a:schemeClr val="accent1"/>
+          </a:lnRef>
+          <a:fillRef idx="3">
+            <a:schemeClr val="accent1"/>
+          </a:fillRef>
+          <a:effectRef idx="2">
+            <a:schemeClr val="accent1"/>
+          </a:effectRef>
+          <a:fontRef idx="minor">
+            <a:schemeClr val="lt1"/>
+          </a:fontRef>
+        </p:style>
+      </p:sp>
+      <p:sp>
+        <p:nvSpPr>
+          <p:cNvPr id="11" name="Rectangle 10"/>
+          <p:cNvSpPr/>
+          <p:nvPr/>
+        </p:nvSpPr>
+        <p:spPr>
+          <a:xfrm>
+            <a:off x="4241830" y="457200"/>
+            <a:ext cx="3703320" cy="91440"/>
+          </a:xfrm>
+          <a:prstGeom prst="rect">
+            <a:avLst/>
+          </a:prstGeom>
+          <a:solidFill>
+            <a:schemeClr val="accent2"/>
+          </a:solidFill>
+          <a:ln>
+            <a:noFill/>
+          </a:ln>
+          <a:effectLst/>
+        </p:spPr>
+        <p:style>
+          <a:lnRef idx="1">
+            <a:schemeClr val="accent1"/>
+          </a:lnRef>
+          <a:fillRef idx="3">
+            <a:schemeClr val="accent1"/>
+          </a:fillRef>
+          <a:effectRef idx="2">
+            <a:schemeClr val="accent1"/>
+          </a:effectRef>
+          <a:fontRef idx="minor">
+            <a:schemeClr val="lt1"/>
+          </a:fontRef>
+        </p:style>
+      </p:sp>
     </p:spTree>
     <p:extLst>
       <p:ext uri="{BB962C8B-B14F-4D97-AF65-F5344CB8AC3E}">
-        <p14:creationId xmlns:p14="http://schemas.microsoft.com/office/powerpoint/2010/main" val="1524621032"/>
+        <p14:creationId xmlns:p14="http://schemas.microsoft.com/office/powerpoint/2010/main" val="1227715547"/>
       </p:ext>
     </p:extLst>
   </p:cSld>
   <p:clrMap bg1="lt1" tx1="dk1" bg2="lt2" tx2="dk2" accent1="accent1" accent2="accent2" accent3="accent3" accent4="accent4" accent5="accent5" accent6="accent6" hlink="hlink" folHlink="folHlink"/>
   <p:sldLayoutIdLst>
-    <p:sldLayoutId id="2147483649" r:id="rId1"/>
-    <p:sldLayoutId id="2147483650" r:id="rId2"/>
-    <p:sldLayoutId id="2147483651" r:id="rId3"/>
-    <p:sldLayoutId id="2147483652" r:id="rId4"/>
-    <p:sldLayoutId id="2147483653" r:id="rId5"/>
-    <p:sldLayoutId id="2147483654" r:id="rId6"/>
-    <p:sldLayoutId id="2147483655" r:id="rId7"/>
-    <p:sldLayoutId id="2147483656" r:id="rId8"/>
-    <p:sldLayoutId id="2147483657" r:id="rId9"/>
-    <p:sldLayoutId id="2147483658" r:id="rId10"/>
-    <p:sldLayoutId id="2147483659" r:id="rId11"/>
+    <p:sldLayoutId id="2147483685" r:id="rId1"/>
+    <p:sldLayoutId id="2147483686" r:id="rId2"/>
+    <p:sldLayoutId id="2147483687" r:id="rId3"/>
+    <p:sldLayoutId id="2147483688" r:id="rId4"/>
+    <p:sldLayoutId id="2147483689" r:id="rId5"/>
+    <p:sldLayoutId id="2147483690" r:id="rId6"/>
+    <p:sldLayoutId id="2147483691" r:id="rId7"/>
+    <p:sldLayoutId id="2147483692" r:id="rId8"/>
+    <p:sldLayoutId id="2147483693" r:id="rId9"/>
+    <p:sldLayoutId id="2147483694" r:id="rId10"/>
+    <p:sldLayoutId id="2147483695" r:id="rId11"/>
   </p:sldLayoutIdLst>
   <p:txStyles>
     <p:titleStyle>
-      <a:lvl1pPr algn="l" defTabSz="914400" rtl="0" eaLnBrk="1" latinLnBrk="0" hangingPunct="1">
-        <a:lnSpc>
-          <a:spcPct val="90000"/>
-        </a:lnSpc>
+      <a:lvl1pPr algn="l" defTabSz="457200" rtl="0" eaLnBrk="1" latinLnBrk="0" hangingPunct="1">
         <a:spcBef>
           <a:spcPct val="0"/>
         </a:spcBef>
         <a:buNone/>
-        <a:defRPr sz="4400" kern="1200">
+        <a:defRPr sz="2800" b="0" kern="1200" cap="all">
           <a:solidFill>
-            <a:schemeClr val="tx1"/>
+            <a:schemeClr val="bg1"/>
           </a:solidFill>
           <a:latin typeface="+mj-lt"/>
           <a:ea typeface="+mj-ea"/>
           <a:cs typeface="+mj-cs"/>
         </a:defRPr>
       </a:lvl1pPr>
+      <a:lvl2pPr eaLnBrk="1" hangingPunct="1">
+        <a:defRPr>
+          <a:solidFill>
+            <a:schemeClr val="tx2"/>
+          </a:solidFill>
+        </a:defRPr>
+      </a:lvl2pPr>
+      <a:lvl3pPr eaLnBrk="1" hangingPunct="1">
+        <a:defRPr>
+          <a:solidFill>
+            <a:schemeClr val="tx2"/>
+          </a:solidFill>
+        </a:defRPr>
+      </a:lvl3pPr>
+      <a:lvl4pPr eaLnBrk="1" hangingPunct="1">
+        <a:defRPr>
+          <a:solidFill>
+            <a:schemeClr val="tx2"/>
+          </a:solidFill>
+        </a:defRPr>
+      </a:lvl4pPr>
+      <a:lvl5pPr eaLnBrk="1" hangingPunct="1">
+        <a:defRPr>
+          <a:solidFill>
+            <a:schemeClr val="tx2"/>
+          </a:solidFill>
+        </a:defRPr>
+      </a:lvl5pPr>
+      <a:lvl6pPr eaLnBrk="1" hangingPunct="1">
+        <a:defRPr>
+          <a:solidFill>
+            <a:schemeClr val="tx2"/>
+          </a:solidFill>
+        </a:defRPr>
+      </a:lvl6pPr>
+      <a:lvl7pPr eaLnBrk="1" hangingPunct="1">
+        <a:defRPr>
+          <a:solidFill>
+            <a:schemeClr val="tx2"/>
+          </a:solidFill>
+        </a:defRPr>
+      </a:lvl7pPr>
+      <a:lvl8pPr eaLnBrk="1" hangingPunct="1">
+        <a:defRPr>
+          <a:solidFill>
+            <a:schemeClr val="tx2"/>
+          </a:solidFill>
+        </a:defRPr>
+      </a:lvl8pPr>
+      <a:lvl9pPr eaLnBrk="1" hangingPunct="1">
+        <a:defRPr>
+          <a:solidFill>
+            <a:schemeClr val="tx2"/>
+          </a:solidFill>
+        </a:defRPr>
+      </a:lvl9pPr>
     </p:titleStyle>
     <p:bodyStyle>
-      <a:lvl1pPr marL="228600" indent="-228600" algn="l" defTabSz="914400" rtl="0" eaLnBrk="1" latinLnBrk="0" hangingPunct="1">
-        <a:lnSpc>
-          <a:spcPct val="90000"/>
-        </a:lnSpc>
+      <a:lvl1pPr marL="306000" indent="-306000" algn="l" defTabSz="457200" rtl="0" eaLnBrk="1" latinLnBrk="0" hangingPunct="1">
         <a:spcBef>
-          <a:spcPts val="1000"/>
+          <a:spcPct val="20000"/>
         </a:spcBef>
-        <a:buFont typeface="Arial" panose="020B0604020202020204" pitchFamily="34" charset="0"/>
-        <a:buChar char="•"/>
-        <a:defRPr sz="2800" kern="1200">
+        <a:spcAft>
+          <a:spcPts val="600"/>
+        </a:spcAft>
+        <a:buClr>
+          <a:schemeClr val="accent2"/>
+        </a:buClr>
+        <a:buSzPct val="92000"/>
+        <a:buFont typeface="Wingdings 2" panose="05020102010507070707" pitchFamily="18" charset="2"/>
+        <a:buChar char=""/>
+        <a:defRPr sz="1800" kern="1200">
+          <a:solidFill>
+            <a:schemeClr val="tx2"/>
+          </a:solidFill>
+          <a:latin typeface="+mn-lt"/>
+          <a:ea typeface="+mn-ea"/>
+          <a:cs typeface="+mn-cs"/>
+        </a:defRPr>
+      </a:lvl1pPr>
+      <a:lvl2pPr marL="630000" indent="-306000" algn="l" defTabSz="457200" rtl="0" eaLnBrk="1" latinLnBrk="0" hangingPunct="1">
+        <a:spcBef>
+          <a:spcPct val="20000"/>
+        </a:spcBef>
+        <a:spcAft>
+          <a:spcPts val="600"/>
+        </a:spcAft>
+        <a:buClr>
+          <a:schemeClr val="accent2"/>
+        </a:buClr>
+        <a:buSzPct val="92000"/>
+        <a:buFont typeface="Wingdings 2" panose="05020102010507070707" pitchFamily="18" charset="2"/>
+        <a:buChar char=""/>
+        <a:defRPr sz="1600" kern="1200">
+          <a:solidFill>
+            <a:schemeClr val="tx2"/>
+          </a:solidFill>
+          <a:latin typeface="+mn-lt"/>
+          <a:ea typeface="+mn-ea"/>
+          <a:cs typeface="+mn-cs"/>
+        </a:defRPr>
+      </a:lvl2pPr>
+      <a:lvl3pPr marL="900000" indent="-270000" algn="l" defTabSz="457200" rtl="0" eaLnBrk="1" latinLnBrk="0" hangingPunct="1">
+        <a:spcBef>
+          <a:spcPct val="20000"/>
+        </a:spcBef>
+        <a:spcAft>
+          <a:spcPts val="600"/>
+        </a:spcAft>
+        <a:buClr>
+          <a:schemeClr val="accent2"/>
+        </a:buClr>
+        <a:buSzPct val="92000"/>
+        <a:buFont typeface="Wingdings 2" panose="05020102010507070707" pitchFamily="18" charset="2"/>
+        <a:buChar char=""/>
+        <a:defRPr sz="1400" kern="1200">
+          <a:solidFill>
+            <a:schemeClr val="tx2"/>
+          </a:solidFill>
+          <a:latin typeface="+mn-lt"/>
+          <a:ea typeface="+mn-ea"/>
+          <a:cs typeface="+mn-cs"/>
+        </a:defRPr>
+      </a:lvl3pPr>
+      <a:lvl4pPr marL="1242000" indent="-234000" algn="l" defTabSz="457200" rtl="0" eaLnBrk="1" latinLnBrk="0" hangingPunct="1">
+        <a:spcBef>
+          <a:spcPct val="20000"/>
+        </a:spcBef>
+        <a:spcAft>
+          <a:spcPts val="600"/>
+        </a:spcAft>
+        <a:buClr>
+          <a:schemeClr val="accent2"/>
+        </a:buClr>
+        <a:buSzPct val="92000"/>
+        <a:buFont typeface="Wingdings 2" panose="05020102010507070707" pitchFamily="18" charset="2"/>
+        <a:buChar char=""/>
+        <a:defRPr sz="1200" kern="1200">
+          <a:solidFill>
+            <a:schemeClr val="tx2"/>
+          </a:solidFill>
+          <a:latin typeface="+mn-lt"/>
+          <a:ea typeface="+mn-ea"/>
+          <a:cs typeface="+mn-cs"/>
+        </a:defRPr>
+      </a:lvl4pPr>
+      <a:lvl5pPr marL="1602000" indent="-234000" algn="l" defTabSz="457200" rtl="0" eaLnBrk="1" latinLnBrk="0" hangingPunct="1">
+        <a:spcBef>
+          <a:spcPct val="20000"/>
+        </a:spcBef>
+        <a:spcAft>
+          <a:spcPts val="600"/>
+        </a:spcAft>
+        <a:buClr>
+          <a:schemeClr val="accent2"/>
+        </a:buClr>
+        <a:buSzPct val="92000"/>
+        <a:buFont typeface="Wingdings 2" panose="05020102010507070707" pitchFamily="18" charset="2"/>
+        <a:buChar char=""/>
+        <a:defRPr sz="1200" kern="1200">
+          <a:solidFill>
+            <a:schemeClr val="tx2"/>
+          </a:solidFill>
+          <a:latin typeface="+mn-lt"/>
+          <a:ea typeface="+mn-ea"/>
+          <a:cs typeface="+mn-cs"/>
+        </a:defRPr>
+      </a:lvl5pPr>
+      <a:lvl6pPr marL="1900000" indent="-228600" algn="l" defTabSz="457200" rtl="0" eaLnBrk="1" latinLnBrk="0" hangingPunct="1">
+        <a:spcBef>
+          <a:spcPct val="20000"/>
+        </a:spcBef>
+        <a:spcAft>
+          <a:spcPts val="600"/>
+        </a:spcAft>
+        <a:buClr>
+          <a:schemeClr val="accent2"/>
+        </a:buClr>
+        <a:buSzPct val="92000"/>
+        <a:buFont typeface="Wingdings 2" panose="05020102010507070707" pitchFamily="18" charset="2"/>
+        <a:buChar char=""/>
+        <a:defRPr sz="1200" kern="1200">
+          <a:solidFill>
+            <a:schemeClr val="tx2"/>
+          </a:solidFill>
+          <a:latin typeface="+mn-lt"/>
+          <a:ea typeface="+mn-ea"/>
+          <a:cs typeface="+mn-cs"/>
+        </a:defRPr>
+      </a:lvl6pPr>
+      <a:lvl7pPr marL="2200000" indent="-228600" algn="l" defTabSz="457200" rtl="0" eaLnBrk="1" latinLnBrk="0" hangingPunct="1">
+        <a:spcBef>
+          <a:spcPct val="20000"/>
+        </a:spcBef>
+        <a:spcAft>
+          <a:spcPts val="600"/>
+        </a:spcAft>
+        <a:buClr>
+          <a:schemeClr val="accent2"/>
+        </a:buClr>
+        <a:buSzPct val="92000"/>
+        <a:buFont typeface="Wingdings 2" panose="05020102010507070707" pitchFamily="18" charset="2"/>
+        <a:buChar char=""/>
+        <a:defRPr sz="1200" kern="1200">
+          <a:solidFill>
+            <a:schemeClr val="tx2"/>
+          </a:solidFill>
+          <a:latin typeface="+mn-lt"/>
+          <a:ea typeface="+mn-ea"/>
+          <a:cs typeface="+mn-cs"/>
+        </a:defRPr>
+      </a:lvl7pPr>
+      <a:lvl8pPr marL="2500000" indent="-228600" algn="l" defTabSz="457200" rtl="0" eaLnBrk="1" latinLnBrk="0" hangingPunct="1">
+        <a:spcBef>
+          <a:spcPct val="20000"/>
+        </a:spcBef>
+        <a:spcAft>
+          <a:spcPts val="600"/>
+        </a:spcAft>
+        <a:buClr>
+          <a:schemeClr val="accent2"/>
+        </a:buClr>
+        <a:buSzPct val="92000"/>
+        <a:buFont typeface="Wingdings 2" panose="05020102010507070707" pitchFamily="18" charset="2"/>
+        <a:buChar char=""/>
+        <a:defRPr sz="1200" kern="1200">
+          <a:solidFill>
+            <a:schemeClr val="tx2"/>
+          </a:solidFill>
+          <a:latin typeface="+mn-lt"/>
+          <a:ea typeface="+mn-ea"/>
+          <a:cs typeface="+mn-cs"/>
+        </a:defRPr>
+      </a:lvl8pPr>
+      <a:lvl9pPr marL="2800000" indent="-228600" algn="l" defTabSz="457200" rtl="0" eaLnBrk="1" latinLnBrk="0" hangingPunct="1">
+        <a:spcBef>
+          <a:spcPct val="20000"/>
+        </a:spcBef>
+        <a:spcAft>
+          <a:spcPts val="600"/>
+        </a:spcAft>
+        <a:buClr>
+          <a:schemeClr val="accent2"/>
+        </a:buClr>
+        <a:buSzPct val="92000"/>
+        <a:buFont typeface="Wingdings 2" panose="05020102010507070707" pitchFamily="18" charset="2"/>
+        <a:buChar char=""/>
+        <a:defRPr sz="1200" kern="1200">
+          <a:solidFill>
+            <a:schemeClr val="tx2"/>
+          </a:solidFill>
+          <a:latin typeface="+mn-lt"/>
+          <a:ea typeface="+mn-ea"/>
+          <a:cs typeface="+mn-cs"/>
+        </a:defRPr>
+      </a:lvl9pPr>
+    </p:bodyStyle>
+    <p:otherStyle>
+      <a:defPPr>
+        <a:defRPr lang="en-US"/>
+      </a:defPPr>
+      <a:lvl1pPr marL="0" algn="l" defTabSz="457200" rtl="0" eaLnBrk="1" latinLnBrk="0" hangingPunct="1">
+        <a:defRPr sz="1800" kern="1200">
           <a:solidFill>
             <a:schemeClr val="tx1"/>
           </a:solidFill>
@@ -3081,16 +3775,8 @@
           <a:cs typeface="+mn-cs"/>
         </a:defRPr>
       </a:lvl1pPr>
-      <a:lvl2pPr marL="685800" indent="-228600" algn="l" defTabSz="914400" rtl="0" eaLnBrk="1" latinLnBrk="0" hangingPunct="1">
-        <a:lnSpc>
-          <a:spcPct val="90000"/>
-        </a:lnSpc>
-        <a:spcBef>
-          <a:spcPts val="500"/>
-        </a:spcBef>
-        <a:buFont typeface="Arial" panose="020B0604020202020204" pitchFamily="34" charset="0"/>
-        <a:buChar char="•"/>
-        <a:defRPr sz="2400" kern="1200">
+      <a:lvl2pPr marL="457200" algn="l" defTabSz="457200" rtl="0" eaLnBrk="1" latinLnBrk="0" hangingPunct="1">
+        <a:defRPr sz="1800" kern="1200">
           <a:solidFill>
             <a:schemeClr val="tx1"/>
           </a:solidFill>
@@ -3099,16 +3785,8 @@
           <a:cs typeface="+mn-cs"/>
         </a:defRPr>
       </a:lvl2pPr>
-      <a:lvl3pPr marL="1143000" indent="-228600" algn="l" defTabSz="914400" rtl="0" eaLnBrk="1" latinLnBrk="0" hangingPunct="1">
-        <a:lnSpc>
-          <a:spcPct val="90000"/>
-        </a:lnSpc>
-        <a:spcBef>
-          <a:spcPts val="500"/>
-        </a:spcBef>
-        <a:buFont typeface="Arial" panose="020B0604020202020204" pitchFamily="34" charset="0"/>
-        <a:buChar char="•"/>
-        <a:defRPr sz="2000" kern="1200">
+      <a:lvl3pPr marL="914400" algn="l" defTabSz="457200" rtl="0" eaLnBrk="1" latinLnBrk="0" hangingPunct="1">
+        <a:defRPr sz="1800" kern="1200">
           <a:solidFill>
             <a:schemeClr val="tx1"/>
           </a:solidFill>
@@ -3117,15 +3795,7 @@
           <a:cs typeface="+mn-cs"/>
         </a:defRPr>
       </a:lvl3pPr>
-      <a:lvl4pPr marL="1600200" indent="-228600" algn="l" defTabSz="914400" rtl="0" eaLnBrk="1" latinLnBrk="0" hangingPunct="1">
-        <a:lnSpc>
-          <a:spcPct val="90000"/>
-        </a:lnSpc>
-        <a:spcBef>
-          <a:spcPts val="500"/>
-        </a:spcBef>
-        <a:buFont typeface="Arial" panose="020B0604020202020204" pitchFamily="34" charset="0"/>
-        <a:buChar char="•"/>
+      <a:lvl4pPr marL="1371600" algn="l" defTabSz="457200" rtl="0" eaLnBrk="1" latinLnBrk="0" hangingPunct="1">
         <a:defRPr sz="1800" kern="1200">
           <a:solidFill>
             <a:schemeClr val="tx1"/>
@@ -3135,15 +3805,7 @@
           <a:cs typeface="+mn-cs"/>
         </a:defRPr>
       </a:lvl4pPr>
-      <a:lvl5pPr marL="2057400" indent="-228600" algn="l" defTabSz="914400" rtl="0" eaLnBrk="1" latinLnBrk="0" hangingPunct="1">
-        <a:lnSpc>
-          <a:spcPct val="90000"/>
-        </a:lnSpc>
-        <a:spcBef>
-          <a:spcPts val="500"/>
-        </a:spcBef>
-        <a:buFont typeface="Arial" panose="020B0604020202020204" pitchFamily="34" charset="0"/>
-        <a:buChar char="•"/>
+      <a:lvl5pPr marL="1828800" algn="l" defTabSz="457200" rtl="0" eaLnBrk="1" latinLnBrk="0" hangingPunct="1">
         <a:defRPr sz="1800" kern="1200">
           <a:solidFill>
             <a:schemeClr val="tx1"/>
@@ -3153,15 +3815,7 @@
           <a:cs typeface="+mn-cs"/>
         </a:defRPr>
       </a:lvl5pPr>
-      <a:lvl6pPr marL="2514600" indent="-228600" algn="l" defTabSz="914400" rtl="0" eaLnBrk="1" latinLnBrk="0" hangingPunct="1">
-        <a:lnSpc>
-          <a:spcPct val="90000"/>
-        </a:lnSpc>
-        <a:spcBef>
-          <a:spcPts val="500"/>
-        </a:spcBef>
-        <a:buFont typeface="Arial" panose="020B0604020202020204" pitchFamily="34" charset="0"/>
-        <a:buChar char="•"/>
+      <a:lvl6pPr marL="2286000" algn="l" defTabSz="457200" rtl="0" eaLnBrk="1" latinLnBrk="0" hangingPunct="1">
         <a:defRPr sz="1800" kern="1200">
           <a:solidFill>
             <a:schemeClr val="tx1"/>
@@ -3171,15 +3825,7 @@
           <a:cs typeface="+mn-cs"/>
         </a:defRPr>
       </a:lvl6pPr>
-      <a:lvl7pPr marL="2971800" indent="-228600" algn="l" defTabSz="914400" rtl="0" eaLnBrk="1" latinLnBrk="0" hangingPunct="1">
-        <a:lnSpc>
-          <a:spcPct val="90000"/>
-        </a:lnSpc>
-        <a:spcBef>
-          <a:spcPts val="500"/>
-        </a:spcBef>
-        <a:buFont typeface="Arial" panose="020B0604020202020204" pitchFamily="34" charset="0"/>
-        <a:buChar char="•"/>
+      <a:lvl7pPr marL="2743200" algn="l" defTabSz="457200" rtl="0" eaLnBrk="1" latinLnBrk="0" hangingPunct="1">
         <a:defRPr sz="1800" kern="1200">
           <a:solidFill>
             <a:schemeClr val="tx1"/>
@@ -3189,15 +3835,7 @@
           <a:cs typeface="+mn-cs"/>
         </a:defRPr>
       </a:lvl7pPr>
-      <a:lvl8pPr marL="3429000" indent="-228600" algn="l" defTabSz="914400" rtl="0" eaLnBrk="1" latinLnBrk="0" hangingPunct="1">
-        <a:lnSpc>
-          <a:spcPct val="90000"/>
-        </a:lnSpc>
-        <a:spcBef>
-          <a:spcPts val="500"/>
-        </a:spcBef>
-        <a:buFont typeface="Arial" panose="020B0604020202020204" pitchFamily="34" charset="0"/>
-        <a:buChar char="•"/>
+      <a:lvl8pPr marL="3200400" algn="l" defTabSz="457200" rtl="0" eaLnBrk="1" latinLnBrk="0" hangingPunct="1">
         <a:defRPr sz="1800" kern="1200">
           <a:solidFill>
             <a:schemeClr val="tx1"/>
@@ -3207,110 +3845,7 @@
           <a:cs typeface="+mn-cs"/>
         </a:defRPr>
       </a:lvl8pPr>
-      <a:lvl9pPr marL="3886200" indent="-228600" algn="l" defTabSz="914400" rtl="0" eaLnBrk="1" latinLnBrk="0" hangingPunct="1">
-        <a:lnSpc>
-          <a:spcPct val="90000"/>
-        </a:lnSpc>
-        <a:spcBef>
-          <a:spcPts val="500"/>
-        </a:spcBef>
-        <a:buFont typeface="Arial" panose="020B0604020202020204" pitchFamily="34" charset="0"/>
-        <a:buChar char="•"/>
-        <a:defRPr sz="1800" kern="1200">
-          <a:solidFill>
-            <a:schemeClr val="tx1"/>
-          </a:solidFill>
-          <a:latin typeface="+mn-lt"/>
-          <a:ea typeface="+mn-ea"/>
-          <a:cs typeface="+mn-cs"/>
-        </a:defRPr>
-      </a:lvl9pPr>
-    </p:bodyStyle>
-    <p:otherStyle>
-      <a:defPPr>
-        <a:defRPr lang="it-IT"/>
-      </a:defPPr>
-      <a:lvl1pPr marL="0" algn="l" defTabSz="914400" rtl="0" eaLnBrk="1" latinLnBrk="0" hangingPunct="1">
-        <a:defRPr sz="1800" kern="1200">
-          <a:solidFill>
-            <a:schemeClr val="tx1"/>
-          </a:solidFill>
-          <a:latin typeface="+mn-lt"/>
-          <a:ea typeface="+mn-ea"/>
-          <a:cs typeface="+mn-cs"/>
-        </a:defRPr>
-      </a:lvl1pPr>
-      <a:lvl2pPr marL="457200" algn="l" defTabSz="914400" rtl="0" eaLnBrk="1" latinLnBrk="0" hangingPunct="1">
-        <a:defRPr sz="1800" kern="1200">
-          <a:solidFill>
-            <a:schemeClr val="tx1"/>
-          </a:solidFill>
-          <a:latin typeface="+mn-lt"/>
-          <a:ea typeface="+mn-ea"/>
-          <a:cs typeface="+mn-cs"/>
-        </a:defRPr>
-      </a:lvl2pPr>
-      <a:lvl3pPr marL="914400" algn="l" defTabSz="914400" rtl="0" eaLnBrk="1" latinLnBrk="0" hangingPunct="1">
-        <a:defRPr sz="1800" kern="1200">
-          <a:solidFill>
-            <a:schemeClr val="tx1"/>
-          </a:solidFill>
-          <a:latin typeface="+mn-lt"/>
-          <a:ea typeface="+mn-ea"/>
-          <a:cs typeface="+mn-cs"/>
-        </a:defRPr>
-      </a:lvl3pPr>
-      <a:lvl4pPr marL="1371600" algn="l" defTabSz="914400" rtl="0" eaLnBrk="1" latinLnBrk="0" hangingPunct="1">
-        <a:defRPr sz="1800" kern="1200">
-          <a:solidFill>
-            <a:schemeClr val="tx1"/>
-          </a:solidFill>
-          <a:latin typeface="+mn-lt"/>
-          <a:ea typeface="+mn-ea"/>
-          <a:cs typeface="+mn-cs"/>
-        </a:defRPr>
-      </a:lvl4pPr>
-      <a:lvl5pPr marL="1828800" algn="l" defTabSz="914400" rtl="0" eaLnBrk="1" latinLnBrk="0" hangingPunct="1">
-        <a:defRPr sz="1800" kern="1200">
-          <a:solidFill>
-            <a:schemeClr val="tx1"/>
-          </a:solidFill>
-          <a:latin typeface="+mn-lt"/>
-          <a:ea typeface="+mn-ea"/>
-          <a:cs typeface="+mn-cs"/>
-        </a:defRPr>
-      </a:lvl5pPr>
-      <a:lvl6pPr marL="2286000" algn="l" defTabSz="914400" rtl="0" eaLnBrk="1" latinLnBrk="0" hangingPunct="1">
-        <a:defRPr sz="1800" kern="1200">
-          <a:solidFill>
-            <a:schemeClr val="tx1"/>
-          </a:solidFill>
-          <a:latin typeface="+mn-lt"/>
-          <a:ea typeface="+mn-ea"/>
-          <a:cs typeface="+mn-cs"/>
-        </a:defRPr>
-      </a:lvl6pPr>
-      <a:lvl7pPr marL="2743200" algn="l" defTabSz="914400" rtl="0" eaLnBrk="1" latinLnBrk="0" hangingPunct="1">
-        <a:defRPr sz="1800" kern="1200">
-          <a:solidFill>
-            <a:schemeClr val="tx1"/>
-          </a:solidFill>
-          <a:latin typeface="+mn-lt"/>
-          <a:ea typeface="+mn-ea"/>
-          <a:cs typeface="+mn-cs"/>
-        </a:defRPr>
-      </a:lvl7pPr>
-      <a:lvl8pPr marL="3200400" algn="l" defTabSz="914400" rtl="0" eaLnBrk="1" latinLnBrk="0" hangingPunct="1">
-        <a:defRPr sz="1800" kern="1200">
-          <a:solidFill>
-            <a:schemeClr val="tx1"/>
-          </a:solidFill>
-          <a:latin typeface="+mn-lt"/>
-          <a:ea typeface="+mn-ea"/>
-          <a:cs typeface="+mn-cs"/>
-        </a:defRPr>
-      </a:lvl8pPr>
-      <a:lvl9pPr marL="3657600" algn="l" defTabSz="914400" rtl="0" eaLnBrk="1" latinLnBrk="0" hangingPunct="1">
+      <a:lvl9pPr marL="3657600" algn="l" defTabSz="457200" rtl="0" eaLnBrk="1" latinLnBrk="0" hangingPunct="1">
         <a:defRPr sz="1800" kern="1200">
           <a:solidFill>
             <a:schemeClr val="tx1"/>
@@ -3360,8 +3895,8 @@
         </p:nvSpPr>
         <p:spPr>
           <a:xfrm>
-            <a:off x="1524000" y="341744"/>
-            <a:ext cx="9144000" cy="4017819"/>
+            <a:off x="1319813" y="381739"/>
+            <a:ext cx="9144000" cy="2839060"/>
           </a:xfrm>
         </p:spPr>
         <p:txBody>
@@ -3371,7 +3906,7 @@
           <a:lstStyle/>
           <a:p>
             <a:r>
-              <a:rPr lang="it-IT" sz="4400" b="1" i="0" dirty="0">
+              <a:rPr lang="it-IT" b="1" i="0" dirty="0">
                 <a:solidFill>
                   <a:srgbClr val="1F2328"/>
                 </a:solidFill>
@@ -3382,7 +3917,7 @@
               <a:t>Progetto 1.1: </a:t>
             </a:r>
             <a:br>
-              <a:rPr lang="it-IT" sz="4400" b="1" i="0" dirty="0">
+              <a:rPr lang="it-IT" b="1" i="0" dirty="0">
                 <a:solidFill>
                   <a:srgbClr val="1F2328"/>
                 </a:solidFill>
@@ -3392,7 +3927,7 @@
               </a:rPr>
             </a:br>
             <a:r>
-              <a:rPr lang="it-IT" sz="4400" b="1" i="0" dirty="0">
+              <a:rPr lang="it-IT" b="1" i="0" dirty="0">
                 <a:solidFill>
                   <a:srgbClr val="1F2328"/>
                 </a:solidFill>
@@ -3403,7 +3938,7 @@
               <a:t>Analisi comparativa tra OS161 e altri sistemi operativi open-source all'avanguardia per sistemi embedded e computer general </a:t>
             </a:r>
             <a:r>
-              <a:rPr lang="it-IT" sz="4400" b="1" i="0" dirty="0" err="1">
+              <a:rPr lang="it-IT" b="1" i="0" dirty="0" err="1">
                 <a:solidFill>
                   <a:srgbClr val="1F2328"/>
                 </a:solidFill>
@@ -3413,7 +3948,7 @@
               </a:rPr>
               <a:t>purpose</a:t>
             </a:r>
-            <a:endParaRPr lang="it-IT" sz="4400" dirty="0">
+            <a:endParaRPr lang="it-IT" dirty="0">
               <a:latin typeface="Calibri" panose="020F0502020204030204" pitchFamily="34" charset="0"/>
               <a:cs typeface="Calibri" panose="020F0502020204030204" pitchFamily="34" charset="0"/>
             </a:endParaRPr>
@@ -3438,7 +3973,7 @@
         </p:nvSpPr>
         <p:spPr>
           <a:xfrm>
-            <a:off x="1524000" y="4525818"/>
+            <a:off x="1319813" y="5511239"/>
             <a:ext cx="9144000" cy="731982"/>
           </a:xfrm>
         </p:spPr>
@@ -3447,7 +3982,11 @@
           <a:lstStyle/>
           <a:p>
             <a:r>
-              <a:rPr lang="it-IT" dirty="0"/>
+              <a:rPr lang="it-IT" dirty="0">
+                <a:solidFill>
+                  <a:srgbClr val="FF0000"/>
+                </a:solidFill>
+              </a:rPr>
               <a:t>Merangolo Maria Francesca, Sinisi Nicola, Wang Li Chen</a:t>
             </a:r>
           </a:p>
@@ -4268,7 +4807,10 @@
           <a:bodyPr/>
           <a:lstStyle/>
           <a:p>
-            <a:endParaRPr lang="it-IT"/>
+            <a:r>
+              <a:rPr lang="it-IT" dirty="0"/>
+              <a:t>Implementazione di nuove funzionalità</a:t>
+            </a:r>
           </a:p>
         </p:txBody>
       </p:sp>
@@ -4423,7 +4965,10 @@
           <a:bodyPr/>
           <a:lstStyle/>
           <a:p>
-            <a:endParaRPr lang="it-IT"/>
+            <a:r>
+              <a:rPr lang="it-IT" dirty="0"/>
+              <a:t>Test</a:t>
+            </a:r>
           </a:p>
         </p:txBody>
       </p:sp>
@@ -4761,7 +5306,47 @@
           <a:bodyPr/>
           <a:lstStyle/>
           <a:p>
-            <a:endParaRPr lang="it-IT"/>
+            <a:r>
+              <a:rPr lang="it-IT" dirty="0"/>
+              <a:t>Il sistema operativo scelto è </a:t>
+            </a:r>
+            <a:r>
+              <a:rPr lang="it-IT" dirty="0" err="1"/>
+              <a:t>PintOS</a:t>
+            </a:r>
+            <a:endParaRPr lang="it-IT" dirty="0"/>
+          </a:p>
+          <a:p>
+            <a:r>
+              <a:rPr lang="it-IT" dirty="0"/>
+              <a:t>Successore di </a:t>
+            </a:r>
+            <a:r>
+              <a:rPr lang="it-IT" dirty="0" err="1"/>
+              <a:t>NachOS</a:t>
+            </a:r>
+            <a:r>
+              <a:rPr lang="it-IT" dirty="0"/>
+              <a:t>, è Unix-like</a:t>
+            </a:r>
+          </a:p>
+          <a:p>
+            <a:r>
+              <a:rPr lang="it-IT" dirty="0"/>
+              <a:t>SO didattico open source con architettura x86</a:t>
+            </a:r>
+          </a:p>
+          <a:p>
+            <a:r>
+              <a:rPr lang="it-IT" dirty="0"/>
+              <a:t>Sviluppato dall'università di Stanford nel 2004, quindi con relativa documentazione </a:t>
+            </a:r>
+          </a:p>
+          <a:p>
+            <a:r>
+              <a:rPr lang="it-IT" dirty="0"/>
+              <a:t>Alcune caratteristiche simili a OS161 ma con differenze visibili (anche nel codice)</a:t>
+            </a:r>
           </a:p>
         </p:txBody>
       </p:sp>
@@ -4872,7 +5457,28 @@
           <a:bodyPr/>
           <a:lstStyle/>
           <a:p>
-            <a:endParaRPr lang="it-IT"/>
+            <a:r>
+              <a:rPr lang="it-IT" dirty="0"/>
+              <a:t>SO monolitico</a:t>
+            </a:r>
+          </a:p>
+          <a:p>
+            <a:r>
+              <a:rPr lang="it-IT" dirty="0"/>
+              <a:t>Spazio d’indirizzamento comune, unico per tutte le funzionalità del sistema operativo</a:t>
+            </a:r>
+          </a:p>
+          <a:p>
+            <a:r>
+              <a:rPr lang="it-IT" dirty="0"/>
+              <a:t>Basato su MIPS</a:t>
+            </a:r>
+          </a:p>
+          <a:p>
+            <a:r>
+              <a:rPr lang="it-IT" dirty="0"/>
+              <a:t>Meno flessibile rispetto ad un SO basato su microkernel</a:t>
+            </a:r>
           </a:p>
         </p:txBody>
       </p:sp>
@@ -4925,7 +5531,28 @@
           <a:bodyPr/>
           <a:lstStyle/>
           <a:p>
-            <a:endParaRPr lang="it-IT"/>
+            <a:r>
+              <a:rPr lang="it-IT" dirty="0"/>
+              <a:t>SO a microkernel</a:t>
+            </a:r>
+          </a:p>
+          <a:p>
+            <a:r>
+              <a:rPr lang="it-IT" dirty="0"/>
+              <a:t>Kernel diviso in componenti più piccoli e indipendenti</a:t>
+            </a:r>
+          </a:p>
+          <a:p>
+            <a:r>
+              <a:rPr lang="it-IT" dirty="0"/>
+              <a:t>Basato su x86</a:t>
+            </a:r>
+          </a:p>
+          <a:p>
+            <a:r>
+              <a:rPr lang="it-IT" dirty="0"/>
+              <a:t>Più modulare e flessibile</a:t>
+            </a:r>
           </a:p>
         </p:txBody>
       </p:sp>
@@ -5008,7 +5635,57 @@
           <a:bodyPr/>
           <a:lstStyle/>
           <a:p>
-            <a:endParaRPr lang="it-IT"/>
+            <a:r>
+              <a:rPr lang="it-IT" dirty="0"/>
+              <a:t>System calls fondamentali per l'interazione tra i programmi utente e il kernel di un sistema operativo.</a:t>
+            </a:r>
+          </a:p>
+          <a:p>
+            <a:r>
+              <a:rPr lang="it-IT" dirty="0" err="1"/>
+              <a:t>SCs</a:t>
+            </a:r>
+            <a:r>
+              <a:rPr lang="it-IT" dirty="0"/>
+              <a:t> implementate direttamente nel kernel monolitico in OS161</a:t>
+            </a:r>
+          </a:p>
+          <a:p>
+            <a:r>
+              <a:rPr lang="it-IT" dirty="0" err="1"/>
+              <a:t>SCs</a:t>
+            </a:r>
+            <a:r>
+              <a:rPr lang="it-IT" dirty="0"/>
+              <a:t> in </a:t>
+            </a:r>
+            <a:r>
+              <a:rPr lang="it-IT" dirty="0" err="1"/>
+              <a:t>PintOS</a:t>
+            </a:r>
+            <a:r>
+              <a:rPr lang="it-IT" dirty="0"/>
+              <a:t> possono operare attraverso il microkernel, tra spazio utente e processi kernel</a:t>
+            </a:r>
+          </a:p>
+          <a:p>
+            <a:r>
+              <a:rPr lang="it-IT" dirty="0" err="1"/>
+              <a:t>SCs</a:t>
+            </a:r>
+            <a:r>
+              <a:rPr lang="it-IT" dirty="0"/>
+              <a:t> più dirette ed immediate in OS161</a:t>
+            </a:r>
+          </a:p>
+          <a:p>
+            <a:r>
+              <a:rPr lang="it-IT" dirty="0"/>
+              <a:t>…</a:t>
+            </a:r>
+          </a:p>
+          <a:p>
+            <a:endParaRPr lang="it-IT" dirty="0"/>
           </a:p>
         </p:txBody>
       </p:sp>
@@ -5121,7 +5798,22 @@
           <a:bodyPr/>
           <a:lstStyle/>
           <a:p>
-            <a:endParaRPr lang="it-IT"/>
+            <a:r>
+              <a:rPr lang="it-IT" dirty="0"/>
+              <a:t>Massimizzare l'utilizzo della CPU </a:t>
+            </a:r>
+          </a:p>
+          <a:p>
+            <a:r>
+              <a:rPr lang="it-IT" dirty="0"/>
+              <a:t>Garantire una distribuzione equa del tempo di CPU tra i vari processi.</a:t>
+            </a:r>
+          </a:p>
+          <a:p>
+            <a:r>
+              <a:rPr lang="it-IT" dirty="0"/>
+              <a:t>Efficienza nell'esecuzione dei processi</a:t>
+            </a:r>
           </a:p>
         </p:txBody>
       </p:sp>
@@ -5174,7 +5866,28 @@
           <a:bodyPr/>
           <a:lstStyle/>
           <a:p>
-            <a:endParaRPr lang="it-IT"/>
+            <a:r>
+              <a:rPr lang="it-IT" dirty="0"/>
+              <a:t>Enfatizzare la fornitura di un'allocazione equa della CPU tra i processi</a:t>
+            </a:r>
+          </a:p>
+          <a:p>
+            <a:r>
+              <a:rPr lang="it-IT" dirty="0"/>
+              <a:t>Massimizzare la responsività del sistema operativo rispetto alle richieste degli utenti</a:t>
+            </a:r>
+          </a:p>
+          <a:p>
+            <a:r>
+              <a:rPr lang="it-IT" dirty="0"/>
+              <a:t>Gestione della modularità</a:t>
+            </a:r>
+          </a:p>
+          <a:p>
+            <a:r>
+              <a:rPr lang="it-IT" dirty="0"/>
+              <a:t>Efficienza nell'utilizzo delle risorse</a:t>
+            </a:r>
           </a:p>
         </p:txBody>
       </p:sp>
@@ -5856,9 +6569,9 @@
 </file>
 
 <file path=ppt/theme/theme1.xml><?xml version="1.0" encoding="utf-8"?>
-<a:theme xmlns:a="http://schemas.openxmlformats.org/drawingml/2006/main" name="Tema di Office">
+<a:theme xmlns:a="http://schemas.openxmlformats.org/drawingml/2006/main" name="Dividendi">
   <a:themeElements>
-    <a:clrScheme name="Office">
+    <a:clrScheme name="Dividendi">
       <a:dk1>
         <a:sysClr val="windowText" lastClr="000000"/>
       </a:dk1>
@@ -5866,98 +6579,48 @@
         <a:sysClr val="window" lastClr="FFFFFF"/>
       </a:lt1>
       <a:dk2>
-        <a:srgbClr val="0E2841"/>
+        <a:srgbClr val="3D3D3D"/>
       </a:dk2>
       <a:lt2>
-        <a:srgbClr val="E8E8E8"/>
+        <a:srgbClr val="EBEBEB"/>
       </a:lt2>
       <a:accent1>
-        <a:srgbClr val="156082"/>
+        <a:srgbClr val="1A3260"/>
       </a:accent1>
       <a:accent2>
-        <a:srgbClr val="E97132"/>
+        <a:srgbClr val="4590B8"/>
       </a:accent2>
       <a:accent3>
-        <a:srgbClr val="196B24"/>
+        <a:srgbClr val="45CBE8"/>
       </a:accent3>
       <a:accent4>
-        <a:srgbClr val="0F9ED5"/>
+        <a:srgbClr val="969FA7"/>
       </a:accent4>
       <a:accent5>
-        <a:srgbClr val="A02B93"/>
+        <a:srgbClr val="A2C777"/>
       </a:accent5>
       <a:accent6>
-        <a:srgbClr val="4EA72E"/>
+        <a:srgbClr val="42955F"/>
       </a:accent6>
       <a:hlink>
-        <a:srgbClr val="467886"/>
+        <a:srgbClr val="828282"/>
       </a:hlink>
       <a:folHlink>
-        <a:srgbClr val="96607D"/>
+        <a:srgbClr val="A5A5A5"/>
       </a:folHlink>
     </a:clrScheme>
-    <a:fontScheme name="Office">
+    <a:fontScheme name="Dividendi">
       <a:majorFont>
-        <a:latin typeface="Aptos Display" panose="02110004020202020204"/>
+        <a:latin typeface="Gill Sans MT" panose="020B0502020104020203"/>
         <a:ea typeface=""/>
         <a:cs typeface=""/>
-        <a:font script="Jpan" typeface="游ゴシック Light"/>
-        <a:font script="Hang" typeface="맑은 고딕"/>
-        <a:font script="Hans" typeface="等线 Light"/>
-        <a:font script="Hant" typeface="新細明體"/>
-        <a:font script="Arab" typeface="Times New Roman"/>
-        <a:font script="Hebr" typeface="Times New Roman"/>
-        <a:font script="Thai" typeface="Angsana New"/>
-        <a:font script="Ethi" typeface="Nyala"/>
-        <a:font script="Beng" typeface="Vrinda"/>
-        <a:font script="Gujr" typeface="Shruti"/>
-        <a:font script="Khmr" typeface="MoolBoran"/>
-        <a:font script="Knda" typeface="Tunga"/>
-        <a:font script="Guru" typeface="Raavi"/>
-        <a:font script="Cans" typeface="Euphemia"/>
-        <a:font script="Cher" typeface="Plantagenet Cherokee"/>
-        <a:font script="Yiii" typeface="Microsoft Yi Baiti"/>
-        <a:font script="Tibt" typeface="Microsoft Himalaya"/>
-        <a:font script="Thaa" typeface="MV Boli"/>
-        <a:font script="Deva" typeface="Mangal"/>
-        <a:font script="Telu" typeface="Gautami"/>
-        <a:font script="Taml" typeface="Latha"/>
-        <a:font script="Syrc" typeface="Estrangelo Edessa"/>
-        <a:font script="Orya" typeface="Kalinga"/>
-        <a:font script="Mlym" typeface="Kartika"/>
-        <a:font script="Laoo" typeface="DokChampa"/>
-        <a:font script="Sinh" typeface="Iskoola Pota"/>
-        <a:font script="Mong" typeface="Mongolian Baiti"/>
-        <a:font script="Viet" typeface="Times New Roman"/>
-        <a:font script="Uigh" typeface="Microsoft Uighur"/>
-        <a:font script="Geor" typeface="Sylfaen"/>
-        <a:font script="Armn" typeface="Arial"/>
-        <a:font script="Bugi" typeface="Leelawadee UI"/>
-        <a:font script="Bopo" typeface="Microsoft JhengHei"/>
-        <a:font script="Java" typeface="Javanese Text"/>
-        <a:font script="Lisu" typeface="Segoe UI"/>
-        <a:font script="Mymr" typeface="Myanmar Text"/>
-        <a:font script="Nkoo" typeface="Ebrima"/>
-        <a:font script="Olck" typeface="Nirmala UI"/>
-        <a:font script="Osma" typeface="Ebrima"/>
-        <a:font script="Phag" typeface="Phagspa"/>
-        <a:font script="Syrn" typeface="Estrangelo Edessa"/>
-        <a:font script="Syrj" typeface="Estrangelo Edessa"/>
-        <a:font script="Syre" typeface="Estrangelo Edessa"/>
-        <a:font script="Sora" typeface="Nirmala UI"/>
-        <a:font script="Tale" typeface="Microsoft Tai Le"/>
-        <a:font script="Talu" typeface="Microsoft New Tai Lue"/>
-        <a:font script="Tfng" typeface="Ebrima"/>
-      </a:majorFont>
-      <a:minorFont>
-        <a:latin typeface="Aptos" panose="02110004020202020204"/>
-        <a:ea typeface=""/>
-        <a:cs typeface=""/>
-        <a:font script="Jpan" typeface="游ゴシック"/>
-        <a:font script="Hang" typeface="맑은 고딕"/>
-        <a:font script="Hans" typeface="等线"/>
-        <a:font script="Hant" typeface="新細明體"/>
-        <a:font script="Arab" typeface="Arial"/>
+        <a:font script="Grek" typeface="Corbel"/>
+        <a:font script="Cyrl" typeface="Corbel"/>
+        <a:font script="Jpan" typeface="HGｺﾞｼｯｸE"/>
+        <a:font script="Hang" typeface="휴먼매직체"/>
+        <a:font script="Hans" typeface="华文中宋"/>
+        <a:font script="Hant" typeface="微軟正黑體"/>
+        <a:font script="Arab" typeface="Majalla UI"/>
         <a:font script="Hebr" typeface="Arial"/>
         <a:font script="Thai" typeface="Cordia New"/>
         <a:font script="Ethi" typeface="Nyala"/>
@@ -5980,29 +6643,49 @@
         <a:font script="Laoo" typeface="DokChampa"/>
         <a:font script="Sinh" typeface="Iskoola Pota"/>
         <a:font script="Mong" typeface="Mongolian Baiti"/>
-        <a:font script="Viet" typeface="Arial"/>
+        <a:font script="Viet" typeface="Tahoma"/>
         <a:font script="Uigh" typeface="Microsoft Uighur"/>
         <a:font script="Geor" typeface="Sylfaen"/>
-        <a:font script="Armn" typeface="Arial"/>
-        <a:font script="Bugi" typeface="Leelawadee UI"/>
-        <a:font script="Bopo" typeface="Microsoft JhengHei"/>
-        <a:font script="Java" typeface="Javanese Text"/>
-        <a:font script="Lisu" typeface="Segoe UI"/>
-        <a:font script="Mymr" typeface="Myanmar Text"/>
-        <a:font script="Nkoo" typeface="Ebrima"/>
-        <a:font script="Olck" typeface="Nirmala UI"/>
-        <a:font script="Osma" typeface="Ebrima"/>
-        <a:font script="Phag" typeface="Phagspa"/>
-        <a:font script="Syrn" typeface="Estrangelo Edessa"/>
-        <a:font script="Syrj" typeface="Estrangelo Edessa"/>
-        <a:font script="Syre" typeface="Estrangelo Edessa"/>
-        <a:font script="Sora" typeface="Nirmala UI"/>
-        <a:font script="Tale" typeface="Microsoft Tai Le"/>
-        <a:font script="Talu" typeface="Microsoft New Tai Lue"/>
-        <a:font script="Tfng" typeface="Ebrima"/>
+      </a:majorFont>
+      <a:minorFont>
+        <a:latin typeface="Gill Sans MT" panose="020B0502020104020203"/>
+        <a:ea typeface=""/>
+        <a:cs typeface=""/>
+        <a:font script="Grek" typeface="Corbel"/>
+        <a:font script="Cyrl" typeface="Corbel"/>
+        <a:font script="Jpan" typeface="HGｺﾞｼｯｸE"/>
+        <a:font script="Hang" typeface="휴먼매직체"/>
+        <a:font script="Hans" typeface="华文中宋"/>
+        <a:font script="Hant" typeface="微軟正黑體"/>
+        <a:font script="Arab" typeface="Majalla UI"/>
+        <a:font script="Hebr" typeface="Arial"/>
+        <a:font script="Thai" typeface="Cordia New"/>
+        <a:font script="Ethi" typeface="Nyala"/>
+        <a:font script="Beng" typeface="Vrinda"/>
+        <a:font script="Gujr" typeface="Shruti"/>
+        <a:font script="Khmr" typeface="DaunPenh"/>
+        <a:font script="Knda" typeface="Tunga"/>
+        <a:font script="Guru" typeface="Raavi"/>
+        <a:font script="Cans" typeface="Euphemia"/>
+        <a:font script="Cher" typeface="Plantagenet Cherokee"/>
+        <a:font script="Yiii" typeface="Microsoft Yi Baiti"/>
+        <a:font script="Tibt" typeface="Microsoft Himalaya"/>
+        <a:font script="Thaa" typeface="MV Boli"/>
+        <a:font script="Deva" typeface="Mangal"/>
+        <a:font script="Telu" typeface="Gautami"/>
+        <a:font script="Taml" typeface="Latha"/>
+        <a:font script="Syrc" typeface="Estrangelo Edessa"/>
+        <a:font script="Orya" typeface="Kalinga"/>
+        <a:font script="Mlym" typeface="Kartika"/>
+        <a:font script="Laoo" typeface="DokChampa"/>
+        <a:font script="Sinh" typeface="Iskoola Pota"/>
+        <a:font script="Mong" typeface="Mongolian Baiti"/>
+        <a:font script="Viet" typeface="Tahoma"/>
+        <a:font script="Uigh" typeface="Microsoft Uighur"/>
+        <a:font script="Geor" typeface="Sylfaen"/>
       </a:minorFont>
     </a:fontScheme>
-    <a:fmtScheme name="Office">
+    <a:fmtScheme name="Dividendi">
       <a:fillStyleLst>
         <a:solidFill>
           <a:schemeClr val="phClr"/>
@@ -6011,23 +6694,111 @@
           <a:gsLst>
             <a:gs pos="0">
               <a:schemeClr val="phClr">
-                <a:lumMod val="110000"/>
-                <a:satMod val="105000"/>
-                <a:tint val="67000"/>
-              </a:schemeClr>
-            </a:gs>
-            <a:gs pos="50000">
-              <a:schemeClr val="phClr">
-                <a:lumMod val="105000"/>
-                <a:satMod val="103000"/>
-                <a:tint val="73000"/>
+                <a:tint val="68000"/>
+                <a:alpha val="90000"/>
+                <a:lumMod val="100000"/>
               </a:schemeClr>
             </a:gs>
             <a:gs pos="100000">
               <a:schemeClr val="phClr">
-                <a:lumMod val="105000"/>
-                <a:satMod val="109000"/>
-                <a:tint val="81000"/>
+                <a:tint val="90000"/>
+                <a:lumMod val="95000"/>
+              </a:schemeClr>
+            </a:gs>
+          </a:gsLst>
+          <a:lin ang="5400000" scaled="1"/>
+        </a:gradFill>
+        <a:gradFill rotWithShape="1">
+          <a:gsLst>
+            <a:gs pos="0">
+              <a:schemeClr val="phClr">
+                <a:tint val="98000"/>
+                <a:lumMod val="110000"/>
+              </a:schemeClr>
+            </a:gs>
+            <a:gs pos="84000">
+              <a:schemeClr val="phClr">
+                <a:shade val="90000"/>
+                <a:lumMod val="88000"/>
+              </a:schemeClr>
+            </a:gs>
+          </a:gsLst>
+          <a:lin ang="5400000" scaled="0"/>
+        </a:gradFill>
+      </a:fillStyleLst>
+      <a:lnStyleLst>
+        <a:ln w="12700" cap="rnd" cmpd="sng" algn="ctr">
+          <a:solidFill>
+            <a:schemeClr val="phClr">
+              <a:lumMod val="90000"/>
+            </a:schemeClr>
+          </a:solidFill>
+          <a:prstDash val="solid"/>
+        </a:ln>
+        <a:ln w="22225" cap="rnd" cmpd="sng" algn="ctr">
+          <a:solidFill>
+            <a:schemeClr val="phClr"/>
+          </a:solidFill>
+          <a:prstDash val="solid"/>
+        </a:ln>
+        <a:ln w="25400" cap="rnd" cmpd="sng" algn="ctr">
+          <a:solidFill>
+            <a:schemeClr val="phClr"/>
+          </a:solidFill>
+          <a:prstDash val="solid"/>
+        </a:ln>
+      </a:lnStyleLst>
+      <a:effectStyleLst>
+        <a:effectStyle>
+          <a:effectLst/>
+        </a:effectStyle>
+        <a:effectStyle>
+          <a:effectLst>
+            <a:outerShdw blurRad="38100" dist="25400" dir="5400000" rotWithShape="0">
+              <a:srgbClr val="000000">
+                <a:alpha val="55000"/>
+              </a:srgbClr>
+            </a:outerShdw>
+          </a:effectLst>
+        </a:effectStyle>
+        <a:effectStyle>
+          <a:effectLst>
+            <a:outerShdw blurRad="88900" dist="38100" dir="5040000" rotWithShape="0">
+              <a:srgbClr val="000000">
+                <a:alpha val="60000"/>
+              </a:srgbClr>
+            </a:outerShdw>
+          </a:effectLst>
+          <a:scene3d>
+            <a:camera prst="orthographicFront">
+              <a:rot lat="0" lon="0" rev="0"/>
+            </a:camera>
+            <a:lightRig rig="threePt" dir="tl">
+              <a:rot lat="0" lon="0" rev="1200000"/>
+            </a:lightRig>
+          </a:scene3d>
+          <a:sp3d>
+            <a:bevelT w="38100" h="50800"/>
+          </a:sp3d>
+        </a:effectStyle>
+      </a:effectStyleLst>
+      <a:bgFillStyleLst>
+        <a:solidFill>
+          <a:schemeClr val="phClr"/>
+        </a:solidFill>
+        <a:gradFill rotWithShape="1">
+          <a:gsLst>
+            <a:gs pos="0">
+              <a:schemeClr val="phClr">
+                <a:tint val="90000"/>
+                <a:lumMod val="110000"/>
+              </a:schemeClr>
+            </a:gs>
+            <a:gs pos="88000">
+              <a:schemeClr val="phClr">
+                <a:shade val="94000"/>
+                <a:satMod val="110000"/>
+                <a:lumMod val="88000"/>
               </a:schemeClr>
             </a:gs>
           </a:gsLst>
@@ -6037,134 +6808,30 @@
           <a:gsLst>
             <a:gs pos="0">
               <a:schemeClr val="phClr">
-                <a:satMod val="103000"/>
-                <a:lumMod val="102000"/>
-                <a:tint val="94000"/>
-              </a:schemeClr>
-            </a:gs>
-            <a:gs pos="50000">
-              <a:schemeClr val="phClr">
-                <a:satMod val="110000"/>
-                <a:lumMod val="100000"/>
-                <a:shade val="100000"/>
+                <a:tint val="90000"/>
+                <a:lumMod val="110000"/>
               </a:schemeClr>
             </a:gs>
             <a:gs pos="100000">
               <a:schemeClr val="phClr">
-                <a:lumMod val="99000"/>
-                <a:satMod val="120000"/>
-                <a:shade val="78000"/>
+                <a:shade val="98000"/>
+                <a:satMod val="110000"/>
+                <a:lumMod val="86000"/>
               </a:schemeClr>
             </a:gs>
           </a:gsLst>
-          <a:lin ang="5400000" scaled="0"/>
-        </a:gradFill>
-      </a:fillStyleLst>
-      <a:lnStyleLst>
-        <a:ln w="12700" cap="flat" cmpd="sng" algn="ctr">
-          <a:solidFill>
-            <a:schemeClr val="phClr"/>
-          </a:solidFill>
-          <a:prstDash val="solid"/>
-          <a:miter lim="800000"/>
-        </a:ln>
-        <a:ln w="19050" cap="flat" cmpd="sng" algn="ctr">
-          <a:solidFill>
-            <a:schemeClr val="phClr"/>
-          </a:solidFill>
-          <a:prstDash val="solid"/>
-          <a:miter lim="800000"/>
-        </a:ln>
-        <a:ln w="25400" cap="flat" cmpd="sng" algn="ctr">
-          <a:solidFill>
-            <a:schemeClr val="phClr"/>
-          </a:solidFill>
-          <a:prstDash val="solid"/>
-          <a:miter lim="800000"/>
-        </a:ln>
-      </a:lnStyleLst>
-      <a:effectStyleLst>
-        <a:effectStyle>
-          <a:effectLst/>
-        </a:effectStyle>
-        <a:effectStyle>
-          <a:effectLst/>
-        </a:effectStyle>
-        <a:effectStyle>
-          <a:effectLst>
-            <a:outerShdw blurRad="57150" dist="19050" dir="5400000" algn="ctr" rotWithShape="0">
-              <a:srgbClr val="000000">
-                <a:alpha val="63000"/>
-              </a:srgbClr>
-            </a:outerShdw>
-          </a:effectLst>
-        </a:effectStyle>
-      </a:effectStyleLst>
-      <a:bgFillStyleLst>
-        <a:solidFill>
-          <a:schemeClr val="phClr"/>
-        </a:solidFill>
-        <a:solidFill>
-          <a:schemeClr val="phClr">
-            <a:tint val="95000"/>
-            <a:satMod val="170000"/>
-          </a:schemeClr>
-        </a:solidFill>
-        <a:gradFill rotWithShape="1">
-          <a:gsLst>
-            <a:gs pos="0">
-              <a:schemeClr val="phClr">
-                <a:tint val="93000"/>
-                <a:satMod val="150000"/>
-                <a:shade val="98000"/>
-                <a:lumMod val="102000"/>
-              </a:schemeClr>
-            </a:gs>
-            <a:gs pos="50000">
-              <a:schemeClr val="phClr">
-                <a:tint val="98000"/>
-                <a:satMod val="130000"/>
-                <a:shade val="90000"/>
-                <a:lumMod val="103000"/>
-              </a:schemeClr>
-            </a:gs>
-            <a:gs pos="100000">
-              <a:schemeClr val="phClr">
-                <a:shade val="63000"/>
-                <a:satMod val="120000"/>
-              </a:schemeClr>
-            </a:gs>
-          </a:gsLst>
-          <a:lin ang="5400000" scaled="0"/>
+          <a:path path="circle">
+            <a:fillToRect l="50000" t="50000" r="100000" b="100000"/>
+          </a:path>
         </a:gradFill>
       </a:bgFillStyleLst>
     </a:fmtScheme>
   </a:themeElements>
-  <a:objectDefaults>
-    <a:lnDef>
-      <a:spPr/>
-      <a:bodyPr/>
-      <a:lstStyle/>
-      <a:style>
-        <a:lnRef idx="2">
-          <a:schemeClr val="accent1"/>
-        </a:lnRef>
-        <a:fillRef idx="0">
-          <a:schemeClr val="accent1"/>
-        </a:fillRef>
-        <a:effectRef idx="1">
-          <a:schemeClr val="accent1"/>
-        </a:effectRef>
-        <a:fontRef idx="minor">
-          <a:schemeClr val="tx1"/>
-        </a:fontRef>
-      </a:style>
-    </a:lnDef>
-  </a:objectDefaults>
+  <a:objectDefaults/>
   <a:extraClrSchemeLst/>
   <a:extLst>
     <a:ext uri="{05A4C25C-085E-4340-85A3-A5531E510DB2}">
-      <thm15:themeFamily xmlns:thm15="http://schemas.microsoft.com/office/thememl/2012/main" name="Office Theme" id="{2E142A2C-CD16-42D6-873A-C26D2A0506FA}" vid="{1BDDFF52-6CD6-40A5-AB3C-68EB2F1E4D0A}"/>
+      <thm15:themeFamily xmlns:thm15="http://schemas.microsoft.com/office/thememl/2012/main" name="Dividend" id="{9697A71B-4AB7-4A1A-BD5B-BB2D22835B57}" vid="{66F1C100-1D2B-4BEA-AD01-C4F230B3B965}"/>
     </a:ext>
   </a:extLst>
 </a:theme>

--- a/Progetto_SO.pptx
+++ b/Progetto_SO.pptx
@@ -9,19 +9,11 @@
     <p:sldId id="261" r:id="rId3"/>
     <p:sldId id="260" r:id="rId4"/>
     <p:sldId id="257" r:id="rId5"/>
-    <p:sldId id="258" r:id="rId6"/>
-    <p:sldId id="268" r:id="rId7"/>
+    <p:sldId id="283" r:id="rId6"/>
+    <p:sldId id="271" r:id="rId7"/>
     <p:sldId id="269" r:id="rId8"/>
-    <p:sldId id="270" r:id="rId9"/>
-    <p:sldId id="271" r:id="rId10"/>
-    <p:sldId id="272" r:id="rId11"/>
-    <p:sldId id="259" r:id="rId12"/>
-    <p:sldId id="273" r:id="rId13"/>
-    <p:sldId id="274" r:id="rId14"/>
-    <p:sldId id="279" r:id="rId15"/>
-    <p:sldId id="263" r:id="rId16"/>
-    <p:sldId id="280" r:id="rId17"/>
-    <p:sldId id="281" r:id="rId18"/>
+    <p:sldId id="273" r:id="rId9"/>
+    <p:sldId id="279" r:id="rId10"/>
   </p:sldIdLst>
   <p:sldSz cx="12192000" cy="6858000"/>
   <p:notesSz cx="6858000" cy="9144000"/>
@@ -126,6 +118,6174 @@
     </p:ext>
   </p:extLst>
 </p:presentation>
+</file>
+
+<file path=ppt/diagrams/colors1.xml><?xml version="1.0" encoding="utf-8"?>
+<dgm:colorsDef xmlns:dgm="http://schemas.openxmlformats.org/drawingml/2006/diagram" xmlns:a="http://schemas.openxmlformats.org/drawingml/2006/main" uniqueId="urn:microsoft.com/office/officeart/2018/5/colors/Iconchunking_neutralbg_colorful1">
+  <dgm:title val=""/>
+  <dgm:desc val=""/>
+  <dgm:catLst>
+    <dgm:cat type="colorful" pri="10100"/>
+  </dgm:catLst>
+  <dgm:styleLbl name="node0">
+    <dgm:fillClrLst meth="repeat">
+      <a:schemeClr val="accent1"/>
+    </dgm:fillClrLst>
+    <dgm:linClrLst meth="repeat">
+      <a:schemeClr val="lt1"/>
+    </dgm:linClrLst>
+    <dgm:effectClrLst/>
+    <dgm:txLinClrLst/>
+    <dgm:txFillClrLst/>
+    <dgm:txEffectClrLst/>
+  </dgm:styleLbl>
+  <dgm:styleLbl name="node1">
+    <dgm:fillClrLst meth="repeat">
+      <a:schemeClr val="accent2"/>
+      <a:schemeClr val="accent3"/>
+      <a:schemeClr val="accent4"/>
+      <a:schemeClr val="accent5"/>
+      <a:schemeClr val="accent6"/>
+    </dgm:fillClrLst>
+    <dgm:linClrLst meth="repeat">
+      <a:schemeClr val="lt1">
+        <a:alpha val="0"/>
+      </a:schemeClr>
+    </dgm:linClrLst>
+    <dgm:effectClrLst/>
+    <dgm:txLinClrLst/>
+    <dgm:txFillClrLst/>
+    <dgm:txEffectClrLst/>
+  </dgm:styleLbl>
+  <dgm:styleLbl name="alignNode1">
+    <dgm:fillClrLst meth="repeat">
+      <a:schemeClr val="accent2"/>
+      <a:schemeClr val="accent3"/>
+      <a:schemeClr val="accent4"/>
+      <a:schemeClr val="accent5"/>
+      <a:schemeClr val="accent6"/>
+    </dgm:fillClrLst>
+    <dgm:linClrLst meth="repeat">
+      <a:schemeClr val="accent2"/>
+      <a:schemeClr val="accent3"/>
+      <a:schemeClr val="accent4"/>
+      <a:schemeClr val="accent5"/>
+      <a:schemeClr val="accent6"/>
+    </dgm:linClrLst>
+    <dgm:effectClrLst/>
+    <dgm:txLinClrLst/>
+    <dgm:txFillClrLst/>
+    <dgm:txEffectClrLst/>
+  </dgm:styleLbl>
+  <dgm:styleLbl name="lnNode1">
+    <dgm:fillClrLst meth="repeat">
+      <a:schemeClr val="accent2"/>
+      <a:schemeClr val="accent3"/>
+      <a:schemeClr val="accent4"/>
+      <a:schemeClr val="accent5"/>
+      <a:schemeClr val="accent6"/>
+    </dgm:fillClrLst>
+    <dgm:linClrLst meth="repeat">
+      <a:schemeClr val="lt1"/>
+    </dgm:linClrLst>
+    <dgm:effectClrLst/>
+    <dgm:txLinClrLst/>
+    <dgm:txFillClrLst/>
+    <dgm:txEffectClrLst/>
+  </dgm:styleLbl>
+  <dgm:styleLbl name="vennNode1">
+    <dgm:fillClrLst meth="repeat">
+      <a:schemeClr val="accent2">
+        <a:alpha val="50000"/>
+      </a:schemeClr>
+      <a:schemeClr val="accent3">
+        <a:alpha val="50000"/>
+      </a:schemeClr>
+      <a:schemeClr val="accent4">
+        <a:alpha val="50000"/>
+      </a:schemeClr>
+      <a:schemeClr val="accent5">
+        <a:alpha val="50000"/>
+      </a:schemeClr>
+      <a:schemeClr val="accent6">
+        <a:alpha val="50000"/>
+      </a:schemeClr>
+    </dgm:fillClrLst>
+    <dgm:linClrLst meth="repeat">
+      <a:schemeClr val="lt1"/>
+    </dgm:linClrLst>
+    <dgm:effectClrLst/>
+    <dgm:txLinClrLst/>
+    <dgm:txFillClrLst/>
+    <dgm:txEffectClrLst/>
+  </dgm:styleLbl>
+  <dgm:styleLbl name="node2">
+    <dgm:fillClrLst>
+      <a:schemeClr val="accent2"/>
+    </dgm:fillClrLst>
+    <dgm:linClrLst meth="repeat">
+      <a:schemeClr val="lt1"/>
+    </dgm:linClrLst>
+    <dgm:effectClrLst/>
+    <dgm:txLinClrLst/>
+    <dgm:txFillClrLst/>
+    <dgm:txEffectClrLst/>
+  </dgm:styleLbl>
+  <dgm:styleLbl name="node3">
+    <dgm:fillClrLst>
+      <a:schemeClr val="accent3"/>
+    </dgm:fillClrLst>
+    <dgm:linClrLst meth="repeat">
+      <a:schemeClr val="lt1"/>
+    </dgm:linClrLst>
+    <dgm:effectClrLst/>
+    <dgm:txLinClrLst/>
+    <dgm:txFillClrLst/>
+    <dgm:txEffectClrLst/>
+  </dgm:styleLbl>
+  <dgm:styleLbl name="node4">
+    <dgm:fillClrLst>
+      <a:schemeClr val="accent4"/>
+    </dgm:fillClrLst>
+    <dgm:linClrLst meth="repeat">
+      <a:schemeClr val="lt1"/>
+    </dgm:linClrLst>
+    <dgm:effectClrLst/>
+    <dgm:txLinClrLst/>
+    <dgm:txFillClrLst/>
+    <dgm:txEffectClrLst/>
+  </dgm:styleLbl>
+  <dgm:styleLbl name="fgImgPlace1">
+    <dgm:fillClrLst meth="repeat">
+      <a:schemeClr val="accent2">
+        <a:tint val="50000"/>
+      </a:schemeClr>
+      <a:schemeClr val="accent3">
+        <a:tint val="50000"/>
+      </a:schemeClr>
+      <a:schemeClr val="accent4">
+        <a:tint val="50000"/>
+      </a:schemeClr>
+      <a:schemeClr val="accent5">
+        <a:tint val="50000"/>
+      </a:schemeClr>
+      <a:schemeClr val="accent6">
+        <a:tint val="50000"/>
+      </a:schemeClr>
+    </dgm:fillClrLst>
+    <dgm:linClrLst meth="repeat">
+      <a:schemeClr val="lt1"/>
+    </dgm:linClrLst>
+    <dgm:effectClrLst/>
+    <dgm:txLinClrLst/>
+    <dgm:txFillClrLst meth="repeat">
+      <a:schemeClr val="lt1"/>
+    </dgm:txFillClrLst>
+    <dgm:txEffectClrLst/>
+  </dgm:styleLbl>
+  <dgm:styleLbl name="alignImgPlace1">
+    <dgm:fillClrLst>
+      <a:schemeClr val="accent1">
+        <a:tint val="50000"/>
+      </a:schemeClr>
+      <a:schemeClr val="accent2">
+        <a:tint val="20000"/>
+      </a:schemeClr>
+    </dgm:fillClrLst>
+    <dgm:linClrLst meth="repeat">
+      <a:schemeClr val="lt1"/>
+    </dgm:linClrLst>
+    <dgm:effectClrLst/>
+    <dgm:txLinClrLst/>
+    <dgm:txFillClrLst meth="repeat">
+      <a:schemeClr val="lt1"/>
+    </dgm:txFillClrLst>
+    <dgm:txEffectClrLst/>
+  </dgm:styleLbl>
+  <dgm:styleLbl name="bgImgPlace1">
+    <dgm:fillClrLst>
+      <a:schemeClr val="accent1">
+        <a:tint val="50000"/>
+      </a:schemeClr>
+      <a:schemeClr val="accent2">
+        <a:tint val="20000"/>
+      </a:schemeClr>
+    </dgm:fillClrLst>
+    <dgm:linClrLst meth="repeat">
+      <a:schemeClr val="lt1"/>
+    </dgm:linClrLst>
+    <dgm:effectClrLst/>
+    <dgm:txLinClrLst/>
+    <dgm:txFillClrLst meth="repeat">
+      <a:schemeClr val="lt1"/>
+    </dgm:txFillClrLst>
+    <dgm:txEffectClrLst/>
+  </dgm:styleLbl>
+  <dgm:styleLbl name="sibTrans2D1">
+    <dgm:fillClrLst meth="repeat">
+      <a:schemeClr val="accent2"/>
+      <a:schemeClr val="accent3"/>
+      <a:schemeClr val="accent4"/>
+      <a:schemeClr val="accent5"/>
+      <a:schemeClr val="accent6"/>
+    </dgm:fillClrLst>
+    <dgm:linClrLst meth="cycle">
+      <a:schemeClr val="lt1"/>
+    </dgm:linClrLst>
+    <dgm:effectClrLst/>
+    <dgm:txLinClrLst/>
+    <dgm:txFillClrLst/>
+    <dgm:txEffectClrLst/>
+  </dgm:styleLbl>
+  <dgm:styleLbl name="fgSibTrans2D1">
+    <dgm:fillClrLst meth="repeat">
+      <a:schemeClr val="accent2"/>
+      <a:schemeClr val="accent3"/>
+      <a:schemeClr val="accent4"/>
+      <a:schemeClr val="accent5"/>
+      <a:schemeClr val="accent6"/>
+    </dgm:fillClrLst>
+    <dgm:linClrLst meth="cycle">
+      <a:schemeClr val="lt1"/>
+    </dgm:linClrLst>
+    <dgm:effectClrLst/>
+    <dgm:txLinClrLst/>
+    <dgm:txFillClrLst meth="repeat">
+      <a:schemeClr val="lt1"/>
+    </dgm:txFillClrLst>
+    <dgm:txEffectClrLst/>
+  </dgm:styleLbl>
+  <dgm:styleLbl name="bgSibTrans2D1">
+    <dgm:fillClrLst meth="repeat">
+      <a:schemeClr val="accent2"/>
+      <a:schemeClr val="accent3"/>
+      <a:schemeClr val="accent4"/>
+      <a:schemeClr val="accent5"/>
+      <a:schemeClr val="accent6"/>
+    </dgm:fillClrLst>
+    <dgm:linClrLst meth="cycle">
+      <a:schemeClr val="lt1"/>
+    </dgm:linClrLst>
+    <dgm:effectClrLst/>
+    <dgm:txLinClrLst/>
+    <dgm:txFillClrLst meth="repeat">
+      <a:schemeClr val="lt1"/>
+    </dgm:txFillClrLst>
+    <dgm:txEffectClrLst/>
+  </dgm:styleLbl>
+  <dgm:styleLbl name="sibTrans1D1">
+    <dgm:fillClrLst meth="repeat">
+      <a:schemeClr val="accent2"/>
+      <a:schemeClr val="accent3"/>
+      <a:schemeClr val="accent4"/>
+      <a:schemeClr val="accent5"/>
+      <a:schemeClr val="accent6"/>
+    </dgm:fillClrLst>
+    <dgm:linClrLst meth="repeat">
+      <a:schemeClr val="accent2"/>
+      <a:schemeClr val="accent3"/>
+      <a:schemeClr val="accent4"/>
+      <a:schemeClr val="accent5"/>
+      <a:schemeClr val="accent6"/>
+    </dgm:linClrLst>
+    <dgm:effectClrLst/>
+    <dgm:txLinClrLst/>
+    <dgm:txFillClrLst meth="repeat">
+      <a:schemeClr val="tx1"/>
+    </dgm:txFillClrLst>
+    <dgm:txEffectClrLst/>
+  </dgm:styleLbl>
+  <dgm:styleLbl name="callout">
+    <dgm:fillClrLst meth="repeat">
+      <a:schemeClr val="accent2"/>
+    </dgm:fillClrLst>
+    <dgm:linClrLst meth="repeat">
+      <a:schemeClr val="accent2">
+        <a:tint val="50000"/>
+      </a:schemeClr>
+    </dgm:linClrLst>
+    <dgm:effectClrLst/>
+    <dgm:txLinClrLst/>
+    <dgm:txFillClrLst meth="repeat">
+      <a:schemeClr val="tx1"/>
+    </dgm:txFillClrLst>
+    <dgm:txEffectClrLst/>
+  </dgm:styleLbl>
+  <dgm:styleLbl name="asst0">
+    <dgm:fillClrLst meth="repeat">
+      <a:schemeClr val="accent1"/>
+    </dgm:fillClrLst>
+    <dgm:linClrLst meth="repeat">
+      <a:schemeClr val="lt1"/>
+    </dgm:linClrLst>
+    <dgm:effectClrLst/>
+    <dgm:txLinClrLst/>
+    <dgm:txFillClrLst/>
+    <dgm:txEffectClrLst/>
+  </dgm:styleLbl>
+  <dgm:styleLbl name="asst1">
+    <dgm:fillClrLst meth="repeat">
+      <a:schemeClr val="accent2"/>
+    </dgm:fillClrLst>
+    <dgm:linClrLst meth="repeat">
+      <a:schemeClr val="lt1"/>
+    </dgm:linClrLst>
+    <dgm:effectClrLst/>
+    <dgm:txLinClrLst/>
+    <dgm:txFillClrLst/>
+    <dgm:txEffectClrLst/>
+  </dgm:styleLbl>
+  <dgm:styleLbl name="asst2">
+    <dgm:fillClrLst>
+      <a:schemeClr val="accent3"/>
+    </dgm:fillClrLst>
+    <dgm:linClrLst meth="repeat">
+      <a:schemeClr val="lt1"/>
+    </dgm:linClrLst>
+    <dgm:effectClrLst/>
+    <dgm:txLinClrLst/>
+    <dgm:txFillClrLst/>
+    <dgm:txEffectClrLst/>
+  </dgm:styleLbl>
+  <dgm:styleLbl name="asst3">
+    <dgm:fillClrLst>
+      <a:schemeClr val="accent4"/>
+    </dgm:fillClrLst>
+    <dgm:linClrLst meth="repeat">
+      <a:schemeClr val="lt1"/>
+    </dgm:linClrLst>
+    <dgm:effectClrLst/>
+    <dgm:txLinClrLst/>
+    <dgm:txFillClrLst/>
+    <dgm:txEffectClrLst/>
+  </dgm:styleLbl>
+  <dgm:styleLbl name="asst4">
+    <dgm:fillClrLst>
+      <a:schemeClr val="accent5"/>
+    </dgm:fillClrLst>
+    <dgm:linClrLst meth="repeat">
+      <a:schemeClr val="lt1"/>
+    </dgm:linClrLst>
+    <dgm:effectClrLst/>
+    <dgm:txLinClrLst/>
+    <dgm:txFillClrLst/>
+    <dgm:txEffectClrLst/>
+  </dgm:styleLbl>
+  <dgm:styleLbl name="parChTrans2D1">
+    <dgm:fillClrLst meth="repeat">
+      <a:schemeClr val="accent2"/>
+    </dgm:fillClrLst>
+    <dgm:linClrLst meth="repeat">
+      <a:schemeClr val="lt1"/>
+    </dgm:linClrLst>
+    <dgm:effectClrLst/>
+    <dgm:txLinClrLst/>
+    <dgm:txFillClrLst meth="repeat">
+      <a:schemeClr val="lt1"/>
+    </dgm:txFillClrLst>
+    <dgm:txEffectClrLst/>
+  </dgm:styleLbl>
+  <dgm:styleLbl name="parChTrans2D2">
+    <dgm:fillClrLst meth="repeat">
+      <a:schemeClr val="accent3"/>
+    </dgm:fillClrLst>
+    <dgm:linClrLst meth="repeat">
+      <a:schemeClr val="lt1"/>
+    </dgm:linClrLst>
+    <dgm:effectClrLst/>
+    <dgm:txLinClrLst/>
+    <dgm:txFillClrLst/>
+    <dgm:txEffectClrLst/>
+  </dgm:styleLbl>
+  <dgm:styleLbl name="parChTrans2D3">
+    <dgm:fillClrLst meth="repeat">
+      <a:schemeClr val="accent4"/>
+    </dgm:fillClrLst>
+    <dgm:linClrLst meth="repeat">
+      <a:schemeClr val="lt1"/>
+    </dgm:linClrLst>
+    <dgm:effectClrLst/>
+    <dgm:txLinClrLst/>
+    <dgm:txFillClrLst/>
+    <dgm:txEffectClrLst/>
+  </dgm:styleLbl>
+  <dgm:styleLbl name="parChTrans2D4">
+    <dgm:fillClrLst meth="repeat">
+      <a:schemeClr val="accent5"/>
+    </dgm:fillClrLst>
+    <dgm:linClrLst meth="repeat">
+      <a:schemeClr val="lt1"/>
+    </dgm:linClrLst>
+    <dgm:effectClrLst/>
+    <dgm:txLinClrLst/>
+    <dgm:txFillClrLst meth="repeat">
+      <a:schemeClr val="lt1"/>
+    </dgm:txFillClrLst>
+    <dgm:txEffectClrLst/>
+  </dgm:styleLbl>
+  <dgm:styleLbl name="parChTrans1D1">
+    <dgm:fillClrLst meth="repeat">
+      <a:schemeClr val="accent2"/>
+    </dgm:fillClrLst>
+    <dgm:linClrLst meth="repeat">
+      <a:schemeClr val="accent1"/>
+    </dgm:linClrLst>
+    <dgm:effectClrLst/>
+    <dgm:txLinClrLst/>
+    <dgm:txFillClrLst meth="repeat">
+      <a:schemeClr val="tx1"/>
+    </dgm:txFillClrLst>
+    <dgm:txEffectClrLst/>
+  </dgm:styleLbl>
+  <dgm:styleLbl name="parChTrans1D2">
+    <dgm:fillClrLst meth="repeat">
+      <a:schemeClr val="accent3">
+        <a:tint val="90000"/>
+      </a:schemeClr>
+    </dgm:fillClrLst>
+    <dgm:linClrLst meth="repeat">
+      <a:schemeClr val="accent2"/>
+    </dgm:linClrLst>
+    <dgm:effectClrLst/>
+    <dgm:txLinClrLst/>
+    <dgm:txFillClrLst meth="repeat">
+      <a:schemeClr val="tx1"/>
+    </dgm:txFillClrLst>
+    <dgm:txEffectClrLst/>
+  </dgm:styleLbl>
+  <dgm:styleLbl name="parChTrans1D3">
+    <dgm:fillClrLst meth="repeat">
+      <a:schemeClr val="accent4">
+        <a:tint val="70000"/>
+      </a:schemeClr>
+    </dgm:fillClrLst>
+    <dgm:linClrLst meth="repeat">
+      <a:schemeClr val="accent3"/>
+    </dgm:linClrLst>
+    <dgm:effectClrLst/>
+    <dgm:txLinClrLst/>
+    <dgm:txFillClrLst meth="repeat">
+      <a:schemeClr val="tx1"/>
+    </dgm:txFillClrLst>
+    <dgm:txEffectClrLst/>
+  </dgm:styleLbl>
+  <dgm:styleLbl name="parChTrans1D4">
+    <dgm:fillClrLst meth="repeat">
+      <a:schemeClr val="accent5">
+        <a:tint val="50000"/>
+      </a:schemeClr>
+    </dgm:fillClrLst>
+    <dgm:linClrLst meth="repeat">
+      <a:schemeClr val="accent4"/>
+    </dgm:linClrLst>
+    <dgm:effectClrLst/>
+    <dgm:txLinClrLst/>
+    <dgm:txFillClrLst meth="repeat">
+      <a:schemeClr val="tx1"/>
+    </dgm:txFillClrLst>
+    <dgm:txEffectClrLst/>
+  </dgm:styleLbl>
+  <dgm:styleLbl name="fgAcc1">
+    <dgm:fillClrLst meth="repeat">
+      <a:schemeClr val="lt1">
+        <a:alpha val="90000"/>
+      </a:schemeClr>
+    </dgm:fillClrLst>
+    <dgm:linClrLst meth="repeat">
+      <a:schemeClr val="accent2"/>
+      <a:schemeClr val="accent3"/>
+      <a:schemeClr val="accent4"/>
+      <a:schemeClr val="accent5"/>
+      <a:schemeClr val="accent6"/>
+    </dgm:linClrLst>
+    <dgm:effectClrLst/>
+    <dgm:txLinClrLst/>
+    <dgm:txFillClrLst meth="repeat">
+      <a:schemeClr val="dk1"/>
+    </dgm:txFillClrLst>
+    <dgm:txEffectClrLst/>
+  </dgm:styleLbl>
+  <dgm:styleLbl name="conFgAcc1">
+    <dgm:fillClrLst meth="repeat">
+      <a:schemeClr val="lt1">
+        <a:alpha val="90000"/>
+      </a:schemeClr>
+    </dgm:fillClrLst>
+    <dgm:linClrLst meth="repeat">
+      <a:schemeClr val="accent2"/>
+      <a:schemeClr val="accent3"/>
+      <a:schemeClr val="accent4"/>
+      <a:schemeClr val="accent5"/>
+      <a:schemeClr val="accent6"/>
+    </dgm:linClrLst>
+    <dgm:effectClrLst/>
+    <dgm:txLinClrLst/>
+    <dgm:txFillClrLst meth="repeat">
+      <a:schemeClr val="dk1"/>
+    </dgm:txFillClrLst>
+    <dgm:txEffectClrLst/>
+  </dgm:styleLbl>
+  <dgm:styleLbl name="alignAcc1">
+    <dgm:fillClrLst meth="repeat">
+      <a:schemeClr val="lt1">
+        <a:alpha val="90000"/>
+      </a:schemeClr>
+    </dgm:fillClrLst>
+    <dgm:linClrLst meth="repeat">
+      <a:schemeClr val="accent2"/>
+      <a:schemeClr val="accent3"/>
+      <a:schemeClr val="accent4"/>
+      <a:schemeClr val="accent5"/>
+      <a:schemeClr val="accent6"/>
+    </dgm:linClrLst>
+    <dgm:effectClrLst/>
+    <dgm:txLinClrLst/>
+    <dgm:txFillClrLst meth="repeat">
+      <a:schemeClr val="dk1"/>
+    </dgm:txFillClrLst>
+    <dgm:txEffectClrLst/>
+  </dgm:styleLbl>
+  <dgm:styleLbl name="trAlignAcc1">
+    <dgm:fillClrLst meth="repeat">
+      <a:schemeClr val="lt1">
+        <a:alpha val="40000"/>
+      </a:schemeClr>
+    </dgm:fillClrLst>
+    <dgm:linClrLst meth="repeat">
+      <a:schemeClr val="accent1"/>
+    </dgm:linClrLst>
+    <dgm:effectClrLst/>
+    <dgm:txLinClrLst/>
+    <dgm:txFillClrLst meth="repeat">
+      <a:schemeClr val="dk1"/>
+    </dgm:txFillClrLst>
+    <dgm:txEffectClrLst/>
+  </dgm:styleLbl>
+  <dgm:styleLbl name="bgAcc1">
+    <dgm:fillClrLst meth="repeat">
+      <a:schemeClr val="lt1">
+        <a:alpha val="90000"/>
+      </a:schemeClr>
+    </dgm:fillClrLst>
+    <dgm:linClrLst meth="repeat">
+      <a:schemeClr val="accent2"/>
+      <a:schemeClr val="accent3"/>
+      <a:schemeClr val="accent4"/>
+      <a:schemeClr val="accent5"/>
+      <a:schemeClr val="accent6"/>
+    </dgm:linClrLst>
+    <dgm:effectClrLst/>
+    <dgm:txLinClrLst/>
+    <dgm:txFillClrLst meth="repeat">
+      <a:schemeClr val="dk1"/>
+    </dgm:txFillClrLst>
+    <dgm:txEffectClrLst/>
+  </dgm:styleLbl>
+  <dgm:styleLbl name="solidFgAcc1">
+    <dgm:fillClrLst meth="repeat">
+      <a:schemeClr val="lt1"/>
+    </dgm:fillClrLst>
+    <dgm:linClrLst meth="repeat">
+      <a:schemeClr val="accent2"/>
+      <a:schemeClr val="accent3"/>
+      <a:schemeClr val="accent4"/>
+      <a:schemeClr val="accent5"/>
+      <a:schemeClr val="accent6"/>
+    </dgm:linClrLst>
+    <dgm:effectClrLst/>
+    <dgm:txLinClrLst/>
+    <dgm:txFillClrLst meth="repeat">
+      <a:schemeClr val="dk1"/>
+    </dgm:txFillClrLst>
+    <dgm:txEffectClrLst/>
+  </dgm:styleLbl>
+  <dgm:styleLbl name="solidAlignAcc1">
+    <dgm:fillClrLst meth="repeat">
+      <a:schemeClr val="lt1"/>
+    </dgm:fillClrLst>
+    <dgm:linClrLst meth="repeat">
+      <a:schemeClr val="accent2"/>
+      <a:schemeClr val="accent3"/>
+      <a:schemeClr val="accent4"/>
+      <a:schemeClr val="accent5"/>
+      <a:schemeClr val="accent6"/>
+    </dgm:linClrLst>
+    <dgm:effectClrLst/>
+    <dgm:txLinClrLst/>
+    <dgm:txFillClrLst meth="repeat">
+      <a:schemeClr val="dk1"/>
+    </dgm:txFillClrLst>
+    <dgm:txEffectClrLst/>
+  </dgm:styleLbl>
+  <dgm:styleLbl name="solidBgAcc1">
+    <dgm:fillClrLst meth="repeat">
+      <a:schemeClr val="lt1"/>
+    </dgm:fillClrLst>
+    <dgm:linClrLst meth="repeat">
+      <a:schemeClr val="accent2"/>
+      <a:schemeClr val="accent3"/>
+      <a:schemeClr val="accent4"/>
+      <a:schemeClr val="accent5"/>
+      <a:schemeClr val="accent6"/>
+    </dgm:linClrLst>
+    <dgm:effectClrLst/>
+    <dgm:txLinClrLst/>
+    <dgm:txFillClrLst meth="repeat">
+      <a:schemeClr val="dk1"/>
+    </dgm:txFillClrLst>
+    <dgm:txEffectClrLst/>
+  </dgm:styleLbl>
+  <dgm:styleLbl name="fgAccFollowNode1">
+    <dgm:fillClrLst meth="repeat">
+      <a:schemeClr val="accent2">
+        <a:tint val="40000"/>
+        <a:alpha val="90000"/>
+      </a:schemeClr>
+      <a:schemeClr val="accent3">
+        <a:tint val="40000"/>
+        <a:alpha val="90000"/>
+      </a:schemeClr>
+      <a:schemeClr val="accent4">
+        <a:tint val="40000"/>
+        <a:alpha val="90000"/>
+      </a:schemeClr>
+      <a:schemeClr val="accent5">
+        <a:tint val="40000"/>
+        <a:alpha val="90000"/>
+      </a:schemeClr>
+      <a:schemeClr val="accent6">
+        <a:tint val="40000"/>
+        <a:alpha val="90000"/>
+      </a:schemeClr>
+    </dgm:fillClrLst>
+    <dgm:linClrLst meth="repeat">
+      <a:schemeClr val="accent2">
+        <a:tint val="40000"/>
+        <a:alpha val="90000"/>
+      </a:schemeClr>
+      <a:schemeClr val="accent3">
+        <a:tint val="40000"/>
+        <a:alpha val="90000"/>
+      </a:schemeClr>
+      <a:schemeClr val="accent4">
+        <a:tint val="40000"/>
+        <a:alpha val="90000"/>
+      </a:schemeClr>
+      <a:schemeClr val="accent5">
+        <a:tint val="40000"/>
+        <a:alpha val="90000"/>
+      </a:schemeClr>
+      <a:schemeClr val="accent6">
+        <a:tint val="40000"/>
+        <a:alpha val="90000"/>
+      </a:schemeClr>
+    </dgm:linClrLst>
+    <dgm:effectClrLst/>
+    <dgm:txLinClrLst/>
+    <dgm:txFillClrLst meth="repeat">
+      <a:schemeClr val="dk1"/>
+    </dgm:txFillClrLst>
+    <dgm:txEffectClrLst/>
+  </dgm:styleLbl>
+  <dgm:styleLbl name="alignAccFollowNode1">
+    <dgm:fillClrLst meth="repeat">
+      <a:schemeClr val="accent2">
+        <a:tint val="40000"/>
+        <a:alpha val="90000"/>
+      </a:schemeClr>
+      <a:schemeClr val="accent3">
+        <a:tint val="40000"/>
+        <a:alpha val="90000"/>
+      </a:schemeClr>
+      <a:schemeClr val="accent4">
+        <a:tint val="40000"/>
+        <a:alpha val="90000"/>
+      </a:schemeClr>
+      <a:schemeClr val="accent5">
+        <a:tint val="40000"/>
+        <a:alpha val="90000"/>
+      </a:schemeClr>
+      <a:schemeClr val="accent6">
+        <a:tint val="40000"/>
+        <a:alpha val="90000"/>
+      </a:schemeClr>
+    </dgm:fillClrLst>
+    <dgm:linClrLst meth="repeat">
+      <a:schemeClr val="accent2">
+        <a:tint val="40000"/>
+        <a:alpha val="90000"/>
+      </a:schemeClr>
+      <a:schemeClr val="accent3">
+        <a:tint val="40000"/>
+        <a:alpha val="90000"/>
+      </a:schemeClr>
+      <a:schemeClr val="accent4">
+        <a:tint val="40000"/>
+        <a:alpha val="90000"/>
+      </a:schemeClr>
+      <a:schemeClr val="accent5">
+        <a:tint val="40000"/>
+        <a:alpha val="90000"/>
+      </a:schemeClr>
+      <a:schemeClr val="accent6">
+        <a:tint val="40000"/>
+        <a:alpha val="90000"/>
+      </a:schemeClr>
+    </dgm:linClrLst>
+    <dgm:effectClrLst/>
+    <dgm:txLinClrLst/>
+    <dgm:txFillClrLst meth="repeat">
+      <a:schemeClr val="dk1"/>
+    </dgm:txFillClrLst>
+    <dgm:txEffectClrLst/>
+  </dgm:styleLbl>
+  <dgm:styleLbl name="bgAccFollowNode1">
+    <dgm:fillClrLst meth="repeat">
+      <a:schemeClr val="accent2">
+        <a:tint val="40000"/>
+        <a:alpha val="90000"/>
+      </a:schemeClr>
+      <a:schemeClr val="accent3">
+        <a:tint val="40000"/>
+        <a:alpha val="90000"/>
+      </a:schemeClr>
+      <a:schemeClr val="accent4">
+        <a:tint val="40000"/>
+        <a:alpha val="90000"/>
+      </a:schemeClr>
+      <a:schemeClr val="accent5">
+        <a:tint val="40000"/>
+        <a:alpha val="90000"/>
+      </a:schemeClr>
+      <a:schemeClr val="accent6">
+        <a:tint val="40000"/>
+        <a:alpha val="90000"/>
+      </a:schemeClr>
+    </dgm:fillClrLst>
+    <dgm:linClrLst meth="repeat">
+      <a:schemeClr val="accent2">
+        <a:tint val="40000"/>
+        <a:alpha val="90000"/>
+      </a:schemeClr>
+      <a:schemeClr val="accent3">
+        <a:tint val="40000"/>
+        <a:alpha val="90000"/>
+      </a:schemeClr>
+      <a:schemeClr val="accent4">
+        <a:tint val="40000"/>
+        <a:alpha val="90000"/>
+      </a:schemeClr>
+      <a:schemeClr val="accent5">
+        <a:tint val="40000"/>
+        <a:alpha val="90000"/>
+      </a:schemeClr>
+      <a:schemeClr val="accent6">
+        <a:tint val="40000"/>
+        <a:alpha val="90000"/>
+      </a:schemeClr>
+    </dgm:linClrLst>
+    <dgm:effectClrLst/>
+    <dgm:txLinClrLst/>
+    <dgm:txFillClrLst meth="repeat">
+      <a:schemeClr val="dk1"/>
+    </dgm:txFillClrLst>
+    <dgm:txEffectClrLst/>
+  </dgm:styleLbl>
+  <dgm:styleLbl name="fgAcc0">
+    <dgm:fillClrLst meth="repeat">
+      <a:schemeClr val="lt1">
+        <a:alpha val="90000"/>
+      </a:schemeClr>
+    </dgm:fillClrLst>
+    <dgm:linClrLst>
+      <a:schemeClr val="accent1"/>
+    </dgm:linClrLst>
+    <dgm:effectClrLst/>
+    <dgm:txLinClrLst/>
+    <dgm:txFillClrLst meth="repeat">
+      <a:schemeClr val="dk1"/>
+    </dgm:txFillClrLst>
+    <dgm:txEffectClrLst/>
+  </dgm:styleLbl>
+  <dgm:styleLbl name="fgAcc2">
+    <dgm:fillClrLst meth="repeat">
+      <a:schemeClr val="lt1">
+        <a:alpha val="90000"/>
+      </a:schemeClr>
+    </dgm:fillClrLst>
+    <dgm:linClrLst>
+      <a:schemeClr val="accent2"/>
+    </dgm:linClrLst>
+    <dgm:effectClrLst/>
+    <dgm:txLinClrLst/>
+    <dgm:txFillClrLst meth="repeat">
+      <a:schemeClr val="dk1"/>
+    </dgm:txFillClrLst>
+    <dgm:txEffectClrLst/>
+  </dgm:styleLbl>
+  <dgm:styleLbl name="fgAcc3">
+    <dgm:fillClrLst meth="repeat">
+      <a:schemeClr val="lt1">
+        <a:alpha val="90000"/>
+      </a:schemeClr>
+    </dgm:fillClrLst>
+    <dgm:linClrLst>
+      <a:schemeClr val="accent3"/>
+    </dgm:linClrLst>
+    <dgm:effectClrLst/>
+    <dgm:txLinClrLst/>
+    <dgm:txFillClrLst meth="repeat">
+      <a:schemeClr val="dk1"/>
+    </dgm:txFillClrLst>
+    <dgm:txEffectClrLst/>
+  </dgm:styleLbl>
+  <dgm:styleLbl name="fgAcc4">
+    <dgm:fillClrLst meth="repeat">
+      <a:schemeClr val="lt1">
+        <a:alpha val="90000"/>
+      </a:schemeClr>
+    </dgm:fillClrLst>
+    <dgm:linClrLst>
+      <a:schemeClr val="accent4"/>
+    </dgm:linClrLst>
+    <dgm:effectClrLst/>
+    <dgm:txLinClrLst/>
+    <dgm:txFillClrLst meth="repeat">
+      <a:schemeClr val="dk1"/>
+    </dgm:txFillClrLst>
+    <dgm:txEffectClrLst/>
+  </dgm:styleLbl>
+  <dgm:styleLbl name="bgShp">
+    <dgm:fillClrLst meth="repeat">
+      <a:schemeClr val="bg1">
+        <a:lumMod val="95000"/>
+      </a:schemeClr>
+    </dgm:fillClrLst>
+    <dgm:linClrLst meth="repeat">
+      <a:schemeClr val="dk1"/>
+    </dgm:linClrLst>
+    <dgm:effectClrLst/>
+    <dgm:txLinClrLst/>
+    <dgm:txFillClrLst meth="repeat">
+      <a:schemeClr val="dk1"/>
+    </dgm:txFillClrLst>
+    <dgm:txEffectClrLst/>
+  </dgm:styleLbl>
+  <dgm:styleLbl name="dkBgShp">
+    <dgm:fillClrLst meth="repeat">
+      <a:schemeClr val="accent2">
+        <a:shade val="90000"/>
+      </a:schemeClr>
+    </dgm:fillClrLst>
+    <dgm:linClrLst meth="repeat">
+      <a:schemeClr val="dk1"/>
+    </dgm:linClrLst>
+    <dgm:effectClrLst/>
+    <dgm:txLinClrLst/>
+    <dgm:txFillClrLst meth="repeat">
+      <a:schemeClr val="lt1"/>
+    </dgm:txFillClrLst>
+    <dgm:txEffectClrLst/>
+  </dgm:styleLbl>
+  <dgm:styleLbl name="trBgShp">
+    <dgm:fillClrLst meth="repeat">
+      <a:schemeClr val="accent1">
+        <a:tint val="50000"/>
+        <a:alpha val="40000"/>
+      </a:schemeClr>
+    </dgm:fillClrLst>
+    <dgm:linClrLst meth="repeat">
+      <a:schemeClr val="accent2"/>
+    </dgm:linClrLst>
+    <dgm:effectClrLst/>
+    <dgm:txLinClrLst/>
+    <dgm:txFillClrLst meth="repeat">
+      <a:schemeClr val="lt1"/>
+    </dgm:txFillClrLst>
+    <dgm:txEffectClrLst/>
+  </dgm:styleLbl>
+  <dgm:styleLbl name="fgShp">
+    <dgm:fillClrLst meth="repeat">
+      <a:schemeClr val="accent2">
+        <a:tint val="40000"/>
+      </a:schemeClr>
+    </dgm:fillClrLst>
+    <dgm:linClrLst meth="repeat">
+      <a:schemeClr val="lt1"/>
+    </dgm:linClrLst>
+    <dgm:effectClrLst/>
+    <dgm:txLinClrLst/>
+    <dgm:txFillClrLst meth="repeat">
+      <a:schemeClr val="dk1"/>
+    </dgm:txFillClrLst>
+    <dgm:txEffectClrLst/>
+  </dgm:styleLbl>
+  <dgm:styleLbl name="revTx">
+    <dgm:fillClrLst meth="repeat">
+      <a:schemeClr val="lt1">
+        <a:alpha val="0"/>
+      </a:schemeClr>
+    </dgm:fillClrLst>
+    <dgm:linClrLst meth="repeat">
+      <a:schemeClr val="dk1">
+        <a:alpha val="0"/>
+      </a:schemeClr>
+    </dgm:linClrLst>
+    <dgm:effectClrLst/>
+    <dgm:txLinClrLst/>
+    <dgm:txFillClrLst meth="repeat">
+      <a:schemeClr val="tx1"/>
+    </dgm:txFillClrLst>
+    <dgm:txEffectClrLst/>
+  </dgm:styleLbl>
+</dgm:colorsDef>
+</file>
+
+<file path=ppt/diagrams/colors2.xml><?xml version="1.0" encoding="utf-8"?>
+<dgm:colorsDef xmlns:dgm="http://schemas.openxmlformats.org/drawingml/2006/diagram" xmlns:a="http://schemas.openxmlformats.org/drawingml/2006/main" uniqueId="urn:microsoft.com/office/officeart/2005/8/colors/colorful1">
+  <dgm:title val=""/>
+  <dgm:desc val=""/>
+  <dgm:catLst>
+    <dgm:cat type="colorful" pri="10100"/>
+  </dgm:catLst>
+  <dgm:styleLbl name="node0">
+    <dgm:fillClrLst meth="repeat">
+      <a:schemeClr val="accent1"/>
+    </dgm:fillClrLst>
+    <dgm:linClrLst meth="repeat">
+      <a:schemeClr val="lt1"/>
+    </dgm:linClrLst>
+    <dgm:effectClrLst/>
+    <dgm:txLinClrLst/>
+    <dgm:txFillClrLst/>
+    <dgm:txEffectClrLst/>
+  </dgm:styleLbl>
+  <dgm:styleLbl name="node1">
+    <dgm:fillClrLst meth="repeat">
+      <a:schemeClr val="accent2"/>
+      <a:schemeClr val="accent3"/>
+      <a:schemeClr val="accent4"/>
+      <a:schemeClr val="accent5"/>
+      <a:schemeClr val="accent6"/>
+    </dgm:fillClrLst>
+    <dgm:linClrLst meth="repeat">
+      <a:schemeClr val="lt1"/>
+    </dgm:linClrLst>
+    <dgm:effectClrLst/>
+    <dgm:txLinClrLst/>
+    <dgm:txFillClrLst/>
+    <dgm:txEffectClrLst/>
+  </dgm:styleLbl>
+  <dgm:styleLbl name="alignNode1">
+    <dgm:fillClrLst meth="repeat">
+      <a:schemeClr val="accent2"/>
+      <a:schemeClr val="accent3"/>
+      <a:schemeClr val="accent4"/>
+      <a:schemeClr val="accent5"/>
+      <a:schemeClr val="accent6"/>
+    </dgm:fillClrLst>
+    <dgm:linClrLst meth="repeat">
+      <a:schemeClr val="accent2"/>
+      <a:schemeClr val="accent3"/>
+      <a:schemeClr val="accent4"/>
+      <a:schemeClr val="accent5"/>
+      <a:schemeClr val="accent6"/>
+    </dgm:linClrLst>
+    <dgm:effectClrLst/>
+    <dgm:txLinClrLst/>
+    <dgm:txFillClrLst/>
+    <dgm:txEffectClrLst/>
+  </dgm:styleLbl>
+  <dgm:styleLbl name="lnNode1">
+    <dgm:fillClrLst meth="repeat">
+      <a:schemeClr val="accent2"/>
+      <a:schemeClr val="accent3"/>
+      <a:schemeClr val="accent4"/>
+      <a:schemeClr val="accent5"/>
+      <a:schemeClr val="accent6"/>
+    </dgm:fillClrLst>
+    <dgm:linClrLst meth="repeat">
+      <a:schemeClr val="lt1"/>
+    </dgm:linClrLst>
+    <dgm:effectClrLst/>
+    <dgm:txLinClrLst/>
+    <dgm:txFillClrLst/>
+    <dgm:txEffectClrLst/>
+  </dgm:styleLbl>
+  <dgm:styleLbl name="vennNode1">
+    <dgm:fillClrLst meth="repeat">
+      <a:schemeClr val="accent2">
+        <a:alpha val="50000"/>
+      </a:schemeClr>
+      <a:schemeClr val="accent3">
+        <a:alpha val="50000"/>
+      </a:schemeClr>
+      <a:schemeClr val="accent4">
+        <a:alpha val="50000"/>
+      </a:schemeClr>
+      <a:schemeClr val="accent5">
+        <a:alpha val="50000"/>
+      </a:schemeClr>
+      <a:schemeClr val="accent6">
+        <a:alpha val="50000"/>
+      </a:schemeClr>
+    </dgm:fillClrLst>
+    <dgm:linClrLst meth="repeat">
+      <a:schemeClr val="lt1"/>
+    </dgm:linClrLst>
+    <dgm:effectClrLst/>
+    <dgm:txLinClrLst/>
+    <dgm:txFillClrLst/>
+    <dgm:txEffectClrLst/>
+  </dgm:styleLbl>
+  <dgm:styleLbl name="node2">
+    <dgm:fillClrLst>
+      <a:schemeClr val="accent2"/>
+    </dgm:fillClrLst>
+    <dgm:linClrLst meth="repeat">
+      <a:schemeClr val="lt1"/>
+    </dgm:linClrLst>
+    <dgm:effectClrLst/>
+    <dgm:txLinClrLst/>
+    <dgm:txFillClrLst/>
+    <dgm:txEffectClrLst/>
+  </dgm:styleLbl>
+  <dgm:styleLbl name="node3">
+    <dgm:fillClrLst>
+      <a:schemeClr val="accent3"/>
+    </dgm:fillClrLst>
+    <dgm:linClrLst meth="repeat">
+      <a:schemeClr val="lt1"/>
+    </dgm:linClrLst>
+    <dgm:effectClrLst/>
+    <dgm:txLinClrLst/>
+    <dgm:txFillClrLst/>
+    <dgm:txEffectClrLst/>
+  </dgm:styleLbl>
+  <dgm:styleLbl name="node4">
+    <dgm:fillClrLst>
+      <a:schemeClr val="accent4"/>
+    </dgm:fillClrLst>
+    <dgm:linClrLst meth="repeat">
+      <a:schemeClr val="lt1"/>
+    </dgm:linClrLst>
+    <dgm:effectClrLst/>
+    <dgm:txLinClrLst/>
+    <dgm:txFillClrLst/>
+    <dgm:txEffectClrLst/>
+  </dgm:styleLbl>
+  <dgm:styleLbl name="fgImgPlace1">
+    <dgm:fillClrLst meth="repeat">
+      <a:schemeClr val="accent2">
+        <a:tint val="50000"/>
+      </a:schemeClr>
+      <a:schemeClr val="accent3">
+        <a:tint val="50000"/>
+      </a:schemeClr>
+      <a:schemeClr val="accent4">
+        <a:tint val="50000"/>
+      </a:schemeClr>
+      <a:schemeClr val="accent5">
+        <a:tint val="50000"/>
+      </a:schemeClr>
+      <a:schemeClr val="accent6">
+        <a:tint val="50000"/>
+      </a:schemeClr>
+    </dgm:fillClrLst>
+    <dgm:linClrLst meth="repeat">
+      <a:schemeClr val="lt1"/>
+    </dgm:linClrLst>
+    <dgm:effectClrLst/>
+    <dgm:txLinClrLst/>
+    <dgm:txFillClrLst meth="repeat">
+      <a:schemeClr val="lt1"/>
+    </dgm:txFillClrLst>
+    <dgm:txEffectClrLst/>
+  </dgm:styleLbl>
+  <dgm:styleLbl name="alignImgPlace1">
+    <dgm:fillClrLst>
+      <a:schemeClr val="accent1">
+        <a:tint val="50000"/>
+      </a:schemeClr>
+      <a:schemeClr val="accent2">
+        <a:tint val="20000"/>
+      </a:schemeClr>
+    </dgm:fillClrLst>
+    <dgm:linClrLst meth="repeat">
+      <a:schemeClr val="lt1"/>
+    </dgm:linClrLst>
+    <dgm:effectClrLst/>
+    <dgm:txLinClrLst/>
+    <dgm:txFillClrLst meth="repeat">
+      <a:schemeClr val="lt1"/>
+    </dgm:txFillClrLst>
+    <dgm:txEffectClrLst/>
+  </dgm:styleLbl>
+  <dgm:styleLbl name="bgImgPlace1">
+    <dgm:fillClrLst>
+      <a:schemeClr val="accent1">
+        <a:tint val="50000"/>
+      </a:schemeClr>
+      <a:schemeClr val="accent2">
+        <a:tint val="20000"/>
+      </a:schemeClr>
+    </dgm:fillClrLst>
+    <dgm:linClrLst meth="repeat">
+      <a:schemeClr val="lt1"/>
+    </dgm:linClrLst>
+    <dgm:effectClrLst/>
+    <dgm:txLinClrLst/>
+    <dgm:txFillClrLst meth="repeat">
+      <a:schemeClr val="lt1"/>
+    </dgm:txFillClrLst>
+    <dgm:txEffectClrLst/>
+  </dgm:styleLbl>
+  <dgm:styleLbl name="sibTrans2D1">
+    <dgm:fillClrLst meth="repeat">
+      <a:schemeClr val="accent2"/>
+      <a:schemeClr val="accent3"/>
+      <a:schemeClr val="accent4"/>
+      <a:schemeClr val="accent5"/>
+      <a:schemeClr val="accent6"/>
+    </dgm:fillClrLst>
+    <dgm:linClrLst meth="cycle">
+      <a:schemeClr val="lt1"/>
+    </dgm:linClrLst>
+    <dgm:effectClrLst/>
+    <dgm:txLinClrLst/>
+    <dgm:txFillClrLst/>
+    <dgm:txEffectClrLst/>
+  </dgm:styleLbl>
+  <dgm:styleLbl name="fgSibTrans2D1">
+    <dgm:fillClrLst meth="repeat">
+      <a:schemeClr val="accent2"/>
+      <a:schemeClr val="accent3"/>
+      <a:schemeClr val="accent4"/>
+      <a:schemeClr val="accent5"/>
+      <a:schemeClr val="accent6"/>
+    </dgm:fillClrLst>
+    <dgm:linClrLst meth="cycle">
+      <a:schemeClr val="lt1"/>
+    </dgm:linClrLst>
+    <dgm:effectClrLst/>
+    <dgm:txLinClrLst/>
+    <dgm:txFillClrLst meth="repeat">
+      <a:schemeClr val="lt1"/>
+    </dgm:txFillClrLst>
+    <dgm:txEffectClrLst/>
+  </dgm:styleLbl>
+  <dgm:styleLbl name="bgSibTrans2D1">
+    <dgm:fillClrLst meth="repeat">
+      <a:schemeClr val="accent2"/>
+      <a:schemeClr val="accent3"/>
+      <a:schemeClr val="accent4"/>
+      <a:schemeClr val="accent5"/>
+      <a:schemeClr val="accent6"/>
+    </dgm:fillClrLst>
+    <dgm:linClrLst meth="cycle">
+      <a:schemeClr val="lt1"/>
+    </dgm:linClrLst>
+    <dgm:effectClrLst/>
+    <dgm:txLinClrLst/>
+    <dgm:txFillClrLst meth="repeat">
+      <a:schemeClr val="lt1"/>
+    </dgm:txFillClrLst>
+    <dgm:txEffectClrLst/>
+  </dgm:styleLbl>
+  <dgm:styleLbl name="sibTrans1D1">
+    <dgm:fillClrLst meth="repeat">
+      <a:schemeClr val="accent2"/>
+      <a:schemeClr val="accent3"/>
+      <a:schemeClr val="accent4"/>
+      <a:schemeClr val="accent5"/>
+      <a:schemeClr val="accent6"/>
+    </dgm:fillClrLst>
+    <dgm:linClrLst meth="repeat">
+      <a:schemeClr val="accent2"/>
+      <a:schemeClr val="accent3"/>
+      <a:schemeClr val="accent4"/>
+      <a:schemeClr val="accent5"/>
+      <a:schemeClr val="accent6"/>
+    </dgm:linClrLst>
+    <dgm:effectClrLst/>
+    <dgm:txLinClrLst/>
+    <dgm:txFillClrLst meth="repeat">
+      <a:schemeClr val="tx1"/>
+    </dgm:txFillClrLst>
+    <dgm:txEffectClrLst/>
+  </dgm:styleLbl>
+  <dgm:styleLbl name="callout">
+    <dgm:fillClrLst meth="repeat">
+      <a:schemeClr val="accent2"/>
+    </dgm:fillClrLst>
+    <dgm:linClrLst meth="repeat">
+      <a:schemeClr val="accent2">
+        <a:tint val="50000"/>
+      </a:schemeClr>
+    </dgm:linClrLst>
+    <dgm:effectClrLst/>
+    <dgm:txLinClrLst/>
+    <dgm:txFillClrLst meth="repeat">
+      <a:schemeClr val="tx1"/>
+    </dgm:txFillClrLst>
+    <dgm:txEffectClrLst/>
+  </dgm:styleLbl>
+  <dgm:styleLbl name="asst0">
+    <dgm:fillClrLst meth="repeat">
+      <a:schemeClr val="accent1"/>
+    </dgm:fillClrLst>
+    <dgm:linClrLst meth="repeat">
+      <a:schemeClr val="lt1"/>
+    </dgm:linClrLst>
+    <dgm:effectClrLst/>
+    <dgm:txLinClrLst/>
+    <dgm:txFillClrLst/>
+    <dgm:txEffectClrLst/>
+  </dgm:styleLbl>
+  <dgm:styleLbl name="asst1">
+    <dgm:fillClrLst meth="repeat">
+      <a:schemeClr val="accent2"/>
+    </dgm:fillClrLst>
+    <dgm:linClrLst meth="repeat">
+      <a:schemeClr val="lt1"/>
+    </dgm:linClrLst>
+    <dgm:effectClrLst/>
+    <dgm:txLinClrLst/>
+    <dgm:txFillClrLst/>
+    <dgm:txEffectClrLst/>
+  </dgm:styleLbl>
+  <dgm:styleLbl name="asst2">
+    <dgm:fillClrLst>
+      <a:schemeClr val="accent3"/>
+    </dgm:fillClrLst>
+    <dgm:linClrLst meth="repeat">
+      <a:schemeClr val="lt1"/>
+    </dgm:linClrLst>
+    <dgm:effectClrLst/>
+    <dgm:txLinClrLst/>
+    <dgm:txFillClrLst/>
+    <dgm:txEffectClrLst/>
+  </dgm:styleLbl>
+  <dgm:styleLbl name="asst3">
+    <dgm:fillClrLst>
+      <a:schemeClr val="accent4"/>
+    </dgm:fillClrLst>
+    <dgm:linClrLst meth="repeat">
+      <a:schemeClr val="lt1"/>
+    </dgm:linClrLst>
+    <dgm:effectClrLst/>
+    <dgm:txLinClrLst/>
+    <dgm:txFillClrLst/>
+    <dgm:txEffectClrLst/>
+  </dgm:styleLbl>
+  <dgm:styleLbl name="asst4">
+    <dgm:fillClrLst>
+      <a:schemeClr val="accent5"/>
+    </dgm:fillClrLst>
+    <dgm:linClrLst meth="repeat">
+      <a:schemeClr val="lt1"/>
+    </dgm:linClrLst>
+    <dgm:effectClrLst/>
+    <dgm:txLinClrLst/>
+    <dgm:txFillClrLst/>
+    <dgm:txEffectClrLst/>
+  </dgm:styleLbl>
+  <dgm:styleLbl name="parChTrans2D1">
+    <dgm:fillClrLst meth="repeat">
+      <a:schemeClr val="accent2"/>
+    </dgm:fillClrLst>
+    <dgm:linClrLst meth="repeat">
+      <a:schemeClr val="lt1"/>
+    </dgm:linClrLst>
+    <dgm:effectClrLst/>
+    <dgm:txLinClrLst/>
+    <dgm:txFillClrLst meth="repeat">
+      <a:schemeClr val="lt1"/>
+    </dgm:txFillClrLst>
+    <dgm:txEffectClrLst/>
+  </dgm:styleLbl>
+  <dgm:styleLbl name="parChTrans2D2">
+    <dgm:fillClrLst meth="repeat">
+      <a:schemeClr val="accent3"/>
+    </dgm:fillClrLst>
+    <dgm:linClrLst meth="repeat">
+      <a:schemeClr val="lt1"/>
+    </dgm:linClrLst>
+    <dgm:effectClrLst/>
+    <dgm:txLinClrLst/>
+    <dgm:txFillClrLst/>
+    <dgm:txEffectClrLst/>
+  </dgm:styleLbl>
+  <dgm:styleLbl name="parChTrans2D3">
+    <dgm:fillClrLst meth="repeat">
+      <a:schemeClr val="accent4"/>
+    </dgm:fillClrLst>
+    <dgm:linClrLst meth="repeat">
+      <a:schemeClr val="lt1"/>
+    </dgm:linClrLst>
+    <dgm:effectClrLst/>
+    <dgm:txLinClrLst/>
+    <dgm:txFillClrLst/>
+    <dgm:txEffectClrLst/>
+  </dgm:styleLbl>
+  <dgm:styleLbl name="parChTrans2D4">
+    <dgm:fillClrLst meth="repeat">
+      <a:schemeClr val="accent5"/>
+    </dgm:fillClrLst>
+    <dgm:linClrLst meth="repeat">
+      <a:schemeClr val="lt1"/>
+    </dgm:linClrLst>
+    <dgm:effectClrLst/>
+    <dgm:txLinClrLst/>
+    <dgm:txFillClrLst meth="repeat">
+      <a:schemeClr val="lt1"/>
+    </dgm:txFillClrLst>
+    <dgm:txEffectClrLst/>
+  </dgm:styleLbl>
+  <dgm:styleLbl name="parChTrans1D1">
+    <dgm:fillClrLst meth="repeat">
+      <a:schemeClr val="accent2"/>
+    </dgm:fillClrLst>
+    <dgm:linClrLst meth="repeat">
+      <a:schemeClr val="accent1"/>
+    </dgm:linClrLst>
+    <dgm:effectClrLst/>
+    <dgm:txLinClrLst/>
+    <dgm:txFillClrLst meth="repeat">
+      <a:schemeClr val="tx1"/>
+    </dgm:txFillClrLst>
+    <dgm:txEffectClrLst/>
+  </dgm:styleLbl>
+  <dgm:styleLbl name="parChTrans1D2">
+    <dgm:fillClrLst meth="repeat">
+      <a:schemeClr val="accent3">
+        <a:tint val="90000"/>
+      </a:schemeClr>
+    </dgm:fillClrLst>
+    <dgm:linClrLst meth="repeat">
+      <a:schemeClr val="accent2"/>
+    </dgm:linClrLst>
+    <dgm:effectClrLst/>
+    <dgm:txLinClrLst/>
+    <dgm:txFillClrLst meth="repeat">
+      <a:schemeClr val="tx1"/>
+    </dgm:txFillClrLst>
+    <dgm:txEffectClrLst/>
+  </dgm:styleLbl>
+  <dgm:styleLbl name="parChTrans1D3">
+    <dgm:fillClrLst meth="repeat">
+      <a:schemeClr val="accent4">
+        <a:tint val="70000"/>
+      </a:schemeClr>
+    </dgm:fillClrLst>
+    <dgm:linClrLst meth="repeat">
+      <a:schemeClr val="accent3"/>
+    </dgm:linClrLst>
+    <dgm:effectClrLst/>
+    <dgm:txLinClrLst/>
+    <dgm:txFillClrLst meth="repeat">
+      <a:schemeClr val="tx1"/>
+    </dgm:txFillClrLst>
+    <dgm:txEffectClrLst/>
+  </dgm:styleLbl>
+  <dgm:styleLbl name="parChTrans1D4">
+    <dgm:fillClrLst meth="repeat">
+      <a:schemeClr val="accent5">
+        <a:tint val="50000"/>
+      </a:schemeClr>
+    </dgm:fillClrLst>
+    <dgm:linClrLst meth="repeat">
+      <a:schemeClr val="accent4"/>
+    </dgm:linClrLst>
+    <dgm:effectClrLst/>
+    <dgm:txLinClrLst/>
+    <dgm:txFillClrLst meth="repeat">
+      <a:schemeClr val="tx1"/>
+    </dgm:txFillClrLst>
+    <dgm:txEffectClrLst/>
+  </dgm:styleLbl>
+  <dgm:styleLbl name="fgAcc1">
+    <dgm:fillClrLst meth="repeat">
+      <a:schemeClr val="lt1">
+        <a:alpha val="90000"/>
+      </a:schemeClr>
+    </dgm:fillClrLst>
+    <dgm:linClrLst meth="repeat">
+      <a:schemeClr val="accent2"/>
+      <a:schemeClr val="accent3"/>
+      <a:schemeClr val="accent4"/>
+      <a:schemeClr val="accent5"/>
+      <a:schemeClr val="accent6"/>
+    </dgm:linClrLst>
+    <dgm:effectClrLst/>
+    <dgm:txLinClrLst/>
+    <dgm:txFillClrLst meth="repeat">
+      <a:schemeClr val="dk1"/>
+    </dgm:txFillClrLst>
+    <dgm:txEffectClrLst/>
+  </dgm:styleLbl>
+  <dgm:styleLbl name="conFgAcc1">
+    <dgm:fillClrLst meth="repeat">
+      <a:schemeClr val="lt1">
+        <a:alpha val="90000"/>
+      </a:schemeClr>
+    </dgm:fillClrLst>
+    <dgm:linClrLst meth="repeat">
+      <a:schemeClr val="accent2"/>
+      <a:schemeClr val="accent3"/>
+      <a:schemeClr val="accent4"/>
+      <a:schemeClr val="accent5"/>
+      <a:schemeClr val="accent6"/>
+    </dgm:linClrLst>
+    <dgm:effectClrLst/>
+    <dgm:txLinClrLst/>
+    <dgm:txFillClrLst meth="repeat">
+      <a:schemeClr val="dk1"/>
+    </dgm:txFillClrLst>
+    <dgm:txEffectClrLst/>
+  </dgm:styleLbl>
+  <dgm:styleLbl name="alignAcc1">
+    <dgm:fillClrLst meth="repeat">
+      <a:schemeClr val="lt1">
+        <a:alpha val="90000"/>
+      </a:schemeClr>
+    </dgm:fillClrLst>
+    <dgm:linClrLst meth="repeat">
+      <a:schemeClr val="accent2"/>
+      <a:schemeClr val="accent3"/>
+      <a:schemeClr val="accent4"/>
+      <a:schemeClr val="accent5"/>
+      <a:schemeClr val="accent6"/>
+    </dgm:linClrLst>
+    <dgm:effectClrLst/>
+    <dgm:txLinClrLst/>
+    <dgm:txFillClrLst meth="repeat">
+      <a:schemeClr val="dk1"/>
+    </dgm:txFillClrLst>
+    <dgm:txEffectClrLst/>
+  </dgm:styleLbl>
+  <dgm:styleLbl name="trAlignAcc1">
+    <dgm:fillClrLst meth="repeat">
+      <a:schemeClr val="lt1">
+        <a:alpha val="40000"/>
+      </a:schemeClr>
+    </dgm:fillClrLst>
+    <dgm:linClrLst meth="repeat">
+      <a:schemeClr val="accent1"/>
+    </dgm:linClrLst>
+    <dgm:effectClrLst/>
+    <dgm:txLinClrLst/>
+    <dgm:txFillClrLst meth="repeat">
+      <a:schemeClr val="dk1"/>
+    </dgm:txFillClrLst>
+    <dgm:txEffectClrLst/>
+  </dgm:styleLbl>
+  <dgm:styleLbl name="bgAcc1">
+    <dgm:fillClrLst meth="repeat">
+      <a:schemeClr val="lt1">
+        <a:alpha val="90000"/>
+      </a:schemeClr>
+    </dgm:fillClrLst>
+    <dgm:linClrLst meth="repeat">
+      <a:schemeClr val="accent2"/>
+      <a:schemeClr val="accent3"/>
+      <a:schemeClr val="accent4"/>
+      <a:schemeClr val="accent5"/>
+      <a:schemeClr val="accent6"/>
+    </dgm:linClrLst>
+    <dgm:effectClrLst/>
+    <dgm:txLinClrLst/>
+    <dgm:txFillClrLst meth="repeat">
+      <a:schemeClr val="dk1"/>
+    </dgm:txFillClrLst>
+    <dgm:txEffectClrLst/>
+  </dgm:styleLbl>
+  <dgm:styleLbl name="solidFgAcc1">
+    <dgm:fillClrLst meth="repeat">
+      <a:schemeClr val="lt1"/>
+    </dgm:fillClrLst>
+    <dgm:linClrLst meth="repeat">
+      <a:schemeClr val="accent2"/>
+      <a:schemeClr val="accent3"/>
+      <a:schemeClr val="accent4"/>
+      <a:schemeClr val="accent5"/>
+      <a:schemeClr val="accent6"/>
+    </dgm:linClrLst>
+    <dgm:effectClrLst/>
+    <dgm:txLinClrLst/>
+    <dgm:txFillClrLst meth="repeat">
+      <a:schemeClr val="dk1"/>
+    </dgm:txFillClrLst>
+    <dgm:txEffectClrLst/>
+  </dgm:styleLbl>
+  <dgm:styleLbl name="solidAlignAcc1">
+    <dgm:fillClrLst meth="repeat">
+      <a:schemeClr val="lt1"/>
+    </dgm:fillClrLst>
+    <dgm:linClrLst meth="repeat">
+      <a:schemeClr val="accent2"/>
+      <a:schemeClr val="accent3"/>
+      <a:schemeClr val="accent4"/>
+      <a:schemeClr val="accent5"/>
+      <a:schemeClr val="accent6"/>
+    </dgm:linClrLst>
+    <dgm:effectClrLst/>
+    <dgm:txLinClrLst/>
+    <dgm:txFillClrLst meth="repeat">
+      <a:schemeClr val="dk1"/>
+    </dgm:txFillClrLst>
+    <dgm:txEffectClrLst/>
+  </dgm:styleLbl>
+  <dgm:styleLbl name="solidBgAcc1">
+    <dgm:fillClrLst meth="repeat">
+      <a:schemeClr val="lt1"/>
+    </dgm:fillClrLst>
+    <dgm:linClrLst meth="repeat">
+      <a:schemeClr val="accent2"/>
+      <a:schemeClr val="accent3"/>
+      <a:schemeClr val="accent4"/>
+      <a:schemeClr val="accent5"/>
+      <a:schemeClr val="accent6"/>
+    </dgm:linClrLst>
+    <dgm:effectClrLst/>
+    <dgm:txLinClrLst/>
+    <dgm:txFillClrLst meth="repeat">
+      <a:schemeClr val="dk1"/>
+    </dgm:txFillClrLst>
+    <dgm:txEffectClrLst/>
+  </dgm:styleLbl>
+  <dgm:styleLbl name="fgAccFollowNode1">
+    <dgm:fillClrLst meth="repeat">
+      <a:schemeClr val="accent2">
+        <a:tint val="40000"/>
+        <a:alpha val="90000"/>
+      </a:schemeClr>
+      <a:schemeClr val="accent3">
+        <a:tint val="40000"/>
+        <a:alpha val="90000"/>
+      </a:schemeClr>
+      <a:schemeClr val="accent4">
+        <a:tint val="40000"/>
+        <a:alpha val="90000"/>
+      </a:schemeClr>
+      <a:schemeClr val="accent5">
+        <a:tint val="40000"/>
+        <a:alpha val="90000"/>
+      </a:schemeClr>
+      <a:schemeClr val="accent6">
+        <a:tint val="40000"/>
+        <a:alpha val="90000"/>
+      </a:schemeClr>
+    </dgm:fillClrLst>
+    <dgm:linClrLst meth="repeat">
+      <a:schemeClr val="accent2">
+        <a:tint val="40000"/>
+        <a:alpha val="90000"/>
+      </a:schemeClr>
+      <a:schemeClr val="accent3">
+        <a:tint val="40000"/>
+        <a:alpha val="90000"/>
+      </a:schemeClr>
+      <a:schemeClr val="accent4">
+        <a:tint val="40000"/>
+        <a:alpha val="90000"/>
+      </a:schemeClr>
+      <a:schemeClr val="accent5">
+        <a:tint val="40000"/>
+        <a:alpha val="90000"/>
+      </a:schemeClr>
+      <a:schemeClr val="accent6">
+        <a:tint val="40000"/>
+        <a:alpha val="90000"/>
+      </a:schemeClr>
+    </dgm:linClrLst>
+    <dgm:effectClrLst/>
+    <dgm:txLinClrLst/>
+    <dgm:txFillClrLst meth="repeat">
+      <a:schemeClr val="dk1"/>
+    </dgm:txFillClrLst>
+    <dgm:txEffectClrLst/>
+  </dgm:styleLbl>
+  <dgm:styleLbl name="alignAccFollowNode1">
+    <dgm:fillClrLst meth="repeat">
+      <a:schemeClr val="accent2">
+        <a:tint val="40000"/>
+        <a:alpha val="90000"/>
+      </a:schemeClr>
+      <a:schemeClr val="accent3">
+        <a:tint val="40000"/>
+        <a:alpha val="90000"/>
+      </a:schemeClr>
+      <a:schemeClr val="accent4">
+        <a:tint val="40000"/>
+        <a:alpha val="90000"/>
+      </a:schemeClr>
+      <a:schemeClr val="accent5">
+        <a:tint val="40000"/>
+        <a:alpha val="90000"/>
+      </a:schemeClr>
+      <a:schemeClr val="accent6">
+        <a:tint val="40000"/>
+        <a:alpha val="90000"/>
+      </a:schemeClr>
+    </dgm:fillClrLst>
+    <dgm:linClrLst meth="repeat">
+      <a:schemeClr val="accent2">
+        <a:tint val="40000"/>
+        <a:alpha val="90000"/>
+      </a:schemeClr>
+      <a:schemeClr val="accent3">
+        <a:tint val="40000"/>
+        <a:alpha val="90000"/>
+      </a:schemeClr>
+      <a:schemeClr val="accent4">
+        <a:tint val="40000"/>
+        <a:alpha val="90000"/>
+      </a:schemeClr>
+      <a:schemeClr val="accent5">
+        <a:tint val="40000"/>
+        <a:alpha val="90000"/>
+      </a:schemeClr>
+      <a:schemeClr val="accent6">
+        <a:tint val="40000"/>
+        <a:alpha val="90000"/>
+      </a:schemeClr>
+    </dgm:linClrLst>
+    <dgm:effectClrLst/>
+    <dgm:txLinClrLst/>
+    <dgm:txFillClrLst meth="repeat">
+      <a:schemeClr val="dk1"/>
+    </dgm:txFillClrLst>
+    <dgm:txEffectClrLst/>
+  </dgm:styleLbl>
+  <dgm:styleLbl name="bgAccFollowNode1">
+    <dgm:fillClrLst meth="repeat">
+      <a:schemeClr val="accent2">
+        <a:tint val="40000"/>
+        <a:alpha val="90000"/>
+      </a:schemeClr>
+      <a:schemeClr val="accent3">
+        <a:tint val="40000"/>
+        <a:alpha val="90000"/>
+      </a:schemeClr>
+      <a:schemeClr val="accent4">
+        <a:tint val="40000"/>
+        <a:alpha val="90000"/>
+      </a:schemeClr>
+      <a:schemeClr val="accent5">
+        <a:tint val="40000"/>
+        <a:alpha val="90000"/>
+      </a:schemeClr>
+      <a:schemeClr val="accent6">
+        <a:tint val="40000"/>
+        <a:alpha val="90000"/>
+      </a:schemeClr>
+    </dgm:fillClrLst>
+    <dgm:linClrLst meth="repeat">
+      <a:schemeClr val="accent2">
+        <a:tint val="40000"/>
+        <a:alpha val="90000"/>
+      </a:schemeClr>
+      <a:schemeClr val="accent3">
+        <a:tint val="40000"/>
+        <a:alpha val="90000"/>
+      </a:schemeClr>
+      <a:schemeClr val="accent4">
+        <a:tint val="40000"/>
+        <a:alpha val="90000"/>
+      </a:schemeClr>
+      <a:schemeClr val="accent5">
+        <a:tint val="40000"/>
+        <a:alpha val="90000"/>
+      </a:schemeClr>
+      <a:schemeClr val="accent6">
+        <a:tint val="40000"/>
+        <a:alpha val="90000"/>
+      </a:schemeClr>
+    </dgm:linClrLst>
+    <dgm:effectClrLst/>
+    <dgm:txLinClrLst/>
+    <dgm:txFillClrLst meth="repeat">
+      <a:schemeClr val="dk1"/>
+    </dgm:txFillClrLst>
+    <dgm:txEffectClrLst/>
+  </dgm:styleLbl>
+  <dgm:styleLbl name="fgAcc0">
+    <dgm:fillClrLst meth="repeat">
+      <a:schemeClr val="lt1">
+        <a:alpha val="90000"/>
+      </a:schemeClr>
+    </dgm:fillClrLst>
+    <dgm:linClrLst>
+      <a:schemeClr val="accent1"/>
+    </dgm:linClrLst>
+    <dgm:effectClrLst/>
+    <dgm:txLinClrLst/>
+    <dgm:txFillClrLst meth="repeat">
+      <a:schemeClr val="dk1"/>
+    </dgm:txFillClrLst>
+    <dgm:txEffectClrLst/>
+  </dgm:styleLbl>
+  <dgm:styleLbl name="fgAcc2">
+    <dgm:fillClrLst meth="repeat">
+      <a:schemeClr val="lt1">
+        <a:alpha val="90000"/>
+      </a:schemeClr>
+    </dgm:fillClrLst>
+    <dgm:linClrLst>
+      <a:schemeClr val="accent2"/>
+    </dgm:linClrLst>
+    <dgm:effectClrLst/>
+    <dgm:txLinClrLst/>
+    <dgm:txFillClrLst meth="repeat">
+      <a:schemeClr val="dk1"/>
+    </dgm:txFillClrLst>
+    <dgm:txEffectClrLst/>
+  </dgm:styleLbl>
+  <dgm:styleLbl name="fgAcc3">
+    <dgm:fillClrLst meth="repeat">
+      <a:schemeClr val="lt1">
+        <a:alpha val="90000"/>
+      </a:schemeClr>
+    </dgm:fillClrLst>
+    <dgm:linClrLst>
+      <a:schemeClr val="accent3"/>
+    </dgm:linClrLst>
+    <dgm:effectClrLst/>
+    <dgm:txLinClrLst/>
+    <dgm:txFillClrLst meth="repeat">
+      <a:schemeClr val="dk1"/>
+    </dgm:txFillClrLst>
+    <dgm:txEffectClrLst/>
+  </dgm:styleLbl>
+  <dgm:styleLbl name="fgAcc4">
+    <dgm:fillClrLst meth="repeat">
+      <a:schemeClr val="lt1">
+        <a:alpha val="90000"/>
+      </a:schemeClr>
+    </dgm:fillClrLst>
+    <dgm:linClrLst>
+      <a:schemeClr val="accent4"/>
+    </dgm:linClrLst>
+    <dgm:effectClrLst/>
+    <dgm:txLinClrLst/>
+    <dgm:txFillClrLst meth="repeat">
+      <a:schemeClr val="dk1"/>
+    </dgm:txFillClrLst>
+    <dgm:txEffectClrLst/>
+  </dgm:styleLbl>
+  <dgm:styleLbl name="bgShp">
+    <dgm:fillClrLst meth="repeat">
+      <a:schemeClr val="accent2">
+        <a:tint val="40000"/>
+      </a:schemeClr>
+    </dgm:fillClrLst>
+    <dgm:linClrLst meth="repeat">
+      <a:schemeClr val="dk1"/>
+    </dgm:linClrLst>
+    <dgm:effectClrLst/>
+    <dgm:txLinClrLst/>
+    <dgm:txFillClrLst meth="repeat">
+      <a:schemeClr val="dk1"/>
+    </dgm:txFillClrLst>
+    <dgm:txEffectClrLst/>
+  </dgm:styleLbl>
+  <dgm:styleLbl name="dkBgShp">
+    <dgm:fillClrLst meth="repeat">
+      <a:schemeClr val="accent2">
+        <a:shade val="90000"/>
+      </a:schemeClr>
+    </dgm:fillClrLst>
+    <dgm:linClrLst meth="repeat">
+      <a:schemeClr val="dk1"/>
+    </dgm:linClrLst>
+    <dgm:effectClrLst/>
+    <dgm:txLinClrLst/>
+    <dgm:txFillClrLst meth="repeat">
+      <a:schemeClr val="lt1"/>
+    </dgm:txFillClrLst>
+    <dgm:txEffectClrLst/>
+  </dgm:styleLbl>
+  <dgm:styleLbl name="trBgShp">
+    <dgm:fillClrLst meth="repeat">
+      <a:schemeClr val="accent1">
+        <a:tint val="50000"/>
+        <a:alpha val="40000"/>
+      </a:schemeClr>
+    </dgm:fillClrLst>
+    <dgm:linClrLst meth="repeat">
+      <a:schemeClr val="accent2"/>
+    </dgm:linClrLst>
+    <dgm:effectClrLst/>
+    <dgm:txLinClrLst/>
+    <dgm:txFillClrLst meth="repeat">
+      <a:schemeClr val="lt1"/>
+    </dgm:txFillClrLst>
+    <dgm:txEffectClrLst/>
+  </dgm:styleLbl>
+  <dgm:styleLbl name="fgShp">
+    <dgm:fillClrLst meth="repeat">
+      <a:schemeClr val="accent2">
+        <a:tint val="40000"/>
+      </a:schemeClr>
+    </dgm:fillClrLst>
+    <dgm:linClrLst meth="repeat">
+      <a:schemeClr val="lt1"/>
+    </dgm:linClrLst>
+    <dgm:effectClrLst/>
+    <dgm:txLinClrLst/>
+    <dgm:txFillClrLst meth="repeat">
+      <a:schemeClr val="dk1"/>
+    </dgm:txFillClrLst>
+    <dgm:txEffectClrLst/>
+  </dgm:styleLbl>
+  <dgm:styleLbl name="revTx">
+    <dgm:fillClrLst meth="repeat">
+      <a:schemeClr val="lt1">
+        <a:alpha val="0"/>
+      </a:schemeClr>
+    </dgm:fillClrLst>
+    <dgm:linClrLst meth="repeat">
+      <a:schemeClr val="dk1">
+        <a:alpha val="0"/>
+      </a:schemeClr>
+    </dgm:linClrLst>
+    <dgm:effectClrLst/>
+    <dgm:txLinClrLst/>
+    <dgm:txFillClrLst meth="repeat">
+      <a:schemeClr val="tx1"/>
+    </dgm:txFillClrLst>
+    <dgm:txEffectClrLst/>
+  </dgm:styleLbl>
+</dgm:colorsDef>
+</file>
+
+<file path=ppt/diagrams/data1.xml><?xml version="1.0" encoding="utf-8"?>
+<dgm:dataModel xmlns:dgm="http://schemas.openxmlformats.org/drawingml/2006/diagram" xmlns:a="http://schemas.openxmlformats.org/drawingml/2006/main">
+  <dgm:ptLst>
+    <dgm:pt modelId="{9C40EDFB-5337-4B6D-AE93-0FD9D2CD7AC2}" type="doc">
+      <dgm:prSet loTypeId="urn:microsoft.com/office/officeart/2018/2/layout/IconLabelList" loCatId="icon" qsTypeId="urn:microsoft.com/office/officeart/2005/8/quickstyle/simple1" qsCatId="simple" csTypeId="urn:microsoft.com/office/officeart/2018/5/colors/Iconchunking_neutralbg_colorful1" csCatId="colorful" phldr="1"/>
+      <dgm:spPr/>
+      <dgm:t>
+        <a:bodyPr/>
+        <a:lstStyle/>
+        <a:p>
+          <a:endParaRPr lang="en-US"/>
+        </a:p>
+      </dgm:t>
+    </dgm:pt>
+    <dgm:pt modelId="{8F010482-34D7-4293-9396-3ACEBA8B9EAC}">
+      <dgm:prSet/>
+      <dgm:spPr/>
+      <dgm:t>
+        <a:bodyPr/>
+        <a:lstStyle/>
+        <a:p>
+          <a:r>
+            <a:rPr lang="it-IT" dirty="0"/>
+            <a:t>Il sistema operativo scelto è </a:t>
+          </a:r>
+          <a:r>
+            <a:rPr lang="it-IT" dirty="0" err="1"/>
+            <a:t>PintOS</a:t>
+          </a:r>
+          <a:endParaRPr lang="en-US" dirty="0"/>
+        </a:p>
+      </dgm:t>
+    </dgm:pt>
+    <dgm:pt modelId="{D2AB1506-5C7F-44CF-8D1F-FD401F6229F4}" type="parTrans" cxnId="{3AB157E1-2D32-4317-BCDA-654694AA72B1}">
+      <dgm:prSet/>
+      <dgm:spPr/>
+      <dgm:t>
+        <a:bodyPr/>
+        <a:lstStyle/>
+        <a:p>
+          <a:endParaRPr lang="en-US"/>
+        </a:p>
+      </dgm:t>
+    </dgm:pt>
+    <dgm:pt modelId="{ACC8F12C-944A-438D-AAB5-A1B007999BC0}" type="sibTrans" cxnId="{3AB157E1-2D32-4317-BCDA-654694AA72B1}">
+      <dgm:prSet/>
+      <dgm:spPr/>
+      <dgm:t>
+        <a:bodyPr/>
+        <a:lstStyle/>
+        <a:p>
+          <a:endParaRPr lang="en-US"/>
+        </a:p>
+      </dgm:t>
+    </dgm:pt>
+    <dgm:pt modelId="{F01BB61A-71CA-4457-AD4B-FA8DC814E8C2}">
+      <dgm:prSet/>
+      <dgm:spPr/>
+      <dgm:t>
+        <a:bodyPr/>
+        <a:lstStyle/>
+        <a:p>
+          <a:r>
+            <a:rPr lang="it-IT" dirty="0"/>
+            <a:t>SO didattico open source con architettura x86</a:t>
+          </a:r>
+          <a:endParaRPr lang="en-US" dirty="0"/>
+        </a:p>
+      </dgm:t>
+    </dgm:pt>
+    <dgm:pt modelId="{31C1F002-CFAC-4891-8BC6-BB11B7F9EAA7}" type="parTrans" cxnId="{E6BB1E30-3C62-4578-94C9-6AD6755AB1FD}">
+      <dgm:prSet/>
+      <dgm:spPr/>
+      <dgm:t>
+        <a:bodyPr/>
+        <a:lstStyle/>
+        <a:p>
+          <a:endParaRPr lang="en-US"/>
+        </a:p>
+      </dgm:t>
+    </dgm:pt>
+    <dgm:pt modelId="{ACAB3666-9E3E-426B-8EE8-0574C334ECDF}" type="sibTrans" cxnId="{E6BB1E30-3C62-4578-94C9-6AD6755AB1FD}">
+      <dgm:prSet/>
+      <dgm:spPr/>
+      <dgm:t>
+        <a:bodyPr/>
+        <a:lstStyle/>
+        <a:p>
+          <a:endParaRPr lang="en-US"/>
+        </a:p>
+      </dgm:t>
+    </dgm:pt>
+    <dgm:pt modelId="{0B07FC8B-0862-4B53-99A0-BFBA00ACBD30}">
+      <dgm:prSet/>
+      <dgm:spPr/>
+      <dgm:t>
+        <a:bodyPr/>
+        <a:lstStyle/>
+        <a:p>
+          <a:r>
+            <a:rPr lang="it-IT"/>
+            <a:t>Sviluppato dall'università di Stanford nel 2004</a:t>
+          </a:r>
+          <a:endParaRPr lang="en-US"/>
+        </a:p>
+      </dgm:t>
+    </dgm:pt>
+    <dgm:pt modelId="{6A46DE93-8A96-4A86-BD43-EF218A2B5B3E}" type="parTrans" cxnId="{3D94467A-2543-4E79-9808-8D1F954DF2EB}">
+      <dgm:prSet/>
+      <dgm:spPr/>
+      <dgm:t>
+        <a:bodyPr/>
+        <a:lstStyle/>
+        <a:p>
+          <a:endParaRPr lang="en-US"/>
+        </a:p>
+      </dgm:t>
+    </dgm:pt>
+    <dgm:pt modelId="{F64E48DD-BA2D-4C77-B9ED-5AA9E534135F}" type="sibTrans" cxnId="{3D94467A-2543-4E79-9808-8D1F954DF2EB}">
+      <dgm:prSet/>
+      <dgm:spPr/>
+      <dgm:t>
+        <a:bodyPr/>
+        <a:lstStyle/>
+        <a:p>
+          <a:endParaRPr lang="en-US"/>
+        </a:p>
+      </dgm:t>
+    </dgm:pt>
+    <dgm:pt modelId="{035F6DB3-A59F-48A4-8F30-3D4C1609C5DF}">
+      <dgm:prSet/>
+      <dgm:spPr/>
+      <dgm:t>
+        <a:bodyPr/>
+        <a:lstStyle/>
+        <a:p>
+          <a:r>
+            <a:rPr lang="it-IT"/>
+            <a:t>Successore di NachOS, è Unix-like</a:t>
+          </a:r>
+          <a:endParaRPr lang="en-US"/>
+        </a:p>
+      </dgm:t>
+    </dgm:pt>
+    <dgm:pt modelId="{4115F502-1BA2-4CB0-BBC3-6C9ADD73B26D}" type="parTrans" cxnId="{4E66B194-3B50-4452-BC87-DAF161303C17}">
+      <dgm:prSet/>
+      <dgm:spPr/>
+      <dgm:t>
+        <a:bodyPr/>
+        <a:lstStyle/>
+        <a:p>
+          <a:endParaRPr lang="en-US"/>
+        </a:p>
+      </dgm:t>
+    </dgm:pt>
+    <dgm:pt modelId="{CE171A72-639F-4778-B1C2-112B96509DB7}" type="sibTrans" cxnId="{4E66B194-3B50-4452-BC87-DAF161303C17}">
+      <dgm:prSet/>
+      <dgm:spPr/>
+      <dgm:t>
+        <a:bodyPr/>
+        <a:lstStyle/>
+        <a:p>
+          <a:endParaRPr lang="en-US"/>
+        </a:p>
+      </dgm:t>
+    </dgm:pt>
+    <dgm:pt modelId="{82354FB9-E6AF-4B82-9797-AA774E713873}" type="pres">
+      <dgm:prSet presAssocID="{9C40EDFB-5337-4B6D-AE93-0FD9D2CD7AC2}" presName="root" presStyleCnt="0">
+        <dgm:presLayoutVars>
+          <dgm:dir/>
+          <dgm:resizeHandles val="exact"/>
+        </dgm:presLayoutVars>
+      </dgm:prSet>
+      <dgm:spPr/>
+    </dgm:pt>
+    <dgm:pt modelId="{4293FAEF-38B5-4AE8-9E41-EE1E7884BAC3}" type="pres">
+      <dgm:prSet presAssocID="{8F010482-34D7-4293-9396-3ACEBA8B9EAC}" presName="compNode" presStyleCnt="0"/>
+      <dgm:spPr/>
+    </dgm:pt>
+    <dgm:pt modelId="{E24B070D-49C3-4DF2-B6E6-A6E7E0B3398C}" type="pres">
+      <dgm:prSet presAssocID="{8F010482-34D7-4293-9396-3ACEBA8B9EAC}" presName="iconRect" presStyleLbl="node1" presStyleIdx="0" presStyleCnt="4"/>
+      <dgm:spPr>
+        <a:blipFill>
+          <a:blip xmlns:r="http://schemas.openxmlformats.org/officeDocument/2006/relationships" r:embed="rId1">
+            <a:extLst>
+              <a:ext uri="{28A0092B-C50C-407E-A947-70E740481C1C}">
+                <a14:useLocalDpi xmlns:a14="http://schemas.microsoft.com/office/drawing/2010/main" val="0"/>
+              </a:ext>
+              <a:ext uri="{96DAC541-7B7A-43D3-8B79-37D633B846F1}">
+                <asvg:svgBlip xmlns:asvg="http://schemas.microsoft.com/office/drawing/2016/SVG/main" r:embed="rId2"/>
+              </a:ext>
+            </a:extLst>
+          </a:blip>
+          <a:stretch>
+            <a:fillRect/>
+          </a:stretch>
+        </a:blipFill>
+        <a:ln>
+          <a:noFill/>
+        </a:ln>
+      </dgm:spPr>
+      <dgm:extLst>
+        <a:ext uri="{E40237B7-FDA0-4F09-8148-C483321AD2D9}">
+          <dgm14:cNvPr xmlns:dgm14="http://schemas.microsoft.com/office/drawing/2010/diagram" id="0" name="" descr="Segno di spunta"/>
+        </a:ext>
+      </dgm:extLst>
+    </dgm:pt>
+    <dgm:pt modelId="{0B5F4DAC-8705-488D-B47B-50EA6417C009}" type="pres">
+      <dgm:prSet presAssocID="{8F010482-34D7-4293-9396-3ACEBA8B9EAC}" presName="spaceRect" presStyleCnt="0"/>
+      <dgm:spPr/>
+    </dgm:pt>
+    <dgm:pt modelId="{77EAABD5-B4FD-460E-8E8C-4BE8AD3ACA77}" type="pres">
+      <dgm:prSet presAssocID="{8F010482-34D7-4293-9396-3ACEBA8B9EAC}" presName="textRect" presStyleLbl="revTx" presStyleIdx="0" presStyleCnt="4">
+        <dgm:presLayoutVars>
+          <dgm:chMax val="1"/>
+          <dgm:chPref val="1"/>
+        </dgm:presLayoutVars>
+      </dgm:prSet>
+      <dgm:spPr/>
+    </dgm:pt>
+    <dgm:pt modelId="{28A54986-373E-431C-9E0D-E4B0D7871AEA}" type="pres">
+      <dgm:prSet presAssocID="{ACC8F12C-944A-438D-AAB5-A1B007999BC0}" presName="sibTrans" presStyleCnt="0"/>
+      <dgm:spPr/>
+    </dgm:pt>
+    <dgm:pt modelId="{74EABE6C-127D-4F60-80C5-DD9F32047CA4}" type="pres">
+      <dgm:prSet presAssocID="{F01BB61A-71CA-4457-AD4B-FA8DC814E8C2}" presName="compNode" presStyleCnt="0"/>
+      <dgm:spPr/>
+    </dgm:pt>
+    <dgm:pt modelId="{350A006C-7A20-4325-B000-297E546AF9BB}" type="pres">
+      <dgm:prSet presAssocID="{F01BB61A-71CA-4457-AD4B-FA8DC814E8C2}" presName="iconRect" presStyleLbl="node1" presStyleIdx="1" presStyleCnt="4"/>
+      <dgm:spPr>
+        <a:blipFill>
+          <a:blip xmlns:r="http://schemas.openxmlformats.org/officeDocument/2006/relationships" r:embed="rId3">
+            <a:extLst>
+              <a:ext uri="{28A0092B-C50C-407E-A947-70E740481C1C}">
+                <a14:useLocalDpi xmlns:a14="http://schemas.microsoft.com/office/drawing/2010/main" val="0"/>
+              </a:ext>
+              <a:ext uri="{96DAC541-7B7A-43D3-8B79-37D633B846F1}">
+                <asvg:svgBlip xmlns:asvg="http://schemas.microsoft.com/office/drawing/2016/SVG/main" r:embed="rId4"/>
+              </a:ext>
+            </a:extLst>
+          </a:blip>
+          <a:stretch>
+            <a:fillRect/>
+          </a:stretch>
+        </a:blipFill>
+        <a:ln>
+          <a:noFill/>
+        </a:ln>
+      </dgm:spPr>
+      <dgm:extLst>
+        <a:ext uri="{E40237B7-FDA0-4F09-8148-C483321AD2D9}">
+          <dgm14:cNvPr xmlns:dgm14="http://schemas.microsoft.com/office/drawing/2010/diagram" id="0" name="" descr="Computer"/>
+        </a:ext>
+      </dgm:extLst>
+    </dgm:pt>
+    <dgm:pt modelId="{A36C6BC9-5F76-449F-BF5B-9C1B732484BA}" type="pres">
+      <dgm:prSet presAssocID="{F01BB61A-71CA-4457-AD4B-FA8DC814E8C2}" presName="spaceRect" presStyleCnt="0"/>
+      <dgm:spPr/>
+    </dgm:pt>
+    <dgm:pt modelId="{C204F717-666B-49FE-A5B4-66391F2BE60C}" type="pres">
+      <dgm:prSet presAssocID="{F01BB61A-71CA-4457-AD4B-FA8DC814E8C2}" presName="textRect" presStyleLbl="revTx" presStyleIdx="1" presStyleCnt="4">
+        <dgm:presLayoutVars>
+          <dgm:chMax val="1"/>
+          <dgm:chPref val="1"/>
+        </dgm:presLayoutVars>
+      </dgm:prSet>
+      <dgm:spPr/>
+    </dgm:pt>
+    <dgm:pt modelId="{FB7BF9FA-3396-436E-9B74-F638884AAFBD}" type="pres">
+      <dgm:prSet presAssocID="{ACAB3666-9E3E-426B-8EE8-0574C334ECDF}" presName="sibTrans" presStyleCnt="0"/>
+      <dgm:spPr/>
+    </dgm:pt>
+    <dgm:pt modelId="{21B7A3A9-B41B-4024-BD14-5538C3FA0C4D}" type="pres">
+      <dgm:prSet presAssocID="{0B07FC8B-0862-4B53-99A0-BFBA00ACBD30}" presName="compNode" presStyleCnt="0"/>
+      <dgm:spPr/>
+    </dgm:pt>
+    <dgm:pt modelId="{5C99974A-8CBB-49B7-9295-7CA8D2565B23}" type="pres">
+      <dgm:prSet presAssocID="{0B07FC8B-0862-4B53-99A0-BFBA00ACBD30}" presName="iconRect" presStyleLbl="node1" presStyleIdx="2" presStyleCnt="4"/>
+      <dgm:spPr>
+        <a:blipFill>
+          <a:blip xmlns:r="http://schemas.openxmlformats.org/officeDocument/2006/relationships" r:embed="rId5">
+            <a:extLst>
+              <a:ext uri="{28A0092B-C50C-407E-A947-70E740481C1C}">
+                <a14:useLocalDpi xmlns:a14="http://schemas.microsoft.com/office/drawing/2010/main" val="0"/>
+              </a:ext>
+              <a:ext uri="{96DAC541-7B7A-43D3-8B79-37D633B846F1}">
+                <asvg:svgBlip xmlns:asvg="http://schemas.microsoft.com/office/drawing/2016/SVG/main" r:embed="rId6"/>
+              </a:ext>
+            </a:extLst>
+          </a:blip>
+          <a:stretch>
+            <a:fillRect/>
+          </a:stretch>
+        </a:blipFill>
+        <a:ln>
+          <a:noFill/>
+        </a:ln>
+      </dgm:spPr>
+      <dgm:extLst>
+        <a:ext uri="{E40237B7-FDA0-4F09-8148-C483321AD2D9}">
+          <dgm14:cNvPr xmlns:dgm14="http://schemas.microsoft.com/office/drawing/2010/diagram" id="0" name="" descr="Head with Gears"/>
+        </a:ext>
+      </dgm:extLst>
+    </dgm:pt>
+    <dgm:pt modelId="{3B4CE93E-9C4D-4F5C-B54F-275822714C15}" type="pres">
+      <dgm:prSet presAssocID="{0B07FC8B-0862-4B53-99A0-BFBA00ACBD30}" presName="spaceRect" presStyleCnt="0"/>
+      <dgm:spPr/>
+    </dgm:pt>
+    <dgm:pt modelId="{E116D781-02DD-4D6C-9444-55A5FF0869FC}" type="pres">
+      <dgm:prSet presAssocID="{0B07FC8B-0862-4B53-99A0-BFBA00ACBD30}" presName="textRect" presStyleLbl="revTx" presStyleIdx="2" presStyleCnt="4">
+        <dgm:presLayoutVars>
+          <dgm:chMax val="1"/>
+          <dgm:chPref val="1"/>
+        </dgm:presLayoutVars>
+      </dgm:prSet>
+      <dgm:spPr/>
+    </dgm:pt>
+    <dgm:pt modelId="{92017A6D-1C2E-4E50-A336-370EA20A56B1}" type="pres">
+      <dgm:prSet presAssocID="{F64E48DD-BA2D-4C77-B9ED-5AA9E534135F}" presName="sibTrans" presStyleCnt="0"/>
+      <dgm:spPr/>
+    </dgm:pt>
+    <dgm:pt modelId="{669E0B73-050C-4BA7-9B4B-19A22C8BC5C0}" type="pres">
+      <dgm:prSet presAssocID="{035F6DB3-A59F-48A4-8F30-3D4C1609C5DF}" presName="compNode" presStyleCnt="0"/>
+      <dgm:spPr/>
+    </dgm:pt>
+    <dgm:pt modelId="{6F70BABB-E6EA-4717-B2D6-10AC60174FF5}" type="pres">
+      <dgm:prSet presAssocID="{035F6DB3-A59F-48A4-8F30-3D4C1609C5DF}" presName="iconRect" presStyleLbl="node1" presStyleIdx="3" presStyleCnt="4"/>
+      <dgm:spPr>
+        <a:blipFill>
+          <a:blip xmlns:r="http://schemas.openxmlformats.org/officeDocument/2006/relationships" r:embed="rId7">
+            <a:extLst>
+              <a:ext uri="{28A0092B-C50C-407E-A947-70E740481C1C}">
+                <a14:useLocalDpi xmlns:a14="http://schemas.microsoft.com/office/drawing/2010/main" val="0"/>
+              </a:ext>
+              <a:ext uri="{96DAC541-7B7A-43D3-8B79-37D633B846F1}">
+                <asvg:svgBlip xmlns:asvg="http://schemas.microsoft.com/office/drawing/2016/SVG/main" r:embed="rId8"/>
+              </a:ext>
+            </a:extLst>
+          </a:blip>
+          <a:stretch>
+            <a:fillRect/>
+          </a:stretch>
+        </a:blipFill>
+        <a:ln>
+          <a:noFill/>
+        </a:ln>
+      </dgm:spPr>
+      <dgm:extLst>
+        <a:ext uri="{E40237B7-FDA0-4F09-8148-C483321AD2D9}">
+          <dgm14:cNvPr xmlns:dgm14="http://schemas.microsoft.com/office/drawing/2010/diagram" id="0" name="" descr="Programmatore"/>
+        </a:ext>
+      </dgm:extLst>
+    </dgm:pt>
+    <dgm:pt modelId="{2BD6B652-C00E-4807-99AD-CF5B5121C819}" type="pres">
+      <dgm:prSet presAssocID="{035F6DB3-A59F-48A4-8F30-3D4C1609C5DF}" presName="spaceRect" presStyleCnt="0"/>
+      <dgm:spPr/>
+    </dgm:pt>
+    <dgm:pt modelId="{923536FA-8970-4EA2-A3D8-80288F2D9C20}" type="pres">
+      <dgm:prSet presAssocID="{035F6DB3-A59F-48A4-8F30-3D4C1609C5DF}" presName="textRect" presStyleLbl="revTx" presStyleIdx="3" presStyleCnt="4">
+        <dgm:presLayoutVars>
+          <dgm:chMax val="1"/>
+          <dgm:chPref val="1"/>
+        </dgm:presLayoutVars>
+      </dgm:prSet>
+      <dgm:spPr/>
+    </dgm:pt>
+  </dgm:ptLst>
+  <dgm:cxnLst>
+    <dgm:cxn modelId="{59287E00-5378-4DAB-BE80-D7E12394EF0C}" type="presOf" srcId="{F01BB61A-71CA-4457-AD4B-FA8DC814E8C2}" destId="{C204F717-666B-49FE-A5B4-66391F2BE60C}" srcOrd="0" destOrd="0" presId="urn:microsoft.com/office/officeart/2018/2/layout/IconLabelList"/>
+    <dgm:cxn modelId="{E6BB1E30-3C62-4578-94C9-6AD6755AB1FD}" srcId="{9C40EDFB-5337-4B6D-AE93-0FD9D2CD7AC2}" destId="{F01BB61A-71CA-4457-AD4B-FA8DC814E8C2}" srcOrd="1" destOrd="0" parTransId="{31C1F002-CFAC-4891-8BC6-BB11B7F9EAA7}" sibTransId="{ACAB3666-9E3E-426B-8EE8-0574C334ECDF}"/>
+    <dgm:cxn modelId="{3D94467A-2543-4E79-9808-8D1F954DF2EB}" srcId="{9C40EDFB-5337-4B6D-AE93-0FD9D2CD7AC2}" destId="{0B07FC8B-0862-4B53-99A0-BFBA00ACBD30}" srcOrd="2" destOrd="0" parTransId="{6A46DE93-8A96-4A86-BD43-EF218A2B5B3E}" sibTransId="{F64E48DD-BA2D-4C77-B9ED-5AA9E534135F}"/>
+    <dgm:cxn modelId="{4E66B194-3B50-4452-BC87-DAF161303C17}" srcId="{9C40EDFB-5337-4B6D-AE93-0FD9D2CD7AC2}" destId="{035F6DB3-A59F-48A4-8F30-3D4C1609C5DF}" srcOrd="3" destOrd="0" parTransId="{4115F502-1BA2-4CB0-BBC3-6C9ADD73B26D}" sibTransId="{CE171A72-639F-4778-B1C2-112B96509DB7}"/>
+    <dgm:cxn modelId="{B863D6BB-9A84-4FDD-B3D3-F7342A2B21CB}" type="presOf" srcId="{8F010482-34D7-4293-9396-3ACEBA8B9EAC}" destId="{77EAABD5-B4FD-460E-8E8C-4BE8AD3ACA77}" srcOrd="0" destOrd="0" presId="urn:microsoft.com/office/officeart/2018/2/layout/IconLabelList"/>
+    <dgm:cxn modelId="{3C0083C9-BD44-4EB2-9355-38B29CCD6ACA}" type="presOf" srcId="{0B07FC8B-0862-4B53-99A0-BFBA00ACBD30}" destId="{E116D781-02DD-4D6C-9444-55A5FF0869FC}" srcOrd="0" destOrd="0" presId="urn:microsoft.com/office/officeart/2018/2/layout/IconLabelList"/>
+    <dgm:cxn modelId="{3CD376E0-D3F0-41FA-A7CB-9ADA882B8BC3}" type="presOf" srcId="{9C40EDFB-5337-4B6D-AE93-0FD9D2CD7AC2}" destId="{82354FB9-E6AF-4B82-9797-AA774E713873}" srcOrd="0" destOrd="0" presId="urn:microsoft.com/office/officeart/2018/2/layout/IconLabelList"/>
+    <dgm:cxn modelId="{3AB157E1-2D32-4317-BCDA-654694AA72B1}" srcId="{9C40EDFB-5337-4B6D-AE93-0FD9D2CD7AC2}" destId="{8F010482-34D7-4293-9396-3ACEBA8B9EAC}" srcOrd="0" destOrd="0" parTransId="{D2AB1506-5C7F-44CF-8D1F-FD401F6229F4}" sibTransId="{ACC8F12C-944A-438D-AAB5-A1B007999BC0}"/>
+    <dgm:cxn modelId="{80303FEE-5C3A-4221-9441-4A4E39C83D54}" type="presOf" srcId="{035F6DB3-A59F-48A4-8F30-3D4C1609C5DF}" destId="{923536FA-8970-4EA2-A3D8-80288F2D9C20}" srcOrd="0" destOrd="0" presId="urn:microsoft.com/office/officeart/2018/2/layout/IconLabelList"/>
+    <dgm:cxn modelId="{3E2C76A1-4D35-4164-A8C1-ED5D6F1D7EB3}" type="presParOf" srcId="{82354FB9-E6AF-4B82-9797-AA774E713873}" destId="{4293FAEF-38B5-4AE8-9E41-EE1E7884BAC3}" srcOrd="0" destOrd="0" presId="urn:microsoft.com/office/officeart/2018/2/layout/IconLabelList"/>
+    <dgm:cxn modelId="{D5158006-6120-44C1-9E33-2CD380B31CEB}" type="presParOf" srcId="{4293FAEF-38B5-4AE8-9E41-EE1E7884BAC3}" destId="{E24B070D-49C3-4DF2-B6E6-A6E7E0B3398C}" srcOrd="0" destOrd="0" presId="urn:microsoft.com/office/officeart/2018/2/layout/IconLabelList"/>
+    <dgm:cxn modelId="{23B1A8B9-8291-46A8-BB8A-6BA1FB65E78E}" type="presParOf" srcId="{4293FAEF-38B5-4AE8-9E41-EE1E7884BAC3}" destId="{0B5F4DAC-8705-488D-B47B-50EA6417C009}" srcOrd="1" destOrd="0" presId="urn:microsoft.com/office/officeart/2018/2/layout/IconLabelList"/>
+    <dgm:cxn modelId="{FC08FB84-B6F8-47FC-B835-E01AE5745087}" type="presParOf" srcId="{4293FAEF-38B5-4AE8-9E41-EE1E7884BAC3}" destId="{77EAABD5-B4FD-460E-8E8C-4BE8AD3ACA77}" srcOrd="2" destOrd="0" presId="urn:microsoft.com/office/officeart/2018/2/layout/IconLabelList"/>
+    <dgm:cxn modelId="{7E774331-8C51-4128-9895-CE22FF5DD39D}" type="presParOf" srcId="{82354FB9-E6AF-4B82-9797-AA774E713873}" destId="{28A54986-373E-431C-9E0D-E4B0D7871AEA}" srcOrd="1" destOrd="0" presId="urn:microsoft.com/office/officeart/2018/2/layout/IconLabelList"/>
+    <dgm:cxn modelId="{E0CDEF2E-D105-4BDE-9FF2-7384721259FF}" type="presParOf" srcId="{82354FB9-E6AF-4B82-9797-AA774E713873}" destId="{74EABE6C-127D-4F60-80C5-DD9F32047CA4}" srcOrd="2" destOrd="0" presId="urn:microsoft.com/office/officeart/2018/2/layout/IconLabelList"/>
+    <dgm:cxn modelId="{70F1F9FA-8EE1-44E7-B16D-21910DBD8740}" type="presParOf" srcId="{74EABE6C-127D-4F60-80C5-DD9F32047CA4}" destId="{350A006C-7A20-4325-B000-297E546AF9BB}" srcOrd="0" destOrd="0" presId="urn:microsoft.com/office/officeart/2018/2/layout/IconLabelList"/>
+    <dgm:cxn modelId="{2B00F1B8-BC4E-4BFD-9376-26B1F6145948}" type="presParOf" srcId="{74EABE6C-127D-4F60-80C5-DD9F32047CA4}" destId="{A36C6BC9-5F76-449F-BF5B-9C1B732484BA}" srcOrd="1" destOrd="0" presId="urn:microsoft.com/office/officeart/2018/2/layout/IconLabelList"/>
+    <dgm:cxn modelId="{3538ABE1-525A-47EA-A431-3DD04A73D419}" type="presParOf" srcId="{74EABE6C-127D-4F60-80C5-DD9F32047CA4}" destId="{C204F717-666B-49FE-A5B4-66391F2BE60C}" srcOrd="2" destOrd="0" presId="urn:microsoft.com/office/officeart/2018/2/layout/IconLabelList"/>
+    <dgm:cxn modelId="{6CB0943F-B6E3-4F4B-9F75-526C98BE627C}" type="presParOf" srcId="{82354FB9-E6AF-4B82-9797-AA774E713873}" destId="{FB7BF9FA-3396-436E-9B74-F638884AAFBD}" srcOrd="3" destOrd="0" presId="urn:microsoft.com/office/officeart/2018/2/layout/IconLabelList"/>
+    <dgm:cxn modelId="{0B842D5D-231E-4F41-BF60-B6732A1D5A1B}" type="presParOf" srcId="{82354FB9-E6AF-4B82-9797-AA774E713873}" destId="{21B7A3A9-B41B-4024-BD14-5538C3FA0C4D}" srcOrd="4" destOrd="0" presId="urn:microsoft.com/office/officeart/2018/2/layout/IconLabelList"/>
+    <dgm:cxn modelId="{B56632A7-A8AA-416C-BE27-AED27F711712}" type="presParOf" srcId="{21B7A3A9-B41B-4024-BD14-5538C3FA0C4D}" destId="{5C99974A-8CBB-49B7-9295-7CA8D2565B23}" srcOrd="0" destOrd="0" presId="urn:microsoft.com/office/officeart/2018/2/layout/IconLabelList"/>
+    <dgm:cxn modelId="{7817C2F2-BB82-408B-B150-974E3B73E103}" type="presParOf" srcId="{21B7A3A9-B41B-4024-BD14-5538C3FA0C4D}" destId="{3B4CE93E-9C4D-4F5C-B54F-275822714C15}" srcOrd="1" destOrd="0" presId="urn:microsoft.com/office/officeart/2018/2/layout/IconLabelList"/>
+    <dgm:cxn modelId="{23B64926-2196-45EE-BDC6-5EF355E04200}" type="presParOf" srcId="{21B7A3A9-B41B-4024-BD14-5538C3FA0C4D}" destId="{E116D781-02DD-4D6C-9444-55A5FF0869FC}" srcOrd="2" destOrd="0" presId="urn:microsoft.com/office/officeart/2018/2/layout/IconLabelList"/>
+    <dgm:cxn modelId="{1800BC8E-CE5A-4379-A1E3-441D8120B06E}" type="presParOf" srcId="{82354FB9-E6AF-4B82-9797-AA774E713873}" destId="{92017A6D-1C2E-4E50-A336-370EA20A56B1}" srcOrd="5" destOrd="0" presId="urn:microsoft.com/office/officeart/2018/2/layout/IconLabelList"/>
+    <dgm:cxn modelId="{21D94339-3F2B-4A29-A13E-F81CB2AFBB4F}" type="presParOf" srcId="{82354FB9-E6AF-4B82-9797-AA774E713873}" destId="{669E0B73-050C-4BA7-9B4B-19A22C8BC5C0}" srcOrd="6" destOrd="0" presId="urn:microsoft.com/office/officeart/2018/2/layout/IconLabelList"/>
+    <dgm:cxn modelId="{F56A4D53-787A-4190-A013-61F09E99072D}" type="presParOf" srcId="{669E0B73-050C-4BA7-9B4B-19A22C8BC5C0}" destId="{6F70BABB-E6EA-4717-B2D6-10AC60174FF5}" srcOrd="0" destOrd="0" presId="urn:microsoft.com/office/officeart/2018/2/layout/IconLabelList"/>
+    <dgm:cxn modelId="{B358A5A4-2591-41FE-AAA8-54B53AD9DEB1}" type="presParOf" srcId="{669E0B73-050C-4BA7-9B4B-19A22C8BC5C0}" destId="{2BD6B652-C00E-4807-99AD-CF5B5121C819}" srcOrd="1" destOrd="0" presId="urn:microsoft.com/office/officeart/2018/2/layout/IconLabelList"/>
+    <dgm:cxn modelId="{64C0477E-94DF-4E9C-965E-5DA762D13F9F}" type="presParOf" srcId="{669E0B73-050C-4BA7-9B4B-19A22C8BC5C0}" destId="{923536FA-8970-4EA2-A3D8-80288F2D9C20}" srcOrd="2" destOrd="0" presId="urn:microsoft.com/office/officeart/2018/2/layout/IconLabelList"/>
+  </dgm:cxnLst>
+  <dgm:bg/>
+  <dgm:whole/>
+  <dgm:extLst>
+    <a:ext uri="http://schemas.microsoft.com/office/drawing/2008/diagram">
+      <dsp:dataModelExt xmlns:dsp="http://schemas.microsoft.com/office/drawing/2008/diagram" relId="rId6" minVer="http://schemas.openxmlformats.org/drawingml/2006/diagram"/>
+    </a:ext>
+  </dgm:extLst>
+</dgm:dataModel>
+</file>
+
+<file path=ppt/diagrams/data2.xml><?xml version="1.0" encoding="utf-8"?>
+<dgm:dataModel xmlns:dgm="http://schemas.openxmlformats.org/drawingml/2006/diagram" xmlns:a="http://schemas.openxmlformats.org/drawingml/2006/main">
+  <dgm:ptLst>
+    <dgm:pt modelId="{8EB49371-175E-430C-8CED-FF3A00A0A89E}" type="doc">
+      <dgm:prSet loTypeId="urn:microsoft.com/office/officeart/2016/7/layout/BasicLinearProcessNumbered" loCatId="process" qsTypeId="urn:microsoft.com/office/officeart/2005/8/quickstyle/simple1" qsCatId="simple" csTypeId="urn:microsoft.com/office/officeart/2005/8/colors/colorful1" csCatId="colorful"/>
+      <dgm:spPr/>
+      <dgm:t>
+        <a:bodyPr/>
+        <a:lstStyle/>
+        <a:p>
+          <a:endParaRPr lang="en-US"/>
+        </a:p>
+      </dgm:t>
+    </dgm:pt>
+    <dgm:pt modelId="{45D31E96-8586-4DBB-8B66-A19CE5201571}">
+      <dgm:prSet/>
+      <dgm:spPr/>
+      <dgm:t>
+        <a:bodyPr/>
+        <a:lstStyle/>
+        <a:p>
+          <a:r>
+            <a:rPr lang="it-IT"/>
+            <a:t>Sono fondamentali per l'interazione tra i programmi utente e il kernel di un sistema operativo</a:t>
+          </a:r>
+          <a:endParaRPr lang="en-US"/>
+        </a:p>
+      </dgm:t>
+    </dgm:pt>
+    <dgm:pt modelId="{91E9D6B8-E73D-41DF-8BB9-94E8CE4AE5FE}" type="parTrans" cxnId="{012B6570-69E5-4FC5-B872-37EA45BE9477}">
+      <dgm:prSet/>
+      <dgm:spPr/>
+      <dgm:t>
+        <a:bodyPr/>
+        <a:lstStyle/>
+        <a:p>
+          <a:endParaRPr lang="en-US"/>
+        </a:p>
+      </dgm:t>
+    </dgm:pt>
+    <dgm:pt modelId="{C828A377-0E82-4328-9A5A-7F8735504504}" type="sibTrans" cxnId="{012B6570-69E5-4FC5-B872-37EA45BE9477}">
+      <dgm:prSet phldrT="1" phldr="0"/>
+      <dgm:spPr/>
+      <dgm:t>
+        <a:bodyPr/>
+        <a:lstStyle/>
+        <a:p>
+          <a:r>
+            <a:rPr lang="en-US"/>
+            <a:t>1</a:t>
+          </a:r>
+        </a:p>
+      </dgm:t>
+    </dgm:pt>
+    <dgm:pt modelId="{0016C3DE-25EB-47D0-AE44-6188826BBD7D}">
+      <dgm:prSet/>
+      <dgm:spPr/>
+      <dgm:t>
+        <a:bodyPr/>
+        <a:lstStyle/>
+        <a:p>
+          <a:r>
+            <a:rPr lang="it-IT"/>
+            <a:t>Sia in OS161 che in Pintos manca il supporto completo delle system calls!</a:t>
+          </a:r>
+          <a:endParaRPr lang="en-US"/>
+        </a:p>
+      </dgm:t>
+    </dgm:pt>
+    <dgm:pt modelId="{CE5D54AC-9FB3-4A3F-89F6-367FE0B21651}" type="parTrans" cxnId="{C51C5B30-C67E-496E-A26C-6B4C0D952AB2}">
+      <dgm:prSet/>
+      <dgm:spPr/>
+      <dgm:t>
+        <a:bodyPr/>
+        <a:lstStyle/>
+        <a:p>
+          <a:endParaRPr lang="en-US"/>
+        </a:p>
+      </dgm:t>
+    </dgm:pt>
+    <dgm:pt modelId="{80C4C983-7455-40D8-A63F-2428DD72DB60}" type="sibTrans" cxnId="{C51C5B30-C67E-496E-A26C-6B4C0D952AB2}">
+      <dgm:prSet phldrT="2" phldr="0"/>
+      <dgm:spPr/>
+      <dgm:t>
+        <a:bodyPr/>
+        <a:lstStyle/>
+        <a:p>
+          <a:r>
+            <a:rPr lang="en-US"/>
+            <a:t>2</a:t>
+          </a:r>
+        </a:p>
+      </dgm:t>
+    </dgm:pt>
+    <dgm:pt modelId="{8E2146C9-89AD-4EE3-9E1F-4B0A46278A6B}">
+      <dgm:prSet/>
+      <dgm:spPr/>
+      <dgm:t>
+        <a:bodyPr/>
+        <a:lstStyle/>
+        <a:p>
+          <a:r>
+            <a:rPr lang="it-IT"/>
+            <a:t>Alcune di esse sono state implementate nella sezione II del progetto</a:t>
+          </a:r>
+          <a:endParaRPr lang="en-US"/>
+        </a:p>
+      </dgm:t>
+    </dgm:pt>
+    <dgm:pt modelId="{312CEF87-762C-41B0-B452-813AEA618376}" type="parTrans" cxnId="{30BDA3B9-3CFD-4506-B44C-9AA324F43BA9}">
+      <dgm:prSet/>
+      <dgm:spPr/>
+      <dgm:t>
+        <a:bodyPr/>
+        <a:lstStyle/>
+        <a:p>
+          <a:endParaRPr lang="en-US"/>
+        </a:p>
+      </dgm:t>
+    </dgm:pt>
+    <dgm:pt modelId="{ADC38488-0888-4326-8EE0-2C8F3ECF60B4}" type="sibTrans" cxnId="{30BDA3B9-3CFD-4506-B44C-9AA324F43BA9}">
+      <dgm:prSet phldrT="3" phldr="0"/>
+      <dgm:spPr/>
+      <dgm:t>
+        <a:bodyPr/>
+        <a:lstStyle/>
+        <a:p>
+          <a:r>
+            <a:rPr lang="en-US"/>
+            <a:t>3</a:t>
+          </a:r>
+        </a:p>
+      </dgm:t>
+    </dgm:pt>
+    <dgm:pt modelId="{4668D0C4-45FE-4FAB-AC41-1DC59DB91964}" type="pres">
+      <dgm:prSet presAssocID="{8EB49371-175E-430C-8CED-FF3A00A0A89E}" presName="Name0" presStyleCnt="0">
+        <dgm:presLayoutVars>
+          <dgm:animLvl val="lvl"/>
+          <dgm:resizeHandles val="exact"/>
+        </dgm:presLayoutVars>
+      </dgm:prSet>
+      <dgm:spPr/>
+    </dgm:pt>
+    <dgm:pt modelId="{C0B42440-F954-404E-8539-04AC029138A2}" type="pres">
+      <dgm:prSet presAssocID="{45D31E96-8586-4DBB-8B66-A19CE5201571}" presName="compositeNode" presStyleCnt="0">
+        <dgm:presLayoutVars>
+          <dgm:bulletEnabled val="1"/>
+        </dgm:presLayoutVars>
+      </dgm:prSet>
+      <dgm:spPr/>
+    </dgm:pt>
+    <dgm:pt modelId="{C395BCF6-B37E-495E-BB1D-392D2D24754D}" type="pres">
+      <dgm:prSet presAssocID="{45D31E96-8586-4DBB-8B66-A19CE5201571}" presName="bgRect" presStyleLbl="bgAccFollowNode1" presStyleIdx="0" presStyleCnt="3"/>
+      <dgm:spPr/>
+    </dgm:pt>
+    <dgm:pt modelId="{F627B9C6-A3C8-4C22-9905-DCFE3632A224}" type="pres">
+      <dgm:prSet presAssocID="{C828A377-0E82-4328-9A5A-7F8735504504}" presName="sibTransNodeCircle" presStyleLbl="alignNode1" presStyleIdx="0" presStyleCnt="6">
+        <dgm:presLayoutVars>
+          <dgm:chMax val="0"/>
+          <dgm:bulletEnabled/>
+        </dgm:presLayoutVars>
+      </dgm:prSet>
+      <dgm:spPr/>
+    </dgm:pt>
+    <dgm:pt modelId="{00936972-7A3E-44FD-B769-C1269FE5E76C}" type="pres">
+      <dgm:prSet presAssocID="{45D31E96-8586-4DBB-8B66-A19CE5201571}" presName="bottomLine" presStyleLbl="alignNode1" presStyleIdx="1" presStyleCnt="6">
+        <dgm:presLayoutVars/>
+      </dgm:prSet>
+      <dgm:spPr/>
+    </dgm:pt>
+    <dgm:pt modelId="{1A69D068-02AB-4E59-AFEA-9B27D9CB9B40}" type="pres">
+      <dgm:prSet presAssocID="{45D31E96-8586-4DBB-8B66-A19CE5201571}" presName="nodeText" presStyleLbl="bgAccFollowNode1" presStyleIdx="0" presStyleCnt="3">
+        <dgm:presLayoutVars>
+          <dgm:bulletEnabled val="1"/>
+        </dgm:presLayoutVars>
+      </dgm:prSet>
+      <dgm:spPr/>
+    </dgm:pt>
+    <dgm:pt modelId="{FA57E113-F7E1-4DEA-B936-8FB2C38B17E3}" type="pres">
+      <dgm:prSet presAssocID="{C828A377-0E82-4328-9A5A-7F8735504504}" presName="sibTrans" presStyleCnt="0"/>
+      <dgm:spPr/>
+    </dgm:pt>
+    <dgm:pt modelId="{4F53D30C-01C2-42E0-B450-FBE0C6D0196C}" type="pres">
+      <dgm:prSet presAssocID="{0016C3DE-25EB-47D0-AE44-6188826BBD7D}" presName="compositeNode" presStyleCnt="0">
+        <dgm:presLayoutVars>
+          <dgm:bulletEnabled val="1"/>
+        </dgm:presLayoutVars>
+      </dgm:prSet>
+      <dgm:spPr/>
+    </dgm:pt>
+    <dgm:pt modelId="{D3DB0CEF-EEA9-460D-8249-A2C1A8962EC6}" type="pres">
+      <dgm:prSet presAssocID="{0016C3DE-25EB-47D0-AE44-6188826BBD7D}" presName="bgRect" presStyleLbl="bgAccFollowNode1" presStyleIdx="1" presStyleCnt="3"/>
+      <dgm:spPr/>
+    </dgm:pt>
+    <dgm:pt modelId="{F7352C97-27B5-47C1-8AC7-E2F5CD488095}" type="pres">
+      <dgm:prSet presAssocID="{80C4C983-7455-40D8-A63F-2428DD72DB60}" presName="sibTransNodeCircle" presStyleLbl="alignNode1" presStyleIdx="2" presStyleCnt="6">
+        <dgm:presLayoutVars>
+          <dgm:chMax val="0"/>
+          <dgm:bulletEnabled/>
+        </dgm:presLayoutVars>
+      </dgm:prSet>
+      <dgm:spPr/>
+    </dgm:pt>
+    <dgm:pt modelId="{29953405-EEEB-46DF-AFAF-215C40C668CD}" type="pres">
+      <dgm:prSet presAssocID="{0016C3DE-25EB-47D0-AE44-6188826BBD7D}" presName="bottomLine" presStyleLbl="alignNode1" presStyleIdx="3" presStyleCnt="6">
+        <dgm:presLayoutVars/>
+      </dgm:prSet>
+      <dgm:spPr/>
+    </dgm:pt>
+    <dgm:pt modelId="{773E89A1-A104-4F77-B9F3-7934F3AE8DF9}" type="pres">
+      <dgm:prSet presAssocID="{0016C3DE-25EB-47D0-AE44-6188826BBD7D}" presName="nodeText" presStyleLbl="bgAccFollowNode1" presStyleIdx="1" presStyleCnt="3">
+        <dgm:presLayoutVars>
+          <dgm:bulletEnabled val="1"/>
+        </dgm:presLayoutVars>
+      </dgm:prSet>
+      <dgm:spPr/>
+    </dgm:pt>
+    <dgm:pt modelId="{AB6D975A-7568-4352-9141-FDE6316E18EE}" type="pres">
+      <dgm:prSet presAssocID="{80C4C983-7455-40D8-A63F-2428DD72DB60}" presName="sibTrans" presStyleCnt="0"/>
+      <dgm:spPr/>
+    </dgm:pt>
+    <dgm:pt modelId="{C78BDB02-FE2E-4A02-8DC3-B71C88EA88B1}" type="pres">
+      <dgm:prSet presAssocID="{8E2146C9-89AD-4EE3-9E1F-4B0A46278A6B}" presName="compositeNode" presStyleCnt="0">
+        <dgm:presLayoutVars>
+          <dgm:bulletEnabled val="1"/>
+        </dgm:presLayoutVars>
+      </dgm:prSet>
+      <dgm:spPr/>
+    </dgm:pt>
+    <dgm:pt modelId="{D627BBB8-AC43-4192-A8C8-5FBFD4862D0C}" type="pres">
+      <dgm:prSet presAssocID="{8E2146C9-89AD-4EE3-9E1F-4B0A46278A6B}" presName="bgRect" presStyleLbl="bgAccFollowNode1" presStyleIdx="2" presStyleCnt="3"/>
+      <dgm:spPr/>
+    </dgm:pt>
+    <dgm:pt modelId="{2548B546-E2C6-480B-8F8B-8E3A4064B59C}" type="pres">
+      <dgm:prSet presAssocID="{ADC38488-0888-4326-8EE0-2C8F3ECF60B4}" presName="sibTransNodeCircle" presStyleLbl="alignNode1" presStyleIdx="4" presStyleCnt="6">
+        <dgm:presLayoutVars>
+          <dgm:chMax val="0"/>
+          <dgm:bulletEnabled/>
+        </dgm:presLayoutVars>
+      </dgm:prSet>
+      <dgm:spPr/>
+    </dgm:pt>
+    <dgm:pt modelId="{10B9F250-6468-418D-809E-13B813E30F8B}" type="pres">
+      <dgm:prSet presAssocID="{8E2146C9-89AD-4EE3-9E1F-4B0A46278A6B}" presName="bottomLine" presStyleLbl="alignNode1" presStyleIdx="5" presStyleCnt="6">
+        <dgm:presLayoutVars/>
+      </dgm:prSet>
+      <dgm:spPr/>
+    </dgm:pt>
+    <dgm:pt modelId="{E4AA54C5-C3E9-4DB4-B560-94FE0BB080F1}" type="pres">
+      <dgm:prSet presAssocID="{8E2146C9-89AD-4EE3-9E1F-4B0A46278A6B}" presName="nodeText" presStyleLbl="bgAccFollowNode1" presStyleIdx="2" presStyleCnt="3">
+        <dgm:presLayoutVars>
+          <dgm:bulletEnabled val="1"/>
+        </dgm:presLayoutVars>
+      </dgm:prSet>
+      <dgm:spPr/>
+    </dgm:pt>
+  </dgm:ptLst>
+  <dgm:cxnLst>
+    <dgm:cxn modelId="{26F1C702-845F-44D6-AE96-F55E6B71CD1D}" type="presOf" srcId="{8E2146C9-89AD-4EE3-9E1F-4B0A46278A6B}" destId="{D627BBB8-AC43-4192-A8C8-5FBFD4862D0C}" srcOrd="0" destOrd="0" presId="urn:microsoft.com/office/officeart/2016/7/layout/BasicLinearProcessNumbered"/>
+    <dgm:cxn modelId="{BAEC6112-F583-47BE-A988-AFAAE078BEC9}" type="presOf" srcId="{80C4C983-7455-40D8-A63F-2428DD72DB60}" destId="{F7352C97-27B5-47C1-8AC7-E2F5CD488095}" srcOrd="0" destOrd="0" presId="urn:microsoft.com/office/officeart/2016/7/layout/BasicLinearProcessNumbered"/>
+    <dgm:cxn modelId="{D0C6F72F-39A8-4C24-815B-CC79450E94F9}" type="presOf" srcId="{ADC38488-0888-4326-8EE0-2C8F3ECF60B4}" destId="{2548B546-E2C6-480B-8F8B-8E3A4064B59C}" srcOrd="0" destOrd="0" presId="urn:microsoft.com/office/officeart/2016/7/layout/BasicLinearProcessNumbered"/>
+    <dgm:cxn modelId="{C51C5B30-C67E-496E-A26C-6B4C0D952AB2}" srcId="{8EB49371-175E-430C-8CED-FF3A00A0A89E}" destId="{0016C3DE-25EB-47D0-AE44-6188826BBD7D}" srcOrd="1" destOrd="0" parTransId="{CE5D54AC-9FB3-4A3F-89F6-367FE0B21651}" sibTransId="{80C4C983-7455-40D8-A63F-2428DD72DB60}"/>
+    <dgm:cxn modelId="{88254F41-E890-49A9-B829-D21A9AF21765}" type="presOf" srcId="{8E2146C9-89AD-4EE3-9E1F-4B0A46278A6B}" destId="{E4AA54C5-C3E9-4DB4-B560-94FE0BB080F1}" srcOrd="1" destOrd="0" presId="urn:microsoft.com/office/officeart/2016/7/layout/BasicLinearProcessNumbered"/>
+    <dgm:cxn modelId="{EF765F42-6FA4-4190-B2C5-8235ACA1D619}" type="presOf" srcId="{8EB49371-175E-430C-8CED-FF3A00A0A89E}" destId="{4668D0C4-45FE-4FAB-AC41-1DC59DB91964}" srcOrd="0" destOrd="0" presId="urn:microsoft.com/office/officeart/2016/7/layout/BasicLinearProcessNumbered"/>
+    <dgm:cxn modelId="{012B6570-69E5-4FC5-B872-37EA45BE9477}" srcId="{8EB49371-175E-430C-8CED-FF3A00A0A89E}" destId="{45D31E96-8586-4DBB-8B66-A19CE5201571}" srcOrd="0" destOrd="0" parTransId="{91E9D6B8-E73D-41DF-8BB9-94E8CE4AE5FE}" sibTransId="{C828A377-0E82-4328-9A5A-7F8735504504}"/>
+    <dgm:cxn modelId="{F9113B51-C7A3-4C03-ACB8-FDB0F80A61C7}" type="presOf" srcId="{C828A377-0E82-4328-9A5A-7F8735504504}" destId="{F627B9C6-A3C8-4C22-9905-DCFE3632A224}" srcOrd="0" destOrd="0" presId="urn:microsoft.com/office/officeart/2016/7/layout/BasicLinearProcessNumbered"/>
+    <dgm:cxn modelId="{B2323C87-3BEB-43DB-9631-452EA3FC31B9}" type="presOf" srcId="{45D31E96-8586-4DBB-8B66-A19CE5201571}" destId="{1A69D068-02AB-4E59-AFEA-9B27D9CB9B40}" srcOrd="1" destOrd="0" presId="urn:microsoft.com/office/officeart/2016/7/layout/BasicLinearProcessNumbered"/>
+    <dgm:cxn modelId="{C358868F-3377-4E91-85EC-9785C5CD95B1}" type="presOf" srcId="{45D31E96-8586-4DBB-8B66-A19CE5201571}" destId="{C395BCF6-B37E-495E-BB1D-392D2D24754D}" srcOrd="0" destOrd="0" presId="urn:microsoft.com/office/officeart/2016/7/layout/BasicLinearProcessNumbered"/>
+    <dgm:cxn modelId="{30BDA3B9-3CFD-4506-B44C-9AA324F43BA9}" srcId="{8EB49371-175E-430C-8CED-FF3A00A0A89E}" destId="{8E2146C9-89AD-4EE3-9E1F-4B0A46278A6B}" srcOrd="2" destOrd="0" parTransId="{312CEF87-762C-41B0-B452-813AEA618376}" sibTransId="{ADC38488-0888-4326-8EE0-2C8F3ECF60B4}"/>
+    <dgm:cxn modelId="{A35AF9C6-C04C-416B-8CCA-3BE1878390D3}" type="presOf" srcId="{0016C3DE-25EB-47D0-AE44-6188826BBD7D}" destId="{773E89A1-A104-4F77-B9F3-7934F3AE8DF9}" srcOrd="1" destOrd="0" presId="urn:microsoft.com/office/officeart/2016/7/layout/BasicLinearProcessNumbered"/>
+    <dgm:cxn modelId="{6E2529F9-B3EA-48F3-BD0D-6A828EA09A59}" type="presOf" srcId="{0016C3DE-25EB-47D0-AE44-6188826BBD7D}" destId="{D3DB0CEF-EEA9-460D-8249-A2C1A8962EC6}" srcOrd="0" destOrd="0" presId="urn:microsoft.com/office/officeart/2016/7/layout/BasicLinearProcessNumbered"/>
+    <dgm:cxn modelId="{CA305817-FA1D-4666-8CE2-9D581610E4AE}" type="presParOf" srcId="{4668D0C4-45FE-4FAB-AC41-1DC59DB91964}" destId="{C0B42440-F954-404E-8539-04AC029138A2}" srcOrd="0" destOrd="0" presId="urn:microsoft.com/office/officeart/2016/7/layout/BasicLinearProcessNumbered"/>
+    <dgm:cxn modelId="{A2EF93E9-558F-43D5-8F3C-E0161DCC33FA}" type="presParOf" srcId="{C0B42440-F954-404E-8539-04AC029138A2}" destId="{C395BCF6-B37E-495E-BB1D-392D2D24754D}" srcOrd="0" destOrd="0" presId="urn:microsoft.com/office/officeart/2016/7/layout/BasicLinearProcessNumbered"/>
+    <dgm:cxn modelId="{71254F06-1661-4BB6-B2FA-9926692EFA37}" type="presParOf" srcId="{C0B42440-F954-404E-8539-04AC029138A2}" destId="{F627B9C6-A3C8-4C22-9905-DCFE3632A224}" srcOrd="1" destOrd="0" presId="urn:microsoft.com/office/officeart/2016/7/layout/BasicLinearProcessNumbered"/>
+    <dgm:cxn modelId="{E3FF4551-DE74-4A41-A6FD-28D04067D66C}" type="presParOf" srcId="{C0B42440-F954-404E-8539-04AC029138A2}" destId="{00936972-7A3E-44FD-B769-C1269FE5E76C}" srcOrd="2" destOrd="0" presId="urn:microsoft.com/office/officeart/2016/7/layout/BasicLinearProcessNumbered"/>
+    <dgm:cxn modelId="{FA01F2B8-8EA0-4788-B042-1318F09F76FF}" type="presParOf" srcId="{C0B42440-F954-404E-8539-04AC029138A2}" destId="{1A69D068-02AB-4E59-AFEA-9B27D9CB9B40}" srcOrd="3" destOrd="0" presId="urn:microsoft.com/office/officeart/2016/7/layout/BasicLinearProcessNumbered"/>
+    <dgm:cxn modelId="{8D8321C7-4730-4FE1-9414-8378C4893F0A}" type="presParOf" srcId="{4668D0C4-45FE-4FAB-AC41-1DC59DB91964}" destId="{FA57E113-F7E1-4DEA-B936-8FB2C38B17E3}" srcOrd="1" destOrd="0" presId="urn:microsoft.com/office/officeart/2016/7/layout/BasicLinearProcessNumbered"/>
+    <dgm:cxn modelId="{893C27A9-A3C7-47F1-8713-7817C09D1FA7}" type="presParOf" srcId="{4668D0C4-45FE-4FAB-AC41-1DC59DB91964}" destId="{4F53D30C-01C2-42E0-B450-FBE0C6D0196C}" srcOrd="2" destOrd="0" presId="urn:microsoft.com/office/officeart/2016/7/layout/BasicLinearProcessNumbered"/>
+    <dgm:cxn modelId="{78EEC872-442D-425E-B016-9A58F0279FF2}" type="presParOf" srcId="{4F53D30C-01C2-42E0-B450-FBE0C6D0196C}" destId="{D3DB0CEF-EEA9-460D-8249-A2C1A8962EC6}" srcOrd="0" destOrd="0" presId="urn:microsoft.com/office/officeart/2016/7/layout/BasicLinearProcessNumbered"/>
+    <dgm:cxn modelId="{7011DB1B-97FB-4AAB-9DE3-FDC118F097B3}" type="presParOf" srcId="{4F53D30C-01C2-42E0-B450-FBE0C6D0196C}" destId="{F7352C97-27B5-47C1-8AC7-E2F5CD488095}" srcOrd="1" destOrd="0" presId="urn:microsoft.com/office/officeart/2016/7/layout/BasicLinearProcessNumbered"/>
+    <dgm:cxn modelId="{3EEBAA1F-901C-4F04-AB31-B7FE9F65F70C}" type="presParOf" srcId="{4F53D30C-01C2-42E0-B450-FBE0C6D0196C}" destId="{29953405-EEEB-46DF-AFAF-215C40C668CD}" srcOrd="2" destOrd="0" presId="urn:microsoft.com/office/officeart/2016/7/layout/BasicLinearProcessNumbered"/>
+    <dgm:cxn modelId="{C7D188E9-A15F-45A9-B06E-FA554B92A293}" type="presParOf" srcId="{4F53D30C-01C2-42E0-B450-FBE0C6D0196C}" destId="{773E89A1-A104-4F77-B9F3-7934F3AE8DF9}" srcOrd="3" destOrd="0" presId="urn:microsoft.com/office/officeart/2016/7/layout/BasicLinearProcessNumbered"/>
+    <dgm:cxn modelId="{3C050148-FC23-4B43-9135-ED6235FD1716}" type="presParOf" srcId="{4668D0C4-45FE-4FAB-AC41-1DC59DB91964}" destId="{AB6D975A-7568-4352-9141-FDE6316E18EE}" srcOrd="3" destOrd="0" presId="urn:microsoft.com/office/officeart/2016/7/layout/BasicLinearProcessNumbered"/>
+    <dgm:cxn modelId="{15979BED-77E5-47A2-A75A-8A5898C570CC}" type="presParOf" srcId="{4668D0C4-45FE-4FAB-AC41-1DC59DB91964}" destId="{C78BDB02-FE2E-4A02-8DC3-B71C88EA88B1}" srcOrd="4" destOrd="0" presId="urn:microsoft.com/office/officeart/2016/7/layout/BasicLinearProcessNumbered"/>
+    <dgm:cxn modelId="{1C6BE086-976C-485D-B565-6F017F972171}" type="presParOf" srcId="{C78BDB02-FE2E-4A02-8DC3-B71C88EA88B1}" destId="{D627BBB8-AC43-4192-A8C8-5FBFD4862D0C}" srcOrd="0" destOrd="0" presId="urn:microsoft.com/office/officeart/2016/7/layout/BasicLinearProcessNumbered"/>
+    <dgm:cxn modelId="{285AC435-9879-463A-BD15-B1A1B7CB57D1}" type="presParOf" srcId="{C78BDB02-FE2E-4A02-8DC3-B71C88EA88B1}" destId="{2548B546-E2C6-480B-8F8B-8E3A4064B59C}" srcOrd="1" destOrd="0" presId="urn:microsoft.com/office/officeart/2016/7/layout/BasicLinearProcessNumbered"/>
+    <dgm:cxn modelId="{DB0A40E5-4955-4AEA-9CAA-EAC2C4EA786D}" type="presParOf" srcId="{C78BDB02-FE2E-4A02-8DC3-B71C88EA88B1}" destId="{10B9F250-6468-418D-809E-13B813E30F8B}" srcOrd="2" destOrd="0" presId="urn:microsoft.com/office/officeart/2016/7/layout/BasicLinearProcessNumbered"/>
+    <dgm:cxn modelId="{20A9F740-F1B0-4CC9-993B-DC5B6A761629}" type="presParOf" srcId="{C78BDB02-FE2E-4A02-8DC3-B71C88EA88B1}" destId="{E4AA54C5-C3E9-4DB4-B560-94FE0BB080F1}" srcOrd="3" destOrd="0" presId="urn:microsoft.com/office/officeart/2016/7/layout/BasicLinearProcessNumbered"/>
+  </dgm:cxnLst>
+  <dgm:bg/>
+  <dgm:whole/>
+  <dgm:extLst>
+    <a:ext uri="http://schemas.microsoft.com/office/drawing/2008/diagram">
+      <dsp:dataModelExt xmlns:dsp="http://schemas.microsoft.com/office/drawing/2008/diagram" relId="rId6" minVer="http://schemas.openxmlformats.org/drawingml/2006/diagram"/>
+    </a:ext>
+  </dgm:extLst>
+</dgm:dataModel>
+</file>
+
+<file path=ppt/diagrams/drawing1.xml><?xml version="1.0" encoding="utf-8"?>
+<dsp:drawing xmlns:dgm="http://schemas.openxmlformats.org/drawingml/2006/diagram" xmlns:dsp="http://schemas.microsoft.com/office/drawing/2008/diagram" xmlns:a="http://schemas.openxmlformats.org/drawingml/2006/main">
+  <dsp:spTree>
+    <dsp:nvGrpSpPr>
+      <dsp:cNvPr id="0" name=""/>
+      <dsp:cNvGrpSpPr/>
+    </dsp:nvGrpSpPr>
+    <dsp:grpSpPr/>
+    <dsp:sp modelId="{E24B070D-49C3-4DF2-B6E6-A6E7E0B3398C}">
+      <dsp:nvSpPr>
+        <dsp:cNvPr id="0" name=""/>
+        <dsp:cNvSpPr/>
+      </dsp:nvSpPr>
+      <dsp:spPr>
+        <a:xfrm>
+          <a:off x="790942" y="786345"/>
+          <a:ext cx="1069592" cy="1069592"/>
+        </a:xfrm>
+        <a:prstGeom prst="rect">
+          <a:avLst/>
+        </a:prstGeom>
+        <a:blipFill>
+          <a:blip xmlns:r="http://schemas.openxmlformats.org/officeDocument/2006/relationships" r:embed="rId1">
+            <a:extLst>
+              <a:ext uri="{28A0092B-C50C-407E-A947-70E740481C1C}">
+                <a14:useLocalDpi xmlns:a14="http://schemas.microsoft.com/office/drawing/2010/main" val="0"/>
+              </a:ext>
+              <a:ext uri="{96DAC541-7B7A-43D3-8B79-37D633B846F1}">
+                <asvg:svgBlip xmlns:asvg="http://schemas.microsoft.com/office/drawing/2016/SVG/main" r:embed="rId2"/>
+              </a:ext>
+            </a:extLst>
+          </a:blip>
+          <a:stretch>
+            <a:fillRect/>
+          </a:stretch>
+        </a:blipFill>
+        <a:ln w="22225" cap="rnd" cmpd="sng" algn="ctr">
+          <a:noFill/>
+          <a:prstDash val="solid"/>
+        </a:ln>
+        <a:effectLst/>
+      </dsp:spPr>
+      <dsp:style>
+        <a:lnRef idx="2">
+          <a:scrgbClr r="0" g="0" b="0"/>
+        </a:lnRef>
+        <a:fillRef idx="1">
+          <a:scrgbClr r="0" g="0" b="0"/>
+        </a:fillRef>
+        <a:effectRef idx="0">
+          <a:scrgbClr r="0" g="0" b="0"/>
+        </a:effectRef>
+        <a:fontRef idx="minor">
+          <a:schemeClr val="lt1"/>
+        </a:fontRef>
+      </dsp:style>
+    </dsp:sp>
+    <dsp:sp modelId="{77EAABD5-B4FD-460E-8E8C-4BE8AD3ACA77}">
+      <dsp:nvSpPr>
+        <dsp:cNvPr id="0" name=""/>
+        <dsp:cNvSpPr/>
+      </dsp:nvSpPr>
+      <dsp:spPr>
+        <a:xfrm>
+          <a:off x="137302" y="2171892"/>
+          <a:ext cx="2376871" cy="720000"/>
+        </a:xfrm>
+        <a:prstGeom prst="rect">
+          <a:avLst/>
+        </a:prstGeom>
+        <a:noFill/>
+        <a:ln>
+          <a:noFill/>
+        </a:ln>
+        <a:effectLst/>
+      </dsp:spPr>
+      <dsp:style>
+        <a:lnRef idx="0">
+          <a:scrgbClr r="0" g="0" b="0"/>
+        </a:lnRef>
+        <a:fillRef idx="0">
+          <a:scrgbClr r="0" g="0" b="0"/>
+        </a:fillRef>
+        <a:effectRef idx="0">
+          <a:scrgbClr r="0" g="0" b="0"/>
+        </a:effectRef>
+        <a:fontRef idx="minor"/>
+      </dsp:style>
+      <dsp:txBody>
+        <a:bodyPr spcFirstLastPara="0" vert="horz" wrap="square" lIns="0" tIns="0" rIns="0" bIns="0" numCol="1" spcCol="1270" anchor="t" anchorCtr="0">
+          <a:noAutofit/>
+        </a:bodyPr>
+        <a:lstStyle/>
+        <a:p>
+          <a:pPr marL="0" lvl="0" indent="0" algn="ctr" defTabSz="800100">
+            <a:lnSpc>
+              <a:spcPct val="90000"/>
+            </a:lnSpc>
+            <a:spcBef>
+              <a:spcPct val="0"/>
+            </a:spcBef>
+            <a:spcAft>
+              <a:spcPct val="35000"/>
+            </a:spcAft>
+            <a:buNone/>
+          </a:pPr>
+          <a:r>
+            <a:rPr lang="it-IT" sz="1800" kern="1200" dirty="0"/>
+            <a:t>Il sistema operativo scelto è </a:t>
+          </a:r>
+          <a:r>
+            <a:rPr lang="it-IT" sz="1800" kern="1200" dirty="0" err="1"/>
+            <a:t>PintOS</a:t>
+          </a:r>
+          <a:endParaRPr lang="en-US" sz="1800" kern="1200" dirty="0"/>
+        </a:p>
+      </dsp:txBody>
+      <dsp:txXfrm>
+        <a:off x="137302" y="2171892"/>
+        <a:ext cx="2376871" cy="720000"/>
+      </dsp:txXfrm>
+    </dsp:sp>
+    <dsp:sp modelId="{350A006C-7A20-4325-B000-297E546AF9BB}">
+      <dsp:nvSpPr>
+        <dsp:cNvPr id="0" name=""/>
+        <dsp:cNvSpPr/>
+      </dsp:nvSpPr>
+      <dsp:spPr>
+        <a:xfrm>
+          <a:off x="3583766" y="786345"/>
+          <a:ext cx="1069592" cy="1069592"/>
+        </a:xfrm>
+        <a:prstGeom prst="rect">
+          <a:avLst/>
+        </a:prstGeom>
+        <a:blipFill>
+          <a:blip xmlns:r="http://schemas.openxmlformats.org/officeDocument/2006/relationships" r:embed="rId3">
+            <a:extLst>
+              <a:ext uri="{28A0092B-C50C-407E-A947-70E740481C1C}">
+                <a14:useLocalDpi xmlns:a14="http://schemas.microsoft.com/office/drawing/2010/main" val="0"/>
+              </a:ext>
+              <a:ext uri="{96DAC541-7B7A-43D3-8B79-37D633B846F1}">
+                <asvg:svgBlip xmlns:asvg="http://schemas.microsoft.com/office/drawing/2016/SVG/main" r:embed="rId4"/>
+              </a:ext>
+            </a:extLst>
+          </a:blip>
+          <a:stretch>
+            <a:fillRect/>
+          </a:stretch>
+        </a:blipFill>
+        <a:ln w="22225" cap="rnd" cmpd="sng" algn="ctr">
+          <a:noFill/>
+          <a:prstDash val="solid"/>
+        </a:ln>
+        <a:effectLst/>
+      </dsp:spPr>
+      <dsp:style>
+        <a:lnRef idx="2">
+          <a:scrgbClr r="0" g="0" b="0"/>
+        </a:lnRef>
+        <a:fillRef idx="1">
+          <a:scrgbClr r="0" g="0" b="0"/>
+        </a:fillRef>
+        <a:effectRef idx="0">
+          <a:scrgbClr r="0" g="0" b="0"/>
+        </a:effectRef>
+        <a:fontRef idx="minor">
+          <a:schemeClr val="lt1"/>
+        </a:fontRef>
+      </dsp:style>
+    </dsp:sp>
+    <dsp:sp modelId="{C204F717-666B-49FE-A5B4-66391F2BE60C}">
+      <dsp:nvSpPr>
+        <dsp:cNvPr id="0" name=""/>
+        <dsp:cNvSpPr/>
+      </dsp:nvSpPr>
+      <dsp:spPr>
+        <a:xfrm>
+          <a:off x="2930126" y="2171892"/>
+          <a:ext cx="2376871" cy="720000"/>
+        </a:xfrm>
+        <a:prstGeom prst="rect">
+          <a:avLst/>
+        </a:prstGeom>
+        <a:noFill/>
+        <a:ln>
+          <a:noFill/>
+        </a:ln>
+        <a:effectLst/>
+      </dsp:spPr>
+      <dsp:style>
+        <a:lnRef idx="0">
+          <a:scrgbClr r="0" g="0" b="0"/>
+        </a:lnRef>
+        <a:fillRef idx="0">
+          <a:scrgbClr r="0" g="0" b="0"/>
+        </a:fillRef>
+        <a:effectRef idx="0">
+          <a:scrgbClr r="0" g="0" b="0"/>
+        </a:effectRef>
+        <a:fontRef idx="minor"/>
+      </dsp:style>
+      <dsp:txBody>
+        <a:bodyPr spcFirstLastPara="0" vert="horz" wrap="square" lIns="0" tIns="0" rIns="0" bIns="0" numCol="1" spcCol="1270" anchor="t" anchorCtr="0">
+          <a:noAutofit/>
+        </a:bodyPr>
+        <a:lstStyle/>
+        <a:p>
+          <a:pPr marL="0" lvl="0" indent="0" algn="ctr" defTabSz="800100">
+            <a:lnSpc>
+              <a:spcPct val="90000"/>
+            </a:lnSpc>
+            <a:spcBef>
+              <a:spcPct val="0"/>
+            </a:spcBef>
+            <a:spcAft>
+              <a:spcPct val="35000"/>
+            </a:spcAft>
+            <a:buNone/>
+          </a:pPr>
+          <a:r>
+            <a:rPr lang="it-IT" sz="1800" kern="1200" dirty="0"/>
+            <a:t>SO didattico open source con architettura x86</a:t>
+          </a:r>
+          <a:endParaRPr lang="en-US" sz="1800" kern="1200" dirty="0"/>
+        </a:p>
+      </dsp:txBody>
+      <dsp:txXfrm>
+        <a:off x="2930126" y="2171892"/>
+        <a:ext cx="2376871" cy="720000"/>
+      </dsp:txXfrm>
+    </dsp:sp>
+    <dsp:sp modelId="{5C99974A-8CBB-49B7-9295-7CA8D2565B23}">
+      <dsp:nvSpPr>
+        <dsp:cNvPr id="0" name=""/>
+        <dsp:cNvSpPr/>
+      </dsp:nvSpPr>
+      <dsp:spPr>
+        <a:xfrm>
+          <a:off x="6376591" y="786345"/>
+          <a:ext cx="1069592" cy="1069592"/>
+        </a:xfrm>
+        <a:prstGeom prst="rect">
+          <a:avLst/>
+        </a:prstGeom>
+        <a:blipFill>
+          <a:blip xmlns:r="http://schemas.openxmlformats.org/officeDocument/2006/relationships" r:embed="rId5">
+            <a:extLst>
+              <a:ext uri="{28A0092B-C50C-407E-A947-70E740481C1C}">
+                <a14:useLocalDpi xmlns:a14="http://schemas.microsoft.com/office/drawing/2010/main" val="0"/>
+              </a:ext>
+              <a:ext uri="{96DAC541-7B7A-43D3-8B79-37D633B846F1}">
+                <asvg:svgBlip xmlns:asvg="http://schemas.microsoft.com/office/drawing/2016/SVG/main" r:embed="rId6"/>
+              </a:ext>
+            </a:extLst>
+          </a:blip>
+          <a:stretch>
+            <a:fillRect/>
+          </a:stretch>
+        </a:blipFill>
+        <a:ln w="22225" cap="rnd" cmpd="sng" algn="ctr">
+          <a:noFill/>
+          <a:prstDash val="solid"/>
+        </a:ln>
+        <a:effectLst/>
+      </dsp:spPr>
+      <dsp:style>
+        <a:lnRef idx="2">
+          <a:scrgbClr r="0" g="0" b="0"/>
+        </a:lnRef>
+        <a:fillRef idx="1">
+          <a:scrgbClr r="0" g="0" b="0"/>
+        </a:fillRef>
+        <a:effectRef idx="0">
+          <a:scrgbClr r="0" g="0" b="0"/>
+        </a:effectRef>
+        <a:fontRef idx="minor">
+          <a:schemeClr val="lt1"/>
+        </a:fontRef>
+      </dsp:style>
+    </dsp:sp>
+    <dsp:sp modelId="{E116D781-02DD-4D6C-9444-55A5FF0869FC}">
+      <dsp:nvSpPr>
+        <dsp:cNvPr id="0" name=""/>
+        <dsp:cNvSpPr/>
+      </dsp:nvSpPr>
+      <dsp:spPr>
+        <a:xfrm>
+          <a:off x="5722951" y="2171892"/>
+          <a:ext cx="2376871" cy="720000"/>
+        </a:xfrm>
+        <a:prstGeom prst="rect">
+          <a:avLst/>
+        </a:prstGeom>
+        <a:noFill/>
+        <a:ln>
+          <a:noFill/>
+        </a:ln>
+        <a:effectLst/>
+      </dsp:spPr>
+      <dsp:style>
+        <a:lnRef idx="0">
+          <a:scrgbClr r="0" g="0" b="0"/>
+        </a:lnRef>
+        <a:fillRef idx="0">
+          <a:scrgbClr r="0" g="0" b="0"/>
+        </a:fillRef>
+        <a:effectRef idx="0">
+          <a:scrgbClr r="0" g="0" b="0"/>
+        </a:effectRef>
+        <a:fontRef idx="minor"/>
+      </dsp:style>
+      <dsp:txBody>
+        <a:bodyPr spcFirstLastPara="0" vert="horz" wrap="square" lIns="0" tIns="0" rIns="0" bIns="0" numCol="1" spcCol="1270" anchor="t" anchorCtr="0">
+          <a:noAutofit/>
+        </a:bodyPr>
+        <a:lstStyle/>
+        <a:p>
+          <a:pPr marL="0" lvl="0" indent="0" algn="ctr" defTabSz="800100">
+            <a:lnSpc>
+              <a:spcPct val="90000"/>
+            </a:lnSpc>
+            <a:spcBef>
+              <a:spcPct val="0"/>
+            </a:spcBef>
+            <a:spcAft>
+              <a:spcPct val="35000"/>
+            </a:spcAft>
+            <a:buNone/>
+          </a:pPr>
+          <a:r>
+            <a:rPr lang="it-IT" sz="1800" kern="1200"/>
+            <a:t>Sviluppato dall'università di Stanford nel 2004</a:t>
+          </a:r>
+          <a:endParaRPr lang="en-US" sz="1800" kern="1200"/>
+        </a:p>
+      </dsp:txBody>
+      <dsp:txXfrm>
+        <a:off x="5722951" y="2171892"/>
+        <a:ext cx="2376871" cy="720000"/>
+      </dsp:txXfrm>
+    </dsp:sp>
+    <dsp:sp modelId="{6F70BABB-E6EA-4717-B2D6-10AC60174FF5}">
+      <dsp:nvSpPr>
+        <dsp:cNvPr id="0" name=""/>
+        <dsp:cNvSpPr/>
+      </dsp:nvSpPr>
+      <dsp:spPr>
+        <a:xfrm>
+          <a:off x="9169415" y="786345"/>
+          <a:ext cx="1069592" cy="1069592"/>
+        </a:xfrm>
+        <a:prstGeom prst="rect">
+          <a:avLst/>
+        </a:prstGeom>
+        <a:blipFill>
+          <a:blip xmlns:r="http://schemas.openxmlformats.org/officeDocument/2006/relationships" r:embed="rId7">
+            <a:extLst>
+              <a:ext uri="{28A0092B-C50C-407E-A947-70E740481C1C}">
+                <a14:useLocalDpi xmlns:a14="http://schemas.microsoft.com/office/drawing/2010/main" val="0"/>
+              </a:ext>
+              <a:ext uri="{96DAC541-7B7A-43D3-8B79-37D633B846F1}">
+                <asvg:svgBlip xmlns:asvg="http://schemas.microsoft.com/office/drawing/2016/SVG/main" r:embed="rId8"/>
+              </a:ext>
+            </a:extLst>
+          </a:blip>
+          <a:stretch>
+            <a:fillRect/>
+          </a:stretch>
+        </a:blipFill>
+        <a:ln w="22225" cap="rnd" cmpd="sng" algn="ctr">
+          <a:noFill/>
+          <a:prstDash val="solid"/>
+        </a:ln>
+        <a:effectLst/>
+      </dsp:spPr>
+      <dsp:style>
+        <a:lnRef idx="2">
+          <a:scrgbClr r="0" g="0" b="0"/>
+        </a:lnRef>
+        <a:fillRef idx="1">
+          <a:scrgbClr r="0" g="0" b="0"/>
+        </a:fillRef>
+        <a:effectRef idx="0">
+          <a:scrgbClr r="0" g="0" b="0"/>
+        </a:effectRef>
+        <a:fontRef idx="minor">
+          <a:schemeClr val="lt1"/>
+        </a:fontRef>
+      </dsp:style>
+    </dsp:sp>
+    <dsp:sp modelId="{923536FA-8970-4EA2-A3D8-80288F2D9C20}">
+      <dsp:nvSpPr>
+        <dsp:cNvPr id="0" name=""/>
+        <dsp:cNvSpPr/>
+      </dsp:nvSpPr>
+      <dsp:spPr>
+        <a:xfrm>
+          <a:off x="8515775" y="2171892"/>
+          <a:ext cx="2376871" cy="720000"/>
+        </a:xfrm>
+        <a:prstGeom prst="rect">
+          <a:avLst/>
+        </a:prstGeom>
+        <a:noFill/>
+        <a:ln>
+          <a:noFill/>
+        </a:ln>
+        <a:effectLst/>
+      </dsp:spPr>
+      <dsp:style>
+        <a:lnRef idx="0">
+          <a:scrgbClr r="0" g="0" b="0"/>
+        </a:lnRef>
+        <a:fillRef idx="0">
+          <a:scrgbClr r="0" g="0" b="0"/>
+        </a:fillRef>
+        <a:effectRef idx="0">
+          <a:scrgbClr r="0" g="0" b="0"/>
+        </a:effectRef>
+        <a:fontRef idx="minor"/>
+      </dsp:style>
+      <dsp:txBody>
+        <a:bodyPr spcFirstLastPara="0" vert="horz" wrap="square" lIns="0" tIns="0" rIns="0" bIns="0" numCol="1" spcCol="1270" anchor="t" anchorCtr="0">
+          <a:noAutofit/>
+        </a:bodyPr>
+        <a:lstStyle/>
+        <a:p>
+          <a:pPr marL="0" lvl="0" indent="0" algn="ctr" defTabSz="800100">
+            <a:lnSpc>
+              <a:spcPct val="90000"/>
+            </a:lnSpc>
+            <a:spcBef>
+              <a:spcPct val="0"/>
+            </a:spcBef>
+            <a:spcAft>
+              <a:spcPct val="35000"/>
+            </a:spcAft>
+            <a:buNone/>
+          </a:pPr>
+          <a:r>
+            <a:rPr lang="it-IT" sz="1800" kern="1200"/>
+            <a:t>Successore di NachOS, è Unix-like</a:t>
+          </a:r>
+          <a:endParaRPr lang="en-US" sz="1800" kern="1200"/>
+        </a:p>
+      </dsp:txBody>
+      <dsp:txXfrm>
+        <a:off x="8515775" y="2171892"/>
+        <a:ext cx="2376871" cy="720000"/>
+      </dsp:txXfrm>
+    </dsp:sp>
+  </dsp:spTree>
+</dsp:drawing>
+</file>
+
+<file path=ppt/diagrams/drawing2.xml><?xml version="1.0" encoding="utf-8"?>
+<dsp:drawing xmlns:dgm="http://schemas.openxmlformats.org/drawingml/2006/diagram" xmlns:dsp="http://schemas.microsoft.com/office/drawing/2008/diagram" xmlns:a="http://schemas.openxmlformats.org/drawingml/2006/main">
+  <dsp:spTree>
+    <dsp:nvGrpSpPr>
+      <dsp:cNvPr id="0" name=""/>
+      <dsp:cNvGrpSpPr/>
+    </dsp:nvGrpSpPr>
+    <dsp:grpSpPr/>
+    <dsp:sp modelId="{C395BCF6-B37E-495E-BB1D-392D2D24754D}">
+      <dsp:nvSpPr>
+        <dsp:cNvPr id="0" name=""/>
+        <dsp:cNvSpPr/>
+      </dsp:nvSpPr>
+      <dsp:spPr>
+        <a:xfrm>
+          <a:off x="0" y="0"/>
+          <a:ext cx="3446859" cy="3678238"/>
+        </a:xfrm>
+        <a:prstGeom prst="rect">
+          <a:avLst/>
+        </a:prstGeom>
+        <a:solidFill>
+          <a:schemeClr val="accent2">
+            <a:tint val="40000"/>
+            <a:alpha val="90000"/>
+            <a:hueOff val="0"/>
+            <a:satOff val="0"/>
+            <a:lumOff val="0"/>
+            <a:alphaOff val="0"/>
+          </a:schemeClr>
+        </a:solidFill>
+        <a:ln w="22225" cap="rnd" cmpd="sng" algn="ctr">
+          <a:solidFill>
+            <a:schemeClr val="accent2">
+              <a:tint val="40000"/>
+              <a:alpha val="90000"/>
+              <a:hueOff val="0"/>
+              <a:satOff val="0"/>
+              <a:lumOff val="0"/>
+              <a:alphaOff val="0"/>
+            </a:schemeClr>
+          </a:solidFill>
+          <a:prstDash val="solid"/>
+        </a:ln>
+        <a:effectLst/>
+      </dsp:spPr>
+      <dsp:style>
+        <a:lnRef idx="2">
+          <a:scrgbClr r="0" g="0" b="0"/>
+        </a:lnRef>
+        <a:fillRef idx="1">
+          <a:scrgbClr r="0" g="0" b="0"/>
+        </a:fillRef>
+        <a:effectRef idx="0">
+          <a:scrgbClr r="0" g="0" b="0"/>
+        </a:effectRef>
+        <a:fontRef idx="minor"/>
+      </dsp:style>
+      <dsp:txBody>
+        <a:bodyPr spcFirstLastPara="0" vert="horz" wrap="square" lIns="268731" tIns="330200" rIns="268731" bIns="330200" numCol="1" spcCol="1270" anchor="t" anchorCtr="0">
+          <a:noAutofit/>
+        </a:bodyPr>
+        <a:lstStyle/>
+        <a:p>
+          <a:pPr marL="0" lvl="0" indent="0" algn="l" defTabSz="1022350">
+            <a:lnSpc>
+              <a:spcPct val="90000"/>
+            </a:lnSpc>
+            <a:spcBef>
+              <a:spcPct val="0"/>
+            </a:spcBef>
+            <a:spcAft>
+              <a:spcPct val="35000"/>
+            </a:spcAft>
+            <a:buNone/>
+          </a:pPr>
+          <a:r>
+            <a:rPr lang="it-IT" sz="2300" kern="1200"/>
+            <a:t>Sono fondamentali per l'interazione tra i programmi utente e il kernel di un sistema operativo</a:t>
+          </a:r>
+          <a:endParaRPr lang="en-US" sz="2300" kern="1200"/>
+        </a:p>
+      </dsp:txBody>
+      <dsp:txXfrm>
+        <a:off x="0" y="1397730"/>
+        <a:ext cx="3446859" cy="2206942"/>
+      </dsp:txXfrm>
+    </dsp:sp>
+    <dsp:sp modelId="{F627B9C6-A3C8-4C22-9905-DCFE3632A224}">
+      <dsp:nvSpPr>
+        <dsp:cNvPr id="0" name=""/>
+        <dsp:cNvSpPr/>
+      </dsp:nvSpPr>
+      <dsp:spPr>
+        <a:xfrm>
+          <a:off x="1171693" y="367823"/>
+          <a:ext cx="1103471" cy="1103471"/>
+        </a:xfrm>
+        <a:prstGeom prst="ellipse">
+          <a:avLst/>
+        </a:prstGeom>
+        <a:solidFill>
+          <a:schemeClr val="accent2">
+            <a:hueOff val="0"/>
+            <a:satOff val="0"/>
+            <a:lumOff val="0"/>
+            <a:alphaOff val="0"/>
+          </a:schemeClr>
+        </a:solidFill>
+        <a:ln w="22225" cap="rnd" cmpd="sng" algn="ctr">
+          <a:solidFill>
+            <a:schemeClr val="accent2">
+              <a:hueOff val="0"/>
+              <a:satOff val="0"/>
+              <a:lumOff val="0"/>
+              <a:alphaOff val="0"/>
+            </a:schemeClr>
+          </a:solidFill>
+          <a:prstDash val="solid"/>
+        </a:ln>
+        <a:effectLst/>
+      </dsp:spPr>
+      <dsp:style>
+        <a:lnRef idx="2">
+          <a:scrgbClr r="0" g="0" b="0"/>
+        </a:lnRef>
+        <a:fillRef idx="1">
+          <a:scrgbClr r="0" g="0" b="0"/>
+        </a:fillRef>
+        <a:effectRef idx="0">
+          <a:scrgbClr r="0" g="0" b="0"/>
+        </a:effectRef>
+        <a:fontRef idx="minor">
+          <a:schemeClr val="lt1"/>
+        </a:fontRef>
+      </dsp:style>
+      <dsp:txBody>
+        <a:bodyPr spcFirstLastPara="0" vert="horz" wrap="square" lIns="86031" tIns="12700" rIns="86031" bIns="12700" numCol="1" spcCol="1270" anchor="ctr" anchorCtr="0">
+          <a:noAutofit/>
+        </a:bodyPr>
+        <a:lstStyle/>
+        <a:p>
+          <a:pPr marL="0" lvl="0" indent="0" algn="ctr" defTabSz="2133600">
+            <a:lnSpc>
+              <a:spcPct val="90000"/>
+            </a:lnSpc>
+            <a:spcBef>
+              <a:spcPct val="0"/>
+            </a:spcBef>
+            <a:spcAft>
+              <a:spcPct val="35000"/>
+            </a:spcAft>
+            <a:buNone/>
+          </a:pPr>
+          <a:r>
+            <a:rPr lang="en-US" sz="4800" kern="1200"/>
+            <a:t>1</a:t>
+          </a:r>
+        </a:p>
+      </dsp:txBody>
+      <dsp:txXfrm>
+        <a:off x="1333293" y="529423"/>
+        <a:ext cx="780271" cy="780271"/>
+      </dsp:txXfrm>
+    </dsp:sp>
+    <dsp:sp modelId="{00936972-7A3E-44FD-B769-C1269FE5E76C}">
+      <dsp:nvSpPr>
+        <dsp:cNvPr id="0" name=""/>
+        <dsp:cNvSpPr/>
+      </dsp:nvSpPr>
+      <dsp:spPr>
+        <a:xfrm>
+          <a:off x="0" y="3678166"/>
+          <a:ext cx="3446859" cy="72"/>
+        </a:xfrm>
+        <a:prstGeom prst="rect">
+          <a:avLst/>
+        </a:prstGeom>
+        <a:solidFill>
+          <a:schemeClr val="accent3">
+            <a:hueOff val="0"/>
+            <a:satOff val="0"/>
+            <a:lumOff val="0"/>
+            <a:alphaOff val="0"/>
+          </a:schemeClr>
+        </a:solidFill>
+        <a:ln w="22225" cap="rnd" cmpd="sng" algn="ctr">
+          <a:solidFill>
+            <a:schemeClr val="accent3">
+              <a:hueOff val="0"/>
+              <a:satOff val="0"/>
+              <a:lumOff val="0"/>
+              <a:alphaOff val="0"/>
+            </a:schemeClr>
+          </a:solidFill>
+          <a:prstDash val="solid"/>
+        </a:ln>
+        <a:effectLst/>
+      </dsp:spPr>
+      <dsp:style>
+        <a:lnRef idx="2">
+          <a:scrgbClr r="0" g="0" b="0"/>
+        </a:lnRef>
+        <a:fillRef idx="1">
+          <a:scrgbClr r="0" g="0" b="0"/>
+        </a:fillRef>
+        <a:effectRef idx="0">
+          <a:scrgbClr r="0" g="0" b="0"/>
+        </a:effectRef>
+        <a:fontRef idx="minor">
+          <a:schemeClr val="lt1"/>
+        </a:fontRef>
+      </dsp:style>
+    </dsp:sp>
+    <dsp:sp modelId="{D3DB0CEF-EEA9-460D-8249-A2C1A8962EC6}">
+      <dsp:nvSpPr>
+        <dsp:cNvPr id="0" name=""/>
+        <dsp:cNvSpPr/>
+      </dsp:nvSpPr>
+      <dsp:spPr>
+        <a:xfrm>
+          <a:off x="3791545" y="0"/>
+          <a:ext cx="3446859" cy="3678238"/>
+        </a:xfrm>
+        <a:prstGeom prst="rect">
+          <a:avLst/>
+        </a:prstGeom>
+        <a:solidFill>
+          <a:schemeClr val="accent3">
+            <a:tint val="40000"/>
+            <a:alpha val="90000"/>
+            <a:hueOff val="0"/>
+            <a:satOff val="0"/>
+            <a:lumOff val="0"/>
+            <a:alphaOff val="0"/>
+          </a:schemeClr>
+        </a:solidFill>
+        <a:ln w="22225" cap="rnd" cmpd="sng" algn="ctr">
+          <a:solidFill>
+            <a:schemeClr val="accent3">
+              <a:tint val="40000"/>
+              <a:alpha val="90000"/>
+              <a:hueOff val="0"/>
+              <a:satOff val="0"/>
+              <a:lumOff val="0"/>
+              <a:alphaOff val="0"/>
+            </a:schemeClr>
+          </a:solidFill>
+          <a:prstDash val="solid"/>
+        </a:ln>
+        <a:effectLst/>
+      </dsp:spPr>
+      <dsp:style>
+        <a:lnRef idx="2">
+          <a:scrgbClr r="0" g="0" b="0"/>
+        </a:lnRef>
+        <a:fillRef idx="1">
+          <a:scrgbClr r="0" g="0" b="0"/>
+        </a:fillRef>
+        <a:effectRef idx="0">
+          <a:scrgbClr r="0" g="0" b="0"/>
+        </a:effectRef>
+        <a:fontRef idx="minor"/>
+      </dsp:style>
+      <dsp:txBody>
+        <a:bodyPr spcFirstLastPara="0" vert="horz" wrap="square" lIns="268731" tIns="330200" rIns="268731" bIns="330200" numCol="1" spcCol="1270" anchor="t" anchorCtr="0">
+          <a:noAutofit/>
+        </a:bodyPr>
+        <a:lstStyle/>
+        <a:p>
+          <a:pPr marL="0" lvl="0" indent="0" algn="l" defTabSz="1022350">
+            <a:lnSpc>
+              <a:spcPct val="90000"/>
+            </a:lnSpc>
+            <a:spcBef>
+              <a:spcPct val="0"/>
+            </a:spcBef>
+            <a:spcAft>
+              <a:spcPct val="35000"/>
+            </a:spcAft>
+            <a:buNone/>
+          </a:pPr>
+          <a:r>
+            <a:rPr lang="it-IT" sz="2300" kern="1200"/>
+            <a:t>Sia in OS161 che in Pintos manca il supporto completo delle system calls!</a:t>
+          </a:r>
+          <a:endParaRPr lang="en-US" sz="2300" kern="1200"/>
+        </a:p>
+      </dsp:txBody>
+      <dsp:txXfrm>
+        <a:off x="3791545" y="1397730"/>
+        <a:ext cx="3446859" cy="2206942"/>
+      </dsp:txXfrm>
+    </dsp:sp>
+    <dsp:sp modelId="{F7352C97-27B5-47C1-8AC7-E2F5CD488095}">
+      <dsp:nvSpPr>
+        <dsp:cNvPr id="0" name=""/>
+        <dsp:cNvSpPr/>
+      </dsp:nvSpPr>
+      <dsp:spPr>
+        <a:xfrm>
+          <a:off x="4963239" y="367823"/>
+          <a:ext cx="1103471" cy="1103471"/>
+        </a:xfrm>
+        <a:prstGeom prst="ellipse">
+          <a:avLst/>
+        </a:prstGeom>
+        <a:solidFill>
+          <a:schemeClr val="accent4">
+            <a:hueOff val="0"/>
+            <a:satOff val="0"/>
+            <a:lumOff val="0"/>
+            <a:alphaOff val="0"/>
+          </a:schemeClr>
+        </a:solidFill>
+        <a:ln w="22225" cap="rnd" cmpd="sng" algn="ctr">
+          <a:solidFill>
+            <a:schemeClr val="accent4">
+              <a:hueOff val="0"/>
+              <a:satOff val="0"/>
+              <a:lumOff val="0"/>
+              <a:alphaOff val="0"/>
+            </a:schemeClr>
+          </a:solidFill>
+          <a:prstDash val="solid"/>
+        </a:ln>
+        <a:effectLst/>
+      </dsp:spPr>
+      <dsp:style>
+        <a:lnRef idx="2">
+          <a:scrgbClr r="0" g="0" b="0"/>
+        </a:lnRef>
+        <a:fillRef idx="1">
+          <a:scrgbClr r="0" g="0" b="0"/>
+        </a:fillRef>
+        <a:effectRef idx="0">
+          <a:scrgbClr r="0" g="0" b="0"/>
+        </a:effectRef>
+        <a:fontRef idx="minor">
+          <a:schemeClr val="lt1"/>
+        </a:fontRef>
+      </dsp:style>
+      <dsp:txBody>
+        <a:bodyPr spcFirstLastPara="0" vert="horz" wrap="square" lIns="86031" tIns="12700" rIns="86031" bIns="12700" numCol="1" spcCol="1270" anchor="ctr" anchorCtr="0">
+          <a:noAutofit/>
+        </a:bodyPr>
+        <a:lstStyle/>
+        <a:p>
+          <a:pPr marL="0" lvl="0" indent="0" algn="ctr" defTabSz="2133600">
+            <a:lnSpc>
+              <a:spcPct val="90000"/>
+            </a:lnSpc>
+            <a:spcBef>
+              <a:spcPct val="0"/>
+            </a:spcBef>
+            <a:spcAft>
+              <a:spcPct val="35000"/>
+            </a:spcAft>
+            <a:buNone/>
+          </a:pPr>
+          <a:r>
+            <a:rPr lang="en-US" sz="4800" kern="1200"/>
+            <a:t>2</a:t>
+          </a:r>
+        </a:p>
+      </dsp:txBody>
+      <dsp:txXfrm>
+        <a:off x="5124839" y="529423"/>
+        <a:ext cx="780271" cy="780271"/>
+      </dsp:txXfrm>
+    </dsp:sp>
+    <dsp:sp modelId="{29953405-EEEB-46DF-AFAF-215C40C668CD}">
+      <dsp:nvSpPr>
+        <dsp:cNvPr id="0" name=""/>
+        <dsp:cNvSpPr/>
+      </dsp:nvSpPr>
+      <dsp:spPr>
+        <a:xfrm>
+          <a:off x="3791545" y="3678166"/>
+          <a:ext cx="3446859" cy="72"/>
+        </a:xfrm>
+        <a:prstGeom prst="rect">
+          <a:avLst/>
+        </a:prstGeom>
+        <a:solidFill>
+          <a:schemeClr val="accent5">
+            <a:hueOff val="0"/>
+            <a:satOff val="0"/>
+            <a:lumOff val="0"/>
+            <a:alphaOff val="0"/>
+          </a:schemeClr>
+        </a:solidFill>
+        <a:ln w="22225" cap="rnd" cmpd="sng" algn="ctr">
+          <a:solidFill>
+            <a:schemeClr val="accent5">
+              <a:hueOff val="0"/>
+              <a:satOff val="0"/>
+              <a:lumOff val="0"/>
+              <a:alphaOff val="0"/>
+            </a:schemeClr>
+          </a:solidFill>
+          <a:prstDash val="solid"/>
+        </a:ln>
+        <a:effectLst/>
+      </dsp:spPr>
+      <dsp:style>
+        <a:lnRef idx="2">
+          <a:scrgbClr r="0" g="0" b="0"/>
+        </a:lnRef>
+        <a:fillRef idx="1">
+          <a:scrgbClr r="0" g="0" b="0"/>
+        </a:fillRef>
+        <a:effectRef idx="0">
+          <a:scrgbClr r="0" g="0" b="0"/>
+        </a:effectRef>
+        <a:fontRef idx="minor">
+          <a:schemeClr val="lt1"/>
+        </a:fontRef>
+      </dsp:style>
+    </dsp:sp>
+    <dsp:sp modelId="{D627BBB8-AC43-4192-A8C8-5FBFD4862D0C}">
+      <dsp:nvSpPr>
+        <dsp:cNvPr id="0" name=""/>
+        <dsp:cNvSpPr/>
+      </dsp:nvSpPr>
+      <dsp:spPr>
+        <a:xfrm>
+          <a:off x="7583090" y="0"/>
+          <a:ext cx="3446859" cy="3678238"/>
+        </a:xfrm>
+        <a:prstGeom prst="rect">
+          <a:avLst/>
+        </a:prstGeom>
+        <a:solidFill>
+          <a:schemeClr val="accent4">
+            <a:tint val="40000"/>
+            <a:alpha val="90000"/>
+            <a:hueOff val="0"/>
+            <a:satOff val="0"/>
+            <a:lumOff val="0"/>
+            <a:alphaOff val="0"/>
+          </a:schemeClr>
+        </a:solidFill>
+        <a:ln w="22225" cap="rnd" cmpd="sng" algn="ctr">
+          <a:solidFill>
+            <a:schemeClr val="accent4">
+              <a:tint val="40000"/>
+              <a:alpha val="90000"/>
+              <a:hueOff val="0"/>
+              <a:satOff val="0"/>
+              <a:lumOff val="0"/>
+              <a:alphaOff val="0"/>
+            </a:schemeClr>
+          </a:solidFill>
+          <a:prstDash val="solid"/>
+        </a:ln>
+        <a:effectLst/>
+      </dsp:spPr>
+      <dsp:style>
+        <a:lnRef idx="2">
+          <a:scrgbClr r="0" g="0" b="0"/>
+        </a:lnRef>
+        <a:fillRef idx="1">
+          <a:scrgbClr r="0" g="0" b="0"/>
+        </a:fillRef>
+        <a:effectRef idx="0">
+          <a:scrgbClr r="0" g="0" b="0"/>
+        </a:effectRef>
+        <a:fontRef idx="minor"/>
+      </dsp:style>
+      <dsp:txBody>
+        <a:bodyPr spcFirstLastPara="0" vert="horz" wrap="square" lIns="268731" tIns="330200" rIns="268731" bIns="330200" numCol="1" spcCol="1270" anchor="t" anchorCtr="0">
+          <a:noAutofit/>
+        </a:bodyPr>
+        <a:lstStyle/>
+        <a:p>
+          <a:pPr marL="0" lvl="0" indent="0" algn="l" defTabSz="1022350">
+            <a:lnSpc>
+              <a:spcPct val="90000"/>
+            </a:lnSpc>
+            <a:spcBef>
+              <a:spcPct val="0"/>
+            </a:spcBef>
+            <a:spcAft>
+              <a:spcPct val="35000"/>
+            </a:spcAft>
+            <a:buNone/>
+          </a:pPr>
+          <a:r>
+            <a:rPr lang="it-IT" sz="2300" kern="1200"/>
+            <a:t>Alcune di esse sono state implementate nella sezione II del progetto</a:t>
+          </a:r>
+          <a:endParaRPr lang="en-US" sz="2300" kern="1200"/>
+        </a:p>
+      </dsp:txBody>
+      <dsp:txXfrm>
+        <a:off x="7583090" y="1397730"/>
+        <a:ext cx="3446859" cy="2206942"/>
+      </dsp:txXfrm>
+    </dsp:sp>
+    <dsp:sp modelId="{2548B546-E2C6-480B-8F8B-8E3A4064B59C}">
+      <dsp:nvSpPr>
+        <dsp:cNvPr id="0" name=""/>
+        <dsp:cNvSpPr/>
+      </dsp:nvSpPr>
+      <dsp:spPr>
+        <a:xfrm>
+          <a:off x="8754784" y="367823"/>
+          <a:ext cx="1103471" cy="1103471"/>
+        </a:xfrm>
+        <a:prstGeom prst="ellipse">
+          <a:avLst/>
+        </a:prstGeom>
+        <a:solidFill>
+          <a:schemeClr val="accent6">
+            <a:hueOff val="0"/>
+            <a:satOff val="0"/>
+            <a:lumOff val="0"/>
+            <a:alphaOff val="0"/>
+          </a:schemeClr>
+        </a:solidFill>
+        <a:ln w="22225" cap="rnd" cmpd="sng" algn="ctr">
+          <a:solidFill>
+            <a:schemeClr val="accent6">
+              <a:hueOff val="0"/>
+              <a:satOff val="0"/>
+              <a:lumOff val="0"/>
+              <a:alphaOff val="0"/>
+            </a:schemeClr>
+          </a:solidFill>
+          <a:prstDash val="solid"/>
+        </a:ln>
+        <a:effectLst/>
+      </dsp:spPr>
+      <dsp:style>
+        <a:lnRef idx="2">
+          <a:scrgbClr r="0" g="0" b="0"/>
+        </a:lnRef>
+        <a:fillRef idx="1">
+          <a:scrgbClr r="0" g="0" b="0"/>
+        </a:fillRef>
+        <a:effectRef idx="0">
+          <a:scrgbClr r="0" g="0" b="0"/>
+        </a:effectRef>
+        <a:fontRef idx="minor">
+          <a:schemeClr val="lt1"/>
+        </a:fontRef>
+      </dsp:style>
+      <dsp:txBody>
+        <a:bodyPr spcFirstLastPara="0" vert="horz" wrap="square" lIns="86031" tIns="12700" rIns="86031" bIns="12700" numCol="1" spcCol="1270" anchor="ctr" anchorCtr="0">
+          <a:noAutofit/>
+        </a:bodyPr>
+        <a:lstStyle/>
+        <a:p>
+          <a:pPr marL="0" lvl="0" indent="0" algn="ctr" defTabSz="2133600">
+            <a:lnSpc>
+              <a:spcPct val="90000"/>
+            </a:lnSpc>
+            <a:spcBef>
+              <a:spcPct val="0"/>
+            </a:spcBef>
+            <a:spcAft>
+              <a:spcPct val="35000"/>
+            </a:spcAft>
+            <a:buNone/>
+          </a:pPr>
+          <a:r>
+            <a:rPr lang="en-US" sz="4800" kern="1200"/>
+            <a:t>3</a:t>
+          </a:r>
+        </a:p>
+      </dsp:txBody>
+      <dsp:txXfrm>
+        <a:off x="8916384" y="529423"/>
+        <a:ext cx="780271" cy="780271"/>
+      </dsp:txXfrm>
+    </dsp:sp>
+    <dsp:sp modelId="{10B9F250-6468-418D-809E-13B813E30F8B}">
+      <dsp:nvSpPr>
+        <dsp:cNvPr id="0" name=""/>
+        <dsp:cNvSpPr/>
+      </dsp:nvSpPr>
+      <dsp:spPr>
+        <a:xfrm>
+          <a:off x="7583090" y="3678166"/>
+          <a:ext cx="3446859" cy="72"/>
+        </a:xfrm>
+        <a:prstGeom prst="rect">
+          <a:avLst/>
+        </a:prstGeom>
+        <a:solidFill>
+          <a:schemeClr val="accent2">
+            <a:hueOff val="0"/>
+            <a:satOff val="0"/>
+            <a:lumOff val="0"/>
+            <a:alphaOff val="0"/>
+          </a:schemeClr>
+        </a:solidFill>
+        <a:ln w="22225" cap="rnd" cmpd="sng" algn="ctr">
+          <a:solidFill>
+            <a:schemeClr val="accent2">
+              <a:hueOff val="0"/>
+              <a:satOff val="0"/>
+              <a:lumOff val="0"/>
+              <a:alphaOff val="0"/>
+            </a:schemeClr>
+          </a:solidFill>
+          <a:prstDash val="solid"/>
+        </a:ln>
+        <a:effectLst/>
+      </dsp:spPr>
+      <dsp:style>
+        <a:lnRef idx="2">
+          <a:scrgbClr r="0" g="0" b="0"/>
+        </a:lnRef>
+        <a:fillRef idx="1">
+          <a:scrgbClr r="0" g="0" b="0"/>
+        </a:fillRef>
+        <a:effectRef idx="0">
+          <a:scrgbClr r="0" g="0" b="0"/>
+        </a:effectRef>
+        <a:fontRef idx="minor">
+          <a:schemeClr val="lt1"/>
+        </a:fontRef>
+      </dsp:style>
+    </dsp:sp>
+  </dsp:spTree>
+</dsp:drawing>
+</file>
+
+<file path=ppt/diagrams/layout1.xml><?xml version="1.0" encoding="utf-8"?>
+<dgm:layoutDef xmlns:dgm="http://schemas.openxmlformats.org/drawingml/2006/diagram" xmlns:a="http://schemas.openxmlformats.org/drawingml/2006/main" uniqueId="urn:microsoft.com/office/officeart/2018/2/layout/IconLabelList">
+  <dgm:title val="Icon Label List"/>
+  <dgm:desc val="Use to show non-sequential or grouped chunks of information accompanied by a related visuals. Works best with icons or small pictures with short text captions."/>
+  <dgm:catLst>
+    <dgm:cat type="icon" pri="500"/>
+  </dgm:catLst>
+  <dgm:sampData useDef="1">
+    <dgm:dataModel>
+      <dgm:ptLst/>
+      <dgm:bg/>
+      <dgm:whole/>
+    </dgm:dataModel>
+  </dgm:sampData>
+  <dgm:styleData useDef="1">
+    <dgm:dataModel>
+      <dgm:ptLst/>
+      <dgm:bg/>
+      <dgm:whole/>
+    </dgm:dataModel>
+  </dgm:styleData>
+  <dgm:clrData useDef="1">
+    <dgm:dataModel>
+      <dgm:ptLst/>
+      <dgm:bg/>
+      <dgm:whole/>
+    </dgm:dataModel>
+  </dgm:clrData>
+  <dgm:layoutNode name="root">
+    <dgm:varLst>
+      <dgm:dir/>
+      <dgm:resizeHandles val="exact"/>
+    </dgm:varLst>
+    <dgm:choose name="Name0">
+      <dgm:if name="Name1" axis="self" func="var" arg="dir" op="equ" val="norm">
+        <dgm:alg type="snake">
+          <dgm:param type="grDir" val="tL"/>
+          <dgm:param type="flowDir" val="row"/>
+          <dgm:param type="contDir" val="sameDir"/>
+          <dgm:param type="off" val="ctr"/>
+          <dgm:param type="vertAlign" val="mid"/>
+          <dgm:param type="horzAlign" val="ctr"/>
+        </dgm:alg>
+      </dgm:if>
+      <dgm:else name="Name2">
+        <dgm:alg type="snake">
+          <dgm:param type="grDir" val="tR"/>
+          <dgm:param type="flowDir" val="row"/>
+          <dgm:param type="contDir" val="sameDir"/>
+          <dgm:param type="off" val="ctr"/>
+          <dgm:param type="vertAlign" val="mid"/>
+          <dgm:param type="horzAlign" val="ctr"/>
+        </dgm:alg>
+      </dgm:else>
+    </dgm:choose>
+    <dgm:shape xmlns:r="http://schemas.openxmlformats.org/officeDocument/2006/relationships" r:blip="">
+      <dgm:adjLst/>
+    </dgm:shape>
+    <dgm:presOf/>
+    <dgm:choose name="Name3">
+      <dgm:if name="Name4" axis="ch" ptType="node" func="cnt" op="lte" val="2">
+        <dgm:constrLst>
+          <dgm:constr type="h" for="ch" forName="compNode" refType="h" fact="0.4"/>
+          <dgm:constr type="w" for="ch" forName="compNode" val="120"/>
+          <dgm:constr type="w" for="ch" forName="sibTrans" refType="w" refFor="ch" refForName="compNode" fact="0.175"/>
+          <dgm:constr type="sp" refType="w" refFor="ch" refForName="compNode" op="equ" fact="0.25"/>
+          <dgm:constr type="primFontSz" for="des" ptType="node" op="equ" val="50"/>
+          <dgm:constr type="h" for="des" forName="compNode" op="equ"/>
+          <dgm:constr type="h" for="des" forName="textRect" op="equ"/>
+        </dgm:constrLst>
+      </dgm:if>
+      <dgm:if name="Name5" axis="ch" ptType="node" func="cnt" op="lte" val="4">
+        <dgm:constrLst>
+          <dgm:constr type="h" for="ch" forName="compNode" refType="h" fact="0.4"/>
+          <dgm:constr type="w" for="ch" forName="compNode" refType="w"/>
+          <dgm:constr type="w" for="ch" forName="sibTrans" refType="w" refFor="ch" refForName="compNode" fact="0.175"/>
+          <dgm:constr type="sp" refType="w" refFor="ch" refForName="compNode" op="equ" fact="0.25"/>
+          <dgm:constr type="primFontSz" for="des" ptType="node" op="equ" val="36"/>
+          <dgm:constr type="h" for="des" forName="compNode" op="equ"/>
+          <dgm:constr type="h" for="des" forName="textRect" op="equ"/>
+        </dgm:constrLst>
+      </dgm:if>
+      <dgm:else name="Name6">
+        <dgm:constrLst>
+          <dgm:constr type="h" for="ch" forName="compNode" refType="h" fact="0.4"/>
+          <dgm:constr type="w" for="ch" forName="compNode" refType="w"/>
+          <dgm:constr type="w" for="ch" forName="sibTrans" refType="w" refFor="ch" refForName="compNode" fact="0.175"/>
+          <dgm:constr type="sp" refType="w" refFor="ch" refForName="compNode" op="equ" fact="0.25"/>
+          <dgm:constr type="primFontSz" for="des" ptType="node" op="equ" val="24"/>
+          <dgm:constr type="h" for="des" forName="compNode" op="equ"/>
+          <dgm:constr type="h" for="des" forName="textRect" op="equ"/>
+        </dgm:constrLst>
+      </dgm:else>
+    </dgm:choose>
+    <dgm:ruleLst>
+      <dgm:rule type="w" for="ch" forName="compNode" val="50" fact="NaN" max="NaN"/>
+    </dgm:ruleLst>
+    <dgm:forEach name="Name7" axis="ch" ptType="node">
+      <dgm:layoutNode name="compNode">
+        <dgm:alg type="composite"/>
+        <dgm:shape xmlns:r="http://schemas.openxmlformats.org/officeDocument/2006/relationships" r:blip="">
+          <dgm:adjLst/>
+        </dgm:shape>
+        <dgm:presOf axis="self"/>
+        <dgm:constrLst>
+          <dgm:constr type="w" for="ch" forName="iconRect" refType="w" fact="0.45"/>
+          <dgm:constr type="h" for="ch" forName="iconRect" refType="w" refFor="ch" refForName="iconRect"/>
+          <dgm:constr type="ctrX" for="ch" forName="iconRect" refType="w" fact="0.5"/>
+          <dgm:constr type="t" for="ch" forName="iconRect"/>
+          <dgm:constr type="h" for="ch" forName="spaceRect" refType="h" fact="0.15"/>
+          <dgm:constr type="w" for="ch" forName="spaceRect" refType="w"/>
+          <dgm:constr type="l" for="ch" forName="spaceRect"/>
+          <dgm:constr type="t" for="ch" forName="spaceRect" refType="b" refFor="ch" refForName="iconRect"/>
+          <dgm:constr type="h" for="ch" forName="textRect" val="20"/>
+          <dgm:constr type="w" for="ch" forName="textRect" refType="w"/>
+          <dgm:constr type="l" for="ch" forName="textRect"/>
+          <dgm:constr type="t" for="ch" forName="textRect" refType="b" refFor="ch" refForName="spaceRect"/>
+        </dgm:constrLst>
+        <dgm:ruleLst>
+          <dgm:rule type="h" val="INF" fact="NaN" max="NaN"/>
+        </dgm:ruleLst>
+        <dgm:layoutNode name="iconRect" styleLbl="node1">
+          <dgm:alg type="sp"/>
+          <dgm:shape xmlns:r="http://schemas.openxmlformats.org/officeDocument/2006/relationships" type="rect" r:blip="" blipPhldr="1">
+            <dgm:adjLst/>
+          </dgm:shape>
+          <dgm:presOf/>
+          <dgm:constrLst/>
+          <dgm:ruleLst/>
+        </dgm:layoutNode>
+        <dgm:layoutNode name="spaceRect">
+          <dgm:alg type="sp"/>
+          <dgm:shape xmlns:r="http://schemas.openxmlformats.org/officeDocument/2006/relationships" r:blip="">
+            <dgm:adjLst/>
+          </dgm:shape>
+          <dgm:presOf/>
+          <dgm:constrLst/>
+          <dgm:ruleLst/>
+        </dgm:layoutNode>
+        <dgm:layoutNode name="textRect" styleLbl="revTx">
+          <dgm:varLst>
+            <dgm:chMax val="1"/>
+            <dgm:chPref val="1"/>
+          </dgm:varLst>
+          <dgm:alg type="tx">
+            <dgm:param type="txAnchorVert" val="t"/>
+          </dgm:alg>
+          <dgm:shape xmlns:r="http://schemas.openxmlformats.org/officeDocument/2006/relationships" type="rect" r:blip="">
+            <dgm:adjLst/>
+          </dgm:shape>
+          <dgm:presOf axis="self" ptType="node"/>
+          <dgm:constrLst>
+            <dgm:constr type="lMarg"/>
+            <dgm:constr type="rMarg"/>
+            <dgm:constr type="tMarg"/>
+            <dgm:constr type="bMarg"/>
+          </dgm:constrLst>
+          <dgm:ruleLst>
+            <dgm:rule type="primFontSz" val="11" fact="NaN" max="NaN"/>
+            <dgm:rule type="h" val="INF" fact="NaN" max="NaN"/>
+          </dgm:ruleLst>
+        </dgm:layoutNode>
+      </dgm:layoutNode>
+      <dgm:forEach name="Name8" axis="followSib" ptType="sibTrans" cnt="1">
+        <dgm:layoutNode name="sibTrans">
+          <dgm:alg type="sp"/>
+          <dgm:shape xmlns:r="http://schemas.openxmlformats.org/officeDocument/2006/relationships" r:blip="">
+            <dgm:adjLst/>
+          </dgm:shape>
+          <dgm:presOf axis="self"/>
+          <dgm:constrLst/>
+          <dgm:ruleLst/>
+        </dgm:layoutNode>
+      </dgm:forEach>
+    </dgm:forEach>
+  </dgm:layoutNode>
+  <dgm:extLst>
+    <a:ext uri="{68A01E43-0DF5-4B5B-8FA6-DAF915123BFB}">
+      <dgm1612:lstStyle xmlns:dgm1612="http://schemas.microsoft.com/office/drawing/2016/12/diagram">
+        <a:lvl1pPr>
+          <a:lnSpc>
+            <a:spcPct val="100000"/>
+          </a:lnSpc>
+        </a:lvl1pPr>
+      </dgm1612:lstStyle>
+    </a:ext>
+  </dgm:extLst>
+</dgm:layoutDef>
+</file>
+
+<file path=ppt/diagrams/layout2.xml><?xml version="1.0" encoding="utf-8"?>
+<dgm:layoutDef xmlns:dgm="http://schemas.openxmlformats.org/drawingml/2006/diagram" xmlns:a="http://schemas.openxmlformats.org/drawingml/2006/main" uniqueId="urn:microsoft.com/office/officeart/2016/7/layout/BasicLinearProcessNumbered">
+  <dgm:title val="Basic Linear Process Numbered"/>
+  <dgm:desc val="Used to show a progression; a timeline; sequential steps in a task, process, or workflow; or to emphasize movement or direction. Automatic numbers have been introduced to show the steps of the process which appears in a circle. Level 1 and Level 2 text appear in a rectangle."/>
+  <dgm:catLst>
+    <dgm:cat type="process" pri="500"/>
+  </dgm:catLst>
+  <dgm:sampData>
+    <dgm:dataModel>
+      <dgm:ptLst>
+        <dgm:pt modelId="0" type="doc"/>
+        <dgm:pt modelId="1">
+          <dgm:prSet phldr="1"/>
+        </dgm:pt>
+        <dgm:pt modelId="11">
+          <dgm:prSet phldr="1"/>
+        </dgm:pt>
+        <dgm:pt modelId="2">
+          <dgm:prSet phldr="1"/>
+        </dgm:pt>
+        <dgm:pt modelId="21">
+          <dgm:prSet phldr="1"/>
+        </dgm:pt>
+        <dgm:pt modelId="3">
+          <dgm:prSet phldr="1"/>
+        </dgm:pt>
+        <dgm:pt modelId="31">
+          <dgm:prSet phldr="1"/>
+        </dgm:pt>
+        <dgm:pt modelId="101" type="sibTrans" cxnId="4">
+          <dgm:prSet phldrT="1"/>
+          <dgm:t>
+            <a:bodyPr/>
+            <a:lstStyle/>
+            <a:p>
+              <a:r>
+                <a:t>1</a:t>
+              </a:r>
+            </a:p>
+          </dgm:t>
+        </dgm:pt>
+        <dgm:pt modelId="201" type="sibTrans" cxnId="5">
+          <dgm:prSet phldrT="2"/>
+          <dgm:t>
+            <a:bodyPr/>
+            <a:lstStyle/>
+            <a:p>
+              <a:r>
+                <a:t>2</a:t>
+              </a:r>
+            </a:p>
+          </dgm:t>
+        </dgm:pt>
+        <dgm:pt modelId="301" type="sibTrans" cxnId="6">
+          <dgm:prSet phldrT="3"/>
+          <dgm:t>
+            <a:bodyPr/>
+            <a:lstStyle/>
+            <a:p>
+              <a:r>
+                <a:t>3</a:t>
+              </a:r>
+            </a:p>
+          </dgm:t>
+        </dgm:pt>
+      </dgm:ptLst>
+      <dgm:cxnLst>
+        <dgm:cxn modelId="4" srcId="0" destId="1" srcOrd="0" destOrd="0" sibTransId="101"/>
+        <dgm:cxn modelId="5" srcId="0" destId="2" srcOrd="1" destOrd="0" sibTransId="201"/>
+        <dgm:cxn modelId="6" srcId="0" destId="3" srcOrd="2" destOrd="0" sibTransId="301"/>
+        <dgm:cxn modelId="13" srcId="1" destId="11" srcOrd="0" destOrd="0"/>
+        <dgm:cxn modelId="23" srcId="2" destId="21" srcOrd="0" destOrd="0"/>
+        <dgm:cxn modelId="33" srcId="3" destId="31" srcOrd="0" destOrd="0"/>
+      </dgm:cxnLst>
+      <dgm:bg/>
+      <dgm:whole/>
+    </dgm:dataModel>
+  </dgm:sampData>
+  <dgm:styleData>
+    <dgm:dataModel>
+      <dgm:ptLst>
+        <dgm:pt modelId="0" type="doc"/>
+        <dgm:pt modelId="1"/>
+        <dgm:pt modelId="11"/>
+        <dgm:pt modelId="2"/>
+        <dgm:pt modelId="21"/>
+      </dgm:ptLst>
+      <dgm:cxnLst>
+        <dgm:cxn modelId="4" srcId="0" destId="1" srcOrd="0" destOrd="0"/>
+        <dgm:cxn modelId="5" srcId="0" destId="2" srcOrd="1" destOrd="0"/>
+        <dgm:cxn modelId="13" srcId="1" destId="11" srcOrd="0" destOrd="0"/>
+        <dgm:cxn modelId="23" srcId="2" destId="21" srcOrd="0" destOrd="0"/>
+      </dgm:cxnLst>
+      <dgm:bg/>
+      <dgm:whole/>
+    </dgm:dataModel>
+  </dgm:styleData>
+  <dgm:clrData>
+    <dgm:dataModel>
+      <dgm:ptLst>
+        <dgm:pt modelId="0" type="doc"/>
+        <dgm:pt modelId="1"/>
+        <dgm:pt modelId="11"/>
+        <dgm:pt modelId="2"/>
+        <dgm:pt modelId="21"/>
+        <dgm:pt modelId="3"/>
+        <dgm:pt modelId="31"/>
+        <dgm:pt modelId="4"/>
+        <dgm:pt modelId="41"/>
+      </dgm:ptLst>
+      <dgm:cxnLst>
+        <dgm:cxn modelId="5" srcId="0" destId="1" srcOrd="0" destOrd="0"/>
+        <dgm:cxn modelId="6" srcId="0" destId="2" srcOrd="1" destOrd="0"/>
+        <dgm:cxn modelId="7" srcId="0" destId="3" srcOrd="2" destOrd="0"/>
+        <dgm:cxn modelId="8" srcId="0" destId="4" srcOrd="3" destOrd="0"/>
+        <dgm:cxn modelId="13" srcId="1" destId="11" srcOrd="0" destOrd="0"/>
+        <dgm:cxn modelId="23" srcId="2" destId="21" srcOrd="0" destOrd="0"/>
+        <dgm:cxn modelId="33" srcId="3" destId="31" srcOrd="0" destOrd="0"/>
+        <dgm:cxn modelId="43" srcId="4" destId="41" srcOrd="0" destOrd="0"/>
+      </dgm:cxnLst>
+      <dgm:bg/>
+      <dgm:whole/>
+    </dgm:dataModel>
+  </dgm:clrData>
+  <dgm:layoutNode name="Name0">
+    <dgm:varLst>
+      <dgm:animLvl val="lvl"/>
+      <dgm:resizeHandles val="exact"/>
+    </dgm:varLst>
+    <dgm:alg type="lin">
+      <dgm:param type="linDir" val="fromL"/>
+      <dgm:param type="nodeVertAlign" val="t"/>
+    </dgm:alg>
+    <dgm:shape xmlns:r="http://schemas.openxmlformats.org/officeDocument/2006/relationships" r:blip="">
+      <dgm:adjLst/>
+    </dgm:shape>
+    <dgm:presOf/>
+    <dgm:constrLst>
+      <dgm:constr type="h" for="ch" forName="compositeNode" refType="h"/>
+      <dgm:constr type="w" for="ch" forName="compositeNode" refType="w"/>
+      <dgm:constr type="w" for="des" forName="simulatedConn" refType="w" refFor="ch" refForName="compositeNode" fact="0.15"/>
+      <dgm:constr type="h" for="des" forName="simulatedConn" refType="w" refFor="des" refForName="simulatedConn"/>
+      <dgm:constr type="h" for="des" forName="vSp1" refType="w" refFor="ch" refForName="compositeNode" fact="0.8"/>
+      <dgm:constr type="h" for="des" forName="vSp2" refType="w" refFor="ch" refForName="compositeNode" fact="0.07"/>
+      <dgm:constr type="w" for="ch" forName="vProcSp" refType="w" refFor="des" refForName="simulatedConn" op="equ"/>
+      <dgm:constr type="h" for="ch" forName="vProcSp" refType="h" refFor="ch" refForName="compositeNode" op="equ"/>
+      <dgm:constr type="w" for="ch" forName="sibTrans" refType="w" refFor="ch" refForName="compositeNode" fact="0.1"/>
+      <dgm:constr type="primFontSz" for="des" forName="sibTransNodeCircle" op="equ"/>
+      <dgm:constr type="primFontSz" for="des" forName="nodeText" op="equ"/>
+      <dgm:constr type="h" for="des" forName="sibTransNodeCircle" op="equ"/>
+      <dgm:constr type="w" for="des" forName="sibTransNodeCircle" op="equ"/>
+    </dgm:constrLst>
+    <dgm:ruleLst>
+      <dgm:rule type="h" val="NaN" fact="1.2" max="NaN"/>
+    </dgm:ruleLst>
+    <dgm:forEach name="Name4" axis="ch" ptType="node">
+      <dgm:layoutNode name="compositeNode">
+        <dgm:varLst>
+          <dgm:bulletEnabled val="1"/>
+        </dgm:varLst>
+        <dgm:alg type="composite"/>
+        <dgm:constrLst>
+          <dgm:constr type="h" refType="w" op="lte" fact="1.4"/>
+          <dgm:constr type="w" for="ch" forName="bgRect" refType="w"/>
+          <dgm:constr type="h" for="ch" forName="bgRect" refType="h"/>
+          <dgm:constr type="t" for="ch" forName="bgRect"/>
+          <dgm:constr type="l" for="ch" forName="bgRect"/>
+          <dgm:constr type="h" for="ch" forName="sibTransNodeCircle" refType="h" refFor="ch" refForName="bgRect" fact="0.3"/>
+          <dgm:constr type="w" for="ch" forName="sibTransNodeCircle" refType="h" refFor="ch" refForName="sibTransNodeCircle"/>
+          <dgm:constr type="ctrX" for="ch" forName="sibTransNodeCircle" refType="w" fact="0.5"/>
+          <dgm:constr type="ctrY" for="ch" forName="sibTransNodeCircle" refType="h" fact="0.25"/>
+          <dgm:constr type="r" for="ch" forName="nodeText" refType="r" refFor="ch" refForName="bgRect"/>
+          <dgm:constr type="h" for="ch" forName="nodeText" refType="h" refFor="ch" refForName="bgRect" fact="0.6"/>
+          <dgm:constr type="t" for="ch" forName="nodeText" refType="h" refFor="ch" refForName="bgRect" fact="0.38"/>
+          <dgm:constr type="b" for="ch" forName="bottomLine" refType="b" refFor="ch" refForName="bgRect"/>
+          <dgm:constr type="w" for="ch" forName="bottomLine" refType="w" refFor="ch" refForName="bgRect"/>
+          <dgm:constr type="h" for="ch" forName="bottomLine" val="0.002"/>
+        </dgm:constrLst>
+        <dgm:ruleLst/>
+        <dgm:layoutNode name="bgRect" styleLbl="bgAccFollowNode1">
+          <dgm:alg type="sp"/>
+          <dgm:shape xmlns:r="http://schemas.openxmlformats.org/officeDocument/2006/relationships" type="rect" r:blip="">
+            <dgm:adjLst/>
+          </dgm:shape>
+          <dgm:presOf axis="self"/>
+          <dgm:constrLst/>
+          <dgm:ruleLst/>
+        </dgm:layoutNode>
+        <dgm:forEach name="Name19" axis="followSib" ptType="sibTrans" hideLastTrans="0" cnt="1">
+          <dgm:layoutNode name="sibTransNodeCircle" styleLbl="alignNode1">
+            <dgm:varLst>
+              <dgm:chMax val="0"/>
+              <dgm:bulletEnabled/>
+            </dgm:varLst>
+            <dgm:presOf axis="self" ptType="sibTrans"/>
+            <dgm:alg type="tx">
+              <dgm:param type="txAnchorVert" val="mid"/>
+              <dgm:param type="txAnchorHorzCh" val="ctr"/>
+            </dgm:alg>
+            <dgm:shape xmlns:r="http://schemas.openxmlformats.org/officeDocument/2006/relationships" type="ellipse" r:blip="">
+              <dgm:adjLst/>
+            </dgm:shape>
+            <dgm:constrLst>
+              <dgm:constr type="w" refType="h" op="lte"/>
+              <dgm:constr type="primFontSz" val="48"/>
+              <dgm:constr type="tMarg" val="1"/>
+              <dgm:constr type="lMarg" refType="w" fact="0.221"/>
+              <dgm:constr type="rMarg" refType="w" fact="0.221"/>
+              <dgm:constr type="bMarg" val="1"/>
+            </dgm:constrLst>
+            <dgm:ruleLst>
+              <dgm:rule type="primFontSz" val="14" fact="NaN" max="NaN"/>
+            </dgm:ruleLst>
+          </dgm:layoutNode>
+        </dgm:forEach>
+        <dgm:layoutNode name="bottomLine" styleLbl="alignNode1">
+          <dgm:varLst/>
+          <dgm:presOf/>
+          <dgm:alg type="sp"/>
+          <dgm:shape xmlns:r="http://schemas.openxmlformats.org/officeDocument/2006/relationships" type="rect" r:blip="">
+            <dgm:adjLst/>
+          </dgm:shape>
+          <dgm:constrLst/>
+          <dgm:ruleLst/>
+        </dgm:layoutNode>
+        <dgm:layoutNode name="nodeText" styleLbl="bgAccFollowNode1" moveWith="bgRect">
+          <dgm:varLst>
+            <dgm:bulletEnabled val="1"/>
+          </dgm:varLst>
+          <dgm:alg type="tx">
+            <dgm:param type="parTxLTRAlign" val="l"/>
+            <dgm:param type="parTxRTLAlign" val="r"/>
+            <dgm:param type="txAnchorVert" val="t"/>
+          </dgm:alg>
+          <dgm:shape xmlns:r="http://schemas.openxmlformats.org/officeDocument/2006/relationships" type="rect" r:blip="" zOrderOff="-1" hideGeom="1">
+            <dgm:adjLst/>
+          </dgm:shape>
+          <dgm:presOf axis="desOrSelf" ptType="node"/>
+          <dgm:constrLst>
+            <dgm:constr type="primFontSz" val="26"/>
+            <dgm:constr type="tMarg" val="26"/>
+            <dgm:constr type="lMarg" refType="w" fact="0.221"/>
+            <dgm:constr type="rMarg" refType="w" fact="0.221"/>
+            <dgm:constr type="bMarg" val="26"/>
+          </dgm:constrLst>
+          <dgm:ruleLst>
+            <dgm:rule type="primFontSz" val="11" fact="NaN" max="NaN"/>
+          </dgm:ruleLst>
+        </dgm:layoutNode>
+      </dgm:layoutNode>
+      <dgm:forEach name="Name14" axis="followSib" ptType="sibTrans" cnt="1">
+        <dgm:layoutNode name="sibTrans">
+          <dgm:alg type="sp"/>
+          <dgm:shape xmlns:r="http://schemas.openxmlformats.org/officeDocument/2006/relationships" r:blip="">
+            <dgm:adjLst/>
+          </dgm:shape>
+          <dgm:presOf/>
+          <dgm:constrLst/>
+          <dgm:ruleLst/>
+        </dgm:layoutNode>
+      </dgm:forEach>
+    </dgm:forEach>
+  </dgm:layoutNode>
+  <dgm:extLst>
+    <a:ext uri="{4F341089-5ED1-44EC-B178-C955D00A3D55}">
+      <dgm1611:autoBuNodeInfoLst xmlns:dgm1611="http://schemas.microsoft.com/office/drawing/2016/11/diagram">
+        <dgm1611:autoBuNodeInfo lvl="1" ptType="sibTrans">
+          <dgm1611:buPr prefix="" leadZeros="0">
+            <a:buAutoNum type="arabicParenBoth"/>
+          </dgm1611:buPr>
+        </dgm1611:autoBuNodeInfo>
+      </dgm1611:autoBuNodeInfoLst>
+    </a:ext>
+  </dgm:extLst>
+</dgm:layoutDef>
+</file>
+
+<file path=ppt/diagrams/quickStyle1.xml><?xml version="1.0" encoding="utf-8"?>
+<dgm:styleDef xmlns:dgm="http://schemas.openxmlformats.org/drawingml/2006/diagram" xmlns:a="http://schemas.openxmlformats.org/drawingml/2006/main" uniqueId="urn:microsoft.com/office/officeart/2005/8/quickstyle/simple1">
+  <dgm:title val=""/>
+  <dgm:desc val=""/>
+  <dgm:catLst>
+    <dgm:cat type="simple" pri="10100"/>
+  </dgm:catLst>
+  <dgm:scene3d>
+    <a:camera prst="orthographicFront"/>
+    <a:lightRig rig="threePt" dir="t"/>
+  </dgm:scene3d>
+  <dgm:styleLbl name="node0">
+    <dgm:scene3d>
+      <a:camera prst="orthographicFront"/>
+      <a:lightRig rig="threePt" dir="t"/>
+    </dgm:scene3d>
+    <dgm:sp3d/>
+    <dgm:txPr/>
+    <dgm:style>
+      <a:lnRef idx="2">
+        <a:scrgbClr r="0" g="0" b="0"/>
+      </a:lnRef>
+      <a:fillRef idx="1">
+        <a:scrgbClr r="0" g="0" b="0"/>
+      </a:fillRef>
+      <a:effectRef idx="0">
+        <a:scrgbClr r="0" g="0" b="0"/>
+      </a:effectRef>
+      <a:fontRef idx="minor">
+        <a:schemeClr val="lt1"/>
+      </a:fontRef>
+    </dgm:style>
+  </dgm:styleLbl>
+  <dgm:styleLbl name="lnNode1">
+    <dgm:scene3d>
+      <a:camera prst="orthographicFront"/>
+      <a:lightRig rig="threePt" dir="t"/>
+    </dgm:scene3d>
+    <dgm:sp3d/>
+    <dgm:txPr/>
+    <dgm:style>
+      <a:lnRef idx="2">
+        <a:scrgbClr r="0" g="0" b="0"/>
+      </a:lnRef>
+      <a:fillRef idx="1">
+        <a:scrgbClr r="0" g="0" b="0"/>
+      </a:fillRef>
+      <a:effectRef idx="0">
+        <a:scrgbClr r="0" g="0" b="0"/>
+      </a:effectRef>
+      <a:fontRef idx="minor">
+        <a:schemeClr val="lt1"/>
+      </a:fontRef>
+    </dgm:style>
+  </dgm:styleLbl>
+  <dgm:styleLbl name="vennNode1">
+    <dgm:scene3d>
+      <a:camera prst="orthographicFront"/>
+      <a:lightRig rig="threePt" dir="t"/>
+    </dgm:scene3d>
+    <dgm:sp3d/>
+    <dgm:txPr/>
+    <dgm:style>
+      <a:lnRef idx="2">
+        <a:scrgbClr r="0" g="0" b="0"/>
+      </a:lnRef>
+      <a:fillRef idx="1">
+        <a:scrgbClr r="0" g="0" b="0"/>
+      </a:fillRef>
+      <a:effectRef idx="0">
+        <a:scrgbClr r="0" g="0" b="0"/>
+      </a:effectRef>
+      <a:fontRef idx="minor">
+        <a:schemeClr val="tx1"/>
+      </a:fontRef>
+    </dgm:style>
+  </dgm:styleLbl>
+  <dgm:styleLbl name="alignNode1">
+    <dgm:scene3d>
+      <a:camera prst="orthographicFront"/>
+      <a:lightRig rig="threePt" dir="t"/>
+    </dgm:scene3d>
+    <dgm:sp3d/>
+    <dgm:txPr/>
+    <dgm:style>
+      <a:lnRef idx="2">
+        <a:scrgbClr r="0" g="0" b="0"/>
+      </a:lnRef>
+      <a:fillRef idx="1">
+        <a:scrgbClr r="0" g="0" b="0"/>
+      </a:fillRef>
+      <a:effectRef idx="0">
+        <a:scrgbClr r="0" g="0" b="0"/>
+      </a:effectRef>
+      <a:fontRef idx="minor">
+        <a:schemeClr val="lt1"/>
+      </a:fontRef>
+    </dgm:style>
+  </dgm:styleLbl>
+  <dgm:styleLbl name="node1">
+    <dgm:scene3d>
+      <a:camera prst="orthographicFront"/>
+      <a:lightRig rig="threePt" dir="t"/>
+    </dgm:scene3d>
+    <dgm:sp3d/>
+    <dgm:txPr/>
+    <dgm:style>
+      <a:lnRef idx="2">
+        <a:scrgbClr r="0" g="0" b="0"/>
+      </a:lnRef>
+      <a:fillRef idx="1">
+        <a:scrgbClr r="0" g="0" b="0"/>
+      </a:fillRef>
+      <a:effectRef idx="0">
+        <a:scrgbClr r="0" g="0" b="0"/>
+      </a:effectRef>
+      <a:fontRef idx="minor">
+        <a:schemeClr val="lt1"/>
+      </a:fontRef>
+    </dgm:style>
+  </dgm:styleLbl>
+  <dgm:styleLbl name="node2">
+    <dgm:scene3d>
+      <a:camera prst="orthographicFront"/>
+      <a:lightRig rig="threePt" dir="t"/>
+    </dgm:scene3d>
+    <dgm:sp3d/>
+    <dgm:txPr/>
+    <dgm:style>
+      <a:lnRef idx="2">
+        <a:scrgbClr r="0" g="0" b="0"/>
+      </a:lnRef>
+      <a:fillRef idx="1">
+        <a:scrgbClr r="0" g="0" b="0"/>
+      </a:fillRef>
+      <a:effectRef idx="0">
+        <a:scrgbClr r="0" g="0" b="0"/>
+      </a:effectRef>
+      <a:fontRef idx="minor">
+        <a:schemeClr val="lt1"/>
+      </a:fontRef>
+    </dgm:style>
+  </dgm:styleLbl>
+  <dgm:styleLbl name="node3">
+    <dgm:scene3d>
+      <a:camera prst="orthographicFront"/>
+      <a:lightRig rig="threePt" dir="t"/>
+    </dgm:scene3d>
+    <dgm:sp3d/>
+    <dgm:txPr/>
+    <dgm:style>
+      <a:lnRef idx="2">
+        <a:scrgbClr r="0" g="0" b="0"/>
+      </a:lnRef>
+      <a:fillRef idx="1">
+        <a:scrgbClr r="0" g="0" b="0"/>
+      </a:fillRef>
+      <a:effectRef idx="0">
+        <a:scrgbClr r="0" g="0" b="0"/>
+      </a:effectRef>
+      <a:fontRef idx="minor">
+        <a:schemeClr val="lt1"/>
+      </a:fontRef>
+    </dgm:style>
+  </dgm:styleLbl>
+  <dgm:styleLbl name="node4">
+    <dgm:scene3d>
+      <a:camera prst="orthographicFront"/>
+      <a:lightRig rig="threePt" dir="t"/>
+    </dgm:scene3d>
+    <dgm:sp3d/>
+    <dgm:txPr/>
+    <dgm:style>
+      <a:lnRef idx="2">
+        <a:scrgbClr r="0" g="0" b="0"/>
+      </a:lnRef>
+      <a:fillRef idx="1">
+        <a:scrgbClr r="0" g="0" b="0"/>
+      </a:fillRef>
+      <a:effectRef idx="0">
+        <a:scrgbClr r="0" g="0" b="0"/>
+      </a:effectRef>
+      <a:fontRef idx="minor">
+        <a:schemeClr val="lt1"/>
+      </a:fontRef>
+    </dgm:style>
+  </dgm:styleLbl>
+  <dgm:styleLbl name="fgImgPlace1">
+    <dgm:scene3d>
+      <a:camera prst="orthographicFront"/>
+      <a:lightRig rig="threePt" dir="t"/>
+    </dgm:scene3d>
+    <dgm:sp3d/>
+    <dgm:txPr/>
+    <dgm:style>
+      <a:lnRef idx="2">
+        <a:scrgbClr r="0" g="0" b="0"/>
+      </a:lnRef>
+      <a:fillRef idx="1">
+        <a:scrgbClr r="0" g="0" b="0"/>
+      </a:fillRef>
+      <a:effectRef idx="0">
+        <a:scrgbClr r="0" g="0" b="0"/>
+      </a:effectRef>
+      <a:fontRef idx="minor"/>
+    </dgm:style>
+  </dgm:styleLbl>
+  <dgm:styleLbl name="alignImgPlace1">
+    <dgm:scene3d>
+      <a:camera prst="orthographicFront"/>
+      <a:lightRig rig="threePt" dir="t"/>
+    </dgm:scene3d>
+    <dgm:sp3d/>
+    <dgm:txPr/>
+    <dgm:style>
+      <a:lnRef idx="2">
+        <a:scrgbClr r="0" g="0" b="0"/>
+      </a:lnRef>
+      <a:fillRef idx="1">
+        <a:scrgbClr r="0" g="0" b="0"/>
+      </a:fillRef>
+      <a:effectRef idx="0">
+        <a:scrgbClr r="0" g="0" b="0"/>
+      </a:effectRef>
+      <a:fontRef idx="minor"/>
+    </dgm:style>
+  </dgm:styleLbl>
+  <dgm:styleLbl name="bgImgPlace1">
+    <dgm:scene3d>
+      <a:camera prst="orthographicFront"/>
+      <a:lightRig rig="threePt" dir="t"/>
+    </dgm:scene3d>
+    <dgm:sp3d/>
+    <dgm:txPr/>
+    <dgm:style>
+      <a:lnRef idx="2">
+        <a:scrgbClr r="0" g="0" b="0"/>
+      </a:lnRef>
+      <a:fillRef idx="1">
+        <a:scrgbClr r="0" g="0" b="0"/>
+      </a:fillRef>
+      <a:effectRef idx="0">
+        <a:scrgbClr r="0" g="0" b="0"/>
+      </a:effectRef>
+      <a:fontRef idx="minor"/>
+    </dgm:style>
+  </dgm:styleLbl>
+  <dgm:styleLbl name="sibTrans2D1">
+    <dgm:scene3d>
+      <a:camera prst="orthographicFront"/>
+      <a:lightRig rig="threePt" dir="t"/>
+    </dgm:scene3d>
+    <dgm:sp3d/>
+    <dgm:txPr/>
+    <dgm:style>
+      <a:lnRef idx="0">
+        <a:scrgbClr r="0" g="0" b="0"/>
+      </a:lnRef>
+      <a:fillRef idx="1">
+        <a:scrgbClr r="0" g="0" b="0"/>
+      </a:fillRef>
+      <a:effectRef idx="0">
+        <a:scrgbClr r="0" g="0" b="0"/>
+      </a:effectRef>
+      <a:fontRef idx="minor">
+        <a:schemeClr val="lt1"/>
+      </a:fontRef>
+    </dgm:style>
+  </dgm:styleLbl>
+  <dgm:styleLbl name="fgSibTrans2D1">
+    <dgm:scene3d>
+      <a:camera prst="orthographicFront"/>
+      <a:lightRig rig="threePt" dir="t"/>
+    </dgm:scene3d>
+    <dgm:sp3d/>
+    <dgm:txPr/>
+    <dgm:style>
+      <a:lnRef idx="0">
+        <a:scrgbClr r="0" g="0" b="0"/>
+      </a:lnRef>
+      <a:fillRef idx="1">
+        <a:scrgbClr r="0" g="0" b="0"/>
+      </a:fillRef>
+      <a:effectRef idx="0">
+        <a:scrgbClr r="0" g="0" b="0"/>
+      </a:effectRef>
+      <a:fontRef idx="minor">
+        <a:schemeClr val="lt1"/>
+      </a:fontRef>
+    </dgm:style>
+  </dgm:styleLbl>
+  <dgm:styleLbl name="bgSibTrans2D1">
+    <dgm:scene3d>
+      <a:camera prst="orthographicFront"/>
+      <a:lightRig rig="threePt" dir="t"/>
+    </dgm:scene3d>
+    <dgm:sp3d/>
+    <dgm:txPr/>
+    <dgm:style>
+      <a:lnRef idx="0">
+        <a:scrgbClr r="0" g="0" b="0"/>
+      </a:lnRef>
+      <a:fillRef idx="1">
+        <a:scrgbClr r="0" g="0" b="0"/>
+      </a:fillRef>
+      <a:effectRef idx="0">
+        <a:scrgbClr r="0" g="0" b="0"/>
+      </a:effectRef>
+      <a:fontRef idx="minor">
+        <a:schemeClr val="lt1"/>
+      </a:fontRef>
+    </dgm:style>
+  </dgm:styleLbl>
+  <dgm:styleLbl name="sibTrans1D1">
+    <dgm:scene3d>
+      <a:camera prst="orthographicFront"/>
+      <a:lightRig rig="threePt" dir="t"/>
+    </dgm:scene3d>
+    <dgm:sp3d/>
+    <dgm:txPr/>
+    <dgm:style>
+      <a:lnRef idx="1">
+        <a:scrgbClr r="0" g="0" b="0"/>
+      </a:lnRef>
+      <a:fillRef idx="0">
+        <a:scrgbClr r="0" g="0" b="0"/>
+      </a:fillRef>
+      <a:effectRef idx="0">
+        <a:scrgbClr r="0" g="0" b="0"/>
+      </a:effectRef>
+      <a:fontRef idx="minor"/>
+    </dgm:style>
+  </dgm:styleLbl>
+  <dgm:styleLbl name="callout">
+    <dgm:scene3d>
+      <a:camera prst="orthographicFront"/>
+      <a:lightRig rig="threePt" dir="t"/>
+    </dgm:scene3d>
+    <dgm:sp3d/>
+    <dgm:txPr/>
+    <dgm:style>
+      <a:lnRef idx="2">
+        <a:scrgbClr r="0" g="0" b="0"/>
+      </a:lnRef>
+      <a:fillRef idx="1">
+        <a:scrgbClr r="0" g="0" b="0"/>
+      </a:fillRef>
+      <a:effectRef idx="0">
+        <a:scrgbClr r="0" g="0" b="0"/>
+      </a:effectRef>
+      <a:fontRef idx="minor"/>
+    </dgm:style>
+  </dgm:styleLbl>
+  <dgm:styleLbl name="asst0">
+    <dgm:scene3d>
+      <a:camera prst="orthographicFront"/>
+      <a:lightRig rig="threePt" dir="t"/>
+    </dgm:scene3d>
+    <dgm:sp3d/>
+    <dgm:txPr/>
+    <dgm:style>
+      <a:lnRef idx="2">
+        <a:scrgbClr r="0" g="0" b="0"/>
+      </a:lnRef>
+      <a:fillRef idx="1">
+        <a:scrgbClr r="0" g="0" b="0"/>
+      </a:fillRef>
+      <a:effectRef idx="0">
+        <a:scrgbClr r="0" g="0" b="0"/>
+      </a:effectRef>
+      <a:fontRef idx="minor">
+        <a:schemeClr val="lt1"/>
+      </a:fontRef>
+    </dgm:style>
+  </dgm:styleLbl>
+  <dgm:styleLbl name="asst1">
+    <dgm:scene3d>
+      <a:camera prst="orthographicFront"/>
+      <a:lightRig rig="threePt" dir="t"/>
+    </dgm:scene3d>
+    <dgm:sp3d/>
+    <dgm:txPr/>
+    <dgm:style>
+      <a:lnRef idx="2">
+        <a:scrgbClr r="0" g="0" b="0"/>
+      </a:lnRef>
+      <a:fillRef idx="1">
+        <a:scrgbClr r="0" g="0" b="0"/>
+      </a:fillRef>
+      <a:effectRef idx="0">
+        <a:scrgbClr r="0" g="0" b="0"/>
+      </a:effectRef>
+      <a:fontRef idx="minor">
+        <a:schemeClr val="lt1"/>
+      </a:fontRef>
+    </dgm:style>
+  </dgm:styleLbl>
+  <dgm:styleLbl name="asst2">
+    <dgm:scene3d>
+      <a:camera prst="orthographicFront"/>
+      <a:lightRig rig="threePt" dir="t"/>
+    </dgm:scene3d>
+    <dgm:sp3d/>
+    <dgm:txPr/>
+    <dgm:style>
+      <a:lnRef idx="2">
+        <a:scrgbClr r="0" g="0" b="0"/>
+      </a:lnRef>
+      <a:fillRef idx="1">
+        <a:scrgbClr r="0" g="0" b="0"/>
+      </a:fillRef>
+      <a:effectRef idx="0">
+        <a:scrgbClr r="0" g="0" b="0"/>
+      </a:effectRef>
+      <a:fontRef idx="minor">
+        <a:schemeClr val="lt1"/>
+      </a:fontRef>
+    </dgm:style>
+  </dgm:styleLbl>
+  <dgm:styleLbl name="asst3">
+    <dgm:scene3d>
+      <a:camera prst="orthographicFront"/>
+      <a:lightRig rig="threePt" dir="t"/>
+    </dgm:scene3d>
+    <dgm:sp3d/>
+    <dgm:txPr/>
+    <dgm:style>
+      <a:lnRef idx="2">
+        <a:scrgbClr r="0" g="0" b="0"/>
+      </a:lnRef>
+      <a:fillRef idx="1">
+        <a:scrgbClr r="0" g="0" b="0"/>
+      </a:fillRef>
+      <a:effectRef idx="0">
+        <a:scrgbClr r="0" g="0" b="0"/>
+      </a:effectRef>
+      <a:fontRef idx="minor">
+        <a:schemeClr val="lt1"/>
+      </a:fontRef>
+    </dgm:style>
+  </dgm:styleLbl>
+  <dgm:styleLbl name="asst4">
+    <dgm:scene3d>
+      <a:camera prst="orthographicFront"/>
+      <a:lightRig rig="threePt" dir="t"/>
+    </dgm:scene3d>
+    <dgm:sp3d/>
+    <dgm:txPr/>
+    <dgm:style>
+      <a:lnRef idx="2">
+        <a:scrgbClr r="0" g="0" b="0"/>
+      </a:lnRef>
+      <a:fillRef idx="1">
+        <a:scrgbClr r="0" g="0" b="0"/>
+      </a:fillRef>
+      <a:effectRef idx="0">
+        <a:scrgbClr r="0" g="0" b="0"/>
+      </a:effectRef>
+      <a:fontRef idx="minor">
+        <a:schemeClr val="lt1"/>
+      </a:fontRef>
+    </dgm:style>
+  </dgm:styleLbl>
+  <dgm:styleLbl name="parChTrans2D1">
+    <dgm:scene3d>
+      <a:camera prst="orthographicFront"/>
+      <a:lightRig rig="threePt" dir="t"/>
+    </dgm:scene3d>
+    <dgm:sp3d/>
+    <dgm:txPr/>
+    <dgm:style>
+      <a:lnRef idx="2">
+        <a:scrgbClr r="0" g="0" b="0"/>
+      </a:lnRef>
+      <a:fillRef idx="1">
+        <a:scrgbClr r="0" g="0" b="0"/>
+      </a:fillRef>
+      <a:effectRef idx="0">
+        <a:scrgbClr r="0" g="0" b="0"/>
+      </a:effectRef>
+      <a:fontRef idx="minor">
+        <a:schemeClr val="lt1"/>
+      </a:fontRef>
+    </dgm:style>
+  </dgm:styleLbl>
+  <dgm:styleLbl name="parChTrans2D2">
+    <dgm:scene3d>
+      <a:camera prst="orthographicFront"/>
+      <a:lightRig rig="threePt" dir="t"/>
+    </dgm:scene3d>
+    <dgm:sp3d/>
+    <dgm:txPr/>
+    <dgm:style>
+      <a:lnRef idx="2">
+        <a:scrgbClr r="0" g="0" b="0"/>
+      </a:lnRef>
+      <a:fillRef idx="1">
+        <a:scrgbClr r="0" g="0" b="0"/>
+      </a:fillRef>
+      <a:effectRef idx="0">
+        <a:scrgbClr r="0" g="0" b="0"/>
+      </a:effectRef>
+      <a:fontRef idx="minor">
+        <a:schemeClr val="lt1"/>
+      </a:fontRef>
+    </dgm:style>
+  </dgm:styleLbl>
+  <dgm:styleLbl name="parChTrans2D3">
+    <dgm:scene3d>
+      <a:camera prst="orthographicFront"/>
+      <a:lightRig rig="threePt" dir="t"/>
+    </dgm:scene3d>
+    <dgm:sp3d/>
+    <dgm:txPr/>
+    <dgm:style>
+      <a:lnRef idx="2">
+        <a:scrgbClr r="0" g="0" b="0"/>
+      </a:lnRef>
+      <a:fillRef idx="1">
+        <a:scrgbClr r="0" g="0" b="0"/>
+      </a:fillRef>
+      <a:effectRef idx="0">
+        <a:scrgbClr r="0" g="0" b="0"/>
+      </a:effectRef>
+      <a:fontRef idx="minor">
+        <a:schemeClr val="lt1"/>
+      </a:fontRef>
+    </dgm:style>
+  </dgm:styleLbl>
+  <dgm:styleLbl name="parChTrans2D4">
+    <dgm:scene3d>
+      <a:camera prst="orthographicFront"/>
+      <a:lightRig rig="threePt" dir="t"/>
+    </dgm:scene3d>
+    <dgm:sp3d/>
+    <dgm:txPr/>
+    <dgm:style>
+      <a:lnRef idx="2">
+        <a:scrgbClr r="0" g="0" b="0"/>
+      </a:lnRef>
+      <a:fillRef idx="1">
+        <a:scrgbClr r="0" g="0" b="0"/>
+      </a:fillRef>
+      <a:effectRef idx="0">
+        <a:scrgbClr r="0" g="0" b="0"/>
+      </a:effectRef>
+      <a:fontRef idx="minor">
+        <a:schemeClr val="lt1"/>
+      </a:fontRef>
+    </dgm:style>
+  </dgm:styleLbl>
+  <dgm:styleLbl name="parChTrans1D1">
+    <dgm:scene3d>
+      <a:camera prst="orthographicFront"/>
+      <a:lightRig rig="threePt" dir="t"/>
+    </dgm:scene3d>
+    <dgm:sp3d/>
+    <dgm:txPr/>
+    <dgm:style>
+      <a:lnRef idx="2">
+        <a:scrgbClr r="0" g="0" b="0"/>
+      </a:lnRef>
+      <a:fillRef idx="0">
+        <a:scrgbClr r="0" g="0" b="0"/>
+      </a:fillRef>
+      <a:effectRef idx="0">
+        <a:scrgbClr r="0" g="0" b="0"/>
+      </a:effectRef>
+      <a:fontRef idx="minor"/>
+    </dgm:style>
+  </dgm:styleLbl>
+  <dgm:styleLbl name="parChTrans1D2">
+    <dgm:scene3d>
+      <a:camera prst="orthographicFront"/>
+      <a:lightRig rig="threePt" dir="t"/>
+    </dgm:scene3d>
+    <dgm:sp3d/>
+    <dgm:txPr/>
+    <dgm:style>
+      <a:lnRef idx="2">
+        <a:scrgbClr r="0" g="0" b="0"/>
+      </a:lnRef>
+      <a:fillRef idx="0">
+        <a:scrgbClr r="0" g="0" b="0"/>
+      </a:fillRef>
+      <a:effectRef idx="0">
+        <a:scrgbClr r="0" g="0" b="0"/>
+      </a:effectRef>
+      <a:fontRef idx="minor"/>
+    </dgm:style>
+  </dgm:styleLbl>
+  <dgm:styleLbl name="parChTrans1D3">
+    <dgm:scene3d>
+      <a:camera prst="orthographicFront"/>
+      <a:lightRig rig="threePt" dir="t"/>
+    </dgm:scene3d>
+    <dgm:sp3d/>
+    <dgm:txPr/>
+    <dgm:style>
+      <a:lnRef idx="2">
+        <a:scrgbClr r="0" g="0" b="0"/>
+      </a:lnRef>
+      <a:fillRef idx="0">
+        <a:scrgbClr r="0" g="0" b="0"/>
+      </a:fillRef>
+      <a:effectRef idx="0">
+        <a:scrgbClr r="0" g="0" b="0"/>
+      </a:effectRef>
+      <a:fontRef idx="minor"/>
+    </dgm:style>
+  </dgm:styleLbl>
+  <dgm:styleLbl name="parChTrans1D4">
+    <dgm:scene3d>
+      <a:camera prst="orthographicFront"/>
+      <a:lightRig rig="threePt" dir="t"/>
+    </dgm:scene3d>
+    <dgm:sp3d/>
+    <dgm:txPr/>
+    <dgm:style>
+      <a:lnRef idx="2">
+        <a:scrgbClr r="0" g="0" b="0"/>
+      </a:lnRef>
+      <a:fillRef idx="0">
+        <a:scrgbClr r="0" g="0" b="0"/>
+      </a:fillRef>
+      <a:effectRef idx="0">
+        <a:scrgbClr r="0" g="0" b="0"/>
+      </a:effectRef>
+      <a:fontRef idx="minor"/>
+    </dgm:style>
+  </dgm:styleLbl>
+  <dgm:styleLbl name="fgAcc1">
+    <dgm:scene3d>
+      <a:camera prst="orthographicFront"/>
+      <a:lightRig rig="threePt" dir="t"/>
+    </dgm:scene3d>
+    <dgm:sp3d/>
+    <dgm:txPr/>
+    <dgm:style>
+      <a:lnRef idx="2">
+        <a:scrgbClr r="0" g="0" b="0"/>
+      </a:lnRef>
+      <a:fillRef idx="1">
+        <a:scrgbClr r="0" g="0" b="0"/>
+      </a:fillRef>
+      <a:effectRef idx="0">
+        <a:scrgbClr r="0" g="0" b="0"/>
+      </a:effectRef>
+      <a:fontRef idx="minor"/>
+    </dgm:style>
+  </dgm:styleLbl>
+  <dgm:styleLbl name="conFgAcc1">
+    <dgm:scene3d>
+      <a:camera prst="orthographicFront"/>
+      <a:lightRig rig="threePt" dir="t"/>
+    </dgm:scene3d>
+    <dgm:sp3d/>
+    <dgm:txPr/>
+    <dgm:style>
+      <a:lnRef idx="2">
+        <a:scrgbClr r="0" g="0" b="0"/>
+      </a:lnRef>
+      <a:fillRef idx="1">
+        <a:scrgbClr r="0" g="0" b="0"/>
+      </a:fillRef>
+      <a:effectRef idx="0">
+        <a:scrgbClr r="0" g="0" b="0"/>
+      </a:effectRef>
+      <a:fontRef idx="minor"/>
+    </dgm:style>
+  </dgm:styleLbl>
+  <dgm:styleLbl name="alignAcc1">
+    <dgm:scene3d>
+      <a:camera prst="orthographicFront"/>
+      <a:lightRig rig="threePt" dir="t"/>
+    </dgm:scene3d>
+    <dgm:sp3d/>
+    <dgm:txPr/>
+    <dgm:style>
+      <a:lnRef idx="2">
+        <a:scrgbClr r="0" g="0" b="0"/>
+      </a:lnRef>
+      <a:fillRef idx="1">
+        <a:scrgbClr r="0" g="0" b="0"/>
+      </a:fillRef>
+      <a:effectRef idx="0">
+        <a:scrgbClr r="0" g="0" b="0"/>
+      </a:effectRef>
+      <a:fontRef idx="minor"/>
+    </dgm:style>
+  </dgm:styleLbl>
+  <dgm:styleLbl name="trAlignAcc1">
+    <dgm:scene3d>
+      <a:camera prst="orthographicFront"/>
+      <a:lightRig rig="threePt" dir="t"/>
+    </dgm:scene3d>
+    <dgm:sp3d/>
+    <dgm:txPr/>
+    <dgm:style>
+      <a:lnRef idx="1">
+        <a:scrgbClr r="0" g="0" b="0"/>
+      </a:lnRef>
+      <a:fillRef idx="1">
+        <a:scrgbClr r="0" g="0" b="0"/>
+      </a:fillRef>
+      <a:effectRef idx="0">
+        <a:scrgbClr r="0" g="0" b="0"/>
+      </a:effectRef>
+      <a:fontRef idx="minor"/>
+    </dgm:style>
+  </dgm:styleLbl>
+  <dgm:styleLbl name="bgAcc1">
+    <dgm:scene3d>
+      <a:camera prst="orthographicFront"/>
+      <a:lightRig rig="threePt" dir="t"/>
+    </dgm:scene3d>
+    <dgm:sp3d/>
+    <dgm:txPr/>
+    <dgm:style>
+      <a:lnRef idx="2">
+        <a:scrgbClr r="0" g="0" b="0"/>
+      </a:lnRef>
+      <a:fillRef idx="1">
+        <a:scrgbClr r="0" g="0" b="0"/>
+      </a:fillRef>
+      <a:effectRef idx="0">
+        <a:scrgbClr r="0" g="0" b="0"/>
+      </a:effectRef>
+      <a:fontRef idx="minor"/>
+    </dgm:style>
+  </dgm:styleLbl>
+  <dgm:styleLbl name="solidFgAcc1">
+    <dgm:scene3d>
+      <a:camera prst="orthographicFront"/>
+      <a:lightRig rig="threePt" dir="t"/>
+    </dgm:scene3d>
+    <dgm:sp3d/>
+    <dgm:txPr/>
+    <dgm:style>
+      <a:lnRef idx="2">
+        <a:scrgbClr r="0" g="0" b="0"/>
+      </a:lnRef>
+      <a:fillRef idx="1">
+        <a:scrgbClr r="0" g="0" b="0"/>
+      </a:fillRef>
+      <a:effectRef idx="0">
+        <a:scrgbClr r="0" g="0" b="0"/>
+      </a:effectRef>
+      <a:fontRef idx="minor"/>
+    </dgm:style>
+  </dgm:styleLbl>
+  <dgm:styleLbl name="solidAlignAcc1">
+    <dgm:scene3d>
+      <a:camera prst="orthographicFront"/>
+      <a:lightRig rig="threePt" dir="t"/>
+    </dgm:scene3d>
+    <dgm:sp3d/>
+    <dgm:txPr/>
+    <dgm:style>
+      <a:lnRef idx="2">
+        <a:scrgbClr r="0" g="0" b="0"/>
+      </a:lnRef>
+      <a:fillRef idx="1">
+        <a:scrgbClr r="0" g="0" b="0"/>
+      </a:fillRef>
+      <a:effectRef idx="0">
+        <a:scrgbClr r="0" g="0" b="0"/>
+      </a:effectRef>
+      <a:fontRef idx="minor"/>
+    </dgm:style>
+  </dgm:styleLbl>
+  <dgm:styleLbl name="solidBgAcc1">
+    <dgm:scene3d>
+      <a:camera prst="orthographicFront"/>
+      <a:lightRig rig="threePt" dir="t"/>
+    </dgm:scene3d>
+    <dgm:sp3d/>
+    <dgm:txPr/>
+    <dgm:style>
+      <a:lnRef idx="2">
+        <a:scrgbClr r="0" g="0" b="0"/>
+      </a:lnRef>
+      <a:fillRef idx="1">
+        <a:scrgbClr r="0" g="0" b="0"/>
+      </a:fillRef>
+      <a:effectRef idx="0">
+        <a:scrgbClr r="0" g="0" b="0"/>
+      </a:effectRef>
+      <a:fontRef idx="minor"/>
+    </dgm:style>
+  </dgm:styleLbl>
+  <dgm:styleLbl name="fgAccFollowNode1">
+    <dgm:scene3d>
+      <a:camera prst="orthographicFront"/>
+      <a:lightRig rig="threePt" dir="t"/>
+    </dgm:scene3d>
+    <dgm:sp3d/>
+    <dgm:txPr/>
+    <dgm:style>
+      <a:lnRef idx="2">
+        <a:scrgbClr r="0" g="0" b="0"/>
+      </a:lnRef>
+      <a:fillRef idx="1">
+        <a:scrgbClr r="0" g="0" b="0"/>
+      </a:fillRef>
+      <a:effectRef idx="0">
+        <a:scrgbClr r="0" g="0" b="0"/>
+      </a:effectRef>
+      <a:fontRef idx="minor"/>
+    </dgm:style>
+  </dgm:styleLbl>
+  <dgm:styleLbl name="alignAccFollowNode1">
+    <dgm:scene3d>
+      <a:camera prst="orthographicFront"/>
+      <a:lightRig rig="threePt" dir="t"/>
+    </dgm:scene3d>
+    <dgm:sp3d/>
+    <dgm:txPr/>
+    <dgm:style>
+      <a:lnRef idx="2">
+        <a:scrgbClr r="0" g="0" b="0"/>
+      </a:lnRef>
+      <a:fillRef idx="1">
+        <a:scrgbClr r="0" g="0" b="0"/>
+      </a:fillRef>
+      <a:effectRef idx="0">
+        <a:scrgbClr r="0" g="0" b="0"/>
+      </a:effectRef>
+      <a:fontRef idx="minor"/>
+    </dgm:style>
+  </dgm:styleLbl>
+  <dgm:styleLbl name="bgAccFollowNode1">
+    <dgm:scene3d>
+      <a:camera prst="orthographicFront"/>
+      <a:lightRig rig="threePt" dir="t"/>
+    </dgm:scene3d>
+    <dgm:sp3d/>
+    <dgm:txPr/>
+    <dgm:style>
+      <a:lnRef idx="2">
+        <a:scrgbClr r="0" g="0" b="0"/>
+      </a:lnRef>
+      <a:fillRef idx="1">
+        <a:scrgbClr r="0" g="0" b="0"/>
+      </a:fillRef>
+      <a:effectRef idx="0">
+        <a:scrgbClr r="0" g="0" b="0"/>
+      </a:effectRef>
+      <a:fontRef idx="minor"/>
+    </dgm:style>
+  </dgm:styleLbl>
+  <dgm:styleLbl name="fgAcc0">
+    <dgm:scene3d>
+      <a:camera prst="orthographicFront"/>
+      <a:lightRig rig="threePt" dir="t"/>
+    </dgm:scene3d>
+    <dgm:sp3d/>
+    <dgm:txPr/>
+    <dgm:style>
+      <a:lnRef idx="2">
+        <a:scrgbClr r="0" g="0" b="0"/>
+      </a:lnRef>
+      <a:fillRef idx="1">
+        <a:scrgbClr r="0" g="0" b="0"/>
+      </a:fillRef>
+      <a:effectRef idx="0">
+        <a:scrgbClr r="0" g="0" b="0"/>
+      </a:effectRef>
+      <a:fontRef idx="minor"/>
+    </dgm:style>
+  </dgm:styleLbl>
+  <dgm:styleLbl name="fgAcc2">
+    <dgm:scene3d>
+      <a:camera prst="orthographicFront"/>
+      <a:lightRig rig="threePt" dir="t"/>
+    </dgm:scene3d>
+    <dgm:sp3d/>
+    <dgm:txPr/>
+    <dgm:style>
+      <a:lnRef idx="2">
+        <a:scrgbClr r="0" g="0" b="0"/>
+      </a:lnRef>
+      <a:fillRef idx="1">
+        <a:scrgbClr r="0" g="0" b="0"/>
+      </a:fillRef>
+      <a:effectRef idx="0">
+        <a:scrgbClr r="0" g="0" b="0"/>
+      </a:effectRef>
+      <a:fontRef idx="minor"/>
+    </dgm:style>
+  </dgm:styleLbl>
+  <dgm:styleLbl name="fgAcc3">
+    <dgm:scene3d>
+      <a:camera prst="orthographicFront"/>
+      <a:lightRig rig="threePt" dir="t"/>
+    </dgm:scene3d>
+    <dgm:sp3d/>
+    <dgm:txPr/>
+    <dgm:style>
+      <a:lnRef idx="2">
+        <a:scrgbClr r="0" g="0" b="0"/>
+      </a:lnRef>
+      <a:fillRef idx="1">
+        <a:scrgbClr r="0" g="0" b="0"/>
+      </a:fillRef>
+      <a:effectRef idx="0">
+        <a:scrgbClr r="0" g="0" b="0"/>
+      </a:effectRef>
+      <a:fontRef idx="minor"/>
+    </dgm:style>
+  </dgm:styleLbl>
+  <dgm:styleLbl name="fgAcc4">
+    <dgm:scene3d>
+      <a:camera prst="orthographicFront"/>
+      <a:lightRig rig="threePt" dir="t"/>
+    </dgm:scene3d>
+    <dgm:sp3d/>
+    <dgm:txPr/>
+    <dgm:style>
+      <a:lnRef idx="2">
+        <a:scrgbClr r="0" g="0" b="0"/>
+      </a:lnRef>
+      <a:fillRef idx="1">
+        <a:scrgbClr r="0" g="0" b="0"/>
+      </a:fillRef>
+      <a:effectRef idx="0">
+        <a:scrgbClr r="0" g="0" b="0"/>
+      </a:effectRef>
+      <a:fontRef idx="minor"/>
+    </dgm:style>
+  </dgm:styleLbl>
+  <dgm:styleLbl name="bgShp">
+    <dgm:scene3d>
+      <a:camera prst="orthographicFront"/>
+      <a:lightRig rig="threePt" dir="t"/>
+    </dgm:scene3d>
+    <dgm:sp3d/>
+    <dgm:txPr/>
+    <dgm:style>
+      <a:lnRef idx="0">
+        <a:scrgbClr r="0" g="0" b="0"/>
+      </a:lnRef>
+      <a:fillRef idx="1">
+        <a:scrgbClr r="0" g="0" b="0"/>
+      </a:fillRef>
+      <a:effectRef idx="0">
+        <a:scrgbClr r="0" g="0" b="0"/>
+      </a:effectRef>
+      <a:fontRef idx="minor"/>
+    </dgm:style>
+  </dgm:styleLbl>
+  <dgm:styleLbl name="dkBgShp">
+    <dgm:scene3d>
+      <a:camera prst="orthographicFront"/>
+      <a:lightRig rig="threePt" dir="t"/>
+    </dgm:scene3d>
+    <dgm:sp3d/>
+    <dgm:txPr/>
+    <dgm:style>
+      <a:lnRef idx="0">
+        <a:scrgbClr r="0" g="0" b="0"/>
+      </a:lnRef>
+      <a:fillRef idx="1">
+        <a:scrgbClr r="0" g="0" b="0"/>
+      </a:fillRef>
+      <a:effectRef idx="0">
+        <a:scrgbClr r="0" g="0" b="0"/>
+      </a:effectRef>
+      <a:fontRef idx="minor"/>
+    </dgm:style>
+  </dgm:styleLbl>
+  <dgm:styleLbl name="trBgShp">
+    <dgm:scene3d>
+      <a:camera prst="orthographicFront"/>
+      <a:lightRig rig="threePt" dir="t"/>
+    </dgm:scene3d>
+    <dgm:sp3d/>
+    <dgm:txPr/>
+    <dgm:style>
+      <a:lnRef idx="0">
+        <a:scrgbClr r="0" g="0" b="0"/>
+      </a:lnRef>
+      <a:fillRef idx="1">
+        <a:scrgbClr r="0" g="0" b="0"/>
+      </a:fillRef>
+      <a:effectRef idx="0">
+        <a:scrgbClr r="0" g="0" b="0"/>
+      </a:effectRef>
+      <a:fontRef idx="minor"/>
+    </dgm:style>
+  </dgm:styleLbl>
+  <dgm:styleLbl name="fgShp">
+    <dgm:scene3d>
+      <a:camera prst="orthographicFront"/>
+      <a:lightRig rig="threePt" dir="t"/>
+    </dgm:scene3d>
+    <dgm:sp3d/>
+    <dgm:txPr/>
+    <dgm:style>
+      <a:lnRef idx="2">
+        <a:scrgbClr r="0" g="0" b="0"/>
+      </a:lnRef>
+      <a:fillRef idx="1">
+        <a:scrgbClr r="0" g="0" b="0"/>
+      </a:fillRef>
+      <a:effectRef idx="0">
+        <a:scrgbClr r="0" g="0" b="0"/>
+      </a:effectRef>
+      <a:fontRef idx="minor"/>
+    </dgm:style>
+  </dgm:styleLbl>
+  <dgm:styleLbl name="revTx">
+    <dgm:scene3d>
+      <a:camera prst="orthographicFront"/>
+      <a:lightRig rig="threePt" dir="t"/>
+    </dgm:scene3d>
+    <dgm:sp3d/>
+    <dgm:txPr/>
+    <dgm:style>
+      <a:lnRef idx="0">
+        <a:scrgbClr r="0" g="0" b="0"/>
+      </a:lnRef>
+      <a:fillRef idx="0">
+        <a:scrgbClr r="0" g="0" b="0"/>
+      </a:fillRef>
+      <a:effectRef idx="0">
+        <a:scrgbClr r="0" g="0" b="0"/>
+      </a:effectRef>
+      <a:fontRef idx="minor"/>
+    </dgm:style>
+  </dgm:styleLbl>
+</dgm:styleDef>
+</file>
+
+<file path=ppt/diagrams/quickStyle2.xml><?xml version="1.0" encoding="utf-8"?>
+<dgm:styleDef xmlns:dgm="http://schemas.openxmlformats.org/drawingml/2006/diagram" xmlns:a="http://schemas.openxmlformats.org/drawingml/2006/main" uniqueId="urn:microsoft.com/office/officeart/2005/8/quickstyle/simple1">
+  <dgm:title val=""/>
+  <dgm:desc val=""/>
+  <dgm:catLst>
+    <dgm:cat type="simple" pri="10100"/>
+  </dgm:catLst>
+  <dgm:scene3d>
+    <a:camera prst="orthographicFront"/>
+    <a:lightRig rig="threePt" dir="t"/>
+  </dgm:scene3d>
+  <dgm:styleLbl name="node0">
+    <dgm:scene3d>
+      <a:camera prst="orthographicFront"/>
+      <a:lightRig rig="threePt" dir="t"/>
+    </dgm:scene3d>
+    <dgm:sp3d/>
+    <dgm:txPr/>
+    <dgm:style>
+      <a:lnRef idx="2">
+        <a:scrgbClr r="0" g="0" b="0"/>
+      </a:lnRef>
+      <a:fillRef idx="1">
+        <a:scrgbClr r="0" g="0" b="0"/>
+      </a:fillRef>
+      <a:effectRef idx="0">
+        <a:scrgbClr r="0" g="0" b="0"/>
+      </a:effectRef>
+      <a:fontRef idx="minor">
+        <a:schemeClr val="lt1"/>
+      </a:fontRef>
+    </dgm:style>
+  </dgm:styleLbl>
+  <dgm:styleLbl name="lnNode1">
+    <dgm:scene3d>
+      <a:camera prst="orthographicFront"/>
+      <a:lightRig rig="threePt" dir="t"/>
+    </dgm:scene3d>
+    <dgm:sp3d/>
+    <dgm:txPr/>
+    <dgm:style>
+      <a:lnRef idx="2">
+        <a:scrgbClr r="0" g="0" b="0"/>
+      </a:lnRef>
+      <a:fillRef idx="1">
+        <a:scrgbClr r="0" g="0" b="0"/>
+      </a:fillRef>
+      <a:effectRef idx="0">
+        <a:scrgbClr r="0" g="0" b="0"/>
+      </a:effectRef>
+      <a:fontRef idx="minor">
+        <a:schemeClr val="lt1"/>
+      </a:fontRef>
+    </dgm:style>
+  </dgm:styleLbl>
+  <dgm:styleLbl name="vennNode1">
+    <dgm:scene3d>
+      <a:camera prst="orthographicFront"/>
+      <a:lightRig rig="threePt" dir="t"/>
+    </dgm:scene3d>
+    <dgm:sp3d/>
+    <dgm:txPr/>
+    <dgm:style>
+      <a:lnRef idx="2">
+        <a:scrgbClr r="0" g="0" b="0"/>
+      </a:lnRef>
+      <a:fillRef idx="1">
+        <a:scrgbClr r="0" g="0" b="0"/>
+      </a:fillRef>
+      <a:effectRef idx="0">
+        <a:scrgbClr r="0" g="0" b="0"/>
+      </a:effectRef>
+      <a:fontRef idx="minor">
+        <a:schemeClr val="tx1"/>
+      </a:fontRef>
+    </dgm:style>
+  </dgm:styleLbl>
+  <dgm:styleLbl name="alignNode1">
+    <dgm:scene3d>
+      <a:camera prst="orthographicFront"/>
+      <a:lightRig rig="threePt" dir="t"/>
+    </dgm:scene3d>
+    <dgm:sp3d/>
+    <dgm:txPr/>
+    <dgm:style>
+      <a:lnRef idx="2">
+        <a:scrgbClr r="0" g="0" b="0"/>
+      </a:lnRef>
+      <a:fillRef idx="1">
+        <a:scrgbClr r="0" g="0" b="0"/>
+      </a:fillRef>
+      <a:effectRef idx="0">
+        <a:scrgbClr r="0" g="0" b="0"/>
+      </a:effectRef>
+      <a:fontRef idx="minor">
+        <a:schemeClr val="lt1"/>
+      </a:fontRef>
+    </dgm:style>
+  </dgm:styleLbl>
+  <dgm:styleLbl name="node1">
+    <dgm:scene3d>
+      <a:camera prst="orthographicFront"/>
+      <a:lightRig rig="threePt" dir="t"/>
+    </dgm:scene3d>
+    <dgm:sp3d/>
+    <dgm:txPr/>
+    <dgm:style>
+      <a:lnRef idx="2">
+        <a:scrgbClr r="0" g="0" b="0"/>
+      </a:lnRef>
+      <a:fillRef idx="1">
+        <a:scrgbClr r="0" g="0" b="0"/>
+      </a:fillRef>
+      <a:effectRef idx="0">
+        <a:scrgbClr r="0" g="0" b="0"/>
+      </a:effectRef>
+      <a:fontRef idx="minor">
+        <a:schemeClr val="lt1"/>
+      </a:fontRef>
+    </dgm:style>
+  </dgm:styleLbl>
+  <dgm:styleLbl name="node2">
+    <dgm:scene3d>
+      <a:camera prst="orthographicFront"/>
+      <a:lightRig rig="threePt" dir="t"/>
+    </dgm:scene3d>
+    <dgm:sp3d/>
+    <dgm:txPr/>
+    <dgm:style>
+      <a:lnRef idx="2">
+        <a:scrgbClr r="0" g="0" b="0"/>
+      </a:lnRef>
+      <a:fillRef idx="1">
+        <a:scrgbClr r="0" g="0" b="0"/>
+      </a:fillRef>
+      <a:effectRef idx="0">
+        <a:scrgbClr r="0" g="0" b="0"/>
+      </a:effectRef>
+      <a:fontRef idx="minor">
+        <a:schemeClr val="lt1"/>
+      </a:fontRef>
+    </dgm:style>
+  </dgm:styleLbl>
+  <dgm:styleLbl name="node3">
+    <dgm:scene3d>
+      <a:camera prst="orthographicFront"/>
+      <a:lightRig rig="threePt" dir="t"/>
+    </dgm:scene3d>
+    <dgm:sp3d/>
+    <dgm:txPr/>
+    <dgm:style>
+      <a:lnRef idx="2">
+        <a:scrgbClr r="0" g="0" b="0"/>
+      </a:lnRef>
+      <a:fillRef idx="1">
+        <a:scrgbClr r="0" g="0" b="0"/>
+      </a:fillRef>
+      <a:effectRef idx="0">
+        <a:scrgbClr r="0" g="0" b="0"/>
+      </a:effectRef>
+      <a:fontRef idx="minor">
+        <a:schemeClr val="lt1"/>
+      </a:fontRef>
+    </dgm:style>
+  </dgm:styleLbl>
+  <dgm:styleLbl name="node4">
+    <dgm:scene3d>
+      <a:camera prst="orthographicFront"/>
+      <a:lightRig rig="threePt" dir="t"/>
+    </dgm:scene3d>
+    <dgm:sp3d/>
+    <dgm:txPr/>
+    <dgm:style>
+      <a:lnRef idx="2">
+        <a:scrgbClr r="0" g="0" b="0"/>
+      </a:lnRef>
+      <a:fillRef idx="1">
+        <a:scrgbClr r="0" g="0" b="0"/>
+      </a:fillRef>
+      <a:effectRef idx="0">
+        <a:scrgbClr r="0" g="0" b="0"/>
+      </a:effectRef>
+      <a:fontRef idx="minor">
+        <a:schemeClr val="lt1"/>
+      </a:fontRef>
+    </dgm:style>
+  </dgm:styleLbl>
+  <dgm:styleLbl name="fgImgPlace1">
+    <dgm:scene3d>
+      <a:camera prst="orthographicFront"/>
+      <a:lightRig rig="threePt" dir="t"/>
+    </dgm:scene3d>
+    <dgm:sp3d/>
+    <dgm:txPr/>
+    <dgm:style>
+      <a:lnRef idx="2">
+        <a:scrgbClr r="0" g="0" b="0"/>
+      </a:lnRef>
+      <a:fillRef idx="1">
+        <a:scrgbClr r="0" g="0" b="0"/>
+      </a:fillRef>
+      <a:effectRef idx="0">
+        <a:scrgbClr r="0" g="0" b="0"/>
+      </a:effectRef>
+      <a:fontRef idx="minor"/>
+    </dgm:style>
+  </dgm:styleLbl>
+  <dgm:styleLbl name="alignImgPlace1">
+    <dgm:scene3d>
+      <a:camera prst="orthographicFront"/>
+      <a:lightRig rig="threePt" dir="t"/>
+    </dgm:scene3d>
+    <dgm:sp3d/>
+    <dgm:txPr/>
+    <dgm:style>
+      <a:lnRef idx="2">
+        <a:scrgbClr r="0" g="0" b="0"/>
+      </a:lnRef>
+      <a:fillRef idx="1">
+        <a:scrgbClr r="0" g="0" b="0"/>
+      </a:fillRef>
+      <a:effectRef idx="0">
+        <a:scrgbClr r="0" g="0" b="0"/>
+      </a:effectRef>
+      <a:fontRef idx="minor"/>
+    </dgm:style>
+  </dgm:styleLbl>
+  <dgm:styleLbl name="bgImgPlace1">
+    <dgm:scene3d>
+      <a:camera prst="orthographicFront"/>
+      <a:lightRig rig="threePt" dir="t"/>
+    </dgm:scene3d>
+    <dgm:sp3d/>
+    <dgm:txPr/>
+    <dgm:style>
+      <a:lnRef idx="2">
+        <a:scrgbClr r="0" g="0" b="0"/>
+      </a:lnRef>
+      <a:fillRef idx="1">
+        <a:scrgbClr r="0" g="0" b="0"/>
+      </a:fillRef>
+      <a:effectRef idx="0">
+        <a:scrgbClr r="0" g="0" b="0"/>
+      </a:effectRef>
+      <a:fontRef idx="minor"/>
+    </dgm:style>
+  </dgm:styleLbl>
+  <dgm:styleLbl name="sibTrans2D1">
+    <dgm:scene3d>
+      <a:camera prst="orthographicFront"/>
+      <a:lightRig rig="threePt" dir="t"/>
+    </dgm:scene3d>
+    <dgm:sp3d/>
+    <dgm:txPr/>
+    <dgm:style>
+      <a:lnRef idx="0">
+        <a:scrgbClr r="0" g="0" b="0"/>
+      </a:lnRef>
+      <a:fillRef idx="1">
+        <a:scrgbClr r="0" g="0" b="0"/>
+      </a:fillRef>
+      <a:effectRef idx="0">
+        <a:scrgbClr r="0" g="0" b="0"/>
+      </a:effectRef>
+      <a:fontRef idx="minor">
+        <a:schemeClr val="lt1"/>
+      </a:fontRef>
+    </dgm:style>
+  </dgm:styleLbl>
+  <dgm:styleLbl name="fgSibTrans2D1">
+    <dgm:scene3d>
+      <a:camera prst="orthographicFront"/>
+      <a:lightRig rig="threePt" dir="t"/>
+    </dgm:scene3d>
+    <dgm:sp3d/>
+    <dgm:txPr/>
+    <dgm:style>
+      <a:lnRef idx="0">
+        <a:scrgbClr r="0" g="0" b="0"/>
+      </a:lnRef>
+      <a:fillRef idx="1">
+        <a:scrgbClr r="0" g="0" b="0"/>
+      </a:fillRef>
+      <a:effectRef idx="0">
+        <a:scrgbClr r="0" g="0" b="0"/>
+      </a:effectRef>
+      <a:fontRef idx="minor">
+        <a:schemeClr val="lt1"/>
+      </a:fontRef>
+    </dgm:style>
+  </dgm:styleLbl>
+  <dgm:styleLbl name="bgSibTrans2D1">
+    <dgm:scene3d>
+      <a:camera prst="orthographicFront"/>
+      <a:lightRig rig="threePt" dir="t"/>
+    </dgm:scene3d>
+    <dgm:sp3d/>
+    <dgm:txPr/>
+    <dgm:style>
+      <a:lnRef idx="0">
+        <a:scrgbClr r="0" g="0" b="0"/>
+      </a:lnRef>
+      <a:fillRef idx="1">
+        <a:scrgbClr r="0" g="0" b="0"/>
+      </a:fillRef>
+      <a:effectRef idx="0">
+        <a:scrgbClr r="0" g="0" b="0"/>
+      </a:effectRef>
+      <a:fontRef idx="minor">
+        <a:schemeClr val="lt1"/>
+      </a:fontRef>
+    </dgm:style>
+  </dgm:styleLbl>
+  <dgm:styleLbl name="sibTrans1D1">
+    <dgm:scene3d>
+      <a:camera prst="orthographicFront"/>
+      <a:lightRig rig="threePt" dir="t"/>
+    </dgm:scene3d>
+    <dgm:sp3d/>
+    <dgm:txPr/>
+    <dgm:style>
+      <a:lnRef idx="1">
+        <a:scrgbClr r="0" g="0" b="0"/>
+      </a:lnRef>
+      <a:fillRef idx="0">
+        <a:scrgbClr r="0" g="0" b="0"/>
+      </a:fillRef>
+      <a:effectRef idx="0">
+        <a:scrgbClr r="0" g="0" b="0"/>
+      </a:effectRef>
+      <a:fontRef idx="minor"/>
+    </dgm:style>
+  </dgm:styleLbl>
+  <dgm:styleLbl name="callout">
+    <dgm:scene3d>
+      <a:camera prst="orthographicFront"/>
+      <a:lightRig rig="threePt" dir="t"/>
+    </dgm:scene3d>
+    <dgm:sp3d/>
+    <dgm:txPr/>
+    <dgm:style>
+      <a:lnRef idx="2">
+        <a:scrgbClr r="0" g="0" b="0"/>
+      </a:lnRef>
+      <a:fillRef idx="1">
+        <a:scrgbClr r="0" g="0" b="0"/>
+      </a:fillRef>
+      <a:effectRef idx="0">
+        <a:scrgbClr r="0" g="0" b="0"/>
+      </a:effectRef>
+      <a:fontRef idx="minor"/>
+    </dgm:style>
+  </dgm:styleLbl>
+  <dgm:styleLbl name="asst0">
+    <dgm:scene3d>
+      <a:camera prst="orthographicFront"/>
+      <a:lightRig rig="threePt" dir="t"/>
+    </dgm:scene3d>
+    <dgm:sp3d/>
+    <dgm:txPr/>
+    <dgm:style>
+      <a:lnRef idx="2">
+        <a:scrgbClr r="0" g="0" b="0"/>
+      </a:lnRef>
+      <a:fillRef idx="1">
+        <a:scrgbClr r="0" g="0" b="0"/>
+      </a:fillRef>
+      <a:effectRef idx="0">
+        <a:scrgbClr r="0" g="0" b="0"/>
+      </a:effectRef>
+      <a:fontRef idx="minor">
+        <a:schemeClr val="lt1"/>
+      </a:fontRef>
+    </dgm:style>
+  </dgm:styleLbl>
+  <dgm:styleLbl name="asst1">
+    <dgm:scene3d>
+      <a:camera prst="orthographicFront"/>
+      <a:lightRig rig="threePt" dir="t"/>
+    </dgm:scene3d>
+    <dgm:sp3d/>
+    <dgm:txPr/>
+    <dgm:style>
+      <a:lnRef idx="2">
+        <a:scrgbClr r="0" g="0" b="0"/>
+      </a:lnRef>
+      <a:fillRef idx="1">
+        <a:scrgbClr r="0" g="0" b="0"/>
+      </a:fillRef>
+      <a:effectRef idx="0">
+        <a:scrgbClr r="0" g="0" b="0"/>
+      </a:effectRef>
+      <a:fontRef idx="minor">
+        <a:schemeClr val="lt1"/>
+      </a:fontRef>
+    </dgm:style>
+  </dgm:styleLbl>
+  <dgm:styleLbl name="asst2">
+    <dgm:scene3d>
+      <a:camera prst="orthographicFront"/>
+      <a:lightRig rig="threePt" dir="t"/>
+    </dgm:scene3d>
+    <dgm:sp3d/>
+    <dgm:txPr/>
+    <dgm:style>
+      <a:lnRef idx="2">
+        <a:scrgbClr r="0" g="0" b="0"/>
+      </a:lnRef>
+      <a:fillRef idx="1">
+        <a:scrgbClr r="0" g="0" b="0"/>
+      </a:fillRef>
+      <a:effectRef idx="0">
+        <a:scrgbClr r="0" g="0" b="0"/>
+      </a:effectRef>
+      <a:fontRef idx="minor">
+        <a:schemeClr val="lt1"/>
+      </a:fontRef>
+    </dgm:style>
+  </dgm:styleLbl>
+  <dgm:styleLbl name="asst3">
+    <dgm:scene3d>
+      <a:camera prst="orthographicFront"/>
+      <a:lightRig rig="threePt" dir="t"/>
+    </dgm:scene3d>
+    <dgm:sp3d/>
+    <dgm:txPr/>
+    <dgm:style>
+      <a:lnRef idx="2">
+        <a:scrgbClr r="0" g="0" b="0"/>
+      </a:lnRef>
+      <a:fillRef idx="1">
+        <a:scrgbClr r="0" g="0" b="0"/>
+      </a:fillRef>
+      <a:effectRef idx="0">
+        <a:scrgbClr r="0" g="0" b="0"/>
+      </a:effectRef>
+      <a:fontRef idx="minor">
+        <a:schemeClr val="lt1"/>
+      </a:fontRef>
+    </dgm:style>
+  </dgm:styleLbl>
+  <dgm:styleLbl name="asst4">
+    <dgm:scene3d>
+      <a:camera prst="orthographicFront"/>
+      <a:lightRig rig="threePt" dir="t"/>
+    </dgm:scene3d>
+    <dgm:sp3d/>
+    <dgm:txPr/>
+    <dgm:style>
+      <a:lnRef idx="2">
+        <a:scrgbClr r="0" g="0" b="0"/>
+      </a:lnRef>
+      <a:fillRef idx="1">
+        <a:scrgbClr r="0" g="0" b="0"/>
+      </a:fillRef>
+      <a:effectRef idx="0">
+        <a:scrgbClr r="0" g="0" b="0"/>
+      </a:effectRef>
+      <a:fontRef idx="minor">
+        <a:schemeClr val="lt1"/>
+      </a:fontRef>
+    </dgm:style>
+  </dgm:styleLbl>
+  <dgm:styleLbl name="parChTrans2D1">
+    <dgm:scene3d>
+      <a:camera prst="orthographicFront"/>
+      <a:lightRig rig="threePt" dir="t"/>
+    </dgm:scene3d>
+    <dgm:sp3d/>
+    <dgm:txPr/>
+    <dgm:style>
+      <a:lnRef idx="2">
+        <a:scrgbClr r="0" g="0" b="0"/>
+      </a:lnRef>
+      <a:fillRef idx="1">
+        <a:scrgbClr r="0" g="0" b="0"/>
+      </a:fillRef>
+      <a:effectRef idx="0">
+        <a:scrgbClr r="0" g="0" b="0"/>
+      </a:effectRef>
+      <a:fontRef idx="minor">
+        <a:schemeClr val="lt1"/>
+      </a:fontRef>
+    </dgm:style>
+  </dgm:styleLbl>
+  <dgm:styleLbl name="parChTrans2D2">
+    <dgm:scene3d>
+      <a:camera prst="orthographicFront"/>
+      <a:lightRig rig="threePt" dir="t"/>
+    </dgm:scene3d>
+    <dgm:sp3d/>
+    <dgm:txPr/>
+    <dgm:style>
+      <a:lnRef idx="2">
+        <a:scrgbClr r="0" g="0" b="0"/>
+      </a:lnRef>
+      <a:fillRef idx="1">
+        <a:scrgbClr r="0" g="0" b="0"/>
+      </a:fillRef>
+      <a:effectRef idx="0">
+        <a:scrgbClr r="0" g="0" b="0"/>
+      </a:effectRef>
+      <a:fontRef idx="minor">
+        <a:schemeClr val="lt1"/>
+      </a:fontRef>
+    </dgm:style>
+  </dgm:styleLbl>
+  <dgm:styleLbl name="parChTrans2D3">
+    <dgm:scene3d>
+      <a:camera prst="orthographicFront"/>
+      <a:lightRig rig="threePt" dir="t"/>
+    </dgm:scene3d>
+    <dgm:sp3d/>
+    <dgm:txPr/>
+    <dgm:style>
+      <a:lnRef idx="2">
+        <a:scrgbClr r="0" g="0" b="0"/>
+      </a:lnRef>
+      <a:fillRef idx="1">
+        <a:scrgbClr r="0" g="0" b="0"/>
+      </a:fillRef>
+      <a:effectRef idx="0">
+        <a:scrgbClr r="0" g="0" b="0"/>
+      </a:effectRef>
+      <a:fontRef idx="minor">
+        <a:schemeClr val="lt1"/>
+      </a:fontRef>
+    </dgm:style>
+  </dgm:styleLbl>
+  <dgm:styleLbl name="parChTrans2D4">
+    <dgm:scene3d>
+      <a:camera prst="orthographicFront"/>
+      <a:lightRig rig="threePt" dir="t"/>
+    </dgm:scene3d>
+    <dgm:sp3d/>
+    <dgm:txPr/>
+    <dgm:style>
+      <a:lnRef idx="2">
+        <a:scrgbClr r="0" g="0" b="0"/>
+      </a:lnRef>
+      <a:fillRef idx="1">
+        <a:scrgbClr r="0" g="0" b="0"/>
+      </a:fillRef>
+      <a:effectRef idx="0">
+        <a:scrgbClr r="0" g="0" b="0"/>
+      </a:effectRef>
+      <a:fontRef idx="minor">
+        <a:schemeClr val="lt1"/>
+      </a:fontRef>
+    </dgm:style>
+  </dgm:styleLbl>
+  <dgm:styleLbl name="parChTrans1D1">
+    <dgm:scene3d>
+      <a:camera prst="orthographicFront"/>
+      <a:lightRig rig="threePt" dir="t"/>
+    </dgm:scene3d>
+    <dgm:sp3d/>
+    <dgm:txPr/>
+    <dgm:style>
+      <a:lnRef idx="2">
+        <a:scrgbClr r="0" g="0" b="0"/>
+      </a:lnRef>
+      <a:fillRef idx="0">
+        <a:scrgbClr r="0" g="0" b="0"/>
+      </a:fillRef>
+      <a:effectRef idx="0">
+        <a:scrgbClr r="0" g="0" b="0"/>
+      </a:effectRef>
+      <a:fontRef idx="minor"/>
+    </dgm:style>
+  </dgm:styleLbl>
+  <dgm:styleLbl name="parChTrans1D2">
+    <dgm:scene3d>
+      <a:camera prst="orthographicFront"/>
+      <a:lightRig rig="threePt" dir="t"/>
+    </dgm:scene3d>
+    <dgm:sp3d/>
+    <dgm:txPr/>
+    <dgm:style>
+      <a:lnRef idx="2">
+        <a:scrgbClr r="0" g="0" b="0"/>
+      </a:lnRef>
+      <a:fillRef idx="0">
+        <a:scrgbClr r="0" g="0" b="0"/>
+      </a:fillRef>
+      <a:effectRef idx="0">
+        <a:scrgbClr r="0" g="0" b="0"/>
+      </a:effectRef>
+      <a:fontRef idx="minor"/>
+    </dgm:style>
+  </dgm:styleLbl>
+  <dgm:styleLbl name="parChTrans1D3">
+    <dgm:scene3d>
+      <a:camera prst="orthographicFront"/>
+      <a:lightRig rig="threePt" dir="t"/>
+    </dgm:scene3d>
+    <dgm:sp3d/>
+    <dgm:txPr/>
+    <dgm:style>
+      <a:lnRef idx="2">
+        <a:scrgbClr r="0" g="0" b="0"/>
+      </a:lnRef>
+      <a:fillRef idx="0">
+        <a:scrgbClr r="0" g="0" b="0"/>
+      </a:fillRef>
+      <a:effectRef idx="0">
+        <a:scrgbClr r="0" g="0" b="0"/>
+      </a:effectRef>
+      <a:fontRef idx="minor"/>
+    </dgm:style>
+  </dgm:styleLbl>
+  <dgm:styleLbl name="parChTrans1D4">
+    <dgm:scene3d>
+      <a:camera prst="orthographicFront"/>
+      <a:lightRig rig="threePt" dir="t"/>
+    </dgm:scene3d>
+    <dgm:sp3d/>
+    <dgm:txPr/>
+    <dgm:style>
+      <a:lnRef idx="2">
+        <a:scrgbClr r="0" g="0" b="0"/>
+      </a:lnRef>
+      <a:fillRef idx="0">
+        <a:scrgbClr r="0" g="0" b="0"/>
+      </a:fillRef>
+      <a:effectRef idx="0">
+        <a:scrgbClr r="0" g="0" b="0"/>
+      </a:effectRef>
+      <a:fontRef idx="minor"/>
+    </dgm:style>
+  </dgm:styleLbl>
+  <dgm:styleLbl name="fgAcc1">
+    <dgm:scene3d>
+      <a:camera prst="orthographicFront"/>
+      <a:lightRig rig="threePt" dir="t"/>
+    </dgm:scene3d>
+    <dgm:sp3d/>
+    <dgm:txPr/>
+    <dgm:style>
+      <a:lnRef idx="2">
+        <a:scrgbClr r="0" g="0" b="0"/>
+      </a:lnRef>
+      <a:fillRef idx="1">
+        <a:scrgbClr r="0" g="0" b="0"/>
+      </a:fillRef>
+      <a:effectRef idx="0">
+        <a:scrgbClr r="0" g="0" b="0"/>
+      </a:effectRef>
+      <a:fontRef idx="minor"/>
+    </dgm:style>
+  </dgm:styleLbl>
+  <dgm:styleLbl name="conFgAcc1">
+    <dgm:scene3d>
+      <a:camera prst="orthographicFront"/>
+      <a:lightRig rig="threePt" dir="t"/>
+    </dgm:scene3d>
+    <dgm:sp3d/>
+    <dgm:txPr/>
+    <dgm:style>
+      <a:lnRef idx="2">
+        <a:scrgbClr r="0" g="0" b="0"/>
+      </a:lnRef>
+      <a:fillRef idx="1">
+        <a:scrgbClr r="0" g="0" b="0"/>
+      </a:fillRef>
+      <a:effectRef idx="0">
+        <a:scrgbClr r="0" g="0" b="0"/>
+      </a:effectRef>
+      <a:fontRef idx="minor"/>
+    </dgm:style>
+  </dgm:styleLbl>
+  <dgm:styleLbl name="alignAcc1">
+    <dgm:scene3d>
+      <a:camera prst="orthographicFront"/>
+      <a:lightRig rig="threePt" dir="t"/>
+    </dgm:scene3d>
+    <dgm:sp3d/>
+    <dgm:txPr/>
+    <dgm:style>
+      <a:lnRef idx="2">
+        <a:scrgbClr r="0" g="0" b="0"/>
+      </a:lnRef>
+      <a:fillRef idx="1">
+        <a:scrgbClr r="0" g="0" b="0"/>
+      </a:fillRef>
+      <a:effectRef idx="0">
+        <a:scrgbClr r="0" g="0" b="0"/>
+      </a:effectRef>
+      <a:fontRef idx="minor"/>
+    </dgm:style>
+  </dgm:styleLbl>
+  <dgm:styleLbl name="trAlignAcc1">
+    <dgm:scene3d>
+      <a:camera prst="orthographicFront"/>
+      <a:lightRig rig="threePt" dir="t"/>
+    </dgm:scene3d>
+    <dgm:sp3d/>
+    <dgm:txPr/>
+    <dgm:style>
+      <a:lnRef idx="1">
+        <a:scrgbClr r="0" g="0" b="0"/>
+      </a:lnRef>
+      <a:fillRef idx="1">
+        <a:scrgbClr r="0" g="0" b="0"/>
+      </a:fillRef>
+      <a:effectRef idx="0">
+        <a:scrgbClr r="0" g="0" b="0"/>
+      </a:effectRef>
+      <a:fontRef idx="minor"/>
+    </dgm:style>
+  </dgm:styleLbl>
+  <dgm:styleLbl name="bgAcc1">
+    <dgm:scene3d>
+      <a:camera prst="orthographicFront"/>
+      <a:lightRig rig="threePt" dir="t"/>
+    </dgm:scene3d>
+    <dgm:sp3d/>
+    <dgm:txPr/>
+    <dgm:style>
+      <a:lnRef idx="2">
+        <a:scrgbClr r="0" g="0" b="0"/>
+      </a:lnRef>
+      <a:fillRef idx="1">
+        <a:scrgbClr r="0" g="0" b="0"/>
+      </a:fillRef>
+      <a:effectRef idx="0">
+        <a:scrgbClr r="0" g="0" b="0"/>
+      </a:effectRef>
+      <a:fontRef idx="minor"/>
+    </dgm:style>
+  </dgm:styleLbl>
+  <dgm:styleLbl name="solidFgAcc1">
+    <dgm:scene3d>
+      <a:camera prst="orthographicFront"/>
+      <a:lightRig rig="threePt" dir="t"/>
+    </dgm:scene3d>
+    <dgm:sp3d/>
+    <dgm:txPr/>
+    <dgm:style>
+      <a:lnRef idx="2">
+        <a:scrgbClr r="0" g="0" b="0"/>
+      </a:lnRef>
+      <a:fillRef idx="1">
+        <a:scrgbClr r="0" g="0" b="0"/>
+      </a:fillRef>
+      <a:effectRef idx="0">
+        <a:scrgbClr r="0" g="0" b="0"/>
+      </a:effectRef>
+      <a:fontRef idx="minor"/>
+    </dgm:style>
+  </dgm:styleLbl>
+  <dgm:styleLbl name="solidAlignAcc1">
+    <dgm:scene3d>
+      <a:camera prst="orthographicFront"/>
+      <a:lightRig rig="threePt" dir="t"/>
+    </dgm:scene3d>
+    <dgm:sp3d/>
+    <dgm:txPr/>
+    <dgm:style>
+      <a:lnRef idx="2">
+        <a:scrgbClr r="0" g="0" b="0"/>
+      </a:lnRef>
+      <a:fillRef idx="1">
+        <a:scrgbClr r="0" g="0" b="0"/>
+      </a:fillRef>
+      <a:effectRef idx="0">
+        <a:scrgbClr r="0" g="0" b="0"/>
+      </a:effectRef>
+      <a:fontRef idx="minor"/>
+    </dgm:style>
+  </dgm:styleLbl>
+  <dgm:styleLbl name="solidBgAcc1">
+    <dgm:scene3d>
+      <a:camera prst="orthographicFront"/>
+      <a:lightRig rig="threePt" dir="t"/>
+    </dgm:scene3d>
+    <dgm:sp3d/>
+    <dgm:txPr/>
+    <dgm:style>
+      <a:lnRef idx="2">
+        <a:scrgbClr r="0" g="0" b="0"/>
+      </a:lnRef>
+      <a:fillRef idx="1">
+        <a:scrgbClr r="0" g="0" b="0"/>
+      </a:fillRef>
+      <a:effectRef idx="0">
+        <a:scrgbClr r="0" g="0" b="0"/>
+      </a:effectRef>
+      <a:fontRef idx="minor"/>
+    </dgm:style>
+  </dgm:styleLbl>
+  <dgm:styleLbl name="fgAccFollowNode1">
+    <dgm:scene3d>
+      <a:camera prst="orthographicFront"/>
+      <a:lightRig rig="threePt" dir="t"/>
+    </dgm:scene3d>
+    <dgm:sp3d/>
+    <dgm:txPr/>
+    <dgm:style>
+      <a:lnRef idx="2">
+        <a:scrgbClr r="0" g="0" b="0"/>
+      </a:lnRef>
+      <a:fillRef idx="1">
+        <a:scrgbClr r="0" g="0" b="0"/>
+      </a:fillRef>
+      <a:effectRef idx="0">
+        <a:scrgbClr r="0" g="0" b="0"/>
+      </a:effectRef>
+      <a:fontRef idx="minor"/>
+    </dgm:style>
+  </dgm:styleLbl>
+  <dgm:styleLbl name="alignAccFollowNode1">
+    <dgm:scene3d>
+      <a:camera prst="orthographicFront"/>
+      <a:lightRig rig="threePt" dir="t"/>
+    </dgm:scene3d>
+    <dgm:sp3d/>
+    <dgm:txPr/>
+    <dgm:style>
+      <a:lnRef idx="2">
+        <a:scrgbClr r="0" g="0" b="0"/>
+      </a:lnRef>
+      <a:fillRef idx="1">
+        <a:scrgbClr r="0" g="0" b="0"/>
+      </a:fillRef>
+      <a:effectRef idx="0">
+        <a:scrgbClr r="0" g="0" b="0"/>
+      </a:effectRef>
+      <a:fontRef idx="minor"/>
+    </dgm:style>
+  </dgm:styleLbl>
+  <dgm:styleLbl name="bgAccFollowNode1">
+    <dgm:scene3d>
+      <a:camera prst="orthographicFront"/>
+      <a:lightRig rig="threePt" dir="t"/>
+    </dgm:scene3d>
+    <dgm:sp3d/>
+    <dgm:txPr/>
+    <dgm:style>
+      <a:lnRef idx="2">
+        <a:scrgbClr r="0" g="0" b="0"/>
+      </a:lnRef>
+      <a:fillRef idx="1">
+        <a:scrgbClr r="0" g="0" b="0"/>
+      </a:fillRef>
+      <a:effectRef idx="0">
+        <a:scrgbClr r="0" g="0" b="0"/>
+      </a:effectRef>
+      <a:fontRef idx="minor"/>
+    </dgm:style>
+  </dgm:styleLbl>
+  <dgm:styleLbl name="fgAcc0">
+    <dgm:scene3d>
+      <a:camera prst="orthographicFront"/>
+      <a:lightRig rig="threePt" dir="t"/>
+    </dgm:scene3d>
+    <dgm:sp3d/>
+    <dgm:txPr/>
+    <dgm:style>
+      <a:lnRef idx="2">
+        <a:scrgbClr r="0" g="0" b="0"/>
+      </a:lnRef>
+      <a:fillRef idx="1">
+        <a:scrgbClr r="0" g="0" b="0"/>
+      </a:fillRef>
+      <a:effectRef idx="0">
+        <a:scrgbClr r="0" g="0" b="0"/>
+      </a:effectRef>
+      <a:fontRef idx="minor"/>
+    </dgm:style>
+  </dgm:styleLbl>
+  <dgm:styleLbl name="fgAcc2">
+    <dgm:scene3d>
+      <a:camera prst="orthographicFront"/>
+      <a:lightRig rig="threePt" dir="t"/>
+    </dgm:scene3d>
+    <dgm:sp3d/>
+    <dgm:txPr/>
+    <dgm:style>
+      <a:lnRef idx="2">
+        <a:scrgbClr r="0" g="0" b="0"/>
+      </a:lnRef>
+      <a:fillRef idx="1">
+        <a:scrgbClr r="0" g="0" b="0"/>
+      </a:fillRef>
+      <a:effectRef idx="0">
+        <a:scrgbClr r="0" g="0" b="0"/>
+      </a:effectRef>
+      <a:fontRef idx="minor"/>
+    </dgm:style>
+  </dgm:styleLbl>
+  <dgm:styleLbl name="fgAcc3">
+    <dgm:scene3d>
+      <a:camera prst="orthographicFront"/>
+      <a:lightRig rig="threePt" dir="t"/>
+    </dgm:scene3d>
+    <dgm:sp3d/>
+    <dgm:txPr/>
+    <dgm:style>
+      <a:lnRef idx="2">
+        <a:scrgbClr r="0" g="0" b="0"/>
+      </a:lnRef>
+      <a:fillRef idx="1">
+        <a:scrgbClr r="0" g="0" b="0"/>
+      </a:fillRef>
+      <a:effectRef idx="0">
+        <a:scrgbClr r="0" g="0" b="0"/>
+      </a:effectRef>
+      <a:fontRef idx="minor"/>
+    </dgm:style>
+  </dgm:styleLbl>
+  <dgm:styleLbl name="fgAcc4">
+    <dgm:scene3d>
+      <a:camera prst="orthographicFront"/>
+      <a:lightRig rig="threePt" dir="t"/>
+    </dgm:scene3d>
+    <dgm:sp3d/>
+    <dgm:txPr/>
+    <dgm:style>
+      <a:lnRef idx="2">
+        <a:scrgbClr r="0" g="0" b="0"/>
+      </a:lnRef>
+      <a:fillRef idx="1">
+        <a:scrgbClr r="0" g="0" b="0"/>
+      </a:fillRef>
+      <a:effectRef idx="0">
+        <a:scrgbClr r="0" g="0" b="0"/>
+      </a:effectRef>
+      <a:fontRef idx="minor"/>
+    </dgm:style>
+  </dgm:styleLbl>
+  <dgm:styleLbl name="bgShp">
+    <dgm:scene3d>
+      <a:camera prst="orthographicFront"/>
+      <a:lightRig rig="threePt" dir="t"/>
+    </dgm:scene3d>
+    <dgm:sp3d/>
+    <dgm:txPr/>
+    <dgm:style>
+      <a:lnRef idx="0">
+        <a:scrgbClr r="0" g="0" b="0"/>
+      </a:lnRef>
+      <a:fillRef idx="1">
+        <a:scrgbClr r="0" g="0" b="0"/>
+      </a:fillRef>
+      <a:effectRef idx="0">
+        <a:scrgbClr r="0" g="0" b="0"/>
+      </a:effectRef>
+      <a:fontRef idx="minor"/>
+    </dgm:style>
+  </dgm:styleLbl>
+  <dgm:styleLbl name="dkBgShp">
+    <dgm:scene3d>
+      <a:camera prst="orthographicFront"/>
+      <a:lightRig rig="threePt" dir="t"/>
+    </dgm:scene3d>
+    <dgm:sp3d/>
+    <dgm:txPr/>
+    <dgm:style>
+      <a:lnRef idx="0">
+        <a:scrgbClr r="0" g="0" b="0"/>
+      </a:lnRef>
+      <a:fillRef idx="1">
+        <a:scrgbClr r="0" g="0" b="0"/>
+      </a:fillRef>
+      <a:effectRef idx="0">
+        <a:scrgbClr r="0" g="0" b="0"/>
+      </a:effectRef>
+      <a:fontRef idx="minor"/>
+    </dgm:style>
+  </dgm:styleLbl>
+  <dgm:styleLbl name="trBgShp">
+    <dgm:scene3d>
+      <a:camera prst="orthographicFront"/>
+      <a:lightRig rig="threePt" dir="t"/>
+    </dgm:scene3d>
+    <dgm:sp3d/>
+    <dgm:txPr/>
+    <dgm:style>
+      <a:lnRef idx="0">
+        <a:scrgbClr r="0" g="0" b="0"/>
+      </a:lnRef>
+      <a:fillRef idx="1">
+        <a:scrgbClr r="0" g="0" b="0"/>
+      </a:fillRef>
+      <a:effectRef idx="0">
+        <a:scrgbClr r="0" g="0" b="0"/>
+      </a:effectRef>
+      <a:fontRef idx="minor"/>
+    </dgm:style>
+  </dgm:styleLbl>
+  <dgm:styleLbl name="fgShp">
+    <dgm:scene3d>
+      <a:camera prst="orthographicFront"/>
+      <a:lightRig rig="threePt" dir="t"/>
+    </dgm:scene3d>
+    <dgm:sp3d/>
+    <dgm:txPr/>
+    <dgm:style>
+      <a:lnRef idx="2">
+        <a:scrgbClr r="0" g="0" b="0"/>
+      </a:lnRef>
+      <a:fillRef idx="1">
+        <a:scrgbClr r="0" g="0" b="0"/>
+      </a:fillRef>
+      <a:effectRef idx="0">
+        <a:scrgbClr r="0" g="0" b="0"/>
+      </a:effectRef>
+      <a:fontRef idx="minor"/>
+    </dgm:style>
+  </dgm:styleLbl>
+  <dgm:styleLbl name="revTx">
+    <dgm:scene3d>
+      <a:camera prst="orthographicFront"/>
+      <a:lightRig rig="threePt" dir="t"/>
+    </dgm:scene3d>
+    <dgm:sp3d/>
+    <dgm:txPr/>
+    <dgm:style>
+      <a:lnRef idx="0">
+        <a:scrgbClr r="0" g="0" b="0"/>
+      </a:lnRef>
+      <a:fillRef idx="0">
+        <a:scrgbClr r="0" g="0" b="0"/>
+      </a:fillRef>
+      <a:effectRef idx="0">
+        <a:scrgbClr r="0" g="0" b="0"/>
+      </a:effectRef>
+      <a:fontRef idx="minor"/>
+    </dgm:style>
+  </dgm:styleLbl>
+</dgm:styleDef>
 </file>
 
 <file path=ppt/slideLayouts/slideLayout1.xml><?xml version="1.0" encoding="utf-8"?>
@@ -373,7 +6533,7 @@
           <a:p>
             <a:fld id="{F259A98E-7D3E-4BAE-A284-2CE0D83E33BF}" type="datetimeFigureOut">
               <a:rPr lang="it-IT" smtClean="0"/>
-              <a:t>09/12/2023</a:t>
+              <a:t>27/12/2023</a:t>
             </a:fld>
             <a:endParaRPr lang="it-IT"/>
           </a:p>
@@ -635,7 +6795,7 @@
           <a:p>
             <a:fld id="{F259A98E-7D3E-4BAE-A284-2CE0D83E33BF}" type="datetimeFigureOut">
               <a:rPr lang="it-IT" smtClean="0"/>
-              <a:t>09/12/2023</a:t>
+              <a:t>27/12/2023</a:t>
             </a:fld>
             <a:endParaRPr lang="it-IT"/>
           </a:p>
@@ -870,7 +7030,7 @@
           <a:p>
             <a:fld id="{F259A98E-7D3E-4BAE-A284-2CE0D83E33BF}" type="datetimeFigureOut">
               <a:rPr lang="it-IT" smtClean="0"/>
-              <a:t>09/12/2023</a:t>
+              <a:t>27/12/2023</a:t>
             </a:fld>
             <a:endParaRPr lang="it-IT"/>
           </a:p>
@@ -1110,7 +7270,7 @@
           <a:p>
             <a:fld id="{F259A98E-7D3E-4BAE-A284-2CE0D83E33BF}" type="datetimeFigureOut">
               <a:rPr lang="it-IT" smtClean="0"/>
-              <a:t>09/12/2023</a:t>
+              <a:t>27/12/2023</a:t>
             </a:fld>
             <a:endParaRPr lang="it-IT"/>
           </a:p>
@@ -1417,7 +7577,7 @@
           <a:p>
             <a:fld id="{F259A98E-7D3E-4BAE-A284-2CE0D83E33BF}" type="datetimeFigureOut">
               <a:rPr lang="it-IT" smtClean="0"/>
-              <a:t>09/12/2023</a:t>
+              <a:t>27/12/2023</a:t>
             </a:fld>
             <a:endParaRPr lang="it-IT"/>
           </a:p>
@@ -1719,7 +7879,7 @@
           <a:p>
             <a:fld id="{F259A98E-7D3E-4BAE-A284-2CE0D83E33BF}" type="datetimeFigureOut">
               <a:rPr lang="it-IT" smtClean="0"/>
-              <a:t>09/12/2023</a:t>
+              <a:t>27/12/2023</a:t>
             </a:fld>
             <a:endParaRPr lang="it-IT"/>
           </a:p>
@@ -2141,7 +8301,7 @@
           <a:p>
             <a:fld id="{F259A98E-7D3E-4BAE-A284-2CE0D83E33BF}" type="datetimeFigureOut">
               <a:rPr lang="it-IT" smtClean="0"/>
-              <a:t>09/12/2023</a:t>
+              <a:t>27/12/2023</a:t>
             </a:fld>
             <a:endParaRPr lang="it-IT"/>
           </a:p>
@@ -2236,7 +8396,7 @@
           <a:p>
             <a:fld id="{F259A98E-7D3E-4BAE-A284-2CE0D83E33BF}" type="datetimeFigureOut">
               <a:rPr lang="it-IT" smtClean="0"/>
-              <a:t>09/12/2023</a:t>
+              <a:t>27/12/2023</a:t>
             </a:fld>
             <a:endParaRPr lang="it-IT"/>
           </a:p>
@@ -2398,7 +8558,7 @@
           <a:p>
             <a:fld id="{F259A98E-7D3E-4BAE-A284-2CE0D83E33BF}" type="datetimeFigureOut">
               <a:rPr lang="it-IT" smtClean="0"/>
-              <a:t>09/12/2023</a:t>
+              <a:t>27/12/2023</a:t>
             </a:fld>
             <a:endParaRPr lang="it-IT"/>
           </a:p>
@@ -2776,7 +8936,7 @@
           <a:p>
             <a:fld id="{F259A98E-7D3E-4BAE-A284-2CE0D83E33BF}" type="datetimeFigureOut">
               <a:rPr lang="it-IT" smtClean="0"/>
-              <a:t>09/12/2023</a:t>
+              <a:t>27/12/2023</a:t>
             </a:fld>
             <a:endParaRPr lang="it-IT"/>
           </a:p>
@@ -3065,7 +9225,7 @@
           <a:p>
             <a:fld id="{F259A98E-7D3E-4BAE-A284-2CE0D83E33BF}" type="datetimeFigureOut">
               <a:rPr lang="it-IT" smtClean="0"/>
-              <a:t>09/12/2023</a:t>
+              <a:t>27/12/2023</a:t>
             </a:fld>
             <a:endParaRPr lang="it-IT"/>
           </a:p>
@@ -3276,7 +9436,7 @@
           <a:p>
             <a:fld id="{F259A98E-7D3E-4BAE-A284-2CE0D83E33BF}" type="datetimeFigureOut">
               <a:rPr lang="it-IT" smtClean="0"/>
-              <a:t>09/12/2023</a:t>
+              <a:t>27/12/2023</a:t>
             </a:fld>
             <a:endParaRPr lang="it-IT"/>
           </a:p>
@@ -3895,8 +10055,8 @@
         </p:nvSpPr>
         <p:spPr>
           <a:xfrm>
-            <a:off x="1319813" y="381739"/>
-            <a:ext cx="9144000" cy="2839060"/>
+            <a:off x="581025" y="720437"/>
+            <a:ext cx="10993438" cy="2087418"/>
           </a:xfrm>
         </p:spPr>
         <p:txBody>
@@ -3906,52 +10066,16 @@
           <a:lstStyle/>
           <a:p>
             <a:r>
-              <a:rPr lang="it-IT" b="1" i="0" dirty="0">
-                <a:solidFill>
-                  <a:srgbClr val="1F2328"/>
-                </a:solidFill>
-                <a:effectLst/>
-                <a:latin typeface="Calibri" panose="020F0502020204030204" pitchFamily="34" charset="0"/>
-                <a:cs typeface="Calibri" panose="020F0502020204030204" pitchFamily="34" charset="0"/>
-              </a:rPr>
-              <a:t>Progetto 1.1: </a:t>
+              <a:rPr lang="it-IT" sz="2800" b="1" dirty="0"/>
+              <a:t>Progetto 1.1</a:t>
             </a:r>
             <a:br>
-              <a:rPr lang="it-IT" b="1" i="0" dirty="0">
-                <a:solidFill>
-                  <a:srgbClr val="1F2328"/>
-                </a:solidFill>
-                <a:effectLst/>
-                <a:latin typeface="Calibri" panose="020F0502020204030204" pitchFamily="34" charset="0"/>
-                <a:cs typeface="Calibri" panose="020F0502020204030204" pitchFamily="34" charset="0"/>
-              </a:rPr>
+              <a:rPr lang="it-IT" sz="2800" dirty="0"/>
             </a:br>
             <a:r>
-              <a:rPr lang="it-IT" b="1" i="0" dirty="0">
-                <a:solidFill>
-                  <a:srgbClr val="1F2328"/>
-                </a:solidFill>
-                <a:effectLst/>
-                <a:latin typeface="Calibri" panose="020F0502020204030204" pitchFamily="34" charset="0"/>
-                <a:cs typeface="Calibri" panose="020F0502020204030204" pitchFamily="34" charset="0"/>
-              </a:rPr>
-              <a:t>Analisi comparativa tra OS161 e altri sistemi operativi open-source all'avanguardia per sistemi embedded e computer general </a:t>
+              <a:rPr lang="it-IT" sz="2800" dirty="0"/>
+              <a:t>Analisi comparativa tra OS161 e altri sistemi operativi open-source all'avanguardia per sistemi embedded e computer general purpose</a:t>
             </a:r>
-            <a:r>
-              <a:rPr lang="it-IT" b="1" i="0" dirty="0" err="1">
-                <a:solidFill>
-                  <a:srgbClr val="1F2328"/>
-                </a:solidFill>
-                <a:effectLst/>
-                <a:latin typeface="Calibri" panose="020F0502020204030204" pitchFamily="34" charset="0"/>
-                <a:cs typeface="Calibri" panose="020F0502020204030204" pitchFamily="34" charset="0"/>
-              </a:rPr>
-              <a:t>purpose</a:t>
-            </a:r>
-            <a:endParaRPr lang="it-IT" dirty="0">
-              <a:latin typeface="Calibri" panose="020F0502020204030204" pitchFamily="34" charset="0"/>
-              <a:cs typeface="Calibri" panose="020F0502020204030204" pitchFamily="34" charset="0"/>
-            </a:endParaRPr>
           </a:p>
         </p:txBody>
       </p:sp>
@@ -3973,8 +10097,8 @@
         </p:nvSpPr>
         <p:spPr>
           <a:xfrm>
-            <a:off x="1319813" y="5511239"/>
-            <a:ext cx="9144000" cy="731982"/>
+            <a:off x="581025" y="5931473"/>
+            <a:ext cx="10993438" cy="590550"/>
           </a:xfrm>
         </p:spPr>
         <p:txBody>
@@ -3982,11 +10106,7 @@
           <a:lstStyle/>
           <a:p>
             <a:r>
-              <a:rPr lang="it-IT" dirty="0">
-                <a:solidFill>
-                  <a:srgbClr val="FF0000"/>
-                </a:solidFill>
-              </a:rPr>
+              <a:rPr lang="it-IT" dirty="0"/>
               <a:t>Merangolo Maria Francesca, Sinisi Nicola, Wang Li Chen</a:t>
             </a:r>
           </a:p>
@@ -4005,1244 +10125,17 @@
 </p:sld>
 </file>
 
-<file path=ppt/slides/slide10.xml><?xml version="1.0" encoding="utf-8"?>
-<p:sld xmlns:a="http://schemas.openxmlformats.org/drawingml/2006/main" xmlns:r="http://schemas.openxmlformats.org/officeDocument/2006/relationships" xmlns:p="http://schemas.openxmlformats.org/presentationml/2006/main">
-  <p:cSld>
-    <p:spTree>
-      <p:nvGrpSpPr>
-        <p:cNvPr id="1" name=""/>
-        <p:cNvGrpSpPr/>
-        <p:nvPr/>
-      </p:nvGrpSpPr>
-      <p:grpSpPr>
-        <a:xfrm>
-          <a:off x="0" y="0"/>
-          <a:ext cx="0" cy="0"/>
-          <a:chOff x="0" y="0"/>
-          <a:chExt cx="0" cy="0"/>
-        </a:xfrm>
-      </p:grpSpPr>
-      <p:sp>
-        <p:nvSpPr>
-          <p:cNvPr id="2" name="Titolo 1">
-            <a:extLst>
-              <a:ext uri="{FF2B5EF4-FFF2-40B4-BE49-F238E27FC236}">
-                <a16:creationId xmlns:a16="http://schemas.microsoft.com/office/drawing/2014/main" id="{69441F67-1949-8EC8-EB98-85670AC3670C}"/>
-              </a:ext>
-            </a:extLst>
-          </p:cNvPr>
-          <p:cNvSpPr>
-            <a:spLocks noGrp="1"/>
-          </p:cNvSpPr>
-          <p:nvPr>
-            <p:ph type="title"/>
-          </p:nvPr>
-        </p:nvSpPr>
-        <p:spPr/>
-        <p:txBody>
-          <a:bodyPr>
-            <a:normAutofit/>
-          </a:bodyPr>
-          <a:lstStyle/>
-          <a:p>
-            <a:r>
-              <a:rPr lang="it-IT" dirty="0"/>
-              <a:t>Scheduling: Conclusioni</a:t>
-            </a:r>
-          </a:p>
-        </p:txBody>
-      </p:sp>
-      <p:sp>
-        <p:nvSpPr>
-          <p:cNvPr id="4" name="Segnaposto testo 3">
-            <a:extLst>
-              <a:ext uri="{FF2B5EF4-FFF2-40B4-BE49-F238E27FC236}">
-                <a16:creationId xmlns:a16="http://schemas.microsoft.com/office/drawing/2014/main" id="{3484543A-BB31-0207-182F-1F1C206F0C68}"/>
-              </a:ext>
-            </a:extLst>
-          </p:cNvPr>
-          <p:cNvSpPr>
-            <a:spLocks noGrp="1"/>
-          </p:cNvSpPr>
-          <p:nvPr>
-            <p:ph type="body" idx="1"/>
-          </p:nvPr>
-        </p:nvSpPr>
-        <p:spPr/>
-        <p:txBody>
-          <a:bodyPr/>
-          <a:lstStyle/>
-          <a:p>
-            <a:r>
-              <a:rPr lang="it-IT" dirty="0"/>
-              <a:t>OS161</a:t>
-            </a:r>
-          </a:p>
-        </p:txBody>
-      </p:sp>
-      <p:sp>
-        <p:nvSpPr>
-          <p:cNvPr id="8" name="Segnaposto contenuto 7">
-            <a:extLst>
-              <a:ext uri="{FF2B5EF4-FFF2-40B4-BE49-F238E27FC236}">
-                <a16:creationId xmlns:a16="http://schemas.microsoft.com/office/drawing/2014/main" id="{A1E5DF89-94E7-98C4-F563-B3A43317A1CE}"/>
-              </a:ext>
-            </a:extLst>
-          </p:cNvPr>
-          <p:cNvSpPr>
-            <a:spLocks noGrp="1"/>
-          </p:cNvSpPr>
-          <p:nvPr>
-            <p:ph sz="half" idx="2"/>
-          </p:nvPr>
-        </p:nvSpPr>
-        <p:spPr/>
-        <p:txBody>
-          <a:bodyPr/>
-          <a:lstStyle/>
-          <a:p>
-            <a:endParaRPr lang="it-IT"/>
-          </a:p>
-        </p:txBody>
-      </p:sp>
-      <p:sp>
-        <p:nvSpPr>
-          <p:cNvPr id="9" name="Segnaposto testo 8">
-            <a:extLst>
-              <a:ext uri="{FF2B5EF4-FFF2-40B4-BE49-F238E27FC236}">
-                <a16:creationId xmlns:a16="http://schemas.microsoft.com/office/drawing/2014/main" id="{00842FCF-9A2A-27B3-4ED6-BB0713CE4444}"/>
-              </a:ext>
-            </a:extLst>
-          </p:cNvPr>
-          <p:cNvSpPr>
-            <a:spLocks noGrp="1"/>
-          </p:cNvSpPr>
-          <p:nvPr>
-            <p:ph type="body" sz="quarter" idx="3"/>
-          </p:nvPr>
-        </p:nvSpPr>
-        <p:spPr/>
-        <p:txBody>
-          <a:bodyPr/>
-          <a:lstStyle/>
-          <a:p>
-            <a:r>
-              <a:rPr lang="it-IT" dirty="0"/>
-              <a:t>PINTOS</a:t>
-            </a:r>
-          </a:p>
-        </p:txBody>
-      </p:sp>
-      <p:sp>
-        <p:nvSpPr>
-          <p:cNvPr id="10" name="Segnaposto contenuto 9">
-            <a:extLst>
-              <a:ext uri="{FF2B5EF4-FFF2-40B4-BE49-F238E27FC236}">
-                <a16:creationId xmlns:a16="http://schemas.microsoft.com/office/drawing/2014/main" id="{3CDA2ECB-1671-3745-42C6-213A778ECD29}"/>
-              </a:ext>
-            </a:extLst>
-          </p:cNvPr>
-          <p:cNvSpPr>
-            <a:spLocks noGrp="1"/>
-          </p:cNvSpPr>
-          <p:nvPr>
-            <p:ph sz="quarter" idx="4"/>
-          </p:nvPr>
-        </p:nvSpPr>
-        <p:spPr/>
-        <p:txBody>
-          <a:bodyPr/>
-          <a:lstStyle/>
-          <a:p>
-            <a:endParaRPr lang="it-IT"/>
-          </a:p>
-        </p:txBody>
-      </p:sp>
-    </p:spTree>
-    <p:extLst>
-      <p:ext uri="{BB962C8B-B14F-4D97-AF65-F5344CB8AC3E}">
-        <p14:creationId xmlns:p14="http://schemas.microsoft.com/office/powerpoint/2010/main" val="1642301185"/>
-      </p:ext>
-    </p:extLst>
-  </p:cSld>
-  <p:clrMapOvr>
-    <a:masterClrMapping/>
-  </p:clrMapOvr>
-</p:sld>
-</file>
-
-<file path=ppt/slides/slide11.xml><?xml version="1.0" encoding="utf-8"?>
-<p:sld xmlns:a="http://schemas.openxmlformats.org/drawingml/2006/main" xmlns:r="http://schemas.openxmlformats.org/officeDocument/2006/relationships" xmlns:p="http://schemas.openxmlformats.org/presentationml/2006/main">
-  <p:cSld>
-    <p:spTree>
-      <p:nvGrpSpPr>
-        <p:cNvPr id="1" name=""/>
-        <p:cNvGrpSpPr/>
-        <p:nvPr/>
-      </p:nvGrpSpPr>
-      <p:grpSpPr>
-        <a:xfrm>
-          <a:off x="0" y="0"/>
-          <a:ext cx="0" cy="0"/>
-          <a:chOff x="0" y="0"/>
-          <a:chExt cx="0" cy="0"/>
-        </a:xfrm>
-      </p:grpSpPr>
-      <p:sp>
-        <p:nvSpPr>
-          <p:cNvPr id="2" name="Titolo 1">
-            <a:extLst>
-              <a:ext uri="{FF2B5EF4-FFF2-40B4-BE49-F238E27FC236}">
-                <a16:creationId xmlns:a16="http://schemas.microsoft.com/office/drawing/2014/main" id="{7900EF7C-7285-9CC8-2E3F-795F09433FAC}"/>
-              </a:ext>
-            </a:extLst>
-          </p:cNvPr>
-          <p:cNvSpPr>
-            <a:spLocks noGrp="1"/>
-          </p:cNvSpPr>
-          <p:nvPr>
-            <p:ph type="title"/>
-          </p:nvPr>
-        </p:nvSpPr>
-        <p:spPr/>
-        <p:txBody>
-          <a:bodyPr/>
-          <a:lstStyle/>
-          <a:p>
-            <a:r>
-              <a:rPr lang="it-IT" dirty="0"/>
-              <a:t>Gestione della memoria</a:t>
-            </a:r>
-          </a:p>
-        </p:txBody>
-      </p:sp>
-      <p:sp>
-        <p:nvSpPr>
-          <p:cNvPr id="3" name="Segnaposto contenuto 2">
-            <a:extLst>
-              <a:ext uri="{FF2B5EF4-FFF2-40B4-BE49-F238E27FC236}">
-                <a16:creationId xmlns:a16="http://schemas.microsoft.com/office/drawing/2014/main" id="{8582FC7B-01D3-3352-C58E-14891A68BC1C}"/>
-              </a:ext>
-            </a:extLst>
-          </p:cNvPr>
-          <p:cNvSpPr>
-            <a:spLocks noGrp="1"/>
-          </p:cNvSpPr>
-          <p:nvPr>
-            <p:ph idx="1"/>
-          </p:nvPr>
-        </p:nvSpPr>
-        <p:spPr/>
-        <p:txBody>
-          <a:bodyPr/>
-          <a:lstStyle/>
-          <a:p>
-            <a:endParaRPr lang="it-IT"/>
-          </a:p>
-        </p:txBody>
-      </p:sp>
-    </p:spTree>
-    <p:extLst>
-      <p:ext uri="{BB962C8B-B14F-4D97-AF65-F5344CB8AC3E}">
-        <p14:creationId xmlns:p14="http://schemas.microsoft.com/office/powerpoint/2010/main" val="3676064560"/>
-      </p:ext>
-    </p:extLst>
-  </p:cSld>
-  <p:clrMapOvr>
-    <a:masterClrMapping/>
-  </p:clrMapOvr>
-</p:sld>
-</file>
-
-<file path=ppt/slides/slide12.xml><?xml version="1.0" encoding="utf-8"?>
-<p:sld xmlns:a="http://schemas.openxmlformats.org/drawingml/2006/main" xmlns:r="http://schemas.openxmlformats.org/officeDocument/2006/relationships" xmlns:p="http://schemas.openxmlformats.org/presentationml/2006/main">
-  <p:cSld>
-    <p:spTree>
-      <p:nvGrpSpPr>
-        <p:cNvPr id="1" name=""/>
-        <p:cNvGrpSpPr/>
-        <p:nvPr/>
-      </p:nvGrpSpPr>
-      <p:grpSpPr>
-        <a:xfrm>
-          <a:off x="0" y="0"/>
-          <a:ext cx="0" cy="0"/>
-          <a:chOff x="0" y="0"/>
-          <a:chExt cx="0" cy="0"/>
-        </a:xfrm>
-      </p:grpSpPr>
-      <p:sp>
-        <p:nvSpPr>
-          <p:cNvPr id="2" name="Titolo 1">
-            <a:extLst>
-              <a:ext uri="{FF2B5EF4-FFF2-40B4-BE49-F238E27FC236}">
-                <a16:creationId xmlns:a16="http://schemas.microsoft.com/office/drawing/2014/main" id="{69441F67-1949-8EC8-EB98-85670AC3670C}"/>
-              </a:ext>
-            </a:extLst>
-          </p:cNvPr>
-          <p:cNvSpPr>
-            <a:spLocks noGrp="1"/>
-          </p:cNvSpPr>
-          <p:nvPr>
-            <p:ph type="title"/>
-          </p:nvPr>
-        </p:nvSpPr>
-        <p:spPr/>
-        <p:txBody>
-          <a:bodyPr>
-            <a:normAutofit/>
-          </a:bodyPr>
-          <a:lstStyle/>
-          <a:p>
-            <a:r>
-              <a:rPr lang="it-IT" dirty="0" err="1"/>
-              <a:t>Paging</a:t>
-            </a:r>
-            <a:r>
-              <a:rPr lang="it-IT" dirty="0"/>
-              <a:t> e </a:t>
-            </a:r>
-            <a:r>
-              <a:rPr lang="it-IT" dirty="0" err="1"/>
-              <a:t>virtual</a:t>
-            </a:r>
-            <a:r>
-              <a:rPr lang="it-IT" dirty="0"/>
-              <a:t> </a:t>
-            </a:r>
-            <a:r>
-              <a:rPr lang="it-IT" dirty="0" err="1"/>
-              <a:t>memory</a:t>
-            </a:r>
-            <a:endParaRPr lang="it-IT" dirty="0"/>
-          </a:p>
-        </p:txBody>
-      </p:sp>
-      <p:sp>
-        <p:nvSpPr>
-          <p:cNvPr id="4" name="Segnaposto testo 3">
-            <a:extLst>
-              <a:ext uri="{FF2B5EF4-FFF2-40B4-BE49-F238E27FC236}">
-                <a16:creationId xmlns:a16="http://schemas.microsoft.com/office/drawing/2014/main" id="{3484543A-BB31-0207-182F-1F1C206F0C68}"/>
-              </a:ext>
-            </a:extLst>
-          </p:cNvPr>
-          <p:cNvSpPr>
-            <a:spLocks noGrp="1"/>
-          </p:cNvSpPr>
-          <p:nvPr>
-            <p:ph type="body" idx="1"/>
-          </p:nvPr>
-        </p:nvSpPr>
-        <p:spPr/>
-        <p:txBody>
-          <a:bodyPr/>
-          <a:lstStyle/>
-          <a:p>
-            <a:r>
-              <a:rPr lang="it-IT" dirty="0"/>
-              <a:t>OS161</a:t>
-            </a:r>
-          </a:p>
-        </p:txBody>
-      </p:sp>
-      <p:sp>
-        <p:nvSpPr>
-          <p:cNvPr id="8" name="Segnaposto contenuto 7">
-            <a:extLst>
-              <a:ext uri="{FF2B5EF4-FFF2-40B4-BE49-F238E27FC236}">
-                <a16:creationId xmlns:a16="http://schemas.microsoft.com/office/drawing/2014/main" id="{A1E5DF89-94E7-98C4-F563-B3A43317A1CE}"/>
-              </a:ext>
-            </a:extLst>
-          </p:cNvPr>
-          <p:cNvSpPr>
-            <a:spLocks noGrp="1"/>
-          </p:cNvSpPr>
-          <p:nvPr>
-            <p:ph sz="half" idx="2"/>
-          </p:nvPr>
-        </p:nvSpPr>
-        <p:spPr/>
-        <p:txBody>
-          <a:bodyPr/>
-          <a:lstStyle/>
-          <a:p>
-            <a:endParaRPr lang="it-IT"/>
-          </a:p>
-        </p:txBody>
-      </p:sp>
-      <p:sp>
-        <p:nvSpPr>
-          <p:cNvPr id="9" name="Segnaposto testo 8">
-            <a:extLst>
-              <a:ext uri="{FF2B5EF4-FFF2-40B4-BE49-F238E27FC236}">
-                <a16:creationId xmlns:a16="http://schemas.microsoft.com/office/drawing/2014/main" id="{00842FCF-9A2A-27B3-4ED6-BB0713CE4444}"/>
-              </a:ext>
-            </a:extLst>
-          </p:cNvPr>
-          <p:cNvSpPr>
-            <a:spLocks noGrp="1"/>
-          </p:cNvSpPr>
-          <p:nvPr>
-            <p:ph type="body" sz="quarter" idx="3"/>
-          </p:nvPr>
-        </p:nvSpPr>
-        <p:spPr/>
-        <p:txBody>
-          <a:bodyPr/>
-          <a:lstStyle/>
-          <a:p>
-            <a:r>
-              <a:rPr lang="it-IT" dirty="0"/>
-              <a:t>PINTOS</a:t>
-            </a:r>
-          </a:p>
-        </p:txBody>
-      </p:sp>
-      <p:sp>
-        <p:nvSpPr>
-          <p:cNvPr id="10" name="Segnaposto contenuto 9">
-            <a:extLst>
-              <a:ext uri="{FF2B5EF4-FFF2-40B4-BE49-F238E27FC236}">
-                <a16:creationId xmlns:a16="http://schemas.microsoft.com/office/drawing/2014/main" id="{3CDA2ECB-1671-3745-42C6-213A778ECD29}"/>
-              </a:ext>
-            </a:extLst>
-          </p:cNvPr>
-          <p:cNvSpPr>
-            <a:spLocks noGrp="1"/>
-          </p:cNvSpPr>
-          <p:nvPr>
-            <p:ph sz="quarter" idx="4"/>
-          </p:nvPr>
-        </p:nvSpPr>
-        <p:spPr/>
-        <p:txBody>
-          <a:bodyPr/>
-          <a:lstStyle/>
-          <a:p>
-            <a:endParaRPr lang="it-IT"/>
-          </a:p>
-        </p:txBody>
-      </p:sp>
-    </p:spTree>
-    <p:extLst>
-      <p:ext uri="{BB962C8B-B14F-4D97-AF65-F5344CB8AC3E}">
-        <p14:creationId xmlns:p14="http://schemas.microsoft.com/office/powerpoint/2010/main" val="1787713386"/>
-      </p:ext>
-    </p:extLst>
-  </p:cSld>
-  <p:clrMapOvr>
-    <a:masterClrMapping/>
-  </p:clrMapOvr>
-</p:sld>
-</file>
-
-<file path=ppt/slides/slide13.xml><?xml version="1.0" encoding="utf-8"?>
-<p:sld xmlns:a="http://schemas.openxmlformats.org/drawingml/2006/main" xmlns:r="http://schemas.openxmlformats.org/officeDocument/2006/relationships" xmlns:p="http://schemas.openxmlformats.org/presentationml/2006/main">
-  <p:cSld>
-    <p:spTree>
-      <p:nvGrpSpPr>
-        <p:cNvPr id="1" name=""/>
-        <p:cNvGrpSpPr/>
-        <p:nvPr/>
-      </p:nvGrpSpPr>
-      <p:grpSpPr>
-        <a:xfrm>
-          <a:off x="0" y="0"/>
-          <a:ext cx="0" cy="0"/>
-          <a:chOff x="0" y="0"/>
-          <a:chExt cx="0" cy="0"/>
-        </a:xfrm>
-      </p:grpSpPr>
-      <p:sp>
-        <p:nvSpPr>
-          <p:cNvPr id="2" name="Titolo 1">
-            <a:extLst>
-              <a:ext uri="{FF2B5EF4-FFF2-40B4-BE49-F238E27FC236}">
-                <a16:creationId xmlns:a16="http://schemas.microsoft.com/office/drawing/2014/main" id="{69441F67-1949-8EC8-EB98-85670AC3670C}"/>
-              </a:ext>
-            </a:extLst>
-          </p:cNvPr>
-          <p:cNvSpPr>
-            <a:spLocks noGrp="1"/>
-          </p:cNvSpPr>
-          <p:nvPr>
-            <p:ph type="title"/>
-          </p:nvPr>
-        </p:nvSpPr>
-        <p:spPr/>
-        <p:txBody>
-          <a:bodyPr>
-            <a:normAutofit/>
-          </a:bodyPr>
-          <a:lstStyle/>
-          <a:p>
-            <a:r>
-              <a:rPr lang="it-IT" dirty="0"/>
-              <a:t>Gestione delle chiamate</a:t>
-            </a:r>
-          </a:p>
-        </p:txBody>
-      </p:sp>
-      <p:sp>
-        <p:nvSpPr>
-          <p:cNvPr id="4" name="Segnaposto testo 3">
-            <a:extLst>
-              <a:ext uri="{FF2B5EF4-FFF2-40B4-BE49-F238E27FC236}">
-                <a16:creationId xmlns:a16="http://schemas.microsoft.com/office/drawing/2014/main" id="{3484543A-BB31-0207-182F-1F1C206F0C68}"/>
-              </a:ext>
-            </a:extLst>
-          </p:cNvPr>
-          <p:cNvSpPr>
-            <a:spLocks noGrp="1"/>
-          </p:cNvSpPr>
-          <p:nvPr>
-            <p:ph type="body" idx="1"/>
-          </p:nvPr>
-        </p:nvSpPr>
-        <p:spPr/>
-        <p:txBody>
-          <a:bodyPr/>
-          <a:lstStyle/>
-          <a:p>
-            <a:r>
-              <a:rPr lang="it-IT" dirty="0"/>
-              <a:t>OS161</a:t>
-            </a:r>
-          </a:p>
-        </p:txBody>
-      </p:sp>
-      <p:sp>
-        <p:nvSpPr>
-          <p:cNvPr id="8" name="Segnaposto contenuto 7">
-            <a:extLst>
-              <a:ext uri="{FF2B5EF4-FFF2-40B4-BE49-F238E27FC236}">
-                <a16:creationId xmlns:a16="http://schemas.microsoft.com/office/drawing/2014/main" id="{A1E5DF89-94E7-98C4-F563-B3A43317A1CE}"/>
-              </a:ext>
-            </a:extLst>
-          </p:cNvPr>
-          <p:cNvSpPr>
-            <a:spLocks noGrp="1"/>
-          </p:cNvSpPr>
-          <p:nvPr>
-            <p:ph sz="half" idx="2"/>
-          </p:nvPr>
-        </p:nvSpPr>
-        <p:spPr/>
-        <p:txBody>
-          <a:bodyPr/>
-          <a:lstStyle/>
-          <a:p>
-            <a:endParaRPr lang="it-IT"/>
-          </a:p>
-        </p:txBody>
-      </p:sp>
-      <p:sp>
-        <p:nvSpPr>
-          <p:cNvPr id="9" name="Segnaposto testo 8">
-            <a:extLst>
-              <a:ext uri="{FF2B5EF4-FFF2-40B4-BE49-F238E27FC236}">
-                <a16:creationId xmlns:a16="http://schemas.microsoft.com/office/drawing/2014/main" id="{00842FCF-9A2A-27B3-4ED6-BB0713CE4444}"/>
-              </a:ext>
-            </a:extLst>
-          </p:cNvPr>
-          <p:cNvSpPr>
-            <a:spLocks noGrp="1"/>
-          </p:cNvSpPr>
-          <p:nvPr>
-            <p:ph type="body" sz="quarter" idx="3"/>
-          </p:nvPr>
-        </p:nvSpPr>
-        <p:spPr/>
-        <p:txBody>
-          <a:bodyPr/>
-          <a:lstStyle/>
-          <a:p>
-            <a:r>
-              <a:rPr lang="it-IT" dirty="0"/>
-              <a:t>PINTOS</a:t>
-            </a:r>
-          </a:p>
-        </p:txBody>
-      </p:sp>
-      <p:sp>
-        <p:nvSpPr>
-          <p:cNvPr id="10" name="Segnaposto contenuto 9">
-            <a:extLst>
-              <a:ext uri="{FF2B5EF4-FFF2-40B4-BE49-F238E27FC236}">
-                <a16:creationId xmlns:a16="http://schemas.microsoft.com/office/drawing/2014/main" id="{3CDA2ECB-1671-3745-42C6-213A778ECD29}"/>
-              </a:ext>
-            </a:extLst>
-          </p:cNvPr>
-          <p:cNvSpPr>
-            <a:spLocks noGrp="1"/>
-          </p:cNvSpPr>
-          <p:nvPr>
-            <p:ph sz="quarter" idx="4"/>
-          </p:nvPr>
-        </p:nvSpPr>
-        <p:spPr/>
-        <p:txBody>
-          <a:bodyPr/>
-          <a:lstStyle/>
-          <a:p>
-            <a:endParaRPr lang="it-IT"/>
-          </a:p>
-        </p:txBody>
-      </p:sp>
-    </p:spTree>
-    <p:extLst>
-      <p:ext uri="{BB962C8B-B14F-4D97-AF65-F5344CB8AC3E}">
-        <p14:creationId xmlns:p14="http://schemas.microsoft.com/office/powerpoint/2010/main" val="104424725"/>
-      </p:ext>
-    </p:extLst>
-  </p:cSld>
-  <p:clrMapOvr>
-    <a:masterClrMapping/>
-  </p:clrMapOvr>
-</p:sld>
-</file>
-
-<file path=ppt/slides/slide14.xml><?xml version="1.0" encoding="utf-8"?>
-<p:sld xmlns:a="http://schemas.openxmlformats.org/drawingml/2006/main" xmlns:r="http://schemas.openxmlformats.org/officeDocument/2006/relationships" xmlns:p="http://schemas.openxmlformats.org/presentationml/2006/main">
-  <p:cSld>
-    <p:spTree>
-      <p:nvGrpSpPr>
-        <p:cNvPr id="1" name=""/>
-        <p:cNvGrpSpPr/>
-        <p:nvPr/>
-      </p:nvGrpSpPr>
-      <p:grpSpPr>
-        <a:xfrm>
-          <a:off x="0" y="0"/>
-          <a:ext cx="0" cy="0"/>
-          <a:chOff x="0" y="0"/>
-          <a:chExt cx="0" cy="0"/>
-        </a:xfrm>
-      </p:grpSpPr>
-      <p:sp>
-        <p:nvSpPr>
-          <p:cNvPr id="2" name="Titolo 1">
-            <a:extLst>
-              <a:ext uri="{FF2B5EF4-FFF2-40B4-BE49-F238E27FC236}">
-                <a16:creationId xmlns:a16="http://schemas.microsoft.com/office/drawing/2014/main" id="{69441F67-1949-8EC8-EB98-85670AC3670C}"/>
-              </a:ext>
-            </a:extLst>
-          </p:cNvPr>
-          <p:cNvSpPr>
-            <a:spLocks noGrp="1"/>
-          </p:cNvSpPr>
-          <p:nvPr>
-            <p:ph type="title"/>
-          </p:nvPr>
-        </p:nvSpPr>
-        <p:spPr/>
-        <p:txBody>
-          <a:bodyPr>
-            <a:normAutofit/>
-          </a:bodyPr>
-          <a:lstStyle/>
-          <a:p>
-            <a:r>
-              <a:rPr lang="it-IT" dirty="0"/>
-              <a:t>Meccanismi di sincronizzazione</a:t>
-            </a:r>
-          </a:p>
-        </p:txBody>
-      </p:sp>
-      <p:sp>
-        <p:nvSpPr>
-          <p:cNvPr id="4" name="Segnaposto testo 3">
-            <a:extLst>
-              <a:ext uri="{FF2B5EF4-FFF2-40B4-BE49-F238E27FC236}">
-                <a16:creationId xmlns:a16="http://schemas.microsoft.com/office/drawing/2014/main" id="{3484543A-BB31-0207-182F-1F1C206F0C68}"/>
-              </a:ext>
-            </a:extLst>
-          </p:cNvPr>
-          <p:cNvSpPr>
-            <a:spLocks noGrp="1"/>
-          </p:cNvSpPr>
-          <p:nvPr>
-            <p:ph type="body" idx="1"/>
-          </p:nvPr>
-        </p:nvSpPr>
-        <p:spPr/>
-        <p:txBody>
-          <a:bodyPr/>
-          <a:lstStyle/>
-          <a:p>
-            <a:r>
-              <a:rPr lang="it-IT" dirty="0"/>
-              <a:t>OS161</a:t>
-            </a:r>
-          </a:p>
-        </p:txBody>
-      </p:sp>
-      <p:sp>
-        <p:nvSpPr>
-          <p:cNvPr id="8" name="Segnaposto contenuto 7">
-            <a:extLst>
-              <a:ext uri="{FF2B5EF4-FFF2-40B4-BE49-F238E27FC236}">
-                <a16:creationId xmlns:a16="http://schemas.microsoft.com/office/drawing/2014/main" id="{A1E5DF89-94E7-98C4-F563-B3A43317A1CE}"/>
-              </a:ext>
-            </a:extLst>
-          </p:cNvPr>
-          <p:cNvSpPr>
-            <a:spLocks noGrp="1"/>
-          </p:cNvSpPr>
-          <p:nvPr>
-            <p:ph sz="half" idx="2"/>
-          </p:nvPr>
-        </p:nvSpPr>
-        <p:spPr/>
-        <p:txBody>
-          <a:bodyPr/>
-          <a:lstStyle/>
-          <a:p>
-            <a:endParaRPr lang="it-IT"/>
-          </a:p>
-        </p:txBody>
-      </p:sp>
-      <p:sp>
-        <p:nvSpPr>
-          <p:cNvPr id="9" name="Segnaposto testo 8">
-            <a:extLst>
-              <a:ext uri="{FF2B5EF4-FFF2-40B4-BE49-F238E27FC236}">
-                <a16:creationId xmlns:a16="http://schemas.microsoft.com/office/drawing/2014/main" id="{00842FCF-9A2A-27B3-4ED6-BB0713CE4444}"/>
-              </a:ext>
-            </a:extLst>
-          </p:cNvPr>
-          <p:cNvSpPr>
-            <a:spLocks noGrp="1"/>
-          </p:cNvSpPr>
-          <p:nvPr>
-            <p:ph type="body" sz="quarter" idx="3"/>
-          </p:nvPr>
-        </p:nvSpPr>
-        <p:spPr/>
-        <p:txBody>
-          <a:bodyPr/>
-          <a:lstStyle/>
-          <a:p>
-            <a:r>
-              <a:rPr lang="it-IT" dirty="0"/>
-              <a:t>PINTOS</a:t>
-            </a:r>
-          </a:p>
-        </p:txBody>
-      </p:sp>
-      <p:sp>
-        <p:nvSpPr>
-          <p:cNvPr id="10" name="Segnaposto contenuto 9">
-            <a:extLst>
-              <a:ext uri="{FF2B5EF4-FFF2-40B4-BE49-F238E27FC236}">
-                <a16:creationId xmlns:a16="http://schemas.microsoft.com/office/drawing/2014/main" id="{3CDA2ECB-1671-3745-42C6-213A778ECD29}"/>
-              </a:ext>
-            </a:extLst>
-          </p:cNvPr>
-          <p:cNvSpPr>
-            <a:spLocks noGrp="1"/>
-          </p:cNvSpPr>
-          <p:nvPr>
-            <p:ph sz="quarter" idx="4"/>
-          </p:nvPr>
-        </p:nvSpPr>
-        <p:spPr/>
-        <p:txBody>
-          <a:bodyPr/>
-          <a:lstStyle/>
-          <a:p>
-            <a:endParaRPr lang="it-IT"/>
-          </a:p>
-        </p:txBody>
-      </p:sp>
-    </p:spTree>
-    <p:extLst>
-      <p:ext uri="{BB962C8B-B14F-4D97-AF65-F5344CB8AC3E}">
-        <p14:creationId xmlns:p14="http://schemas.microsoft.com/office/powerpoint/2010/main" val="151468646"/>
-      </p:ext>
-    </p:extLst>
-  </p:cSld>
-  <p:clrMapOvr>
-    <a:masterClrMapping/>
-  </p:clrMapOvr>
-</p:sld>
-</file>
-
-<file path=ppt/slides/slide15.xml><?xml version="1.0" encoding="utf-8"?>
-<p:sld xmlns:a="http://schemas.openxmlformats.org/drawingml/2006/main" xmlns:r="http://schemas.openxmlformats.org/officeDocument/2006/relationships" xmlns:p="http://schemas.openxmlformats.org/presentationml/2006/main">
-  <p:cSld>
-    <p:spTree>
-      <p:nvGrpSpPr>
-        <p:cNvPr id="1" name=""/>
-        <p:cNvGrpSpPr/>
-        <p:nvPr/>
-      </p:nvGrpSpPr>
-      <p:grpSpPr>
-        <a:xfrm>
-          <a:off x="0" y="0"/>
-          <a:ext cx="0" cy="0"/>
-          <a:chOff x="0" y="0"/>
-          <a:chExt cx="0" cy="0"/>
-        </a:xfrm>
-      </p:grpSpPr>
-      <p:sp>
-        <p:nvSpPr>
-          <p:cNvPr id="4" name="Titolo 3">
-            <a:extLst>
-              <a:ext uri="{FF2B5EF4-FFF2-40B4-BE49-F238E27FC236}">
-                <a16:creationId xmlns:a16="http://schemas.microsoft.com/office/drawing/2014/main" id="{4C6958DE-4CE8-5842-7EB3-6A77942BB66B}"/>
-              </a:ext>
-            </a:extLst>
-          </p:cNvPr>
-          <p:cNvSpPr>
-            <a:spLocks noGrp="1"/>
-          </p:cNvSpPr>
-          <p:nvPr>
-            <p:ph type="title"/>
-          </p:nvPr>
-        </p:nvSpPr>
-        <p:spPr/>
-        <p:txBody>
-          <a:bodyPr/>
-          <a:lstStyle/>
-          <a:p>
-            <a:r>
-              <a:rPr lang="it-IT" dirty="0"/>
-              <a:t>Implementazione di nuove funzionalità</a:t>
-            </a:r>
-          </a:p>
-        </p:txBody>
-      </p:sp>
-      <p:sp>
-        <p:nvSpPr>
-          <p:cNvPr id="5" name="Segnaposto testo 4">
-            <a:extLst>
-              <a:ext uri="{FF2B5EF4-FFF2-40B4-BE49-F238E27FC236}">
-                <a16:creationId xmlns:a16="http://schemas.microsoft.com/office/drawing/2014/main" id="{A4B09623-3F65-2A7A-7B90-C83F04115A56}"/>
-              </a:ext>
-            </a:extLst>
-          </p:cNvPr>
-          <p:cNvSpPr>
-            <a:spLocks noGrp="1"/>
-          </p:cNvSpPr>
-          <p:nvPr>
-            <p:ph type="body" idx="1"/>
-          </p:nvPr>
-        </p:nvSpPr>
-        <p:spPr/>
-        <p:txBody>
-          <a:bodyPr/>
-          <a:lstStyle/>
-          <a:p>
-            <a:endParaRPr lang="it-IT"/>
-          </a:p>
-        </p:txBody>
-      </p:sp>
-      <p:sp>
-        <p:nvSpPr>
-          <p:cNvPr id="6" name="Segnaposto contenuto 5">
-            <a:extLst>
-              <a:ext uri="{FF2B5EF4-FFF2-40B4-BE49-F238E27FC236}">
-                <a16:creationId xmlns:a16="http://schemas.microsoft.com/office/drawing/2014/main" id="{4BCD0132-CD1D-8CC1-F046-77698045EF07}"/>
-              </a:ext>
-            </a:extLst>
-          </p:cNvPr>
-          <p:cNvSpPr>
-            <a:spLocks noGrp="1"/>
-          </p:cNvSpPr>
-          <p:nvPr>
-            <p:ph sz="half" idx="2"/>
-          </p:nvPr>
-        </p:nvSpPr>
-        <p:spPr/>
-        <p:txBody>
-          <a:bodyPr/>
-          <a:lstStyle/>
-          <a:p>
-            <a:endParaRPr lang="it-IT"/>
-          </a:p>
-        </p:txBody>
-      </p:sp>
-      <p:sp>
-        <p:nvSpPr>
-          <p:cNvPr id="7" name="Segnaposto testo 6">
-            <a:extLst>
-              <a:ext uri="{FF2B5EF4-FFF2-40B4-BE49-F238E27FC236}">
-                <a16:creationId xmlns:a16="http://schemas.microsoft.com/office/drawing/2014/main" id="{E1B43DBC-8A47-364D-11EC-72C37033637E}"/>
-              </a:ext>
-            </a:extLst>
-          </p:cNvPr>
-          <p:cNvSpPr>
-            <a:spLocks noGrp="1"/>
-          </p:cNvSpPr>
-          <p:nvPr>
-            <p:ph type="body" sz="quarter" idx="3"/>
-          </p:nvPr>
-        </p:nvSpPr>
-        <p:spPr/>
-        <p:txBody>
-          <a:bodyPr/>
-          <a:lstStyle/>
-          <a:p>
-            <a:endParaRPr lang="it-IT"/>
-          </a:p>
-        </p:txBody>
-      </p:sp>
-      <p:sp>
-        <p:nvSpPr>
-          <p:cNvPr id="8" name="Segnaposto contenuto 7">
-            <a:extLst>
-              <a:ext uri="{FF2B5EF4-FFF2-40B4-BE49-F238E27FC236}">
-                <a16:creationId xmlns:a16="http://schemas.microsoft.com/office/drawing/2014/main" id="{3CBFDA4D-DA92-DE97-0B71-9E459466A516}"/>
-              </a:ext>
-            </a:extLst>
-          </p:cNvPr>
-          <p:cNvSpPr>
-            <a:spLocks noGrp="1"/>
-          </p:cNvSpPr>
-          <p:nvPr>
-            <p:ph sz="quarter" idx="4"/>
-          </p:nvPr>
-        </p:nvSpPr>
-        <p:spPr/>
-        <p:txBody>
-          <a:bodyPr/>
-          <a:lstStyle/>
-          <a:p>
-            <a:endParaRPr lang="it-IT"/>
-          </a:p>
-        </p:txBody>
-      </p:sp>
-    </p:spTree>
-    <p:extLst>
-      <p:ext uri="{BB962C8B-B14F-4D97-AF65-F5344CB8AC3E}">
-        <p14:creationId xmlns:p14="http://schemas.microsoft.com/office/powerpoint/2010/main" val="1346140153"/>
-      </p:ext>
-    </p:extLst>
-  </p:cSld>
-  <p:clrMapOvr>
-    <a:masterClrMapping/>
-  </p:clrMapOvr>
-</p:sld>
-</file>
-
-<file path=ppt/slides/slide16.xml><?xml version="1.0" encoding="utf-8"?>
-<p:sld xmlns:a="http://schemas.openxmlformats.org/drawingml/2006/main" xmlns:r="http://schemas.openxmlformats.org/officeDocument/2006/relationships" xmlns:p="http://schemas.openxmlformats.org/presentationml/2006/main">
-  <p:cSld>
-    <p:spTree>
-      <p:nvGrpSpPr>
-        <p:cNvPr id="1" name=""/>
-        <p:cNvGrpSpPr/>
-        <p:nvPr/>
-      </p:nvGrpSpPr>
-      <p:grpSpPr>
-        <a:xfrm>
-          <a:off x="0" y="0"/>
-          <a:ext cx="0" cy="0"/>
-          <a:chOff x="0" y="0"/>
-          <a:chExt cx="0" cy="0"/>
-        </a:xfrm>
-      </p:grpSpPr>
-      <p:sp>
-        <p:nvSpPr>
-          <p:cNvPr id="4" name="Titolo 3">
-            <a:extLst>
-              <a:ext uri="{FF2B5EF4-FFF2-40B4-BE49-F238E27FC236}">
-                <a16:creationId xmlns:a16="http://schemas.microsoft.com/office/drawing/2014/main" id="{4C6958DE-4CE8-5842-7EB3-6A77942BB66B}"/>
-              </a:ext>
-            </a:extLst>
-          </p:cNvPr>
-          <p:cNvSpPr>
-            <a:spLocks noGrp="1"/>
-          </p:cNvSpPr>
-          <p:nvPr>
-            <p:ph type="title"/>
-          </p:nvPr>
-        </p:nvSpPr>
-        <p:spPr/>
-        <p:txBody>
-          <a:bodyPr/>
-          <a:lstStyle/>
-          <a:p>
-            <a:r>
-              <a:rPr lang="it-IT" dirty="0"/>
-              <a:t>Test</a:t>
-            </a:r>
-          </a:p>
-        </p:txBody>
-      </p:sp>
-      <p:sp>
-        <p:nvSpPr>
-          <p:cNvPr id="5" name="Segnaposto testo 4">
-            <a:extLst>
-              <a:ext uri="{FF2B5EF4-FFF2-40B4-BE49-F238E27FC236}">
-                <a16:creationId xmlns:a16="http://schemas.microsoft.com/office/drawing/2014/main" id="{A4B09623-3F65-2A7A-7B90-C83F04115A56}"/>
-              </a:ext>
-            </a:extLst>
-          </p:cNvPr>
-          <p:cNvSpPr>
-            <a:spLocks noGrp="1"/>
-          </p:cNvSpPr>
-          <p:nvPr>
-            <p:ph type="body" idx="1"/>
-          </p:nvPr>
-        </p:nvSpPr>
-        <p:spPr/>
-        <p:txBody>
-          <a:bodyPr/>
-          <a:lstStyle/>
-          <a:p>
-            <a:endParaRPr lang="it-IT"/>
-          </a:p>
-        </p:txBody>
-      </p:sp>
-      <p:sp>
-        <p:nvSpPr>
-          <p:cNvPr id="6" name="Segnaposto contenuto 5">
-            <a:extLst>
-              <a:ext uri="{FF2B5EF4-FFF2-40B4-BE49-F238E27FC236}">
-                <a16:creationId xmlns:a16="http://schemas.microsoft.com/office/drawing/2014/main" id="{4BCD0132-CD1D-8CC1-F046-77698045EF07}"/>
-              </a:ext>
-            </a:extLst>
-          </p:cNvPr>
-          <p:cNvSpPr>
-            <a:spLocks noGrp="1"/>
-          </p:cNvSpPr>
-          <p:nvPr>
-            <p:ph sz="half" idx="2"/>
-          </p:nvPr>
-        </p:nvSpPr>
-        <p:spPr/>
-        <p:txBody>
-          <a:bodyPr/>
-          <a:lstStyle/>
-          <a:p>
-            <a:endParaRPr lang="it-IT"/>
-          </a:p>
-        </p:txBody>
-      </p:sp>
-      <p:sp>
-        <p:nvSpPr>
-          <p:cNvPr id="7" name="Segnaposto testo 6">
-            <a:extLst>
-              <a:ext uri="{FF2B5EF4-FFF2-40B4-BE49-F238E27FC236}">
-                <a16:creationId xmlns:a16="http://schemas.microsoft.com/office/drawing/2014/main" id="{E1B43DBC-8A47-364D-11EC-72C37033637E}"/>
-              </a:ext>
-            </a:extLst>
-          </p:cNvPr>
-          <p:cNvSpPr>
-            <a:spLocks noGrp="1"/>
-          </p:cNvSpPr>
-          <p:nvPr>
-            <p:ph type="body" sz="quarter" idx="3"/>
-          </p:nvPr>
-        </p:nvSpPr>
-        <p:spPr/>
-        <p:txBody>
-          <a:bodyPr/>
-          <a:lstStyle/>
-          <a:p>
-            <a:endParaRPr lang="it-IT"/>
-          </a:p>
-        </p:txBody>
-      </p:sp>
-      <p:sp>
-        <p:nvSpPr>
-          <p:cNvPr id="8" name="Segnaposto contenuto 7">
-            <a:extLst>
-              <a:ext uri="{FF2B5EF4-FFF2-40B4-BE49-F238E27FC236}">
-                <a16:creationId xmlns:a16="http://schemas.microsoft.com/office/drawing/2014/main" id="{3CBFDA4D-DA92-DE97-0B71-9E459466A516}"/>
-              </a:ext>
-            </a:extLst>
-          </p:cNvPr>
-          <p:cNvSpPr>
-            <a:spLocks noGrp="1"/>
-          </p:cNvSpPr>
-          <p:nvPr>
-            <p:ph sz="quarter" idx="4"/>
-          </p:nvPr>
-        </p:nvSpPr>
-        <p:spPr/>
-        <p:txBody>
-          <a:bodyPr/>
-          <a:lstStyle/>
-          <a:p>
-            <a:endParaRPr lang="it-IT"/>
-          </a:p>
-        </p:txBody>
-      </p:sp>
-    </p:spTree>
-    <p:extLst>
-      <p:ext uri="{BB962C8B-B14F-4D97-AF65-F5344CB8AC3E}">
-        <p14:creationId xmlns:p14="http://schemas.microsoft.com/office/powerpoint/2010/main" val="3327742900"/>
-      </p:ext>
-    </p:extLst>
-  </p:cSld>
-  <p:clrMapOvr>
-    <a:masterClrMapping/>
-  </p:clrMapOvr>
-</p:sld>
-</file>
-
-<file path=ppt/slides/slide17.xml><?xml version="1.0" encoding="utf-8"?>
-<p:sld xmlns:a="http://schemas.openxmlformats.org/drawingml/2006/main" xmlns:r="http://schemas.openxmlformats.org/officeDocument/2006/relationships" xmlns:p="http://schemas.openxmlformats.org/presentationml/2006/main">
-  <p:cSld>
-    <p:spTree>
-      <p:nvGrpSpPr>
-        <p:cNvPr id="1" name=""/>
-        <p:cNvGrpSpPr/>
-        <p:nvPr/>
-      </p:nvGrpSpPr>
-      <p:grpSpPr>
-        <a:xfrm>
-          <a:off x="0" y="0"/>
-          <a:ext cx="0" cy="0"/>
-          <a:chOff x="0" y="0"/>
-          <a:chExt cx="0" cy="0"/>
-        </a:xfrm>
-      </p:grpSpPr>
-      <p:sp>
-        <p:nvSpPr>
-          <p:cNvPr id="4" name="Titolo 3">
-            <a:extLst>
-              <a:ext uri="{FF2B5EF4-FFF2-40B4-BE49-F238E27FC236}">
-                <a16:creationId xmlns:a16="http://schemas.microsoft.com/office/drawing/2014/main" id="{4C6958DE-4CE8-5842-7EB3-6A77942BB66B}"/>
-              </a:ext>
-            </a:extLst>
-          </p:cNvPr>
-          <p:cNvSpPr>
-            <a:spLocks noGrp="1"/>
-          </p:cNvSpPr>
-          <p:nvPr>
-            <p:ph type="title"/>
-          </p:nvPr>
-        </p:nvSpPr>
-        <p:spPr/>
-        <p:txBody>
-          <a:bodyPr/>
-          <a:lstStyle/>
-          <a:p>
-            <a:endParaRPr lang="it-IT"/>
-          </a:p>
-        </p:txBody>
-      </p:sp>
-      <p:sp>
-        <p:nvSpPr>
-          <p:cNvPr id="5" name="Segnaposto testo 4">
-            <a:extLst>
-              <a:ext uri="{FF2B5EF4-FFF2-40B4-BE49-F238E27FC236}">
-                <a16:creationId xmlns:a16="http://schemas.microsoft.com/office/drawing/2014/main" id="{A4B09623-3F65-2A7A-7B90-C83F04115A56}"/>
-              </a:ext>
-            </a:extLst>
-          </p:cNvPr>
-          <p:cNvSpPr>
-            <a:spLocks noGrp="1"/>
-          </p:cNvSpPr>
-          <p:nvPr>
-            <p:ph type="body" idx="1"/>
-          </p:nvPr>
-        </p:nvSpPr>
-        <p:spPr/>
-        <p:txBody>
-          <a:bodyPr/>
-          <a:lstStyle/>
-          <a:p>
-            <a:endParaRPr lang="it-IT"/>
-          </a:p>
-        </p:txBody>
-      </p:sp>
-      <p:sp>
-        <p:nvSpPr>
-          <p:cNvPr id="6" name="Segnaposto contenuto 5">
-            <a:extLst>
-              <a:ext uri="{FF2B5EF4-FFF2-40B4-BE49-F238E27FC236}">
-                <a16:creationId xmlns:a16="http://schemas.microsoft.com/office/drawing/2014/main" id="{4BCD0132-CD1D-8CC1-F046-77698045EF07}"/>
-              </a:ext>
-            </a:extLst>
-          </p:cNvPr>
-          <p:cNvSpPr>
-            <a:spLocks noGrp="1"/>
-          </p:cNvSpPr>
-          <p:nvPr>
-            <p:ph sz="half" idx="2"/>
-          </p:nvPr>
-        </p:nvSpPr>
-        <p:spPr/>
-        <p:txBody>
-          <a:bodyPr/>
-          <a:lstStyle/>
-          <a:p>
-            <a:endParaRPr lang="it-IT"/>
-          </a:p>
-        </p:txBody>
-      </p:sp>
-      <p:sp>
-        <p:nvSpPr>
-          <p:cNvPr id="7" name="Segnaposto testo 6">
-            <a:extLst>
-              <a:ext uri="{FF2B5EF4-FFF2-40B4-BE49-F238E27FC236}">
-                <a16:creationId xmlns:a16="http://schemas.microsoft.com/office/drawing/2014/main" id="{E1B43DBC-8A47-364D-11EC-72C37033637E}"/>
-              </a:ext>
-            </a:extLst>
-          </p:cNvPr>
-          <p:cNvSpPr>
-            <a:spLocks noGrp="1"/>
-          </p:cNvSpPr>
-          <p:nvPr>
-            <p:ph type="body" sz="quarter" idx="3"/>
-          </p:nvPr>
-        </p:nvSpPr>
-        <p:spPr/>
-        <p:txBody>
-          <a:bodyPr/>
-          <a:lstStyle/>
-          <a:p>
-            <a:endParaRPr lang="it-IT"/>
-          </a:p>
-        </p:txBody>
-      </p:sp>
-      <p:sp>
-        <p:nvSpPr>
-          <p:cNvPr id="8" name="Segnaposto contenuto 7">
-            <a:extLst>
-              <a:ext uri="{FF2B5EF4-FFF2-40B4-BE49-F238E27FC236}">
-                <a16:creationId xmlns:a16="http://schemas.microsoft.com/office/drawing/2014/main" id="{3CBFDA4D-DA92-DE97-0B71-9E459466A516}"/>
-              </a:ext>
-            </a:extLst>
-          </p:cNvPr>
-          <p:cNvSpPr>
-            <a:spLocks noGrp="1"/>
-          </p:cNvSpPr>
-          <p:nvPr>
-            <p:ph sz="quarter" idx="4"/>
-          </p:nvPr>
-        </p:nvSpPr>
-        <p:spPr/>
-        <p:txBody>
-          <a:bodyPr/>
-          <a:lstStyle/>
-          <a:p>
-            <a:endParaRPr lang="it-IT"/>
-          </a:p>
-        </p:txBody>
-      </p:sp>
-    </p:spTree>
-    <p:extLst>
-      <p:ext uri="{BB962C8B-B14F-4D97-AF65-F5344CB8AC3E}">
-        <p14:creationId xmlns:p14="http://schemas.microsoft.com/office/powerpoint/2010/main" val="2906817671"/>
-      </p:ext>
-    </p:extLst>
-  </p:cSld>
-  <p:clrMapOvr>
-    <a:masterClrMapping/>
-  </p:clrMapOvr>
-</p:sld>
-</file>
-
 <file path=ppt/slides/slide2.xml><?xml version="1.0" encoding="utf-8"?>
 <p:sld xmlns:a="http://schemas.openxmlformats.org/drawingml/2006/main" xmlns:r="http://schemas.openxmlformats.org/officeDocument/2006/relationships" xmlns:p="http://schemas.openxmlformats.org/presentationml/2006/main">
   <p:cSld>
+    <p:bg>
+      <p:bgPr>
+        <a:solidFill>
+          <a:schemeClr val="bg1"/>
+        </a:solidFill>
+        <a:effectLst/>
+      </p:bgPr>
+    </p:bg>
     <p:spTree>
       <p:nvGrpSpPr>
         <p:cNvPr id="1" name=""/>
@@ -5275,81 +10168,53 @@
         </p:nvSpPr>
         <p:spPr/>
         <p:txBody>
-          <a:bodyPr/>
+          <a:bodyPr>
+            <a:normAutofit/>
+          </a:bodyPr>
           <a:lstStyle/>
           <a:p>
             <a:r>
-              <a:rPr lang="it-IT" dirty="0"/>
+              <a:rPr lang="it-IT" dirty="0">
+                <a:solidFill>
+                  <a:srgbClr val="FFFEFF"/>
+                </a:solidFill>
+              </a:rPr>
               <a:t>Scelta SO e motivazioni</a:t>
             </a:r>
           </a:p>
         </p:txBody>
       </p:sp>
-      <p:sp>
-        <p:nvSpPr>
-          <p:cNvPr id="3" name="Segnaposto contenuto 2">
+      <p:graphicFrame>
+        <p:nvGraphicFramePr>
+          <p:cNvPr id="5" name="Segnaposto contenuto 2">
             <a:extLst>
               <a:ext uri="{FF2B5EF4-FFF2-40B4-BE49-F238E27FC236}">
-                <a16:creationId xmlns:a16="http://schemas.microsoft.com/office/drawing/2014/main" id="{A739D0B1-ECDA-1076-9DF3-A96E669B9408}"/>
+                <a16:creationId xmlns:a16="http://schemas.microsoft.com/office/drawing/2014/main" id="{0F715552-3CDD-D649-890A-0831B75FCC9B}"/>
               </a:ext>
             </a:extLst>
           </p:cNvPr>
-          <p:cNvSpPr>
-            <a:spLocks noGrp="1"/>
-          </p:cNvSpPr>
+          <p:cNvGraphicFramePr>
+            <a:graphicFrameLocks noGrp="1"/>
+          </p:cNvGraphicFramePr>
           <p:nvPr>
             <p:ph idx="1"/>
+            <p:extLst>
+              <p:ext uri="{D42A27DB-BD31-4B8C-83A1-F6EECF244321}">
+                <p14:modId xmlns:p14="http://schemas.microsoft.com/office/powerpoint/2010/main" val="1017057021"/>
+              </p:ext>
+            </p:extLst>
           </p:nvPr>
-        </p:nvSpPr>
-        <p:spPr/>
-        <p:txBody>
-          <a:bodyPr/>
-          <a:lstStyle/>
-          <a:p>
-            <a:r>
-              <a:rPr lang="it-IT" dirty="0"/>
-              <a:t>Il sistema operativo scelto è </a:t>
-            </a:r>
-            <a:r>
-              <a:rPr lang="it-IT" dirty="0" err="1"/>
-              <a:t>PintOS</a:t>
-            </a:r>
-            <a:endParaRPr lang="it-IT" dirty="0"/>
-          </a:p>
-          <a:p>
-            <a:r>
-              <a:rPr lang="it-IT" dirty="0"/>
-              <a:t>Successore di </a:t>
-            </a:r>
-            <a:r>
-              <a:rPr lang="it-IT" dirty="0" err="1"/>
-              <a:t>NachOS</a:t>
-            </a:r>
-            <a:r>
-              <a:rPr lang="it-IT" dirty="0"/>
-              <a:t>, è Unix-like</a:t>
-            </a:r>
-          </a:p>
-          <a:p>
-            <a:r>
-              <a:rPr lang="it-IT" dirty="0"/>
-              <a:t>SO didattico open source con architettura x86</a:t>
-            </a:r>
-          </a:p>
-          <a:p>
-            <a:r>
-              <a:rPr lang="it-IT" dirty="0"/>
-              <a:t>Sviluppato dall'università di Stanford nel 2004, quindi con relativa documentazione </a:t>
-            </a:r>
-          </a:p>
-          <a:p>
-            <a:r>
-              <a:rPr lang="it-IT" dirty="0"/>
-              <a:t>Alcune caratteristiche simili a OS161 ma con differenze visibili (anche nel codice)</a:t>
-            </a:r>
-          </a:p>
-        </p:txBody>
-      </p:sp>
+        </p:nvGraphicFramePr>
+        <p:xfrm>
+          <a:off x="581025" y="2181225"/>
+          <a:ext cx="11029950" cy="3678238"/>
+        </p:xfrm>
+        <a:graphic>
+          <a:graphicData uri="http://schemas.openxmlformats.org/drawingml/2006/diagram">
+            <dgm:relIds xmlns:dgm="http://schemas.openxmlformats.org/drawingml/2006/diagram" xmlns:r="http://schemas.openxmlformats.org/officeDocument/2006/relationships" r:dm="rId2" r:lo="rId3" r:qs="rId4" r:cs="rId5"/>
+          </a:graphicData>
+        </a:graphic>
+      </p:graphicFrame>
     </p:spTree>
     <p:extLst>
       <p:ext uri="{BB962C8B-B14F-4D97-AF65-F5344CB8AC3E}">
@@ -5572,6 +10437,14 @@
 <file path=ppt/slides/slide4.xml><?xml version="1.0" encoding="utf-8"?>
 <p:sld xmlns:a="http://schemas.openxmlformats.org/drawingml/2006/main" xmlns:r="http://schemas.openxmlformats.org/officeDocument/2006/relationships" xmlns:p="http://schemas.openxmlformats.org/presentationml/2006/main">
   <p:cSld>
+    <p:bg>
+      <p:bgPr>
+        <a:solidFill>
+          <a:schemeClr val="bg1"/>
+        </a:solidFill>
+        <a:effectLst/>
+      </p:bgPr>
+    </p:bg>
     <p:spTree>
       <p:nvGrpSpPr>
         <p:cNvPr id="1" name=""/>
@@ -5602,93 +10475,60 @@
             <p:ph type="title"/>
           </p:nvPr>
         </p:nvSpPr>
-        <p:spPr/>
+        <p:spPr>
+          <a:xfrm>
+            <a:off x="581192" y="702156"/>
+            <a:ext cx="11029616" cy="1013800"/>
+          </a:xfrm>
+        </p:spPr>
         <p:txBody>
-          <a:bodyPr/>
+          <a:bodyPr>
+            <a:normAutofit/>
+          </a:bodyPr>
           <a:lstStyle/>
           <a:p>
             <a:r>
-              <a:rPr lang="it-IT" dirty="0"/>
+              <a:rPr lang="it-IT">
+                <a:solidFill>
+                  <a:srgbClr val="FFFEFF"/>
+                </a:solidFill>
+              </a:rPr>
               <a:t>System calls</a:t>
             </a:r>
           </a:p>
         </p:txBody>
       </p:sp>
-      <p:sp>
-        <p:nvSpPr>
-          <p:cNvPr id="3" name="Segnaposto contenuto 2">
+      <p:graphicFrame>
+        <p:nvGraphicFramePr>
+          <p:cNvPr id="5" name="Segnaposto contenuto 2">
             <a:extLst>
               <a:ext uri="{FF2B5EF4-FFF2-40B4-BE49-F238E27FC236}">
-                <a16:creationId xmlns:a16="http://schemas.microsoft.com/office/drawing/2014/main" id="{91F15E3F-AA93-9202-706A-8D58637816E5}"/>
+                <a16:creationId xmlns:a16="http://schemas.microsoft.com/office/drawing/2014/main" id="{70BCEF6C-68E2-651D-606F-250E5D2ABFA7}"/>
               </a:ext>
             </a:extLst>
           </p:cNvPr>
-          <p:cNvSpPr>
-            <a:spLocks noGrp="1"/>
-          </p:cNvSpPr>
+          <p:cNvGraphicFramePr>
+            <a:graphicFrameLocks noGrp="1"/>
+          </p:cNvGraphicFramePr>
           <p:nvPr>
             <p:ph idx="1"/>
+            <p:extLst>
+              <p:ext uri="{D42A27DB-BD31-4B8C-83A1-F6EECF244321}">
+                <p14:modId xmlns:p14="http://schemas.microsoft.com/office/powerpoint/2010/main" val="1359862979"/>
+              </p:ext>
+            </p:extLst>
           </p:nvPr>
-        </p:nvSpPr>
-        <p:spPr/>
-        <p:txBody>
-          <a:bodyPr/>
-          <a:lstStyle/>
-          <a:p>
-            <a:r>
-              <a:rPr lang="it-IT" dirty="0"/>
-              <a:t>System calls fondamentali per l'interazione tra i programmi utente e il kernel di un sistema operativo.</a:t>
-            </a:r>
-          </a:p>
-          <a:p>
-            <a:r>
-              <a:rPr lang="it-IT" dirty="0" err="1"/>
-              <a:t>SCs</a:t>
-            </a:r>
-            <a:r>
-              <a:rPr lang="it-IT" dirty="0"/>
-              <a:t> implementate direttamente nel kernel monolitico in OS161</a:t>
-            </a:r>
-          </a:p>
-          <a:p>
-            <a:r>
-              <a:rPr lang="it-IT" dirty="0" err="1"/>
-              <a:t>SCs</a:t>
-            </a:r>
-            <a:r>
-              <a:rPr lang="it-IT" dirty="0"/>
-              <a:t> in </a:t>
-            </a:r>
-            <a:r>
-              <a:rPr lang="it-IT" dirty="0" err="1"/>
-              <a:t>PintOS</a:t>
-            </a:r>
-            <a:r>
-              <a:rPr lang="it-IT" dirty="0"/>
-              <a:t> possono operare attraverso il microkernel, tra spazio utente e processi kernel</a:t>
-            </a:r>
-          </a:p>
-          <a:p>
-            <a:r>
-              <a:rPr lang="it-IT" dirty="0" err="1"/>
-              <a:t>SCs</a:t>
-            </a:r>
-            <a:r>
-              <a:rPr lang="it-IT" dirty="0"/>
-              <a:t> più dirette ed immediate in OS161</a:t>
-            </a:r>
-          </a:p>
-          <a:p>
-            <a:r>
-              <a:rPr lang="it-IT" dirty="0"/>
-              <a:t>…</a:t>
-            </a:r>
-          </a:p>
-          <a:p>
-            <a:endParaRPr lang="it-IT" dirty="0"/>
-          </a:p>
-        </p:txBody>
-      </p:sp>
+        </p:nvGraphicFramePr>
+        <p:xfrm>
+          <a:off x="581025" y="2181225"/>
+          <a:ext cx="11029950" cy="3678238"/>
+        </p:xfrm>
+        <a:graphic>
+          <a:graphicData uri="http://schemas.openxmlformats.org/drawingml/2006/diagram">
+            <dgm:relIds xmlns:dgm="http://schemas.openxmlformats.org/drawingml/2006/diagram" xmlns:r="http://schemas.openxmlformats.org/officeDocument/2006/relationships" r:dm="rId2" r:lo="rId3" r:qs="rId4" r:cs="rId5"/>
+          </a:graphicData>
+        </a:graphic>
+      </p:graphicFrame>
     </p:spTree>
     <p:extLst>
       <p:ext uri="{BB962C8B-B14F-4D97-AF65-F5344CB8AC3E}">
@@ -5707,7 +10547,13 @@
   <p:cSld>
     <p:spTree>
       <p:nvGrpSpPr>
-        <p:cNvPr id="1" name=""/>
+        <p:cNvPr id="1" name="">
+          <a:extLst>
+            <a:ext uri="{FF2B5EF4-FFF2-40B4-BE49-F238E27FC236}">
+              <a16:creationId xmlns:a16="http://schemas.microsoft.com/office/drawing/2014/main" id="{4DB107C6-3187-F9C2-B29A-716D02AB9FAF}"/>
+            </a:ext>
+          </a:extLst>
+        </p:cNvPr>
         <p:cNvGrpSpPr/>
         <p:nvPr/>
       </p:nvGrpSpPr>
@@ -5724,7 +10570,300 @@
           <p:cNvPr id="2" name="Titolo 1">
             <a:extLst>
               <a:ext uri="{FF2B5EF4-FFF2-40B4-BE49-F238E27FC236}">
-                <a16:creationId xmlns:a16="http://schemas.microsoft.com/office/drawing/2014/main" id="{69441F67-1949-8EC8-EB98-85670AC3670C}"/>
+                <a16:creationId xmlns:a16="http://schemas.microsoft.com/office/drawing/2014/main" id="{4A7BA406-5059-EED5-0C32-07A17E669B05}"/>
+              </a:ext>
+            </a:extLst>
+          </p:cNvPr>
+          <p:cNvSpPr>
+            <a:spLocks noGrp="1"/>
+          </p:cNvSpPr>
+          <p:nvPr>
+            <p:ph type="title"/>
+          </p:nvPr>
+        </p:nvSpPr>
+        <p:spPr/>
+        <p:txBody>
+          <a:bodyPr/>
+          <a:lstStyle/>
+          <a:p>
+            <a:r>
+              <a:rPr lang="it-IT" dirty="0"/>
+              <a:t>System calls</a:t>
+            </a:r>
+          </a:p>
+        </p:txBody>
+      </p:sp>
+      <p:sp>
+        <p:nvSpPr>
+          <p:cNvPr id="5" name="Segnaposto testo 4">
+            <a:extLst>
+              <a:ext uri="{FF2B5EF4-FFF2-40B4-BE49-F238E27FC236}">
+                <a16:creationId xmlns:a16="http://schemas.microsoft.com/office/drawing/2014/main" id="{C6A595F7-B24E-14B1-A2DE-F977BEC69C75}"/>
+              </a:ext>
+            </a:extLst>
+          </p:cNvPr>
+          <p:cNvSpPr>
+            <a:spLocks noGrp="1"/>
+          </p:cNvSpPr>
+          <p:nvPr>
+            <p:ph type="body" idx="1"/>
+          </p:nvPr>
+        </p:nvSpPr>
+        <p:spPr>
+          <a:xfrm>
+            <a:off x="673386" y="2051770"/>
+            <a:ext cx="5087075" cy="873994"/>
+          </a:xfrm>
+        </p:spPr>
+        <p:txBody>
+          <a:bodyPr/>
+          <a:lstStyle/>
+          <a:p>
+            <a:r>
+              <a:rPr lang="en-US" dirty="0"/>
+              <a:t>OS161</a:t>
+            </a:r>
+          </a:p>
+          <a:p>
+            <a:r>
+              <a:rPr lang="en-US" sz="1800" dirty="0">
+                <a:solidFill>
+                  <a:schemeClr val="tx2"/>
+                </a:solidFill>
+              </a:rPr>
+              <a:t>kern/arch/</a:t>
+            </a:r>
+            <a:r>
+              <a:rPr lang="en-US" sz="1800" dirty="0" err="1">
+                <a:solidFill>
+                  <a:schemeClr val="tx2"/>
+                </a:solidFill>
+              </a:rPr>
+              <a:t>mips</a:t>
+            </a:r>
+            <a:r>
+              <a:rPr lang="en-US" sz="1800" dirty="0">
+                <a:solidFill>
+                  <a:schemeClr val="tx2"/>
+                </a:solidFill>
+              </a:rPr>
+              <a:t>/</a:t>
+            </a:r>
+            <a:r>
+              <a:rPr lang="en-US" sz="1800" dirty="0" err="1">
+                <a:solidFill>
+                  <a:schemeClr val="tx2"/>
+                </a:solidFill>
+              </a:rPr>
+              <a:t>syscall</a:t>
+            </a:r>
+            <a:r>
+              <a:rPr lang="en-US" sz="1800" dirty="0">
+                <a:solidFill>
+                  <a:schemeClr val="tx2"/>
+                </a:solidFill>
+              </a:rPr>
+              <a:t>/</a:t>
+            </a:r>
+            <a:r>
+              <a:rPr lang="en-US" sz="1800" dirty="0" err="1">
+                <a:solidFill>
+                  <a:schemeClr val="tx2"/>
+                </a:solidFill>
+              </a:rPr>
+              <a:t>syscall.c</a:t>
+            </a:r>
+            <a:endParaRPr lang="it-IT" sz="1800" dirty="0">
+              <a:solidFill>
+                <a:schemeClr val="tx2"/>
+              </a:solidFill>
+            </a:endParaRPr>
+          </a:p>
+        </p:txBody>
+      </p:sp>
+      <p:pic>
+        <p:nvPicPr>
+          <p:cNvPr id="9" name="Segnaposto contenuto 8">
+            <a:extLst>
+              <a:ext uri="{FF2B5EF4-FFF2-40B4-BE49-F238E27FC236}">
+                <a16:creationId xmlns:a16="http://schemas.microsoft.com/office/drawing/2014/main" id="{863AB67C-0102-B291-AB26-3ED08118BD0D}"/>
+              </a:ext>
+            </a:extLst>
+          </p:cNvPr>
+          <p:cNvPicPr>
+            <a:picLocks noGrp="1" noChangeAspect="1"/>
+          </p:cNvPicPr>
+          <p:nvPr>
+            <p:ph sz="half" idx="2"/>
+          </p:nvPr>
+        </p:nvPicPr>
+        <p:blipFill>
+          <a:blip r:embed="rId2"/>
+          <a:stretch>
+            <a:fillRect/>
+          </a:stretch>
+        </p:blipFill>
+        <p:spPr>
+          <a:xfrm>
+            <a:off x="777255" y="2962707"/>
+            <a:ext cx="5000278" cy="3760787"/>
+          </a:xfrm>
+        </p:spPr>
+      </p:pic>
+      <p:sp>
+        <p:nvSpPr>
+          <p:cNvPr id="6" name="Segnaposto testo 5">
+            <a:extLst>
+              <a:ext uri="{FF2B5EF4-FFF2-40B4-BE49-F238E27FC236}">
+                <a16:creationId xmlns:a16="http://schemas.microsoft.com/office/drawing/2014/main" id="{62659CF6-E7AE-5C22-7B34-F5CD584206EF}"/>
+              </a:ext>
+            </a:extLst>
+          </p:cNvPr>
+          <p:cNvSpPr>
+            <a:spLocks noGrp="1"/>
+          </p:cNvSpPr>
+          <p:nvPr>
+            <p:ph type="body" sz="quarter" idx="3"/>
+          </p:nvPr>
+        </p:nvSpPr>
+        <p:spPr>
+          <a:xfrm>
+            <a:off x="6116638" y="2051770"/>
+            <a:ext cx="5087073" cy="910937"/>
+          </a:xfrm>
+        </p:spPr>
+        <p:txBody>
+          <a:bodyPr/>
+          <a:lstStyle/>
+          <a:p>
+            <a:r>
+              <a:rPr lang="it-IT" dirty="0" err="1"/>
+              <a:t>Pintos</a:t>
+            </a:r>
+            <a:endParaRPr lang="it-IT" dirty="0"/>
+          </a:p>
+          <a:p>
+            <a:r>
+              <a:rPr lang="it-IT" sz="1800" dirty="0" err="1">
+                <a:solidFill>
+                  <a:schemeClr val="tx2"/>
+                </a:solidFill>
+              </a:rPr>
+              <a:t>src</a:t>
+            </a:r>
+            <a:r>
+              <a:rPr lang="it-IT" sz="1800" dirty="0">
+                <a:solidFill>
+                  <a:schemeClr val="tx2"/>
+                </a:solidFill>
+              </a:rPr>
+              <a:t>/</a:t>
+            </a:r>
+            <a:r>
+              <a:rPr lang="it-IT" sz="1800" dirty="0" err="1">
+                <a:solidFill>
+                  <a:schemeClr val="tx2"/>
+                </a:solidFill>
+              </a:rPr>
+              <a:t>userprog</a:t>
+            </a:r>
+            <a:r>
+              <a:rPr lang="it-IT" sz="1800" dirty="0">
+                <a:solidFill>
+                  <a:schemeClr val="tx2"/>
+                </a:solidFill>
+              </a:rPr>
+              <a:t>/</a:t>
+            </a:r>
+            <a:r>
+              <a:rPr lang="it-IT" sz="1800" dirty="0" err="1">
+                <a:solidFill>
+                  <a:schemeClr val="tx2"/>
+                </a:solidFill>
+              </a:rPr>
+              <a:t>syscall.c</a:t>
+            </a:r>
+            <a:endParaRPr lang="it-IT" b="0" dirty="0">
+              <a:solidFill>
+                <a:srgbClr val="CE9178"/>
+              </a:solidFill>
+              <a:effectLst/>
+              <a:latin typeface="Consolas" panose="020B0609020204030204" pitchFamily="49" charset="0"/>
+            </a:endParaRPr>
+          </a:p>
+        </p:txBody>
+      </p:sp>
+      <p:pic>
+        <p:nvPicPr>
+          <p:cNvPr id="18" name="Segnaposto contenuto 17">
+            <a:extLst>
+              <a:ext uri="{FF2B5EF4-FFF2-40B4-BE49-F238E27FC236}">
+                <a16:creationId xmlns:a16="http://schemas.microsoft.com/office/drawing/2014/main" id="{CEB03718-149B-BE9E-D39D-77B9A1CE67D3}"/>
+              </a:ext>
+            </a:extLst>
+          </p:cNvPr>
+          <p:cNvPicPr>
+            <a:picLocks noGrp="1" noChangeAspect="1"/>
+          </p:cNvPicPr>
+          <p:nvPr>
+            <p:ph sz="quarter" idx="4"/>
+          </p:nvPr>
+        </p:nvPicPr>
+        <p:blipFill>
+          <a:blip r:embed="rId3"/>
+          <a:stretch>
+            <a:fillRect/>
+          </a:stretch>
+        </p:blipFill>
+        <p:spPr>
+          <a:xfrm>
+            <a:off x="6218238" y="3276742"/>
+            <a:ext cx="5392737" cy="2233328"/>
+          </a:xfrm>
+        </p:spPr>
+      </p:pic>
+    </p:spTree>
+    <p:extLst>
+      <p:ext uri="{BB962C8B-B14F-4D97-AF65-F5344CB8AC3E}">
+        <p14:creationId xmlns:p14="http://schemas.microsoft.com/office/powerpoint/2010/main" val="4174609051"/>
+      </p:ext>
+    </p:extLst>
+  </p:cSld>
+  <p:clrMapOvr>
+    <a:masterClrMapping/>
+  </p:clrMapOvr>
+</p:sld>
+</file>
+
+<file path=ppt/slides/slide6.xml><?xml version="1.0" encoding="utf-8"?>
+<p:sld xmlns:a="http://schemas.openxmlformats.org/drawingml/2006/main" xmlns:r="http://schemas.openxmlformats.org/officeDocument/2006/relationships" xmlns:p="http://schemas.openxmlformats.org/presentationml/2006/main">
+  <p:cSld>
+    <p:spTree>
+      <p:nvGrpSpPr>
+        <p:cNvPr id="1" name="">
+          <a:extLst>
+            <a:ext uri="{FF2B5EF4-FFF2-40B4-BE49-F238E27FC236}">
+              <a16:creationId xmlns:a16="http://schemas.microsoft.com/office/drawing/2014/main" id="{E697CD3F-7986-8E70-D8E1-263921CBEA06}"/>
+            </a:ext>
+          </a:extLst>
+        </p:cNvPr>
+        <p:cNvGrpSpPr/>
+        <p:nvPr/>
+      </p:nvGrpSpPr>
+      <p:grpSpPr>
+        <a:xfrm>
+          <a:off x="0" y="0"/>
+          <a:ext cx="0" cy="0"/>
+          <a:chOff x="0" y="0"/>
+          <a:chExt cx="0" cy="0"/>
+        </a:xfrm>
+      </p:grpSpPr>
+      <p:sp>
+        <p:nvSpPr>
+          <p:cNvPr id="2" name="Titolo 1">
+            <a:extLst>
+              <a:ext uri="{FF2B5EF4-FFF2-40B4-BE49-F238E27FC236}">
+                <a16:creationId xmlns:a16="http://schemas.microsoft.com/office/drawing/2014/main" id="{87663773-A20B-A05F-7AFC-748E690CE856}"/>
               </a:ext>
             </a:extLst>
           </p:cNvPr>
@@ -5743,9 +10882,10 @@
           <a:lstStyle/>
           <a:p>
             <a:r>
-              <a:rPr lang="it-IT" dirty="0"/>
-              <a:t>Scheduling: Obiettivi</a:t>
+              <a:rPr lang="it-IT"/>
+              <a:t>Scheduling</a:t>
             </a:r>
+            <a:endParaRPr lang="it-IT" dirty="0"/>
           </a:p>
         </p:txBody>
       </p:sp>
@@ -5754,7 +10894,7 @@
           <p:cNvPr id="4" name="Segnaposto testo 3">
             <a:extLst>
               <a:ext uri="{FF2B5EF4-FFF2-40B4-BE49-F238E27FC236}">
-                <a16:creationId xmlns:a16="http://schemas.microsoft.com/office/drawing/2014/main" id="{3484543A-BB31-0207-182F-1F1C206F0C68}"/>
+                <a16:creationId xmlns:a16="http://schemas.microsoft.com/office/drawing/2014/main" id="{0FF63923-4565-4D08-89D0-AC5B555AAA70}"/>
               </a:ext>
             </a:extLst>
           </p:cNvPr>
@@ -5762,131 +10902,79 @@
             <a:spLocks noGrp="1"/>
           </p:cNvSpPr>
           <p:nvPr>
-            <p:ph type="body" idx="1"/>
+            <p:ph idx="1"/>
           </p:nvPr>
         </p:nvSpPr>
-        <p:spPr/>
+        <p:spPr>
+          <a:xfrm>
+            <a:off x="581025" y="2181224"/>
+            <a:ext cx="11029950" cy="3905539"/>
+          </a:xfrm>
+        </p:spPr>
         <p:txBody>
-          <a:bodyPr/>
+          <a:bodyPr>
+            <a:normAutofit/>
+          </a:bodyPr>
           <a:lstStyle/>
           <a:p>
             <a:r>
               <a:rPr lang="it-IT" dirty="0"/>
-              <a:t>OS161</a:t>
+              <a:t>Le politiche di scheduling risultano simili</a:t>
             </a:r>
           </a:p>
-        </p:txBody>
-      </p:sp>
-      <p:sp>
-        <p:nvSpPr>
-          <p:cNvPr id="8" name="Segnaposto contenuto 7">
-            <a:extLst>
-              <a:ext uri="{FF2B5EF4-FFF2-40B4-BE49-F238E27FC236}">
-                <a16:creationId xmlns:a16="http://schemas.microsoft.com/office/drawing/2014/main" id="{A1E5DF89-94E7-98C4-F563-B3A43317A1CE}"/>
-              </a:ext>
-            </a:extLst>
-          </p:cNvPr>
-          <p:cNvSpPr>
-            <a:spLocks noGrp="1"/>
-          </p:cNvSpPr>
-          <p:nvPr>
-            <p:ph sz="half" idx="2"/>
-          </p:nvPr>
-        </p:nvSpPr>
-        <p:spPr/>
-        <p:txBody>
-          <a:bodyPr/>
-          <a:lstStyle/>
           <a:p>
             <a:r>
               <a:rPr lang="it-IT" dirty="0"/>
-              <a:t>Massimizzare l'utilizzo della CPU </a:t>
+              <a:t>Approccio Round Robin (RR)</a:t>
             </a:r>
           </a:p>
           <a:p>
             <a:r>
               <a:rPr lang="it-IT" dirty="0"/>
-              <a:t>Garantire una distribuzione equa del tempo di CPU tra i vari processi.</a:t>
+              <a:t>In entrambi è possibile implementare politiche di scheduling più avanzate come:</a:t>
             </a:r>
           </a:p>
           <a:p>
+            <a:pPr lvl="1"/>
             <a:r>
               <a:rPr lang="it-IT" dirty="0"/>
-              <a:t>Efficienza nell'esecuzione dei processi</a:t>
+              <a:t>Multi-Level Feedback Queue (MLFQ)</a:t>
             </a:r>
           </a:p>
-        </p:txBody>
-      </p:sp>
-      <p:sp>
-        <p:nvSpPr>
-          <p:cNvPr id="9" name="Segnaposto testo 8">
-            <a:extLst>
-              <a:ext uri="{FF2B5EF4-FFF2-40B4-BE49-F238E27FC236}">
-                <a16:creationId xmlns:a16="http://schemas.microsoft.com/office/drawing/2014/main" id="{00842FCF-9A2A-27B3-4ED6-BB0713CE4444}"/>
-              </a:ext>
-            </a:extLst>
-          </p:cNvPr>
-          <p:cNvSpPr>
-            <a:spLocks noGrp="1"/>
-          </p:cNvSpPr>
-          <p:nvPr>
-            <p:ph type="body" sz="quarter" idx="3"/>
-          </p:nvPr>
-        </p:nvSpPr>
-        <p:spPr/>
-        <p:txBody>
-          <a:bodyPr/>
-          <a:lstStyle/>
-          <a:p>
+          <a:p>
+            <a:pPr lvl="1"/>
             <a:r>
               <a:rPr lang="it-IT" dirty="0"/>
-              <a:t>PINTOS</a:t>
+              <a:t>Dynamic </a:t>
             </a:r>
-          </a:p>
-        </p:txBody>
-      </p:sp>
-      <p:sp>
-        <p:nvSpPr>
-          <p:cNvPr id="10" name="Segnaposto contenuto 9">
-            <a:extLst>
-              <a:ext uri="{FF2B5EF4-FFF2-40B4-BE49-F238E27FC236}">
-                <a16:creationId xmlns:a16="http://schemas.microsoft.com/office/drawing/2014/main" id="{3CDA2ECB-1671-3745-42C6-213A778ECD29}"/>
-              </a:ext>
-            </a:extLst>
-          </p:cNvPr>
-          <p:cNvSpPr>
-            <a:spLocks noGrp="1"/>
-          </p:cNvSpPr>
-          <p:nvPr>
-            <p:ph sz="quarter" idx="4"/>
-          </p:nvPr>
-        </p:nvSpPr>
-        <p:spPr/>
-        <p:txBody>
-          <a:bodyPr/>
-          <a:lstStyle/>
-          <a:p>
+            <a:r>
+              <a:rPr lang="it-IT" dirty="0" err="1"/>
+              <a:t>Priority</a:t>
+            </a:r>
             <a:r>
               <a:rPr lang="it-IT" dirty="0"/>
-              <a:t>Enfatizzare la fornitura di un'allocazione equa della CPU tra i processi</a:t>
+              <a:t> Scheduling</a:t>
             </a:r>
           </a:p>
           <a:p>
+            <a:pPr lvl="1"/>
             <a:r>
               <a:rPr lang="it-IT" dirty="0"/>
-              <a:t>Massimizzare la responsività del sistema operativo rispetto alle richieste degli utenti</a:t>
+              <a:t>Inverse </a:t>
             </a:r>
-          </a:p>
-          <a:p>
+            <a:r>
+              <a:rPr lang="it-IT" dirty="0" err="1"/>
+              <a:t>Priority</a:t>
+            </a:r>
             <a:r>
               <a:rPr lang="it-IT" dirty="0"/>
-              <a:t>Gestione della modularità</a:t>
+              <a:t> Scheduling</a:t>
             </a:r>
           </a:p>
           <a:p>
             <a:r>
               <a:rPr lang="it-IT" dirty="0"/>
-              <a:t>Efficienza nell'utilizzo delle risorse</a:t>
+              <a:t>Nella versione base, per entrambi i sistemi non esiste il concetto di priorità: tutti i thread sono trattati allo stesso modo</a:t>
             </a:r>
           </a:p>
         </p:txBody>
@@ -5894,173 +10982,7 @@
     </p:spTree>
     <p:extLst>
       <p:ext uri="{BB962C8B-B14F-4D97-AF65-F5344CB8AC3E}">
-        <p14:creationId xmlns:p14="http://schemas.microsoft.com/office/powerpoint/2010/main" val="2070214546"/>
-      </p:ext>
-    </p:extLst>
-  </p:cSld>
-  <p:clrMapOvr>
-    <a:masterClrMapping/>
-  </p:clrMapOvr>
-</p:sld>
-</file>
-
-<file path=ppt/slides/slide6.xml><?xml version="1.0" encoding="utf-8"?>
-<p:sld xmlns:a="http://schemas.openxmlformats.org/drawingml/2006/main" xmlns:r="http://schemas.openxmlformats.org/officeDocument/2006/relationships" xmlns:p="http://schemas.openxmlformats.org/presentationml/2006/main">
-  <p:cSld>
-    <p:spTree>
-      <p:nvGrpSpPr>
-        <p:cNvPr id="1" name=""/>
-        <p:cNvGrpSpPr/>
-        <p:nvPr/>
-      </p:nvGrpSpPr>
-      <p:grpSpPr>
-        <a:xfrm>
-          <a:off x="0" y="0"/>
-          <a:ext cx="0" cy="0"/>
-          <a:chOff x="0" y="0"/>
-          <a:chExt cx="0" cy="0"/>
-        </a:xfrm>
-      </p:grpSpPr>
-      <p:sp>
-        <p:nvSpPr>
-          <p:cNvPr id="2" name="Titolo 1">
-            <a:extLst>
-              <a:ext uri="{FF2B5EF4-FFF2-40B4-BE49-F238E27FC236}">
-                <a16:creationId xmlns:a16="http://schemas.microsoft.com/office/drawing/2014/main" id="{69441F67-1949-8EC8-EB98-85670AC3670C}"/>
-              </a:ext>
-            </a:extLst>
-          </p:cNvPr>
-          <p:cNvSpPr>
-            <a:spLocks noGrp="1"/>
-          </p:cNvSpPr>
-          <p:nvPr>
-            <p:ph type="title"/>
-          </p:nvPr>
-        </p:nvSpPr>
-        <p:spPr/>
-        <p:txBody>
-          <a:bodyPr>
-            <a:normAutofit/>
-          </a:bodyPr>
-          <a:lstStyle/>
-          <a:p>
-            <a:r>
-              <a:rPr lang="it-IT" dirty="0"/>
-              <a:t>Scheduling: Politiche di scheduling</a:t>
-            </a:r>
-          </a:p>
-        </p:txBody>
-      </p:sp>
-      <p:sp>
-        <p:nvSpPr>
-          <p:cNvPr id="4" name="Segnaposto testo 3">
-            <a:extLst>
-              <a:ext uri="{FF2B5EF4-FFF2-40B4-BE49-F238E27FC236}">
-                <a16:creationId xmlns:a16="http://schemas.microsoft.com/office/drawing/2014/main" id="{3484543A-BB31-0207-182F-1F1C206F0C68}"/>
-              </a:ext>
-            </a:extLst>
-          </p:cNvPr>
-          <p:cNvSpPr>
-            <a:spLocks noGrp="1"/>
-          </p:cNvSpPr>
-          <p:nvPr>
-            <p:ph type="body" idx="1"/>
-          </p:nvPr>
-        </p:nvSpPr>
-        <p:spPr/>
-        <p:txBody>
-          <a:bodyPr/>
-          <a:lstStyle/>
-          <a:p>
-            <a:r>
-              <a:rPr lang="it-IT" dirty="0"/>
-              <a:t>OS161</a:t>
-            </a:r>
-          </a:p>
-        </p:txBody>
-      </p:sp>
-      <p:sp>
-        <p:nvSpPr>
-          <p:cNvPr id="8" name="Segnaposto contenuto 7">
-            <a:extLst>
-              <a:ext uri="{FF2B5EF4-FFF2-40B4-BE49-F238E27FC236}">
-                <a16:creationId xmlns:a16="http://schemas.microsoft.com/office/drawing/2014/main" id="{A1E5DF89-94E7-98C4-F563-B3A43317A1CE}"/>
-              </a:ext>
-            </a:extLst>
-          </p:cNvPr>
-          <p:cNvSpPr>
-            <a:spLocks noGrp="1"/>
-          </p:cNvSpPr>
-          <p:nvPr>
-            <p:ph sz="half" idx="2"/>
-          </p:nvPr>
-        </p:nvSpPr>
-        <p:spPr/>
-        <p:txBody>
-          <a:bodyPr/>
-          <a:lstStyle/>
-          <a:p>
-            <a:endParaRPr lang="it-IT"/>
-          </a:p>
-        </p:txBody>
-      </p:sp>
-      <p:sp>
-        <p:nvSpPr>
-          <p:cNvPr id="9" name="Segnaposto testo 8">
-            <a:extLst>
-              <a:ext uri="{FF2B5EF4-FFF2-40B4-BE49-F238E27FC236}">
-                <a16:creationId xmlns:a16="http://schemas.microsoft.com/office/drawing/2014/main" id="{00842FCF-9A2A-27B3-4ED6-BB0713CE4444}"/>
-              </a:ext>
-            </a:extLst>
-          </p:cNvPr>
-          <p:cNvSpPr>
-            <a:spLocks noGrp="1"/>
-          </p:cNvSpPr>
-          <p:nvPr>
-            <p:ph type="body" sz="quarter" idx="3"/>
-          </p:nvPr>
-        </p:nvSpPr>
-        <p:spPr/>
-        <p:txBody>
-          <a:bodyPr/>
-          <a:lstStyle/>
-          <a:p>
-            <a:r>
-              <a:rPr lang="it-IT" dirty="0"/>
-              <a:t>PINTOS</a:t>
-            </a:r>
-          </a:p>
-        </p:txBody>
-      </p:sp>
-      <p:sp>
-        <p:nvSpPr>
-          <p:cNvPr id="10" name="Segnaposto contenuto 9">
-            <a:extLst>
-              <a:ext uri="{FF2B5EF4-FFF2-40B4-BE49-F238E27FC236}">
-                <a16:creationId xmlns:a16="http://schemas.microsoft.com/office/drawing/2014/main" id="{3CDA2ECB-1671-3745-42C6-213A778ECD29}"/>
-              </a:ext>
-            </a:extLst>
-          </p:cNvPr>
-          <p:cNvSpPr>
-            <a:spLocks noGrp="1"/>
-          </p:cNvSpPr>
-          <p:nvPr>
-            <p:ph sz="quarter" idx="4"/>
-          </p:nvPr>
-        </p:nvSpPr>
-        <p:spPr/>
-        <p:txBody>
-          <a:bodyPr/>
-          <a:lstStyle/>
-          <a:p>
-            <a:endParaRPr lang="it-IT"/>
-          </a:p>
-        </p:txBody>
-      </p:sp>
-    </p:spTree>
-    <p:extLst>
-      <p:ext uri="{BB962C8B-B14F-4D97-AF65-F5344CB8AC3E}">
-        <p14:creationId xmlns:p14="http://schemas.microsoft.com/office/powerpoint/2010/main" val="1934289931"/>
+        <p14:creationId xmlns:p14="http://schemas.microsoft.com/office/powerpoint/2010/main" val="4234205539"/>
       </p:ext>
     </p:extLst>
   </p:cSld>
@@ -6147,31 +11069,6 @@
       </p:sp>
       <p:sp>
         <p:nvSpPr>
-          <p:cNvPr id="8" name="Segnaposto contenuto 7">
-            <a:extLst>
-              <a:ext uri="{FF2B5EF4-FFF2-40B4-BE49-F238E27FC236}">
-                <a16:creationId xmlns:a16="http://schemas.microsoft.com/office/drawing/2014/main" id="{A1E5DF89-94E7-98C4-F563-B3A43317A1CE}"/>
-              </a:ext>
-            </a:extLst>
-          </p:cNvPr>
-          <p:cNvSpPr>
-            <a:spLocks noGrp="1"/>
-          </p:cNvSpPr>
-          <p:nvPr>
-            <p:ph sz="half" idx="2"/>
-          </p:nvPr>
-        </p:nvSpPr>
-        <p:spPr/>
-        <p:txBody>
-          <a:bodyPr/>
-          <a:lstStyle/>
-          <a:p>
-            <a:endParaRPr lang="it-IT"/>
-          </a:p>
-        </p:txBody>
-      </p:sp>
-      <p:sp>
-        <p:nvSpPr>
           <p:cNvPr id="9" name="Segnaposto testo 8">
             <a:extLst>
               <a:ext uri="{FF2B5EF4-FFF2-40B4-BE49-F238E27FC236}">
@@ -6200,10 +11097,35 @@
       </p:sp>
       <p:sp>
         <p:nvSpPr>
-          <p:cNvPr id="10" name="Segnaposto contenuto 9">
+          <p:cNvPr id="52" name="Segnaposto contenuto 51">
             <a:extLst>
               <a:ext uri="{FF2B5EF4-FFF2-40B4-BE49-F238E27FC236}">
-                <a16:creationId xmlns:a16="http://schemas.microsoft.com/office/drawing/2014/main" id="{3CDA2ECB-1671-3745-42C6-213A778ECD29}"/>
+                <a16:creationId xmlns:a16="http://schemas.microsoft.com/office/drawing/2014/main" id="{14F7706B-19F5-94C1-9FA4-C111D728F11F}"/>
+              </a:ext>
+            </a:extLst>
+          </p:cNvPr>
+          <p:cNvSpPr>
+            <a:spLocks noGrp="1"/>
+          </p:cNvSpPr>
+          <p:nvPr>
+            <p:ph sz="half" idx="2"/>
+          </p:nvPr>
+        </p:nvSpPr>
+        <p:spPr/>
+        <p:txBody>
+          <a:bodyPr/>
+          <a:lstStyle/>
+          <a:p>
+            <a:endParaRPr lang="it-IT"/>
+          </a:p>
+        </p:txBody>
+      </p:sp>
+      <p:sp>
+        <p:nvSpPr>
+          <p:cNvPr id="54" name="Segnaposto contenuto 53">
+            <a:extLst>
+              <a:ext uri="{FF2B5EF4-FFF2-40B4-BE49-F238E27FC236}">
+                <a16:creationId xmlns:a16="http://schemas.microsoft.com/office/drawing/2014/main" id="{3ADCFF71-E1B3-CDF5-7D1F-977769298FA3}"/>
               </a:ext>
             </a:extLst>
           </p:cNvPr>
@@ -6277,9 +11199,26 @@
           <a:lstStyle/>
           <a:p>
             <a:r>
+              <a:rPr lang="it-IT" dirty="0" err="1"/>
+              <a:t>Paging</a:t>
+            </a:r>
+            <a:r>
               <a:rPr lang="it-IT" dirty="0"/>
-              <a:t>Scheduling: Gestione delle priorità</a:t>
+              <a:t> e </a:t>
             </a:r>
+            <a:r>
+              <a:rPr lang="it-IT" dirty="0" err="1"/>
+              <a:t>virtual</a:t>
+            </a:r>
+            <a:r>
+              <a:rPr lang="it-IT" dirty="0"/>
+              <a:t> </a:t>
+            </a:r>
+            <a:r>
+              <a:rPr lang="it-IT" dirty="0" err="1"/>
+              <a:t>memory</a:t>
+            </a:r>
+            <a:endParaRPr lang="it-IT" dirty="0"/>
           </a:p>
         </p:txBody>
       </p:sp>
@@ -6392,7 +11331,7 @@
     </p:spTree>
     <p:extLst>
       <p:ext uri="{BB962C8B-B14F-4D97-AF65-F5344CB8AC3E}">
-        <p14:creationId xmlns:p14="http://schemas.microsoft.com/office/powerpoint/2010/main" val="1587832053"/>
+        <p14:creationId xmlns:p14="http://schemas.microsoft.com/office/powerpoint/2010/main" val="1787713386"/>
       </p:ext>
     </p:extLst>
   </p:cSld>
@@ -6444,7 +11383,7 @@
           <a:p>
             <a:r>
               <a:rPr lang="it-IT" dirty="0"/>
-              <a:t>Scheduling: Gestione delle interruzioni</a:t>
+              <a:t>Meccanismi di sincronizzazione</a:t>
             </a:r>
           </a:p>
         </p:txBody>
@@ -6558,7 +11497,7 @@
     </p:spTree>
     <p:extLst>
       <p:ext uri="{BB962C8B-B14F-4D97-AF65-F5344CB8AC3E}">
-        <p14:creationId xmlns:p14="http://schemas.microsoft.com/office/powerpoint/2010/main" val="1764962512"/>
+        <p14:creationId xmlns:p14="http://schemas.microsoft.com/office/powerpoint/2010/main" val="151468646"/>
       </p:ext>
     </p:extLst>
   </p:cSld>
@@ -6571,7 +11510,7 @@
 <file path=ppt/theme/theme1.xml><?xml version="1.0" encoding="utf-8"?>
 <a:theme xmlns:a="http://schemas.openxmlformats.org/drawingml/2006/main" name="Dividendi">
   <a:themeElements>
-    <a:clrScheme name="Dividendi">
+    <a:clrScheme name="Office">
       <a:dk1>
         <a:sysClr val="windowText" lastClr="000000"/>
       </a:dk1>
@@ -6579,34 +11518,34 @@
         <a:sysClr val="window" lastClr="FFFFFF"/>
       </a:lt1>
       <a:dk2>
-        <a:srgbClr val="3D3D3D"/>
+        <a:srgbClr val="0E2841"/>
       </a:dk2>
       <a:lt2>
-        <a:srgbClr val="EBEBEB"/>
+        <a:srgbClr val="E8E8E8"/>
       </a:lt2>
       <a:accent1>
-        <a:srgbClr val="1A3260"/>
+        <a:srgbClr val="156082"/>
       </a:accent1>
       <a:accent2>
-        <a:srgbClr val="4590B8"/>
+        <a:srgbClr val="E97132"/>
       </a:accent2>
       <a:accent3>
-        <a:srgbClr val="45CBE8"/>
+        <a:srgbClr val="196B24"/>
       </a:accent3>
       <a:accent4>
-        <a:srgbClr val="969FA7"/>
+        <a:srgbClr val="0F9ED5"/>
       </a:accent4>
       <a:accent5>
-        <a:srgbClr val="A2C777"/>
+        <a:srgbClr val="A02B93"/>
       </a:accent5>
       <a:accent6>
-        <a:srgbClr val="42955F"/>
+        <a:srgbClr val="4EA72E"/>
       </a:accent6>
       <a:hlink>
-        <a:srgbClr val="828282"/>
+        <a:srgbClr val="467886"/>
       </a:hlink>
       <a:folHlink>
-        <a:srgbClr val="A5A5A5"/>
+        <a:srgbClr val="96607D"/>
       </a:folHlink>
     </a:clrScheme>
     <a:fontScheme name="Dividendi">

--- a/Progetto_SO.pptx
+++ b/Progetto_SO.pptx
@@ -11,9 +11,11 @@
     <p:sldId id="257" r:id="rId5"/>
     <p:sldId id="283" r:id="rId6"/>
     <p:sldId id="271" r:id="rId7"/>
-    <p:sldId id="269" r:id="rId8"/>
-    <p:sldId id="273" r:id="rId9"/>
-    <p:sldId id="279" r:id="rId10"/>
+    <p:sldId id="285" r:id="rId8"/>
+    <p:sldId id="269" r:id="rId9"/>
+    <p:sldId id="273" r:id="rId10"/>
+    <p:sldId id="279" r:id="rId11"/>
+    <p:sldId id="284" r:id="rId12"/>
   </p:sldIdLst>
   <p:sldSz cx="12192000" cy="6858000"/>
   <p:notesSz cx="6858000" cy="9144000"/>
@@ -1981,6 +1983,11 @@
         <a:bodyPr/>
         <a:lstStyle/>
         <a:p>
+          <a:pPr>
+            <a:lnSpc>
+              <a:spcPct val="100000"/>
+            </a:lnSpc>
+          </a:pPr>
           <a:r>
             <a:rPr lang="it-IT" dirty="0"/>
             <a:t>Il sistema operativo scelto è </a:t>
@@ -2022,6 +2029,11 @@
         <a:bodyPr/>
         <a:lstStyle/>
         <a:p>
+          <a:pPr>
+            <a:lnSpc>
+              <a:spcPct val="100000"/>
+            </a:lnSpc>
+          </a:pPr>
           <a:r>
             <a:rPr lang="it-IT" dirty="0"/>
             <a:t>SO didattico open source con architettura x86</a:t>
@@ -2059,6 +2071,11 @@
         <a:bodyPr/>
         <a:lstStyle/>
         <a:p>
+          <a:pPr>
+            <a:lnSpc>
+              <a:spcPct val="100000"/>
+            </a:lnSpc>
+          </a:pPr>
           <a:r>
             <a:rPr lang="it-IT"/>
             <a:t>Sviluppato dall'università di Stanford nel 2004</a:t>
@@ -2096,6 +2113,11 @@
         <a:bodyPr/>
         <a:lstStyle/>
         <a:p>
+          <a:pPr>
+            <a:lnSpc>
+              <a:spcPct val="100000"/>
+            </a:lnSpc>
+          </a:pPr>
           <a:r>
             <a:rPr lang="it-IT"/>
             <a:t>Successore di NachOS, è Unix-like</a:t>
@@ -2329,34 +2351,34 @@
     </dgm:pt>
   </dgm:ptLst>
   <dgm:cxnLst>
-    <dgm:cxn modelId="{59287E00-5378-4DAB-BE80-D7E12394EF0C}" type="presOf" srcId="{F01BB61A-71CA-4457-AD4B-FA8DC814E8C2}" destId="{C204F717-666B-49FE-A5B4-66391F2BE60C}" srcOrd="0" destOrd="0" presId="urn:microsoft.com/office/officeart/2018/2/layout/IconLabelList"/>
+    <dgm:cxn modelId="{BFCE432D-B670-4C63-A50E-32B5F94FB4C8}" type="presOf" srcId="{0B07FC8B-0862-4B53-99A0-BFBA00ACBD30}" destId="{E116D781-02DD-4D6C-9444-55A5FF0869FC}" srcOrd="0" destOrd="0" presId="urn:microsoft.com/office/officeart/2018/2/layout/IconLabelList"/>
     <dgm:cxn modelId="{E6BB1E30-3C62-4578-94C9-6AD6755AB1FD}" srcId="{9C40EDFB-5337-4B6D-AE93-0FD9D2CD7AC2}" destId="{F01BB61A-71CA-4457-AD4B-FA8DC814E8C2}" srcOrd="1" destOrd="0" parTransId="{31C1F002-CFAC-4891-8BC6-BB11B7F9EAA7}" sibTransId="{ACAB3666-9E3E-426B-8EE8-0574C334ECDF}"/>
     <dgm:cxn modelId="{3D94467A-2543-4E79-9808-8D1F954DF2EB}" srcId="{9C40EDFB-5337-4B6D-AE93-0FD9D2CD7AC2}" destId="{0B07FC8B-0862-4B53-99A0-BFBA00ACBD30}" srcOrd="2" destOrd="0" parTransId="{6A46DE93-8A96-4A86-BD43-EF218A2B5B3E}" sibTransId="{F64E48DD-BA2D-4C77-B9ED-5AA9E534135F}"/>
+    <dgm:cxn modelId="{2A87E283-C63B-48D9-AEF7-6B2B074CCDBC}" type="presOf" srcId="{F01BB61A-71CA-4457-AD4B-FA8DC814E8C2}" destId="{C204F717-666B-49FE-A5B4-66391F2BE60C}" srcOrd="0" destOrd="0" presId="urn:microsoft.com/office/officeart/2018/2/layout/IconLabelList"/>
     <dgm:cxn modelId="{4E66B194-3B50-4452-BC87-DAF161303C17}" srcId="{9C40EDFB-5337-4B6D-AE93-0FD9D2CD7AC2}" destId="{035F6DB3-A59F-48A4-8F30-3D4C1609C5DF}" srcOrd="3" destOrd="0" parTransId="{4115F502-1BA2-4CB0-BBC3-6C9ADD73B26D}" sibTransId="{CE171A72-639F-4778-B1C2-112B96509DB7}"/>
-    <dgm:cxn modelId="{B863D6BB-9A84-4FDD-B3D3-F7342A2B21CB}" type="presOf" srcId="{8F010482-34D7-4293-9396-3ACEBA8B9EAC}" destId="{77EAABD5-B4FD-460E-8E8C-4BE8AD3ACA77}" srcOrd="0" destOrd="0" presId="urn:microsoft.com/office/officeart/2018/2/layout/IconLabelList"/>
-    <dgm:cxn modelId="{3C0083C9-BD44-4EB2-9355-38B29CCD6ACA}" type="presOf" srcId="{0B07FC8B-0862-4B53-99A0-BFBA00ACBD30}" destId="{E116D781-02DD-4D6C-9444-55A5FF0869FC}" srcOrd="0" destOrd="0" presId="urn:microsoft.com/office/officeart/2018/2/layout/IconLabelList"/>
-    <dgm:cxn modelId="{3CD376E0-D3F0-41FA-A7CB-9ADA882B8BC3}" type="presOf" srcId="{9C40EDFB-5337-4B6D-AE93-0FD9D2CD7AC2}" destId="{82354FB9-E6AF-4B82-9797-AA774E713873}" srcOrd="0" destOrd="0" presId="urn:microsoft.com/office/officeart/2018/2/layout/IconLabelList"/>
+    <dgm:cxn modelId="{3CC15D9A-DC0B-49E7-94C5-4BBDD4195B6E}" type="presOf" srcId="{9C40EDFB-5337-4B6D-AE93-0FD9D2CD7AC2}" destId="{82354FB9-E6AF-4B82-9797-AA774E713873}" srcOrd="0" destOrd="0" presId="urn:microsoft.com/office/officeart/2018/2/layout/IconLabelList"/>
+    <dgm:cxn modelId="{867A9FA1-5C8C-4ADB-BC0C-172440847ABC}" type="presOf" srcId="{8F010482-34D7-4293-9396-3ACEBA8B9EAC}" destId="{77EAABD5-B4FD-460E-8E8C-4BE8AD3ACA77}" srcOrd="0" destOrd="0" presId="urn:microsoft.com/office/officeart/2018/2/layout/IconLabelList"/>
+    <dgm:cxn modelId="{1DC244BC-77EC-4372-BC47-128601F04C06}" type="presOf" srcId="{035F6DB3-A59F-48A4-8F30-3D4C1609C5DF}" destId="{923536FA-8970-4EA2-A3D8-80288F2D9C20}" srcOrd="0" destOrd="0" presId="urn:microsoft.com/office/officeart/2018/2/layout/IconLabelList"/>
     <dgm:cxn modelId="{3AB157E1-2D32-4317-BCDA-654694AA72B1}" srcId="{9C40EDFB-5337-4B6D-AE93-0FD9D2CD7AC2}" destId="{8F010482-34D7-4293-9396-3ACEBA8B9EAC}" srcOrd="0" destOrd="0" parTransId="{D2AB1506-5C7F-44CF-8D1F-FD401F6229F4}" sibTransId="{ACC8F12C-944A-438D-AAB5-A1B007999BC0}"/>
-    <dgm:cxn modelId="{80303FEE-5C3A-4221-9441-4A4E39C83D54}" type="presOf" srcId="{035F6DB3-A59F-48A4-8F30-3D4C1609C5DF}" destId="{923536FA-8970-4EA2-A3D8-80288F2D9C20}" srcOrd="0" destOrd="0" presId="urn:microsoft.com/office/officeart/2018/2/layout/IconLabelList"/>
-    <dgm:cxn modelId="{3E2C76A1-4D35-4164-A8C1-ED5D6F1D7EB3}" type="presParOf" srcId="{82354FB9-E6AF-4B82-9797-AA774E713873}" destId="{4293FAEF-38B5-4AE8-9E41-EE1E7884BAC3}" srcOrd="0" destOrd="0" presId="urn:microsoft.com/office/officeart/2018/2/layout/IconLabelList"/>
-    <dgm:cxn modelId="{D5158006-6120-44C1-9E33-2CD380B31CEB}" type="presParOf" srcId="{4293FAEF-38B5-4AE8-9E41-EE1E7884BAC3}" destId="{E24B070D-49C3-4DF2-B6E6-A6E7E0B3398C}" srcOrd="0" destOrd="0" presId="urn:microsoft.com/office/officeart/2018/2/layout/IconLabelList"/>
-    <dgm:cxn modelId="{23B1A8B9-8291-46A8-BB8A-6BA1FB65E78E}" type="presParOf" srcId="{4293FAEF-38B5-4AE8-9E41-EE1E7884BAC3}" destId="{0B5F4DAC-8705-488D-B47B-50EA6417C009}" srcOrd="1" destOrd="0" presId="urn:microsoft.com/office/officeart/2018/2/layout/IconLabelList"/>
-    <dgm:cxn modelId="{FC08FB84-B6F8-47FC-B835-E01AE5745087}" type="presParOf" srcId="{4293FAEF-38B5-4AE8-9E41-EE1E7884BAC3}" destId="{77EAABD5-B4FD-460E-8E8C-4BE8AD3ACA77}" srcOrd="2" destOrd="0" presId="urn:microsoft.com/office/officeart/2018/2/layout/IconLabelList"/>
-    <dgm:cxn modelId="{7E774331-8C51-4128-9895-CE22FF5DD39D}" type="presParOf" srcId="{82354FB9-E6AF-4B82-9797-AA774E713873}" destId="{28A54986-373E-431C-9E0D-E4B0D7871AEA}" srcOrd="1" destOrd="0" presId="urn:microsoft.com/office/officeart/2018/2/layout/IconLabelList"/>
-    <dgm:cxn modelId="{E0CDEF2E-D105-4BDE-9FF2-7384721259FF}" type="presParOf" srcId="{82354FB9-E6AF-4B82-9797-AA774E713873}" destId="{74EABE6C-127D-4F60-80C5-DD9F32047CA4}" srcOrd="2" destOrd="0" presId="urn:microsoft.com/office/officeart/2018/2/layout/IconLabelList"/>
-    <dgm:cxn modelId="{70F1F9FA-8EE1-44E7-B16D-21910DBD8740}" type="presParOf" srcId="{74EABE6C-127D-4F60-80C5-DD9F32047CA4}" destId="{350A006C-7A20-4325-B000-297E546AF9BB}" srcOrd="0" destOrd="0" presId="urn:microsoft.com/office/officeart/2018/2/layout/IconLabelList"/>
-    <dgm:cxn modelId="{2B00F1B8-BC4E-4BFD-9376-26B1F6145948}" type="presParOf" srcId="{74EABE6C-127D-4F60-80C5-DD9F32047CA4}" destId="{A36C6BC9-5F76-449F-BF5B-9C1B732484BA}" srcOrd="1" destOrd="0" presId="urn:microsoft.com/office/officeart/2018/2/layout/IconLabelList"/>
-    <dgm:cxn modelId="{3538ABE1-525A-47EA-A431-3DD04A73D419}" type="presParOf" srcId="{74EABE6C-127D-4F60-80C5-DD9F32047CA4}" destId="{C204F717-666B-49FE-A5B4-66391F2BE60C}" srcOrd="2" destOrd="0" presId="urn:microsoft.com/office/officeart/2018/2/layout/IconLabelList"/>
-    <dgm:cxn modelId="{6CB0943F-B6E3-4F4B-9F75-526C98BE627C}" type="presParOf" srcId="{82354FB9-E6AF-4B82-9797-AA774E713873}" destId="{FB7BF9FA-3396-436E-9B74-F638884AAFBD}" srcOrd="3" destOrd="0" presId="urn:microsoft.com/office/officeart/2018/2/layout/IconLabelList"/>
-    <dgm:cxn modelId="{0B842D5D-231E-4F41-BF60-B6732A1D5A1B}" type="presParOf" srcId="{82354FB9-E6AF-4B82-9797-AA774E713873}" destId="{21B7A3A9-B41B-4024-BD14-5538C3FA0C4D}" srcOrd="4" destOrd="0" presId="urn:microsoft.com/office/officeart/2018/2/layout/IconLabelList"/>
-    <dgm:cxn modelId="{B56632A7-A8AA-416C-BE27-AED27F711712}" type="presParOf" srcId="{21B7A3A9-B41B-4024-BD14-5538C3FA0C4D}" destId="{5C99974A-8CBB-49B7-9295-7CA8D2565B23}" srcOrd="0" destOrd="0" presId="urn:microsoft.com/office/officeart/2018/2/layout/IconLabelList"/>
-    <dgm:cxn modelId="{7817C2F2-BB82-408B-B150-974E3B73E103}" type="presParOf" srcId="{21B7A3A9-B41B-4024-BD14-5538C3FA0C4D}" destId="{3B4CE93E-9C4D-4F5C-B54F-275822714C15}" srcOrd="1" destOrd="0" presId="urn:microsoft.com/office/officeart/2018/2/layout/IconLabelList"/>
-    <dgm:cxn modelId="{23B64926-2196-45EE-BDC6-5EF355E04200}" type="presParOf" srcId="{21B7A3A9-B41B-4024-BD14-5538C3FA0C4D}" destId="{E116D781-02DD-4D6C-9444-55A5FF0869FC}" srcOrd="2" destOrd="0" presId="urn:microsoft.com/office/officeart/2018/2/layout/IconLabelList"/>
-    <dgm:cxn modelId="{1800BC8E-CE5A-4379-A1E3-441D8120B06E}" type="presParOf" srcId="{82354FB9-E6AF-4B82-9797-AA774E713873}" destId="{92017A6D-1C2E-4E50-A336-370EA20A56B1}" srcOrd="5" destOrd="0" presId="urn:microsoft.com/office/officeart/2018/2/layout/IconLabelList"/>
-    <dgm:cxn modelId="{21D94339-3F2B-4A29-A13E-F81CB2AFBB4F}" type="presParOf" srcId="{82354FB9-E6AF-4B82-9797-AA774E713873}" destId="{669E0B73-050C-4BA7-9B4B-19A22C8BC5C0}" srcOrd="6" destOrd="0" presId="urn:microsoft.com/office/officeart/2018/2/layout/IconLabelList"/>
-    <dgm:cxn modelId="{F56A4D53-787A-4190-A013-61F09E99072D}" type="presParOf" srcId="{669E0B73-050C-4BA7-9B4B-19A22C8BC5C0}" destId="{6F70BABB-E6EA-4717-B2D6-10AC60174FF5}" srcOrd="0" destOrd="0" presId="urn:microsoft.com/office/officeart/2018/2/layout/IconLabelList"/>
-    <dgm:cxn modelId="{B358A5A4-2591-41FE-AAA8-54B53AD9DEB1}" type="presParOf" srcId="{669E0B73-050C-4BA7-9B4B-19A22C8BC5C0}" destId="{2BD6B652-C00E-4807-99AD-CF5B5121C819}" srcOrd="1" destOrd="0" presId="urn:microsoft.com/office/officeart/2018/2/layout/IconLabelList"/>
-    <dgm:cxn modelId="{64C0477E-94DF-4E9C-965E-5DA762D13F9F}" type="presParOf" srcId="{669E0B73-050C-4BA7-9B4B-19A22C8BC5C0}" destId="{923536FA-8970-4EA2-A3D8-80288F2D9C20}" srcOrd="2" destOrd="0" presId="urn:microsoft.com/office/officeart/2018/2/layout/IconLabelList"/>
+    <dgm:cxn modelId="{2D2B0D76-C3F0-4A82-A3F3-6AFAB4367AED}" type="presParOf" srcId="{82354FB9-E6AF-4B82-9797-AA774E713873}" destId="{4293FAEF-38B5-4AE8-9E41-EE1E7884BAC3}" srcOrd="0" destOrd="0" presId="urn:microsoft.com/office/officeart/2018/2/layout/IconLabelList"/>
+    <dgm:cxn modelId="{55477165-FE72-4BE3-9421-185DCF54C192}" type="presParOf" srcId="{4293FAEF-38B5-4AE8-9E41-EE1E7884BAC3}" destId="{E24B070D-49C3-4DF2-B6E6-A6E7E0B3398C}" srcOrd="0" destOrd="0" presId="urn:microsoft.com/office/officeart/2018/2/layout/IconLabelList"/>
+    <dgm:cxn modelId="{22299923-8140-4E20-8E3F-04ADE33FEC08}" type="presParOf" srcId="{4293FAEF-38B5-4AE8-9E41-EE1E7884BAC3}" destId="{0B5F4DAC-8705-488D-B47B-50EA6417C009}" srcOrd="1" destOrd="0" presId="urn:microsoft.com/office/officeart/2018/2/layout/IconLabelList"/>
+    <dgm:cxn modelId="{888F5F09-CB7B-4978-A0DD-19556051195C}" type="presParOf" srcId="{4293FAEF-38B5-4AE8-9E41-EE1E7884BAC3}" destId="{77EAABD5-B4FD-460E-8E8C-4BE8AD3ACA77}" srcOrd="2" destOrd="0" presId="urn:microsoft.com/office/officeart/2018/2/layout/IconLabelList"/>
+    <dgm:cxn modelId="{39B3F100-0294-4918-A542-5F34E6FDD2AC}" type="presParOf" srcId="{82354FB9-E6AF-4B82-9797-AA774E713873}" destId="{28A54986-373E-431C-9E0D-E4B0D7871AEA}" srcOrd="1" destOrd="0" presId="urn:microsoft.com/office/officeart/2018/2/layout/IconLabelList"/>
+    <dgm:cxn modelId="{2F9F883B-F8E3-465C-B63E-4CDE3D8435E5}" type="presParOf" srcId="{82354FB9-E6AF-4B82-9797-AA774E713873}" destId="{74EABE6C-127D-4F60-80C5-DD9F32047CA4}" srcOrd="2" destOrd="0" presId="urn:microsoft.com/office/officeart/2018/2/layout/IconLabelList"/>
+    <dgm:cxn modelId="{2B523F56-57D9-4519-BE3B-5815F0F1F1B3}" type="presParOf" srcId="{74EABE6C-127D-4F60-80C5-DD9F32047CA4}" destId="{350A006C-7A20-4325-B000-297E546AF9BB}" srcOrd="0" destOrd="0" presId="urn:microsoft.com/office/officeart/2018/2/layout/IconLabelList"/>
+    <dgm:cxn modelId="{DF53ED6D-BB53-4177-97EF-472317829C16}" type="presParOf" srcId="{74EABE6C-127D-4F60-80C5-DD9F32047CA4}" destId="{A36C6BC9-5F76-449F-BF5B-9C1B732484BA}" srcOrd="1" destOrd="0" presId="urn:microsoft.com/office/officeart/2018/2/layout/IconLabelList"/>
+    <dgm:cxn modelId="{7EF8A472-8C93-4698-B271-2DC421AD302C}" type="presParOf" srcId="{74EABE6C-127D-4F60-80C5-DD9F32047CA4}" destId="{C204F717-666B-49FE-A5B4-66391F2BE60C}" srcOrd="2" destOrd="0" presId="urn:microsoft.com/office/officeart/2018/2/layout/IconLabelList"/>
+    <dgm:cxn modelId="{7623B005-2A3B-4B51-A626-95F8EA208962}" type="presParOf" srcId="{82354FB9-E6AF-4B82-9797-AA774E713873}" destId="{FB7BF9FA-3396-436E-9B74-F638884AAFBD}" srcOrd="3" destOrd="0" presId="urn:microsoft.com/office/officeart/2018/2/layout/IconLabelList"/>
+    <dgm:cxn modelId="{62319EB0-D5C4-4F0E-A3A4-7A4E3953AF9E}" type="presParOf" srcId="{82354FB9-E6AF-4B82-9797-AA774E713873}" destId="{21B7A3A9-B41B-4024-BD14-5538C3FA0C4D}" srcOrd="4" destOrd="0" presId="urn:microsoft.com/office/officeart/2018/2/layout/IconLabelList"/>
+    <dgm:cxn modelId="{4673AE5D-DF8F-41CB-A68D-91DEC0EB81FA}" type="presParOf" srcId="{21B7A3A9-B41B-4024-BD14-5538C3FA0C4D}" destId="{5C99974A-8CBB-49B7-9295-7CA8D2565B23}" srcOrd="0" destOrd="0" presId="urn:microsoft.com/office/officeart/2018/2/layout/IconLabelList"/>
+    <dgm:cxn modelId="{D6968567-872F-4D57-9170-E7530CC34469}" type="presParOf" srcId="{21B7A3A9-B41B-4024-BD14-5538C3FA0C4D}" destId="{3B4CE93E-9C4D-4F5C-B54F-275822714C15}" srcOrd="1" destOrd="0" presId="urn:microsoft.com/office/officeart/2018/2/layout/IconLabelList"/>
+    <dgm:cxn modelId="{D224987D-2C87-4683-A296-A127B254044B}" type="presParOf" srcId="{21B7A3A9-B41B-4024-BD14-5538C3FA0C4D}" destId="{E116D781-02DD-4D6C-9444-55A5FF0869FC}" srcOrd="2" destOrd="0" presId="urn:microsoft.com/office/officeart/2018/2/layout/IconLabelList"/>
+    <dgm:cxn modelId="{4DF85CEE-CEAF-4620-A409-A1EF96A3AB13}" type="presParOf" srcId="{82354FB9-E6AF-4B82-9797-AA774E713873}" destId="{92017A6D-1C2E-4E50-A336-370EA20A56B1}" srcOrd="5" destOrd="0" presId="urn:microsoft.com/office/officeart/2018/2/layout/IconLabelList"/>
+    <dgm:cxn modelId="{B208549A-84EE-46C7-93FA-AFBC3ECF764C}" type="presParOf" srcId="{82354FB9-E6AF-4B82-9797-AA774E713873}" destId="{669E0B73-050C-4BA7-9B4B-19A22C8BC5C0}" srcOrd="6" destOrd="0" presId="urn:microsoft.com/office/officeart/2018/2/layout/IconLabelList"/>
+    <dgm:cxn modelId="{6C6BB585-BCB5-4A74-ADE3-35387DD90130}" type="presParOf" srcId="{669E0B73-050C-4BA7-9B4B-19A22C8BC5C0}" destId="{6F70BABB-E6EA-4717-B2D6-10AC60174FF5}" srcOrd="0" destOrd="0" presId="urn:microsoft.com/office/officeart/2018/2/layout/IconLabelList"/>
+    <dgm:cxn modelId="{201F8826-A0A0-424F-970D-2137BCF3A4BD}" type="presParOf" srcId="{669E0B73-050C-4BA7-9B4B-19A22C8BC5C0}" destId="{2BD6B652-C00E-4807-99AD-CF5B5121C819}" srcOrd="1" destOrd="0" presId="urn:microsoft.com/office/officeart/2018/2/layout/IconLabelList"/>
+    <dgm:cxn modelId="{B508A4AA-CA45-4861-8E2C-180C5B9E88CA}" type="presParOf" srcId="{669E0B73-050C-4BA7-9B4B-19A22C8BC5C0}" destId="{923536FA-8970-4EA2-A3D8-80288F2D9C20}" srcOrd="2" destOrd="0" presId="urn:microsoft.com/office/officeart/2018/2/layout/IconLabelList"/>
   </dgm:cxnLst>
   <dgm:bg/>
   <dgm:whole/>
@@ -2372,7 +2394,7 @@
 <dgm:dataModel xmlns:dgm="http://schemas.openxmlformats.org/drawingml/2006/diagram" xmlns:a="http://schemas.openxmlformats.org/drawingml/2006/main">
   <dgm:ptLst>
     <dgm:pt modelId="{8EB49371-175E-430C-8CED-FF3A00A0A89E}" type="doc">
-      <dgm:prSet loTypeId="urn:microsoft.com/office/officeart/2016/7/layout/BasicLinearProcessNumbered" loCatId="process" qsTypeId="urn:microsoft.com/office/officeart/2005/8/quickstyle/simple1" qsCatId="simple" csTypeId="urn:microsoft.com/office/officeart/2005/8/colors/colorful1" csCatId="colorful"/>
+      <dgm:prSet loTypeId="urn:microsoft.com/office/officeart/2016/7/layout/BasicLinearProcessNumbered" loCatId="process" qsTypeId="urn:microsoft.com/office/officeart/2005/8/quickstyle/simple1" qsCatId="simple" csTypeId="urn:microsoft.com/office/officeart/2005/8/colors/colorful1" csCatId="colorful" phldr="1"/>
       <dgm:spPr/>
       <dgm:t>
         <a:bodyPr/>
@@ -2390,10 +2412,10 @@
         <a:lstStyle/>
         <a:p>
           <a:r>
-            <a:rPr lang="it-IT"/>
+            <a:rPr lang="it-IT" dirty="0"/>
             <a:t>Sono fondamentali per l'interazione tra i programmi utente e il kernel di un sistema operativo</a:t>
           </a:r>
-          <a:endParaRPr lang="en-US"/>
+          <a:endParaRPr lang="en-US" dirty="0"/>
         </a:p>
       </dgm:t>
     </dgm:pt>
@@ -2470,10 +2492,10 @@
         <a:lstStyle/>
         <a:p>
           <a:r>
-            <a:rPr lang="it-IT"/>
-            <a:t>Alcune di esse sono state implementate nella sezione II del progetto</a:t>
+            <a:rPr lang="it-IT" dirty="0"/>
+            <a:t>Alcune di esse sono state implementate nella seconda parte del progetto</a:t>
           </a:r>
-          <a:endParaRPr lang="en-US"/>
+          <a:endParaRPr lang="en-US" dirty="0"/>
         </a:p>
       </dgm:t>
     </dgm:pt>
@@ -2761,9 +2783,9 @@
         </a:bodyPr>
         <a:lstStyle/>
         <a:p>
-          <a:pPr marL="0" lvl="0" indent="0" algn="ctr" defTabSz="800100">
+          <a:pPr marL="0" lvl="0" indent="0" algn="ctr" defTabSz="755650">
             <a:lnSpc>
-              <a:spcPct val="90000"/>
+              <a:spcPct val="100000"/>
             </a:lnSpc>
             <a:spcBef>
               <a:spcPct val="0"/>
@@ -2774,14 +2796,14 @@
             <a:buNone/>
           </a:pPr>
           <a:r>
-            <a:rPr lang="it-IT" sz="1800" kern="1200" dirty="0"/>
+            <a:rPr lang="it-IT" sz="1700" kern="1200" dirty="0"/>
             <a:t>Il sistema operativo scelto è </a:t>
           </a:r>
           <a:r>
-            <a:rPr lang="it-IT" sz="1800" kern="1200" dirty="0" err="1"/>
+            <a:rPr lang="it-IT" sz="1700" kern="1200" dirty="0" err="1"/>
             <a:t>PintOS</a:t>
           </a:r>
-          <a:endParaRPr lang="en-US" sz="1800" kern="1200" dirty="0"/>
+          <a:endParaRPr lang="en-US" sz="1700" kern="1200" dirty="0"/>
         </a:p>
       </dsp:txBody>
       <dsp:txXfrm>
@@ -2875,9 +2897,9 @@
         </a:bodyPr>
         <a:lstStyle/>
         <a:p>
-          <a:pPr marL="0" lvl="0" indent="0" algn="ctr" defTabSz="800100">
+          <a:pPr marL="0" lvl="0" indent="0" algn="ctr" defTabSz="755650">
             <a:lnSpc>
-              <a:spcPct val="90000"/>
+              <a:spcPct val="100000"/>
             </a:lnSpc>
             <a:spcBef>
               <a:spcPct val="0"/>
@@ -2888,10 +2910,10 @@
             <a:buNone/>
           </a:pPr>
           <a:r>
-            <a:rPr lang="it-IT" sz="1800" kern="1200" dirty="0"/>
+            <a:rPr lang="it-IT" sz="1700" kern="1200" dirty="0"/>
             <a:t>SO didattico open source con architettura x86</a:t>
           </a:r>
-          <a:endParaRPr lang="en-US" sz="1800" kern="1200" dirty="0"/>
+          <a:endParaRPr lang="en-US" sz="1700" kern="1200" dirty="0"/>
         </a:p>
       </dsp:txBody>
       <dsp:txXfrm>
@@ -2985,9 +3007,9 @@
         </a:bodyPr>
         <a:lstStyle/>
         <a:p>
-          <a:pPr marL="0" lvl="0" indent="0" algn="ctr" defTabSz="800100">
+          <a:pPr marL="0" lvl="0" indent="0" algn="ctr" defTabSz="755650">
             <a:lnSpc>
-              <a:spcPct val="90000"/>
+              <a:spcPct val="100000"/>
             </a:lnSpc>
             <a:spcBef>
               <a:spcPct val="0"/>
@@ -2998,10 +3020,10 @@
             <a:buNone/>
           </a:pPr>
           <a:r>
-            <a:rPr lang="it-IT" sz="1800" kern="1200"/>
+            <a:rPr lang="it-IT" sz="1700" kern="1200"/>
             <a:t>Sviluppato dall'università di Stanford nel 2004</a:t>
           </a:r>
-          <a:endParaRPr lang="en-US" sz="1800" kern="1200"/>
+          <a:endParaRPr lang="en-US" sz="1700" kern="1200"/>
         </a:p>
       </dsp:txBody>
       <dsp:txXfrm>
@@ -3095,9 +3117,9 @@
         </a:bodyPr>
         <a:lstStyle/>
         <a:p>
-          <a:pPr marL="0" lvl="0" indent="0" algn="ctr" defTabSz="800100">
+          <a:pPr marL="0" lvl="0" indent="0" algn="ctr" defTabSz="755650">
             <a:lnSpc>
-              <a:spcPct val="90000"/>
+              <a:spcPct val="100000"/>
             </a:lnSpc>
             <a:spcBef>
               <a:spcPct val="0"/>
@@ -3108,10 +3130,10 @@
             <a:buNone/>
           </a:pPr>
           <a:r>
-            <a:rPr lang="it-IT" sz="1800" kern="1200"/>
+            <a:rPr lang="it-IT" sz="1700" kern="1200"/>
             <a:t>Successore di NachOS, è Unix-like</a:t>
           </a:r>
-          <a:endParaRPr lang="en-US" sz="1800" kern="1200"/>
+          <a:endParaRPr lang="en-US" sz="1700" kern="1200"/>
         </a:p>
       </dsp:txBody>
       <dsp:txXfrm>
@@ -3200,10 +3222,10 @@
             <a:buNone/>
           </a:pPr>
           <a:r>
-            <a:rPr lang="it-IT" sz="2300" kern="1200"/>
+            <a:rPr lang="it-IT" sz="2300" kern="1200" dirty="0"/>
             <a:t>Sono fondamentali per l'interazione tra i programmi utente e il kernel di un sistema operativo</a:t>
           </a:r>
-          <a:endParaRPr lang="en-US" sz="2300" kern="1200"/>
+          <a:endParaRPr lang="en-US" sz="2300" kern="1200" dirty="0"/>
         </a:p>
       </dsp:txBody>
       <dsp:txXfrm>
@@ -3612,10 +3634,10 @@
             <a:buNone/>
           </a:pPr>
           <a:r>
-            <a:rPr lang="it-IT" sz="2300" kern="1200"/>
-            <a:t>Alcune di esse sono state implementate nella sezione II del progetto</a:t>
+            <a:rPr lang="it-IT" sz="2300" kern="1200" dirty="0"/>
+            <a:t>Alcune di esse sono state implementate nella seconda parte del progetto</a:t>
           </a:r>
-          <a:endParaRPr lang="en-US" sz="2300" kern="1200"/>
+          <a:endParaRPr lang="en-US" sz="2300" kern="1200" dirty="0"/>
         </a:p>
       </dsp:txBody>
       <dsp:txXfrm>
@@ -6533,7 +6555,7 @@
           <a:p>
             <a:fld id="{F259A98E-7D3E-4BAE-A284-2CE0D83E33BF}" type="datetimeFigureOut">
               <a:rPr lang="it-IT" smtClean="0"/>
-              <a:t>27/12/2023</a:t>
+              <a:t>28/12/2023</a:t>
             </a:fld>
             <a:endParaRPr lang="it-IT"/>
           </a:p>
@@ -6795,7 +6817,7 @@
           <a:p>
             <a:fld id="{F259A98E-7D3E-4BAE-A284-2CE0D83E33BF}" type="datetimeFigureOut">
               <a:rPr lang="it-IT" smtClean="0"/>
-              <a:t>27/12/2023</a:t>
+              <a:t>28/12/2023</a:t>
             </a:fld>
             <a:endParaRPr lang="it-IT"/>
           </a:p>
@@ -7030,7 +7052,7 @@
           <a:p>
             <a:fld id="{F259A98E-7D3E-4BAE-A284-2CE0D83E33BF}" type="datetimeFigureOut">
               <a:rPr lang="it-IT" smtClean="0"/>
-              <a:t>27/12/2023</a:t>
+              <a:t>28/12/2023</a:t>
             </a:fld>
             <a:endParaRPr lang="it-IT"/>
           </a:p>
@@ -7270,7 +7292,7 @@
           <a:p>
             <a:fld id="{F259A98E-7D3E-4BAE-A284-2CE0D83E33BF}" type="datetimeFigureOut">
               <a:rPr lang="it-IT" smtClean="0"/>
-              <a:t>27/12/2023</a:t>
+              <a:t>28/12/2023</a:t>
             </a:fld>
             <a:endParaRPr lang="it-IT"/>
           </a:p>
@@ -7577,7 +7599,7 @@
           <a:p>
             <a:fld id="{F259A98E-7D3E-4BAE-A284-2CE0D83E33BF}" type="datetimeFigureOut">
               <a:rPr lang="it-IT" smtClean="0"/>
-              <a:t>27/12/2023</a:t>
+              <a:t>28/12/2023</a:t>
             </a:fld>
             <a:endParaRPr lang="it-IT"/>
           </a:p>
@@ -7879,7 +7901,7 @@
           <a:p>
             <a:fld id="{F259A98E-7D3E-4BAE-A284-2CE0D83E33BF}" type="datetimeFigureOut">
               <a:rPr lang="it-IT" smtClean="0"/>
-              <a:t>27/12/2023</a:t>
+              <a:t>28/12/2023</a:t>
             </a:fld>
             <a:endParaRPr lang="it-IT"/>
           </a:p>
@@ -8301,7 +8323,7 @@
           <a:p>
             <a:fld id="{F259A98E-7D3E-4BAE-A284-2CE0D83E33BF}" type="datetimeFigureOut">
               <a:rPr lang="it-IT" smtClean="0"/>
-              <a:t>27/12/2023</a:t>
+              <a:t>28/12/2023</a:t>
             </a:fld>
             <a:endParaRPr lang="it-IT"/>
           </a:p>
@@ -8396,7 +8418,7 @@
           <a:p>
             <a:fld id="{F259A98E-7D3E-4BAE-A284-2CE0D83E33BF}" type="datetimeFigureOut">
               <a:rPr lang="it-IT" smtClean="0"/>
-              <a:t>27/12/2023</a:t>
+              <a:t>28/12/2023</a:t>
             </a:fld>
             <a:endParaRPr lang="it-IT"/>
           </a:p>
@@ -8558,7 +8580,7 @@
           <a:p>
             <a:fld id="{F259A98E-7D3E-4BAE-A284-2CE0D83E33BF}" type="datetimeFigureOut">
               <a:rPr lang="it-IT" smtClean="0"/>
-              <a:t>27/12/2023</a:t>
+              <a:t>28/12/2023</a:t>
             </a:fld>
             <a:endParaRPr lang="it-IT"/>
           </a:p>
@@ -8936,7 +8958,7 @@
           <a:p>
             <a:fld id="{F259A98E-7D3E-4BAE-A284-2CE0D83E33BF}" type="datetimeFigureOut">
               <a:rPr lang="it-IT" smtClean="0"/>
-              <a:t>27/12/2023</a:t>
+              <a:t>28/12/2023</a:t>
             </a:fld>
             <a:endParaRPr lang="it-IT"/>
           </a:p>
@@ -9225,7 +9247,7 @@
           <a:p>
             <a:fld id="{F259A98E-7D3E-4BAE-A284-2CE0D83E33BF}" type="datetimeFigureOut">
               <a:rPr lang="it-IT" smtClean="0"/>
-              <a:t>27/12/2023</a:t>
+              <a:t>28/12/2023</a:t>
             </a:fld>
             <a:endParaRPr lang="it-IT"/>
           </a:p>
@@ -9436,7 +9458,7 @@
           <a:p>
             <a:fld id="{F259A98E-7D3E-4BAE-A284-2CE0D83E33BF}" type="datetimeFigureOut">
               <a:rPr lang="it-IT" smtClean="0"/>
-              <a:t>27/12/2023</a:t>
+              <a:t>28/12/2023</a:t>
             </a:fld>
             <a:endParaRPr lang="it-IT"/>
           </a:p>
@@ -10097,25 +10119,489 @@
         </p:nvSpPr>
         <p:spPr>
           <a:xfrm>
-            <a:off x="581025" y="5931473"/>
-            <a:ext cx="10993438" cy="590550"/>
+            <a:off x="581025" y="5229225"/>
+            <a:ext cx="10993438" cy="1123950"/>
           </a:xfrm>
         </p:spPr>
         <p:txBody>
+          <a:bodyPr>
+            <a:normAutofit/>
+          </a:bodyPr>
+          <a:lstStyle/>
+          <a:p>
+            <a:r>
+              <a:rPr lang="it-IT" dirty="0"/>
+              <a:t>Merangolo Maria Francesca</a:t>
+            </a:r>
+          </a:p>
+          <a:p>
+            <a:r>
+              <a:rPr lang="it-IT" dirty="0"/>
+              <a:t>Sinisi Nicola</a:t>
+            </a:r>
+          </a:p>
+          <a:p>
+            <a:r>
+              <a:rPr lang="it-IT" dirty="0"/>
+              <a:t>Wang Li Chen</a:t>
+            </a:r>
+          </a:p>
+        </p:txBody>
+      </p:sp>
+      <p:pic>
+        <p:nvPicPr>
+          <p:cNvPr id="9" name="Immagine 8">
+            <a:extLst>
+              <a:ext uri="{FF2B5EF4-FFF2-40B4-BE49-F238E27FC236}">
+                <a16:creationId xmlns:a16="http://schemas.microsoft.com/office/drawing/2014/main" id="{90856116-3FC3-FE65-7D77-E8A7955E7DAF}"/>
+              </a:ext>
+            </a:extLst>
+          </p:cNvPr>
+          <p:cNvPicPr>
+            <a:picLocks noChangeAspect="1"/>
+          </p:cNvPicPr>
+          <p:nvPr/>
+        </p:nvPicPr>
+        <p:blipFill>
+          <a:blip r:embed="rId2" cstate="print">
+            <a:extLst>
+              <a:ext uri="{28A0092B-C50C-407E-A947-70E740481C1C}">
+                <a14:useLocalDpi xmlns:a14="http://schemas.microsoft.com/office/drawing/2010/main" val="0"/>
+              </a:ext>
+            </a:extLst>
+          </a:blip>
+          <a:stretch>
+            <a:fillRect/>
+          </a:stretch>
+        </p:blipFill>
+        <p:spPr>
+          <a:xfrm>
+            <a:off x="10065255" y="628968"/>
+            <a:ext cx="1545720" cy="675957"/>
+          </a:xfrm>
+          <a:prstGeom prst="rect">
+            <a:avLst/>
+          </a:prstGeom>
+        </p:spPr>
+      </p:pic>
+    </p:spTree>
+    <p:extLst>
+      <p:ext uri="{BB962C8B-B14F-4D97-AF65-F5344CB8AC3E}">
+        <p14:creationId xmlns:p14="http://schemas.microsoft.com/office/powerpoint/2010/main" val="3987389629"/>
+      </p:ext>
+    </p:extLst>
+  </p:cSld>
+  <p:clrMapOvr>
+    <a:masterClrMapping/>
+  </p:clrMapOvr>
+</p:sld>
+</file>
+
+<file path=ppt/slides/slide10.xml><?xml version="1.0" encoding="utf-8"?>
+<p:sld xmlns:a="http://schemas.openxmlformats.org/drawingml/2006/main" xmlns:r="http://schemas.openxmlformats.org/officeDocument/2006/relationships" xmlns:p="http://schemas.openxmlformats.org/presentationml/2006/main">
+  <p:cSld>
+    <p:spTree>
+      <p:nvGrpSpPr>
+        <p:cNvPr id="1" name=""/>
+        <p:cNvGrpSpPr/>
+        <p:nvPr/>
+      </p:nvGrpSpPr>
+      <p:grpSpPr>
+        <a:xfrm>
+          <a:off x="0" y="0"/>
+          <a:ext cx="0" cy="0"/>
+          <a:chOff x="0" y="0"/>
+          <a:chExt cx="0" cy="0"/>
+        </a:xfrm>
+      </p:grpSpPr>
+      <p:sp>
+        <p:nvSpPr>
+          <p:cNvPr id="2" name="Titolo 1">
+            <a:extLst>
+              <a:ext uri="{FF2B5EF4-FFF2-40B4-BE49-F238E27FC236}">
+                <a16:creationId xmlns:a16="http://schemas.microsoft.com/office/drawing/2014/main" id="{69441F67-1949-8EC8-EB98-85670AC3670C}"/>
+              </a:ext>
+            </a:extLst>
+          </p:cNvPr>
+          <p:cNvSpPr>
+            <a:spLocks noGrp="1"/>
+          </p:cNvSpPr>
+          <p:nvPr>
+            <p:ph type="title"/>
+          </p:nvPr>
+        </p:nvSpPr>
+        <p:spPr/>
+        <p:txBody>
+          <a:bodyPr>
+            <a:normAutofit/>
+          </a:bodyPr>
+          <a:lstStyle/>
+          <a:p>
+            <a:r>
+              <a:rPr lang="it-IT" dirty="0"/>
+              <a:t>Meccanismi di sincronizzazione</a:t>
+            </a:r>
+          </a:p>
+        </p:txBody>
+      </p:sp>
+      <p:sp>
+        <p:nvSpPr>
+          <p:cNvPr id="4" name="Segnaposto testo 3">
+            <a:extLst>
+              <a:ext uri="{FF2B5EF4-FFF2-40B4-BE49-F238E27FC236}">
+                <a16:creationId xmlns:a16="http://schemas.microsoft.com/office/drawing/2014/main" id="{3484543A-BB31-0207-182F-1F1C206F0C68}"/>
+              </a:ext>
+            </a:extLst>
+          </p:cNvPr>
+          <p:cNvSpPr>
+            <a:spLocks noGrp="1"/>
+          </p:cNvSpPr>
+          <p:nvPr>
+            <p:ph type="body" idx="1"/>
+          </p:nvPr>
+        </p:nvSpPr>
+        <p:spPr/>
+        <p:txBody>
           <a:bodyPr/>
           <a:lstStyle/>
           <a:p>
             <a:r>
               <a:rPr lang="it-IT" dirty="0"/>
-              <a:t>Merangolo Maria Francesca, Sinisi Nicola, Wang Li Chen</a:t>
-            </a:r>
+              <a:t>OS161</a:t>
+            </a:r>
+          </a:p>
+        </p:txBody>
+      </p:sp>
+      <p:sp>
+        <p:nvSpPr>
+          <p:cNvPr id="8" name="Segnaposto contenuto 7">
+            <a:extLst>
+              <a:ext uri="{FF2B5EF4-FFF2-40B4-BE49-F238E27FC236}">
+                <a16:creationId xmlns:a16="http://schemas.microsoft.com/office/drawing/2014/main" id="{A1E5DF89-94E7-98C4-F563-B3A43317A1CE}"/>
+              </a:ext>
+            </a:extLst>
+          </p:cNvPr>
+          <p:cNvSpPr>
+            <a:spLocks noGrp="1"/>
+          </p:cNvSpPr>
+          <p:nvPr>
+            <p:ph sz="half" idx="2"/>
+          </p:nvPr>
+        </p:nvSpPr>
+        <p:spPr/>
+        <p:txBody>
+          <a:bodyPr/>
+          <a:lstStyle/>
+          <a:p>
+            <a:endParaRPr lang="it-IT"/>
+          </a:p>
+        </p:txBody>
+      </p:sp>
+      <p:sp>
+        <p:nvSpPr>
+          <p:cNvPr id="9" name="Segnaposto testo 8">
+            <a:extLst>
+              <a:ext uri="{FF2B5EF4-FFF2-40B4-BE49-F238E27FC236}">
+                <a16:creationId xmlns:a16="http://schemas.microsoft.com/office/drawing/2014/main" id="{00842FCF-9A2A-27B3-4ED6-BB0713CE4444}"/>
+              </a:ext>
+            </a:extLst>
+          </p:cNvPr>
+          <p:cNvSpPr>
+            <a:spLocks noGrp="1"/>
+          </p:cNvSpPr>
+          <p:nvPr>
+            <p:ph type="body" sz="quarter" idx="3"/>
+          </p:nvPr>
+        </p:nvSpPr>
+        <p:spPr/>
+        <p:txBody>
+          <a:bodyPr/>
+          <a:lstStyle/>
+          <a:p>
+            <a:r>
+              <a:rPr lang="it-IT" dirty="0"/>
+              <a:t>PINTOS</a:t>
+            </a:r>
+          </a:p>
+        </p:txBody>
+      </p:sp>
+      <p:sp>
+        <p:nvSpPr>
+          <p:cNvPr id="10" name="Segnaposto contenuto 9">
+            <a:extLst>
+              <a:ext uri="{FF2B5EF4-FFF2-40B4-BE49-F238E27FC236}">
+                <a16:creationId xmlns:a16="http://schemas.microsoft.com/office/drawing/2014/main" id="{3CDA2ECB-1671-3745-42C6-213A778ECD29}"/>
+              </a:ext>
+            </a:extLst>
+          </p:cNvPr>
+          <p:cNvSpPr>
+            <a:spLocks noGrp="1"/>
+          </p:cNvSpPr>
+          <p:nvPr>
+            <p:ph sz="quarter" idx="4"/>
+          </p:nvPr>
+        </p:nvSpPr>
+        <p:spPr/>
+        <p:txBody>
+          <a:bodyPr/>
+          <a:lstStyle/>
+          <a:p>
+            <a:endParaRPr lang="it-IT"/>
           </a:p>
         </p:txBody>
       </p:sp>
     </p:spTree>
     <p:extLst>
       <p:ext uri="{BB962C8B-B14F-4D97-AF65-F5344CB8AC3E}">
-        <p14:creationId xmlns:p14="http://schemas.microsoft.com/office/powerpoint/2010/main" val="3987389629"/>
+        <p14:creationId xmlns:p14="http://schemas.microsoft.com/office/powerpoint/2010/main" val="151468646"/>
+      </p:ext>
+    </p:extLst>
+  </p:cSld>
+  <p:clrMapOvr>
+    <a:masterClrMapping/>
+  </p:clrMapOvr>
+</p:sld>
+</file>
+
+<file path=ppt/slides/slide11.xml><?xml version="1.0" encoding="utf-8"?>
+<p:sld xmlns:a="http://schemas.openxmlformats.org/drawingml/2006/main" xmlns:r="http://schemas.openxmlformats.org/officeDocument/2006/relationships" xmlns:p="http://schemas.openxmlformats.org/presentationml/2006/main">
+  <p:cSld>
+    <p:spTree>
+      <p:nvGrpSpPr>
+        <p:cNvPr id="1" name=""/>
+        <p:cNvGrpSpPr/>
+        <p:nvPr/>
+      </p:nvGrpSpPr>
+      <p:grpSpPr>
+        <a:xfrm>
+          <a:off x="0" y="0"/>
+          <a:ext cx="0" cy="0"/>
+          <a:chOff x="0" y="0"/>
+          <a:chExt cx="0" cy="0"/>
+        </a:xfrm>
+      </p:grpSpPr>
+      <p:sp>
+        <p:nvSpPr>
+          <p:cNvPr id="2" name="Titolo 1">
+            <a:extLst>
+              <a:ext uri="{FF2B5EF4-FFF2-40B4-BE49-F238E27FC236}">
+                <a16:creationId xmlns:a16="http://schemas.microsoft.com/office/drawing/2014/main" id="{279F5186-E11E-9631-9BDE-D77275EBD793}"/>
+              </a:ext>
+            </a:extLst>
+          </p:cNvPr>
+          <p:cNvSpPr>
+            <a:spLocks noGrp="1"/>
+          </p:cNvSpPr>
+          <p:nvPr>
+            <p:ph type="title"/>
+          </p:nvPr>
+        </p:nvSpPr>
+        <p:spPr/>
+        <p:txBody>
+          <a:bodyPr/>
+          <a:lstStyle/>
+          <a:p>
+            <a:r>
+              <a:rPr lang="it-IT" dirty="0"/>
+              <a:t>DOCUMENTAZIONE</a:t>
+            </a:r>
+          </a:p>
+        </p:txBody>
+      </p:sp>
+      <p:sp>
+        <p:nvSpPr>
+          <p:cNvPr id="3" name="Segnaposto contenuto 2">
+            <a:extLst>
+              <a:ext uri="{FF2B5EF4-FFF2-40B4-BE49-F238E27FC236}">
+                <a16:creationId xmlns:a16="http://schemas.microsoft.com/office/drawing/2014/main" id="{D2343D93-686E-7247-C695-DBCAAC957777}"/>
+              </a:ext>
+            </a:extLst>
+          </p:cNvPr>
+          <p:cNvSpPr>
+            <a:spLocks noGrp="1"/>
+          </p:cNvSpPr>
+          <p:nvPr>
+            <p:ph idx="1"/>
+          </p:nvPr>
+        </p:nvSpPr>
+        <p:spPr/>
+        <p:txBody>
+          <a:bodyPr/>
+          <a:lstStyle/>
+          <a:p>
+            <a:pPr algn="l"/>
+            <a:r>
+              <a:rPr lang="it-IT" b="0" i="0" u="sng" dirty="0">
+                <a:solidFill>
+                  <a:srgbClr val="1F2328"/>
+                </a:solidFill>
+                <a:effectLst/>
+                <a:latin typeface="-apple-system"/>
+                <a:hlinkClick r:id="rId2"/>
+              </a:rPr>
+              <a:t>https://piazza.com/class_profile/get_resource/jl28zj99fj24yy/jldagvykoum59l</a:t>
+            </a:r>
+            <a:endParaRPr lang="it-IT" b="0" i="0" dirty="0">
+              <a:solidFill>
+                <a:srgbClr val="1F2328"/>
+              </a:solidFill>
+              <a:effectLst/>
+              <a:latin typeface="-apple-system"/>
+            </a:endParaRPr>
+          </a:p>
+          <a:p>
+            <a:pPr algn="l"/>
+            <a:r>
+              <a:rPr lang="it-IT" b="0" i="0" u="sng" dirty="0">
+                <a:solidFill>
+                  <a:srgbClr val="1F2328"/>
+                </a:solidFill>
+                <a:effectLst/>
+                <a:latin typeface="-apple-system"/>
+                <a:hlinkClick r:id="rId3"/>
+              </a:rPr>
+              <a:t>https://web.stanford.edu/~ouster/cgi-bin/cs140-spring20/pintos/pintos_6.html</a:t>
+            </a:r>
+            <a:endParaRPr lang="it-IT" b="0" i="0" dirty="0">
+              <a:solidFill>
+                <a:srgbClr val="1F2328"/>
+              </a:solidFill>
+              <a:effectLst/>
+              <a:latin typeface="-apple-system"/>
+            </a:endParaRPr>
+          </a:p>
+          <a:p>
+            <a:pPr algn="l"/>
+            <a:r>
+              <a:rPr lang="it-IT" b="0" i="0" u="sng" dirty="0">
+                <a:solidFill>
+                  <a:srgbClr val="1F2328"/>
+                </a:solidFill>
+                <a:effectLst/>
+                <a:latin typeface="-apple-system"/>
+                <a:hlinkClick r:id="rId4"/>
+              </a:rPr>
+              <a:t>https://piazza.com/class_profile/get_resource/itgbdzpqj6417o/iuzt04qzagh40p</a:t>
+            </a:r>
+            <a:endParaRPr lang="it-IT" b="0" i="0" dirty="0">
+              <a:solidFill>
+                <a:srgbClr val="1F2328"/>
+              </a:solidFill>
+              <a:effectLst/>
+              <a:latin typeface="-apple-system"/>
+            </a:endParaRPr>
+          </a:p>
+          <a:p>
+            <a:pPr algn="l"/>
+            <a:r>
+              <a:rPr lang="it-IT" b="0" i="0" u="sng" dirty="0">
+                <a:solidFill>
+                  <a:srgbClr val="1F2328"/>
+                </a:solidFill>
+                <a:effectLst/>
+                <a:latin typeface="-apple-system"/>
+                <a:hlinkClick r:id="rId5"/>
+              </a:rPr>
+              <a:t>https://cs162.org/static/proj/pintos-docs/</a:t>
+            </a:r>
+            <a:endParaRPr lang="it-IT" b="0" i="0" dirty="0">
+              <a:solidFill>
+                <a:srgbClr val="1F2328"/>
+              </a:solidFill>
+              <a:effectLst/>
+              <a:latin typeface="-apple-system"/>
+            </a:endParaRPr>
+          </a:p>
+          <a:p>
+            <a:pPr algn="l"/>
+            <a:r>
+              <a:rPr lang="it-IT" b="0" i="0" u="sng" dirty="0">
+                <a:solidFill>
+                  <a:srgbClr val="1F2328"/>
+                </a:solidFill>
+                <a:effectLst/>
+                <a:latin typeface="-apple-system"/>
+                <a:hlinkClick r:id="rId6"/>
+              </a:rPr>
+              <a:t>https://pintosiiith.wordpress.com/</a:t>
+            </a:r>
+            <a:endParaRPr lang="it-IT" b="0" i="0" dirty="0">
+              <a:solidFill>
+                <a:srgbClr val="1F2328"/>
+              </a:solidFill>
+              <a:effectLst/>
+              <a:latin typeface="-apple-system"/>
+            </a:endParaRPr>
+          </a:p>
+          <a:p>
+            <a:pPr algn="l"/>
+            <a:r>
+              <a:rPr lang="it-IT" b="0" i="0" u="sng" dirty="0">
+                <a:solidFill>
+                  <a:srgbClr val="1F2328"/>
+                </a:solidFill>
+                <a:effectLst/>
+                <a:latin typeface="-apple-system"/>
+                <a:hlinkClick r:id="rId7"/>
+              </a:rPr>
+              <a:t>https://www.khoury.northeastern.edu/home/skotthe/classes/cs5600/fall/2016/labs/pintos-setup.html</a:t>
+            </a:r>
+            <a:endParaRPr lang="it-IT" b="0" i="0" dirty="0">
+              <a:solidFill>
+                <a:srgbClr val="1F2328"/>
+              </a:solidFill>
+              <a:effectLst/>
+              <a:latin typeface="-apple-system"/>
+            </a:endParaRPr>
+          </a:p>
+          <a:p>
+            <a:pPr algn="l"/>
+            <a:r>
+              <a:rPr lang="it-IT" b="0" i="0" u="sng" dirty="0">
+                <a:solidFill>
+                  <a:srgbClr val="1F2328"/>
+                </a:solidFill>
+                <a:effectLst/>
+                <a:latin typeface="-apple-system"/>
+                <a:hlinkClick r:id="rId8"/>
+              </a:rPr>
+              <a:t>https://jeason.gitbooks.io/pintos-reference-guide-sysu/content/synchronization.html</a:t>
+            </a:r>
+            <a:endParaRPr lang="it-IT" b="0" i="0" dirty="0">
+              <a:solidFill>
+                <a:srgbClr val="1F2328"/>
+              </a:solidFill>
+              <a:effectLst/>
+              <a:latin typeface="-apple-system"/>
+            </a:endParaRPr>
+          </a:p>
+          <a:p>
+            <a:pPr algn="l"/>
+            <a:r>
+              <a:rPr lang="it-IT" b="0" i="0" u="sng" dirty="0">
+                <a:solidFill>
+                  <a:srgbClr val="1F2328"/>
+                </a:solidFill>
+                <a:effectLst/>
+                <a:latin typeface="-apple-system"/>
+                <a:hlinkClick r:id="rId9"/>
+              </a:rPr>
+              <a:t>http://users.cms.caltech.edu/~donnie/cs124/pintos_4.html</a:t>
+            </a:r>
+            <a:endParaRPr lang="it-IT" b="0" i="0" dirty="0">
+              <a:solidFill>
+                <a:srgbClr val="1F2328"/>
+              </a:solidFill>
+              <a:effectLst/>
+              <a:latin typeface="-apple-system"/>
+            </a:endParaRPr>
+          </a:p>
+        </p:txBody>
+      </p:sp>
+    </p:spTree>
+    <p:extLst>
+      <p:ext uri="{BB962C8B-B14F-4D97-AF65-F5344CB8AC3E}">
+        <p14:creationId xmlns:p14="http://schemas.microsoft.com/office/powerpoint/2010/main" val="1645330153"/>
       </p:ext>
     </p:extLst>
   </p:cSld>
@@ -10200,7 +10686,7 @@
             <p:ph idx="1"/>
             <p:extLst>
               <p:ext uri="{D42A27DB-BD31-4B8C-83A1-F6EECF244321}">
-                <p14:modId xmlns:p14="http://schemas.microsoft.com/office/powerpoint/2010/main" val="1017057021"/>
+                <p14:modId xmlns:p14="http://schemas.microsoft.com/office/powerpoint/2010/main" val="2336504091"/>
               </p:ext>
             </p:extLst>
           </p:nvPr>
@@ -10514,7 +11000,7 @@
             <p:ph idx="1"/>
             <p:extLst>
               <p:ext uri="{D42A27DB-BD31-4B8C-83A1-F6EECF244321}">
-                <p14:modId xmlns:p14="http://schemas.microsoft.com/office/powerpoint/2010/main" val="1359862979"/>
+                <p14:modId xmlns:p14="http://schemas.microsoft.com/office/powerpoint/2010/main" val="1942437161"/>
               </p:ext>
             </p:extLst>
           </p:nvPr>
@@ -10681,35 +11167,6 @@
           </a:p>
         </p:txBody>
       </p:sp>
-      <p:pic>
-        <p:nvPicPr>
-          <p:cNvPr id="9" name="Segnaposto contenuto 8">
-            <a:extLst>
-              <a:ext uri="{FF2B5EF4-FFF2-40B4-BE49-F238E27FC236}">
-                <a16:creationId xmlns:a16="http://schemas.microsoft.com/office/drawing/2014/main" id="{863AB67C-0102-B291-AB26-3ED08118BD0D}"/>
-              </a:ext>
-            </a:extLst>
-          </p:cNvPr>
-          <p:cNvPicPr>
-            <a:picLocks noGrp="1" noChangeAspect="1"/>
-          </p:cNvPicPr>
-          <p:nvPr>
-            <p:ph sz="half" idx="2"/>
-          </p:nvPr>
-        </p:nvPicPr>
-        <p:blipFill>
-          <a:blip r:embed="rId2"/>
-          <a:stretch>
-            <a:fillRect/>
-          </a:stretch>
-        </p:blipFill>
-        <p:spPr>
-          <a:xfrm>
-            <a:off x="777255" y="2962707"/>
-            <a:ext cx="5000278" cy="3760787"/>
-          </a:xfrm>
-        </p:spPr>
-      </p:pic>
       <p:sp>
         <p:nvSpPr>
           <p:cNvPr id="6" name="Segnaposto testo 5">
@@ -10728,7 +11185,7 @@
         </p:nvSpPr>
         <p:spPr>
           <a:xfrm>
-            <a:off x="6116638" y="2051770"/>
+            <a:off x="6096000" y="2016123"/>
             <a:ext cx="5087073" cy="910937"/>
           </a:xfrm>
         </p:spPr>
@@ -10737,10 +11194,9 @@
           <a:lstStyle/>
           <a:p>
             <a:r>
-              <a:rPr lang="it-IT" dirty="0" err="1"/>
-              <a:t>Pintos</a:t>
-            </a:r>
-            <a:endParaRPr lang="it-IT" dirty="0"/>
+              <a:rPr lang="it-IT" dirty="0"/>
+              <a:t>PINTOS</a:t>
+            </a:r>
           </a:p>
           <a:p>
             <a:r>
@@ -10795,10 +11251,10 @@
       </p:sp>
       <p:pic>
         <p:nvPicPr>
-          <p:cNvPr id="18" name="Segnaposto contenuto 17">
+          <p:cNvPr id="15" name="Segnaposto contenuto 14">
             <a:extLst>
               <a:ext uri="{FF2B5EF4-FFF2-40B4-BE49-F238E27FC236}">
-                <a16:creationId xmlns:a16="http://schemas.microsoft.com/office/drawing/2014/main" id="{CEB03718-149B-BE9E-D39D-77B9A1CE67D3}"/>
+                <a16:creationId xmlns:a16="http://schemas.microsoft.com/office/drawing/2014/main" id="{8EC9F7AA-4ADD-C9BD-8077-39712864C536}"/>
               </a:ext>
             </a:extLst>
           </p:cNvPr>
@@ -10810,6 +11266,35 @@
           </p:nvPr>
         </p:nvPicPr>
         <p:blipFill>
+          <a:blip r:embed="rId2"/>
+          <a:stretch>
+            <a:fillRect/>
+          </a:stretch>
+        </p:blipFill>
+        <p:spPr>
+          <a:xfrm>
+            <a:off x="6096000" y="3566938"/>
+            <a:ext cx="5710920" cy="1741134"/>
+          </a:xfrm>
+        </p:spPr>
+      </p:pic>
+      <p:pic>
+        <p:nvPicPr>
+          <p:cNvPr id="24" name="Segnaposto contenuto 23">
+            <a:extLst>
+              <a:ext uri="{FF2B5EF4-FFF2-40B4-BE49-F238E27FC236}">
+                <a16:creationId xmlns:a16="http://schemas.microsoft.com/office/drawing/2014/main" id="{9A8F9342-8DAE-F88D-3CEF-5B42B1CBAB41}"/>
+              </a:ext>
+            </a:extLst>
+          </p:cNvPr>
+          <p:cNvPicPr>
+            <a:picLocks noGrp="1" noChangeAspect="1"/>
+          </p:cNvPicPr>
+          <p:nvPr>
+            <p:ph sz="half" idx="2"/>
+          </p:nvPr>
+        </p:nvPicPr>
+        <p:blipFill>
           <a:blip r:embed="rId3"/>
           <a:stretch>
             <a:fillRect/>
@@ -10817,8 +11302,8 @@
         </p:blipFill>
         <p:spPr>
           <a:xfrm>
-            <a:off x="6218238" y="3276742"/>
-            <a:ext cx="5392737" cy="2233328"/>
+            <a:off x="756514" y="3032886"/>
+            <a:ext cx="4464981" cy="3621547"/>
           </a:xfrm>
         </p:spPr>
       </p:pic>
@@ -10919,13 +11404,17 @@
           <a:p>
             <a:r>
               <a:rPr lang="it-IT" dirty="0"/>
-              <a:t>Le politiche di scheduling risultano simili</a:t>
-            </a:r>
-          </a:p>
-          <a:p>
+              <a:t>Le politiche di scheduling risultano simili </a:t>
+            </a:r>
+            <a:r>
+              <a:rPr lang="it-IT" dirty="0">
+                <a:sym typeface="Wingdings" panose="05000000000000000000" pitchFamily="2" charset="2"/>
+              </a:rPr>
+              <a:t> </a:t>
+            </a:r>
             <a:r>
               <a:rPr lang="it-IT" dirty="0"/>
-              <a:t>Approccio Round Robin (RR)</a:t>
+              <a:t>approccio base Round Robin (RR)</a:t>
             </a:r>
           </a:p>
           <a:p>
@@ -10997,7 +11486,13 @@
   <p:cSld>
     <p:spTree>
       <p:nvGrpSpPr>
-        <p:cNvPr id="1" name=""/>
+        <p:cNvPr id="1" name="">
+          <a:extLst>
+            <a:ext uri="{FF2B5EF4-FFF2-40B4-BE49-F238E27FC236}">
+              <a16:creationId xmlns:a16="http://schemas.microsoft.com/office/drawing/2014/main" id="{0064BED9-42E9-C1BB-4821-9B9016480668}"/>
+            </a:ext>
+          </a:extLst>
+        </p:cNvPr>
         <p:cNvGrpSpPr/>
         <p:nvPr/>
       </p:nvGrpSpPr>
@@ -11014,7 +11509,7 @@
           <p:cNvPr id="2" name="Titolo 1">
             <a:extLst>
               <a:ext uri="{FF2B5EF4-FFF2-40B4-BE49-F238E27FC236}">
-                <a16:creationId xmlns:a16="http://schemas.microsoft.com/office/drawing/2014/main" id="{69441F67-1949-8EC8-EB98-85670AC3670C}"/>
+                <a16:creationId xmlns:a16="http://schemas.microsoft.com/office/drawing/2014/main" id="{4A823E0F-D54E-AA37-C201-80382212D3FB}"/>
               </a:ext>
             </a:extLst>
           </p:cNvPr>
@@ -11034,17 +11529,17 @@
           <a:p>
             <a:r>
               <a:rPr lang="it-IT" dirty="0"/>
-              <a:t>Scheduling: Implementazione</a:t>
+              <a:t>Scheduling: implementazione</a:t>
             </a:r>
           </a:p>
         </p:txBody>
       </p:sp>
       <p:sp>
         <p:nvSpPr>
-          <p:cNvPr id="4" name="Segnaposto testo 3">
+          <p:cNvPr id="6" name="Segnaposto testo 5">
             <a:extLst>
               <a:ext uri="{FF2B5EF4-FFF2-40B4-BE49-F238E27FC236}">
-                <a16:creationId xmlns:a16="http://schemas.microsoft.com/office/drawing/2014/main" id="{3484543A-BB31-0207-182F-1F1C206F0C68}"/>
+                <a16:creationId xmlns:a16="http://schemas.microsoft.com/office/drawing/2014/main" id="{A4ED4B41-44F1-4532-39C9-97F5C90D319A}"/>
               </a:ext>
             </a:extLst>
           </p:cNvPr>
@@ -11069,10 +11564,35 @@
       </p:sp>
       <p:sp>
         <p:nvSpPr>
-          <p:cNvPr id="9" name="Segnaposto testo 8">
+          <p:cNvPr id="7" name="Segnaposto contenuto 6">
             <a:extLst>
               <a:ext uri="{FF2B5EF4-FFF2-40B4-BE49-F238E27FC236}">
-                <a16:creationId xmlns:a16="http://schemas.microsoft.com/office/drawing/2014/main" id="{00842FCF-9A2A-27B3-4ED6-BB0713CE4444}"/>
+                <a16:creationId xmlns:a16="http://schemas.microsoft.com/office/drawing/2014/main" id="{F10BB637-F1E7-FDFF-2D76-C319D2379D79}"/>
+              </a:ext>
+            </a:extLst>
+          </p:cNvPr>
+          <p:cNvSpPr>
+            <a:spLocks noGrp="1"/>
+          </p:cNvSpPr>
+          <p:nvPr>
+            <p:ph sz="half" idx="2"/>
+          </p:nvPr>
+        </p:nvSpPr>
+        <p:spPr/>
+        <p:txBody>
+          <a:bodyPr/>
+          <a:lstStyle/>
+          <a:p>
+            <a:endParaRPr lang="it-IT" dirty="0"/>
+          </a:p>
+        </p:txBody>
+      </p:sp>
+      <p:sp>
+        <p:nvSpPr>
+          <p:cNvPr id="8" name="Segnaposto testo 7">
+            <a:extLst>
+              <a:ext uri="{FF2B5EF4-FFF2-40B4-BE49-F238E27FC236}">
+                <a16:creationId xmlns:a16="http://schemas.microsoft.com/office/drawing/2014/main" id="{856315B6-CDE9-1632-9DF3-8A0E04E0BD26}"/>
               </a:ext>
             </a:extLst>
           </p:cNvPr>
@@ -11097,35 +11617,10 @@
       </p:sp>
       <p:sp>
         <p:nvSpPr>
-          <p:cNvPr id="52" name="Segnaposto contenuto 51">
+          <p:cNvPr id="9" name="Segnaposto contenuto 8">
             <a:extLst>
               <a:ext uri="{FF2B5EF4-FFF2-40B4-BE49-F238E27FC236}">
-                <a16:creationId xmlns:a16="http://schemas.microsoft.com/office/drawing/2014/main" id="{14F7706B-19F5-94C1-9FA4-C111D728F11F}"/>
-              </a:ext>
-            </a:extLst>
-          </p:cNvPr>
-          <p:cNvSpPr>
-            <a:spLocks noGrp="1"/>
-          </p:cNvSpPr>
-          <p:nvPr>
-            <p:ph sz="half" idx="2"/>
-          </p:nvPr>
-        </p:nvSpPr>
-        <p:spPr/>
-        <p:txBody>
-          <a:bodyPr/>
-          <a:lstStyle/>
-          <a:p>
-            <a:endParaRPr lang="it-IT"/>
-          </a:p>
-        </p:txBody>
-      </p:sp>
-      <p:sp>
-        <p:nvSpPr>
-          <p:cNvPr id="54" name="Segnaposto contenuto 53">
-            <a:extLst>
-              <a:ext uri="{FF2B5EF4-FFF2-40B4-BE49-F238E27FC236}">
-                <a16:creationId xmlns:a16="http://schemas.microsoft.com/office/drawing/2014/main" id="{3ADCFF71-E1B3-CDF5-7D1F-977769298FA3}"/>
+                <a16:creationId xmlns:a16="http://schemas.microsoft.com/office/drawing/2014/main" id="{B12A5F1B-40EE-DC65-C3E0-378C1057B7AC}"/>
               </a:ext>
             </a:extLst>
           </p:cNvPr>
@@ -11148,7 +11643,7 @@
     </p:spTree>
     <p:extLst>
       <p:ext uri="{BB962C8B-B14F-4D97-AF65-F5344CB8AC3E}">
-        <p14:creationId xmlns:p14="http://schemas.microsoft.com/office/powerpoint/2010/main" val="2975043876"/>
+        <p14:creationId xmlns:p14="http://schemas.microsoft.com/office/powerpoint/2010/main" val="3428931507"/>
       </p:ext>
     </p:extLst>
   </p:cSld>
@@ -11177,10 +11672,10 @@
       </p:grpSpPr>
       <p:sp>
         <p:nvSpPr>
-          <p:cNvPr id="2" name="Titolo 1">
+          <p:cNvPr id="9" name="Segnaposto testo 8">
             <a:extLst>
               <a:ext uri="{FF2B5EF4-FFF2-40B4-BE49-F238E27FC236}">
-                <a16:creationId xmlns:a16="http://schemas.microsoft.com/office/drawing/2014/main" id="{69441F67-1949-8EC8-EB98-85670AC3670C}"/>
+                <a16:creationId xmlns:a16="http://schemas.microsoft.com/office/drawing/2014/main" id="{00842FCF-9A2A-27B3-4ED6-BB0713CE4444}"/>
               </a:ext>
             </a:extLst>
           </p:cNvPr>
@@ -11188,37 +11683,32 @@
             <a:spLocks noGrp="1"/>
           </p:cNvSpPr>
           <p:nvPr>
-            <p:ph type="title"/>
+            <p:ph type="body" sz="quarter" idx="4294967295"/>
           </p:nvPr>
         </p:nvSpPr>
-        <p:spPr/>
+        <p:spPr>
+          <a:xfrm>
+            <a:off x="8765309" y="627510"/>
+            <a:ext cx="1241645" cy="552450"/>
+          </a:xfrm>
+        </p:spPr>
         <p:txBody>
           <a:bodyPr>
             <a:normAutofit/>
           </a:bodyPr>
           <a:lstStyle/>
           <a:p>
-            <a:r>
-              <a:rPr lang="it-IT" dirty="0" err="1"/>
-              <a:t>Paging</a:t>
-            </a:r>
-            <a:r>
-              <a:rPr lang="it-IT" dirty="0"/>
-              <a:t> e </a:t>
-            </a:r>
-            <a:r>
-              <a:rPr lang="it-IT" dirty="0" err="1"/>
-              <a:t>virtual</a:t>
-            </a:r>
-            <a:r>
-              <a:rPr lang="it-IT" dirty="0"/>
-              <a:t> </a:t>
-            </a:r>
-            <a:r>
-              <a:rPr lang="it-IT" dirty="0" err="1"/>
-              <a:t>memory</a:t>
-            </a:r>
-            <a:endParaRPr lang="it-IT" dirty="0"/>
+            <a:pPr marL="0" indent="0">
+              <a:buNone/>
+            </a:pPr>
+            <a:r>
+              <a:rPr lang="it-IT" sz="2200" dirty="0">
+                <a:solidFill>
+                  <a:schemeClr val="accent2"/>
+                </a:solidFill>
+              </a:rPr>
+              <a:t>PINTOS</a:t>
+            </a:r>
           </a:p>
         </p:txBody>
       </p:sp>
@@ -11235,16 +11725,28 @@
             <a:spLocks noGrp="1"/>
           </p:cNvSpPr>
           <p:nvPr>
-            <p:ph type="body" idx="1"/>
+            <p:ph type="body" idx="4294967295"/>
           </p:nvPr>
         </p:nvSpPr>
-        <p:spPr/>
+        <p:spPr>
+          <a:xfrm>
+            <a:off x="2124927" y="643385"/>
+            <a:ext cx="1132874" cy="536575"/>
+          </a:xfrm>
+        </p:spPr>
         <p:txBody>
           <a:bodyPr/>
           <a:lstStyle/>
           <a:p>
-            <a:r>
-              <a:rPr lang="it-IT" dirty="0"/>
+            <a:pPr marL="0" indent="0">
+              <a:buNone/>
+            </a:pPr>
+            <a:r>
+              <a:rPr lang="it-IT" sz="2200" dirty="0">
+                <a:solidFill>
+                  <a:schemeClr val="accent2"/>
+                </a:solidFill>
+              </a:rPr>
               <a:t>OS161</a:t>
             </a:r>
           </a:p>
@@ -11252,86 +11754,164 @@
       </p:sp>
       <p:sp>
         <p:nvSpPr>
-          <p:cNvPr id="8" name="Segnaposto contenuto 7">
+          <p:cNvPr id="13" name="CasellaDiTesto 12">
             <a:extLst>
               <a:ext uri="{FF2B5EF4-FFF2-40B4-BE49-F238E27FC236}">
-                <a16:creationId xmlns:a16="http://schemas.microsoft.com/office/drawing/2014/main" id="{A1E5DF89-94E7-98C4-F563-B3A43317A1CE}"/>
+                <a16:creationId xmlns:a16="http://schemas.microsoft.com/office/drawing/2014/main" id="{8AB031D8-5771-1B7A-C8F6-21435769AF4F}"/>
               </a:ext>
             </a:extLst>
           </p:cNvPr>
-          <p:cNvSpPr>
-            <a:spLocks noGrp="1"/>
-          </p:cNvSpPr>
-          <p:nvPr>
-            <p:ph sz="half" idx="2"/>
-          </p:nvPr>
+          <p:cNvSpPr txBox="1"/>
+          <p:nvPr/>
         </p:nvSpPr>
-        <p:spPr/>
+        <p:spPr>
+          <a:xfrm>
+            <a:off x="1477818" y="2170545"/>
+            <a:ext cx="3269673" cy="1625600"/>
+          </a:xfrm>
+          <a:prstGeom prst="rect">
+            <a:avLst/>
+          </a:prstGeom>
+          <a:noFill/>
+        </p:spPr>
         <p:txBody>
-          <a:bodyPr/>
+          <a:bodyPr wrap="square" rtlCol="0">
+            <a:spAutoFit/>
+          </a:bodyPr>
           <a:lstStyle/>
           <a:p>
-            <a:endParaRPr lang="it-IT"/>
+            <a:endParaRPr lang="it-IT" dirty="0"/>
           </a:p>
         </p:txBody>
       </p:sp>
       <p:sp>
         <p:nvSpPr>
-          <p:cNvPr id="9" name="Segnaposto testo 8">
+          <p:cNvPr id="16" name="CasellaDiTesto 15">
             <a:extLst>
               <a:ext uri="{FF2B5EF4-FFF2-40B4-BE49-F238E27FC236}">
-                <a16:creationId xmlns:a16="http://schemas.microsoft.com/office/drawing/2014/main" id="{00842FCF-9A2A-27B3-4ED6-BB0713CE4444}"/>
+                <a16:creationId xmlns:a16="http://schemas.microsoft.com/office/drawing/2014/main" id="{DF923670-E929-E821-2DCE-4EEA84267A27}"/>
               </a:ext>
             </a:extLst>
           </p:cNvPr>
-          <p:cNvSpPr>
-            <a:spLocks noGrp="1"/>
-          </p:cNvSpPr>
-          <p:nvPr>
-            <p:ph type="body" sz="quarter" idx="3"/>
-          </p:nvPr>
+          <p:cNvSpPr txBox="1"/>
+          <p:nvPr/>
         </p:nvSpPr>
-        <p:spPr/>
+        <p:spPr>
+          <a:xfrm>
+            <a:off x="1477818" y="1976581"/>
+            <a:ext cx="2318327" cy="1246909"/>
+          </a:xfrm>
+          <a:prstGeom prst="rect">
+            <a:avLst/>
+          </a:prstGeom>
+          <a:noFill/>
+        </p:spPr>
         <p:txBody>
-          <a:bodyPr/>
+          <a:bodyPr wrap="square" rtlCol="0">
+            <a:spAutoFit/>
+          </a:bodyPr>
           <a:lstStyle/>
           <a:p>
-            <a:r>
-              <a:rPr lang="it-IT" dirty="0"/>
-              <a:t>PINTOS</a:t>
-            </a:r>
+            <a:endParaRPr lang="it-IT" dirty="0"/>
           </a:p>
         </p:txBody>
       </p:sp>
-      <p:sp>
-        <p:nvSpPr>
-          <p:cNvPr id="10" name="Segnaposto contenuto 9">
+      <p:pic>
+        <p:nvPicPr>
+          <p:cNvPr id="18" name="Immagine 17">
             <a:extLst>
               <a:ext uri="{FF2B5EF4-FFF2-40B4-BE49-F238E27FC236}">
-                <a16:creationId xmlns:a16="http://schemas.microsoft.com/office/drawing/2014/main" id="{3CDA2ECB-1671-3745-42C6-213A778ECD29}"/>
+                <a16:creationId xmlns:a16="http://schemas.microsoft.com/office/drawing/2014/main" id="{9231CEA0-BE6A-96A5-CED9-D931BC44A05B}"/>
               </a:ext>
             </a:extLst>
           </p:cNvPr>
-          <p:cNvSpPr>
-            <a:spLocks noGrp="1"/>
-          </p:cNvSpPr>
-          <p:nvPr>
-            <p:ph sz="quarter" idx="4"/>
-          </p:nvPr>
+          <p:cNvPicPr>
+            <a:picLocks noChangeAspect="1"/>
+          </p:cNvPicPr>
+          <p:nvPr/>
+        </p:nvPicPr>
+        <p:blipFill>
+          <a:blip r:embed="rId2"/>
+          <a:stretch>
+            <a:fillRect/>
+          </a:stretch>
+        </p:blipFill>
+        <p:spPr>
+          <a:xfrm>
+            <a:off x="521309" y="1276942"/>
+            <a:ext cx="5388564" cy="4971480"/>
+          </a:xfrm>
+          <a:prstGeom prst="rect">
+            <a:avLst/>
+          </a:prstGeom>
+        </p:spPr>
+      </p:pic>
+      <p:sp>
+        <p:nvSpPr>
+          <p:cNvPr id="19" name="CasellaDiTesto 18">
+            <a:extLst>
+              <a:ext uri="{FF2B5EF4-FFF2-40B4-BE49-F238E27FC236}">
+                <a16:creationId xmlns:a16="http://schemas.microsoft.com/office/drawing/2014/main" id="{EBBB4B28-F125-4571-5BAB-D88782E9010A}"/>
+              </a:ext>
+            </a:extLst>
+          </p:cNvPr>
+          <p:cNvSpPr txBox="1"/>
+          <p:nvPr/>
         </p:nvSpPr>
-        <p:spPr/>
+        <p:spPr>
+          <a:xfrm>
+            <a:off x="7002463" y="2410690"/>
+            <a:ext cx="1762846" cy="1246909"/>
+          </a:xfrm>
+          <a:prstGeom prst="rect">
+            <a:avLst/>
+          </a:prstGeom>
+          <a:noFill/>
+        </p:spPr>
         <p:txBody>
-          <a:bodyPr/>
+          <a:bodyPr wrap="square" rtlCol="0">
+            <a:spAutoFit/>
+          </a:bodyPr>
           <a:lstStyle/>
           <a:p>
-            <a:endParaRPr lang="it-IT"/>
+            <a:endParaRPr lang="it-IT" dirty="0"/>
           </a:p>
         </p:txBody>
       </p:sp>
+      <p:pic>
+        <p:nvPicPr>
+          <p:cNvPr id="25" name="Immagine 24">
+            <a:extLst>
+              <a:ext uri="{FF2B5EF4-FFF2-40B4-BE49-F238E27FC236}">
+                <a16:creationId xmlns:a16="http://schemas.microsoft.com/office/drawing/2014/main" id="{5EA73628-5D6C-79DD-B37B-FD0E38DE2C03}"/>
+              </a:ext>
+            </a:extLst>
+          </p:cNvPr>
+          <p:cNvPicPr>
+            <a:picLocks noChangeAspect="1"/>
+          </p:cNvPicPr>
+          <p:nvPr/>
+        </p:nvPicPr>
+        <p:blipFill>
+          <a:blip r:embed="rId3"/>
+          <a:stretch>
+            <a:fillRect/>
+          </a:stretch>
+        </p:blipFill>
+        <p:spPr>
+          <a:xfrm>
+            <a:off x="6410349" y="1276942"/>
+            <a:ext cx="5549718" cy="5495053"/>
+          </a:xfrm>
+          <a:prstGeom prst="rect">
+            <a:avLst/>
+          </a:prstGeom>
+        </p:spPr>
+      </p:pic>
     </p:spTree>
     <p:extLst>
       <p:ext uri="{BB962C8B-B14F-4D97-AF65-F5344CB8AC3E}">
-        <p14:creationId xmlns:p14="http://schemas.microsoft.com/office/powerpoint/2010/main" val="1787713386"/>
+        <p14:creationId xmlns:p14="http://schemas.microsoft.com/office/powerpoint/2010/main" val="2975043876"/>
       </p:ext>
     </p:extLst>
   </p:cSld>
@@ -11382,9 +11962,26 @@
           <a:lstStyle/>
           <a:p>
             <a:r>
+              <a:rPr lang="it-IT" dirty="0" err="1"/>
+              <a:t>Paging</a:t>
+            </a:r>
+            <a:r>
               <a:rPr lang="it-IT" dirty="0"/>
-              <a:t>Meccanismi di sincronizzazione</a:t>
-            </a:r>
+              <a:t> e </a:t>
+            </a:r>
+            <a:r>
+              <a:rPr lang="it-IT" dirty="0" err="1"/>
+              <a:t>virtual</a:t>
+            </a:r>
+            <a:r>
+              <a:rPr lang="it-IT" dirty="0"/>
+              <a:t> </a:t>
+            </a:r>
+            <a:r>
+              <a:rPr lang="it-IT" dirty="0" err="1"/>
+              <a:t>memory</a:t>
+            </a:r>
+            <a:endParaRPr lang="it-IT" dirty="0"/>
           </a:p>
         </p:txBody>
       </p:sp>
@@ -11497,7 +12094,7 @@
     </p:spTree>
     <p:extLst>
       <p:ext uri="{BB962C8B-B14F-4D97-AF65-F5344CB8AC3E}">
-        <p14:creationId xmlns:p14="http://schemas.microsoft.com/office/powerpoint/2010/main" val="151468646"/>
+        <p14:creationId xmlns:p14="http://schemas.microsoft.com/office/powerpoint/2010/main" val="1787713386"/>
       </p:ext>
     </p:extLst>
   </p:cSld>

--- a/Progetto_SO.pptx
+++ b/Progetto_SO.pptx
@@ -14,8 +14,9 @@
     <p:sldId id="285" r:id="rId8"/>
     <p:sldId id="269" r:id="rId9"/>
     <p:sldId id="273" r:id="rId10"/>
-    <p:sldId id="279" r:id="rId11"/>
-    <p:sldId id="284" r:id="rId12"/>
+    <p:sldId id="286" r:id="rId11"/>
+    <p:sldId id="279" r:id="rId12"/>
+    <p:sldId id="284" r:id="rId13"/>
   </p:sldIdLst>
   <p:sldSz cx="12192000" cy="6858000"/>
   <p:notesSz cx="6858000" cy="9144000"/>
@@ -2438,7 +2439,7 @@
         <a:lstStyle/>
         <a:p>
           <a:r>
-            <a:rPr lang="en-US"/>
+            <a:rPr lang="en-US" dirty="0"/>
             <a:t>1</a:t>
           </a:r>
         </a:p>
@@ -3300,7 +3301,7 @@
             <a:buNone/>
           </a:pPr>
           <a:r>
-            <a:rPr lang="en-US" sz="4800" kern="1200"/>
+            <a:rPr lang="en-US" sz="4800" kern="1200" dirty="0"/>
             <a:t>1</a:t>
           </a:r>
         </a:p>
@@ -6555,7 +6556,7 @@
           <a:p>
             <a:fld id="{F259A98E-7D3E-4BAE-A284-2CE0D83E33BF}" type="datetimeFigureOut">
               <a:rPr lang="it-IT" smtClean="0"/>
-              <a:t>28/12/2023</a:t>
+              <a:t>03/01/2024</a:t>
             </a:fld>
             <a:endParaRPr lang="it-IT"/>
           </a:p>
@@ -6817,7 +6818,7 @@
           <a:p>
             <a:fld id="{F259A98E-7D3E-4BAE-A284-2CE0D83E33BF}" type="datetimeFigureOut">
               <a:rPr lang="it-IT" smtClean="0"/>
-              <a:t>28/12/2023</a:t>
+              <a:t>03/01/2024</a:t>
             </a:fld>
             <a:endParaRPr lang="it-IT"/>
           </a:p>
@@ -7052,7 +7053,7 @@
           <a:p>
             <a:fld id="{F259A98E-7D3E-4BAE-A284-2CE0D83E33BF}" type="datetimeFigureOut">
               <a:rPr lang="it-IT" smtClean="0"/>
-              <a:t>28/12/2023</a:t>
+              <a:t>03/01/2024</a:t>
             </a:fld>
             <a:endParaRPr lang="it-IT"/>
           </a:p>
@@ -7292,7 +7293,7 @@
           <a:p>
             <a:fld id="{F259A98E-7D3E-4BAE-A284-2CE0D83E33BF}" type="datetimeFigureOut">
               <a:rPr lang="it-IT" smtClean="0"/>
-              <a:t>28/12/2023</a:t>
+              <a:t>03/01/2024</a:t>
             </a:fld>
             <a:endParaRPr lang="it-IT"/>
           </a:p>
@@ -7599,7 +7600,7 @@
           <a:p>
             <a:fld id="{F259A98E-7D3E-4BAE-A284-2CE0D83E33BF}" type="datetimeFigureOut">
               <a:rPr lang="it-IT" smtClean="0"/>
-              <a:t>28/12/2023</a:t>
+              <a:t>03/01/2024</a:t>
             </a:fld>
             <a:endParaRPr lang="it-IT"/>
           </a:p>
@@ -7901,7 +7902,7 @@
           <a:p>
             <a:fld id="{F259A98E-7D3E-4BAE-A284-2CE0D83E33BF}" type="datetimeFigureOut">
               <a:rPr lang="it-IT" smtClean="0"/>
-              <a:t>28/12/2023</a:t>
+              <a:t>03/01/2024</a:t>
             </a:fld>
             <a:endParaRPr lang="it-IT"/>
           </a:p>
@@ -8323,7 +8324,7 @@
           <a:p>
             <a:fld id="{F259A98E-7D3E-4BAE-A284-2CE0D83E33BF}" type="datetimeFigureOut">
               <a:rPr lang="it-IT" smtClean="0"/>
-              <a:t>28/12/2023</a:t>
+              <a:t>03/01/2024</a:t>
             </a:fld>
             <a:endParaRPr lang="it-IT"/>
           </a:p>
@@ -8418,7 +8419,7 @@
           <a:p>
             <a:fld id="{F259A98E-7D3E-4BAE-A284-2CE0D83E33BF}" type="datetimeFigureOut">
               <a:rPr lang="it-IT" smtClean="0"/>
-              <a:t>28/12/2023</a:t>
+              <a:t>03/01/2024</a:t>
             </a:fld>
             <a:endParaRPr lang="it-IT"/>
           </a:p>
@@ -8580,7 +8581,7 @@
           <a:p>
             <a:fld id="{F259A98E-7D3E-4BAE-A284-2CE0D83E33BF}" type="datetimeFigureOut">
               <a:rPr lang="it-IT" smtClean="0"/>
-              <a:t>28/12/2023</a:t>
+              <a:t>03/01/2024</a:t>
             </a:fld>
             <a:endParaRPr lang="it-IT"/>
           </a:p>
@@ -8958,7 +8959,7 @@
           <a:p>
             <a:fld id="{F259A98E-7D3E-4BAE-A284-2CE0D83E33BF}" type="datetimeFigureOut">
               <a:rPr lang="it-IT" smtClean="0"/>
-              <a:t>28/12/2023</a:t>
+              <a:t>03/01/2024</a:t>
             </a:fld>
             <a:endParaRPr lang="it-IT"/>
           </a:p>
@@ -9247,7 +9248,7 @@
           <a:p>
             <a:fld id="{F259A98E-7D3E-4BAE-A284-2CE0D83E33BF}" type="datetimeFigureOut">
               <a:rPr lang="it-IT" smtClean="0"/>
-              <a:t>28/12/2023</a:t>
+              <a:t>03/01/2024</a:t>
             </a:fld>
             <a:endParaRPr lang="it-IT"/>
           </a:p>
@@ -9458,7 +9459,7 @@
           <a:p>
             <a:fld id="{F259A98E-7D3E-4BAE-A284-2CE0D83E33BF}" type="datetimeFigureOut">
               <a:rPr lang="it-IT" smtClean="0"/>
-              <a:t>28/12/2023</a:t>
+              <a:t>03/01/2024</a:t>
             </a:fld>
             <a:endParaRPr lang="it-IT"/>
           </a:p>
@@ -10219,6 +10220,175 @@
           <p:cNvPr id="2" name="Titolo 1">
             <a:extLst>
               <a:ext uri="{FF2B5EF4-FFF2-40B4-BE49-F238E27FC236}">
+                <a16:creationId xmlns:a16="http://schemas.microsoft.com/office/drawing/2014/main" id="{A8407669-AD4A-530A-308F-4AD673D020A5}"/>
+              </a:ext>
+            </a:extLst>
+          </p:cNvPr>
+          <p:cNvSpPr>
+            <a:spLocks noGrp="1"/>
+          </p:cNvSpPr>
+          <p:nvPr>
+            <p:ph type="title"/>
+          </p:nvPr>
+        </p:nvSpPr>
+        <p:spPr/>
+        <p:txBody>
+          <a:bodyPr/>
+          <a:lstStyle/>
+          <a:p>
+            <a:r>
+              <a:rPr lang="it-IT" dirty="0" err="1"/>
+              <a:t>Paging</a:t>
+            </a:r>
+            <a:r>
+              <a:rPr lang="it-IT" dirty="0"/>
+              <a:t> e  </a:t>
+            </a:r>
+            <a:r>
+              <a:rPr lang="it-IT" dirty="0" err="1"/>
+              <a:t>virtual</a:t>
+            </a:r>
+            <a:r>
+              <a:rPr lang="it-IT" dirty="0"/>
+              <a:t> </a:t>
+            </a:r>
+            <a:r>
+              <a:rPr lang="it-IT" dirty="0" err="1"/>
+              <a:t>memory</a:t>
+            </a:r>
+            <a:endParaRPr lang="it-IT" dirty="0"/>
+          </a:p>
+        </p:txBody>
+      </p:sp>
+      <p:sp>
+        <p:nvSpPr>
+          <p:cNvPr id="3" name="Segnaposto contenuto 2">
+            <a:extLst>
+              <a:ext uri="{FF2B5EF4-FFF2-40B4-BE49-F238E27FC236}">
+                <a16:creationId xmlns:a16="http://schemas.microsoft.com/office/drawing/2014/main" id="{81551D5C-43AF-6C06-2D96-A6CA08117673}"/>
+              </a:ext>
+            </a:extLst>
+          </p:cNvPr>
+          <p:cNvSpPr>
+            <a:spLocks noGrp="1"/>
+          </p:cNvSpPr>
+          <p:nvPr>
+            <p:ph idx="1"/>
+          </p:nvPr>
+        </p:nvSpPr>
+        <p:spPr/>
+        <p:txBody>
+          <a:bodyPr>
+            <a:normAutofit/>
+          </a:bodyPr>
+          <a:lstStyle/>
+          <a:p>
+            <a:r>
+              <a:rPr lang="it-IT" dirty="0"/>
+              <a:t>La gestione della memoria virtuale è simile in entrambi i SO</a:t>
+            </a:r>
+          </a:p>
+          <a:p>
+            <a:pPr lvl="1"/>
+            <a:r>
+              <a:rPr lang="it-IT" dirty="0"/>
+              <a:t>Uso della paginazione, perciò della Page </a:t>
+            </a:r>
+            <a:r>
+              <a:rPr lang="it-IT" dirty="0" err="1"/>
+              <a:t>Table</a:t>
+            </a:r>
+            <a:endParaRPr lang="it-IT" dirty="0"/>
+          </a:p>
+          <a:p>
+            <a:pPr lvl="1"/>
+            <a:r>
+              <a:rPr lang="it-IT" dirty="0"/>
+              <a:t>Gestione similare della Frame </a:t>
+            </a:r>
+            <a:r>
+              <a:rPr lang="it-IT" dirty="0" err="1"/>
+              <a:t>Table</a:t>
+            </a:r>
+            <a:endParaRPr lang="it-IT" dirty="0"/>
+          </a:p>
+          <a:p>
+            <a:pPr lvl="1"/>
+            <a:r>
+              <a:rPr lang="it-IT" dirty="0"/>
+              <a:t>Stessa gestione dello spazio degli indirizzi dei processi</a:t>
+            </a:r>
+          </a:p>
+          <a:p>
+            <a:r>
+              <a:rPr lang="it-IT" dirty="0"/>
+              <a:t>Uso di strutture dati analoghe</a:t>
+            </a:r>
+          </a:p>
+          <a:p>
+            <a:pPr lvl="1"/>
+            <a:r>
+              <a:rPr lang="it-IT" dirty="0"/>
+              <a:t>Vettori</a:t>
+            </a:r>
+          </a:p>
+          <a:p>
+            <a:pPr lvl="1"/>
+            <a:r>
+              <a:rPr lang="it-IT" dirty="0"/>
+              <a:t>Bitmap</a:t>
+            </a:r>
+          </a:p>
+          <a:p>
+            <a:pPr lvl="1"/>
+            <a:r>
+              <a:rPr lang="it-IT" dirty="0"/>
+              <a:t>Liste</a:t>
+            </a:r>
+          </a:p>
+          <a:p>
+            <a:r>
+              <a:rPr lang="it-IT" dirty="0"/>
+              <a:t>Paginazione più complessa su OS161, quindi con più funzionalità</a:t>
+            </a:r>
+          </a:p>
+        </p:txBody>
+      </p:sp>
+    </p:spTree>
+    <p:extLst>
+      <p:ext uri="{BB962C8B-B14F-4D97-AF65-F5344CB8AC3E}">
+        <p14:creationId xmlns:p14="http://schemas.microsoft.com/office/powerpoint/2010/main" val="450538825"/>
+      </p:ext>
+    </p:extLst>
+  </p:cSld>
+  <p:clrMapOvr>
+    <a:masterClrMapping/>
+  </p:clrMapOvr>
+</p:sld>
+</file>
+
+<file path=ppt/slides/slide11.xml><?xml version="1.0" encoding="utf-8"?>
+<p:sld xmlns:a="http://schemas.openxmlformats.org/drawingml/2006/main" xmlns:r="http://schemas.openxmlformats.org/officeDocument/2006/relationships" xmlns:p="http://schemas.openxmlformats.org/presentationml/2006/main">
+  <p:cSld>
+    <p:spTree>
+      <p:nvGrpSpPr>
+        <p:cNvPr id="1" name=""/>
+        <p:cNvGrpSpPr/>
+        <p:nvPr/>
+      </p:nvGrpSpPr>
+      <p:grpSpPr>
+        <a:xfrm>
+          <a:off x="0" y="0"/>
+          <a:ext cx="0" cy="0"/>
+          <a:chOff x="0" y="0"/>
+          <a:chExt cx="0" cy="0"/>
+        </a:xfrm>
+      </p:grpSpPr>
+      <p:sp>
+        <p:nvSpPr>
+          <p:cNvPr id="2" name="Titolo 1">
+            <a:extLst>
+              <a:ext uri="{FF2B5EF4-FFF2-40B4-BE49-F238E27FC236}">
                 <a16:creationId xmlns:a16="http://schemas.microsoft.com/office/drawing/2014/main" id="{69441F67-1949-8EC8-EB98-85670AC3670C}"/>
               </a:ext>
             </a:extLst>
@@ -10363,7 +10533,7 @@
 </p:sld>
 </file>
 
-<file path=ppt/slides/slide11.xml><?xml version="1.0" encoding="utf-8"?>
+<file path=ppt/slides/slide12.xml><?xml version="1.0" encoding="utf-8"?>
 <p:sld xmlns:a="http://schemas.openxmlformats.org/drawingml/2006/main" xmlns:r="http://schemas.openxmlformats.org/officeDocument/2006/relationships" xmlns:p="http://schemas.openxmlformats.org/presentationml/2006/main">
   <p:cSld>
     <p:spTree>

--- a/Progetto_SO.pptx
+++ b/Progetto_SO.pptx
@@ -13,10 +13,9 @@
     <p:sldId id="271" r:id="rId7"/>
     <p:sldId id="285" r:id="rId8"/>
     <p:sldId id="269" r:id="rId9"/>
-    <p:sldId id="273" r:id="rId10"/>
-    <p:sldId id="286" r:id="rId11"/>
-    <p:sldId id="279" r:id="rId12"/>
-    <p:sldId id="284" r:id="rId13"/>
+    <p:sldId id="286" r:id="rId10"/>
+    <p:sldId id="279" r:id="rId11"/>
+    <p:sldId id="284" r:id="rId12"/>
   </p:sldIdLst>
   <p:sldSz cx="12192000" cy="6858000"/>
   <p:notesSz cx="6858000" cy="9144000"/>
@@ -10220,175 +10219,6 @@
           <p:cNvPr id="2" name="Titolo 1">
             <a:extLst>
               <a:ext uri="{FF2B5EF4-FFF2-40B4-BE49-F238E27FC236}">
-                <a16:creationId xmlns:a16="http://schemas.microsoft.com/office/drawing/2014/main" id="{A8407669-AD4A-530A-308F-4AD673D020A5}"/>
-              </a:ext>
-            </a:extLst>
-          </p:cNvPr>
-          <p:cNvSpPr>
-            <a:spLocks noGrp="1"/>
-          </p:cNvSpPr>
-          <p:nvPr>
-            <p:ph type="title"/>
-          </p:nvPr>
-        </p:nvSpPr>
-        <p:spPr/>
-        <p:txBody>
-          <a:bodyPr/>
-          <a:lstStyle/>
-          <a:p>
-            <a:r>
-              <a:rPr lang="it-IT" dirty="0" err="1"/>
-              <a:t>Paging</a:t>
-            </a:r>
-            <a:r>
-              <a:rPr lang="it-IT" dirty="0"/>
-              <a:t> e  </a:t>
-            </a:r>
-            <a:r>
-              <a:rPr lang="it-IT" dirty="0" err="1"/>
-              <a:t>virtual</a:t>
-            </a:r>
-            <a:r>
-              <a:rPr lang="it-IT" dirty="0"/>
-              <a:t> </a:t>
-            </a:r>
-            <a:r>
-              <a:rPr lang="it-IT" dirty="0" err="1"/>
-              <a:t>memory</a:t>
-            </a:r>
-            <a:endParaRPr lang="it-IT" dirty="0"/>
-          </a:p>
-        </p:txBody>
-      </p:sp>
-      <p:sp>
-        <p:nvSpPr>
-          <p:cNvPr id="3" name="Segnaposto contenuto 2">
-            <a:extLst>
-              <a:ext uri="{FF2B5EF4-FFF2-40B4-BE49-F238E27FC236}">
-                <a16:creationId xmlns:a16="http://schemas.microsoft.com/office/drawing/2014/main" id="{81551D5C-43AF-6C06-2D96-A6CA08117673}"/>
-              </a:ext>
-            </a:extLst>
-          </p:cNvPr>
-          <p:cNvSpPr>
-            <a:spLocks noGrp="1"/>
-          </p:cNvSpPr>
-          <p:nvPr>
-            <p:ph idx="1"/>
-          </p:nvPr>
-        </p:nvSpPr>
-        <p:spPr/>
-        <p:txBody>
-          <a:bodyPr>
-            <a:normAutofit/>
-          </a:bodyPr>
-          <a:lstStyle/>
-          <a:p>
-            <a:r>
-              <a:rPr lang="it-IT" dirty="0"/>
-              <a:t>La gestione della memoria virtuale è simile in entrambi i SO</a:t>
-            </a:r>
-          </a:p>
-          <a:p>
-            <a:pPr lvl="1"/>
-            <a:r>
-              <a:rPr lang="it-IT" dirty="0"/>
-              <a:t>Uso della paginazione, perciò della Page </a:t>
-            </a:r>
-            <a:r>
-              <a:rPr lang="it-IT" dirty="0" err="1"/>
-              <a:t>Table</a:t>
-            </a:r>
-            <a:endParaRPr lang="it-IT" dirty="0"/>
-          </a:p>
-          <a:p>
-            <a:pPr lvl="1"/>
-            <a:r>
-              <a:rPr lang="it-IT" dirty="0"/>
-              <a:t>Gestione similare della Frame </a:t>
-            </a:r>
-            <a:r>
-              <a:rPr lang="it-IT" dirty="0" err="1"/>
-              <a:t>Table</a:t>
-            </a:r>
-            <a:endParaRPr lang="it-IT" dirty="0"/>
-          </a:p>
-          <a:p>
-            <a:pPr lvl="1"/>
-            <a:r>
-              <a:rPr lang="it-IT" dirty="0"/>
-              <a:t>Stessa gestione dello spazio degli indirizzi dei processi</a:t>
-            </a:r>
-          </a:p>
-          <a:p>
-            <a:r>
-              <a:rPr lang="it-IT" dirty="0"/>
-              <a:t>Uso di strutture dati analoghe</a:t>
-            </a:r>
-          </a:p>
-          <a:p>
-            <a:pPr lvl="1"/>
-            <a:r>
-              <a:rPr lang="it-IT" dirty="0"/>
-              <a:t>Vettori</a:t>
-            </a:r>
-          </a:p>
-          <a:p>
-            <a:pPr lvl="1"/>
-            <a:r>
-              <a:rPr lang="it-IT" dirty="0"/>
-              <a:t>Bitmap</a:t>
-            </a:r>
-          </a:p>
-          <a:p>
-            <a:pPr lvl="1"/>
-            <a:r>
-              <a:rPr lang="it-IT" dirty="0"/>
-              <a:t>Liste</a:t>
-            </a:r>
-          </a:p>
-          <a:p>
-            <a:r>
-              <a:rPr lang="it-IT" dirty="0"/>
-              <a:t>Paginazione più complessa su OS161, quindi con più funzionalità</a:t>
-            </a:r>
-          </a:p>
-        </p:txBody>
-      </p:sp>
-    </p:spTree>
-    <p:extLst>
-      <p:ext uri="{BB962C8B-B14F-4D97-AF65-F5344CB8AC3E}">
-        <p14:creationId xmlns:p14="http://schemas.microsoft.com/office/powerpoint/2010/main" val="450538825"/>
-      </p:ext>
-    </p:extLst>
-  </p:cSld>
-  <p:clrMapOvr>
-    <a:masterClrMapping/>
-  </p:clrMapOvr>
-</p:sld>
-</file>
-
-<file path=ppt/slides/slide11.xml><?xml version="1.0" encoding="utf-8"?>
-<p:sld xmlns:a="http://schemas.openxmlformats.org/drawingml/2006/main" xmlns:r="http://schemas.openxmlformats.org/officeDocument/2006/relationships" xmlns:p="http://schemas.openxmlformats.org/presentationml/2006/main">
-  <p:cSld>
-    <p:spTree>
-      <p:nvGrpSpPr>
-        <p:cNvPr id="1" name=""/>
-        <p:cNvGrpSpPr/>
-        <p:nvPr/>
-      </p:nvGrpSpPr>
-      <p:grpSpPr>
-        <a:xfrm>
-          <a:off x="0" y="0"/>
-          <a:ext cx="0" cy="0"/>
-          <a:chOff x="0" y="0"/>
-          <a:chExt cx="0" cy="0"/>
-        </a:xfrm>
-      </p:grpSpPr>
-      <p:sp>
-        <p:nvSpPr>
-          <p:cNvPr id="2" name="Titolo 1">
-            <a:extLst>
-              <a:ext uri="{FF2B5EF4-FFF2-40B4-BE49-F238E27FC236}">
                 <a16:creationId xmlns:a16="http://schemas.microsoft.com/office/drawing/2014/main" id="{69441F67-1949-8EC8-EB98-85670AC3670C}"/>
               </a:ext>
             </a:extLst>
@@ -10533,7 +10363,7 @@
 </p:sld>
 </file>
 
-<file path=ppt/slides/slide12.xml><?xml version="1.0" encoding="utf-8"?>
+<file path=ppt/slides/slide11.xml><?xml version="1.0" encoding="utf-8"?>
 <p:sld xmlns:a="http://schemas.openxmlformats.org/drawingml/2006/main" xmlns:r="http://schemas.openxmlformats.org/officeDocument/2006/relationships" xmlns:p="http://schemas.openxmlformats.org/presentationml/2006/main">
   <p:cSld>
     <p:spTree>
@@ -12113,7 +11943,7 @@
           <p:cNvPr id="2" name="Titolo 1">
             <a:extLst>
               <a:ext uri="{FF2B5EF4-FFF2-40B4-BE49-F238E27FC236}">
-                <a16:creationId xmlns:a16="http://schemas.microsoft.com/office/drawing/2014/main" id="{69441F67-1949-8EC8-EB98-85670AC3670C}"/>
+                <a16:creationId xmlns:a16="http://schemas.microsoft.com/office/drawing/2014/main" id="{A8407669-AD4A-530A-308F-4AD673D020A5}"/>
               </a:ext>
             </a:extLst>
           </p:cNvPr>
@@ -12126,9 +11956,7 @@
         </p:nvSpPr>
         <p:spPr/>
         <p:txBody>
-          <a:bodyPr>
-            <a:normAutofit/>
-          </a:bodyPr>
+          <a:bodyPr/>
           <a:lstStyle/>
           <a:p>
             <a:r>
@@ -12137,7 +11965,7 @@
             </a:r>
             <a:r>
               <a:rPr lang="it-IT" dirty="0"/>
-              <a:t> e </a:t>
+              <a:t> e  </a:t>
             </a:r>
             <a:r>
               <a:rPr lang="it-IT" dirty="0" err="1"/>
@@ -12157,10 +11985,10 @@
       </p:sp>
       <p:sp>
         <p:nvSpPr>
-          <p:cNvPr id="4" name="Segnaposto testo 3">
+          <p:cNvPr id="3" name="Segnaposto contenuto 2">
             <a:extLst>
               <a:ext uri="{FF2B5EF4-FFF2-40B4-BE49-F238E27FC236}">
-                <a16:creationId xmlns:a16="http://schemas.microsoft.com/office/drawing/2014/main" id="{3484543A-BB31-0207-182F-1F1C206F0C68}"/>
+                <a16:creationId xmlns:a16="http://schemas.microsoft.com/office/drawing/2014/main" id="{81551D5C-43AF-6C06-2D96-A6CA08117673}"/>
               </a:ext>
             </a:extLst>
           </p:cNvPr>
@@ -12168,103 +11996,91 @@
             <a:spLocks noGrp="1"/>
           </p:cNvSpPr>
           <p:nvPr>
-            <p:ph type="body" idx="1"/>
+            <p:ph idx="1"/>
           </p:nvPr>
         </p:nvSpPr>
         <p:spPr/>
         <p:txBody>
-          <a:bodyPr/>
+          <a:bodyPr>
+            <a:normAutofit/>
+          </a:bodyPr>
           <a:lstStyle/>
           <a:p>
             <a:r>
               <a:rPr lang="it-IT" dirty="0"/>
-              <a:t>OS161</a:t>
-            </a:r>
-          </a:p>
-        </p:txBody>
-      </p:sp>
-      <p:sp>
-        <p:nvSpPr>
-          <p:cNvPr id="8" name="Segnaposto contenuto 7">
-            <a:extLst>
-              <a:ext uri="{FF2B5EF4-FFF2-40B4-BE49-F238E27FC236}">
-                <a16:creationId xmlns:a16="http://schemas.microsoft.com/office/drawing/2014/main" id="{A1E5DF89-94E7-98C4-F563-B3A43317A1CE}"/>
-              </a:ext>
-            </a:extLst>
-          </p:cNvPr>
-          <p:cNvSpPr>
-            <a:spLocks noGrp="1"/>
-          </p:cNvSpPr>
-          <p:nvPr>
-            <p:ph sz="half" idx="2"/>
-          </p:nvPr>
-        </p:nvSpPr>
-        <p:spPr/>
-        <p:txBody>
-          <a:bodyPr/>
-          <a:lstStyle/>
-          <a:p>
-            <a:endParaRPr lang="it-IT"/>
-          </a:p>
-        </p:txBody>
-      </p:sp>
-      <p:sp>
-        <p:nvSpPr>
-          <p:cNvPr id="9" name="Segnaposto testo 8">
-            <a:extLst>
-              <a:ext uri="{FF2B5EF4-FFF2-40B4-BE49-F238E27FC236}">
-                <a16:creationId xmlns:a16="http://schemas.microsoft.com/office/drawing/2014/main" id="{00842FCF-9A2A-27B3-4ED6-BB0713CE4444}"/>
-              </a:ext>
-            </a:extLst>
-          </p:cNvPr>
-          <p:cNvSpPr>
-            <a:spLocks noGrp="1"/>
-          </p:cNvSpPr>
-          <p:nvPr>
-            <p:ph type="body" sz="quarter" idx="3"/>
-          </p:nvPr>
-        </p:nvSpPr>
-        <p:spPr/>
-        <p:txBody>
-          <a:bodyPr/>
-          <a:lstStyle/>
-          <a:p>
+              <a:t>La gestione della memoria virtuale è simile in entrambi i SO</a:t>
+            </a:r>
+          </a:p>
+          <a:p>
+            <a:pPr lvl="1"/>
             <a:r>
               <a:rPr lang="it-IT" dirty="0"/>
-              <a:t>PINTOS</a:t>
-            </a:r>
-          </a:p>
-        </p:txBody>
-      </p:sp>
-      <p:sp>
-        <p:nvSpPr>
-          <p:cNvPr id="10" name="Segnaposto contenuto 9">
-            <a:extLst>
-              <a:ext uri="{FF2B5EF4-FFF2-40B4-BE49-F238E27FC236}">
-                <a16:creationId xmlns:a16="http://schemas.microsoft.com/office/drawing/2014/main" id="{3CDA2ECB-1671-3745-42C6-213A778ECD29}"/>
-              </a:ext>
-            </a:extLst>
-          </p:cNvPr>
-          <p:cNvSpPr>
-            <a:spLocks noGrp="1"/>
-          </p:cNvSpPr>
-          <p:nvPr>
-            <p:ph sz="quarter" idx="4"/>
-          </p:nvPr>
-        </p:nvSpPr>
-        <p:spPr/>
-        <p:txBody>
-          <a:bodyPr/>
-          <a:lstStyle/>
-          <a:p>
-            <a:endParaRPr lang="it-IT"/>
+              <a:t>Uso della paginazione, perciò della Page </a:t>
+            </a:r>
+            <a:r>
+              <a:rPr lang="it-IT" dirty="0" err="1"/>
+              <a:t>Table</a:t>
+            </a:r>
+            <a:endParaRPr lang="it-IT" dirty="0"/>
+          </a:p>
+          <a:p>
+            <a:pPr lvl="1"/>
+            <a:r>
+              <a:rPr lang="it-IT" dirty="0"/>
+              <a:t>Gestione similare della Frame </a:t>
+            </a:r>
+            <a:r>
+              <a:rPr lang="it-IT" dirty="0" err="1"/>
+              <a:t>Table</a:t>
+            </a:r>
+            <a:endParaRPr lang="it-IT" dirty="0"/>
+          </a:p>
+          <a:p>
+            <a:pPr lvl="1"/>
+            <a:r>
+              <a:rPr lang="it-IT" dirty="0"/>
+              <a:t>Stessa gestione dello spazio degli indirizzi dei processi</a:t>
+            </a:r>
+          </a:p>
+          <a:p>
+            <a:r>
+              <a:rPr lang="it-IT" dirty="0"/>
+              <a:t>Uso di strutture dati analoghe</a:t>
+            </a:r>
+          </a:p>
+          <a:p>
+            <a:pPr lvl="1"/>
+            <a:r>
+              <a:rPr lang="it-IT" dirty="0"/>
+              <a:t>Vettori</a:t>
+            </a:r>
+          </a:p>
+          <a:p>
+            <a:pPr lvl="1"/>
+            <a:r>
+              <a:rPr lang="it-IT" dirty="0"/>
+              <a:t>Bitmap</a:t>
+            </a:r>
+          </a:p>
+          <a:p>
+            <a:pPr lvl="1"/>
+            <a:r>
+              <a:rPr lang="it-IT" dirty="0"/>
+              <a:t>Liste</a:t>
+            </a:r>
+          </a:p>
+          <a:p>
+            <a:r>
+              <a:rPr lang="it-IT" dirty="0"/>
+              <a:t>Paginazione più complessa su OS161, quindi con più funzionalità</a:t>
+            </a:r>
           </a:p>
         </p:txBody>
       </p:sp>
     </p:spTree>
     <p:extLst>
       <p:ext uri="{BB962C8B-B14F-4D97-AF65-F5344CB8AC3E}">
-        <p14:creationId xmlns:p14="http://schemas.microsoft.com/office/powerpoint/2010/main" val="1787713386"/>
+        <p14:creationId xmlns:p14="http://schemas.microsoft.com/office/powerpoint/2010/main" val="450538825"/>
       </p:ext>
     </p:extLst>
   </p:cSld>

--- a/Progetto_SO.pptx
+++ b/Progetto_SO.pptx
@@ -15,7 +15,10 @@
     <p:sldId id="269" r:id="rId9"/>
     <p:sldId id="286" r:id="rId10"/>
     <p:sldId id="279" r:id="rId11"/>
-    <p:sldId id="284" r:id="rId12"/>
+    <p:sldId id="287" r:id="rId12"/>
+    <p:sldId id="288" r:id="rId13"/>
+    <p:sldId id="289" r:id="rId14"/>
+    <p:sldId id="284" r:id="rId15"/>
   </p:sldIdLst>
   <p:sldSz cx="12192000" cy="6858000"/>
   <p:notesSz cx="6858000" cy="9144000"/>
@@ -6555,7 +6558,7 @@
           <a:p>
             <a:fld id="{F259A98E-7D3E-4BAE-A284-2CE0D83E33BF}" type="datetimeFigureOut">
               <a:rPr lang="it-IT" smtClean="0"/>
-              <a:t>03/01/2024</a:t>
+              <a:t>04/01/2024</a:t>
             </a:fld>
             <a:endParaRPr lang="it-IT"/>
           </a:p>
@@ -6817,7 +6820,7 @@
           <a:p>
             <a:fld id="{F259A98E-7D3E-4BAE-A284-2CE0D83E33BF}" type="datetimeFigureOut">
               <a:rPr lang="it-IT" smtClean="0"/>
-              <a:t>03/01/2024</a:t>
+              <a:t>04/01/2024</a:t>
             </a:fld>
             <a:endParaRPr lang="it-IT"/>
           </a:p>
@@ -7052,7 +7055,7 @@
           <a:p>
             <a:fld id="{F259A98E-7D3E-4BAE-A284-2CE0D83E33BF}" type="datetimeFigureOut">
               <a:rPr lang="it-IT" smtClean="0"/>
-              <a:t>03/01/2024</a:t>
+              <a:t>04/01/2024</a:t>
             </a:fld>
             <a:endParaRPr lang="it-IT"/>
           </a:p>
@@ -7292,7 +7295,7 @@
           <a:p>
             <a:fld id="{F259A98E-7D3E-4BAE-A284-2CE0D83E33BF}" type="datetimeFigureOut">
               <a:rPr lang="it-IT" smtClean="0"/>
-              <a:t>03/01/2024</a:t>
+              <a:t>04/01/2024</a:t>
             </a:fld>
             <a:endParaRPr lang="it-IT"/>
           </a:p>
@@ -7599,7 +7602,7 @@
           <a:p>
             <a:fld id="{F259A98E-7D3E-4BAE-A284-2CE0D83E33BF}" type="datetimeFigureOut">
               <a:rPr lang="it-IT" smtClean="0"/>
-              <a:t>03/01/2024</a:t>
+              <a:t>04/01/2024</a:t>
             </a:fld>
             <a:endParaRPr lang="it-IT"/>
           </a:p>
@@ -7901,7 +7904,7 @@
           <a:p>
             <a:fld id="{F259A98E-7D3E-4BAE-A284-2CE0D83E33BF}" type="datetimeFigureOut">
               <a:rPr lang="it-IT" smtClean="0"/>
-              <a:t>03/01/2024</a:t>
+              <a:t>04/01/2024</a:t>
             </a:fld>
             <a:endParaRPr lang="it-IT"/>
           </a:p>
@@ -8323,7 +8326,7 @@
           <a:p>
             <a:fld id="{F259A98E-7D3E-4BAE-A284-2CE0D83E33BF}" type="datetimeFigureOut">
               <a:rPr lang="it-IT" smtClean="0"/>
-              <a:t>03/01/2024</a:t>
+              <a:t>04/01/2024</a:t>
             </a:fld>
             <a:endParaRPr lang="it-IT"/>
           </a:p>
@@ -8418,7 +8421,7 @@
           <a:p>
             <a:fld id="{F259A98E-7D3E-4BAE-A284-2CE0D83E33BF}" type="datetimeFigureOut">
               <a:rPr lang="it-IT" smtClean="0"/>
-              <a:t>03/01/2024</a:t>
+              <a:t>04/01/2024</a:t>
             </a:fld>
             <a:endParaRPr lang="it-IT"/>
           </a:p>
@@ -8580,7 +8583,7 @@
           <a:p>
             <a:fld id="{F259A98E-7D3E-4BAE-A284-2CE0D83E33BF}" type="datetimeFigureOut">
               <a:rPr lang="it-IT" smtClean="0"/>
-              <a:t>03/01/2024</a:t>
+              <a:t>04/01/2024</a:t>
             </a:fld>
             <a:endParaRPr lang="it-IT"/>
           </a:p>
@@ -8958,7 +8961,7 @@
           <a:p>
             <a:fld id="{F259A98E-7D3E-4BAE-A284-2CE0D83E33BF}" type="datetimeFigureOut">
               <a:rPr lang="it-IT" smtClean="0"/>
-              <a:t>03/01/2024</a:t>
+              <a:t>04/01/2024</a:t>
             </a:fld>
             <a:endParaRPr lang="it-IT"/>
           </a:p>
@@ -9247,7 +9250,7 @@
           <a:p>
             <a:fld id="{F259A98E-7D3E-4BAE-A284-2CE0D83E33BF}" type="datetimeFigureOut">
               <a:rPr lang="it-IT" smtClean="0"/>
-              <a:t>03/01/2024</a:t>
+              <a:t>04/01/2024</a:t>
             </a:fld>
             <a:endParaRPr lang="it-IT"/>
           </a:p>
@@ -9458,7 +9461,7 @@
           <a:p>
             <a:fld id="{F259A98E-7D3E-4BAE-A284-2CE0D83E33BF}" type="datetimeFigureOut">
               <a:rPr lang="it-IT" smtClean="0"/>
-              <a:t>03/01/2024</a:t>
+              <a:t>04/01/2024</a:t>
             </a:fld>
             <a:endParaRPr lang="it-IT"/>
           </a:p>
@@ -10239,8 +10242,17 @@
           <a:p>
             <a:r>
               <a:rPr lang="it-IT" dirty="0"/>
-              <a:t>Meccanismi di sincronizzazione</a:t>
-            </a:r>
+              <a:t>Meccanismi di sincronizzazione </a:t>
+            </a:r>
+            <a:r>
+              <a:rPr lang="it-IT" sz="1600" dirty="0"/>
+              <a:t>– Interrupt </a:t>
+            </a:r>
+            <a:r>
+              <a:rPr lang="it-IT" sz="1600" dirty="0" err="1"/>
+              <a:t>disable</a:t>
+            </a:r>
+            <a:endParaRPr lang="it-IT" dirty="0"/>
           </a:p>
         </p:txBody>
       </p:sp>
@@ -10260,7 +10272,12 @@
             <p:ph type="body" idx="1"/>
           </p:nvPr>
         </p:nvSpPr>
-        <p:spPr/>
+        <p:spPr>
+          <a:xfrm>
+            <a:off x="887219" y="2913503"/>
+            <a:ext cx="5087075" cy="536005"/>
+          </a:xfrm>
+        </p:spPr>
         <p:txBody>
           <a:bodyPr/>
           <a:lstStyle/>
@@ -10288,12 +10305,104 @@
             <p:ph sz="half" idx="2"/>
           </p:nvPr>
         </p:nvSpPr>
-        <p:spPr/>
+        <p:spPr>
+          <a:xfrm>
+            <a:off x="581194" y="3588663"/>
+            <a:ext cx="5393100" cy="2934999"/>
+          </a:xfrm>
+        </p:spPr>
         <p:txBody>
-          <a:bodyPr/>
+          <a:bodyPr>
+            <a:normAutofit lnSpcReduction="10000"/>
+          </a:bodyPr>
           <a:lstStyle/>
           <a:p>
-            <a:endParaRPr lang="it-IT"/>
+            <a:r>
+              <a:rPr lang="it-IT" dirty="0"/>
+              <a:t>Dà la possibilità di modificare la priorità degli interrupt e di abilitarli/disabilitarli</a:t>
+            </a:r>
+          </a:p>
+          <a:p>
+            <a:r>
+              <a:rPr lang="it-IT" b="1" dirty="0"/>
+              <a:t>spl0</a:t>
+            </a:r>
+            <a:r>
+              <a:rPr lang="it-IT" dirty="0"/>
+              <a:t>() </a:t>
+            </a:r>
+            <a:r>
+              <a:rPr lang="it-IT" dirty="0">
+                <a:sym typeface="Wingdings" panose="05000000000000000000" pitchFamily="2" charset="2"/>
+              </a:rPr>
+              <a:t> </a:t>
+            </a:r>
+            <a:r>
+              <a:rPr lang="it-IT" altLang="it-IT" dirty="0"/>
+              <a:t>imposta IPL su 0, abilitando tutti gli interrupt </a:t>
+            </a:r>
+            <a:endParaRPr lang="it-IT" dirty="0"/>
+          </a:p>
+          <a:p>
+            <a:r>
+              <a:rPr lang="it-IT" b="1" dirty="0" err="1"/>
+              <a:t>splhigh</a:t>
+            </a:r>
+            <a:r>
+              <a:rPr lang="it-IT" dirty="0"/>
+              <a:t>() </a:t>
+            </a:r>
+            <a:r>
+              <a:rPr lang="it-IT" dirty="0">
+                <a:sym typeface="Wingdings" panose="05000000000000000000" pitchFamily="2" charset="2"/>
+              </a:rPr>
+              <a:t> i</a:t>
+            </a:r>
+            <a:r>
+              <a:rPr lang="it-IT" altLang="it-IT" dirty="0"/>
+              <a:t>mposta IPL al valore più alto, disabilitando tutti gli interrupt. </a:t>
+            </a:r>
+            <a:endParaRPr lang="it-IT" dirty="0"/>
+          </a:p>
+          <a:p>
+            <a:r>
+              <a:rPr lang="it-IT" b="1" dirty="0" err="1"/>
+              <a:t>splx</a:t>
+            </a:r>
+            <a:r>
+              <a:rPr lang="it-IT" dirty="0"/>
+              <a:t>(S) </a:t>
+            </a:r>
+            <a:r>
+              <a:rPr lang="it-IT" dirty="0">
+                <a:sym typeface="Wingdings" panose="05000000000000000000" pitchFamily="2" charset="2"/>
+              </a:rPr>
+              <a:t> imposta IPL al valore S, abilitando lo stato rappresentato da S</a:t>
+            </a:r>
+          </a:p>
+          <a:p>
+            <a:r>
+              <a:rPr lang="it-IT" sz="1400" i="1" dirty="0" err="1">
+                <a:sym typeface="Wingdings" panose="05000000000000000000" pitchFamily="2" charset="2"/>
+              </a:rPr>
+              <a:t>kern</a:t>
+            </a:r>
+            <a:r>
+              <a:rPr lang="it-IT" sz="1400" i="1" dirty="0">
+                <a:sym typeface="Wingdings" panose="05000000000000000000" pitchFamily="2" charset="2"/>
+              </a:rPr>
+              <a:t>/include/</a:t>
+            </a:r>
+            <a:r>
+              <a:rPr lang="it-IT" sz="1400" i="1" dirty="0" err="1">
+                <a:sym typeface="Wingdings" panose="05000000000000000000" pitchFamily="2" charset="2"/>
+              </a:rPr>
+              <a:t>spl.h</a:t>
+            </a:r>
+            <a:endParaRPr lang="it-IT" sz="1400" i="1" dirty="0"/>
+          </a:p>
+          <a:p>
+            <a:endParaRPr lang="it-IT" dirty="0"/>
           </a:p>
         </p:txBody>
       </p:sp>
@@ -10313,7 +10422,12 @@
             <p:ph type="body" sz="quarter" idx="3"/>
           </p:nvPr>
         </p:nvSpPr>
-        <p:spPr/>
+        <p:spPr>
+          <a:xfrm>
+            <a:off x="6523735" y="2913503"/>
+            <a:ext cx="5087073" cy="553373"/>
+          </a:xfrm>
+        </p:spPr>
         <p:txBody>
           <a:bodyPr/>
           <a:lstStyle/>
@@ -10341,12 +10455,351 @@
             <p:ph sz="quarter" idx="4"/>
           </p:nvPr>
         </p:nvSpPr>
-        <p:spPr/>
+        <p:spPr>
+          <a:xfrm>
+            <a:off x="6217709" y="3588663"/>
+            <a:ext cx="5393100" cy="2934999"/>
+          </a:xfrm>
+        </p:spPr>
         <p:txBody>
-          <a:bodyPr/>
+          <a:bodyPr>
+            <a:normAutofit lnSpcReduction="10000"/>
+          </a:bodyPr>
           <a:lstStyle/>
           <a:p>
-            <a:endParaRPr lang="it-IT"/>
+            <a:r>
+              <a:rPr lang="it-IT" dirty="0"/>
+              <a:t>Dà la possibilità di abilitare/disabilitare gli interrupt ma </a:t>
+            </a:r>
+            <a:r>
+              <a:rPr lang="it-IT" b="1" dirty="0"/>
+              <a:t>non</a:t>
+            </a:r>
+            <a:r>
+              <a:rPr lang="it-IT" dirty="0"/>
+              <a:t> dà la possibilità di controllare la priorità degli interrupt</a:t>
+            </a:r>
+          </a:p>
+          <a:p>
+            <a:r>
+              <a:rPr lang="it-IT" b="1" dirty="0" err="1"/>
+              <a:t>intr_enable</a:t>
+            </a:r>
+            <a:r>
+              <a:rPr lang="it-IT" dirty="0"/>
+              <a:t>() </a:t>
+            </a:r>
+            <a:r>
+              <a:rPr lang="it-IT" dirty="0">
+                <a:sym typeface="Wingdings" panose="05000000000000000000" pitchFamily="2" charset="2"/>
+              </a:rPr>
+              <a:t> abilita gli interrupt</a:t>
+            </a:r>
+            <a:endParaRPr lang="it-IT" dirty="0"/>
+          </a:p>
+          <a:p>
+            <a:r>
+              <a:rPr lang="it-IT" b="1" dirty="0" err="1"/>
+              <a:t>intr_disable</a:t>
+            </a:r>
+            <a:r>
+              <a:rPr lang="it-IT" dirty="0"/>
+              <a:t>() </a:t>
+            </a:r>
+            <a:r>
+              <a:rPr lang="it-IT" dirty="0">
+                <a:sym typeface="Wingdings" panose="05000000000000000000" pitchFamily="2" charset="2"/>
+              </a:rPr>
+              <a:t> disabilita gli interrupt</a:t>
+            </a:r>
+          </a:p>
+          <a:p>
+            <a:r>
+              <a:rPr lang="it-IT" sz="1400" i="1" dirty="0" err="1">
+                <a:sym typeface="Wingdings" panose="05000000000000000000" pitchFamily="2" charset="2"/>
+              </a:rPr>
+              <a:t>src</a:t>
+            </a:r>
+            <a:r>
+              <a:rPr lang="it-IT" sz="1400" i="1" dirty="0">
+                <a:sym typeface="Wingdings" panose="05000000000000000000" pitchFamily="2" charset="2"/>
+              </a:rPr>
+              <a:t>/</a:t>
+            </a:r>
+            <a:r>
+              <a:rPr lang="it-IT" sz="1400" i="1" dirty="0" err="1">
+                <a:sym typeface="Wingdings" panose="05000000000000000000" pitchFamily="2" charset="2"/>
+              </a:rPr>
+              <a:t>thread</a:t>
+            </a:r>
+            <a:r>
+              <a:rPr lang="it-IT" sz="1400" i="1" dirty="0">
+                <a:sym typeface="Wingdings" panose="05000000000000000000" pitchFamily="2" charset="2"/>
+              </a:rPr>
+              <a:t>/</a:t>
+            </a:r>
+            <a:r>
+              <a:rPr lang="it-IT" sz="1400" i="1" dirty="0" err="1">
+                <a:sym typeface="Wingdings" panose="05000000000000000000" pitchFamily="2" charset="2"/>
+              </a:rPr>
+              <a:t>interrupt.h</a:t>
+            </a:r>
+            <a:endParaRPr lang="it-IT" sz="1400" dirty="0"/>
+          </a:p>
+        </p:txBody>
+      </p:sp>
+      <p:sp>
+        <p:nvSpPr>
+          <p:cNvPr id="3" name="Segnaposto testo 3">
+            <a:extLst>
+              <a:ext uri="{FF2B5EF4-FFF2-40B4-BE49-F238E27FC236}">
+                <a16:creationId xmlns:a16="http://schemas.microsoft.com/office/drawing/2014/main" id="{DD092F63-1123-8337-F4DC-4B5BF08C3E1F}"/>
+              </a:ext>
+            </a:extLst>
+          </p:cNvPr>
+          <p:cNvSpPr txBox="1">
+            <a:spLocks/>
+          </p:cNvSpPr>
+          <p:nvPr/>
+        </p:nvSpPr>
+        <p:spPr>
+          <a:xfrm>
+            <a:off x="615548" y="1999040"/>
+            <a:ext cx="11245148" cy="921080"/>
+          </a:xfrm>
+          <a:prstGeom prst="rect">
+            <a:avLst/>
+          </a:prstGeom>
+        </p:spPr>
+        <p:txBody>
+          <a:bodyPr vert="horz" lIns="91440" tIns="45720" rIns="91440" bIns="45720" rtlCol="0" anchor="b">
+            <a:noAutofit/>
+          </a:bodyPr>
+          <a:lstStyle>
+            <a:lvl1pPr marL="0" indent="0" algn="l" defTabSz="457200" rtl="0" eaLnBrk="1" latinLnBrk="0" hangingPunct="1">
+              <a:spcBef>
+                <a:spcPct val="20000"/>
+              </a:spcBef>
+              <a:spcAft>
+                <a:spcPts val="600"/>
+              </a:spcAft>
+              <a:buClr>
+                <a:schemeClr val="accent2"/>
+              </a:buClr>
+              <a:buSzPct val="92000"/>
+              <a:buFont typeface="Wingdings 2" panose="05020102010507070707" pitchFamily="18" charset="2"/>
+              <a:buNone/>
+              <a:defRPr sz="2200" b="0" kern="1200">
+                <a:solidFill>
+                  <a:schemeClr val="accent2"/>
+                </a:solidFill>
+                <a:latin typeface="+mn-lt"/>
+                <a:ea typeface="+mn-ea"/>
+                <a:cs typeface="+mn-cs"/>
+              </a:defRPr>
+            </a:lvl1pPr>
+            <a:lvl2pPr marL="457200" indent="0" algn="l" defTabSz="457200" rtl="0" eaLnBrk="1" latinLnBrk="0" hangingPunct="1">
+              <a:spcBef>
+                <a:spcPct val="20000"/>
+              </a:spcBef>
+              <a:spcAft>
+                <a:spcPts val="600"/>
+              </a:spcAft>
+              <a:buClr>
+                <a:schemeClr val="accent2"/>
+              </a:buClr>
+              <a:buSzPct val="92000"/>
+              <a:buFont typeface="Wingdings 2" panose="05020102010507070707" pitchFamily="18" charset="2"/>
+              <a:buNone/>
+              <a:defRPr sz="2000" b="1" kern="1200">
+                <a:solidFill>
+                  <a:schemeClr val="tx2"/>
+                </a:solidFill>
+                <a:latin typeface="+mn-lt"/>
+                <a:ea typeface="+mn-ea"/>
+                <a:cs typeface="+mn-cs"/>
+              </a:defRPr>
+            </a:lvl2pPr>
+            <a:lvl3pPr marL="914400" indent="0" algn="l" defTabSz="457200" rtl="0" eaLnBrk="1" latinLnBrk="0" hangingPunct="1">
+              <a:spcBef>
+                <a:spcPct val="20000"/>
+              </a:spcBef>
+              <a:spcAft>
+                <a:spcPts val="600"/>
+              </a:spcAft>
+              <a:buClr>
+                <a:schemeClr val="accent2"/>
+              </a:buClr>
+              <a:buSzPct val="92000"/>
+              <a:buFont typeface="Wingdings 2" panose="05020102010507070707" pitchFamily="18" charset="2"/>
+              <a:buNone/>
+              <a:defRPr sz="1800" b="1" kern="1200">
+                <a:solidFill>
+                  <a:schemeClr val="tx2"/>
+                </a:solidFill>
+                <a:latin typeface="+mn-lt"/>
+                <a:ea typeface="+mn-ea"/>
+                <a:cs typeface="+mn-cs"/>
+              </a:defRPr>
+            </a:lvl3pPr>
+            <a:lvl4pPr marL="1371600" indent="0" algn="l" defTabSz="457200" rtl="0" eaLnBrk="1" latinLnBrk="0" hangingPunct="1">
+              <a:spcBef>
+                <a:spcPct val="20000"/>
+              </a:spcBef>
+              <a:spcAft>
+                <a:spcPts val="600"/>
+              </a:spcAft>
+              <a:buClr>
+                <a:schemeClr val="accent2"/>
+              </a:buClr>
+              <a:buSzPct val="92000"/>
+              <a:buFont typeface="Wingdings 2" panose="05020102010507070707" pitchFamily="18" charset="2"/>
+              <a:buNone/>
+              <a:defRPr sz="1600" b="1" kern="1200">
+                <a:solidFill>
+                  <a:schemeClr val="tx2"/>
+                </a:solidFill>
+                <a:latin typeface="+mn-lt"/>
+                <a:ea typeface="+mn-ea"/>
+                <a:cs typeface="+mn-cs"/>
+              </a:defRPr>
+            </a:lvl4pPr>
+            <a:lvl5pPr marL="1828800" indent="0" algn="l" defTabSz="457200" rtl="0" eaLnBrk="1" latinLnBrk="0" hangingPunct="1">
+              <a:spcBef>
+                <a:spcPct val="20000"/>
+              </a:spcBef>
+              <a:spcAft>
+                <a:spcPts val="600"/>
+              </a:spcAft>
+              <a:buClr>
+                <a:schemeClr val="accent2"/>
+              </a:buClr>
+              <a:buSzPct val="92000"/>
+              <a:buFont typeface="Wingdings 2" panose="05020102010507070707" pitchFamily="18" charset="2"/>
+              <a:buNone/>
+              <a:defRPr sz="1600" b="1" kern="1200">
+                <a:solidFill>
+                  <a:schemeClr val="tx2"/>
+                </a:solidFill>
+                <a:latin typeface="+mn-lt"/>
+                <a:ea typeface="+mn-ea"/>
+                <a:cs typeface="+mn-cs"/>
+              </a:defRPr>
+            </a:lvl5pPr>
+            <a:lvl6pPr marL="2286000" indent="0" algn="l" defTabSz="457200" rtl="0" eaLnBrk="1" latinLnBrk="0" hangingPunct="1">
+              <a:spcBef>
+                <a:spcPct val="20000"/>
+              </a:spcBef>
+              <a:spcAft>
+                <a:spcPts val="600"/>
+              </a:spcAft>
+              <a:buClr>
+                <a:schemeClr val="accent2"/>
+              </a:buClr>
+              <a:buSzPct val="92000"/>
+              <a:buFont typeface="Wingdings 2" panose="05020102010507070707" pitchFamily="18" charset="2"/>
+              <a:buNone/>
+              <a:defRPr sz="1600" b="1" kern="1200">
+                <a:solidFill>
+                  <a:schemeClr val="tx2"/>
+                </a:solidFill>
+                <a:latin typeface="+mn-lt"/>
+                <a:ea typeface="+mn-ea"/>
+                <a:cs typeface="+mn-cs"/>
+              </a:defRPr>
+            </a:lvl6pPr>
+            <a:lvl7pPr marL="2743200" indent="0" algn="l" defTabSz="457200" rtl="0" eaLnBrk="1" latinLnBrk="0" hangingPunct="1">
+              <a:spcBef>
+                <a:spcPct val="20000"/>
+              </a:spcBef>
+              <a:spcAft>
+                <a:spcPts val="600"/>
+              </a:spcAft>
+              <a:buClr>
+                <a:schemeClr val="accent2"/>
+              </a:buClr>
+              <a:buSzPct val="92000"/>
+              <a:buFont typeface="Wingdings 2" panose="05020102010507070707" pitchFamily="18" charset="2"/>
+              <a:buNone/>
+              <a:defRPr sz="1600" b="1" kern="1200">
+                <a:solidFill>
+                  <a:schemeClr val="tx2"/>
+                </a:solidFill>
+                <a:latin typeface="+mn-lt"/>
+                <a:ea typeface="+mn-ea"/>
+                <a:cs typeface="+mn-cs"/>
+              </a:defRPr>
+            </a:lvl7pPr>
+            <a:lvl8pPr marL="3200400" indent="0" algn="l" defTabSz="457200" rtl="0" eaLnBrk="1" latinLnBrk="0" hangingPunct="1">
+              <a:spcBef>
+                <a:spcPct val="20000"/>
+              </a:spcBef>
+              <a:spcAft>
+                <a:spcPts val="600"/>
+              </a:spcAft>
+              <a:buClr>
+                <a:schemeClr val="accent2"/>
+              </a:buClr>
+              <a:buSzPct val="92000"/>
+              <a:buFont typeface="Wingdings 2" panose="05020102010507070707" pitchFamily="18" charset="2"/>
+              <a:buNone/>
+              <a:defRPr sz="1600" b="1" kern="1200">
+                <a:solidFill>
+                  <a:schemeClr val="tx2"/>
+                </a:solidFill>
+                <a:latin typeface="+mn-lt"/>
+                <a:ea typeface="+mn-ea"/>
+                <a:cs typeface="+mn-cs"/>
+              </a:defRPr>
+            </a:lvl8pPr>
+            <a:lvl9pPr marL="3657600" indent="0" algn="l" defTabSz="457200" rtl="0" eaLnBrk="1" latinLnBrk="0" hangingPunct="1">
+              <a:spcBef>
+                <a:spcPct val="20000"/>
+              </a:spcBef>
+              <a:spcAft>
+                <a:spcPts val="600"/>
+              </a:spcAft>
+              <a:buClr>
+                <a:schemeClr val="accent2"/>
+              </a:buClr>
+              <a:buSzPct val="92000"/>
+              <a:buFont typeface="Wingdings 2" panose="05020102010507070707" pitchFamily="18" charset="2"/>
+              <a:buNone/>
+              <a:defRPr sz="1600" b="1" kern="1200">
+                <a:solidFill>
+                  <a:schemeClr val="tx2"/>
+                </a:solidFill>
+                <a:latin typeface="+mn-lt"/>
+                <a:ea typeface="+mn-ea"/>
+                <a:cs typeface="+mn-cs"/>
+              </a:defRPr>
+            </a:lvl9pPr>
+          </a:lstStyle>
+          <a:p>
+            <a:r>
+              <a:rPr lang="it-IT" sz="2000" dirty="0">
+                <a:solidFill>
+                  <a:schemeClr val="tx1"/>
+                </a:solidFill>
+              </a:rPr>
+              <a:t>Sia OS161 che </a:t>
+            </a:r>
+            <a:r>
+              <a:rPr lang="it-IT" sz="2000" dirty="0" err="1">
+                <a:solidFill>
+                  <a:schemeClr val="tx1"/>
+                </a:solidFill>
+              </a:rPr>
+              <a:t>PintOS</a:t>
+            </a:r>
+            <a:r>
+              <a:rPr lang="it-IT" sz="2000" dirty="0">
+                <a:solidFill>
+                  <a:schemeClr val="tx1"/>
+                </a:solidFill>
+              </a:rPr>
+              <a:t> danno la possibilità di abilitare/disabilitare gli interrupt per poter gestire le sezioni critiche</a:t>
+            </a:r>
           </a:p>
         </p:txBody>
       </p:sp>
@@ -10364,6 +10817,1708 @@
 </file>
 
 <file path=ppt/slides/slide11.xml><?xml version="1.0" encoding="utf-8"?>
+<p:sld xmlns:a="http://schemas.openxmlformats.org/drawingml/2006/main" xmlns:r="http://schemas.openxmlformats.org/officeDocument/2006/relationships" xmlns:p="http://schemas.openxmlformats.org/presentationml/2006/main">
+  <p:cSld>
+    <p:spTree>
+      <p:nvGrpSpPr>
+        <p:cNvPr id="1" name=""/>
+        <p:cNvGrpSpPr/>
+        <p:nvPr/>
+      </p:nvGrpSpPr>
+      <p:grpSpPr>
+        <a:xfrm>
+          <a:off x="0" y="0"/>
+          <a:ext cx="0" cy="0"/>
+          <a:chOff x="0" y="0"/>
+          <a:chExt cx="0" cy="0"/>
+        </a:xfrm>
+      </p:grpSpPr>
+      <p:sp>
+        <p:nvSpPr>
+          <p:cNvPr id="2" name="Titolo 1">
+            <a:extLst>
+              <a:ext uri="{FF2B5EF4-FFF2-40B4-BE49-F238E27FC236}">
+                <a16:creationId xmlns:a16="http://schemas.microsoft.com/office/drawing/2014/main" id="{69441F67-1949-8EC8-EB98-85670AC3670C}"/>
+              </a:ext>
+            </a:extLst>
+          </p:cNvPr>
+          <p:cNvSpPr>
+            <a:spLocks noGrp="1"/>
+          </p:cNvSpPr>
+          <p:nvPr>
+            <p:ph type="title"/>
+          </p:nvPr>
+        </p:nvSpPr>
+        <p:spPr/>
+        <p:txBody>
+          <a:bodyPr>
+            <a:normAutofit/>
+          </a:bodyPr>
+          <a:lstStyle/>
+          <a:p>
+            <a:r>
+              <a:rPr lang="it-IT" dirty="0"/>
+              <a:t>Meccanismi di sincronizzazione </a:t>
+            </a:r>
+            <a:r>
+              <a:rPr lang="it-IT" sz="1600" dirty="0"/>
+              <a:t>- </a:t>
+            </a:r>
+            <a:r>
+              <a:rPr lang="it-IT" sz="1600" dirty="0" err="1"/>
+              <a:t>SEmaphore</a:t>
+            </a:r>
+            <a:endParaRPr lang="it-IT" dirty="0"/>
+          </a:p>
+        </p:txBody>
+      </p:sp>
+      <p:sp>
+        <p:nvSpPr>
+          <p:cNvPr id="4" name="Segnaposto testo 3">
+            <a:extLst>
+              <a:ext uri="{FF2B5EF4-FFF2-40B4-BE49-F238E27FC236}">
+                <a16:creationId xmlns:a16="http://schemas.microsoft.com/office/drawing/2014/main" id="{3484543A-BB31-0207-182F-1F1C206F0C68}"/>
+              </a:ext>
+            </a:extLst>
+          </p:cNvPr>
+          <p:cNvSpPr>
+            <a:spLocks noGrp="1"/>
+          </p:cNvSpPr>
+          <p:nvPr>
+            <p:ph type="body" idx="1"/>
+          </p:nvPr>
+        </p:nvSpPr>
+        <p:spPr>
+          <a:xfrm>
+            <a:off x="887219" y="2794235"/>
+            <a:ext cx="5087075" cy="536005"/>
+          </a:xfrm>
+        </p:spPr>
+        <p:txBody>
+          <a:bodyPr/>
+          <a:lstStyle/>
+          <a:p>
+            <a:r>
+              <a:rPr lang="it-IT" dirty="0"/>
+              <a:t>OS161</a:t>
+            </a:r>
+          </a:p>
+        </p:txBody>
+      </p:sp>
+      <p:sp>
+        <p:nvSpPr>
+          <p:cNvPr id="8" name="Segnaposto contenuto 7">
+            <a:extLst>
+              <a:ext uri="{FF2B5EF4-FFF2-40B4-BE49-F238E27FC236}">
+                <a16:creationId xmlns:a16="http://schemas.microsoft.com/office/drawing/2014/main" id="{A1E5DF89-94E7-98C4-F563-B3A43317A1CE}"/>
+              </a:ext>
+            </a:extLst>
+          </p:cNvPr>
+          <p:cNvSpPr>
+            <a:spLocks noGrp="1"/>
+          </p:cNvSpPr>
+          <p:nvPr>
+            <p:ph sz="half" idx="2"/>
+          </p:nvPr>
+        </p:nvSpPr>
+        <p:spPr>
+          <a:xfrm>
+            <a:off x="581194" y="3469395"/>
+            <a:ext cx="5393100" cy="2934999"/>
+          </a:xfrm>
+        </p:spPr>
+        <p:txBody>
+          <a:bodyPr>
+            <a:noAutofit/>
+          </a:bodyPr>
+          <a:lstStyle/>
+          <a:p>
+            <a:r>
+              <a:rPr lang="it-IT" sz="1600" dirty="0"/>
+              <a:t>Semafori implementati come </a:t>
+            </a:r>
+            <a:r>
+              <a:rPr lang="it-IT" sz="1600" dirty="0" err="1"/>
+              <a:t>struct</a:t>
+            </a:r>
+            <a:r>
+              <a:rPr lang="it-IT" sz="1600" dirty="0"/>
+              <a:t> contenente:</a:t>
+            </a:r>
+          </a:p>
+          <a:p>
+            <a:pPr lvl="1"/>
+            <a:r>
+              <a:rPr lang="it-IT" dirty="0"/>
+              <a:t>nome: utilizzato per identificarlo</a:t>
+            </a:r>
+          </a:p>
+          <a:p>
+            <a:pPr lvl="1"/>
+            <a:r>
+              <a:rPr lang="it-IT" dirty="0" err="1"/>
+              <a:t>wchan</a:t>
+            </a:r>
+            <a:r>
+              <a:rPr lang="it-IT" dirty="0"/>
+              <a:t>: per memorizzare i </a:t>
+            </a:r>
+            <a:r>
+              <a:rPr lang="it-IT" dirty="0" err="1"/>
+              <a:t>threads</a:t>
+            </a:r>
+            <a:r>
+              <a:rPr lang="it-IT" dirty="0"/>
+              <a:t> in attesa</a:t>
+            </a:r>
+          </a:p>
+          <a:p>
+            <a:pPr lvl="1"/>
+            <a:r>
+              <a:rPr lang="it-IT" dirty="0" err="1"/>
+              <a:t>spinlock</a:t>
+            </a:r>
+            <a:r>
+              <a:rPr lang="it-IT" dirty="0"/>
+              <a:t>: per mettere un lock sul semaforo (protegge il contatore)</a:t>
+            </a:r>
+          </a:p>
+          <a:p>
+            <a:pPr lvl="1"/>
+            <a:r>
+              <a:rPr lang="it-IT" dirty="0"/>
+              <a:t>contatore: numero di </a:t>
+            </a:r>
+            <a:r>
+              <a:rPr lang="it-IT" dirty="0" err="1"/>
+              <a:t>threads</a:t>
+            </a:r>
+            <a:r>
+              <a:rPr lang="it-IT" dirty="0"/>
+              <a:t> che possono accedere alla risorsa</a:t>
+            </a:r>
+          </a:p>
+          <a:p>
+            <a:r>
+              <a:rPr lang="it-IT" sz="1600" dirty="0"/>
+              <a:t>Sono usate le funzioni </a:t>
+            </a:r>
+            <a:r>
+              <a:rPr lang="it-IT" sz="1600" b="1" dirty="0"/>
+              <a:t>P </a:t>
+            </a:r>
+            <a:r>
+              <a:rPr lang="it-IT" sz="1600" dirty="0"/>
+              <a:t>(decrementa il contatore e blocca il </a:t>
+            </a:r>
+            <a:r>
+              <a:rPr lang="it-IT" sz="1600" dirty="0" err="1"/>
+              <a:t>thread</a:t>
+            </a:r>
+            <a:r>
+              <a:rPr lang="it-IT" sz="1600" dirty="0"/>
+              <a:t> se </a:t>
+            </a:r>
+            <a:r>
+              <a:rPr lang="it-IT" sz="1600" dirty="0" err="1"/>
+              <a:t>cont</a:t>
+            </a:r>
+            <a:r>
+              <a:rPr lang="it-IT" sz="1600" dirty="0"/>
+              <a:t>=0) e </a:t>
+            </a:r>
+            <a:r>
+              <a:rPr lang="it-IT" sz="1600" b="1" dirty="0"/>
+              <a:t>V</a:t>
+            </a:r>
+            <a:r>
+              <a:rPr lang="it-IT" sz="1600" dirty="0"/>
+              <a:t> (incrementa il contatore e sveglia un </a:t>
+            </a:r>
+            <a:r>
+              <a:rPr lang="it-IT" sz="1600" dirty="0" err="1"/>
+              <a:t>thread</a:t>
+            </a:r>
+            <a:r>
+              <a:rPr lang="it-IT" sz="1600" dirty="0"/>
+              <a:t> in attesa)</a:t>
+            </a:r>
+            <a:endParaRPr lang="it-IT" sz="1600" b="1" dirty="0"/>
+          </a:p>
+          <a:p>
+            <a:endParaRPr lang="it-IT" sz="1600" dirty="0"/>
+          </a:p>
+        </p:txBody>
+      </p:sp>
+      <p:sp>
+        <p:nvSpPr>
+          <p:cNvPr id="9" name="Segnaposto testo 8">
+            <a:extLst>
+              <a:ext uri="{FF2B5EF4-FFF2-40B4-BE49-F238E27FC236}">
+                <a16:creationId xmlns:a16="http://schemas.microsoft.com/office/drawing/2014/main" id="{00842FCF-9A2A-27B3-4ED6-BB0713CE4444}"/>
+              </a:ext>
+            </a:extLst>
+          </p:cNvPr>
+          <p:cNvSpPr>
+            <a:spLocks noGrp="1"/>
+          </p:cNvSpPr>
+          <p:nvPr>
+            <p:ph type="body" sz="quarter" idx="3"/>
+          </p:nvPr>
+        </p:nvSpPr>
+        <p:spPr>
+          <a:xfrm>
+            <a:off x="6523735" y="2794235"/>
+            <a:ext cx="5087073" cy="553373"/>
+          </a:xfrm>
+        </p:spPr>
+        <p:txBody>
+          <a:bodyPr/>
+          <a:lstStyle/>
+          <a:p>
+            <a:r>
+              <a:rPr lang="it-IT" dirty="0"/>
+              <a:t>PINTOS</a:t>
+            </a:r>
+          </a:p>
+        </p:txBody>
+      </p:sp>
+      <p:sp>
+        <p:nvSpPr>
+          <p:cNvPr id="10" name="Segnaposto contenuto 9">
+            <a:extLst>
+              <a:ext uri="{FF2B5EF4-FFF2-40B4-BE49-F238E27FC236}">
+                <a16:creationId xmlns:a16="http://schemas.microsoft.com/office/drawing/2014/main" id="{3CDA2ECB-1671-3745-42C6-213A778ECD29}"/>
+              </a:ext>
+            </a:extLst>
+          </p:cNvPr>
+          <p:cNvSpPr>
+            <a:spLocks noGrp="1"/>
+          </p:cNvSpPr>
+          <p:nvPr>
+            <p:ph sz="quarter" idx="4"/>
+          </p:nvPr>
+        </p:nvSpPr>
+        <p:spPr>
+          <a:xfrm>
+            <a:off x="6217709" y="3469395"/>
+            <a:ext cx="5393100" cy="2934999"/>
+          </a:xfrm>
+        </p:spPr>
+        <p:txBody>
+          <a:bodyPr>
+            <a:noAutofit/>
+          </a:bodyPr>
+          <a:lstStyle/>
+          <a:p>
+            <a:r>
+              <a:rPr lang="it-IT" sz="1600" dirty="0"/>
+              <a:t>Semafori implementati come </a:t>
+            </a:r>
+            <a:r>
+              <a:rPr lang="it-IT" sz="1600" dirty="0" err="1"/>
+              <a:t>struct</a:t>
+            </a:r>
+            <a:r>
+              <a:rPr lang="it-IT" sz="1600" dirty="0"/>
+              <a:t> contenente:</a:t>
+            </a:r>
+          </a:p>
+          <a:p>
+            <a:pPr lvl="1"/>
+            <a:r>
+              <a:rPr lang="it-IT" dirty="0"/>
+              <a:t>valore: non negativo che indica il numero di </a:t>
+            </a:r>
+            <a:r>
+              <a:rPr lang="it-IT" dirty="0" err="1"/>
+              <a:t>threads</a:t>
+            </a:r>
+            <a:r>
+              <a:rPr lang="it-IT" dirty="0"/>
+              <a:t> che possono accedere alla risorsa</a:t>
+            </a:r>
+          </a:p>
+          <a:p>
+            <a:pPr lvl="1"/>
+            <a:r>
+              <a:rPr lang="it-IT" dirty="0"/>
+              <a:t>lista: </a:t>
+            </a:r>
+            <a:r>
+              <a:rPr lang="it-IT" dirty="0" err="1"/>
+              <a:t>linked</a:t>
+            </a:r>
+            <a:r>
+              <a:rPr lang="it-IT" dirty="0"/>
+              <a:t> list che memorizza i </a:t>
+            </a:r>
+            <a:r>
+              <a:rPr lang="it-IT" dirty="0" err="1"/>
+              <a:t>threads</a:t>
+            </a:r>
+            <a:r>
+              <a:rPr lang="it-IT" dirty="0"/>
+              <a:t> in attesa</a:t>
+            </a:r>
+          </a:p>
+          <a:p>
+            <a:r>
+              <a:rPr lang="it-IT" sz="1600" dirty="0"/>
+              <a:t>Sono usate le funzioni </a:t>
+            </a:r>
+            <a:r>
+              <a:rPr lang="it-IT" sz="1600" b="1" dirty="0" err="1"/>
+              <a:t>sema_down</a:t>
+            </a:r>
+            <a:r>
+              <a:rPr lang="it-IT" sz="1600" b="1" dirty="0"/>
+              <a:t> </a:t>
+            </a:r>
+            <a:r>
+              <a:rPr lang="it-IT" sz="1600" dirty="0"/>
+              <a:t>(decrementa il contatore e blocca il </a:t>
+            </a:r>
+            <a:r>
+              <a:rPr lang="it-IT" sz="1600" dirty="0" err="1"/>
+              <a:t>thread</a:t>
+            </a:r>
+            <a:r>
+              <a:rPr lang="it-IT" sz="1600" dirty="0"/>
+              <a:t> se </a:t>
+            </a:r>
+            <a:r>
+              <a:rPr lang="it-IT" sz="1600" dirty="0" err="1"/>
+              <a:t>cont</a:t>
+            </a:r>
+            <a:r>
+              <a:rPr lang="it-IT" sz="1600" dirty="0"/>
+              <a:t>=0) e </a:t>
+            </a:r>
+            <a:r>
+              <a:rPr lang="it-IT" sz="1600" b="1" dirty="0" err="1"/>
+              <a:t>sema_up</a:t>
+            </a:r>
+            <a:r>
+              <a:rPr lang="it-IT" sz="1600" dirty="0"/>
+              <a:t> (incrementa il contatore e sveglia un </a:t>
+            </a:r>
+            <a:r>
+              <a:rPr lang="it-IT" sz="1600" dirty="0" err="1"/>
+              <a:t>thread</a:t>
+            </a:r>
+            <a:r>
+              <a:rPr lang="it-IT" sz="1600" dirty="0"/>
+              <a:t> in attesa)</a:t>
+            </a:r>
+          </a:p>
+          <a:p>
+            <a:r>
+              <a:rPr lang="it-IT" sz="1600" dirty="0"/>
+              <a:t>È presente la funzione </a:t>
+            </a:r>
+            <a:r>
+              <a:rPr lang="it-IT" sz="1600" b="1" dirty="0" err="1"/>
+              <a:t>sema_try_down</a:t>
+            </a:r>
+            <a:r>
+              <a:rPr lang="it-IT" sz="1600" dirty="0"/>
+              <a:t> che prova ad abbassare il valore del semaforo senza attendere. Se il </a:t>
+            </a:r>
+            <a:r>
+              <a:rPr lang="it-IT" sz="1600" dirty="0" err="1"/>
+              <a:t>value</a:t>
+            </a:r>
+            <a:r>
+              <a:rPr lang="it-IT" sz="1600" dirty="0"/>
+              <a:t> è 0 il </a:t>
+            </a:r>
+            <a:r>
+              <a:rPr lang="it-IT" sz="1600" dirty="0" err="1"/>
+              <a:t>thread</a:t>
+            </a:r>
+            <a:r>
+              <a:rPr lang="it-IT" sz="1600" dirty="0"/>
+              <a:t> è bloccato e messo in attesa; altrimenti viene decrementato e la funzione restituisce </a:t>
+            </a:r>
+            <a:r>
+              <a:rPr lang="it-IT" sz="1600" dirty="0" err="1"/>
+              <a:t>true</a:t>
+            </a:r>
+            <a:endParaRPr lang="it-IT" sz="1600" dirty="0"/>
+          </a:p>
+        </p:txBody>
+      </p:sp>
+      <p:sp>
+        <p:nvSpPr>
+          <p:cNvPr id="3" name="Segnaposto testo 3">
+            <a:extLst>
+              <a:ext uri="{FF2B5EF4-FFF2-40B4-BE49-F238E27FC236}">
+                <a16:creationId xmlns:a16="http://schemas.microsoft.com/office/drawing/2014/main" id="{DD092F63-1123-8337-F4DC-4B5BF08C3E1F}"/>
+              </a:ext>
+            </a:extLst>
+          </p:cNvPr>
+          <p:cNvSpPr txBox="1">
+            <a:spLocks/>
+          </p:cNvSpPr>
+          <p:nvPr/>
+        </p:nvSpPr>
+        <p:spPr>
+          <a:xfrm>
+            <a:off x="615548" y="1879772"/>
+            <a:ext cx="11245148" cy="921080"/>
+          </a:xfrm>
+          <a:prstGeom prst="rect">
+            <a:avLst/>
+          </a:prstGeom>
+        </p:spPr>
+        <p:txBody>
+          <a:bodyPr vert="horz" lIns="91440" tIns="45720" rIns="91440" bIns="45720" rtlCol="0" anchor="b">
+            <a:noAutofit/>
+          </a:bodyPr>
+          <a:lstStyle>
+            <a:lvl1pPr marL="0" indent="0" algn="l" defTabSz="457200" rtl="0" eaLnBrk="1" latinLnBrk="0" hangingPunct="1">
+              <a:spcBef>
+                <a:spcPct val="20000"/>
+              </a:spcBef>
+              <a:spcAft>
+                <a:spcPts val="600"/>
+              </a:spcAft>
+              <a:buClr>
+                <a:schemeClr val="accent2"/>
+              </a:buClr>
+              <a:buSzPct val="92000"/>
+              <a:buFont typeface="Wingdings 2" panose="05020102010507070707" pitchFamily="18" charset="2"/>
+              <a:buNone/>
+              <a:defRPr sz="2200" b="0" kern="1200">
+                <a:solidFill>
+                  <a:schemeClr val="accent2"/>
+                </a:solidFill>
+                <a:latin typeface="+mn-lt"/>
+                <a:ea typeface="+mn-ea"/>
+                <a:cs typeface="+mn-cs"/>
+              </a:defRPr>
+            </a:lvl1pPr>
+            <a:lvl2pPr marL="457200" indent="0" algn="l" defTabSz="457200" rtl="0" eaLnBrk="1" latinLnBrk="0" hangingPunct="1">
+              <a:spcBef>
+                <a:spcPct val="20000"/>
+              </a:spcBef>
+              <a:spcAft>
+                <a:spcPts val="600"/>
+              </a:spcAft>
+              <a:buClr>
+                <a:schemeClr val="accent2"/>
+              </a:buClr>
+              <a:buSzPct val="92000"/>
+              <a:buFont typeface="Wingdings 2" panose="05020102010507070707" pitchFamily="18" charset="2"/>
+              <a:buNone/>
+              <a:defRPr sz="2000" b="1" kern="1200">
+                <a:solidFill>
+                  <a:schemeClr val="tx2"/>
+                </a:solidFill>
+                <a:latin typeface="+mn-lt"/>
+                <a:ea typeface="+mn-ea"/>
+                <a:cs typeface="+mn-cs"/>
+              </a:defRPr>
+            </a:lvl2pPr>
+            <a:lvl3pPr marL="914400" indent="0" algn="l" defTabSz="457200" rtl="0" eaLnBrk="1" latinLnBrk="0" hangingPunct="1">
+              <a:spcBef>
+                <a:spcPct val="20000"/>
+              </a:spcBef>
+              <a:spcAft>
+                <a:spcPts val="600"/>
+              </a:spcAft>
+              <a:buClr>
+                <a:schemeClr val="accent2"/>
+              </a:buClr>
+              <a:buSzPct val="92000"/>
+              <a:buFont typeface="Wingdings 2" panose="05020102010507070707" pitchFamily="18" charset="2"/>
+              <a:buNone/>
+              <a:defRPr sz="1800" b="1" kern="1200">
+                <a:solidFill>
+                  <a:schemeClr val="tx2"/>
+                </a:solidFill>
+                <a:latin typeface="+mn-lt"/>
+                <a:ea typeface="+mn-ea"/>
+                <a:cs typeface="+mn-cs"/>
+              </a:defRPr>
+            </a:lvl3pPr>
+            <a:lvl4pPr marL="1371600" indent="0" algn="l" defTabSz="457200" rtl="0" eaLnBrk="1" latinLnBrk="0" hangingPunct="1">
+              <a:spcBef>
+                <a:spcPct val="20000"/>
+              </a:spcBef>
+              <a:spcAft>
+                <a:spcPts val="600"/>
+              </a:spcAft>
+              <a:buClr>
+                <a:schemeClr val="accent2"/>
+              </a:buClr>
+              <a:buSzPct val="92000"/>
+              <a:buFont typeface="Wingdings 2" panose="05020102010507070707" pitchFamily="18" charset="2"/>
+              <a:buNone/>
+              <a:defRPr sz="1600" b="1" kern="1200">
+                <a:solidFill>
+                  <a:schemeClr val="tx2"/>
+                </a:solidFill>
+                <a:latin typeface="+mn-lt"/>
+                <a:ea typeface="+mn-ea"/>
+                <a:cs typeface="+mn-cs"/>
+              </a:defRPr>
+            </a:lvl4pPr>
+            <a:lvl5pPr marL="1828800" indent="0" algn="l" defTabSz="457200" rtl="0" eaLnBrk="1" latinLnBrk="0" hangingPunct="1">
+              <a:spcBef>
+                <a:spcPct val="20000"/>
+              </a:spcBef>
+              <a:spcAft>
+                <a:spcPts val="600"/>
+              </a:spcAft>
+              <a:buClr>
+                <a:schemeClr val="accent2"/>
+              </a:buClr>
+              <a:buSzPct val="92000"/>
+              <a:buFont typeface="Wingdings 2" panose="05020102010507070707" pitchFamily="18" charset="2"/>
+              <a:buNone/>
+              <a:defRPr sz="1600" b="1" kern="1200">
+                <a:solidFill>
+                  <a:schemeClr val="tx2"/>
+                </a:solidFill>
+                <a:latin typeface="+mn-lt"/>
+                <a:ea typeface="+mn-ea"/>
+                <a:cs typeface="+mn-cs"/>
+              </a:defRPr>
+            </a:lvl5pPr>
+            <a:lvl6pPr marL="2286000" indent="0" algn="l" defTabSz="457200" rtl="0" eaLnBrk="1" latinLnBrk="0" hangingPunct="1">
+              <a:spcBef>
+                <a:spcPct val="20000"/>
+              </a:spcBef>
+              <a:spcAft>
+                <a:spcPts val="600"/>
+              </a:spcAft>
+              <a:buClr>
+                <a:schemeClr val="accent2"/>
+              </a:buClr>
+              <a:buSzPct val="92000"/>
+              <a:buFont typeface="Wingdings 2" panose="05020102010507070707" pitchFamily="18" charset="2"/>
+              <a:buNone/>
+              <a:defRPr sz="1600" b="1" kern="1200">
+                <a:solidFill>
+                  <a:schemeClr val="tx2"/>
+                </a:solidFill>
+                <a:latin typeface="+mn-lt"/>
+                <a:ea typeface="+mn-ea"/>
+                <a:cs typeface="+mn-cs"/>
+              </a:defRPr>
+            </a:lvl6pPr>
+            <a:lvl7pPr marL="2743200" indent="0" algn="l" defTabSz="457200" rtl="0" eaLnBrk="1" latinLnBrk="0" hangingPunct="1">
+              <a:spcBef>
+                <a:spcPct val="20000"/>
+              </a:spcBef>
+              <a:spcAft>
+                <a:spcPts val="600"/>
+              </a:spcAft>
+              <a:buClr>
+                <a:schemeClr val="accent2"/>
+              </a:buClr>
+              <a:buSzPct val="92000"/>
+              <a:buFont typeface="Wingdings 2" panose="05020102010507070707" pitchFamily="18" charset="2"/>
+              <a:buNone/>
+              <a:defRPr sz="1600" b="1" kern="1200">
+                <a:solidFill>
+                  <a:schemeClr val="tx2"/>
+                </a:solidFill>
+                <a:latin typeface="+mn-lt"/>
+                <a:ea typeface="+mn-ea"/>
+                <a:cs typeface="+mn-cs"/>
+              </a:defRPr>
+            </a:lvl7pPr>
+            <a:lvl8pPr marL="3200400" indent="0" algn="l" defTabSz="457200" rtl="0" eaLnBrk="1" latinLnBrk="0" hangingPunct="1">
+              <a:spcBef>
+                <a:spcPct val="20000"/>
+              </a:spcBef>
+              <a:spcAft>
+                <a:spcPts val="600"/>
+              </a:spcAft>
+              <a:buClr>
+                <a:schemeClr val="accent2"/>
+              </a:buClr>
+              <a:buSzPct val="92000"/>
+              <a:buFont typeface="Wingdings 2" panose="05020102010507070707" pitchFamily="18" charset="2"/>
+              <a:buNone/>
+              <a:defRPr sz="1600" b="1" kern="1200">
+                <a:solidFill>
+                  <a:schemeClr val="tx2"/>
+                </a:solidFill>
+                <a:latin typeface="+mn-lt"/>
+                <a:ea typeface="+mn-ea"/>
+                <a:cs typeface="+mn-cs"/>
+              </a:defRPr>
+            </a:lvl8pPr>
+            <a:lvl9pPr marL="3657600" indent="0" algn="l" defTabSz="457200" rtl="0" eaLnBrk="1" latinLnBrk="0" hangingPunct="1">
+              <a:spcBef>
+                <a:spcPct val="20000"/>
+              </a:spcBef>
+              <a:spcAft>
+                <a:spcPts val="600"/>
+              </a:spcAft>
+              <a:buClr>
+                <a:schemeClr val="accent2"/>
+              </a:buClr>
+              <a:buSzPct val="92000"/>
+              <a:buFont typeface="Wingdings 2" panose="05020102010507070707" pitchFamily="18" charset="2"/>
+              <a:buNone/>
+              <a:defRPr sz="1600" b="1" kern="1200">
+                <a:solidFill>
+                  <a:schemeClr val="tx2"/>
+                </a:solidFill>
+                <a:latin typeface="+mn-lt"/>
+                <a:ea typeface="+mn-ea"/>
+                <a:cs typeface="+mn-cs"/>
+              </a:defRPr>
+            </a:lvl9pPr>
+          </a:lstStyle>
+          <a:p>
+            <a:r>
+              <a:rPr lang="it-IT" sz="2000" b="0" dirty="0">
+                <a:solidFill>
+                  <a:schemeClr val="tx1"/>
+                </a:solidFill>
+                <a:effectLst/>
+              </a:rPr>
+              <a:t>Sia OS161 che </a:t>
+            </a:r>
+            <a:r>
+              <a:rPr lang="it-IT" sz="2000" b="0" dirty="0" err="1">
+                <a:solidFill>
+                  <a:schemeClr val="tx1"/>
+                </a:solidFill>
+                <a:effectLst/>
+              </a:rPr>
+              <a:t>PintOS</a:t>
+            </a:r>
+            <a:r>
+              <a:rPr lang="it-IT" sz="2000" b="0" dirty="0">
+                <a:solidFill>
+                  <a:schemeClr val="tx1"/>
+                </a:solidFill>
+                <a:effectLst/>
+              </a:rPr>
+              <a:t> implementano i semafori seguono il modello classico di semafori di </a:t>
+            </a:r>
+            <a:r>
+              <a:rPr lang="it-IT" sz="2000" b="0" dirty="0" err="1">
+                <a:solidFill>
+                  <a:schemeClr val="tx1"/>
+                </a:solidFill>
+                <a:effectLst/>
+              </a:rPr>
+              <a:t>Dijkstra</a:t>
+            </a:r>
+            <a:r>
+              <a:rPr lang="it-IT" sz="2000" b="0" dirty="0">
+                <a:solidFill>
+                  <a:schemeClr val="tx1"/>
+                </a:solidFill>
+                <a:effectLst/>
+              </a:rPr>
+              <a:t>, con operazioni atomiche di "down" e "up" per garantire la sincronizzazione.</a:t>
+            </a:r>
+          </a:p>
+        </p:txBody>
+      </p:sp>
+    </p:spTree>
+    <p:extLst>
+      <p:ext uri="{BB962C8B-B14F-4D97-AF65-F5344CB8AC3E}">
+        <p14:creationId xmlns:p14="http://schemas.microsoft.com/office/powerpoint/2010/main" val="4198586686"/>
+      </p:ext>
+    </p:extLst>
+  </p:cSld>
+  <p:clrMapOvr>
+    <a:masterClrMapping/>
+  </p:clrMapOvr>
+</p:sld>
+</file>
+
+<file path=ppt/slides/slide12.xml><?xml version="1.0" encoding="utf-8"?>
+<p:sld xmlns:a="http://schemas.openxmlformats.org/drawingml/2006/main" xmlns:r="http://schemas.openxmlformats.org/officeDocument/2006/relationships" xmlns:p="http://schemas.openxmlformats.org/presentationml/2006/main">
+  <p:cSld>
+    <p:spTree>
+      <p:nvGrpSpPr>
+        <p:cNvPr id="1" name=""/>
+        <p:cNvGrpSpPr/>
+        <p:nvPr/>
+      </p:nvGrpSpPr>
+      <p:grpSpPr>
+        <a:xfrm>
+          <a:off x="0" y="0"/>
+          <a:ext cx="0" cy="0"/>
+          <a:chOff x="0" y="0"/>
+          <a:chExt cx="0" cy="0"/>
+        </a:xfrm>
+      </p:grpSpPr>
+      <p:sp>
+        <p:nvSpPr>
+          <p:cNvPr id="2" name="Titolo 1">
+            <a:extLst>
+              <a:ext uri="{FF2B5EF4-FFF2-40B4-BE49-F238E27FC236}">
+                <a16:creationId xmlns:a16="http://schemas.microsoft.com/office/drawing/2014/main" id="{69441F67-1949-8EC8-EB98-85670AC3670C}"/>
+              </a:ext>
+            </a:extLst>
+          </p:cNvPr>
+          <p:cNvSpPr>
+            <a:spLocks noGrp="1"/>
+          </p:cNvSpPr>
+          <p:nvPr>
+            <p:ph type="title"/>
+          </p:nvPr>
+        </p:nvSpPr>
+        <p:spPr/>
+        <p:txBody>
+          <a:bodyPr>
+            <a:normAutofit/>
+          </a:bodyPr>
+          <a:lstStyle/>
+          <a:p>
+            <a:r>
+              <a:rPr lang="it-IT" dirty="0"/>
+              <a:t>Meccanismi di sincronizzazione </a:t>
+            </a:r>
+            <a:r>
+              <a:rPr lang="it-IT" sz="1600" dirty="0"/>
+              <a:t>– lock (</a:t>
+            </a:r>
+            <a:r>
+              <a:rPr lang="it-IT" sz="1600" dirty="0" err="1"/>
+              <a:t>mutex</a:t>
+            </a:r>
+            <a:r>
+              <a:rPr lang="it-IT" sz="1600" dirty="0"/>
+              <a:t>)</a:t>
+            </a:r>
+            <a:endParaRPr lang="it-IT" dirty="0"/>
+          </a:p>
+        </p:txBody>
+      </p:sp>
+      <p:sp>
+        <p:nvSpPr>
+          <p:cNvPr id="4" name="Segnaposto testo 3">
+            <a:extLst>
+              <a:ext uri="{FF2B5EF4-FFF2-40B4-BE49-F238E27FC236}">
+                <a16:creationId xmlns:a16="http://schemas.microsoft.com/office/drawing/2014/main" id="{3484543A-BB31-0207-182F-1F1C206F0C68}"/>
+              </a:ext>
+            </a:extLst>
+          </p:cNvPr>
+          <p:cNvSpPr>
+            <a:spLocks noGrp="1"/>
+          </p:cNvSpPr>
+          <p:nvPr>
+            <p:ph type="body" idx="1"/>
+          </p:nvPr>
+        </p:nvSpPr>
+        <p:spPr>
+          <a:xfrm>
+            <a:off x="887219" y="2794235"/>
+            <a:ext cx="5087075" cy="536005"/>
+          </a:xfrm>
+        </p:spPr>
+        <p:txBody>
+          <a:bodyPr/>
+          <a:lstStyle/>
+          <a:p>
+            <a:r>
+              <a:rPr lang="it-IT" dirty="0"/>
+              <a:t>OS161</a:t>
+            </a:r>
+          </a:p>
+        </p:txBody>
+      </p:sp>
+      <p:sp>
+        <p:nvSpPr>
+          <p:cNvPr id="8" name="Segnaposto contenuto 7">
+            <a:extLst>
+              <a:ext uri="{FF2B5EF4-FFF2-40B4-BE49-F238E27FC236}">
+                <a16:creationId xmlns:a16="http://schemas.microsoft.com/office/drawing/2014/main" id="{A1E5DF89-94E7-98C4-F563-B3A43317A1CE}"/>
+              </a:ext>
+            </a:extLst>
+          </p:cNvPr>
+          <p:cNvSpPr>
+            <a:spLocks noGrp="1"/>
+          </p:cNvSpPr>
+          <p:nvPr>
+            <p:ph sz="half" idx="2"/>
+          </p:nvPr>
+        </p:nvSpPr>
+        <p:spPr>
+          <a:xfrm>
+            <a:off x="581194" y="3469395"/>
+            <a:ext cx="5393100" cy="2934999"/>
+          </a:xfrm>
+        </p:spPr>
+        <p:txBody>
+          <a:bodyPr>
+            <a:noAutofit/>
+          </a:bodyPr>
+          <a:lstStyle/>
+          <a:p>
+            <a:endParaRPr lang="it-IT" sz="1600" dirty="0"/>
+          </a:p>
+        </p:txBody>
+      </p:sp>
+      <p:sp>
+        <p:nvSpPr>
+          <p:cNvPr id="9" name="Segnaposto testo 8">
+            <a:extLst>
+              <a:ext uri="{FF2B5EF4-FFF2-40B4-BE49-F238E27FC236}">
+                <a16:creationId xmlns:a16="http://schemas.microsoft.com/office/drawing/2014/main" id="{00842FCF-9A2A-27B3-4ED6-BB0713CE4444}"/>
+              </a:ext>
+            </a:extLst>
+          </p:cNvPr>
+          <p:cNvSpPr>
+            <a:spLocks noGrp="1"/>
+          </p:cNvSpPr>
+          <p:nvPr>
+            <p:ph type="body" sz="quarter" idx="3"/>
+          </p:nvPr>
+        </p:nvSpPr>
+        <p:spPr>
+          <a:xfrm>
+            <a:off x="6523735" y="2794235"/>
+            <a:ext cx="5087073" cy="553373"/>
+          </a:xfrm>
+        </p:spPr>
+        <p:txBody>
+          <a:bodyPr/>
+          <a:lstStyle/>
+          <a:p>
+            <a:r>
+              <a:rPr lang="it-IT" dirty="0"/>
+              <a:t>PINTOS</a:t>
+            </a:r>
+          </a:p>
+        </p:txBody>
+      </p:sp>
+      <p:sp>
+        <p:nvSpPr>
+          <p:cNvPr id="10" name="Segnaposto contenuto 9">
+            <a:extLst>
+              <a:ext uri="{FF2B5EF4-FFF2-40B4-BE49-F238E27FC236}">
+                <a16:creationId xmlns:a16="http://schemas.microsoft.com/office/drawing/2014/main" id="{3CDA2ECB-1671-3745-42C6-213A778ECD29}"/>
+              </a:ext>
+            </a:extLst>
+          </p:cNvPr>
+          <p:cNvSpPr>
+            <a:spLocks noGrp="1"/>
+          </p:cNvSpPr>
+          <p:nvPr>
+            <p:ph sz="quarter" idx="4"/>
+          </p:nvPr>
+        </p:nvSpPr>
+        <p:spPr>
+          <a:xfrm>
+            <a:off x="6217709" y="3469395"/>
+            <a:ext cx="5393100" cy="2934999"/>
+          </a:xfrm>
+        </p:spPr>
+        <p:txBody>
+          <a:bodyPr>
+            <a:noAutofit/>
+          </a:bodyPr>
+          <a:lstStyle/>
+          <a:p>
+            <a:endParaRPr lang="it-IT" sz="1600" dirty="0"/>
+          </a:p>
+        </p:txBody>
+      </p:sp>
+      <p:sp>
+        <p:nvSpPr>
+          <p:cNvPr id="3" name="Segnaposto testo 3">
+            <a:extLst>
+              <a:ext uri="{FF2B5EF4-FFF2-40B4-BE49-F238E27FC236}">
+                <a16:creationId xmlns:a16="http://schemas.microsoft.com/office/drawing/2014/main" id="{DD092F63-1123-8337-F4DC-4B5BF08C3E1F}"/>
+              </a:ext>
+            </a:extLst>
+          </p:cNvPr>
+          <p:cNvSpPr txBox="1">
+            <a:spLocks/>
+          </p:cNvSpPr>
+          <p:nvPr/>
+        </p:nvSpPr>
+        <p:spPr>
+          <a:xfrm>
+            <a:off x="615548" y="1879772"/>
+            <a:ext cx="11245148" cy="921080"/>
+          </a:xfrm>
+          <a:prstGeom prst="rect">
+            <a:avLst/>
+          </a:prstGeom>
+        </p:spPr>
+        <p:txBody>
+          <a:bodyPr vert="horz" lIns="91440" tIns="45720" rIns="91440" bIns="45720" rtlCol="0" anchor="b">
+            <a:noAutofit/>
+          </a:bodyPr>
+          <a:lstStyle>
+            <a:lvl1pPr marL="0" indent="0" algn="l" defTabSz="457200" rtl="0" eaLnBrk="1" latinLnBrk="0" hangingPunct="1">
+              <a:spcBef>
+                <a:spcPct val="20000"/>
+              </a:spcBef>
+              <a:spcAft>
+                <a:spcPts val="600"/>
+              </a:spcAft>
+              <a:buClr>
+                <a:schemeClr val="accent2"/>
+              </a:buClr>
+              <a:buSzPct val="92000"/>
+              <a:buFont typeface="Wingdings 2" panose="05020102010507070707" pitchFamily="18" charset="2"/>
+              <a:buNone/>
+              <a:defRPr sz="2200" b="0" kern="1200">
+                <a:solidFill>
+                  <a:schemeClr val="accent2"/>
+                </a:solidFill>
+                <a:latin typeface="+mn-lt"/>
+                <a:ea typeface="+mn-ea"/>
+                <a:cs typeface="+mn-cs"/>
+              </a:defRPr>
+            </a:lvl1pPr>
+            <a:lvl2pPr marL="457200" indent="0" algn="l" defTabSz="457200" rtl="0" eaLnBrk="1" latinLnBrk="0" hangingPunct="1">
+              <a:spcBef>
+                <a:spcPct val="20000"/>
+              </a:spcBef>
+              <a:spcAft>
+                <a:spcPts val="600"/>
+              </a:spcAft>
+              <a:buClr>
+                <a:schemeClr val="accent2"/>
+              </a:buClr>
+              <a:buSzPct val="92000"/>
+              <a:buFont typeface="Wingdings 2" panose="05020102010507070707" pitchFamily="18" charset="2"/>
+              <a:buNone/>
+              <a:defRPr sz="2000" b="1" kern="1200">
+                <a:solidFill>
+                  <a:schemeClr val="tx2"/>
+                </a:solidFill>
+                <a:latin typeface="+mn-lt"/>
+                <a:ea typeface="+mn-ea"/>
+                <a:cs typeface="+mn-cs"/>
+              </a:defRPr>
+            </a:lvl2pPr>
+            <a:lvl3pPr marL="914400" indent="0" algn="l" defTabSz="457200" rtl="0" eaLnBrk="1" latinLnBrk="0" hangingPunct="1">
+              <a:spcBef>
+                <a:spcPct val="20000"/>
+              </a:spcBef>
+              <a:spcAft>
+                <a:spcPts val="600"/>
+              </a:spcAft>
+              <a:buClr>
+                <a:schemeClr val="accent2"/>
+              </a:buClr>
+              <a:buSzPct val="92000"/>
+              <a:buFont typeface="Wingdings 2" panose="05020102010507070707" pitchFamily="18" charset="2"/>
+              <a:buNone/>
+              <a:defRPr sz="1800" b="1" kern="1200">
+                <a:solidFill>
+                  <a:schemeClr val="tx2"/>
+                </a:solidFill>
+                <a:latin typeface="+mn-lt"/>
+                <a:ea typeface="+mn-ea"/>
+                <a:cs typeface="+mn-cs"/>
+              </a:defRPr>
+            </a:lvl3pPr>
+            <a:lvl4pPr marL="1371600" indent="0" algn="l" defTabSz="457200" rtl="0" eaLnBrk="1" latinLnBrk="0" hangingPunct="1">
+              <a:spcBef>
+                <a:spcPct val="20000"/>
+              </a:spcBef>
+              <a:spcAft>
+                <a:spcPts val="600"/>
+              </a:spcAft>
+              <a:buClr>
+                <a:schemeClr val="accent2"/>
+              </a:buClr>
+              <a:buSzPct val="92000"/>
+              <a:buFont typeface="Wingdings 2" panose="05020102010507070707" pitchFamily="18" charset="2"/>
+              <a:buNone/>
+              <a:defRPr sz="1600" b="1" kern="1200">
+                <a:solidFill>
+                  <a:schemeClr val="tx2"/>
+                </a:solidFill>
+                <a:latin typeface="+mn-lt"/>
+                <a:ea typeface="+mn-ea"/>
+                <a:cs typeface="+mn-cs"/>
+              </a:defRPr>
+            </a:lvl4pPr>
+            <a:lvl5pPr marL="1828800" indent="0" algn="l" defTabSz="457200" rtl="0" eaLnBrk="1" latinLnBrk="0" hangingPunct="1">
+              <a:spcBef>
+                <a:spcPct val="20000"/>
+              </a:spcBef>
+              <a:spcAft>
+                <a:spcPts val="600"/>
+              </a:spcAft>
+              <a:buClr>
+                <a:schemeClr val="accent2"/>
+              </a:buClr>
+              <a:buSzPct val="92000"/>
+              <a:buFont typeface="Wingdings 2" panose="05020102010507070707" pitchFamily="18" charset="2"/>
+              <a:buNone/>
+              <a:defRPr sz="1600" b="1" kern="1200">
+                <a:solidFill>
+                  <a:schemeClr val="tx2"/>
+                </a:solidFill>
+                <a:latin typeface="+mn-lt"/>
+                <a:ea typeface="+mn-ea"/>
+                <a:cs typeface="+mn-cs"/>
+              </a:defRPr>
+            </a:lvl5pPr>
+            <a:lvl6pPr marL="2286000" indent="0" algn="l" defTabSz="457200" rtl="0" eaLnBrk="1" latinLnBrk="0" hangingPunct="1">
+              <a:spcBef>
+                <a:spcPct val="20000"/>
+              </a:spcBef>
+              <a:spcAft>
+                <a:spcPts val="600"/>
+              </a:spcAft>
+              <a:buClr>
+                <a:schemeClr val="accent2"/>
+              </a:buClr>
+              <a:buSzPct val="92000"/>
+              <a:buFont typeface="Wingdings 2" panose="05020102010507070707" pitchFamily="18" charset="2"/>
+              <a:buNone/>
+              <a:defRPr sz="1600" b="1" kern="1200">
+                <a:solidFill>
+                  <a:schemeClr val="tx2"/>
+                </a:solidFill>
+                <a:latin typeface="+mn-lt"/>
+                <a:ea typeface="+mn-ea"/>
+                <a:cs typeface="+mn-cs"/>
+              </a:defRPr>
+            </a:lvl6pPr>
+            <a:lvl7pPr marL="2743200" indent="0" algn="l" defTabSz="457200" rtl="0" eaLnBrk="1" latinLnBrk="0" hangingPunct="1">
+              <a:spcBef>
+                <a:spcPct val="20000"/>
+              </a:spcBef>
+              <a:spcAft>
+                <a:spcPts val="600"/>
+              </a:spcAft>
+              <a:buClr>
+                <a:schemeClr val="accent2"/>
+              </a:buClr>
+              <a:buSzPct val="92000"/>
+              <a:buFont typeface="Wingdings 2" panose="05020102010507070707" pitchFamily="18" charset="2"/>
+              <a:buNone/>
+              <a:defRPr sz="1600" b="1" kern="1200">
+                <a:solidFill>
+                  <a:schemeClr val="tx2"/>
+                </a:solidFill>
+                <a:latin typeface="+mn-lt"/>
+                <a:ea typeface="+mn-ea"/>
+                <a:cs typeface="+mn-cs"/>
+              </a:defRPr>
+            </a:lvl7pPr>
+            <a:lvl8pPr marL="3200400" indent="0" algn="l" defTabSz="457200" rtl="0" eaLnBrk="1" latinLnBrk="0" hangingPunct="1">
+              <a:spcBef>
+                <a:spcPct val="20000"/>
+              </a:spcBef>
+              <a:spcAft>
+                <a:spcPts val="600"/>
+              </a:spcAft>
+              <a:buClr>
+                <a:schemeClr val="accent2"/>
+              </a:buClr>
+              <a:buSzPct val="92000"/>
+              <a:buFont typeface="Wingdings 2" panose="05020102010507070707" pitchFamily="18" charset="2"/>
+              <a:buNone/>
+              <a:defRPr sz="1600" b="1" kern="1200">
+                <a:solidFill>
+                  <a:schemeClr val="tx2"/>
+                </a:solidFill>
+                <a:latin typeface="+mn-lt"/>
+                <a:ea typeface="+mn-ea"/>
+                <a:cs typeface="+mn-cs"/>
+              </a:defRPr>
+            </a:lvl8pPr>
+            <a:lvl9pPr marL="3657600" indent="0" algn="l" defTabSz="457200" rtl="0" eaLnBrk="1" latinLnBrk="0" hangingPunct="1">
+              <a:spcBef>
+                <a:spcPct val="20000"/>
+              </a:spcBef>
+              <a:spcAft>
+                <a:spcPts val="600"/>
+              </a:spcAft>
+              <a:buClr>
+                <a:schemeClr val="accent2"/>
+              </a:buClr>
+              <a:buSzPct val="92000"/>
+              <a:buFont typeface="Wingdings 2" panose="05020102010507070707" pitchFamily="18" charset="2"/>
+              <a:buNone/>
+              <a:defRPr sz="1600" b="1" kern="1200">
+                <a:solidFill>
+                  <a:schemeClr val="tx2"/>
+                </a:solidFill>
+                <a:latin typeface="+mn-lt"/>
+                <a:ea typeface="+mn-ea"/>
+                <a:cs typeface="+mn-cs"/>
+              </a:defRPr>
+            </a:lvl9pPr>
+          </a:lstStyle>
+          <a:p>
+            <a:r>
+              <a:rPr lang="it-IT" sz="2000" b="0" dirty="0">
+                <a:solidFill>
+                  <a:schemeClr val="tx1"/>
+                </a:solidFill>
+                <a:effectLst/>
+              </a:rPr>
+              <a:t>Un </a:t>
+            </a:r>
+            <a:r>
+              <a:rPr lang="it-IT" sz="2000" dirty="0">
+                <a:solidFill>
+                  <a:schemeClr val="tx1"/>
+                </a:solidFill>
+                <a:effectLst/>
+              </a:rPr>
+              <a:t>lock</a:t>
+            </a:r>
+            <a:r>
+              <a:rPr lang="it-IT" sz="2000" b="0" dirty="0">
+                <a:solidFill>
+                  <a:schemeClr val="tx1"/>
+                </a:solidFill>
+                <a:effectLst/>
+              </a:rPr>
+              <a:t> è analogo a un semaforo con un valore iniziale di 1, equivalente al verde di un semaforo. L'azione "up" di un lock è chiamata "rilascio", mentre l'azione "down" è detta "acquisizione".</a:t>
+            </a:r>
+          </a:p>
+        </p:txBody>
+      </p:sp>
+    </p:spTree>
+    <p:extLst>
+      <p:ext uri="{BB962C8B-B14F-4D97-AF65-F5344CB8AC3E}">
+        <p14:creationId xmlns:p14="http://schemas.microsoft.com/office/powerpoint/2010/main" val="1952330264"/>
+      </p:ext>
+    </p:extLst>
+  </p:cSld>
+  <p:clrMapOvr>
+    <a:masterClrMapping/>
+  </p:clrMapOvr>
+</p:sld>
+</file>
+
+<file path=ppt/slides/slide13.xml><?xml version="1.0" encoding="utf-8"?>
+<p:sld xmlns:a="http://schemas.openxmlformats.org/drawingml/2006/main" xmlns:r="http://schemas.openxmlformats.org/officeDocument/2006/relationships" xmlns:p="http://schemas.openxmlformats.org/presentationml/2006/main">
+  <p:cSld>
+    <p:spTree>
+      <p:nvGrpSpPr>
+        <p:cNvPr id="1" name=""/>
+        <p:cNvGrpSpPr/>
+        <p:nvPr/>
+      </p:nvGrpSpPr>
+      <p:grpSpPr>
+        <a:xfrm>
+          <a:off x="0" y="0"/>
+          <a:ext cx="0" cy="0"/>
+          <a:chOff x="0" y="0"/>
+          <a:chExt cx="0" cy="0"/>
+        </a:xfrm>
+      </p:grpSpPr>
+      <p:sp>
+        <p:nvSpPr>
+          <p:cNvPr id="2" name="Titolo 1">
+            <a:extLst>
+              <a:ext uri="{FF2B5EF4-FFF2-40B4-BE49-F238E27FC236}">
+                <a16:creationId xmlns:a16="http://schemas.microsoft.com/office/drawing/2014/main" id="{69441F67-1949-8EC8-EB98-85670AC3670C}"/>
+              </a:ext>
+            </a:extLst>
+          </p:cNvPr>
+          <p:cNvSpPr>
+            <a:spLocks noGrp="1"/>
+          </p:cNvSpPr>
+          <p:nvPr>
+            <p:ph type="title"/>
+          </p:nvPr>
+        </p:nvSpPr>
+        <p:spPr/>
+        <p:txBody>
+          <a:bodyPr>
+            <a:normAutofit/>
+          </a:bodyPr>
+          <a:lstStyle/>
+          <a:p>
+            <a:r>
+              <a:rPr lang="it-IT" dirty="0"/>
+              <a:t>Meccanismi di sincronizzazione </a:t>
+            </a:r>
+            <a:r>
+              <a:rPr lang="it-IT" sz="1600" dirty="0"/>
+              <a:t>– </a:t>
+            </a:r>
+            <a:r>
+              <a:rPr lang="it-IT" sz="1600" dirty="0" err="1"/>
+              <a:t>condition</a:t>
+            </a:r>
+            <a:r>
+              <a:rPr lang="it-IT" sz="1600" dirty="0"/>
+              <a:t> </a:t>
+            </a:r>
+            <a:r>
+              <a:rPr lang="it-IT" sz="1600" dirty="0" err="1"/>
+              <a:t>variables</a:t>
+            </a:r>
+            <a:endParaRPr lang="it-IT" dirty="0"/>
+          </a:p>
+        </p:txBody>
+      </p:sp>
+      <p:sp>
+        <p:nvSpPr>
+          <p:cNvPr id="4" name="Segnaposto testo 3">
+            <a:extLst>
+              <a:ext uri="{FF2B5EF4-FFF2-40B4-BE49-F238E27FC236}">
+                <a16:creationId xmlns:a16="http://schemas.microsoft.com/office/drawing/2014/main" id="{3484543A-BB31-0207-182F-1F1C206F0C68}"/>
+              </a:ext>
+            </a:extLst>
+          </p:cNvPr>
+          <p:cNvSpPr>
+            <a:spLocks noGrp="1"/>
+          </p:cNvSpPr>
+          <p:nvPr>
+            <p:ph type="body" idx="1"/>
+          </p:nvPr>
+        </p:nvSpPr>
+        <p:spPr>
+          <a:xfrm>
+            <a:off x="887219" y="2794235"/>
+            <a:ext cx="5087075" cy="536005"/>
+          </a:xfrm>
+        </p:spPr>
+        <p:txBody>
+          <a:bodyPr/>
+          <a:lstStyle/>
+          <a:p>
+            <a:r>
+              <a:rPr lang="it-IT" dirty="0"/>
+              <a:t>OS161</a:t>
+            </a:r>
+          </a:p>
+        </p:txBody>
+      </p:sp>
+      <p:sp>
+        <p:nvSpPr>
+          <p:cNvPr id="8" name="Segnaposto contenuto 7">
+            <a:extLst>
+              <a:ext uri="{FF2B5EF4-FFF2-40B4-BE49-F238E27FC236}">
+                <a16:creationId xmlns:a16="http://schemas.microsoft.com/office/drawing/2014/main" id="{A1E5DF89-94E7-98C4-F563-B3A43317A1CE}"/>
+              </a:ext>
+            </a:extLst>
+          </p:cNvPr>
+          <p:cNvSpPr>
+            <a:spLocks noGrp="1"/>
+          </p:cNvSpPr>
+          <p:nvPr>
+            <p:ph sz="half" idx="2"/>
+          </p:nvPr>
+        </p:nvSpPr>
+        <p:spPr>
+          <a:xfrm>
+            <a:off x="581194" y="3469395"/>
+            <a:ext cx="5393100" cy="2934999"/>
+          </a:xfrm>
+        </p:spPr>
+        <p:txBody>
+          <a:bodyPr>
+            <a:noAutofit/>
+          </a:bodyPr>
+          <a:lstStyle/>
+          <a:p>
+            <a:endParaRPr lang="it-IT" sz="1600" dirty="0"/>
+          </a:p>
+        </p:txBody>
+      </p:sp>
+      <p:sp>
+        <p:nvSpPr>
+          <p:cNvPr id="9" name="Segnaposto testo 8">
+            <a:extLst>
+              <a:ext uri="{FF2B5EF4-FFF2-40B4-BE49-F238E27FC236}">
+                <a16:creationId xmlns:a16="http://schemas.microsoft.com/office/drawing/2014/main" id="{00842FCF-9A2A-27B3-4ED6-BB0713CE4444}"/>
+              </a:ext>
+            </a:extLst>
+          </p:cNvPr>
+          <p:cNvSpPr>
+            <a:spLocks noGrp="1"/>
+          </p:cNvSpPr>
+          <p:nvPr>
+            <p:ph type="body" sz="quarter" idx="3"/>
+          </p:nvPr>
+        </p:nvSpPr>
+        <p:spPr>
+          <a:xfrm>
+            <a:off x="6523735" y="2794235"/>
+            <a:ext cx="5087073" cy="553373"/>
+          </a:xfrm>
+        </p:spPr>
+        <p:txBody>
+          <a:bodyPr/>
+          <a:lstStyle/>
+          <a:p>
+            <a:r>
+              <a:rPr lang="it-IT" dirty="0"/>
+              <a:t>PINTOS</a:t>
+            </a:r>
+          </a:p>
+        </p:txBody>
+      </p:sp>
+      <p:sp>
+        <p:nvSpPr>
+          <p:cNvPr id="10" name="Segnaposto contenuto 9">
+            <a:extLst>
+              <a:ext uri="{FF2B5EF4-FFF2-40B4-BE49-F238E27FC236}">
+                <a16:creationId xmlns:a16="http://schemas.microsoft.com/office/drawing/2014/main" id="{3CDA2ECB-1671-3745-42C6-213A778ECD29}"/>
+              </a:ext>
+            </a:extLst>
+          </p:cNvPr>
+          <p:cNvSpPr>
+            <a:spLocks noGrp="1"/>
+          </p:cNvSpPr>
+          <p:nvPr>
+            <p:ph sz="quarter" idx="4"/>
+          </p:nvPr>
+        </p:nvSpPr>
+        <p:spPr>
+          <a:xfrm>
+            <a:off x="6217709" y="3469395"/>
+            <a:ext cx="5393100" cy="2934999"/>
+          </a:xfrm>
+        </p:spPr>
+        <p:txBody>
+          <a:bodyPr>
+            <a:noAutofit/>
+          </a:bodyPr>
+          <a:lstStyle/>
+          <a:p>
+            <a:endParaRPr lang="it-IT" sz="1600" dirty="0"/>
+          </a:p>
+        </p:txBody>
+      </p:sp>
+      <p:sp>
+        <p:nvSpPr>
+          <p:cNvPr id="3" name="Segnaposto testo 3">
+            <a:extLst>
+              <a:ext uri="{FF2B5EF4-FFF2-40B4-BE49-F238E27FC236}">
+                <a16:creationId xmlns:a16="http://schemas.microsoft.com/office/drawing/2014/main" id="{DD092F63-1123-8337-F4DC-4B5BF08C3E1F}"/>
+              </a:ext>
+            </a:extLst>
+          </p:cNvPr>
+          <p:cNvSpPr txBox="1">
+            <a:spLocks/>
+          </p:cNvSpPr>
+          <p:nvPr/>
+        </p:nvSpPr>
+        <p:spPr>
+          <a:xfrm>
+            <a:off x="615548" y="1879772"/>
+            <a:ext cx="11245148" cy="921080"/>
+          </a:xfrm>
+          <a:prstGeom prst="rect">
+            <a:avLst/>
+          </a:prstGeom>
+        </p:spPr>
+        <p:txBody>
+          <a:bodyPr vert="horz" lIns="91440" tIns="45720" rIns="91440" bIns="45720" rtlCol="0" anchor="b">
+            <a:noAutofit/>
+          </a:bodyPr>
+          <a:lstStyle>
+            <a:lvl1pPr marL="0" indent="0" algn="l" defTabSz="457200" rtl="0" eaLnBrk="1" latinLnBrk="0" hangingPunct="1">
+              <a:spcBef>
+                <a:spcPct val="20000"/>
+              </a:spcBef>
+              <a:spcAft>
+                <a:spcPts val="600"/>
+              </a:spcAft>
+              <a:buClr>
+                <a:schemeClr val="accent2"/>
+              </a:buClr>
+              <a:buSzPct val="92000"/>
+              <a:buFont typeface="Wingdings 2" panose="05020102010507070707" pitchFamily="18" charset="2"/>
+              <a:buNone/>
+              <a:defRPr sz="2200" b="0" kern="1200">
+                <a:solidFill>
+                  <a:schemeClr val="accent2"/>
+                </a:solidFill>
+                <a:latin typeface="+mn-lt"/>
+                <a:ea typeface="+mn-ea"/>
+                <a:cs typeface="+mn-cs"/>
+              </a:defRPr>
+            </a:lvl1pPr>
+            <a:lvl2pPr marL="457200" indent="0" algn="l" defTabSz="457200" rtl="0" eaLnBrk="1" latinLnBrk="0" hangingPunct="1">
+              <a:spcBef>
+                <a:spcPct val="20000"/>
+              </a:spcBef>
+              <a:spcAft>
+                <a:spcPts val="600"/>
+              </a:spcAft>
+              <a:buClr>
+                <a:schemeClr val="accent2"/>
+              </a:buClr>
+              <a:buSzPct val="92000"/>
+              <a:buFont typeface="Wingdings 2" panose="05020102010507070707" pitchFamily="18" charset="2"/>
+              <a:buNone/>
+              <a:defRPr sz="2000" b="1" kern="1200">
+                <a:solidFill>
+                  <a:schemeClr val="tx2"/>
+                </a:solidFill>
+                <a:latin typeface="+mn-lt"/>
+                <a:ea typeface="+mn-ea"/>
+                <a:cs typeface="+mn-cs"/>
+              </a:defRPr>
+            </a:lvl2pPr>
+            <a:lvl3pPr marL="914400" indent="0" algn="l" defTabSz="457200" rtl="0" eaLnBrk="1" latinLnBrk="0" hangingPunct="1">
+              <a:spcBef>
+                <a:spcPct val="20000"/>
+              </a:spcBef>
+              <a:spcAft>
+                <a:spcPts val="600"/>
+              </a:spcAft>
+              <a:buClr>
+                <a:schemeClr val="accent2"/>
+              </a:buClr>
+              <a:buSzPct val="92000"/>
+              <a:buFont typeface="Wingdings 2" panose="05020102010507070707" pitchFamily="18" charset="2"/>
+              <a:buNone/>
+              <a:defRPr sz="1800" b="1" kern="1200">
+                <a:solidFill>
+                  <a:schemeClr val="tx2"/>
+                </a:solidFill>
+                <a:latin typeface="+mn-lt"/>
+                <a:ea typeface="+mn-ea"/>
+                <a:cs typeface="+mn-cs"/>
+              </a:defRPr>
+            </a:lvl3pPr>
+            <a:lvl4pPr marL="1371600" indent="0" algn="l" defTabSz="457200" rtl="0" eaLnBrk="1" latinLnBrk="0" hangingPunct="1">
+              <a:spcBef>
+                <a:spcPct val="20000"/>
+              </a:spcBef>
+              <a:spcAft>
+                <a:spcPts val="600"/>
+              </a:spcAft>
+              <a:buClr>
+                <a:schemeClr val="accent2"/>
+              </a:buClr>
+              <a:buSzPct val="92000"/>
+              <a:buFont typeface="Wingdings 2" panose="05020102010507070707" pitchFamily="18" charset="2"/>
+              <a:buNone/>
+              <a:defRPr sz="1600" b="1" kern="1200">
+                <a:solidFill>
+                  <a:schemeClr val="tx2"/>
+                </a:solidFill>
+                <a:latin typeface="+mn-lt"/>
+                <a:ea typeface="+mn-ea"/>
+                <a:cs typeface="+mn-cs"/>
+              </a:defRPr>
+            </a:lvl4pPr>
+            <a:lvl5pPr marL="1828800" indent="0" algn="l" defTabSz="457200" rtl="0" eaLnBrk="1" latinLnBrk="0" hangingPunct="1">
+              <a:spcBef>
+                <a:spcPct val="20000"/>
+              </a:spcBef>
+              <a:spcAft>
+                <a:spcPts val="600"/>
+              </a:spcAft>
+              <a:buClr>
+                <a:schemeClr val="accent2"/>
+              </a:buClr>
+              <a:buSzPct val="92000"/>
+              <a:buFont typeface="Wingdings 2" panose="05020102010507070707" pitchFamily="18" charset="2"/>
+              <a:buNone/>
+              <a:defRPr sz="1600" b="1" kern="1200">
+                <a:solidFill>
+                  <a:schemeClr val="tx2"/>
+                </a:solidFill>
+                <a:latin typeface="+mn-lt"/>
+                <a:ea typeface="+mn-ea"/>
+                <a:cs typeface="+mn-cs"/>
+              </a:defRPr>
+            </a:lvl5pPr>
+            <a:lvl6pPr marL="2286000" indent="0" algn="l" defTabSz="457200" rtl="0" eaLnBrk="1" latinLnBrk="0" hangingPunct="1">
+              <a:spcBef>
+                <a:spcPct val="20000"/>
+              </a:spcBef>
+              <a:spcAft>
+                <a:spcPts val="600"/>
+              </a:spcAft>
+              <a:buClr>
+                <a:schemeClr val="accent2"/>
+              </a:buClr>
+              <a:buSzPct val="92000"/>
+              <a:buFont typeface="Wingdings 2" panose="05020102010507070707" pitchFamily="18" charset="2"/>
+              <a:buNone/>
+              <a:defRPr sz="1600" b="1" kern="1200">
+                <a:solidFill>
+                  <a:schemeClr val="tx2"/>
+                </a:solidFill>
+                <a:latin typeface="+mn-lt"/>
+                <a:ea typeface="+mn-ea"/>
+                <a:cs typeface="+mn-cs"/>
+              </a:defRPr>
+            </a:lvl6pPr>
+            <a:lvl7pPr marL="2743200" indent="0" algn="l" defTabSz="457200" rtl="0" eaLnBrk="1" latinLnBrk="0" hangingPunct="1">
+              <a:spcBef>
+                <a:spcPct val="20000"/>
+              </a:spcBef>
+              <a:spcAft>
+                <a:spcPts val="600"/>
+              </a:spcAft>
+              <a:buClr>
+                <a:schemeClr val="accent2"/>
+              </a:buClr>
+              <a:buSzPct val="92000"/>
+              <a:buFont typeface="Wingdings 2" panose="05020102010507070707" pitchFamily="18" charset="2"/>
+              <a:buNone/>
+              <a:defRPr sz="1600" b="1" kern="1200">
+                <a:solidFill>
+                  <a:schemeClr val="tx2"/>
+                </a:solidFill>
+                <a:latin typeface="+mn-lt"/>
+                <a:ea typeface="+mn-ea"/>
+                <a:cs typeface="+mn-cs"/>
+              </a:defRPr>
+            </a:lvl7pPr>
+            <a:lvl8pPr marL="3200400" indent="0" algn="l" defTabSz="457200" rtl="0" eaLnBrk="1" latinLnBrk="0" hangingPunct="1">
+              <a:spcBef>
+                <a:spcPct val="20000"/>
+              </a:spcBef>
+              <a:spcAft>
+                <a:spcPts val="600"/>
+              </a:spcAft>
+              <a:buClr>
+                <a:schemeClr val="accent2"/>
+              </a:buClr>
+              <a:buSzPct val="92000"/>
+              <a:buFont typeface="Wingdings 2" panose="05020102010507070707" pitchFamily="18" charset="2"/>
+              <a:buNone/>
+              <a:defRPr sz="1600" b="1" kern="1200">
+                <a:solidFill>
+                  <a:schemeClr val="tx2"/>
+                </a:solidFill>
+                <a:latin typeface="+mn-lt"/>
+                <a:ea typeface="+mn-ea"/>
+                <a:cs typeface="+mn-cs"/>
+              </a:defRPr>
+            </a:lvl8pPr>
+            <a:lvl9pPr marL="3657600" indent="0" algn="l" defTabSz="457200" rtl="0" eaLnBrk="1" latinLnBrk="0" hangingPunct="1">
+              <a:spcBef>
+                <a:spcPct val="20000"/>
+              </a:spcBef>
+              <a:spcAft>
+                <a:spcPts val="600"/>
+              </a:spcAft>
+              <a:buClr>
+                <a:schemeClr val="accent2"/>
+              </a:buClr>
+              <a:buSzPct val="92000"/>
+              <a:buFont typeface="Wingdings 2" panose="05020102010507070707" pitchFamily="18" charset="2"/>
+              <a:buNone/>
+              <a:defRPr sz="1600" b="1" kern="1200">
+                <a:solidFill>
+                  <a:schemeClr val="tx2"/>
+                </a:solidFill>
+                <a:latin typeface="+mn-lt"/>
+                <a:ea typeface="+mn-ea"/>
+                <a:cs typeface="+mn-cs"/>
+              </a:defRPr>
+            </a:lvl9pPr>
+          </a:lstStyle>
+          <a:p>
+            <a:r>
+              <a:rPr lang="it-IT" sz="2000" b="0" dirty="0">
+                <a:solidFill>
+                  <a:schemeClr val="tx1"/>
+                </a:solidFill>
+                <a:effectLst/>
+              </a:rPr>
+              <a:t>Sia in OS161 che in </a:t>
+            </a:r>
+            <a:r>
+              <a:rPr lang="it-IT" sz="2000" b="0" dirty="0" err="1">
+                <a:solidFill>
+                  <a:schemeClr val="tx1"/>
+                </a:solidFill>
+                <a:effectLst/>
+              </a:rPr>
+              <a:t>PintOS</a:t>
+            </a:r>
+            <a:r>
+              <a:rPr lang="it-IT" sz="2000" b="0" dirty="0">
+                <a:solidFill>
+                  <a:schemeClr val="tx1"/>
+                </a:solidFill>
+                <a:effectLst/>
+              </a:rPr>
+              <a:t>, l'obiettivo delle </a:t>
+            </a:r>
+            <a:r>
+              <a:rPr lang="it-IT" sz="2000" b="0" dirty="0" err="1">
+                <a:solidFill>
+                  <a:schemeClr val="tx1"/>
+                </a:solidFill>
+                <a:effectLst/>
+              </a:rPr>
+              <a:t>condition</a:t>
+            </a:r>
+            <a:r>
+              <a:rPr lang="it-IT" sz="2000" b="0" dirty="0">
+                <a:solidFill>
+                  <a:schemeClr val="tx1"/>
+                </a:solidFill>
+                <a:effectLst/>
+              </a:rPr>
+              <a:t> </a:t>
+            </a:r>
+            <a:r>
+              <a:rPr lang="it-IT" sz="2000" b="0" dirty="0" err="1">
+                <a:solidFill>
+                  <a:schemeClr val="tx1"/>
+                </a:solidFill>
+                <a:effectLst/>
+              </a:rPr>
+              <a:t>variables</a:t>
+            </a:r>
+            <a:r>
+              <a:rPr lang="it-IT" sz="2000" b="0" dirty="0">
+                <a:solidFill>
+                  <a:schemeClr val="tx1"/>
+                </a:solidFill>
+                <a:effectLst/>
+              </a:rPr>
+              <a:t> è consentire ai </a:t>
+            </a:r>
+            <a:r>
+              <a:rPr lang="it-IT" sz="2000" b="0" dirty="0" err="1">
+                <a:solidFill>
+                  <a:schemeClr val="tx1"/>
+                </a:solidFill>
+                <a:effectLst/>
+              </a:rPr>
+              <a:t>thread</a:t>
+            </a:r>
+            <a:r>
+              <a:rPr lang="it-IT" sz="2000" b="0" dirty="0">
+                <a:solidFill>
+                  <a:schemeClr val="tx1"/>
+                </a:solidFill>
+                <a:effectLst/>
+              </a:rPr>
+              <a:t> di aspettare che determinate condizioni diventino vere, migliorando l'efficienza della sincronizzazione. </a:t>
+            </a:r>
+          </a:p>
+        </p:txBody>
+      </p:sp>
+    </p:spTree>
+    <p:extLst>
+      <p:ext uri="{BB962C8B-B14F-4D97-AF65-F5344CB8AC3E}">
+        <p14:creationId xmlns:p14="http://schemas.microsoft.com/office/powerpoint/2010/main" val="3980170520"/>
+      </p:ext>
+    </p:extLst>
+  </p:cSld>
+  <p:clrMapOvr>
+    <a:masterClrMapping/>
+  </p:clrMapOvr>
+</p:sld>
+</file>
+
+<file path=ppt/slides/slide14.xml><?xml version="1.0" encoding="utf-8"?>
 <p:sld xmlns:a="http://schemas.openxmlformats.org/drawingml/2006/main" xmlns:r="http://schemas.openxmlformats.org/officeDocument/2006/relationships" xmlns:p="http://schemas.openxmlformats.org/presentationml/2006/main">
   <p:cSld>
     <p:spTree>

--- a/Progetto_SO.pptx
+++ b/Progetto_SO.pptx
@@ -6558,7 +6558,7 @@
           <a:p>
             <a:fld id="{F259A98E-7D3E-4BAE-A284-2CE0D83E33BF}" type="datetimeFigureOut">
               <a:rPr lang="it-IT" smtClean="0"/>
-              <a:t>04/01/2024</a:t>
+              <a:t>05/01/2024</a:t>
             </a:fld>
             <a:endParaRPr lang="it-IT"/>
           </a:p>
@@ -6820,7 +6820,7 @@
           <a:p>
             <a:fld id="{F259A98E-7D3E-4BAE-A284-2CE0D83E33BF}" type="datetimeFigureOut">
               <a:rPr lang="it-IT" smtClean="0"/>
-              <a:t>04/01/2024</a:t>
+              <a:t>05/01/2024</a:t>
             </a:fld>
             <a:endParaRPr lang="it-IT"/>
           </a:p>
@@ -7055,7 +7055,7 @@
           <a:p>
             <a:fld id="{F259A98E-7D3E-4BAE-A284-2CE0D83E33BF}" type="datetimeFigureOut">
               <a:rPr lang="it-IT" smtClean="0"/>
-              <a:t>04/01/2024</a:t>
+              <a:t>05/01/2024</a:t>
             </a:fld>
             <a:endParaRPr lang="it-IT"/>
           </a:p>
@@ -7295,7 +7295,7 @@
           <a:p>
             <a:fld id="{F259A98E-7D3E-4BAE-A284-2CE0D83E33BF}" type="datetimeFigureOut">
               <a:rPr lang="it-IT" smtClean="0"/>
-              <a:t>04/01/2024</a:t>
+              <a:t>05/01/2024</a:t>
             </a:fld>
             <a:endParaRPr lang="it-IT"/>
           </a:p>
@@ -7602,7 +7602,7 @@
           <a:p>
             <a:fld id="{F259A98E-7D3E-4BAE-A284-2CE0D83E33BF}" type="datetimeFigureOut">
               <a:rPr lang="it-IT" smtClean="0"/>
-              <a:t>04/01/2024</a:t>
+              <a:t>05/01/2024</a:t>
             </a:fld>
             <a:endParaRPr lang="it-IT"/>
           </a:p>
@@ -7904,7 +7904,7 @@
           <a:p>
             <a:fld id="{F259A98E-7D3E-4BAE-A284-2CE0D83E33BF}" type="datetimeFigureOut">
               <a:rPr lang="it-IT" smtClean="0"/>
-              <a:t>04/01/2024</a:t>
+              <a:t>05/01/2024</a:t>
             </a:fld>
             <a:endParaRPr lang="it-IT"/>
           </a:p>
@@ -8326,7 +8326,7 @@
           <a:p>
             <a:fld id="{F259A98E-7D3E-4BAE-A284-2CE0D83E33BF}" type="datetimeFigureOut">
               <a:rPr lang="it-IT" smtClean="0"/>
-              <a:t>04/01/2024</a:t>
+              <a:t>05/01/2024</a:t>
             </a:fld>
             <a:endParaRPr lang="it-IT"/>
           </a:p>
@@ -8421,7 +8421,7 @@
           <a:p>
             <a:fld id="{F259A98E-7D3E-4BAE-A284-2CE0D83E33BF}" type="datetimeFigureOut">
               <a:rPr lang="it-IT" smtClean="0"/>
-              <a:t>04/01/2024</a:t>
+              <a:t>05/01/2024</a:t>
             </a:fld>
             <a:endParaRPr lang="it-IT"/>
           </a:p>
@@ -8583,7 +8583,7 @@
           <a:p>
             <a:fld id="{F259A98E-7D3E-4BAE-A284-2CE0D83E33BF}" type="datetimeFigureOut">
               <a:rPr lang="it-IT" smtClean="0"/>
-              <a:t>04/01/2024</a:t>
+              <a:t>05/01/2024</a:t>
             </a:fld>
             <a:endParaRPr lang="it-IT"/>
           </a:p>
@@ -8961,7 +8961,7 @@
           <a:p>
             <a:fld id="{F259A98E-7D3E-4BAE-A284-2CE0D83E33BF}" type="datetimeFigureOut">
               <a:rPr lang="it-IT" smtClean="0"/>
-              <a:t>04/01/2024</a:t>
+              <a:t>05/01/2024</a:t>
             </a:fld>
             <a:endParaRPr lang="it-IT"/>
           </a:p>
@@ -9250,7 +9250,7 @@
           <a:p>
             <a:fld id="{F259A98E-7D3E-4BAE-A284-2CE0D83E33BF}" type="datetimeFigureOut">
               <a:rPr lang="it-IT" smtClean="0"/>
-              <a:t>04/01/2024</a:t>
+              <a:t>05/01/2024</a:t>
             </a:fld>
             <a:endParaRPr lang="it-IT"/>
           </a:p>
@@ -9461,7 +9461,7 @@
           <a:p>
             <a:fld id="{F259A98E-7D3E-4BAE-A284-2CE0D83E33BF}" type="datetimeFigureOut">
               <a:rPr lang="it-IT" smtClean="0"/>
-              <a:t>04/01/2024</a:t>
+              <a:t>05/01/2024</a:t>
             </a:fld>
             <a:endParaRPr lang="it-IT"/>
           </a:p>
@@ -11616,7 +11616,7 @@
         </p:nvSpPr>
         <p:spPr>
           <a:xfrm>
-            <a:off x="887219" y="2794235"/>
+            <a:off x="887219" y="2555699"/>
             <a:ext cx="5087075" cy="536005"/>
           </a:xfrm>
         </p:spPr>
@@ -11649,7 +11649,7 @@
         </p:nvSpPr>
         <p:spPr>
           <a:xfrm>
-            <a:off x="581194" y="3469395"/>
+            <a:off x="581194" y="3230859"/>
             <a:ext cx="5393100" cy="2934999"/>
           </a:xfrm>
         </p:spPr>
@@ -11658,6 +11658,66 @@
             <a:noAutofit/>
           </a:bodyPr>
           <a:lstStyle/>
+          <a:p>
+            <a:r>
+              <a:rPr lang="it-IT" sz="1600" dirty="0"/>
+              <a:t>Lock implementato come </a:t>
+            </a:r>
+            <a:r>
+              <a:rPr lang="it-IT" sz="1600" dirty="0" err="1"/>
+              <a:t>struct</a:t>
+            </a:r>
+            <a:r>
+              <a:rPr lang="it-IT" sz="1600" dirty="0"/>
+              <a:t> contenente:</a:t>
+            </a:r>
+          </a:p>
+          <a:p>
+            <a:pPr lvl="1"/>
+            <a:r>
+              <a:rPr lang="it-IT" dirty="0"/>
+              <a:t>nome: per identificare il lock</a:t>
+            </a:r>
+          </a:p>
+          <a:p>
+            <a:pPr lvl="1"/>
+            <a:r>
+              <a:rPr lang="it-IT" dirty="0"/>
+              <a:t>HANGMAN_LOCKABLE: per rilevare i deadlock</a:t>
+            </a:r>
+          </a:p>
+          <a:p>
+            <a:r>
+              <a:rPr lang="it-IT" sz="1600" dirty="0"/>
+              <a:t>Le operazioni sui Lock sono simili a quelle che offre </a:t>
+            </a:r>
+            <a:r>
+              <a:rPr lang="it-IT" sz="1600" dirty="0" err="1"/>
+              <a:t>PintOS</a:t>
+            </a:r>
+            <a:endParaRPr lang="it-IT" sz="1600" dirty="0"/>
+          </a:p>
+          <a:p>
+            <a:r>
+              <a:rPr lang="it-IT" sz="1600" dirty="0"/>
+              <a:t>La differenza principale è che OS161 utilizza anche un hook per riconoscere e prevenire i deadlock</a:t>
+            </a:r>
+          </a:p>
+          <a:p>
+            <a:pPr lvl="1"/>
+            <a:r>
+              <a:rPr lang="it-IT" dirty="0"/>
+              <a:t>Il rilevatore di deadlock di OS161 utilizza un approccio basato sul grafo per rilevare i deadlock. I </a:t>
+            </a:r>
+            <a:r>
+              <a:rPr lang="it-IT" dirty="0" err="1"/>
+              <a:t>thread</a:t>
+            </a:r>
+            <a:r>
+              <a:rPr lang="it-IT" dirty="0"/>
+              <a:t> e i lock vengono rappresentati come nodi e archi in un grafo. Il codice di rilevamento dei deadlock controlla il grafo per rilevare cicli. Se viene rilevato un ciclo, significa che esiste un deadlock</a:t>
+            </a:r>
+          </a:p>
           <a:p>
             <a:endParaRPr lang="it-IT" sz="1600" dirty="0"/>
           </a:p>
@@ -11681,7 +11741,7 @@
         </p:nvSpPr>
         <p:spPr>
           <a:xfrm>
-            <a:off x="6523735" y="2794235"/>
+            <a:off x="6523735" y="2555699"/>
             <a:ext cx="5087073" cy="553373"/>
           </a:xfrm>
         </p:spPr>
@@ -11714,7 +11774,7 @@
         </p:nvSpPr>
         <p:spPr>
           <a:xfrm>
-            <a:off x="6217709" y="3469395"/>
+            <a:off x="6217709" y="3230859"/>
             <a:ext cx="5393100" cy="2934999"/>
           </a:xfrm>
         </p:spPr>
@@ -11724,7 +11784,123 @@
           </a:bodyPr>
           <a:lstStyle/>
           <a:p>
-            <a:endParaRPr lang="it-IT" sz="1600" dirty="0"/>
+            <a:r>
+              <a:rPr lang="it-IT" sz="1600" dirty="0"/>
+              <a:t>Lock implementato come </a:t>
+            </a:r>
+            <a:r>
+              <a:rPr lang="it-IT" sz="1600" dirty="0" err="1"/>
+              <a:t>struct</a:t>
+            </a:r>
+            <a:r>
+              <a:rPr lang="it-IT" sz="1600" dirty="0"/>
+              <a:t> contenente:</a:t>
+            </a:r>
+          </a:p>
+          <a:p>
+            <a:pPr lvl="1"/>
+            <a:r>
+              <a:rPr lang="it-IT" dirty="0" err="1"/>
+              <a:t>thread</a:t>
+            </a:r>
+            <a:r>
+              <a:rPr lang="it-IT" dirty="0"/>
+              <a:t>: chi detiene il lock</a:t>
+            </a:r>
+          </a:p>
+          <a:p>
+            <a:pPr lvl="1"/>
+            <a:r>
+              <a:rPr lang="it-IT" dirty="0" err="1"/>
+              <a:t>semaphore</a:t>
+            </a:r>
+            <a:r>
+              <a:rPr lang="it-IT" dirty="0"/>
+              <a:t>: struttura semaforo binario per il controllo degli accessi</a:t>
+            </a:r>
+          </a:p>
+          <a:p>
+            <a:r>
+              <a:rPr lang="it-IT" sz="1600" dirty="0"/>
+              <a:t>Le funzioni sui Lock sono: </a:t>
+            </a:r>
+          </a:p>
+          <a:p>
+            <a:pPr lvl="1"/>
+            <a:r>
+              <a:rPr lang="it-IT" sz="1200" b="1" dirty="0" err="1"/>
+              <a:t>lock_init</a:t>
+            </a:r>
+            <a:r>
+              <a:rPr lang="it-IT" sz="1200" dirty="0"/>
+              <a:t> : Inizializza un nuovo lock.</a:t>
+            </a:r>
+          </a:p>
+          <a:p>
+            <a:pPr lvl="1"/>
+            <a:r>
+              <a:rPr lang="it-IT" sz="1200" b="1" dirty="0" err="1"/>
+              <a:t>lock_acquire</a:t>
+            </a:r>
+            <a:r>
+              <a:rPr lang="it-IT" sz="1200" dirty="0"/>
+              <a:t> : Acquisisce il lock, aspettando, se necessario, il suo rilascio.</a:t>
+            </a:r>
+          </a:p>
+          <a:p>
+            <a:pPr lvl="1"/>
+            <a:r>
+              <a:rPr lang="it-IT" sz="1200" b="1" dirty="0" err="1"/>
+              <a:t>lock_try_acquire</a:t>
+            </a:r>
+            <a:r>
+              <a:rPr lang="it-IT" sz="1200" dirty="0"/>
+              <a:t> : Prova ad acquisire il lock senza attendere.</a:t>
+            </a:r>
+          </a:p>
+          <a:p>
+            <a:pPr lvl="1"/>
+            <a:r>
+              <a:rPr lang="it-IT" sz="1200" b="1" dirty="0" err="1"/>
+              <a:t>lock_release</a:t>
+            </a:r>
+            <a:r>
+              <a:rPr lang="it-IT" sz="1200" dirty="0"/>
+              <a:t> : Rilascia il lock detenuto dal </a:t>
+            </a:r>
+            <a:r>
+              <a:rPr lang="it-IT" sz="1200" dirty="0" err="1"/>
+              <a:t>thread</a:t>
+            </a:r>
+            <a:r>
+              <a:rPr lang="it-IT" sz="1200" dirty="0"/>
+              <a:t> corrente.</a:t>
+            </a:r>
+          </a:p>
+          <a:p>
+            <a:pPr lvl="1"/>
+            <a:r>
+              <a:rPr lang="it-IT" sz="1200" b="1" dirty="0" err="1"/>
+              <a:t>lock_held_by_current_thread</a:t>
+            </a:r>
+            <a:r>
+              <a:rPr lang="it-IT" sz="1200" dirty="0"/>
+              <a:t> : Verifica se il </a:t>
+            </a:r>
+            <a:r>
+              <a:rPr lang="it-IT" sz="1200" dirty="0" err="1"/>
+              <a:t>thread</a:t>
+            </a:r>
+            <a:r>
+              <a:rPr lang="it-IT" sz="1200" dirty="0"/>
+              <a:t> in esecuzione possiede il lock.</a:t>
+            </a:r>
+          </a:p>
+          <a:p>
+            <a:pPr marL="324000" lvl="1" indent="0">
+              <a:buNone/>
+            </a:pPr>
+            <a:endParaRPr lang="it-IT" dirty="0"/>
           </a:p>
         </p:txBody>
       </p:sp>
@@ -11744,7 +11920,7 @@
         </p:nvSpPr>
         <p:spPr>
           <a:xfrm>
-            <a:off x="615548" y="1879772"/>
+            <a:off x="615548" y="1641236"/>
             <a:ext cx="11245148" cy="921080"/>
           </a:xfrm>
           <a:prstGeom prst="rect">
@@ -12045,19 +12221,7 @@
             </a:r>
             <a:r>
               <a:rPr lang="it-IT" sz="1600" dirty="0"/>
-              <a:t>– </a:t>
-            </a:r>
-            <a:r>
-              <a:rPr lang="it-IT" sz="1600" dirty="0" err="1"/>
-              <a:t>condition</a:t>
-            </a:r>
-            <a:r>
-              <a:rPr lang="it-IT" sz="1600" dirty="0"/>
-              <a:t> </a:t>
-            </a:r>
-            <a:r>
-              <a:rPr lang="it-IT" sz="1600" dirty="0" err="1"/>
-              <a:t>variables</a:t>
+              <a:t>– SPINLOCK</a:t>
             </a:r>
             <a:endParaRPr lang="it-IT" dirty="0"/>
           </a:p>
@@ -12065,10 +12229,10 @@
       </p:sp>
       <p:sp>
         <p:nvSpPr>
-          <p:cNvPr id="4" name="Segnaposto testo 3">
+          <p:cNvPr id="13" name="Segnaposto testo 12">
             <a:extLst>
               <a:ext uri="{FF2B5EF4-FFF2-40B4-BE49-F238E27FC236}">
-                <a16:creationId xmlns:a16="http://schemas.microsoft.com/office/drawing/2014/main" id="{3484543A-BB31-0207-182F-1F1C206F0C68}"/>
+                <a16:creationId xmlns:a16="http://schemas.microsoft.com/office/drawing/2014/main" id="{B3C55E6E-7F1D-E8ED-D1E0-70C0CB3A6DEB}"/>
               </a:ext>
             </a:extLst>
           </p:cNvPr>
@@ -12081,7 +12245,7 @@
         </p:nvSpPr>
         <p:spPr>
           <a:xfrm>
-            <a:off x="887219" y="2794235"/>
+            <a:off x="581193" y="2065293"/>
             <a:ext cx="5087075" cy="536005"/>
           </a:xfrm>
         </p:spPr>
@@ -12090,18 +12254,19 @@
           <a:lstStyle/>
           <a:p>
             <a:r>
-              <a:rPr lang="it-IT" dirty="0"/>
-              <a:t>OS161</a:t>
-            </a:r>
+              <a:rPr lang="it-IT" dirty="0" err="1"/>
+              <a:t>Spinlock</a:t>
+            </a:r>
+            <a:endParaRPr lang="it-IT" dirty="0"/>
           </a:p>
         </p:txBody>
       </p:sp>
       <p:sp>
         <p:nvSpPr>
-          <p:cNvPr id="8" name="Segnaposto contenuto 7">
+          <p:cNvPr id="15" name="Segnaposto contenuto 14">
             <a:extLst>
               <a:ext uri="{FF2B5EF4-FFF2-40B4-BE49-F238E27FC236}">
-                <a16:creationId xmlns:a16="http://schemas.microsoft.com/office/drawing/2014/main" id="{A1E5DF89-94E7-98C4-F563-B3A43317A1CE}"/>
+                <a16:creationId xmlns:a16="http://schemas.microsoft.com/office/drawing/2014/main" id="{DF74071F-8B8B-B999-4850-42BA71FE86B6}"/>
               </a:ext>
             </a:extLst>
           </p:cNvPr>
@@ -12112,93 +12277,119 @@
             <p:ph sz="half" idx="2"/>
           </p:nvPr>
         </p:nvSpPr>
-        <p:spPr>
-          <a:xfrm>
-            <a:off x="581194" y="3469395"/>
-            <a:ext cx="5393100" cy="2934999"/>
-          </a:xfrm>
-        </p:spPr>
+        <p:spPr/>
         <p:txBody>
           <a:bodyPr>
-            <a:noAutofit/>
+            <a:normAutofit lnSpcReduction="10000"/>
           </a:bodyPr>
           <a:lstStyle/>
           <a:p>
-            <a:endParaRPr lang="it-IT" sz="1600" dirty="0"/>
+            <a:pPr marL="0" indent="0">
+              <a:buNone/>
+            </a:pPr>
+            <a:r>
+              <a:rPr lang="it-IT" dirty="0"/>
+              <a:t>A differenza di </a:t>
+            </a:r>
+            <a:r>
+              <a:rPr lang="it-IT" dirty="0" err="1"/>
+              <a:t>PintOS</a:t>
+            </a:r>
+            <a:r>
+              <a:rPr lang="it-IT" dirty="0"/>
+              <a:t>, </a:t>
+            </a:r>
+            <a:r>
+              <a:rPr lang="it-IT" b="1" dirty="0"/>
+              <a:t>OS161</a:t>
+            </a:r>
+            <a:r>
+              <a:rPr lang="it-IT" dirty="0"/>
+              <a:t> introduce anche gli </a:t>
+            </a:r>
+            <a:r>
+              <a:rPr lang="it-IT" b="1" dirty="0" err="1"/>
+              <a:t>spinlock</a:t>
+            </a:r>
+            <a:r>
+              <a:rPr lang="it-IT" dirty="0"/>
+              <a:t>.</a:t>
+            </a:r>
+          </a:p>
+          <a:p>
+            <a:pPr marL="0" indent="0">
+              <a:buNone/>
+            </a:pPr>
+            <a:r>
+              <a:rPr lang="it-IT" dirty="0"/>
+              <a:t>Gli </a:t>
+            </a:r>
+            <a:r>
+              <a:rPr lang="it-IT" dirty="0" err="1"/>
+              <a:t>spinlock</a:t>
+            </a:r>
+            <a:r>
+              <a:rPr lang="it-IT" dirty="0"/>
+              <a:t> sono un meccanismo di sincronizzazione che consente a più </a:t>
+            </a:r>
+            <a:r>
+              <a:rPr lang="it-IT" dirty="0" err="1"/>
+              <a:t>thread</a:t>
+            </a:r>
+            <a:r>
+              <a:rPr lang="it-IT" dirty="0"/>
+              <a:t> di accedere a un dato oggetto in modo esclusivo. </a:t>
+            </a:r>
+          </a:p>
+          <a:p>
+            <a:pPr marL="0" indent="0">
+              <a:buNone/>
+            </a:pPr>
+            <a:r>
+              <a:rPr lang="it-IT" dirty="0"/>
+              <a:t>A differenza dei </a:t>
+            </a:r>
+            <a:r>
+              <a:rPr lang="it-IT" dirty="0" err="1"/>
+              <a:t>mutex</a:t>
+            </a:r>
+            <a:r>
+              <a:rPr lang="it-IT" dirty="0"/>
+              <a:t>, che mettono in attesa passiva i </a:t>
+            </a:r>
+            <a:r>
+              <a:rPr lang="it-IT" dirty="0" err="1"/>
+              <a:t>thread</a:t>
+            </a:r>
+            <a:r>
+              <a:rPr lang="it-IT" dirty="0"/>
+              <a:t> che non possono acquisire il lock, gli </a:t>
+            </a:r>
+            <a:r>
+              <a:rPr lang="it-IT" dirty="0" err="1"/>
+              <a:t>spinlock</a:t>
+            </a:r>
+            <a:r>
+              <a:rPr lang="it-IT" dirty="0"/>
+              <a:t> consentono ai </a:t>
+            </a:r>
+            <a:r>
+              <a:rPr lang="it-IT" dirty="0" err="1"/>
+              <a:t>thread</a:t>
+            </a:r>
+            <a:r>
+              <a:rPr lang="it-IT" dirty="0"/>
+              <a:t> di continuare a eseguire in modo attivo, verificando periodicamente se il lock è disponibile.</a:t>
+            </a:r>
           </a:p>
         </p:txBody>
       </p:sp>
       <p:sp>
         <p:nvSpPr>
-          <p:cNvPr id="9" name="Segnaposto testo 8">
+          <p:cNvPr id="17" name="Segnaposto contenuto 14">
             <a:extLst>
               <a:ext uri="{FF2B5EF4-FFF2-40B4-BE49-F238E27FC236}">
-                <a16:creationId xmlns:a16="http://schemas.microsoft.com/office/drawing/2014/main" id="{00842FCF-9A2A-27B3-4ED6-BB0713CE4444}"/>
-              </a:ext>
-            </a:extLst>
-          </p:cNvPr>
-          <p:cNvSpPr>
-            <a:spLocks noGrp="1"/>
-          </p:cNvSpPr>
-          <p:nvPr>
-            <p:ph type="body" sz="quarter" idx="3"/>
-          </p:nvPr>
-        </p:nvSpPr>
-        <p:spPr>
-          <a:xfrm>
-            <a:off x="6523735" y="2794235"/>
-            <a:ext cx="5087073" cy="553373"/>
-          </a:xfrm>
-        </p:spPr>
-        <p:txBody>
-          <a:bodyPr/>
-          <a:lstStyle/>
-          <a:p>
-            <a:r>
-              <a:rPr lang="it-IT" dirty="0"/>
-              <a:t>PINTOS</a:t>
-            </a:r>
-          </a:p>
-        </p:txBody>
-      </p:sp>
-      <p:sp>
-        <p:nvSpPr>
-          <p:cNvPr id="10" name="Segnaposto contenuto 9">
-            <a:extLst>
-              <a:ext uri="{FF2B5EF4-FFF2-40B4-BE49-F238E27FC236}">
-                <a16:creationId xmlns:a16="http://schemas.microsoft.com/office/drawing/2014/main" id="{3CDA2ECB-1671-3745-42C6-213A778ECD29}"/>
-              </a:ext>
-            </a:extLst>
-          </p:cNvPr>
-          <p:cNvSpPr>
-            <a:spLocks noGrp="1"/>
-          </p:cNvSpPr>
-          <p:nvPr>
-            <p:ph sz="quarter" idx="4"/>
-          </p:nvPr>
-        </p:nvSpPr>
-        <p:spPr>
-          <a:xfrm>
-            <a:off x="6217709" y="3469395"/>
-            <a:ext cx="5393100" cy="2934999"/>
-          </a:xfrm>
-        </p:spPr>
-        <p:txBody>
-          <a:bodyPr>
-            <a:noAutofit/>
-          </a:bodyPr>
-          <a:lstStyle/>
-          <a:p>
-            <a:endParaRPr lang="it-IT" sz="1600" dirty="0"/>
-          </a:p>
-        </p:txBody>
-      </p:sp>
-      <p:sp>
-        <p:nvSpPr>
-          <p:cNvPr id="3" name="Segnaposto testo 3">
-            <a:extLst>
-              <a:ext uri="{FF2B5EF4-FFF2-40B4-BE49-F238E27FC236}">
-                <a16:creationId xmlns:a16="http://schemas.microsoft.com/office/drawing/2014/main" id="{DD092F63-1123-8337-F4DC-4B5BF08C3E1F}"/>
+                <a16:creationId xmlns:a16="http://schemas.microsoft.com/office/drawing/2014/main" id="{BDB5703A-5D14-1779-07EE-1FC3B49E9925}"/>
               </a:ext>
             </a:extLst>
           </p:cNvPr>
@@ -12209,19 +12400,19 @@
         </p:nvSpPr>
         <p:spPr>
           <a:xfrm>
-            <a:off x="615548" y="1879772"/>
-            <a:ext cx="11245148" cy="921080"/>
+            <a:off x="5974294" y="2065293"/>
+            <a:ext cx="5393100" cy="4680064"/>
           </a:xfrm>
           <a:prstGeom prst="rect">
             <a:avLst/>
           </a:prstGeom>
         </p:spPr>
         <p:txBody>
-          <a:bodyPr vert="horz" lIns="91440" tIns="45720" rIns="91440" bIns="45720" rtlCol="0" anchor="b">
-            <a:noAutofit/>
+          <a:bodyPr vert="horz" lIns="91440" tIns="45720" rIns="91440" bIns="45720" rtlCol="0" anchor="t">
+            <a:normAutofit fontScale="47500" lnSpcReduction="20000"/>
           </a:bodyPr>
           <a:lstStyle>
-            <a:lvl1pPr marL="0" indent="0" algn="l" defTabSz="457200" rtl="0" eaLnBrk="1" latinLnBrk="0" hangingPunct="1">
+            <a:lvl1pPr marL="306000" indent="-306000" algn="l" defTabSz="457200" rtl="0" eaLnBrk="1" latinLnBrk="0" hangingPunct="1">
               <a:spcBef>
                 <a:spcPct val="20000"/>
               </a:spcBef>
@@ -12233,17 +12424,17 @@
               </a:buClr>
               <a:buSzPct val="92000"/>
               <a:buFont typeface="Wingdings 2" panose="05020102010507070707" pitchFamily="18" charset="2"/>
-              <a:buNone/>
-              <a:defRPr sz="2200" b="0" kern="1200">
-                <a:solidFill>
-                  <a:schemeClr val="accent2"/>
+              <a:buChar char=""/>
+              <a:defRPr sz="1800" kern="1200">
+                <a:solidFill>
+                  <a:schemeClr val="tx2"/>
                 </a:solidFill>
                 <a:latin typeface="+mn-lt"/>
                 <a:ea typeface="+mn-ea"/>
                 <a:cs typeface="+mn-cs"/>
               </a:defRPr>
             </a:lvl1pPr>
-            <a:lvl2pPr marL="457200" indent="0" algn="l" defTabSz="457200" rtl="0" eaLnBrk="1" latinLnBrk="0" hangingPunct="1">
+            <a:lvl2pPr marL="630000" indent="-306000" algn="l" defTabSz="457200" rtl="0" eaLnBrk="1" latinLnBrk="0" hangingPunct="1">
               <a:spcBef>
                 <a:spcPct val="20000"/>
               </a:spcBef>
@@ -12255,8 +12446,8 @@
               </a:buClr>
               <a:buSzPct val="92000"/>
               <a:buFont typeface="Wingdings 2" panose="05020102010507070707" pitchFamily="18" charset="2"/>
-              <a:buNone/>
-              <a:defRPr sz="2000" b="1" kern="1200">
+              <a:buChar char=""/>
+              <a:defRPr sz="1600" kern="1200">
                 <a:solidFill>
                   <a:schemeClr val="tx2"/>
                 </a:solidFill>
@@ -12265,7 +12456,7 @@
                 <a:cs typeface="+mn-cs"/>
               </a:defRPr>
             </a:lvl2pPr>
-            <a:lvl3pPr marL="914400" indent="0" algn="l" defTabSz="457200" rtl="0" eaLnBrk="1" latinLnBrk="0" hangingPunct="1">
+            <a:lvl3pPr marL="900000" indent="-270000" algn="l" defTabSz="457200" rtl="0" eaLnBrk="1" latinLnBrk="0" hangingPunct="1">
               <a:spcBef>
                 <a:spcPct val="20000"/>
               </a:spcBef>
@@ -12277,8 +12468,8 @@
               </a:buClr>
               <a:buSzPct val="92000"/>
               <a:buFont typeface="Wingdings 2" panose="05020102010507070707" pitchFamily="18" charset="2"/>
-              <a:buNone/>
-              <a:defRPr sz="1800" b="1" kern="1200">
+              <a:buChar char=""/>
+              <a:defRPr sz="1400" kern="1200">
                 <a:solidFill>
                   <a:schemeClr val="tx2"/>
                 </a:solidFill>
@@ -12287,7 +12478,7 @@
                 <a:cs typeface="+mn-cs"/>
               </a:defRPr>
             </a:lvl3pPr>
-            <a:lvl4pPr marL="1371600" indent="0" algn="l" defTabSz="457200" rtl="0" eaLnBrk="1" latinLnBrk="0" hangingPunct="1">
+            <a:lvl4pPr marL="1242000" indent="-234000" algn="l" defTabSz="457200" rtl="0" eaLnBrk="1" latinLnBrk="0" hangingPunct="1">
               <a:spcBef>
                 <a:spcPct val="20000"/>
               </a:spcBef>
@@ -12299,8 +12490,8 @@
               </a:buClr>
               <a:buSzPct val="92000"/>
               <a:buFont typeface="Wingdings 2" panose="05020102010507070707" pitchFamily="18" charset="2"/>
-              <a:buNone/>
-              <a:defRPr sz="1600" b="1" kern="1200">
+              <a:buChar char=""/>
+              <a:defRPr sz="1200" kern="1200">
                 <a:solidFill>
                   <a:schemeClr val="tx2"/>
                 </a:solidFill>
@@ -12309,7 +12500,7 @@
                 <a:cs typeface="+mn-cs"/>
               </a:defRPr>
             </a:lvl4pPr>
-            <a:lvl5pPr marL="1828800" indent="0" algn="l" defTabSz="457200" rtl="0" eaLnBrk="1" latinLnBrk="0" hangingPunct="1">
+            <a:lvl5pPr marL="1602000" indent="-234000" algn="l" defTabSz="457200" rtl="0" eaLnBrk="1" latinLnBrk="0" hangingPunct="1">
               <a:spcBef>
                 <a:spcPct val="20000"/>
               </a:spcBef>
@@ -12321,8 +12512,8 @@
               </a:buClr>
               <a:buSzPct val="92000"/>
               <a:buFont typeface="Wingdings 2" panose="05020102010507070707" pitchFamily="18" charset="2"/>
-              <a:buNone/>
-              <a:defRPr sz="1600" b="1" kern="1200">
+              <a:buChar char=""/>
+              <a:defRPr sz="1200" kern="1200">
                 <a:solidFill>
                   <a:schemeClr val="tx2"/>
                 </a:solidFill>
@@ -12331,7 +12522,7 @@
                 <a:cs typeface="+mn-cs"/>
               </a:defRPr>
             </a:lvl5pPr>
-            <a:lvl6pPr marL="2286000" indent="0" algn="l" defTabSz="457200" rtl="0" eaLnBrk="1" latinLnBrk="0" hangingPunct="1">
+            <a:lvl6pPr marL="1900000" indent="-228600" algn="l" defTabSz="457200" rtl="0" eaLnBrk="1" latinLnBrk="0" hangingPunct="1">
               <a:spcBef>
                 <a:spcPct val="20000"/>
               </a:spcBef>
@@ -12343,8 +12534,8 @@
               </a:buClr>
               <a:buSzPct val="92000"/>
               <a:buFont typeface="Wingdings 2" panose="05020102010507070707" pitchFamily="18" charset="2"/>
-              <a:buNone/>
-              <a:defRPr sz="1600" b="1" kern="1200">
+              <a:buChar char=""/>
+              <a:defRPr sz="1200" kern="1200">
                 <a:solidFill>
                   <a:schemeClr val="tx2"/>
                 </a:solidFill>
@@ -12353,7 +12544,7 @@
                 <a:cs typeface="+mn-cs"/>
               </a:defRPr>
             </a:lvl6pPr>
-            <a:lvl7pPr marL="2743200" indent="0" algn="l" defTabSz="457200" rtl="0" eaLnBrk="1" latinLnBrk="0" hangingPunct="1">
+            <a:lvl7pPr marL="2200000" indent="-228600" algn="l" defTabSz="457200" rtl="0" eaLnBrk="1" latinLnBrk="0" hangingPunct="1">
               <a:spcBef>
                 <a:spcPct val="20000"/>
               </a:spcBef>
@@ -12365,8 +12556,8 @@
               </a:buClr>
               <a:buSzPct val="92000"/>
               <a:buFont typeface="Wingdings 2" panose="05020102010507070707" pitchFamily="18" charset="2"/>
-              <a:buNone/>
-              <a:defRPr sz="1600" b="1" kern="1200">
+              <a:buChar char=""/>
+              <a:defRPr sz="1200" kern="1200">
                 <a:solidFill>
                   <a:schemeClr val="tx2"/>
                 </a:solidFill>
@@ -12375,7 +12566,7 @@
                 <a:cs typeface="+mn-cs"/>
               </a:defRPr>
             </a:lvl7pPr>
-            <a:lvl8pPr marL="3200400" indent="0" algn="l" defTabSz="457200" rtl="0" eaLnBrk="1" latinLnBrk="0" hangingPunct="1">
+            <a:lvl8pPr marL="2500000" indent="-228600" algn="l" defTabSz="457200" rtl="0" eaLnBrk="1" latinLnBrk="0" hangingPunct="1">
               <a:spcBef>
                 <a:spcPct val="20000"/>
               </a:spcBef>
@@ -12387,8 +12578,8 @@
               </a:buClr>
               <a:buSzPct val="92000"/>
               <a:buFont typeface="Wingdings 2" panose="05020102010507070707" pitchFamily="18" charset="2"/>
-              <a:buNone/>
-              <a:defRPr sz="1600" b="1" kern="1200">
+              <a:buChar char=""/>
+              <a:defRPr sz="1200" kern="1200">
                 <a:solidFill>
                   <a:schemeClr val="tx2"/>
                 </a:solidFill>
@@ -12397,7 +12588,7 @@
                 <a:cs typeface="+mn-cs"/>
               </a:defRPr>
             </a:lvl8pPr>
-            <a:lvl9pPr marL="3657600" indent="0" algn="l" defTabSz="457200" rtl="0" eaLnBrk="1" latinLnBrk="0" hangingPunct="1">
+            <a:lvl9pPr marL="2800000" indent="-228600" algn="l" defTabSz="457200" rtl="0" eaLnBrk="1" latinLnBrk="0" hangingPunct="1">
               <a:spcBef>
                 <a:spcPct val="20000"/>
               </a:spcBef>
@@ -12409,8 +12600,8 @@
               </a:buClr>
               <a:buSzPct val="92000"/>
               <a:buFont typeface="Wingdings 2" panose="05020102010507070707" pitchFamily="18" charset="2"/>
-              <a:buNone/>
-              <a:defRPr sz="1600" b="1" kern="1200">
+              <a:buChar char=""/>
+              <a:defRPr sz="1200" kern="1200">
                 <a:solidFill>
                   <a:schemeClr val="tx2"/>
                 </a:solidFill>
@@ -12421,94 +12612,1272 @@
             </a:lvl9pPr>
           </a:lstStyle>
           <a:p>
-            <a:r>
-              <a:rPr lang="it-IT" sz="2000" b="0" dirty="0">
-                <a:solidFill>
-                  <a:schemeClr val="tx1"/>
+            <a:pPr marL="0" indent="0">
+              <a:lnSpc>
+                <a:spcPct val="107000"/>
+              </a:lnSpc>
+              <a:spcAft>
+                <a:spcPts val="800"/>
+              </a:spcAft>
+              <a:buNone/>
+            </a:pPr>
+            <a:r>
+              <a:rPr lang="en-US" sz="1800" dirty="0">
+                <a:solidFill>
+                  <a:srgbClr val="006A00"/>
                 </a:solidFill>
                 <a:effectLst/>
+                <a:latin typeface="Courier New" panose="02070309020205020404" pitchFamily="49" charset="0"/>
+                <a:ea typeface="Times New Roman" panose="02020603050405020304" pitchFamily="18" charset="0"/>
+                <a:cs typeface="Times New Roman" panose="02020603050405020304" pitchFamily="18" charset="0"/>
               </a:rPr>
-              <a:t>Sia in OS161 che in </a:t>
-            </a:r>
-            <a:r>
-              <a:rPr lang="it-IT" sz="2000" b="0" dirty="0" err="1">
-                <a:solidFill>
-                  <a:schemeClr val="tx1"/>
+              <a:t>/*</a:t>
+            </a:r>
+            <a:endParaRPr lang="it-IT" sz="1800" dirty="0">
+              <a:effectLst/>
+              <a:latin typeface="Calibri" panose="020F0502020204030204" pitchFamily="34" charset="0"/>
+              <a:ea typeface="Calibri" panose="020F0502020204030204" pitchFamily="34" charset="0"/>
+              <a:cs typeface="Times New Roman" panose="02020603050405020304" pitchFamily="18" charset="0"/>
+            </a:endParaRPr>
+          </a:p>
+          <a:p>
+            <a:pPr marL="0" indent="0">
+              <a:lnSpc>
+                <a:spcPct val="107000"/>
+              </a:lnSpc>
+              <a:spcAft>
+                <a:spcPts val="800"/>
+              </a:spcAft>
+              <a:buNone/>
+            </a:pPr>
+            <a:r>
+              <a:rPr lang="en-US" sz="1800" dirty="0">
+                <a:solidFill>
+                  <a:srgbClr val="006A00"/>
                 </a:solidFill>
                 <a:effectLst/>
+                <a:latin typeface="Courier New" panose="02070309020205020404" pitchFamily="49" charset="0"/>
+                <a:ea typeface="Times New Roman" panose="02020603050405020304" pitchFamily="18" charset="0"/>
+                <a:cs typeface="Times New Roman" panose="02020603050405020304" pitchFamily="18" charset="0"/>
               </a:rPr>
-              <a:t>PintOS</a:t>
-            </a:r>
-            <a:r>
-              <a:rPr lang="it-IT" sz="2000" b="0" dirty="0">
-                <a:solidFill>
-                  <a:schemeClr val="tx1"/>
+              <a:t> * Basic spinlock.</a:t>
+            </a:r>
+            <a:endParaRPr lang="it-IT" sz="1800" dirty="0">
+              <a:effectLst/>
+              <a:latin typeface="Calibri" panose="020F0502020204030204" pitchFamily="34" charset="0"/>
+              <a:ea typeface="Calibri" panose="020F0502020204030204" pitchFamily="34" charset="0"/>
+              <a:cs typeface="Times New Roman" panose="02020603050405020304" pitchFamily="18" charset="0"/>
+            </a:endParaRPr>
+          </a:p>
+          <a:p>
+            <a:pPr marL="0" indent="0">
+              <a:lnSpc>
+                <a:spcPct val="107000"/>
+              </a:lnSpc>
+              <a:spcAft>
+                <a:spcPts val="800"/>
+              </a:spcAft>
+              <a:buNone/>
+            </a:pPr>
+            <a:r>
+              <a:rPr lang="en-US" sz="1800" dirty="0">
+                <a:solidFill>
+                  <a:srgbClr val="006A00"/>
                 </a:solidFill>
                 <a:effectLst/>
+                <a:latin typeface="Courier New" panose="02070309020205020404" pitchFamily="49" charset="0"/>
+                <a:ea typeface="Times New Roman" panose="02020603050405020304" pitchFamily="18" charset="0"/>
+                <a:cs typeface="Times New Roman" panose="02020603050405020304" pitchFamily="18" charset="0"/>
               </a:rPr>
-              <a:t>, l'obiettivo delle </a:t>
-            </a:r>
-            <a:r>
-              <a:rPr lang="it-IT" sz="2000" b="0" dirty="0" err="1">
-                <a:solidFill>
-                  <a:schemeClr val="tx1"/>
+              <a:t>*/</a:t>
+            </a:r>
+            <a:endParaRPr lang="it-IT" sz="1800" dirty="0">
+              <a:effectLst/>
+              <a:latin typeface="Calibri" panose="020F0502020204030204" pitchFamily="34" charset="0"/>
+              <a:ea typeface="Calibri" panose="020F0502020204030204" pitchFamily="34" charset="0"/>
+              <a:cs typeface="Times New Roman" panose="02020603050405020304" pitchFamily="18" charset="0"/>
+            </a:endParaRPr>
+          </a:p>
+          <a:p>
+            <a:pPr marL="0" indent="0">
+              <a:lnSpc>
+                <a:spcPct val="107000"/>
+              </a:lnSpc>
+              <a:spcAft>
+                <a:spcPts val="800"/>
+              </a:spcAft>
+              <a:buNone/>
+            </a:pPr>
+            <a:r>
+              <a:rPr lang="en-US" sz="1800" dirty="0">
+                <a:solidFill>
+                  <a:srgbClr val="AA0D91"/>
                 </a:solidFill>
                 <a:effectLst/>
+                <a:latin typeface="Courier New" panose="02070309020205020404" pitchFamily="49" charset="0"/>
+                <a:ea typeface="Times New Roman" panose="02020603050405020304" pitchFamily="18" charset="0"/>
+                <a:cs typeface="Times New Roman" panose="02020603050405020304" pitchFamily="18" charset="0"/>
               </a:rPr>
-              <a:t>condition</a:t>
-            </a:r>
-            <a:r>
-              <a:rPr lang="it-IT" sz="2000" b="0" dirty="0">
-                <a:solidFill>
-                  <a:schemeClr val="tx1"/>
+              <a:t>struct</a:t>
+            </a:r>
+            <a:r>
+              <a:rPr lang="en-US" sz="1800" dirty="0">
+                <a:solidFill>
+                  <a:srgbClr val="000000"/>
                 </a:solidFill>
                 <a:effectLst/>
+                <a:latin typeface="Courier New" panose="02070309020205020404" pitchFamily="49" charset="0"/>
+                <a:ea typeface="Times New Roman" panose="02020603050405020304" pitchFamily="18" charset="0"/>
+                <a:cs typeface="Times New Roman" panose="02020603050405020304" pitchFamily="18" charset="0"/>
+              </a:rPr>
+              <a:t> spinlock {</a:t>
+            </a:r>
+            <a:endParaRPr lang="it-IT" sz="1800" dirty="0">
+              <a:effectLst/>
+              <a:latin typeface="Calibri" panose="020F0502020204030204" pitchFamily="34" charset="0"/>
+              <a:ea typeface="Calibri" panose="020F0502020204030204" pitchFamily="34" charset="0"/>
+              <a:cs typeface="Times New Roman" panose="02020603050405020304" pitchFamily="18" charset="0"/>
+            </a:endParaRPr>
+          </a:p>
+          <a:p>
+            <a:pPr marL="0" indent="0">
+              <a:lnSpc>
+                <a:spcPct val="107000"/>
+              </a:lnSpc>
+              <a:spcAft>
+                <a:spcPts val="800"/>
+              </a:spcAft>
+              <a:buNone/>
+            </a:pPr>
+            <a:r>
+              <a:rPr lang="en-US" sz="1800" dirty="0">
+                <a:solidFill>
+                  <a:srgbClr val="000000"/>
+                </a:solidFill>
+                <a:effectLst/>
+                <a:latin typeface="Courier New" panose="02070309020205020404" pitchFamily="49" charset="0"/>
+                <a:ea typeface="Times New Roman" panose="02020603050405020304" pitchFamily="18" charset="0"/>
+                <a:cs typeface="Times New Roman" panose="02020603050405020304" pitchFamily="18" charset="0"/>
+              </a:rPr>
+              <a:t>	</a:t>
+            </a:r>
+            <a:r>
+              <a:rPr lang="en-US" sz="1800" dirty="0">
+                <a:solidFill>
+                  <a:srgbClr val="AA0D91"/>
+                </a:solidFill>
+                <a:effectLst/>
+                <a:latin typeface="Courier New" panose="02070309020205020404" pitchFamily="49" charset="0"/>
+                <a:ea typeface="Times New Roman" panose="02020603050405020304" pitchFamily="18" charset="0"/>
+                <a:cs typeface="Times New Roman" panose="02020603050405020304" pitchFamily="18" charset="0"/>
+              </a:rPr>
+              <a:t>volatile</a:t>
+            </a:r>
+            <a:r>
+              <a:rPr lang="en-US" sz="1800" dirty="0">
+                <a:solidFill>
+                  <a:srgbClr val="000000"/>
+                </a:solidFill>
+                <a:effectLst/>
+                <a:latin typeface="Courier New" panose="02070309020205020404" pitchFamily="49" charset="0"/>
+                <a:ea typeface="Times New Roman" panose="02020603050405020304" pitchFamily="18" charset="0"/>
+                <a:cs typeface="Times New Roman" panose="02020603050405020304" pitchFamily="18" charset="0"/>
               </a:rPr>
               <a:t> </a:t>
             </a:r>
             <a:r>
-              <a:rPr lang="it-IT" sz="2000" b="0" dirty="0" err="1">
-                <a:solidFill>
-                  <a:schemeClr val="tx1"/>
+              <a:rPr lang="en-US" sz="1800" dirty="0" err="1">
+                <a:solidFill>
+                  <a:srgbClr val="AA0D91"/>
                 </a:solidFill>
                 <a:effectLst/>
+                <a:latin typeface="Courier New" panose="02070309020205020404" pitchFamily="49" charset="0"/>
+                <a:ea typeface="Times New Roman" panose="02020603050405020304" pitchFamily="18" charset="0"/>
+                <a:cs typeface="Times New Roman" panose="02020603050405020304" pitchFamily="18" charset="0"/>
               </a:rPr>
-              <a:t>variables</a:t>
-            </a:r>
-            <a:r>
-              <a:rPr lang="it-IT" sz="2000" b="0" dirty="0">
-                <a:solidFill>
-                  <a:schemeClr val="tx1"/>
+              <a:t>spinlock_data_t</a:t>
+            </a:r>
+            <a:r>
+              <a:rPr lang="en-US" sz="1800" dirty="0">
+                <a:solidFill>
+                  <a:srgbClr val="000000"/>
                 </a:solidFill>
                 <a:effectLst/>
+                <a:latin typeface="Courier New" panose="02070309020205020404" pitchFamily="49" charset="0"/>
+                <a:ea typeface="Times New Roman" panose="02020603050405020304" pitchFamily="18" charset="0"/>
+                <a:cs typeface="Times New Roman" panose="02020603050405020304" pitchFamily="18" charset="0"/>
               </a:rPr>
-              <a:t> è consentire ai </a:t>
-            </a:r>
-            <a:r>
-              <a:rPr lang="it-IT" sz="2000" b="0" dirty="0" err="1">
-                <a:solidFill>
-                  <a:schemeClr val="tx1"/>
+              <a:t> </a:t>
+            </a:r>
+            <a:r>
+              <a:rPr lang="en-US" sz="1800" dirty="0" err="1">
+                <a:solidFill>
+                  <a:srgbClr val="000000"/>
                 </a:solidFill>
                 <a:effectLst/>
+                <a:latin typeface="Courier New" panose="02070309020205020404" pitchFamily="49" charset="0"/>
+                <a:ea typeface="Times New Roman" panose="02020603050405020304" pitchFamily="18" charset="0"/>
+                <a:cs typeface="Times New Roman" panose="02020603050405020304" pitchFamily="18" charset="0"/>
               </a:rPr>
-              <a:t>thread</a:t>
-            </a:r>
-            <a:r>
-              <a:rPr lang="it-IT" sz="2000" b="0" dirty="0">
-                <a:solidFill>
-                  <a:schemeClr val="tx1"/>
+              <a:t>splk_lock</a:t>
+            </a:r>
+            <a:r>
+              <a:rPr lang="en-US" sz="1800" dirty="0">
+                <a:solidFill>
+                  <a:srgbClr val="000000"/>
                 </a:solidFill>
                 <a:effectLst/>
+                <a:latin typeface="Courier New" panose="02070309020205020404" pitchFamily="49" charset="0"/>
+                <a:ea typeface="Times New Roman" panose="02020603050405020304" pitchFamily="18" charset="0"/>
+                <a:cs typeface="Times New Roman" panose="02020603050405020304" pitchFamily="18" charset="0"/>
               </a:rPr>
-              <a:t> di aspettare che determinate condizioni diventino vere, migliorando l'efficienza della sincronizzazione. </a:t>
-            </a:r>
+              <a:t>; </a:t>
+            </a:r>
+            <a:r>
+              <a:rPr lang="en-US" sz="1800" dirty="0">
+                <a:solidFill>
+                  <a:srgbClr val="006A00"/>
+                </a:solidFill>
+                <a:effectLst/>
+                <a:latin typeface="Courier New" panose="02070309020205020404" pitchFamily="49" charset="0"/>
+                <a:ea typeface="Times New Roman" panose="02020603050405020304" pitchFamily="18" charset="0"/>
+                <a:cs typeface="Times New Roman" panose="02020603050405020304" pitchFamily="18" charset="0"/>
+              </a:rPr>
+              <a:t>/* Memory word where we spin. */</a:t>
+            </a:r>
+            <a:endParaRPr lang="it-IT" sz="1800" dirty="0">
+              <a:effectLst/>
+              <a:latin typeface="Calibri" panose="020F0502020204030204" pitchFamily="34" charset="0"/>
+              <a:ea typeface="Calibri" panose="020F0502020204030204" pitchFamily="34" charset="0"/>
+              <a:cs typeface="Times New Roman" panose="02020603050405020304" pitchFamily="18" charset="0"/>
+            </a:endParaRPr>
+          </a:p>
+          <a:p>
+            <a:pPr marL="0" indent="0">
+              <a:lnSpc>
+                <a:spcPct val="107000"/>
+              </a:lnSpc>
+              <a:spcAft>
+                <a:spcPts val="800"/>
+              </a:spcAft>
+              <a:buNone/>
+            </a:pPr>
+            <a:r>
+              <a:rPr lang="en-US" sz="1800" dirty="0">
+                <a:solidFill>
+                  <a:srgbClr val="000000"/>
+                </a:solidFill>
+                <a:effectLst/>
+                <a:latin typeface="Courier New" panose="02070309020205020404" pitchFamily="49" charset="0"/>
+                <a:ea typeface="Times New Roman" panose="02020603050405020304" pitchFamily="18" charset="0"/>
+                <a:cs typeface="Times New Roman" panose="02020603050405020304" pitchFamily="18" charset="0"/>
+              </a:rPr>
+              <a:t>	</a:t>
+            </a:r>
+            <a:r>
+              <a:rPr lang="en-US" sz="1800" dirty="0">
+                <a:solidFill>
+                  <a:srgbClr val="AA0D91"/>
+                </a:solidFill>
+                <a:effectLst/>
+                <a:latin typeface="Courier New" panose="02070309020205020404" pitchFamily="49" charset="0"/>
+                <a:ea typeface="Times New Roman" panose="02020603050405020304" pitchFamily="18" charset="0"/>
+                <a:cs typeface="Times New Roman" panose="02020603050405020304" pitchFamily="18" charset="0"/>
+              </a:rPr>
+              <a:t>struct</a:t>
+            </a:r>
+            <a:r>
+              <a:rPr lang="en-US" sz="1800" dirty="0">
+                <a:solidFill>
+                  <a:srgbClr val="000000"/>
+                </a:solidFill>
+                <a:effectLst/>
+                <a:latin typeface="Courier New" panose="02070309020205020404" pitchFamily="49" charset="0"/>
+                <a:ea typeface="Times New Roman" panose="02020603050405020304" pitchFamily="18" charset="0"/>
+                <a:cs typeface="Times New Roman" panose="02020603050405020304" pitchFamily="18" charset="0"/>
+              </a:rPr>
+              <a:t> </a:t>
+            </a:r>
+            <a:r>
+              <a:rPr lang="en-US" sz="1800" dirty="0" err="1">
+                <a:solidFill>
+                  <a:srgbClr val="000000"/>
+                </a:solidFill>
+                <a:effectLst/>
+                <a:latin typeface="Courier New" panose="02070309020205020404" pitchFamily="49" charset="0"/>
+                <a:ea typeface="Times New Roman" panose="02020603050405020304" pitchFamily="18" charset="0"/>
+                <a:cs typeface="Times New Roman" panose="02020603050405020304" pitchFamily="18" charset="0"/>
+              </a:rPr>
+              <a:t>cpu</a:t>
+            </a:r>
+            <a:r>
+              <a:rPr lang="en-US" sz="1800" dirty="0">
+                <a:solidFill>
+                  <a:srgbClr val="000000"/>
+                </a:solidFill>
+                <a:effectLst/>
+                <a:latin typeface="Courier New" panose="02070309020205020404" pitchFamily="49" charset="0"/>
+                <a:ea typeface="Times New Roman" panose="02020603050405020304" pitchFamily="18" charset="0"/>
+                <a:cs typeface="Times New Roman" panose="02020603050405020304" pitchFamily="18" charset="0"/>
+              </a:rPr>
+              <a:t> *</a:t>
+            </a:r>
+            <a:r>
+              <a:rPr lang="en-US" sz="1800" dirty="0" err="1">
+                <a:solidFill>
+                  <a:srgbClr val="000000"/>
+                </a:solidFill>
+                <a:effectLst/>
+                <a:latin typeface="Courier New" panose="02070309020205020404" pitchFamily="49" charset="0"/>
+                <a:ea typeface="Times New Roman" panose="02020603050405020304" pitchFamily="18" charset="0"/>
+                <a:cs typeface="Times New Roman" panose="02020603050405020304" pitchFamily="18" charset="0"/>
+              </a:rPr>
+              <a:t>splk_holder</a:t>
+            </a:r>
+            <a:r>
+              <a:rPr lang="en-US" sz="1800" dirty="0">
+                <a:solidFill>
+                  <a:srgbClr val="000000"/>
+                </a:solidFill>
+                <a:effectLst/>
+                <a:latin typeface="Courier New" panose="02070309020205020404" pitchFamily="49" charset="0"/>
+                <a:ea typeface="Times New Roman" panose="02020603050405020304" pitchFamily="18" charset="0"/>
+                <a:cs typeface="Times New Roman" panose="02020603050405020304" pitchFamily="18" charset="0"/>
+              </a:rPr>
+              <a:t>;	    </a:t>
+            </a:r>
+            <a:r>
+              <a:rPr lang="en-US" sz="1800" dirty="0">
+                <a:solidFill>
+                  <a:srgbClr val="006A00"/>
+                </a:solidFill>
+                <a:effectLst/>
+                <a:latin typeface="Courier New" panose="02070309020205020404" pitchFamily="49" charset="0"/>
+                <a:ea typeface="Times New Roman" panose="02020603050405020304" pitchFamily="18" charset="0"/>
+                <a:cs typeface="Times New Roman" panose="02020603050405020304" pitchFamily="18" charset="0"/>
+              </a:rPr>
+              <a:t>/* CPU holding this lock. */</a:t>
+            </a:r>
+            <a:endParaRPr lang="it-IT" sz="1800" dirty="0">
+              <a:effectLst/>
+              <a:latin typeface="Calibri" panose="020F0502020204030204" pitchFamily="34" charset="0"/>
+              <a:ea typeface="Calibri" panose="020F0502020204030204" pitchFamily="34" charset="0"/>
+              <a:cs typeface="Times New Roman" panose="02020603050405020304" pitchFamily="18" charset="0"/>
+            </a:endParaRPr>
+          </a:p>
+          <a:p>
+            <a:pPr marL="0" indent="0">
+              <a:lnSpc>
+                <a:spcPct val="107000"/>
+              </a:lnSpc>
+              <a:spcAft>
+                <a:spcPts val="800"/>
+              </a:spcAft>
+              <a:buNone/>
+            </a:pPr>
+            <a:r>
+              <a:rPr lang="en-US" sz="1800" dirty="0">
+                <a:solidFill>
+                  <a:srgbClr val="000000"/>
+                </a:solidFill>
+                <a:effectLst/>
+                <a:latin typeface="Courier New" panose="02070309020205020404" pitchFamily="49" charset="0"/>
+                <a:ea typeface="Times New Roman" panose="02020603050405020304" pitchFamily="18" charset="0"/>
+                <a:cs typeface="Times New Roman" panose="02020603050405020304" pitchFamily="18" charset="0"/>
+              </a:rPr>
+              <a:t>	HANGMAN_LOCKABLE(</a:t>
+            </a:r>
+            <a:r>
+              <a:rPr lang="en-US" sz="1800" dirty="0" err="1">
+                <a:solidFill>
+                  <a:srgbClr val="000000"/>
+                </a:solidFill>
+                <a:effectLst/>
+                <a:latin typeface="Courier New" panose="02070309020205020404" pitchFamily="49" charset="0"/>
+                <a:ea typeface="Times New Roman" panose="02020603050405020304" pitchFamily="18" charset="0"/>
+                <a:cs typeface="Times New Roman" panose="02020603050405020304" pitchFamily="18" charset="0"/>
+              </a:rPr>
+              <a:t>splk_hangman</a:t>
+            </a:r>
+            <a:r>
+              <a:rPr lang="en-US" sz="1800" dirty="0">
+                <a:solidFill>
+                  <a:srgbClr val="000000"/>
+                </a:solidFill>
+                <a:effectLst/>
+                <a:latin typeface="Courier New" panose="02070309020205020404" pitchFamily="49" charset="0"/>
+                <a:ea typeface="Times New Roman" panose="02020603050405020304" pitchFamily="18" charset="0"/>
+                <a:cs typeface="Times New Roman" panose="02020603050405020304" pitchFamily="18" charset="0"/>
+              </a:rPr>
+              <a:t>);     </a:t>
+            </a:r>
+            <a:r>
+              <a:rPr lang="en-US" sz="1800" dirty="0">
+                <a:solidFill>
+                  <a:srgbClr val="006A00"/>
+                </a:solidFill>
+                <a:effectLst/>
+                <a:latin typeface="Courier New" panose="02070309020205020404" pitchFamily="49" charset="0"/>
+                <a:ea typeface="Times New Roman" panose="02020603050405020304" pitchFamily="18" charset="0"/>
+                <a:cs typeface="Times New Roman" panose="02020603050405020304" pitchFamily="18" charset="0"/>
+              </a:rPr>
+              <a:t>/* Deadlock detector hook. */</a:t>
+            </a:r>
+            <a:endParaRPr lang="it-IT" sz="1800" dirty="0">
+              <a:effectLst/>
+              <a:latin typeface="Calibri" panose="020F0502020204030204" pitchFamily="34" charset="0"/>
+              <a:ea typeface="Calibri" panose="020F0502020204030204" pitchFamily="34" charset="0"/>
+              <a:cs typeface="Times New Roman" panose="02020603050405020304" pitchFamily="18" charset="0"/>
+            </a:endParaRPr>
+          </a:p>
+          <a:p>
+            <a:pPr marL="0" indent="0">
+              <a:lnSpc>
+                <a:spcPct val="107000"/>
+              </a:lnSpc>
+              <a:spcAft>
+                <a:spcPts val="800"/>
+              </a:spcAft>
+              <a:buNone/>
+            </a:pPr>
+            <a:r>
+              <a:rPr lang="en-US" sz="1800" dirty="0">
+                <a:solidFill>
+                  <a:srgbClr val="000000"/>
+                </a:solidFill>
+                <a:effectLst/>
+                <a:latin typeface="Courier New" panose="02070309020205020404" pitchFamily="49" charset="0"/>
+                <a:ea typeface="Times New Roman" panose="02020603050405020304" pitchFamily="18" charset="0"/>
+                <a:cs typeface="Times New Roman" panose="02020603050405020304" pitchFamily="18" charset="0"/>
+              </a:rPr>
+              <a:t>};</a:t>
+            </a:r>
+            <a:endParaRPr lang="it-IT" sz="1800" dirty="0">
+              <a:effectLst/>
+              <a:latin typeface="Calibri" panose="020F0502020204030204" pitchFamily="34" charset="0"/>
+              <a:ea typeface="Calibri" panose="020F0502020204030204" pitchFamily="34" charset="0"/>
+              <a:cs typeface="Times New Roman" panose="02020603050405020304" pitchFamily="18" charset="0"/>
+            </a:endParaRPr>
+          </a:p>
+          <a:p>
+            <a:pPr marL="0" indent="0">
+              <a:lnSpc>
+                <a:spcPct val="107000"/>
+              </a:lnSpc>
+              <a:spcAft>
+                <a:spcPts val="800"/>
+              </a:spcAft>
+              <a:buNone/>
+            </a:pPr>
+            <a:r>
+              <a:rPr lang="en-US" sz="1800" dirty="0">
+                <a:solidFill>
+                  <a:srgbClr val="006A00"/>
+                </a:solidFill>
+                <a:effectLst/>
+                <a:latin typeface="Courier New" panose="02070309020205020404" pitchFamily="49" charset="0"/>
+                <a:ea typeface="Times New Roman" panose="02020603050405020304" pitchFamily="18" charset="0"/>
+                <a:cs typeface="Times New Roman" panose="02020603050405020304" pitchFamily="18" charset="0"/>
+              </a:rPr>
+              <a:t>/*</a:t>
+            </a:r>
+            <a:endParaRPr lang="it-IT" sz="1800" dirty="0">
+              <a:effectLst/>
+              <a:latin typeface="Calibri" panose="020F0502020204030204" pitchFamily="34" charset="0"/>
+              <a:ea typeface="Calibri" panose="020F0502020204030204" pitchFamily="34" charset="0"/>
+              <a:cs typeface="Times New Roman" panose="02020603050405020304" pitchFamily="18" charset="0"/>
+            </a:endParaRPr>
+          </a:p>
+          <a:p>
+            <a:pPr marL="0" indent="0">
+              <a:lnSpc>
+                <a:spcPct val="107000"/>
+              </a:lnSpc>
+              <a:spcAft>
+                <a:spcPts val="800"/>
+              </a:spcAft>
+              <a:buNone/>
+            </a:pPr>
+            <a:r>
+              <a:rPr lang="en-US" sz="1800" dirty="0">
+                <a:solidFill>
+                  <a:srgbClr val="006A00"/>
+                </a:solidFill>
+                <a:effectLst/>
+                <a:latin typeface="Courier New" panose="02070309020205020404" pitchFamily="49" charset="0"/>
+                <a:ea typeface="Times New Roman" panose="02020603050405020304" pitchFamily="18" charset="0"/>
+                <a:cs typeface="Times New Roman" panose="02020603050405020304" pitchFamily="18" charset="0"/>
+              </a:rPr>
+              <a:t> * Spinlock functions.</a:t>
+            </a:r>
+            <a:endParaRPr lang="it-IT" sz="1800" dirty="0">
+              <a:effectLst/>
+              <a:latin typeface="Calibri" panose="020F0502020204030204" pitchFamily="34" charset="0"/>
+              <a:ea typeface="Calibri" panose="020F0502020204030204" pitchFamily="34" charset="0"/>
+              <a:cs typeface="Times New Roman" panose="02020603050405020304" pitchFamily="18" charset="0"/>
+            </a:endParaRPr>
+          </a:p>
+          <a:p>
+            <a:pPr marL="0" indent="0">
+              <a:lnSpc>
+                <a:spcPct val="107000"/>
+              </a:lnSpc>
+              <a:spcAft>
+                <a:spcPts val="800"/>
+              </a:spcAft>
+              <a:buNone/>
+            </a:pPr>
+            <a:r>
+              <a:rPr lang="en-US" sz="1800" dirty="0">
+                <a:solidFill>
+                  <a:srgbClr val="006A00"/>
+                </a:solidFill>
+                <a:effectLst/>
+                <a:latin typeface="Courier New" panose="02070309020205020404" pitchFamily="49" charset="0"/>
+                <a:ea typeface="Times New Roman" panose="02020603050405020304" pitchFamily="18" charset="0"/>
+                <a:cs typeface="Times New Roman" panose="02020603050405020304" pitchFamily="18" charset="0"/>
+              </a:rPr>
+              <a:t>*/</a:t>
+            </a:r>
+            <a:endParaRPr lang="it-IT" sz="1800" dirty="0">
+              <a:effectLst/>
+              <a:latin typeface="Calibri" panose="020F0502020204030204" pitchFamily="34" charset="0"/>
+              <a:ea typeface="Calibri" panose="020F0502020204030204" pitchFamily="34" charset="0"/>
+              <a:cs typeface="Times New Roman" panose="02020603050405020304" pitchFamily="18" charset="0"/>
+            </a:endParaRPr>
+          </a:p>
+          <a:p>
+            <a:pPr marL="0" indent="0">
+              <a:lnSpc>
+                <a:spcPct val="107000"/>
+              </a:lnSpc>
+              <a:spcAft>
+                <a:spcPts val="800"/>
+              </a:spcAft>
+              <a:buNone/>
+            </a:pPr>
+            <a:r>
+              <a:rPr lang="en-US" sz="1800" dirty="0">
+                <a:solidFill>
+                  <a:srgbClr val="AA0D91"/>
+                </a:solidFill>
+                <a:effectLst/>
+                <a:latin typeface="Courier New" panose="02070309020205020404" pitchFamily="49" charset="0"/>
+                <a:ea typeface="Times New Roman" panose="02020603050405020304" pitchFamily="18" charset="0"/>
+                <a:cs typeface="Times New Roman" panose="02020603050405020304" pitchFamily="18" charset="0"/>
+              </a:rPr>
+              <a:t>void</a:t>
+            </a:r>
+            <a:r>
+              <a:rPr lang="en-US" sz="1800" dirty="0">
+                <a:solidFill>
+                  <a:srgbClr val="000000"/>
+                </a:solidFill>
+                <a:effectLst/>
+                <a:latin typeface="Courier New" panose="02070309020205020404" pitchFamily="49" charset="0"/>
+                <a:ea typeface="Times New Roman" panose="02020603050405020304" pitchFamily="18" charset="0"/>
+                <a:cs typeface="Times New Roman" panose="02020603050405020304" pitchFamily="18" charset="0"/>
+              </a:rPr>
+              <a:t> </a:t>
+            </a:r>
+            <a:r>
+              <a:rPr lang="en-US" sz="1800" dirty="0" err="1">
+                <a:solidFill>
+                  <a:srgbClr val="1C00CF"/>
+                </a:solidFill>
+                <a:effectLst/>
+                <a:latin typeface="Courier New" panose="02070309020205020404" pitchFamily="49" charset="0"/>
+                <a:ea typeface="Times New Roman" panose="02020603050405020304" pitchFamily="18" charset="0"/>
+                <a:cs typeface="Times New Roman" panose="02020603050405020304" pitchFamily="18" charset="0"/>
+              </a:rPr>
+              <a:t>spinlock_init</a:t>
+            </a:r>
+            <a:r>
+              <a:rPr lang="en-US" sz="1800" dirty="0">
+                <a:solidFill>
+                  <a:srgbClr val="5C2699"/>
+                </a:solidFill>
+                <a:effectLst/>
+                <a:latin typeface="Courier New" panose="02070309020205020404" pitchFamily="49" charset="0"/>
+                <a:ea typeface="Times New Roman" panose="02020603050405020304" pitchFamily="18" charset="0"/>
+                <a:cs typeface="Times New Roman" panose="02020603050405020304" pitchFamily="18" charset="0"/>
+              </a:rPr>
+              <a:t>(</a:t>
+            </a:r>
+            <a:r>
+              <a:rPr lang="en-US" sz="1800" dirty="0">
+                <a:solidFill>
+                  <a:srgbClr val="AA0D91"/>
+                </a:solidFill>
+                <a:effectLst/>
+                <a:latin typeface="Courier New" panose="02070309020205020404" pitchFamily="49" charset="0"/>
+                <a:ea typeface="Times New Roman" panose="02020603050405020304" pitchFamily="18" charset="0"/>
+                <a:cs typeface="Times New Roman" panose="02020603050405020304" pitchFamily="18" charset="0"/>
+              </a:rPr>
+              <a:t>struct</a:t>
+            </a:r>
+            <a:r>
+              <a:rPr lang="en-US" sz="1800" dirty="0">
+                <a:solidFill>
+                  <a:srgbClr val="5C2699"/>
+                </a:solidFill>
+                <a:effectLst/>
+                <a:latin typeface="Courier New" panose="02070309020205020404" pitchFamily="49" charset="0"/>
+                <a:ea typeface="Times New Roman" panose="02020603050405020304" pitchFamily="18" charset="0"/>
+                <a:cs typeface="Times New Roman" panose="02020603050405020304" pitchFamily="18" charset="0"/>
+              </a:rPr>
+              <a:t> spinlock *</a:t>
+            </a:r>
+            <a:r>
+              <a:rPr lang="en-US" sz="1800" dirty="0" err="1">
+                <a:solidFill>
+                  <a:srgbClr val="5C2699"/>
+                </a:solidFill>
+                <a:effectLst/>
+                <a:latin typeface="Courier New" panose="02070309020205020404" pitchFamily="49" charset="0"/>
+                <a:ea typeface="Times New Roman" panose="02020603050405020304" pitchFamily="18" charset="0"/>
+                <a:cs typeface="Times New Roman" panose="02020603050405020304" pitchFamily="18" charset="0"/>
+              </a:rPr>
+              <a:t>lk</a:t>
+            </a:r>
+            <a:r>
+              <a:rPr lang="en-US" sz="1800" dirty="0">
+                <a:solidFill>
+                  <a:srgbClr val="5C2699"/>
+                </a:solidFill>
+                <a:effectLst/>
+                <a:latin typeface="Courier New" panose="02070309020205020404" pitchFamily="49" charset="0"/>
+                <a:ea typeface="Times New Roman" panose="02020603050405020304" pitchFamily="18" charset="0"/>
+                <a:cs typeface="Times New Roman" panose="02020603050405020304" pitchFamily="18" charset="0"/>
+              </a:rPr>
+              <a:t>)</a:t>
+            </a:r>
+            <a:r>
+              <a:rPr lang="en-US" sz="1800" dirty="0">
+                <a:solidFill>
+                  <a:srgbClr val="000000"/>
+                </a:solidFill>
+                <a:effectLst/>
+                <a:latin typeface="Courier New" panose="02070309020205020404" pitchFamily="49" charset="0"/>
+                <a:ea typeface="Times New Roman" panose="02020603050405020304" pitchFamily="18" charset="0"/>
+                <a:cs typeface="Times New Roman" panose="02020603050405020304" pitchFamily="18" charset="0"/>
+              </a:rPr>
+              <a:t>; </a:t>
+            </a:r>
+            <a:r>
+              <a:rPr lang="en-US" sz="1800" dirty="0">
+                <a:solidFill>
+                  <a:srgbClr val="006A00"/>
+                </a:solidFill>
+                <a:effectLst/>
+                <a:latin typeface="Courier New" panose="02070309020205020404" pitchFamily="49" charset="0"/>
+                <a:ea typeface="Times New Roman" panose="02020603050405020304" pitchFamily="18" charset="0"/>
+                <a:cs typeface="Times New Roman" panose="02020603050405020304" pitchFamily="18" charset="0"/>
+              </a:rPr>
+              <a:t>/* Initialize the contents of a spinlock. */</a:t>
+            </a:r>
+            <a:endParaRPr lang="it-IT" sz="1800" dirty="0">
+              <a:effectLst/>
+              <a:latin typeface="Calibri" panose="020F0502020204030204" pitchFamily="34" charset="0"/>
+              <a:ea typeface="Calibri" panose="020F0502020204030204" pitchFamily="34" charset="0"/>
+              <a:cs typeface="Times New Roman" panose="02020603050405020304" pitchFamily="18" charset="0"/>
+            </a:endParaRPr>
+          </a:p>
+          <a:p>
+            <a:pPr marL="0" indent="0">
+              <a:lnSpc>
+                <a:spcPct val="107000"/>
+              </a:lnSpc>
+              <a:spcAft>
+                <a:spcPts val="800"/>
+              </a:spcAft>
+              <a:buNone/>
+            </a:pPr>
+            <a:r>
+              <a:rPr lang="en-US" sz="1800" dirty="0">
+                <a:solidFill>
+                  <a:srgbClr val="AA0D91"/>
+                </a:solidFill>
+                <a:effectLst/>
+                <a:latin typeface="Courier New" panose="02070309020205020404" pitchFamily="49" charset="0"/>
+                <a:ea typeface="Times New Roman" panose="02020603050405020304" pitchFamily="18" charset="0"/>
+                <a:cs typeface="Times New Roman" panose="02020603050405020304" pitchFamily="18" charset="0"/>
+              </a:rPr>
+              <a:t>void</a:t>
+            </a:r>
+            <a:r>
+              <a:rPr lang="en-US" sz="1800" dirty="0">
+                <a:solidFill>
+                  <a:srgbClr val="000000"/>
+                </a:solidFill>
+                <a:effectLst/>
+                <a:latin typeface="Courier New" panose="02070309020205020404" pitchFamily="49" charset="0"/>
+                <a:ea typeface="Times New Roman" panose="02020603050405020304" pitchFamily="18" charset="0"/>
+                <a:cs typeface="Times New Roman" panose="02020603050405020304" pitchFamily="18" charset="0"/>
+              </a:rPr>
+              <a:t> </a:t>
+            </a:r>
+            <a:r>
+              <a:rPr lang="en-US" sz="1800" dirty="0" err="1">
+                <a:solidFill>
+                  <a:srgbClr val="1C00CF"/>
+                </a:solidFill>
+                <a:effectLst/>
+                <a:latin typeface="Courier New" panose="02070309020205020404" pitchFamily="49" charset="0"/>
+                <a:ea typeface="Times New Roman" panose="02020603050405020304" pitchFamily="18" charset="0"/>
+                <a:cs typeface="Times New Roman" panose="02020603050405020304" pitchFamily="18" charset="0"/>
+              </a:rPr>
+              <a:t>spinlock_cleanup</a:t>
+            </a:r>
+            <a:r>
+              <a:rPr lang="en-US" sz="1800" dirty="0">
+                <a:solidFill>
+                  <a:srgbClr val="5C2699"/>
+                </a:solidFill>
+                <a:effectLst/>
+                <a:latin typeface="Courier New" panose="02070309020205020404" pitchFamily="49" charset="0"/>
+                <a:ea typeface="Times New Roman" panose="02020603050405020304" pitchFamily="18" charset="0"/>
+                <a:cs typeface="Times New Roman" panose="02020603050405020304" pitchFamily="18" charset="0"/>
+              </a:rPr>
+              <a:t>(</a:t>
+            </a:r>
+            <a:r>
+              <a:rPr lang="en-US" sz="1800" dirty="0">
+                <a:solidFill>
+                  <a:srgbClr val="AA0D91"/>
+                </a:solidFill>
+                <a:effectLst/>
+                <a:latin typeface="Courier New" panose="02070309020205020404" pitchFamily="49" charset="0"/>
+                <a:ea typeface="Times New Roman" panose="02020603050405020304" pitchFamily="18" charset="0"/>
+                <a:cs typeface="Times New Roman" panose="02020603050405020304" pitchFamily="18" charset="0"/>
+              </a:rPr>
+              <a:t>struct</a:t>
+            </a:r>
+            <a:r>
+              <a:rPr lang="en-US" sz="1800" dirty="0">
+                <a:solidFill>
+                  <a:srgbClr val="5C2699"/>
+                </a:solidFill>
+                <a:effectLst/>
+                <a:latin typeface="Courier New" panose="02070309020205020404" pitchFamily="49" charset="0"/>
+                <a:ea typeface="Times New Roman" panose="02020603050405020304" pitchFamily="18" charset="0"/>
+                <a:cs typeface="Times New Roman" panose="02020603050405020304" pitchFamily="18" charset="0"/>
+              </a:rPr>
+              <a:t> spinlock *</a:t>
+            </a:r>
+            <a:r>
+              <a:rPr lang="en-US" sz="1800" dirty="0" err="1">
+                <a:solidFill>
+                  <a:srgbClr val="5C2699"/>
+                </a:solidFill>
+                <a:effectLst/>
+                <a:latin typeface="Courier New" panose="02070309020205020404" pitchFamily="49" charset="0"/>
+                <a:ea typeface="Times New Roman" panose="02020603050405020304" pitchFamily="18" charset="0"/>
+                <a:cs typeface="Times New Roman" panose="02020603050405020304" pitchFamily="18" charset="0"/>
+              </a:rPr>
+              <a:t>lk</a:t>
+            </a:r>
+            <a:r>
+              <a:rPr lang="en-US" sz="1800" dirty="0">
+                <a:solidFill>
+                  <a:srgbClr val="5C2699"/>
+                </a:solidFill>
+                <a:effectLst/>
+                <a:latin typeface="Courier New" panose="02070309020205020404" pitchFamily="49" charset="0"/>
+                <a:ea typeface="Times New Roman" panose="02020603050405020304" pitchFamily="18" charset="0"/>
+                <a:cs typeface="Times New Roman" panose="02020603050405020304" pitchFamily="18" charset="0"/>
+              </a:rPr>
+              <a:t>)</a:t>
+            </a:r>
+            <a:r>
+              <a:rPr lang="en-US" sz="1800" dirty="0">
+                <a:solidFill>
+                  <a:srgbClr val="000000"/>
+                </a:solidFill>
+                <a:effectLst/>
+                <a:latin typeface="Courier New" panose="02070309020205020404" pitchFamily="49" charset="0"/>
+                <a:ea typeface="Times New Roman" panose="02020603050405020304" pitchFamily="18" charset="0"/>
+                <a:cs typeface="Times New Roman" panose="02020603050405020304" pitchFamily="18" charset="0"/>
+              </a:rPr>
+              <a:t>; </a:t>
+            </a:r>
+            <a:r>
+              <a:rPr lang="en-US" sz="1800" dirty="0">
+                <a:solidFill>
+                  <a:srgbClr val="006A00"/>
+                </a:solidFill>
+                <a:effectLst/>
+                <a:latin typeface="Courier New" panose="02070309020205020404" pitchFamily="49" charset="0"/>
+                <a:ea typeface="Times New Roman" panose="02020603050405020304" pitchFamily="18" charset="0"/>
+                <a:cs typeface="Times New Roman" panose="02020603050405020304" pitchFamily="18" charset="0"/>
+              </a:rPr>
+              <a:t>/* Opposite of </a:t>
+            </a:r>
+            <a:r>
+              <a:rPr lang="en-US" sz="1800" dirty="0" err="1">
+                <a:solidFill>
+                  <a:srgbClr val="006A00"/>
+                </a:solidFill>
+                <a:effectLst/>
+                <a:latin typeface="Courier New" panose="02070309020205020404" pitchFamily="49" charset="0"/>
+                <a:ea typeface="Times New Roman" panose="02020603050405020304" pitchFamily="18" charset="0"/>
+                <a:cs typeface="Times New Roman" panose="02020603050405020304" pitchFamily="18" charset="0"/>
+              </a:rPr>
+              <a:t>init.</a:t>
+            </a:r>
+            <a:r>
+              <a:rPr lang="en-US" sz="1800" dirty="0">
+                <a:solidFill>
+                  <a:srgbClr val="006A00"/>
+                </a:solidFill>
+                <a:effectLst/>
+                <a:latin typeface="Courier New" panose="02070309020205020404" pitchFamily="49" charset="0"/>
+                <a:ea typeface="Times New Roman" panose="02020603050405020304" pitchFamily="18" charset="0"/>
+                <a:cs typeface="Times New Roman" panose="02020603050405020304" pitchFamily="18" charset="0"/>
+              </a:rPr>
+              <a:t> Lock must be unlocked. */</a:t>
+            </a:r>
+            <a:endParaRPr lang="it-IT" sz="1800" dirty="0">
+              <a:effectLst/>
+              <a:latin typeface="Calibri" panose="020F0502020204030204" pitchFamily="34" charset="0"/>
+              <a:ea typeface="Calibri" panose="020F0502020204030204" pitchFamily="34" charset="0"/>
+              <a:cs typeface="Times New Roman" panose="02020603050405020304" pitchFamily="18" charset="0"/>
+            </a:endParaRPr>
+          </a:p>
+          <a:p>
+            <a:pPr marL="0" indent="0">
+              <a:lnSpc>
+                <a:spcPct val="107000"/>
+              </a:lnSpc>
+              <a:spcAft>
+                <a:spcPts val="800"/>
+              </a:spcAft>
+              <a:buNone/>
+            </a:pPr>
+            <a:r>
+              <a:rPr lang="en-US" sz="1800" dirty="0">
+                <a:solidFill>
+                  <a:srgbClr val="AA0D91"/>
+                </a:solidFill>
+                <a:effectLst/>
+                <a:latin typeface="Courier New" panose="02070309020205020404" pitchFamily="49" charset="0"/>
+                <a:ea typeface="Times New Roman" panose="02020603050405020304" pitchFamily="18" charset="0"/>
+                <a:cs typeface="Times New Roman" panose="02020603050405020304" pitchFamily="18" charset="0"/>
+              </a:rPr>
+              <a:t>void</a:t>
+            </a:r>
+            <a:r>
+              <a:rPr lang="en-US" sz="1800" dirty="0">
+                <a:solidFill>
+                  <a:srgbClr val="000000"/>
+                </a:solidFill>
+                <a:effectLst/>
+                <a:latin typeface="Courier New" panose="02070309020205020404" pitchFamily="49" charset="0"/>
+                <a:ea typeface="Times New Roman" panose="02020603050405020304" pitchFamily="18" charset="0"/>
+                <a:cs typeface="Times New Roman" panose="02020603050405020304" pitchFamily="18" charset="0"/>
+              </a:rPr>
+              <a:t> </a:t>
+            </a:r>
+            <a:r>
+              <a:rPr lang="en-US" sz="1800" dirty="0" err="1">
+                <a:solidFill>
+                  <a:srgbClr val="1C00CF"/>
+                </a:solidFill>
+                <a:effectLst/>
+                <a:latin typeface="Courier New" panose="02070309020205020404" pitchFamily="49" charset="0"/>
+                <a:ea typeface="Times New Roman" panose="02020603050405020304" pitchFamily="18" charset="0"/>
+                <a:cs typeface="Times New Roman" panose="02020603050405020304" pitchFamily="18" charset="0"/>
+              </a:rPr>
+              <a:t>spinlock_acquire</a:t>
+            </a:r>
+            <a:r>
+              <a:rPr lang="en-US" sz="1800" dirty="0">
+                <a:solidFill>
+                  <a:srgbClr val="5C2699"/>
+                </a:solidFill>
+                <a:effectLst/>
+                <a:latin typeface="Courier New" panose="02070309020205020404" pitchFamily="49" charset="0"/>
+                <a:ea typeface="Times New Roman" panose="02020603050405020304" pitchFamily="18" charset="0"/>
+                <a:cs typeface="Times New Roman" panose="02020603050405020304" pitchFamily="18" charset="0"/>
+              </a:rPr>
+              <a:t>(</a:t>
+            </a:r>
+            <a:r>
+              <a:rPr lang="en-US" sz="1800" dirty="0">
+                <a:solidFill>
+                  <a:srgbClr val="AA0D91"/>
+                </a:solidFill>
+                <a:effectLst/>
+                <a:latin typeface="Courier New" panose="02070309020205020404" pitchFamily="49" charset="0"/>
+                <a:ea typeface="Times New Roman" panose="02020603050405020304" pitchFamily="18" charset="0"/>
+                <a:cs typeface="Times New Roman" panose="02020603050405020304" pitchFamily="18" charset="0"/>
+              </a:rPr>
+              <a:t>struct</a:t>
+            </a:r>
+            <a:r>
+              <a:rPr lang="en-US" sz="1800" dirty="0">
+                <a:solidFill>
+                  <a:srgbClr val="5C2699"/>
+                </a:solidFill>
+                <a:effectLst/>
+                <a:latin typeface="Courier New" panose="02070309020205020404" pitchFamily="49" charset="0"/>
+                <a:ea typeface="Times New Roman" panose="02020603050405020304" pitchFamily="18" charset="0"/>
+                <a:cs typeface="Times New Roman" panose="02020603050405020304" pitchFamily="18" charset="0"/>
+              </a:rPr>
+              <a:t> spinlock *</a:t>
+            </a:r>
+            <a:r>
+              <a:rPr lang="en-US" sz="1800" dirty="0" err="1">
+                <a:solidFill>
+                  <a:srgbClr val="5C2699"/>
+                </a:solidFill>
+                <a:effectLst/>
+                <a:latin typeface="Courier New" panose="02070309020205020404" pitchFamily="49" charset="0"/>
+                <a:ea typeface="Times New Roman" panose="02020603050405020304" pitchFamily="18" charset="0"/>
+                <a:cs typeface="Times New Roman" panose="02020603050405020304" pitchFamily="18" charset="0"/>
+              </a:rPr>
+              <a:t>lk</a:t>
+            </a:r>
+            <a:r>
+              <a:rPr lang="en-US" sz="1800" dirty="0">
+                <a:solidFill>
+                  <a:srgbClr val="5C2699"/>
+                </a:solidFill>
+                <a:effectLst/>
+                <a:latin typeface="Courier New" panose="02070309020205020404" pitchFamily="49" charset="0"/>
+                <a:ea typeface="Times New Roman" panose="02020603050405020304" pitchFamily="18" charset="0"/>
+                <a:cs typeface="Times New Roman" panose="02020603050405020304" pitchFamily="18" charset="0"/>
+              </a:rPr>
+              <a:t>)</a:t>
+            </a:r>
+            <a:r>
+              <a:rPr lang="en-US" sz="1800" dirty="0">
+                <a:solidFill>
+                  <a:srgbClr val="000000"/>
+                </a:solidFill>
+                <a:effectLst/>
+                <a:latin typeface="Courier New" panose="02070309020205020404" pitchFamily="49" charset="0"/>
+                <a:ea typeface="Times New Roman" panose="02020603050405020304" pitchFamily="18" charset="0"/>
+                <a:cs typeface="Times New Roman" panose="02020603050405020304" pitchFamily="18" charset="0"/>
+              </a:rPr>
+              <a:t>; </a:t>
+            </a:r>
+            <a:r>
+              <a:rPr lang="en-US" sz="1800" dirty="0">
+                <a:solidFill>
+                  <a:srgbClr val="006A00"/>
+                </a:solidFill>
+                <a:effectLst/>
+                <a:latin typeface="Courier New" panose="02070309020205020404" pitchFamily="49" charset="0"/>
+                <a:ea typeface="Times New Roman" panose="02020603050405020304" pitchFamily="18" charset="0"/>
+                <a:cs typeface="Times New Roman" panose="02020603050405020304" pitchFamily="18" charset="0"/>
+              </a:rPr>
+              <a:t>/* Get the lock, spinning as necessary. Also disables interrupts. */</a:t>
+            </a:r>
+            <a:endParaRPr lang="it-IT" sz="1800" dirty="0">
+              <a:effectLst/>
+              <a:latin typeface="Calibri" panose="020F0502020204030204" pitchFamily="34" charset="0"/>
+              <a:ea typeface="Calibri" panose="020F0502020204030204" pitchFamily="34" charset="0"/>
+              <a:cs typeface="Times New Roman" panose="02020603050405020304" pitchFamily="18" charset="0"/>
+            </a:endParaRPr>
+          </a:p>
+          <a:p>
+            <a:pPr marL="0" indent="0">
+              <a:lnSpc>
+                <a:spcPct val="107000"/>
+              </a:lnSpc>
+              <a:spcAft>
+                <a:spcPts val="800"/>
+              </a:spcAft>
+              <a:buNone/>
+            </a:pPr>
+            <a:r>
+              <a:rPr lang="en-US" sz="1800" dirty="0">
+                <a:solidFill>
+                  <a:srgbClr val="AA0D91"/>
+                </a:solidFill>
+                <a:effectLst/>
+                <a:latin typeface="Courier New" panose="02070309020205020404" pitchFamily="49" charset="0"/>
+                <a:ea typeface="Times New Roman" panose="02020603050405020304" pitchFamily="18" charset="0"/>
+                <a:cs typeface="Times New Roman" panose="02020603050405020304" pitchFamily="18" charset="0"/>
+              </a:rPr>
+              <a:t>void</a:t>
+            </a:r>
+            <a:r>
+              <a:rPr lang="en-US" sz="1800" dirty="0">
+                <a:solidFill>
+                  <a:srgbClr val="000000"/>
+                </a:solidFill>
+                <a:effectLst/>
+                <a:latin typeface="Courier New" panose="02070309020205020404" pitchFamily="49" charset="0"/>
+                <a:ea typeface="Times New Roman" panose="02020603050405020304" pitchFamily="18" charset="0"/>
+                <a:cs typeface="Times New Roman" panose="02020603050405020304" pitchFamily="18" charset="0"/>
+              </a:rPr>
+              <a:t> </a:t>
+            </a:r>
+            <a:r>
+              <a:rPr lang="en-US" sz="1800" dirty="0" err="1">
+                <a:solidFill>
+                  <a:srgbClr val="1C00CF"/>
+                </a:solidFill>
+                <a:effectLst/>
+                <a:latin typeface="Courier New" panose="02070309020205020404" pitchFamily="49" charset="0"/>
+                <a:ea typeface="Times New Roman" panose="02020603050405020304" pitchFamily="18" charset="0"/>
+                <a:cs typeface="Times New Roman" panose="02020603050405020304" pitchFamily="18" charset="0"/>
+              </a:rPr>
+              <a:t>spinlock_release</a:t>
+            </a:r>
+            <a:r>
+              <a:rPr lang="en-US" sz="1800" dirty="0">
+                <a:solidFill>
+                  <a:srgbClr val="5C2699"/>
+                </a:solidFill>
+                <a:effectLst/>
+                <a:latin typeface="Courier New" panose="02070309020205020404" pitchFamily="49" charset="0"/>
+                <a:ea typeface="Times New Roman" panose="02020603050405020304" pitchFamily="18" charset="0"/>
+                <a:cs typeface="Times New Roman" panose="02020603050405020304" pitchFamily="18" charset="0"/>
+              </a:rPr>
+              <a:t>(</a:t>
+            </a:r>
+            <a:r>
+              <a:rPr lang="en-US" sz="1800" dirty="0">
+                <a:solidFill>
+                  <a:srgbClr val="AA0D91"/>
+                </a:solidFill>
+                <a:effectLst/>
+                <a:latin typeface="Courier New" panose="02070309020205020404" pitchFamily="49" charset="0"/>
+                <a:ea typeface="Times New Roman" panose="02020603050405020304" pitchFamily="18" charset="0"/>
+                <a:cs typeface="Times New Roman" panose="02020603050405020304" pitchFamily="18" charset="0"/>
+              </a:rPr>
+              <a:t>struct</a:t>
+            </a:r>
+            <a:r>
+              <a:rPr lang="en-US" sz="1800" dirty="0">
+                <a:solidFill>
+                  <a:srgbClr val="5C2699"/>
+                </a:solidFill>
+                <a:effectLst/>
+                <a:latin typeface="Courier New" panose="02070309020205020404" pitchFamily="49" charset="0"/>
+                <a:ea typeface="Times New Roman" panose="02020603050405020304" pitchFamily="18" charset="0"/>
+                <a:cs typeface="Times New Roman" panose="02020603050405020304" pitchFamily="18" charset="0"/>
+              </a:rPr>
+              <a:t> spinlock *</a:t>
+            </a:r>
+            <a:r>
+              <a:rPr lang="en-US" sz="1800" dirty="0" err="1">
+                <a:solidFill>
+                  <a:srgbClr val="5C2699"/>
+                </a:solidFill>
+                <a:effectLst/>
+                <a:latin typeface="Courier New" panose="02070309020205020404" pitchFamily="49" charset="0"/>
+                <a:ea typeface="Times New Roman" panose="02020603050405020304" pitchFamily="18" charset="0"/>
+                <a:cs typeface="Times New Roman" panose="02020603050405020304" pitchFamily="18" charset="0"/>
+              </a:rPr>
+              <a:t>lk</a:t>
+            </a:r>
+            <a:r>
+              <a:rPr lang="en-US" sz="1800" dirty="0">
+                <a:solidFill>
+                  <a:srgbClr val="5C2699"/>
+                </a:solidFill>
+                <a:effectLst/>
+                <a:latin typeface="Courier New" panose="02070309020205020404" pitchFamily="49" charset="0"/>
+                <a:ea typeface="Times New Roman" panose="02020603050405020304" pitchFamily="18" charset="0"/>
+                <a:cs typeface="Times New Roman" panose="02020603050405020304" pitchFamily="18" charset="0"/>
+              </a:rPr>
+              <a:t>)</a:t>
+            </a:r>
+            <a:r>
+              <a:rPr lang="en-US" sz="1800" dirty="0">
+                <a:solidFill>
+                  <a:srgbClr val="000000"/>
+                </a:solidFill>
+                <a:effectLst/>
+                <a:latin typeface="Courier New" panose="02070309020205020404" pitchFamily="49" charset="0"/>
+                <a:ea typeface="Times New Roman" panose="02020603050405020304" pitchFamily="18" charset="0"/>
+                <a:cs typeface="Times New Roman" panose="02020603050405020304" pitchFamily="18" charset="0"/>
+              </a:rPr>
+              <a:t>; </a:t>
+            </a:r>
+            <a:r>
+              <a:rPr lang="en-US" sz="1800" dirty="0">
+                <a:solidFill>
+                  <a:srgbClr val="006A00"/>
+                </a:solidFill>
+                <a:effectLst/>
+                <a:latin typeface="Courier New" panose="02070309020205020404" pitchFamily="49" charset="0"/>
+                <a:ea typeface="Times New Roman" panose="02020603050405020304" pitchFamily="18" charset="0"/>
+                <a:cs typeface="Times New Roman" panose="02020603050405020304" pitchFamily="18" charset="0"/>
+              </a:rPr>
+              <a:t>/* Release the lock. May re-enable interrupts. */</a:t>
+            </a:r>
+            <a:endParaRPr lang="it-IT" sz="1800" dirty="0">
+              <a:effectLst/>
+              <a:latin typeface="Calibri" panose="020F0502020204030204" pitchFamily="34" charset="0"/>
+              <a:ea typeface="Calibri" panose="020F0502020204030204" pitchFamily="34" charset="0"/>
+              <a:cs typeface="Times New Roman" panose="02020603050405020304" pitchFamily="18" charset="0"/>
+            </a:endParaRPr>
+          </a:p>
+          <a:p>
+            <a:pPr marL="0" indent="0">
+              <a:lnSpc>
+                <a:spcPct val="107000"/>
+              </a:lnSpc>
+              <a:spcAft>
+                <a:spcPts val="800"/>
+              </a:spcAft>
+              <a:buNone/>
+            </a:pPr>
+            <a:r>
+              <a:rPr lang="en-US" sz="1800" dirty="0">
+                <a:solidFill>
+                  <a:srgbClr val="AA0D91"/>
+                </a:solidFill>
+                <a:effectLst/>
+                <a:latin typeface="Courier New" panose="02070309020205020404" pitchFamily="49" charset="0"/>
+                <a:ea typeface="Times New Roman" panose="02020603050405020304" pitchFamily="18" charset="0"/>
+                <a:cs typeface="Times New Roman" panose="02020603050405020304" pitchFamily="18" charset="0"/>
+              </a:rPr>
+              <a:t>bool</a:t>
+            </a:r>
+            <a:r>
+              <a:rPr lang="en-US" sz="1800" dirty="0">
+                <a:solidFill>
+                  <a:srgbClr val="000000"/>
+                </a:solidFill>
+                <a:effectLst/>
+                <a:latin typeface="Courier New" panose="02070309020205020404" pitchFamily="49" charset="0"/>
+                <a:ea typeface="Times New Roman" panose="02020603050405020304" pitchFamily="18" charset="0"/>
+                <a:cs typeface="Times New Roman" panose="02020603050405020304" pitchFamily="18" charset="0"/>
+              </a:rPr>
+              <a:t> </a:t>
+            </a:r>
+            <a:r>
+              <a:rPr lang="en-US" sz="1800" dirty="0" err="1">
+                <a:solidFill>
+                  <a:srgbClr val="1C00CF"/>
+                </a:solidFill>
+                <a:effectLst/>
+                <a:latin typeface="Courier New" panose="02070309020205020404" pitchFamily="49" charset="0"/>
+                <a:ea typeface="Times New Roman" panose="02020603050405020304" pitchFamily="18" charset="0"/>
+                <a:cs typeface="Times New Roman" panose="02020603050405020304" pitchFamily="18" charset="0"/>
+              </a:rPr>
+              <a:t>spinlock_do_i_hold</a:t>
+            </a:r>
+            <a:r>
+              <a:rPr lang="en-US" sz="1800" dirty="0">
+                <a:solidFill>
+                  <a:srgbClr val="5C2699"/>
+                </a:solidFill>
+                <a:effectLst/>
+                <a:latin typeface="Courier New" panose="02070309020205020404" pitchFamily="49" charset="0"/>
+                <a:ea typeface="Times New Roman" panose="02020603050405020304" pitchFamily="18" charset="0"/>
+                <a:cs typeface="Times New Roman" panose="02020603050405020304" pitchFamily="18" charset="0"/>
+              </a:rPr>
+              <a:t>(</a:t>
+            </a:r>
+            <a:r>
+              <a:rPr lang="en-US" sz="1800" dirty="0">
+                <a:solidFill>
+                  <a:srgbClr val="AA0D91"/>
+                </a:solidFill>
+                <a:effectLst/>
+                <a:latin typeface="Courier New" panose="02070309020205020404" pitchFamily="49" charset="0"/>
+                <a:ea typeface="Times New Roman" panose="02020603050405020304" pitchFamily="18" charset="0"/>
+                <a:cs typeface="Times New Roman" panose="02020603050405020304" pitchFamily="18" charset="0"/>
+              </a:rPr>
+              <a:t>struct</a:t>
+            </a:r>
+            <a:r>
+              <a:rPr lang="en-US" sz="1800" dirty="0">
+                <a:solidFill>
+                  <a:srgbClr val="5C2699"/>
+                </a:solidFill>
+                <a:effectLst/>
+                <a:latin typeface="Courier New" panose="02070309020205020404" pitchFamily="49" charset="0"/>
+                <a:ea typeface="Times New Roman" panose="02020603050405020304" pitchFamily="18" charset="0"/>
+                <a:cs typeface="Times New Roman" panose="02020603050405020304" pitchFamily="18" charset="0"/>
+              </a:rPr>
+              <a:t> spinlock *</a:t>
+            </a:r>
+            <a:r>
+              <a:rPr lang="en-US" sz="1800" dirty="0" err="1">
+                <a:solidFill>
+                  <a:srgbClr val="5C2699"/>
+                </a:solidFill>
+                <a:effectLst/>
+                <a:latin typeface="Courier New" panose="02070309020205020404" pitchFamily="49" charset="0"/>
+                <a:ea typeface="Times New Roman" panose="02020603050405020304" pitchFamily="18" charset="0"/>
+                <a:cs typeface="Times New Roman" panose="02020603050405020304" pitchFamily="18" charset="0"/>
+              </a:rPr>
+              <a:t>lk</a:t>
+            </a:r>
+            <a:r>
+              <a:rPr lang="en-US" sz="1800" dirty="0">
+                <a:solidFill>
+                  <a:srgbClr val="5C2699"/>
+                </a:solidFill>
+                <a:effectLst/>
+                <a:latin typeface="Courier New" panose="02070309020205020404" pitchFamily="49" charset="0"/>
+                <a:ea typeface="Times New Roman" panose="02020603050405020304" pitchFamily="18" charset="0"/>
+                <a:cs typeface="Times New Roman" panose="02020603050405020304" pitchFamily="18" charset="0"/>
+              </a:rPr>
+              <a:t>)</a:t>
+            </a:r>
+            <a:r>
+              <a:rPr lang="en-US" sz="1800" dirty="0">
+                <a:solidFill>
+                  <a:srgbClr val="000000"/>
+                </a:solidFill>
+                <a:effectLst/>
+                <a:latin typeface="Courier New" panose="02070309020205020404" pitchFamily="49" charset="0"/>
+                <a:ea typeface="Times New Roman" panose="02020603050405020304" pitchFamily="18" charset="0"/>
+                <a:cs typeface="Times New Roman" panose="02020603050405020304" pitchFamily="18" charset="0"/>
+              </a:rPr>
+              <a:t>; </a:t>
+            </a:r>
+            <a:r>
+              <a:rPr lang="en-US" sz="1800" dirty="0">
+                <a:solidFill>
+                  <a:srgbClr val="006A00"/>
+                </a:solidFill>
+                <a:effectLst/>
+                <a:latin typeface="Courier New" panose="02070309020205020404" pitchFamily="49" charset="0"/>
+                <a:ea typeface="Times New Roman" panose="02020603050405020304" pitchFamily="18" charset="0"/>
+                <a:cs typeface="Times New Roman" panose="02020603050405020304" pitchFamily="18" charset="0"/>
+              </a:rPr>
+              <a:t>/*Check if the current CPU holds the lock. */</a:t>
+            </a:r>
+            <a:endParaRPr lang="it-IT" sz="1800" dirty="0">
+              <a:effectLst/>
+              <a:latin typeface="Calibri" panose="020F0502020204030204" pitchFamily="34" charset="0"/>
+              <a:ea typeface="Calibri" panose="020F0502020204030204" pitchFamily="34" charset="0"/>
+              <a:cs typeface="Times New Roman" panose="02020603050405020304" pitchFamily="18" charset="0"/>
+            </a:endParaRPr>
+          </a:p>
+          <a:p>
+            <a:pPr marL="0" indent="0">
+              <a:lnSpc>
+                <a:spcPct val="107000"/>
+              </a:lnSpc>
+              <a:spcAft>
+                <a:spcPts val="800"/>
+              </a:spcAft>
+              <a:buNone/>
+            </a:pPr>
+            <a:endParaRPr lang="it-IT" sz="1800" dirty="0">
+              <a:effectLst/>
+              <a:latin typeface="Calibri" panose="020F0502020204030204" pitchFamily="34" charset="0"/>
+              <a:ea typeface="Calibri" panose="020F0502020204030204" pitchFamily="34" charset="0"/>
+              <a:cs typeface="Times New Roman" panose="02020603050405020304" pitchFamily="18" charset="0"/>
+            </a:endParaRPr>
           </a:p>
         </p:txBody>
       </p:sp>
     </p:spTree>
     <p:extLst>
       <p:ext uri="{BB962C8B-B14F-4D97-AF65-F5344CB8AC3E}">
-        <p14:creationId xmlns:p14="http://schemas.microsoft.com/office/powerpoint/2010/main" val="3980170520"/>
+        <p14:creationId xmlns:p14="http://schemas.microsoft.com/office/powerpoint/2010/main" val="3698987389"/>
       </p:ext>
     </p:extLst>
   </p:cSld>

--- a/Progetto_SO.pptx
+++ b/Progetto_SO.pptx
@@ -13,12 +13,13 @@
     <p:sldId id="271" r:id="rId7"/>
     <p:sldId id="285" r:id="rId8"/>
     <p:sldId id="269" r:id="rId9"/>
-    <p:sldId id="286" r:id="rId10"/>
-    <p:sldId id="279" r:id="rId11"/>
-    <p:sldId id="287" r:id="rId12"/>
-    <p:sldId id="288" r:id="rId13"/>
-    <p:sldId id="289" r:id="rId14"/>
-    <p:sldId id="284" r:id="rId15"/>
+    <p:sldId id="290" r:id="rId10"/>
+    <p:sldId id="286" r:id="rId11"/>
+    <p:sldId id="279" r:id="rId12"/>
+    <p:sldId id="287" r:id="rId13"/>
+    <p:sldId id="288" r:id="rId14"/>
+    <p:sldId id="289" r:id="rId15"/>
+    <p:sldId id="284" r:id="rId16"/>
   </p:sldIdLst>
   <p:sldSz cx="12192000" cy="6858000"/>
   <p:notesSz cx="6858000" cy="9144000"/>
@@ -6558,7 +6559,7 @@
           <a:p>
             <a:fld id="{F259A98E-7D3E-4BAE-A284-2CE0D83E33BF}" type="datetimeFigureOut">
               <a:rPr lang="it-IT" smtClean="0"/>
-              <a:t>05/01/2024</a:t>
+              <a:t>07/01/2024</a:t>
             </a:fld>
             <a:endParaRPr lang="it-IT"/>
           </a:p>
@@ -6820,7 +6821,7 @@
           <a:p>
             <a:fld id="{F259A98E-7D3E-4BAE-A284-2CE0D83E33BF}" type="datetimeFigureOut">
               <a:rPr lang="it-IT" smtClean="0"/>
-              <a:t>05/01/2024</a:t>
+              <a:t>07/01/2024</a:t>
             </a:fld>
             <a:endParaRPr lang="it-IT"/>
           </a:p>
@@ -7055,7 +7056,7 @@
           <a:p>
             <a:fld id="{F259A98E-7D3E-4BAE-A284-2CE0D83E33BF}" type="datetimeFigureOut">
               <a:rPr lang="it-IT" smtClean="0"/>
-              <a:t>05/01/2024</a:t>
+              <a:t>07/01/2024</a:t>
             </a:fld>
             <a:endParaRPr lang="it-IT"/>
           </a:p>
@@ -7295,7 +7296,7 @@
           <a:p>
             <a:fld id="{F259A98E-7D3E-4BAE-A284-2CE0D83E33BF}" type="datetimeFigureOut">
               <a:rPr lang="it-IT" smtClean="0"/>
-              <a:t>05/01/2024</a:t>
+              <a:t>07/01/2024</a:t>
             </a:fld>
             <a:endParaRPr lang="it-IT"/>
           </a:p>
@@ -7602,7 +7603,7 @@
           <a:p>
             <a:fld id="{F259A98E-7D3E-4BAE-A284-2CE0D83E33BF}" type="datetimeFigureOut">
               <a:rPr lang="it-IT" smtClean="0"/>
-              <a:t>05/01/2024</a:t>
+              <a:t>07/01/2024</a:t>
             </a:fld>
             <a:endParaRPr lang="it-IT"/>
           </a:p>
@@ -7904,7 +7905,7 @@
           <a:p>
             <a:fld id="{F259A98E-7D3E-4BAE-A284-2CE0D83E33BF}" type="datetimeFigureOut">
               <a:rPr lang="it-IT" smtClean="0"/>
-              <a:t>05/01/2024</a:t>
+              <a:t>07/01/2024</a:t>
             </a:fld>
             <a:endParaRPr lang="it-IT"/>
           </a:p>
@@ -8326,7 +8327,7 @@
           <a:p>
             <a:fld id="{F259A98E-7D3E-4BAE-A284-2CE0D83E33BF}" type="datetimeFigureOut">
               <a:rPr lang="it-IT" smtClean="0"/>
-              <a:t>05/01/2024</a:t>
+              <a:t>07/01/2024</a:t>
             </a:fld>
             <a:endParaRPr lang="it-IT"/>
           </a:p>
@@ -8421,7 +8422,7 @@
           <a:p>
             <a:fld id="{F259A98E-7D3E-4BAE-A284-2CE0D83E33BF}" type="datetimeFigureOut">
               <a:rPr lang="it-IT" smtClean="0"/>
-              <a:t>05/01/2024</a:t>
+              <a:t>07/01/2024</a:t>
             </a:fld>
             <a:endParaRPr lang="it-IT"/>
           </a:p>
@@ -8583,7 +8584,7 @@
           <a:p>
             <a:fld id="{F259A98E-7D3E-4BAE-A284-2CE0D83E33BF}" type="datetimeFigureOut">
               <a:rPr lang="it-IT" smtClean="0"/>
-              <a:t>05/01/2024</a:t>
+              <a:t>07/01/2024</a:t>
             </a:fld>
             <a:endParaRPr lang="it-IT"/>
           </a:p>
@@ -8961,7 +8962,7 @@
           <a:p>
             <a:fld id="{F259A98E-7D3E-4BAE-A284-2CE0D83E33BF}" type="datetimeFigureOut">
               <a:rPr lang="it-IT" smtClean="0"/>
-              <a:t>05/01/2024</a:t>
+              <a:t>07/01/2024</a:t>
             </a:fld>
             <a:endParaRPr lang="it-IT"/>
           </a:p>
@@ -9250,7 +9251,7 @@
           <a:p>
             <a:fld id="{F259A98E-7D3E-4BAE-A284-2CE0D83E33BF}" type="datetimeFigureOut">
               <a:rPr lang="it-IT" smtClean="0"/>
-              <a:t>05/01/2024</a:t>
+              <a:t>07/01/2024</a:t>
             </a:fld>
             <a:endParaRPr lang="it-IT"/>
           </a:p>
@@ -9461,7 +9462,7 @@
           <a:p>
             <a:fld id="{F259A98E-7D3E-4BAE-A284-2CE0D83E33BF}" type="datetimeFigureOut">
               <a:rPr lang="it-IT" smtClean="0"/>
-              <a:t>05/01/2024</a:t>
+              <a:t>07/01/2024</a:t>
             </a:fld>
             <a:endParaRPr lang="it-IT"/>
           </a:p>
@@ -10222,7 +10223,7 @@
           <p:cNvPr id="2" name="Titolo 1">
             <a:extLst>
               <a:ext uri="{FF2B5EF4-FFF2-40B4-BE49-F238E27FC236}">
-                <a16:creationId xmlns:a16="http://schemas.microsoft.com/office/drawing/2014/main" id="{69441F67-1949-8EC8-EB98-85670AC3670C}"/>
+                <a16:creationId xmlns:a16="http://schemas.microsoft.com/office/drawing/2014/main" id="{A8407669-AD4A-530A-308F-4AD673D020A5}"/>
               </a:ext>
             </a:extLst>
           </p:cNvPr>
@@ -10235,22 +10236,28 @@
         </p:nvSpPr>
         <p:spPr/>
         <p:txBody>
-          <a:bodyPr>
-            <a:normAutofit/>
-          </a:bodyPr>
+          <a:bodyPr/>
           <a:lstStyle/>
           <a:p>
             <a:r>
+              <a:rPr lang="it-IT" dirty="0" err="1"/>
+              <a:t>Paging</a:t>
+            </a:r>
+            <a:r>
               <a:rPr lang="it-IT" dirty="0"/>
-              <a:t>Meccanismi di sincronizzazione </a:t>
-            </a:r>
-            <a:r>
-              <a:rPr lang="it-IT" sz="1600" dirty="0"/>
-              <a:t>– Interrupt </a:t>
-            </a:r>
-            <a:r>
-              <a:rPr lang="it-IT" sz="1600" dirty="0" err="1"/>
-              <a:t>disable</a:t>
+              <a:t> e  </a:t>
+            </a:r>
+            <a:r>
+              <a:rPr lang="it-IT" dirty="0" err="1"/>
+              <a:t>virtual</a:t>
+            </a:r>
+            <a:r>
+              <a:rPr lang="it-IT" dirty="0"/>
+              <a:t> </a:t>
+            </a:r>
+            <a:r>
+              <a:rPr lang="it-IT" dirty="0" err="1"/>
+              <a:t>memory</a:t>
             </a:r>
             <a:endParaRPr lang="it-IT" dirty="0"/>
           </a:p>
@@ -10258,10 +10265,10 @@
       </p:sp>
       <p:sp>
         <p:nvSpPr>
-          <p:cNvPr id="4" name="Segnaposto testo 3">
+          <p:cNvPr id="3" name="Segnaposto contenuto 2">
             <a:extLst>
               <a:ext uri="{FF2B5EF4-FFF2-40B4-BE49-F238E27FC236}">
-                <a16:creationId xmlns:a16="http://schemas.microsoft.com/office/drawing/2014/main" id="{3484543A-BB31-0207-182F-1F1C206F0C68}"/>
+                <a16:creationId xmlns:a16="http://schemas.microsoft.com/office/drawing/2014/main" id="{81551D5C-43AF-6C06-2D96-A6CA08117673}"/>
               </a:ext>
             </a:extLst>
           </p:cNvPr>
@@ -10269,536 +10276,83 @@
             <a:spLocks noGrp="1"/>
           </p:cNvSpPr>
           <p:nvPr>
-            <p:ph type="body" idx="1"/>
+            <p:ph idx="1"/>
           </p:nvPr>
         </p:nvSpPr>
-        <p:spPr>
-          <a:xfrm>
-            <a:off x="887219" y="2913503"/>
-            <a:ext cx="5087075" cy="536005"/>
-          </a:xfrm>
-        </p:spPr>
-        <p:txBody>
-          <a:bodyPr/>
-          <a:lstStyle/>
-          <a:p>
-            <a:r>
-              <a:rPr lang="it-IT" dirty="0"/>
-              <a:t>OS161</a:t>
-            </a:r>
-          </a:p>
-        </p:txBody>
-      </p:sp>
-      <p:sp>
-        <p:nvSpPr>
-          <p:cNvPr id="8" name="Segnaposto contenuto 7">
-            <a:extLst>
-              <a:ext uri="{FF2B5EF4-FFF2-40B4-BE49-F238E27FC236}">
-                <a16:creationId xmlns:a16="http://schemas.microsoft.com/office/drawing/2014/main" id="{A1E5DF89-94E7-98C4-F563-B3A43317A1CE}"/>
-              </a:ext>
-            </a:extLst>
-          </p:cNvPr>
-          <p:cNvSpPr>
-            <a:spLocks noGrp="1"/>
-          </p:cNvSpPr>
-          <p:nvPr>
-            <p:ph sz="half" idx="2"/>
-          </p:nvPr>
-        </p:nvSpPr>
-        <p:spPr>
-          <a:xfrm>
-            <a:off x="581194" y="3588663"/>
-            <a:ext cx="5393100" cy="2934999"/>
-          </a:xfrm>
-        </p:spPr>
+        <p:spPr/>
         <p:txBody>
           <a:bodyPr>
-            <a:normAutofit lnSpcReduction="10000"/>
+            <a:normAutofit/>
           </a:bodyPr>
           <a:lstStyle/>
           <a:p>
             <a:r>
               <a:rPr lang="it-IT" dirty="0"/>
-              <a:t>Dà la possibilità di modificare la priorità degli interrupt e di abilitarli/disabilitarli</a:t>
-            </a:r>
-          </a:p>
-          <a:p>
-            <a:r>
-              <a:rPr lang="it-IT" b="1" dirty="0"/>
-              <a:t>spl0</a:t>
-            </a:r>
+              <a:t>La gestione della memoria virtuale è simile in entrambi i SO</a:t>
+            </a:r>
+          </a:p>
+          <a:p>
+            <a:pPr lvl="1"/>
             <a:r>
               <a:rPr lang="it-IT" dirty="0"/>
-              <a:t>() </a:t>
-            </a:r>
-            <a:r>
-              <a:rPr lang="it-IT" dirty="0">
-                <a:sym typeface="Wingdings" panose="05000000000000000000" pitchFamily="2" charset="2"/>
-              </a:rPr>
-              <a:t> </a:t>
-            </a:r>
-            <a:r>
-              <a:rPr lang="it-IT" altLang="it-IT" dirty="0"/>
-              <a:t>imposta IPL su 0, abilitando tutti gli interrupt </a:t>
+              <a:t>Uso della paginazione, perciò della Page </a:t>
+            </a:r>
+            <a:r>
+              <a:rPr lang="it-IT" dirty="0" err="1"/>
+              <a:t>Table</a:t>
             </a:r>
             <a:endParaRPr lang="it-IT" dirty="0"/>
           </a:p>
           <a:p>
-            <a:r>
-              <a:rPr lang="it-IT" b="1" dirty="0" err="1"/>
-              <a:t>splhigh</a:t>
-            </a:r>
+            <a:pPr lvl="1"/>
             <a:r>
               <a:rPr lang="it-IT" dirty="0"/>
-              <a:t>() </a:t>
-            </a:r>
-            <a:r>
-              <a:rPr lang="it-IT" dirty="0">
-                <a:sym typeface="Wingdings" panose="05000000000000000000" pitchFamily="2" charset="2"/>
-              </a:rPr>
-              <a:t> i</a:t>
-            </a:r>
-            <a:r>
-              <a:rPr lang="it-IT" altLang="it-IT" dirty="0"/>
-              <a:t>mposta IPL al valore più alto, disabilitando tutti gli interrupt. </a:t>
+              <a:t>Gestione similare della Frame </a:t>
+            </a:r>
+            <a:r>
+              <a:rPr lang="it-IT" dirty="0" err="1"/>
+              <a:t>Table</a:t>
             </a:r>
             <a:endParaRPr lang="it-IT" dirty="0"/>
           </a:p>
           <a:p>
-            <a:r>
-              <a:rPr lang="it-IT" b="1" dirty="0" err="1"/>
-              <a:t>splx</a:t>
-            </a:r>
+            <a:pPr lvl="1"/>
             <a:r>
               <a:rPr lang="it-IT" dirty="0"/>
-              <a:t>(S) </a:t>
-            </a:r>
-            <a:r>
-              <a:rPr lang="it-IT" dirty="0">
-                <a:sym typeface="Wingdings" panose="05000000000000000000" pitchFamily="2" charset="2"/>
-              </a:rPr>
-              <a:t> imposta IPL al valore S, abilitando lo stato rappresentato da S</a:t>
-            </a:r>
-          </a:p>
-          <a:p>
-            <a:r>
-              <a:rPr lang="it-IT" sz="1400" i="1" dirty="0" err="1">
-                <a:sym typeface="Wingdings" panose="05000000000000000000" pitchFamily="2" charset="2"/>
-              </a:rPr>
-              <a:t>kern</a:t>
-            </a:r>
-            <a:r>
-              <a:rPr lang="it-IT" sz="1400" i="1" dirty="0">
-                <a:sym typeface="Wingdings" panose="05000000000000000000" pitchFamily="2" charset="2"/>
-              </a:rPr>
-              <a:t>/include/</a:t>
-            </a:r>
-            <a:r>
-              <a:rPr lang="it-IT" sz="1400" i="1" dirty="0" err="1">
-                <a:sym typeface="Wingdings" panose="05000000000000000000" pitchFamily="2" charset="2"/>
-              </a:rPr>
-              <a:t>spl.h</a:t>
-            </a:r>
-            <a:endParaRPr lang="it-IT" sz="1400" i="1" dirty="0"/>
-          </a:p>
-          <a:p>
-            <a:endParaRPr lang="it-IT" dirty="0"/>
-          </a:p>
-        </p:txBody>
-      </p:sp>
-      <p:sp>
-        <p:nvSpPr>
-          <p:cNvPr id="9" name="Segnaposto testo 8">
-            <a:extLst>
-              <a:ext uri="{FF2B5EF4-FFF2-40B4-BE49-F238E27FC236}">
-                <a16:creationId xmlns:a16="http://schemas.microsoft.com/office/drawing/2014/main" id="{00842FCF-9A2A-27B3-4ED6-BB0713CE4444}"/>
-              </a:ext>
-            </a:extLst>
-          </p:cNvPr>
-          <p:cNvSpPr>
-            <a:spLocks noGrp="1"/>
-          </p:cNvSpPr>
-          <p:nvPr>
-            <p:ph type="body" sz="quarter" idx="3"/>
-          </p:nvPr>
-        </p:nvSpPr>
-        <p:spPr>
-          <a:xfrm>
-            <a:off x="6523735" y="2913503"/>
-            <a:ext cx="5087073" cy="553373"/>
-          </a:xfrm>
-        </p:spPr>
-        <p:txBody>
-          <a:bodyPr/>
-          <a:lstStyle/>
+              <a:t>Stessa gestione dello spazio degli indirizzi dei processi</a:t>
+            </a:r>
+          </a:p>
           <a:p>
             <a:r>
               <a:rPr lang="it-IT" dirty="0"/>
-              <a:t>PINTOS</a:t>
-            </a:r>
-          </a:p>
-        </p:txBody>
-      </p:sp>
-      <p:sp>
-        <p:nvSpPr>
-          <p:cNvPr id="10" name="Segnaposto contenuto 9">
-            <a:extLst>
-              <a:ext uri="{FF2B5EF4-FFF2-40B4-BE49-F238E27FC236}">
-                <a16:creationId xmlns:a16="http://schemas.microsoft.com/office/drawing/2014/main" id="{3CDA2ECB-1671-3745-42C6-213A778ECD29}"/>
-              </a:ext>
-            </a:extLst>
-          </p:cNvPr>
-          <p:cNvSpPr>
-            <a:spLocks noGrp="1"/>
-          </p:cNvSpPr>
-          <p:nvPr>
-            <p:ph sz="quarter" idx="4"/>
-          </p:nvPr>
-        </p:nvSpPr>
-        <p:spPr>
-          <a:xfrm>
-            <a:off x="6217709" y="3588663"/>
-            <a:ext cx="5393100" cy="2934999"/>
-          </a:xfrm>
-        </p:spPr>
-        <p:txBody>
-          <a:bodyPr>
-            <a:normAutofit lnSpcReduction="10000"/>
-          </a:bodyPr>
-          <a:lstStyle/>
-          <a:p>
+              <a:t>Uso di strutture dati analoghe</a:t>
+            </a:r>
+          </a:p>
+          <a:p>
+            <a:pPr lvl="1"/>
             <a:r>
               <a:rPr lang="it-IT" dirty="0"/>
-              <a:t>Dà la possibilità di abilitare/disabilitare gli interrupt ma </a:t>
-            </a:r>
-            <a:r>
-              <a:rPr lang="it-IT" b="1" dirty="0"/>
-              <a:t>non</a:t>
-            </a:r>
+              <a:t>Vettori</a:t>
+            </a:r>
+          </a:p>
+          <a:p>
+            <a:pPr lvl="1"/>
             <a:r>
               <a:rPr lang="it-IT" dirty="0"/>
-              <a:t> dà la possibilità di controllare la priorità degli interrupt</a:t>
-            </a:r>
-          </a:p>
-          <a:p>
-            <a:r>
-              <a:rPr lang="it-IT" b="1" dirty="0" err="1"/>
-              <a:t>intr_enable</a:t>
-            </a:r>
+              <a:t>Bitmap</a:t>
+            </a:r>
+          </a:p>
+          <a:p>
+            <a:pPr lvl="1"/>
             <a:r>
               <a:rPr lang="it-IT" dirty="0"/>
-              <a:t>() </a:t>
-            </a:r>
-            <a:r>
-              <a:rPr lang="it-IT" dirty="0">
-                <a:sym typeface="Wingdings" panose="05000000000000000000" pitchFamily="2" charset="2"/>
-              </a:rPr>
-              <a:t> abilita gli interrupt</a:t>
-            </a:r>
-            <a:endParaRPr lang="it-IT" dirty="0"/>
-          </a:p>
-          <a:p>
-            <a:r>
-              <a:rPr lang="it-IT" b="1" dirty="0" err="1"/>
-              <a:t>intr_disable</a:t>
-            </a:r>
+              <a:t>Liste</a:t>
+            </a:r>
+          </a:p>
+          <a:p>
             <a:r>
               <a:rPr lang="it-IT" dirty="0"/>
-              <a:t>() </a:t>
-            </a:r>
-            <a:r>
-              <a:rPr lang="it-IT" dirty="0">
-                <a:sym typeface="Wingdings" panose="05000000000000000000" pitchFamily="2" charset="2"/>
-              </a:rPr>
-              <a:t> disabilita gli interrupt</a:t>
-            </a:r>
-          </a:p>
-          <a:p>
-            <a:r>
-              <a:rPr lang="it-IT" sz="1400" i="1" dirty="0" err="1">
-                <a:sym typeface="Wingdings" panose="05000000000000000000" pitchFamily="2" charset="2"/>
-              </a:rPr>
-              <a:t>src</a:t>
-            </a:r>
-            <a:r>
-              <a:rPr lang="it-IT" sz="1400" i="1" dirty="0">
-                <a:sym typeface="Wingdings" panose="05000000000000000000" pitchFamily="2" charset="2"/>
-              </a:rPr>
-              <a:t>/</a:t>
-            </a:r>
-            <a:r>
-              <a:rPr lang="it-IT" sz="1400" i="1" dirty="0" err="1">
-                <a:sym typeface="Wingdings" panose="05000000000000000000" pitchFamily="2" charset="2"/>
-              </a:rPr>
-              <a:t>thread</a:t>
-            </a:r>
-            <a:r>
-              <a:rPr lang="it-IT" sz="1400" i="1" dirty="0">
-                <a:sym typeface="Wingdings" panose="05000000000000000000" pitchFamily="2" charset="2"/>
-              </a:rPr>
-              <a:t>/</a:t>
-            </a:r>
-            <a:r>
-              <a:rPr lang="it-IT" sz="1400" i="1" dirty="0" err="1">
-                <a:sym typeface="Wingdings" panose="05000000000000000000" pitchFamily="2" charset="2"/>
-              </a:rPr>
-              <a:t>interrupt.h</a:t>
-            </a:r>
-            <a:endParaRPr lang="it-IT" sz="1400" dirty="0"/>
-          </a:p>
-        </p:txBody>
-      </p:sp>
-      <p:sp>
-        <p:nvSpPr>
-          <p:cNvPr id="3" name="Segnaposto testo 3">
-            <a:extLst>
-              <a:ext uri="{FF2B5EF4-FFF2-40B4-BE49-F238E27FC236}">
-                <a16:creationId xmlns:a16="http://schemas.microsoft.com/office/drawing/2014/main" id="{DD092F63-1123-8337-F4DC-4B5BF08C3E1F}"/>
-              </a:ext>
-            </a:extLst>
-          </p:cNvPr>
-          <p:cNvSpPr txBox="1">
-            <a:spLocks/>
-          </p:cNvSpPr>
-          <p:nvPr/>
-        </p:nvSpPr>
-        <p:spPr>
-          <a:xfrm>
-            <a:off x="615548" y="1999040"/>
-            <a:ext cx="11245148" cy="921080"/>
-          </a:xfrm>
-          <a:prstGeom prst="rect">
-            <a:avLst/>
-          </a:prstGeom>
-        </p:spPr>
-        <p:txBody>
-          <a:bodyPr vert="horz" lIns="91440" tIns="45720" rIns="91440" bIns="45720" rtlCol="0" anchor="b">
-            <a:noAutofit/>
-          </a:bodyPr>
-          <a:lstStyle>
-            <a:lvl1pPr marL="0" indent="0" algn="l" defTabSz="457200" rtl="0" eaLnBrk="1" latinLnBrk="0" hangingPunct="1">
-              <a:spcBef>
-                <a:spcPct val="20000"/>
-              </a:spcBef>
-              <a:spcAft>
-                <a:spcPts val="600"/>
-              </a:spcAft>
-              <a:buClr>
-                <a:schemeClr val="accent2"/>
-              </a:buClr>
-              <a:buSzPct val="92000"/>
-              <a:buFont typeface="Wingdings 2" panose="05020102010507070707" pitchFamily="18" charset="2"/>
-              <a:buNone/>
-              <a:defRPr sz="2200" b="0" kern="1200">
-                <a:solidFill>
-                  <a:schemeClr val="accent2"/>
-                </a:solidFill>
-                <a:latin typeface="+mn-lt"/>
-                <a:ea typeface="+mn-ea"/>
-                <a:cs typeface="+mn-cs"/>
-              </a:defRPr>
-            </a:lvl1pPr>
-            <a:lvl2pPr marL="457200" indent="0" algn="l" defTabSz="457200" rtl="0" eaLnBrk="1" latinLnBrk="0" hangingPunct="1">
-              <a:spcBef>
-                <a:spcPct val="20000"/>
-              </a:spcBef>
-              <a:spcAft>
-                <a:spcPts val="600"/>
-              </a:spcAft>
-              <a:buClr>
-                <a:schemeClr val="accent2"/>
-              </a:buClr>
-              <a:buSzPct val="92000"/>
-              <a:buFont typeface="Wingdings 2" panose="05020102010507070707" pitchFamily="18" charset="2"/>
-              <a:buNone/>
-              <a:defRPr sz="2000" b="1" kern="1200">
-                <a:solidFill>
-                  <a:schemeClr val="tx2"/>
-                </a:solidFill>
-                <a:latin typeface="+mn-lt"/>
-                <a:ea typeface="+mn-ea"/>
-                <a:cs typeface="+mn-cs"/>
-              </a:defRPr>
-            </a:lvl2pPr>
-            <a:lvl3pPr marL="914400" indent="0" algn="l" defTabSz="457200" rtl="0" eaLnBrk="1" latinLnBrk="0" hangingPunct="1">
-              <a:spcBef>
-                <a:spcPct val="20000"/>
-              </a:spcBef>
-              <a:spcAft>
-                <a:spcPts val="600"/>
-              </a:spcAft>
-              <a:buClr>
-                <a:schemeClr val="accent2"/>
-              </a:buClr>
-              <a:buSzPct val="92000"/>
-              <a:buFont typeface="Wingdings 2" panose="05020102010507070707" pitchFamily="18" charset="2"/>
-              <a:buNone/>
-              <a:defRPr sz="1800" b="1" kern="1200">
-                <a:solidFill>
-                  <a:schemeClr val="tx2"/>
-                </a:solidFill>
-                <a:latin typeface="+mn-lt"/>
-                <a:ea typeface="+mn-ea"/>
-                <a:cs typeface="+mn-cs"/>
-              </a:defRPr>
-            </a:lvl3pPr>
-            <a:lvl4pPr marL="1371600" indent="0" algn="l" defTabSz="457200" rtl="0" eaLnBrk="1" latinLnBrk="0" hangingPunct="1">
-              <a:spcBef>
-                <a:spcPct val="20000"/>
-              </a:spcBef>
-              <a:spcAft>
-                <a:spcPts val="600"/>
-              </a:spcAft>
-              <a:buClr>
-                <a:schemeClr val="accent2"/>
-              </a:buClr>
-              <a:buSzPct val="92000"/>
-              <a:buFont typeface="Wingdings 2" panose="05020102010507070707" pitchFamily="18" charset="2"/>
-              <a:buNone/>
-              <a:defRPr sz="1600" b="1" kern="1200">
-                <a:solidFill>
-                  <a:schemeClr val="tx2"/>
-                </a:solidFill>
-                <a:latin typeface="+mn-lt"/>
-                <a:ea typeface="+mn-ea"/>
-                <a:cs typeface="+mn-cs"/>
-              </a:defRPr>
-            </a:lvl4pPr>
-            <a:lvl5pPr marL="1828800" indent="0" algn="l" defTabSz="457200" rtl="0" eaLnBrk="1" latinLnBrk="0" hangingPunct="1">
-              <a:spcBef>
-                <a:spcPct val="20000"/>
-              </a:spcBef>
-              <a:spcAft>
-                <a:spcPts val="600"/>
-              </a:spcAft>
-              <a:buClr>
-                <a:schemeClr val="accent2"/>
-              </a:buClr>
-              <a:buSzPct val="92000"/>
-              <a:buFont typeface="Wingdings 2" panose="05020102010507070707" pitchFamily="18" charset="2"/>
-              <a:buNone/>
-              <a:defRPr sz="1600" b="1" kern="1200">
-                <a:solidFill>
-                  <a:schemeClr val="tx2"/>
-                </a:solidFill>
-                <a:latin typeface="+mn-lt"/>
-                <a:ea typeface="+mn-ea"/>
-                <a:cs typeface="+mn-cs"/>
-              </a:defRPr>
-            </a:lvl5pPr>
-            <a:lvl6pPr marL="2286000" indent="0" algn="l" defTabSz="457200" rtl="0" eaLnBrk="1" latinLnBrk="0" hangingPunct="1">
-              <a:spcBef>
-                <a:spcPct val="20000"/>
-              </a:spcBef>
-              <a:spcAft>
-                <a:spcPts val="600"/>
-              </a:spcAft>
-              <a:buClr>
-                <a:schemeClr val="accent2"/>
-              </a:buClr>
-              <a:buSzPct val="92000"/>
-              <a:buFont typeface="Wingdings 2" panose="05020102010507070707" pitchFamily="18" charset="2"/>
-              <a:buNone/>
-              <a:defRPr sz="1600" b="1" kern="1200">
-                <a:solidFill>
-                  <a:schemeClr val="tx2"/>
-                </a:solidFill>
-                <a:latin typeface="+mn-lt"/>
-                <a:ea typeface="+mn-ea"/>
-                <a:cs typeface="+mn-cs"/>
-              </a:defRPr>
-            </a:lvl6pPr>
-            <a:lvl7pPr marL="2743200" indent="0" algn="l" defTabSz="457200" rtl="0" eaLnBrk="1" latinLnBrk="0" hangingPunct="1">
-              <a:spcBef>
-                <a:spcPct val="20000"/>
-              </a:spcBef>
-              <a:spcAft>
-                <a:spcPts val="600"/>
-              </a:spcAft>
-              <a:buClr>
-                <a:schemeClr val="accent2"/>
-              </a:buClr>
-              <a:buSzPct val="92000"/>
-              <a:buFont typeface="Wingdings 2" panose="05020102010507070707" pitchFamily="18" charset="2"/>
-              <a:buNone/>
-              <a:defRPr sz="1600" b="1" kern="1200">
-                <a:solidFill>
-                  <a:schemeClr val="tx2"/>
-                </a:solidFill>
-                <a:latin typeface="+mn-lt"/>
-                <a:ea typeface="+mn-ea"/>
-                <a:cs typeface="+mn-cs"/>
-              </a:defRPr>
-            </a:lvl7pPr>
-            <a:lvl8pPr marL="3200400" indent="0" algn="l" defTabSz="457200" rtl="0" eaLnBrk="1" latinLnBrk="0" hangingPunct="1">
-              <a:spcBef>
-                <a:spcPct val="20000"/>
-              </a:spcBef>
-              <a:spcAft>
-                <a:spcPts val="600"/>
-              </a:spcAft>
-              <a:buClr>
-                <a:schemeClr val="accent2"/>
-              </a:buClr>
-              <a:buSzPct val="92000"/>
-              <a:buFont typeface="Wingdings 2" panose="05020102010507070707" pitchFamily="18" charset="2"/>
-              <a:buNone/>
-              <a:defRPr sz="1600" b="1" kern="1200">
-                <a:solidFill>
-                  <a:schemeClr val="tx2"/>
-                </a:solidFill>
-                <a:latin typeface="+mn-lt"/>
-                <a:ea typeface="+mn-ea"/>
-                <a:cs typeface="+mn-cs"/>
-              </a:defRPr>
-            </a:lvl8pPr>
-            <a:lvl9pPr marL="3657600" indent="0" algn="l" defTabSz="457200" rtl="0" eaLnBrk="1" latinLnBrk="0" hangingPunct="1">
-              <a:spcBef>
-                <a:spcPct val="20000"/>
-              </a:spcBef>
-              <a:spcAft>
-                <a:spcPts val="600"/>
-              </a:spcAft>
-              <a:buClr>
-                <a:schemeClr val="accent2"/>
-              </a:buClr>
-              <a:buSzPct val="92000"/>
-              <a:buFont typeface="Wingdings 2" panose="05020102010507070707" pitchFamily="18" charset="2"/>
-              <a:buNone/>
-              <a:defRPr sz="1600" b="1" kern="1200">
-                <a:solidFill>
-                  <a:schemeClr val="tx2"/>
-                </a:solidFill>
-                <a:latin typeface="+mn-lt"/>
-                <a:ea typeface="+mn-ea"/>
-                <a:cs typeface="+mn-cs"/>
-              </a:defRPr>
-            </a:lvl9pPr>
-          </a:lstStyle>
-          <a:p>
-            <a:r>
-              <a:rPr lang="it-IT" sz="2000" dirty="0">
-                <a:solidFill>
-                  <a:schemeClr val="tx1"/>
-                </a:solidFill>
-              </a:rPr>
-              <a:t>Sia OS161 che </a:t>
-            </a:r>
-            <a:r>
-              <a:rPr lang="it-IT" sz="2000" dirty="0" err="1">
-                <a:solidFill>
-                  <a:schemeClr val="tx1"/>
-                </a:solidFill>
-              </a:rPr>
-              <a:t>PintOS</a:t>
-            </a:r>
-            <a:r>
-              <a:rPr lang="it-IT" sz="2000" dirty="0">
-                <a:solidFill>
-                  <a:schemeClr val="tx1"/>
-                </a:solidFill>
-              </a:rPr>
-              <a:t> danno la possibilità di abilitare/disabilitare gli interrupt per poter gestire le sezioni critiche</a:t>
+              <a:t>Paginazione più complessa su OS161, quindi con più funzionalità</a:t>
             </a:r>
           </a:p>
         </p:txBody>
@@ -10806,7 +10360,7 @@
     </p:spTree>
     <p:extLst>
       <p:ext uri="{BB962C8B-B14F-4D97-AF65-F5344CB8AC3E}">
-        <p14:creationId xmlns:p14="http://schemas.microsoft.com/office/powerpoint/2010/main" val="151468646"/>
+        <p14:creationId xmlns:p14="http://schemas.microsoft.com/office/powerpoint/2010/main" val="450538825"/>
       </p:ext>
     </p:extLst>
   </p:cSld>
@@ -10862,11 +10416,11 @@
             </a:r>
             <a:r>
               <a:rPr lang="it-IT" sz="1600" dirty="0"/>
-              <a:t>- </a:t>
+              <a:t>– Interrupt </a:t>
             </a:r>
             <a:r>
               <a:rPr lang="it-IT" sz="1600" dirty="0" err="1"/>
-              <a:t>SEmaphore</a:t>
+              <a:t>disable</a:t>
             </a:r>
             <a:endParaRPr lang="it-IT" dirty="0"/>
           </a:p>
@@ -10890,7 +10444,7 @@
         </p:nvSpPr>
         <p:spPr>
           <a:xfrm>
-            <a:off x="887219" y="2794235"/>
+            <a:off x="887219" y="2913503"/>
             <a:ext cx="5087075" cy="536005"/>
           </a:xfrm>
         </p:spPr>
@@ -10923,130 +10477,102 @@
         </p:nvSpPr>
         <p:spPr>
           <a:xfrm>
-            <a:off x="581194" y="3469395"/>
+            <a:off x="581194" y="3588663"/>
             <a:ext cx="5393100" cy="2934999"/>
           </a:xfrm>
         </p:spPr>
         <p:txBody>
           <a:bodyPr>
-            <a:noAutofit/>
+            <a:normAutofit lnSpcReduction="10000"/>
           </a:bodyPr>
           <a:lstStyle/>
           <a:p>
             <a:r>
-              <a:rPr lang="it-IT" sz="1600" dirty="0"/>
-              <a:t>Semafori implementati come </a:t>
-            </a:r>
-            <a:r>
-              <a:rPr lang="it-IT" sz="1600" dirty="0" err="1"/>
-              <a:t>struct</a:t>
-            </a:r>
-            <a:r>
-              <a:rPr lang="it-IT" sz="1600" dirty="0"/>
-              <a:t> contenente:</a:t>
-            </a:r>
-          </a:p>
-          <a:p>
-            <a:pPr lvl="1"/>
-            <a:r>
               <a:rPr lang="it-IT" dirty="0"/>
-              <a:t>nome: utilizzato per identificarlo</a:t>
-            </a:r>
-          </a:p>
-          <a:p>
-            <a:pPr lvl="1"/>
-            <a:r>
-              <a:rPr lang="it-IT" dirty="0" err="1"/>
-              <a:t>wchan</a:t>
+              <a:t>Dà la possibilità di modificare la priorità degli interrupt e di abilitarli/disabilitarli</a:t>
+            </a:r>
+          </a:p>
+          <a:p>
+            <a:r>
+              <a:rPr lang="it-IT" b="1" dirty="0"/>
+              <a:t>spl0</a:t>
             </a:r>
             <a:r>
               <a:rPr lang="it-IT" dirty="0"/>
-              <a:t>: per memorizzare i </a:t>
-            </a:r>
-            <a:r>
-              <a:rPr lang="it-IT" dirty="0" err="1"/>
-              <a:t>threads</a:t>
+              <a:t>() </a:t>
+            </a:r>
+            <a:r>
+              <a:rPr lang="it-IT" dirty="0">
+                <a:sym typeface="Wingdings" panose="05000000000000000000" pitchFamily="2" charset="2"/>
+              </a:rPr>
+              <a:t> </a:t>
+            </a:r>
+            <a:r>
+              <a:rPr lang="it-IT" altLang="it-IT" dirty="0"/>
+              <a:t>imposta IPL su 0, abilitando tutti gli interrupt </a:t>
+            </a:r>
+            <a:endParaRPr lang="it-IT" dirty="0"/>
+          </a:p>
+          <a:p>
+            <a:r>
+              <a:rPr lang="it-IT" b="1" dirty="0" err="1"/>
+              <a:t>splhigh</a:t>
             </a:r>
             <a:r>
               <a:rPr lang="it-IT" dirty="0"/>
-              <a:t> in attesa</a:t>
-            </a:r>
-          </a:p>
-          <a:p>
-            <a:pPr lvl="1"/>
-            <a:r>
-              <a:rPr lang="it-IT" dirty="0" err="1"/>
-              <a:t>spinlock</a:t>
+              <a:t>() </a:t>
+            </a:r>
+            <a:r>
+              <a:rPr lang="it-IT" dirty="0">
+                <a:sym typeface="Wingdings" panose="05000000000000000000" pitchFamily="2" charset="2"/>
+              </a:rPr>
+              <a:t> i</a:t>
+            </a:r>
+            <a:r>
+              <a:rPr lang="it-IT" altLang="it-IT" dirty="0"/>
+              <a:t>mposta IPL al valore più alto, disabilitando tutti gli interrupt. </a:t>
+            </a:r>
+            <a:endParaRPr lang="it-IT" dirty="0"/>
+          </a:p>
+          <a:p>
+            <a:r>
+              <a:rPr lang="it-IT" b="1" dirty="0" err="1"/>
+              <a:t>splx</a:t>
             </a:r>
             <a:r>
               <a:rPr lang="it-IT" dirty="0"/>
-              <a:t>: per mettere un lock sul semaforo (protegge il contatore)</a:t>
-            </a:r>
-          </a:p>
-          <a:p>
-            <a:pPr lvl="1"/>
-            <a:r>
-              <a:rPr lang="it-IT" dirty="0"/>
-              <a:t>contatore: numero di </a:t>
-            </a:r>
-            <a:r>
-              <a:rPr lang="it-IT" dirty="0" err="1"/>
-              <a:t>threads</a:t>
-            </a:r>
-            <a:r>
-              <a:rPr lang="it-IT" dirty="0"/>
-              <a:t> che possono accedere alla risorsa</a:t>
-            </a:r>
-          </a:p>
-          <a:p>
-            <a:r>
-              <a:rPr lang="it-IT" sz="1600" dirty="0"/>
-              <a:t>Sono usate le funzioni </a:t>
-            </a:r>
-            <a:r>
-              <a:rPr lang="it-IT" sz="1600" b="1" dirty="0"/>
-              <a:t>P </a:t>
-            </a:r>
-            <a:r>
-              <a:rPr lang="it-IT" sz="1600" dirty="0"/>
-              <a:t>(decrementa il contatore e blocca il </a:t>
-            </a:r>
-            <a:r>
-              <a:rPr lang="it-IT" sz="1600" dirty="0" err="1"/>
-              <a:t>thread</a:t>
-            </a:r>
-            <a:r>
-              <a:rPr lang="it-IT" sz="1600" dirty="0"/>
-              <a:t> se </a:t>
-            </a:r>
-            <a:r>
-              <a:rPr lang="it-IT" sz="1600" dirty="0" err="1"/>
-              <a:t>cont</a:t>
-            </a:r>
-            <a:r>
-              <a:rPr lang="it-IT" sz="1600" dirty="0"/>
-              <a:t>=0) e </a:t>
-            </a:r>
-            <a:r>
-              <a:rPr lang="it-IT" sz="1600" b="1" dirty="0"/>
-              <a:t>V</a:t>
-            </a:r>
-            <a:r>
-              <a:rPr lang="it-IT" sz="1600" dirty="0"/>
-              <a:t> (incrementa il contatore e sveglia un </a:t>
-            </a:r>
-            <a:r>
-              <a:rPr lang="it-IT" sz="1600" dirty="0" err="1"/>
-              <a:t>thread</a:t>
-            </a:r>
-            <a:r>
-              <a:rPr lang="it-IT" sz="1600" dirty="0"/>
-              <a:t> in attesa)</a:t>
-            </a:r>
-            <a:endParaRPr lang="it-IT" sz="1600" b="1" dirty="0"/>
-          </a:p>
-          <a:p>
-            <a:endParaRPr lang="it-IT" sz="1600" dirty="0"/>
+              <a:t>(S) </a:t>
+            </a:r>
+            <a:r>
+              <a:rPr lang="it-IT" dirty="0">
+                <a:sym typeface="Wingdings" panose="05000000000000000000" pitchFamily="2" charset="2"/>
+              </a:rPr>
+              <a:t> imposta IPL al valore S, abilitando lo stato rappresentato da S</a:t>
+            </a:r>
+          </a:p>
+          <a:p>
+            <a:r>
+              <a:rPr lang="it-IT" sz="1400" i="1" dirty="0" err="1">
+                <a:sym typeface="Wingdings" panose="05000000000000000000" pitchFamily="2" charset="2"/>
+              </a:rPr>
+              <a:t>kern</a:t>
+            </a:r>
+            <a:r>
+              <a:rPr lang="it-IT" sz="1400" i="1" dirty="0">
+                <a:sym typeface="Wingdings" panose="05000000000000000000" pitchFamily="2" charset="2"/>
+              </a:rPr>
+              <a:t>/include/</a:t>
+            </a:r>
+            <a:r>
+              <a:rPr lang="it-IT" sz="1400" i="1" dirty="0" err="1">
+                <a:sym typeface="Wingdings" panose="05000000000000000000" pitchFamily="2" charset="2"/>
+              </a:rPr>
+              <a:t>spl.h</a:t>
+            </a:r>
+            <a:endParaRPr lang="it-IT" sz="1400" i="1" dirty="0"/>
+          </a:p>
+          <a:p>
+            <a:endParaRPr lang="it-IT" dirty="0"/>
           </a:p>
         </p:txBody>
       </p:sp>
@@ -11068,7 +10594,7 @@
         </p:nvSpPr>
         <p:spPr>
           <a:xfrm>
-            <a:off x="6523735" y="2794235"/>
+            <a:off x="6523735" y="2913503"/>
             <a:ext cx="5087073" cy="553373"/>
           </a:xfrm>
         </p:spPr>
@@ -11101,151 +10627,94 @@
         </p:nvSpPr>
         <p:spPr>
           <a:xfrm>
-            <a:off x="6217709" y="3469395"/>
+            <a:off x="6217709" y="3588663"/>
             <a:ext cx="5393100" cy="2934999"/>
           </a:xfrm>
         </p:spPr>
         <p:txBody>
           <a:bodyPr>
-            <a:noAutofit/>
+            <a:normAutofit lnSpcReduction="10000"/>
           </a:bodyPr>
           <a:lstStyle/>
           <a:p>
             <a:r>
-              <a:rPr lang="it-IT" sz="1600" dirty="0"/>
-              <a:t>Semafori implementati come </a:t>
-            </a:r>
-            <a:r>
-              <a:rPr lang="it-IT" sz="1600" dirty="0" err="1"/>
-              <a:t>struct</a:t>
-            </a:r>
-            <a:r>
-              <a:rPr lang="it-IT" sz="1600" dirty="0"/>
-              <a:t> contenente:</a:t>
-            </a:r>
-          </a:p>
-          <a:p>
-            <a:pPr lvl="1"/>
-            <a:r>
               <a:rPr lang="it-IT" dirty="0"/>
-              <a:t>valore: non negativo che indica il numero di </a:t>
-            </a:r>
-            <a:r>
-              <a:rPr lang="it-IT" dirty="0" err="1"/>
-              <a:t>threads</a:t>
+              <a:t>Dà la possibilità di abilitare/disabilitare gli interrupt ma </a:t>
+            </a:r>
+            <a:r>
+              <a:rPr lang="it-IT" b="1" dirty="0"/>
+              <a:t>non</a:t>
             </a:r>
             <a:r>
               <a:rPr lang="it-IT" dirty="0"/>
-              <a:t> che possono accedere alla risorsa</a:t>
-            </a:r>
-          </a:p>
-          <a:p>
-            <a:pPr lvl="1"/>
+              <a:t> dà la possibilità di controllare la priorità degli interrupt</a:t>
+            </a:r>
+          </a:p>
+          <a:p>
+            <a:r>
+              <a:rPr lang="it-IT" b="1" dirty="0" err="1"/>
+              <a:t>intr_enable</a:t>
+            </a:r>
             <a:r>
               <a:rPr lang="it-IT" dirty="0"/>
-              <a:t>lista: </a:t>
-            </a:r>
-            <a:r>
-              <a:rPr lang="it-IT" dirty="0" err="1"/>
-              <a:t>linked</a:t>
+              <a:t>() </a:t>
+            </a:r>
+            <a:r>
+              <a:rPr lang="it-IT" dirty="0">
+                <a:sym typeface="Wingdings" panose="05000000000000000000" pitchFamily="2" charset="2"/>
+              </a:rPr>
+              <a:t> abilita gli interrupt</a:t>
+            </a:r>
+            <a:endParaRPr lang="it-IT" dirty="0"/>
+          </a:p>
+          <a:p>
+            <a:r>
+              <a:rPr lang="it-IT" b="1" dirty="0" err="1"/>
+              <a:t>intr_disable</a:t>
             </a:r>
             <a:r>
               <a:rPr lang="it-IT" dirty="0"/>
-              <a:t> list che memorizza i </a:t>
-            </a:r>
-            <a:r>
-              <a:rPr lang="it-IT" dirty="0" err="1"/>
-              <a:t>threads</a:t>
-            </a:r>
-            <a:r>
-              <a:rPr lang="it-IT" dirty="0"/>
-              <a:t> in attesa</a:t>
-            </a:r>
-          </a:p>
-          <a:p>
-            <a:r>
-              <a:rPr lang="it-IT" sz="1600" dirty="0"/>
-              <a:t>Sono usate le funzioni </a:t>
-            </a:r>
-            <a:r>
-              <a:rPr lang="it-IT" sz="1600" b="1" dirty="0" err="1"/>
-              <a:t>sema_down</a:t>
-            </a:r>
-            <a:r>
-              <a:rPr lang="it-IT" sz="1600" b="1" dirty="0"/>
-              <a:t> </a:t>
-            </a:r>
-            <a:r>
-              <a:rPr lang="it-IT" sz="1600" dirty="0"/>
-              <a:t>(decrementa il contatore e blocca il </a:t>
-            </a:r>
-            <a:r>
-              <a:rPr lang="it-IT" sz="1600" dirty="0" err="1"/>
+              <a:t>() </a:t>
+            </a:r>
+            <a:r>
+              <a:rPr lang="it-IT" dirty="0">
+                <a:sym typeface="Wingdings" panose="05000000000000000000" pitchFamily="2" charset="2"/>
+              </a:rPr>
+              <a:t> disabilita gli interrupt</a:t>
+            </a:r>
+          </a:p>
+          <a:p>
+            <a:r>
+              <a:rPr lang="it-IT" sz="1400" i="1" dirty="0" err="1">
+                <a:sym typeface="Wingdings" panose="05000000000000000000" pitchFamily="2" charset="2"/>
+              </a:rPr>
+              <a:t>src</a:t>
+            </a:r>
+            <a:r>
+              <a:rPr lang="it-IT" sz="1400" i="1" dirty="0">
+                <a:sym typeface="Wingdings" panose="05000000000000000000" pitchFamily="2" charset="2"/>
+              </a:rPr>
+              <a:t>/</a:t>
+            </a:r>
+            <a:r>
+              <a:rPr lang="it-IT" sz="1400" i="1" dirty="0" err="1">
+                <a:sym typeface="Wingdings" panose="05000000000000000000" pitchFamily="2" charset="2"/>
+              </a:rPr>
               <a:t>thread</a:t>
             </a:r>
             <a:r>
-              <a:rPr lang="it-IT" sz="1600" dirty="0"/>
-              <a:t> se </a:t>
-            </a:r>
-            <a:r>
-              <a:rPr lang="it-IT" sz="1600" dirty="0" err="1"/>
-              <a:t>cont</a:t>
-            </a:r>
-            <a:r>
-              <a:rPr lang="it-IT" sz="1600" dirty="0"/>
-              <a:t>=0) e </a:t>
-            </a:r>
-            <a:r>
-              <a:rPr lang="it-IT" sz="1600" b="1" dirty="0" err="1"/>
-              <a:t>sema_up</a:t>
-            </a:r>
-            <a:r>
-              <a:rPr lang="it-IT" sz="1600" dirty="0"/>
-              <a:t> (incrementa il contatore e sveglia un </a:t>
-            </a:r>
-            <a:r>
-              <a:rPr lang="it-IT" sz="1600" dirty="0" err="1"/>
-              <a:t>thread</a:t>
-            </a:r>
-            <a:r>
-              <a:rPr lang="it-IT" sz="1600" dirty="0"/>
-              <a:t> in attesa)</a:t>
-            </a:r>
-          </a:p>
-          <a:p>
-            <a:r>
-              <a:rPr lang="it-IT" sz="1600" dirty="0"/>
-              <a:t>È presente la funzione </a:t>
-            </a:r>
-            <a:r>
-              <a:rPr lang="it-IT" sz="1600" b="1" dirty="0" err="1"/>
-              <a:t>sema_try_down</a:t>
-            </a:r>
-            <a:r>
-              <a:rPr lang="it-IT" sz="1600" dirty="0"/>
-              <a:t> che prova ad abbassare il valore del semaforo senza attendere. Se il </a:t>
-            </a:r>
-            <a:r>
-              <a:rPr lang="it-IT" sz="1600" dirty="0" err="1"/>
-              <a:t>value</a:t>
-            </a:r>
-            <a:r>
-              <a:rPr lang="it-IT" sz="1600" dirty="0"/>
-              <a:t> è 0 il </a:t>
-            </a:r>
-            <a:r>
-              <a:rPr lang="it-IT" sz="1600" dirty="0" err="1"/>
-              <a:t>thread</a:t>
-            </a:r>
-            <a:r>
-              <a:rPr lang="it-IT" sz="1600" dirty="0"/>
-              <a:t> è bloccato e messo in attesa; altrimenti viene decrementato e la funzione restituisce </a:t>
-            </a:r>
-            <a:r>
-              <a:rPr lang="it-IT" sz="1600" dirty="0" err="1"/>
-              <a:t>true</a:t>
-            </a:r>
-            <a:endParaRPr lang="it-IT" sz="1600" dirty="0"/>
+              <a:rPr lang="it-IT" sz="1400" i="1" dirty="0">
+                <a:sym typeface="Wingdings" panose="05000000000000000000" pitchFamily="2" charset="2"/>
+              </a:rPr>
+              <a:t>/</a:t>
+            </a:r>
+            <a:r>
+              <a:rPr lang="it-IT" sz="1400" i="1" dirty="0" err="1">
+                <a:sym typeface="Wingdings" panose="05000000000000000000" pitchFamily="2" charset="2"/>
+              </a:rPr>
+              <a:t>interrupt.h</a:t>
+            </a:r>
+            <a:endParaRPr lang="it-IT" sz="1400" dirty="0"/>
           </a:p>
         </p:txBody>
       </p:sp>
@@ -11265,7 +10734,7 @@
         </p:nvSpPr>
         <p:spPr>
           <a:xfrm>
-            <a:off x="615548" y="1879772"/>
+            <a:off x="615548" y="1999040"/>
             <a:ext cx="11245148" cy="921080"/>
           </a:xfrm>
           <a:prstGeom prst="rect">
@@ -11478,49 +10947,28 @@
           </a:lstStyle>
           <a:p>
             <a:r>
-              <a:rPr lang="it-IT" sz="2000" b="0" dirty="0">
+              <a:rPr lang="it-IT" sz="2000" dirty="0">
                 <a:solidFill>
                   <a:schemeClr val="tx1"/>
                 </a:solidFill>
-                <a:effectLst/>
               </a:rPr>
               <a:t>Sia OS161 che </a:t>
             </a:r>
             <a:r>
-              <a:rPr lang="it-IT" sz="2000" b="0" dirty="0" err="1">
+              <a:rPr lang="it-IT" sz="2000" dirty="0" err="1">
                 <a:solidFill>
                   <a:schemeClr val="tx1"/>
                 </a:solidFill>
-                <a:effectLst/>
               </a:rPr>
               <a:t>PintOS</a:t>
             </a:r>
             <a:r>
-              <a:rPr lang="it-IT" sz="2000" b="0" dirty="0">
+              <a:rPr lang="it-IT" sz="2000" dirty="0">
                 <a:solidFill>
                   <a:schemeClr val="tx1"/>
                 </a:solidFill>
-                <a:effectLst/>
               </a:rPr>
-              <a:t> implementano i semafori seguono il modello classico di semafori di </a:t>
-            </a:r>
-            <a:r>
-              <a:rPr lang="it-IT" sz="2000" b="0" dirty="0" err="1">
-                <a:solidFill>
-                  <a:schemeClr val="tx1"/>
-                </a:solidFill>
-                <a:effectLst/>
-              </a:rPr>
-              <a:t>Dijkstra</a:t>
-            </a:r>
-            <a:r>
-              <a:rPr lang="it-IT" sz="2000" b="0" dirty="0">
-                <a:solidFill>
-                  <a:schemeClr val="tx1"/>
-                </a:solidFill>
-                <a:effectLst/>
-              </a:rPr>
-              <a:t>, con operazioni atomiche di "down" e "up" per garantire la sincronizzazione.</a:t>
+              <a:t> danno la possibilità di abilitare/disabilitare gli interrupt per poter gestire le sezioni critiche</a:t>
             </a:r>
           </a:p>
         </p:txBody>
@@ -11528,7 +10976,7 @@
     </p:spTree>
     <p:extLst>
       <p:ext uri="{BB962C8B-B14F-4D97-AF65-F5344CB8AC3E}">
-        <p14:creationId xmlns:p14="http://schemas.microsoft.com/office/powerpoint/2010/main" val="4198586686"/>
+        <p14:creationId xmlns:p14="http://schemas.microsoft.com/office/powerpoint/2010/main" val="151468646"/>
       </p:ext>
     </p:extLst>
   </p:cSld>
@@ -11584,15 +11032,11 @@
             </a:r>
             <a:r>
               <a:rPr lang="it-IT" sz="1600" dirty="0"/>
-              <a:t>– lock (</a:t>
+              <a:t>- </a:t>
             </a:r>
             <a:r>
               <a:rPr lang="it-IT" sz="1600" dirty="0" err="1"/>
-              <a:t>mutex</a:t>
-            </a:r>
-            <a:r>
-              <a:rPr lang="it-IT" sz="1600" dirty="0"/>
-              <a:t>)</a:t>
+              <a:t>SEmaphore</a:t>
             </a:r>
             <a:endParaRPr lang="it-IT" dirty="0"/>
           </a:p>
@@ -11616,7 +11060,7 @@
         </p:nvSpPr>
         <p:spPr>
           <a:xfrm>
-            <a:off x="887219" y="2555699"/>
+            <a:off x="887219" y="2794235"/>
             <a:ext cx="5087075" cy="536005"/>
           </a:xfrm>
         </p:spPr>
@@ -11649,7 +11093,7 @@
         </p:nvSpPr>
         <p:spPr>
           <a:xfrm>
-            <a:off x="581194" y="3230859"/>
+            <a:off x="581194" y="3469395"/>
             <a:ext cx="5393100" cy="2934999"/>
           </a:xfrm>
         </p:spPr>
@@ -11661,7 +11105,7 @@
           <a:p>
             <a:r>
               <a:rPr lang="it-IT" sz="1600" dirty="0"/>
-              <a:t>Lock implementato come </a:t>
+              <a:t>Semafori implementati come </a:t>
             </a:r>
             <a:r>
               <a:rPr lang="it-IT" sz="1600" dirty="0" err="1"/>
@@ -11676,47 +11120,100 @@
             <a:pPr lvl="1"/>
             <a:r>
               <a:rPr lang="it-IT" dirty="0"/>
-              <a:t>nome: per identificare il lock</a:t>
+              <a:t>nome: utilizzato per identificarlo</a:t>
             </a:r>
           </a:p>
           <a:p>
             <a:pPr lvl="1"/>
             <a:r>
+              <a:rPr lang="it-IT" dirty="0" err="1"/>
+              <a:t>wchan</a:t>
+            </a:r>
+            <a:r>
               <a:rPr lang="it-IT" dirty="0"/>
-              <a:t>HANGMAN_LOCKABLE: per rilevare i deadlock</a:t>
+              <a:t>: per memorizzare i </a:t>
+            </a:r>
+            <a:r>
+              <a:rPr lang="it-IT" dirty="0" err="1"/>
+              <a:t>threads</a:t>
+            </a:r>
+            <a:r>
+              <a:rPr lang="it-IT" dirty="0"/>
+              <a:t> in attesa</a:t>
+            </a:r>
+          </a:p>
+          <a:p>
+            <a:pPr lvl="1"/>
+            <a:r>
+              <a:rPr lang="it-IT" dirty="0" err="1"/>
+              <a:t>spinlock</a:t>
+            </a:r>
+            <a:r>
+              <a:rPr lang="it-IT" dirty="0"/>
+              <a:t>: per mettere un lock sul semaforo (protegge il contatore)</a:t>
+            </a:r>
+          </a:p>
+          <a:p>
+            <a:pPr lvl="1"/>
+            <a:r>
+              <a:rPr lang="it-IT" dirty="0"/>
+              <a:t>contatore: numero di </a:t>
+            </a:r>
+            <a:r>
+              <a:rPr lang="it-IT" dirty="0" err="1"/>
+              <a:t>threads</a:t>
+            </a:r>
+            <a:r>
+              <a:rPr lang="it-IT" dirty="0"/>
+              <a:t> che possono accedere alla risorsa</a:t>
             </a:r>
           </a:p>
           <a:p>
             <a:r>
               <a:rPr lang="it-IT" sz="1600" dirty="0"/>
-              <a:t>Le operazioni sui Lock sono simili a quelle che offre </a:t>
+              <a:t>Sono usate le funzioni </a:t>
+            </a:r>
+            <a:r>
+              <a:rPr lang="it-IT" sz="1600" b="1" dirty="0"/>
+              <a:t>P </a:t>
+            </a:r>
+            <a:r>
+              <a:rPr lang="it-IT" sz="1600" dirty="0"/>
+              <a:t>(decrementa il contatore e blocca il </a:t>
             </a:r>
             <a:r>
               <a:rPr lang="it-IT" sz="1600" dirty="0" err="1"/>
-              <a:t>PintOS</a:t>
-            </a:r>
-            <a:endParaRPr lang="it-IT" sz="1600" dirty="0"/>
-          </a:p>
-          <a:p>
+              <a:t>thread</a:t>
+            </a:r>
             <a:r>
               <a:rPr lang="it-IT" sz="1600" dirty="0"/>
-              <a:t>La differenza principale è che OS161 utilizza anche un hook per riconoscere e prevenire i deadlock</a:t>
-            </a:r>
-          </a:p>
-          <a:p>
-            <a:pPr lvl="1"/>
-            <a:r>
-              <a:rPr lang="it-IT" dirty="0"/>
-              <a:t>Il rilevatore di deadlock di OS161 utilizza un approccio basato sul grafo per rilevare i deadlock. I </a:t>
-            </a:r>
-            <a:r>
-              <a:rPr lang="it-IT" dirty="0" err="1"/>
+              <a:t> se </a:t>
+            </a:r>
+            <a:r>
+              <a:rPr lang="it-IT" sz="1600" dirty="0" err="1"/>
+              <a:t>cont</a:t>
+            </a:r>
+            <a:r>
+              <a:rPr lang="it-IT" sz="1600" dirty="0"/>
+              <a:t>=0) e </a:t>
+            </a:r>
+            <a:r>
+              <a:rPr lang="it-IT" sz="1600" b="1" dirty="0"/>
+              <a:t>V</a:t>
+            </a:r>
+            <a:r>
+              <a:rPr lang="it-IT" sz="1600" dirty="0"/>
+              <a:t> (incrementa il contatore e sveglia un </a:t>
+            </a:r>
+            <a:r>
+              <a:rPr lang="it-IT" sz="1600" dirty="0" err="1"/>
               <a:t>thread</a:t>
             </a:r>
             <a:r>
-              <a:rPr lang="it-IT" dirty="0"/>
-              <a:t> e i lock vengono rappresentati come nodi e archi in un grafo. Il codice di rilevamento dei deadlock controlla il grafo per rilevare cicli. Se viene rilevato un ciclo, significa che esiste un deadlock</a:t>
-            </a:r>
+              <a:rPr lang="it-IT" sz="1600" dirty="0"/>
+              <a:t> in attesa)</a:t>
+            </a:r>
+            <a:endParaRPr lang="it-IT" sz="1600" b="1" dirty="0"/>
           </a:p>
           <a:p>
             <a:endParaRPr lang="it-IT" sz="1600" dirty="0"/>
@@ -11741,7 +11238,7 @@
         </p:nvSpPr>
         <p:spPr>
           <a:xfrm>
-            <a:off x="6523735" y="2555699"/>
+            <a:off x="6523735" y="2794235"/>
             <a:ext cx="5087073" cy="553373"/>
           </a:xfrm>
         </p:spPr>
@@ -11774,7 +11271,7 @@
         </p:nvSpPr>
         <p:spPr>
           <a:xfrm>
-            <a:off x="6217709" y="3230859"/>
+            <a:off x="6217709" y="3469395"/>
             <a:ext cx="5393100" cy="2934999"/>
           </a:xfrm>
         </p:spPr>
@@ -11786,7 +11283,7 @@
           <a:p>
             <a:r>
               <a:rPr lang="it-IT" sz="1600" dirty="0"/>
-              <a:t>Lock implementato come </a:t>
+              <a:t>Semafori implementati come </a:t>
             </a:r>
             <a:r>
               <a:rPr lang="it-IT" sz="1600" dirty="0" err="1"/>
@@ -11800,107 +11297,125 @@
           <a:p>
             <a:pPr lvl="1"/>
             <a:r>
+              <a:rPr lang="it-IT" dirty="0"/>
+              <a:t>valore: non negativo che indica il numero di </a:t>
+            </a:r>
+            <a:r>
               <a:rPr lang="it-IT" dirty="0" err="1"/>
+              <a:t>threads</a:t>
+            </a:r>
+            <a:r>
+              <a:rPr lang="it-IT" dirty="0"/>
+              <a:t> che possono accedere alla risorsa</a:t>
+            </a:r>
+          </a:p>
+          <a:p>
+            <a:pPr lvl="1"/>
+            <a:r>
+              <a:rPr lang="it-IT" dirty="0"/>
+              <a:t>lista: </a:t>
+            </a:r>
+            <a:r>
+              <a:rPr lang="it-IT" dirty="0" err="1"/>
+              <a:t>linked</a:t>
+            </a:r>
+            <a:r>
+              <a:rPr lang="it-IT" dirty="0"/>
+              <a:t> list che memorizza i </a:t>
+            </a:r>
+            <a:r>
+              <a:rPr lang="it-IT" dirty="0" err="1"/>
+              <a:t>threads</a:t>
+            </a:r>
+            <a:r>
+              <a:rPr lang="it-IT" dirty="0"/>
+              <a:t> in attesa</a:t>
+            </a:r>
+          </a:p>
+          <a:p>
+            <a:r>
+              <a:rPr lang="it-IT" sz="1600" dirty="0"/>
+              <a:t>Sono usate le funzioni </a:t>
+            </a:r>
+            <a:r>
+              <a:rPr lang="it-IT" sz="1600" b="1" dirty="0" err="1"/>
+              <a:t>sema_down</a:t>
+            </a:r>
+            <a:r>
+              <a:rPr lang="it-IT" sz="1600" b="1" dirty="0"/>
+              <a:t> </a:t>
+            </a:r>
+            <a:r>
+              <a:rPr lang="it-IT" sz="1600" dirty="0"/>
+              <a:t>(decrementa il contatore e blocca il </a:t>
+            </a:r>
+            <a:r>
+              <a:rPr lang="it-IT" sz="1600" dirty="0" err="1"/>
               <a:t>thread</a:t>
             </a:r>
             <a:r>
-              <a:rPr lang="it-IT" dirty="0"/>
-              <a:t>: chi detiene il lock</a:t>
-            </a:r>
-          </a:p>
-          <a:p>
-            <a:pPr lvl="1"/>
-            <a:r>
-              <a:rPr lang="it-IT" dirty="0" err="1"/>
-              <a:t>semaphore</a:t>
-            </a:r>
-            <a:r>
-              <a:rPr lang="it-IT" dirty="0"/>
-              <a:t>: struttura semaforo binario per il controllo degli accessi</a:t>
-            </a:r>
-          </a:p>
-          <a:p>
-            <a:r>
               <a:rPr lang="it-IT" sz="1600" dirty="0"/>
-              <a:t>Le funzioni sui Lock sono: </a:t>
-            </a:r>
-          </a:p>
-          <a:p>
-            <a:pPr lvl="1"/>
-            <a:r>
-              <a:rPr lang="it-IT" sz="1200" b="1" dirty="0" err="1"/>
-              <a:t>lock_init</a:t>
-            </a:r>
-            <a:r>
-              <a:rPr lang="it-IT" sz="1200" dirty="0"/>
-              <a:t> : Inizializza un nuovo lock.</a:t>
-            </a:r>
-          </a:p>
-          <a:p>
-            <a:pPr lvl="1"/>
-            <a:r>
-              <a:rPr lang="it-IT" sz="1200" b="1" dirty="0" err="1"/>
-              <a:t>lock_acquire</a:t>
-            </a:r>
-            <a:r>
-              <a:rPr lang="it-IT" sz="1200" dirty="0"/>
-              <a:t> : Acquisisce il lock, aspettando, se necessario, il suo rilascio.</a:t>
-            </a:r>
-          </a:p>
-          <a:p>
-            <a:pPr lvl="1"/>
-            <a:r>
-              <a:rPr lang="it-IT" sz="1200" b="1" dirty="0" err="1"/>
-              <a:t>lock_try_acquire</a:t>
-            </a:r>
-            <a:r>
-              <a:rPr lang="it-IT" sz="1200" dirty="0"/>
-              <a:t> : Prova ad acquisire il lock senza attendere.</a:t>
-            </a:r>
-          </a:p>
-          <a:p>
-            <a:pPr lvl="1"/>
-            <a:r>
-              <a:rPr lang="it-IT" sz="1200" b="1" dirty="0" err="1"/>
-              <a:t>lock_release</a:t>
-            </a:r>
-            <a:r>
-              <a:rPr lang="it-IT" sz="1200" dirty="0"/>
-              <a:t> : Rilascia il lock detenuto dal </a:t>
-            </a:r>
-            <a:r>
-              <a:rPr lang="it-IT" sz="1200" dirty="0" err="1"/>
+              <a:t> se </a:t>
+            </a:r>
+            <a:r>
+              <a:rPr lang="it-IT" sz="1600" dirty="0" err="1"/>
+              <a:t>cont</a:t>
+            </a:r>
+            <a:r>
+              <a:rPr lang="it-IT" sz="1600" dirty="0"/>
+              <a:t>=0) e </a:t>
+            </a:r>
+            <a:r>
+              <a:rPr lang="it-IT" sz="1600" b="1" dirty="0" err="1"/>
+              <a:t>sema_up</a:t>
+            </a:r>
+            <a:r>
+              <a:rPr lang="it-IT" sz="1600" dirty="0"/>
+              <a:t> (incrementa il contatore e sveglia un </a:t>
+            </a:r>
+            <a:r>
+              <a:rPr lang="it-IT" sz="1600" dirty="0" err="1"/>
               <a:t>thread</a:t>
             </a:r>
             <a:r>
-              <a:rPr lang="it-IT" sz="1200" dirty="0"/>
-              <a:t> corrente.</a:t>
-            </a:r>
-          </a:p>
-          <a:p>
-            <a:pPr lvl="1"/>
-            <a:r>
-              <a:rPr lang="it-IT" sz="1200" b="1" dirty="0" err="1"/>
-              <a:t>lock_held_by_current_thread</a:t>
-            </a:r>
-            <a:r>
-              <a:rPr lang="it-IT" sz="1200" dirty="0"/>
-              <a:t> : Verifica se il </a:t>
-            </a:r>
-            <a:r>
-              <a:rPr lang="it-IT" sz="1200" dirty="0" err="1"/>
+              <a:rPr lang="it-IT" sz="1600" dirty="0"/>
+              <a:t> in attesa)</a:t>
+            </a:r>
+          </a:p>
+          <a:p>
+            <a:r>
+              <a:rPr lang="it-IT" sz="1600" dirty="0"/>
+              <a:t>È presente la funzione </a:t>
+            </a:r>
+            <a:r>
+              <a:rPr lang="it-IT" sz="1600" b="1" dirty="0" err="1"/>
+              <a:t>sema_try_down</a:t>
+            </a:r>
+            <a:r>
+              <a:rPr lang="it-IT" sz="1600" dirty="0"/>
+              <a:t> che prova ad abbassare il valore del semaforo senza attendere. Se il </a:t>
+            </a:r>
+            <a:r>
+              <a:rPr lang="it-IT" sz="1600" dirty="0" err="1"/>
+              <a:t>value</a:t>
+            </a:r>
+            <a:r>
+              <a:rPr lang="it-IT" sz="1600" dirty="0"/>
+              <a:t> è 0 il </a:t>
+            </a:r>
+            <a:r>
+              <a:rPr lang="it-IT" sz="1600" dirty="0" err="1"/>
               <a:t>thread</a:t>
             </a:r>
             <a:r>
-              <a:rPr lang="it-IT" sz="1200" dirty="0"/>
-              <a:t> in esecuzione possiede il lock.</a:t>
-            </a:r>
-          </a:p>
-          <a:p>
-            <a:pPr marL="324000" lvl="1" indent="0">
-              <a:buNone/>
-            </a:pPr>
-            <a:endParaRPr lang="it-IT" dirty="0"/>
+              <a:rPr lang="it-IT" sz="1600" dirty="0"/>
+              <a:t> è bloccato e messo in attesa; altrimenti viene decrementato e la funzione restituisce </a:t>
+            </a:r>
+            <a:r>
+              <a:rPr lang="it-IT" sz="1600" dirty="0" err="1"/>
+              <a:t>true</a:t>
+            </a:r>
+            <a:endParaRPr lang="it-IT" sz="1600" dirty="0"/>
           </a:p>
         </p:txBody>
       </p:sp>
@@ -11920,7 +11435,7 @@
         </p:nvSpPr>
         <p:spPr>
           <a:xfrm>
-            <a:off x="615548" y="1641236"/>
+            <a:off x="615548" y="1879772"/>
             <a:ext cx="11245148" cy="921080"/>
           </a:xfrm>
           <a:prstGeom prst="rect">
@@ -12139,16 +11654,16 @@
                 </a:solidFill>
                 <a:effectLst/>
               </a:rPr>
-              <a:t>Un </a:t>
-            </a:r>
-            <a:r>
-              <a:rPr lang="it-IT" sz="2000" dirty="0">
+              <a:t>Sia OS161 che </a:t>
+            </a:r>
+            <a:r>
+              <a:rPr lang="it-IT" sz="2000" b="0" dirty="0" err="1">
                 <a:solidFill>
                   <a:schemeClr val="tx1"/>
                 </a:solidFill>
                 <a:effectLst/>
               </a:rPr>
-              <a:t>lock</a:t>
+              <a:t>PintOS</a:t>
             </a:r>
             <a:r>
               <a:rPr lang="it-IT" sz="2000" b="0" dirty="0">
@@ -12157,7 +11672,25 @@
                 </a:solidFill>
                 <a:effectLst/>
               </a:rPr>
-              <a:t> è analogo a un semaforo con un valore iniziale di 1, equivalente al verde di un semaforo. L'azione "up" di un lock è chiamata "rilascio", mentre l'azione "down" è detta "acquisizione".</a:t>
+              <a:t> implementano i semafori seguono il modello classico di semafori di </a:t>
+            </a:r>
+            <a:r>
+              <a:rPr lang="it-IT" sz="2000" b="0" dirty="0" err="1">
+                <a:solidFill>
+                  <a:schemeClr val="tx1"/>
+                </a:solidFill>
+                <a:effectLst/>
+              </a:rPr>
+              <a:t>Dijkstra</a:t>
+            </a:r>
+            <a:r>
+              <a:rPr lang="it-IT" sz="2000" b="0" dirty="0">
+                <a:solidFill>
+                  <a:schemeClr val="tx1"/>
+                </a:solidFill>
+                <a:effectLst/>
+              </a:rPr>
+              <a:t>, con operazioni atomiche di "down" e "up" per garantire la sincronizzazione.</a:t>
             </a:r>
           </a:p>
         </p:txBody>
@@ -12165,7 +11698,7 @@
     </p:spTree>
     <p:extLst>
       <p:ext uri="{BB962C8B-B14F-4D97-AF65-F5344CB8AC3E}">
-        <p14:creationId xmlns:p14="http://schemas.microsoft.com/office/powerpoint/2010/main" val="1952330264"/>
+        <p14:creationId xmlns:p14="http://schemas.microsoft.com/office/powerpoint/2010/main" val="4198586686"/>
       </p:ext>
     </p:extLst>
   </p:cSld>
@@ -12221,6 +11754,643 @@
             </a:r>
             <a:r>
               <a:rPr lang="it-IT" sz="1600" dirty="0"/>
+              <a:t>– lock (</a:t>
+            </a:r>
+            <a:r>
+              <a:rPr lang="it-IT" sz="1600" dirty="0" err="1"/>
+              <a:t>mutex</a:t>
+            </a:r>
+            <a:r>
+              <a:rPr lang="it-IT" sz="1600" dirty="0"/>
+              <a:t>)</a:t>
+            </a:r>
+            <a:endParaRPr lang="it-IT" dirty="0"/>
+          </a:p>
+        </p:txBody>
+      </p:sp>
+      <p:sp>
+        <p:nvSpPr>
+          <p:cNvPr id="4" name="Segnaposto testo 3">
+            <a:extLst>
+              <a:ext uri="{FF2B5EF4-FFF2-40B4-BE49-F238E27FC236}">
+                <a16:creationId xmlns:a16="http://schemas.microsoft.com/office/drawing/2014/main" id="{3484543A-BB31-0207-182F-1F1C206F0C68}"/>
+              </a:ext>
+            </a:extLst>
+          </p:cNvPr>
+          <p:cNvSpPr>
+            <a:spLocks noGrp="1"/>
+          </p:cNvSpPr>
+          <p:nvPr>
+            <p:ph type="body" idx="1"/>
+          </p:nvPr>
+        </p:nvSpPr>
+        <p:spPr>
+          <a:xfrm>
+            <a:off x="887219" y="2555699"/>
+            <a:ext cx="5087075" cy="536005"/>
+          </a:xfrm>
+        </p:spPr>
+        <p:txBody>
+          <a:bodyPr/>
+          <a:lstStyle/>
+          <a:p>
+            <a:r>
+              <a:rPr lang="it-IT" dirty="0"/>
+              <a:t>OS161</a:t>
+            </a:r>
+          </a:p>
+        </p:txBody>
+      </p:sp>
+      <p:sp>
+        <p:nvSpPr>
+          <p:cNvPr id="8" name="Segnaposto contenuto 7">
+            <a:extLst>
+              <a:ext uri="{FF2B5EF4-FFF2-40B4-BE49-F238E27FC236}">
+                <a16:creationId xmlns:a16="http://schemas.microsoft.com/office/drawing/2014/main" id="{A1E5DF89-94E7-98C4-F563-B3A43317A1CE}"/>
+              </a:ext>
+            </a:extLst>
+          </p:cNvPr>
+          <p:cNvSpPr>
+            <a:spLocks noGrp="1"/>
+          </p:cNvSpPr>
+          <p:nvPr>
+            <p:ph sz="half" idx="2"/>
+          </p:nvPr>
+        </p:nvSpPr>
+        <p:spPr>
+          <a:xfrm>
+            <a:off x="581194" y="3230859"/>
+            <a:ext cx="5393100" cy="2934999"/>
+          </a:xfrm>
+        </p:spPr>
+        <p:txBody>
+          <a:bodyPr>
+            <a:noAutofit/>
+          </a:bodyPr>
+          <a:lstStyle/>
+          <a:p>
+            <a:r>
+              <a:rPr lang="it-IT" sz="1600" dirty="0"/>
+              <a:t>Lock implementato come </a:t>
+            </a:r>
+            <a:r>
+              <a:rPr lang="it-IT" sz="1600" dirty="0" err="1"/>
+              <a:t>struct</a:t>
+            </a:r>
+            <a:r>
+              <a:rPr lang="it-IT" sz="1600" dirty="0"/>
+              <a:t> contenente:</a:t>
+            </a:r>
+          </a:p>
+          <a:p>
+            <a:pPr lvl="1"/>
+            <a:r>
+              <a:rPr lang="it-IT" dirty="0"/>
+              <a:t>nome: per identificare il lock</a:t>
+            </a:r>
+          </a:p>
+          <a:p>
+            <a:pPr lvl="1"/>
+            <a:r>
+              <a:rPr lang="it-IT" dirty="0"/>
+              <a:t>HANGMAN_LOCKABLE: per rilevare i deadlock</a:t>
+            </a:r>
+          </a:p>
+          <a:p>
+            <a:r>
+              <a:rPr lang="it-IT" sz="1600" dirty="0"/>
+              <a:t>Le operazioni sui Lock sono simili a quelle che offre </a:t>
+            </a:r>
+            <a:r>
+              <a:rPr lang="it-IT" sz="1600" dirty="0" err="1"/>
+              <a:t>PintOS</a:t>
+            </a:r>
+            <a:endParaRPr lang="it-IT" sz="1600" dirty="0"/>
+          </a:p>
+          <a:p>
+            <a:r>
+              <a:rPr lang="it-IT" sz="1600" dirty="0"/>
+              <a:t>La differenza principale è che OS161 utilizza anche un hook per riconoscere e prevenire i deadlock</a:t>
+            </a:r>
+          </a:p>
+          <a:p>
+            <a:pPr lvl="1"/>
+            <a:r>
+              <a:rPr lang="it-IT" dirty="0"/>
+              <a:t>Il rilevatore di deadlock di OS161 utilizza un approccio basato sul grafo per rilevare i deadlock. I </a:t>
+            </a:r>
+            <a:r>
+              <a:rPr lang="it-IT" dirty="0" err="1"/>
+              <a:t>thread</a:t>
+            </a:r>
+            <a:r>
+              <a:rPr lang="it-IT" dirty="0"/>
+              <a:t> e i lock vengono rappresentati come nodi e archi in un grafo. Il codice di rilevamento dei deadlock controlla il grafo per rilevare cicli. Se viene rilevato un ciclo, significa che esiste un deadlock</a:t>
+            </a:r>
+          </a:p>
+          <a:p>
+            <a:endParaRPr lang="it-IT" sz="1600" dirty="0"/>
+          </a:p>
+        </p:txBody>
+      </p:sp>
+      <p:sp>
+        <p:nvSpPr>
+          <p:cNvPr id="9" name="Segnaposto testo 8">
+            <a:extLst>
+              <a:ext uri="{FF2B5EF4-FFF2-40B4-BE49-F238E27FC236}">
+                <a16:creationId xmlns:a16="http://schemas.microsoft.com/office/drawing/2014/main" id="{00842FCF-9A2A-27B3-4ED6-BB0713CE4444}"/>
+              </a:ext>
+            </a:extLst>
+          </p:cNvPr>
+          <p:cNvSpPr>
+            <a:spLocks noGrp="1"/>
+          </p:cNvSpPr>
+          <p:nvPr>
+            <p:ph type="body" sz="quarter" idx="3"/>
+          </p:nvPr>
+        </p:nvSpPr>
+        <p:spPr>
+          <a:xfrm>
+            <a:off x="6523735" y="2555699"/>
+            <a:ext cx="5087073" cy="553373"/>
+          </a:xfrm>
+        </p:spPr>
+        <p:txBody>
+          <a:bodyPr/>
+          <a:lstStyle/>
+          <a:p>
+            <a:r>
+              <a:rPr lang="it-IT" dirty="0"/>
+              <a:t>PINTOS</a:t>
+            </a:r>
+          </a:p>
+        </p:txBody>
+      </p:sp>
+      <p:sp>
+        <p:nvSpPr>
+          <p:cNvPr id="10" name="Segnaposto contenuto 9">
+            <a:extLst>
+              <a:ext uri="{FF2B5EF4-FFF2-40B4-BE49-F238E27FC236}">
+                <a16:creationId xmlns:a16="http://schemas.microsoft.com/office/drawing/2014/main" id="{3CDA2ECB-1671-3745-42C6-213A778ECD29}"/>
+              </a:ext>
+            </a:extLst>
+          </p:cNvPr>
+          <p:cNvSpPr>
+            <a:spLocks noGrp="1"/>
+          </p:cNvSpPr>
+          <p:nvPr>
+            <p:ph sz="quarter" idx="4"/>
+          </p:nvPr>
+        </p:nvSpPr>
+        <p:spPr>
+          <a:xfrm>
+            <a:off x="6217709" y="3230859"/>
+            <a:ext cx="5393100" cy="2934999"/>
+          </a:xfrm>
+        </p:spPr>
+        <p:txBody>
+          <a:bodyPr>
+            <a:noAutofit/>
+          </a:bodyPr>
+          <a:lstStyle/>
+          <a:p>
+            <a:r>
+              <a:rPr lang="it-IT" sz="1600" dirty="0"/>
+              <a:t>Lock implementato come </a:t>
+            </a:r>
+            <a:r>
+              <a:rPr lang="it-IT" sz="1600" dirty="0" err="1"/>
+              <a:t>struct</a:t>
+            </a:r>
+            <a:r>
+              <a:rPr lang="it-IT" sz="1600" dirty="0"/>
+              <a:t> contenente:</a:t>
+            </a:r>
+          </a:p>
+          <a:p>
+            <a:pPr lvl="1"/>
+            <a:r>
+              <a:rPr lang="it-IT" dirty="0" err="1"/>
+              <a:t>thread</a:t>
+            </a:r>
+            <a:r>
+              <a:rPr lang="it-IT" dirty="0"/>
+              <a:t>: chi detiene il lock</a:t>
+            </a:r>
+          </a:p>
+          <a:p>
+            <a:pPr lvl="1"/>
+            <a:r>
+              <a:rPr lang="it-IT" dirty="0" err="1"/>
+              <a:t>semaphore</a:t>
+            </a:r>
+            <a:r>
+              <a:rPr lang="it-IT" dirty="0"/>
+              <a:t>: struttura semaforo binario per il controllo degli accessi</a:t>
+            </a:r>
+          </a:p>
+          <a:p>
+            <a:r>
+              <a:rPr lang="it-IT" sz="1600" dirty="0"/>
+              <a:t>Le funzioni sui Lock sono: </a:t>
+            </a:r>
+          </a:p>
+          <a:p>
+            <a:pPr lvl="1"/>
+            <a:r>
+              <a:rPr lang="it-IT" sz="1200" b="1" dirty="0" err="1"/>
+              <a:t>lock_init</a:t>
+            </a:r>
+            <a:r>
+              <a:rPr lang="it-IT" sz="1200" dirty="0"/>
+              <a:t> : Inizializza un nuovo lock.</a:t>
+            </a:r>
+          </a:p>
+          <a:p>
+            <a:pPr lvl="1"/>
+            <a:r>
+              <a:rPr lang="it-IT" sz="1200" b="1" dirty="0" err="1"/>
+              <a:t>lock_acquire</a:t>
+            </a:r>
+            <a:r>
+              <a:rPr lang="it-IT" sz="1200" dirty="0"/>
+              <a:t> : Acquisisce il lock, aspettando, se necessario, il suo rilascio.</a:t>
+            </a:r>
+          </a:p>
+          <a:p>
+            <a:pPr lvl="1"/>
+            <a:r>
+              <a:rPr lang="it-IT" sz="1200" b="1" dirty="0" err="1"/>
+              <a:t>lock_try_acquire</a:t>
+            </a:r>
+            <a:r>
+              <a:rPr lang="it-IT" sz="1200" dirty="0"/>
+              <a:t> : Prova ad acquisire il lock senza attendere.</a:t>
+            </a:r>
+          </a:p>
+          <a:p>
+            <a:pPr lvl="1"/>
+            <a:r>
+              <a:rPr lang="it-IT" sz="1200" b="1" dirty="0" err="1"/>
+              <a:t>lock_release</a:t>
+            </a:r>
+            <a:r>
+              <a:rPr lang="it-IT" sz="1200" dirty="0"/>
+              <a:t> : Rilascia il lock detenuto dal </a:t>
+            </a:r>
+            <a:r>
+              <a:rPr lang="it-IT" sz="1200" dirty="0" err="1"/>
+              <a:t>thread</a:t>
+            </a:r>
+            <a:r>
+              <a:rPr lang="it-IT" sz="1200" dirty="0"/>
+              <a:t> corrente.</a:t>
+            </a:r>
+          </a:p>
+          <a:p>
+            <a:pPr lvl="1"/>
+            <a:r>
+              <a:rPr lang="it-IT" sz="1200" b="1" dirty="0" err="1"/>
+              <a:t>lock_held_by_current_thread</a:t>
+            </a:r>
+            <a:r>
+              <a:rPr lang="it-IT" sz="1200" dirty="0"/>
+              <a:t> : Verifica se il </a:t>
+            </a:r>
+            <a:r>
+              <a:rPr lang="it-IT" sz="1200" dirty="0" err="1"/>
+              <a:t>thread</a:t>
+            </a:r>
+            <a:r>
+              <a:rPr lang="it-IT" sz="1200" dirty="0"/>
+              <a:t> in esecuzione possiede il lock.</a:t>
+            </a:r>
+          </a:p>
+          <a:p>
+            <a:pPr marL="324000" lvl="1" indent="0">
+              <a:buNone/>
+            </a:pPr>
+            <a:endParaRPr lang="it-IT" dirty="0"/>
+          </a:p>
+        </p:txBody>
+      </p:sp>
+      <p:sp>
+        <p:nvSpPr>
+          <p:cNvPr id="3" name="Segnaposto testo 3">
+            <a:extLst>
+              <a:ext uri="{FF2B5EF4-FFF2-40B4-BE49-F238E27FC236}">
+                <a16:creationId xmlns:a16="http://schemas.microsoft.com/office/drawing/2014/main" id="{DD092F63-1123-8337-F4DC-4B5BF08C3E1F}"/>
+              </a:ext>
+            </a:extLst>
+          </p:cNvPr>
+          <p:cNvSpPr txBox="1">
+            <a:spLocks/>
+          </p:cNvSpPr>
+          <p:nvPr/>
+        </p:nvSpPr>
+        <p:spPr>
+          <a:xfrm>
+            <a:off x="615548" y="1641236"/>
+            <a:ext cx="11245148" cy="921080"/>
+          </a:xfrm>
+          <a:prstGeom prst="rect">
+            <a:avLst/>
+          </a:prstGeom>
+        </p:spPr>
+        <p:txBody>
+          <a:bodyPr vert="horz" lIns="91440" tIns="45720" rIns="91440" bIns="45720" rtlCol="0" anchor="b">
+            <a:noAutofit/>
+          </a:bodyPr>
+          <a:lstStyle>
+            <a:lvl1pPr marL="0" indent="0" algn="l" defTabSz="457200" rtl="0" eaLnBrk="1" latinLnBrk="0" hangingPunct="1">
+              <a:spcBef>
+                <a:spcPct val="20000"/>
+              </a:spcBef>
+              <a:spcAft>
+                <a:spcPts val="600"/>
+              </a:spcAft>
+              <a:buClr>
+                <a:schemeClr val="accent2"/>
+              </a:buClr>
+              <a:buSzPct val="92000"/>
+              <a:buFont typeface="Wingdings 2" panose="05020102010507070707" pitchFamily="18" charset="2"/>
+              <a:buNone/>
+              <a:defRPr sz="2200" b="0" kern="1200">
+                <a:solidFill>
+                  <a:schemeClr val="accent2"/>
+                </a:solidFill>
+                <a:latin typeface="+mn-lt"/>
+                <a:ea typeface="+mn-ea"/>
+                <a:cs typeface="+mn-cs"/>
+              </a:defRPr>
+            </a:lvl1pPr>
+            <a:lvl2pPr marL="457200" indent="0" algn="l" defTabSz="457200" rtl="0" eaLnBrk="1" latinLnBrk="0" hangingPunct="1">
+              <a:spcBef>
+                <a:spcPct val="20000"/>
+              </a:spcBef>
+              <a:spcAft>
+                <a:spcPts val="600"/>
+              </a:spcAft>
+              <a:buClr>
+                <a:schemeClr val="accent2"/>
+              </a:buClr>
+              <a:buSzPct val="92000"/>
+              <a:buFont typeface="Wingdings 2" panose="05020102010507070707" pitchFamily="18" charset="2"/>
+              <a:buNone/>
+              <a:defRPr sz="2000" b="1" kern="1200">
+                <a:solidFill>
+                  <a:schemeClr val="tx2"/>
+                </a:solidFill>
+                <a:latin typeface="+mn-lt"/>
+                <a:ea typeface="+mn-ea"/>
+                <a:cs typeface="+mn-cs"/>
+              </a:defRPr>
+            </a:lvl2pPr>
+            <a:lvl3pPr marL="914400" indent="0" algn="l" defTabSz="457200" rtl="0" eaLnBrk="1" latinLnBrk="0" hangingPunct="1">
+              <a:spcBef>
+                <a:spcPct val="20000"/>
+              </a:spcBef>
+              <a:spcAft>
+                <a:spcPts val="600"/>
+              </a:spcAft>
+              <a:buClr>
+                <a:schemeClr val="accent2"/>
+              </a:buClr>
+              <a:buSzPct val="92000"/>
+              <a:buFont typeface="Wingdings 2" panose="05020102010507070707" pitchFamily="18" charset="2"/>
+              <a:buNone/>
+              <a:defRPr sz="1800" b="1" kern="1200">
+                <a:solidFill>
+                  <a:schemeClr val="tx2"/>
+                </a:solidFill>
+                <a:latin typeface="+mn-lt"/>
+                <a:ea typeface="+mn-ea"/>
+                <a:cs typeface="+mn-cs"/>
+              </a:defRPr>
+            </a:lvl3pPr>
+            <a:lvl4pPr marL="1371600" indent="0" algn="l" defTabSz="457200" rtl="0" eaLnBrk="1" latinLnBrk="0" hangingPunct="1">
+              <a:spcBef>
+                <a:spcPct val="20000"/>
+              </a:spcBef>
+              <a:spcAft>
+                <a:spcPts val="600"/>
+              </a:spcAft>
+              <a:buClr>
+                <a:schemeClr val="accent2"/>
+              </a:buClr>
+              <a:buSzPct val="92000"/>
+              <a:buFont typeface="Wingdings 2" panose="05020102010507070707" pitchFamily="18" charset="2"/>
+              <a:buNone/>
+              <a:defRPr sz="1600" b="1" kern="1200">
+                <a:solidFill>
+                  <a:schemeClr val="tx2"/>
+                </a:solidFill>
+                <a:latin typeface="+mn-lt"/>
+                <a:ea typeface="+mn-ea"/>
+                <a:cs typeface="+mn-cs"/>
+              </a:defRPr>
+            </a:lvl4pPr>
+            <a:lvl5pPr marL="1828800" indent="0" algn="l" defTabSz="457200" rtl="0" eaLnBrk="1" latinLnBrk="0" hangingPunct="1">
+              <a:spcBef>
+                <a:spcPct val="20000"/>
+              </a:spcBef>
+              <a:spcAft>
+                <a:spcPts val="600"/>
+              </a:spcAft>
+              <a:buClr>
+                <a:schemeClr val="accent2"/>
+              </a:buClr>
+              <a:buSzPct val="92000"/>
+              <a:buFont typeface="Wingdings 2" panose="05020102010507070707" pitchFamily="18" charset="2"/>
+              <a:buNone/>
+              <a:defRPr sz="1600" b="1" kern="1200">
+                <a:solidFill>
+                  <a:schemeClr val="tx2"/>
+                </a:solidFill>
+                <a:latin typeface="+mn-lt"/>
+                <a:ea typeface="+mn-ea"/>
+                <a:cs typeface="+mn-cs"/>
+              </a:defRPr>
+            </a:lvl5pPr>
+            <a:lvl6pPr marL="2286000" indent="0" algn="l" defTabSz="457200" rtl="0" eaLnBrk="1" latinLnBrk="0" hangingPunct="1">
+              <a:spcBef>
+                <a:spcPct val="20000"/>
+              </a:spcBef>
+              <a:spcAft>
+                <a:spcPts val="600"/>
+              </a:spcAft>
+              <a:buClr>
+                <a:schemeClr val="accent2"/>
+              </a:buClr>
+              <a:buSzPct val="92000"/>
+              <a:buFont typeface="Wingdings 2" panose="05020102010507070707" pitchFamily="18" charset="2"/>
+              <a:buNone/>
+              <a:defRPr sz="1600" b="1" kern="1200">
+                <a:solidFill>
+                  <a:schemeClr val="tx2"/>
+                </a:solidFill>
+                <a:latin typeface="+mn-lt"/>
+                <a:ea typeface="+mn-ea"/>
+                <a:cs typeface="+mn-cs"/>
+              </a:defRPr>
+            </a:lvl6pPr>
+            <a:lvl7pPr marL="2743200" indent="0" algn="l" defTabSz="457200" rtl="0" eaLnBrk="1" latinLnBrk="0" hangingPunct="1">
+              <a:spcBef>
+                <a:spcPct val="20000"/>
+              </a:spcBef>
+              <a:spcAft>
+                <a:spcPts val="600"/>
+              </a:spcAft>
+              <a:buClr>
+                <a:schemeClr val="accent2"/>
+              </a:buClr>
+              <a:buSzPct val="92000"/>
+              <a:buFont typeface="Wingdings 2" panose="05020102010507070707" pitchFamily="18" charset="2"/>
+              <a:buNone/>
+              <a:defRPr sz="1600" b="1" kern="1200">
+                <a:solidFill>
+                  <a:schemeClr val="tx2"/>
+                </a:solidFill>
+                <a:latin typeface="+mn-lt"/>
+                <a:ea typeface="+mn-ea"/>
+                <a:cs typeface="+mn-cs"/>
+              </a:defRPr>
+            </a:lvl7pPr>
+            <a:lvl8pPr marL="3200400" indent="0" algn="l" defTabSz="457200" rtl="0" eaLnBrk="1" latinLnBrk="0" hangingPunct="1">
+              <a:spcBef>
+                <a:spcPct val="20000"/>
+              </a:spcBef>
+              <a:spcAft>
+                <a:spcPts val="600"/>
+              </a:spcAft>
+              <a:buClr>
+                <a:schemeClr val="accent2"/>
+              </a:buClr>
+              <a:buSzPct val="92000"/>
+              <a:buFont typeface="Wingdings 2" panose="05020102010507070707" pitchFamily="18" charset="2"/>
+              <a:buNone/>
+              <a:defRPr sz="1600" b="1" kern="1200">
+                <a:solidFill>
+                  <a:schemeClr val="tx2"/>
+                </a:solidFill>
+                <a:latin typeface="+mn-lt"/>
+                <a:ea typeface="+mn-ea"/>
+                <a:cs typeface="+mn-cs"/>
+              </a:defRPr>
+            </a:lvl8pPr>
+            <a:lvl9pPr marL="3657600" indent="0" algn="l" defTabSz="457200" rtl="0" eaLnBrk="1" latinLnBrk="0" hangingPunct="1">
+              <a:spcBef>
+                <a:spcPct val="20000"/>
+              </a:spcBef>
+              <a:spcAft>
+                <a:spcPts val="600"/>
+              </a:spcAft>
+              <a:buClr>
+                <a:schemeClr val="accent2"/>
+              </a:buClr>
+              <a:buSzPct val="92000"/>
+              <a:buFont typeface="Wingdings 2" panose="05020102010507070707" pitchFamily="18" charset="2"/>
+              <a:buNone/>
+              <a:defRPr sz="1600" b="1" kern="1200">
+                <a:solidFill>
+                  <a:schemeClr val="tx2"/>
+                </a:solidFill>
+                <a:latin typeface="+mn-lt"/>
+                <a:ea typeface="+mn-ea"/>
+                <a:cs typeface="+mn-cs"/>
+              </a:defRPr>
+            </a:lvl9pPr>
+          </a:lstStyle>
+          <a:p>
+            <a:r>
+              <a:rPr lang="it-IT" sz="2000" b="0" dirty="0">
+                <a:solidFill>
+                  <a:schemeClr val="tx1"/>
+                </a:solidFill>
+                <a:effectLst/>
+              </a:rPr>
+              <a:t>Un </a:t>
+            </a:r>
+            <a:r>
+              <a:rPr lang="it-IT" sz="2000" dirty="0">
+                <a:solidFill>
+                  <a:schemeClr val="tx1"/>
+                </a:solidFill>
+                <a:effectLst/>
+              </a:rPr>
+              <a:t>lock</a:t>
+            </a:r>
+            <a:r>
+              <a:rPr lang="it-IT" sz="2000" b="0" dirty="0">
+                <a:solidFill>
+                  <a:schemeClr val="tx1"/>
+                </a:solidFill>
+                <a:effectLst/>
+              </a:rPr>
+              <a:t> è analogo a un semaforo con un valore iniziale di 1, equivalente al verde di un semaforo. L'azione "up" di un lock è chiamata "rilascio", mentre l'azione "down" è detta "acquisizione".</a:t>
+            </a:r>
+          </a:p>
+        </p:txBody>
+      </p:sp>
+    </p:spTree>
+    <p:extLst>
+      <p:ext uri="{BB962C8B-B14F-4D97-AF65-F5344CB8AC3E}">
+        <p14:creationId xmlns:p14="http://schemas.microsoft.com/office/powerpoint/2010/main" val="1952330264"/>
+      </p:ext>
+    </p:extLst>
+  </p:cSld>
+  <p:clrMapOvr>
+    <a:masterClrMapping/>
+  </p:clrMapOvr>
+</p:sld>
+</file>
+
+<file path=ppt/slides/slide14.xml><?xml version="1.0" encoding="utf-8"?>
+<p:sld xmlns:a="http://schemas.openxmlformats.org/drawingml/2006/main" xmlns:r="http://schemas.openxmlformats.org/officeDocument/2006/relationships" xmlns:p="http://schemas.openxmlformats.org/presentationml/2006/main">
+  <p:cSld>
+    <p:spTree>
+      <p:nvGrpSpPr>
+        <p:cNvPr id="1" name=""/>
+        <p:cNvGrpSpPr/>
+        <p:nvPr/>
+      </p:nvGrpSpPr>
+      <p:grpSpPr>
+        <a:xfrm>
+          <a:off x="0" y="0"/>
+          <a:ext cx="0" cy="0"/>
+          <a:chOff x="0" y="0"/>
+          <a:chExt cx="0" cy="0"/>
+        </a:xfrm>
+      </p:grpSpPr>
+      <p:sp>
+        <p:nvSpPr>
+          <p:cNvPr id="2" name="Titolo 1">
+            <a:extLst>
+              <a:ext uri="{FF2B5EF4-FFF2-40B4-BE49-F238E27FC236}">
+                <a16:creationId xmlns:a16="http://schemas.microsoft.com/office/drawing/2014/main" id="{69441F67-1949-8EC8-EB98-85670AC3670C}"/>
+              </a:ext>
+            </a:extLst>
+          </p:cNvPr>
+          <p:cNvSpPr>
+            <a:spLocks noGrp="1"/>
+          </p:cNvSpPr>
+          <p:nvPr>
+            <p:ph type="title"/>
+          </p:nvPr>
+        </p:nvSpPr>
+        <p:spPr/>
+        <p:txBody>
+          <a:bodyPr>
+            <a:normAutofit/>
+          </a:bodyPr>
+          <a:lstStyle/>
+          <a:p>
+            <a:r>
+              <a:rPr lang="it-IT" dirty="0"/>
+              <a:t>Meccanismi di sincronizzazione </a:t>
+            </a:r>
+            <a:r>
+              <a:rPr lang="it-IT" sz="1600" dirty="0"/>
               <a:t>– SPINLOCK</a:t>
             </a:r>
             <a:endParaRPr lang="it-IT" dirty="0"/>
@@ -13887,7 +14057,7 @@
 </p:sld>
 </file>
 
-<file path=ppt/slides/slide14.xml><?xml version="1.0" encoding="utf-8"?>
+<file path=ppt/slides/slide15.xml><?xml version="1.0" encoding="utf-8"?>
 <p:sld xmlns:a="http://schemas.openxmlformats.org/drawingml/2006/main" xmlns:r="http://schemas.openxmlformats.org/officeDocument/2006/relationships" xmlns:p="http://schemas.openxmlformats.org/presentationml/2006/main">
   <p:cSld>
     <p:spTree>
@@ -14916,8 +15086,8 @@
         </p:nvSpPr>
         <p:spPr>
           <a:xfrm>
-            <a:off x="581025" y="2181224"/>
-            <a:ext cx="11029950" cy="3905539"/>
+            <a:off x="581025" y="2041236"/>
+            <a:ext cx="11029950" cy="4027055"/>
           </a:xfrm>
         </p:spPr>
         <p:txBody>
@@ -14928,17 +15098,28 @@
           <a:p>
             <a:r>
               <a:rPr lang="it-IT" dirty="0"/>
-              <a:t>Le politiche di scheduling risultano simili </a:t>
-            </a:r>
-            <a:r>
-              <a:rPr lang="it-IT" dirty="0">
-                <a:sym typeface="Wingdings" panose="05000000000000000000" pitchFamily="2" charset="2"/>
-              </a:rPr>
-              <a:t> </a:t>
+              <a:t>Sia OS161 che </a:t>
+            </a:r>
+            <a:r>
+              <a:rPr lang="it-IT" dirty="0" err="1"/>
+              <a:t>Pintos</a:t>
             </a:r>
             <a:r>
               <a:rPr lang="it-IT" dirty="0"/>
-              <a:t>approccio base Round Robin (RR)</a:t>
+              <a:t> implementano l'algoritmo Round Robin (RR), un metodo di scheduling in cui i processi vengono eseguiti in modo circolare</a:t>
+            </a:r>
+          </a:p>
+          <a:p>
+            <a:pPr lvl="1"/>
+            <a:r>
+              <a:rPr lang="it-IT" dirty="0"/>
+              <a:t>Ogni processo riceve un quantum di tempo assegnato, e quando il quantum scade, il processo viene messo in coda, permettendo l'esecuzione del successivo processo pronto.</a:t>
+            </a:r>
+          </a:p>
+          <a:p>
+            <a:r>
+              <a:rPr lang="it-IT" dirty="0"/>
+              <a:t>Nella versione base, per entrambi i sistemi non esiste il concetto di priorità: tutti i thread sono trattati allo stesso modo</a:t>
             </a:r>
           </a:p>
           <a:p>
@@ -14982,12 +15163,6 @@
             <a:r>
               <a:rPr lang="it-IT" dirty="0"/>
               <a:t> Scheduling</a:t>
-            </a:r>
-          </a:p>
-          <a:p>
-            <a:r>
-              <a:rPr lang="it-IT" dirty="0"/>
-              <a:t>Nella versione base, per entrambi i sistemi non esiste il concetto di priorità: tutti i thread sono trattati allo stesso modo</a:t>
             </a:r>
           </a:p>
         </p:txBody>
@@ -15053,7 +15228,11 @@
           <a:p>
             <a:r>
               <a:rPr lang="it-IT" dirty="0"/>
-              <a:t>Scheduling: implementazione</a:t>
+              <a:t>Scheduling - </a:t>
+            </a:r>
+            <a:r>
+              <a:rPr lang="it-IT" sz="1600" dirty="0"/>
+              <a:t>implementazione</a:t>
             </a:r>
           </a:p>
         </p:txBody>
@@ -15074,7 +15253,12 @@
             <p:ph type="body" idx="1"/>
           </p:nvPr>
         </p:nvSpPr>
-        <p:spPr/>
+        <p:spPr>
+          <a:xfrm>
+            <a:off x="757915" y="2010756"/>
+            <a:ext cx="5087075" cy="536005"/>
+          </a:xfrm>
+        </p:spPr>
         <p:txBody>
           <a:bodyPr/>
           <a:lstStyle/>
@@ -15102,11 +15286,50 @@
             <p:ph sz="half" idx="2"/>
           </p:nvPr>
         </p:nvSpPr>
-        <p:spPr/>
+        <p:spPr>
+          <a:xfrm>
+            <a:off x="451890" y="2612020"/>
+            <a:ext cx="5393100" cy="1064054"/>
+          </a:xfrm>
+        </p:spPr>
         <p:txBody>
-          <a:bodyPr/>
+          <a:bodyPr>
+            <a:normAutofit/>
+          </a:bodyPr>
           <a:lstStyle/>
           <a:p>
+            <a:r>
+              <a:rPr lang="it-IT" sz="1700" dirty="0"/>
+              <a:t>Il meccanismo del Round Robin viene gestito tramite la funzione </a:t>
+            </a:r>
+            <a:r>
+              <a:rPr lang="en-GB" sz="1700" kern="0" dirty="0" err="1">
+                <a:solidFill>
+                  <a:srgbClr val="1C00CF"/>
+                </a:solidFill>
+                <a:effectLst/>
+                <a:latin typeface="Consolas" panose="020B0609020204030204" pitchFamily="49" charset="0"/>
+                <a:ea typeface="Times New Roman" panose="02020603050405020304" pitchFamily="18" charset="0"/>
+                <a:cs typeface="Courier New" panose="02070309020205020404" pitchFamily="49" charset="0"/>
+              </a:rPr>
+              <a:t>hardclock</a:t>
+            </a:r>
+            <a:r>
+              <a:rPr lang="en-GB" sz="1700" kern="0" dirty="0">
+                <a:solidFill>
+                  <a:srgbClr val="1C00CF"/>
+                </a:solidFill>
+                <a:effectLst/>
+                <a:latin typeface="Consolas" panose="020B0609020204030204" pitchFamily="49" charset="0"/>
+                <a:ea typeface="Times New Roman" panose="02020603050405020304" pitchFamily="18" charset="0"/>
+                <a:cs typeface="Courier New" panose="02070309020205020404" pitchFamily="49" charset="0"/>
+              </a:rPr>
+              <a:t>()</a:t>
+            </a:r>
+            <a:r>
+              <a:rPr lang="it-IT" sz="1700" dirty="0"/>
+              <a:t>, periodicamente chiamata dal gestore delle interruzioni del clock hardware.</a:t>
+            </a:r>
             <a:endParaRPr lang="it-IT" dirty="0"/>
           </a:p>
         </p:txBody>
@@ -15127,7 +15350,12 @@
             <p:ph type="body" sz="quarter" idx="3"/>
           </p:nvPr>
         </p:nvSpPr>
-        <p:spPr/>
+        <p:spPr>
+          <a:xfrm>
+            <a:off x="6523735" y="2010756"/>
+            <a:ext cx="5087073" cy="553373"/>
+          </a:xfrm>
+        </p:spPr>
         <p:txBody>
           <a:bodyPr/>
           <a:lstStyle/>
@@ -15139,12 +15367,42 @@
           </a:p>
         </p:txBody>
       </p:sp>
+      <p:pic>
+        <p:nvPicPr>
+          <p:cNvPr id="19" name="Immagine 18">
+            <a:extLst>
+              <a:ext uri="{FF2B5EF4-FFF2-40B4-BE49-F238E27FC236}">
+                <a16:creationId xmlns:a16="http://schemas.microsoft.com/office/drawing/2014/main" id="{29505993-EDE1-B360-A580-1C8E2FDF6673}"/>
+              </a:ext>
+            </a:extLst>
+          </p:cNvPr>
+          <p:cNvPicPr>
+            <a:picLocks noChangeAspect="1"/>
+          </p:cNvPicPr>
+          <p:nvPr/>
+        </p:nvPicPr>
+        <p:blipFill>
+          <a:blip r:embed="rId2"/>
+          <a:stretch>
+            <a:fillRect/>
+          </a:stretch>
+        </p:blipFill>
+        <p:spPr>
+          <a:xfrm>
+            <a:off x="670649" y="4193310"/>
+            <a:ext cx="5261606" cy="2400329"/>
+          </a:xfrm>
+          <a:prstGeom prst="rect">
+            <a:avLst/>
+          </a:prstGeom>
+        </p:spPr>
+      </p:pic>
       <p:sp>
         <p:nvSpPr>
-          <p:cNvPr id="9" name="Segnaposto contenuto 8">
+          <p:cNvPr id="4" name="Segnaposto contenuto 3">
             <a:extLst>
               <a:ext uri="{FF2B5EF4-FFF2-40B4-BE49-F238E27FC236}">
-                <a16:creationId xmlns:a16="http://schemas.microsoft.com/office/drawing/2014/main" id="{B12A5F1B-40EE-DC65-C3E0-378C1057B7AC}"/>
+                <a16:creationId xmlns:a16="http://schemas.microsoft.com/office/drawing/2014/main" id="{39338A3F-5D44-2086-005D-7FD332C6F7C1}"/>
               </a:ext>
             </a:extLst>
           </p:cNvPr>
@@ -15155,12 +15413,312 @@
             <p:ph sz="quarter" idx="4"/>
           </p:nvPr>
         </p:nvSpPr>
-        <p:spPr/>
+        <p:spPr>
+          <a:xfrm>
+            <a:off x="6217708" y="2612020"/>
+            <a:ext cx="5614073" cy="1459084"/>
+          </a:xfrm>
+        </p:spPr>
         <p:txBody>
-          <a:bodyPr/>
+          <a:bodyPr>
+            <a:normAutofit/>
+          </a:bodyPr>
           <a:lstStyle/>
           <a:p>
-            <a:endParaRPr lang="it-IT"/>
+            <a:r>
+              <a:rPr lang="it-IT" sz="1700" dirty="0"/>
+              <a:t>Ad ogni interrupt del timer, la variabile globale </a:t>
+            </a:r>
+            <a:r>
+              <a:rPr lang="it-IT" sz="1700" kern="0" dirty="0" err="1">
+                <a:solidFill>
+                  <a:srgbClr val="1C00CF"/>
+                </a:solidFill>
+                <a:latin typeface="Consolas" panose="020B0609020204030204" pitchFamily="49" charset="0"/>
+                <a:cs typeface="Courier New" panose="02070309020205020404" pitchFamily="49" charset="0"/>
+              </a:rPr>
+              <a:t>ticks</a:t>
+            </a:r>
+            <a:r>
+              <a:rPr lang="it-IT" sz="1700" dirty="0"/>
+              <a:t> viene incrementata di uno. Quando un thread esaurisce il suo quantum temporale, </a:t>
+            </a:r>
+            <a:r>
+              <a:rPr lang="it-IT" sz="1700" kern="0" dirty="0" err="1">
+                <a:solidFill>
+                  <a:srgbClr val="1C00CF"/>
+                </a:solidFill>
+                <a:latin typeface="Consolas" panose="020B0609020204030204" pitchFamily="49" charset="0"/>
+                <a:cs typeface="Courier New" panose="02070309020205020404" pitchFamily="49" charset="0"/>
+              </a:rPr>
+              <a:t>thread_tick</a:t>
+            </a:r>
+            <a:r>
+              <a:rPr lang="it-IT" sz="1700" dirty="0"/>
+              <a:t> chiama la funzione </a:t>
+            </a:r>
+            <a:r>
+              <a:rPr lang="it-IT" sz="1700" kern="0" dirty="0" err="1">
+                <a:solidFill>
+                  <a:srgbClr val="1C00CF"/>
+                </a:solidFill>
+                <a:latin typeface="Consolas" panose="020B0609020204030204" pitchFamily="49" charset="0"/>
+                <a:cs typeface="Courier New" panose="02070309020205020404" pitchFamily="49" charset="0"/>
+              </a:rPr>
+              <a:t>intr_yield_on_return</a:t>
+            </a:r>
+            <a:r>
+              <a:rPr lang="it-IT" sz="1700" kern="0" dirty="0">
+                <a:solidFill>
+                  <a:srgbClr val="1C00CF"/>
+                </a:solidFill>
+                <a:latin typeface="Consolas" panose="020B0609020204030204" pitchFamily="49" charset="0"/>
+                <a:cs typeface="Courier New" panose="02070309020205020404" pitchFamily="49" charset="0"/>
+              </a:rPr>
+              <a:t>()</a:t>
+            </a:r>
+            <a:r>
+              <a:rPr lang="it-IT" sz="1700" dirty="0"/>
+              <a:t> per effettuare uno switch di contesto</a:t>
+            </a:r>
+          </a:p>
+        </p:txBody>
+      </p:sp>
+      <p:pic>
+        <p:nvPicPr>
+          <p:cNvPr id="20" name="Immagine 19">
+            <a:extLst>
+              <a:ext uri="{FF2B5EF4-FFF2-40B4-BE49-F238E27FC236}">
+                <a16:creationId xmlns:a16="http://schemas.microsoft.com/office/drawing/2014/main" id="{CC4EBF07-F29B-14AC-E188-DED201948AAC}"/>
+              </a:ext>
+            </a:extLst>
+          </p:cNvPr>
+          <p:cNvPicPr>
+            <a:picLocks noChangeAspect="1"/>
+          </p:cNvPicPr>
+          <p:nvPr/>
+        </p:nvPicPr>
+        <p:blipFill rotWithShape="1">
+          <a:blip r:embed="rId3"/>
+          <a:srcRect r="14239"/>
+          <a:stretch/>
+        </p:blipFill>
+        <p:spPr>
+          <a:xfrm>
+            <a:off x="6708461" y="4193310"/>
+            <a:ext cx="4689212" cy="900862"/>
+          </a:xfrm>
+          <a:prstGeom prst="rect">
+            <a:avLst/>
+          </a:prstGeom>
+        </p:spPr>
+      </p:pic>
+      <p:pic>
+        <p:nvPicPr>
+          <p:cNvPr id="30" name="Immagine 29">
+            <a:extLst>
+              <a:ext uri="{FF2B5EF4-FFF2-40B4-BE49-F238E27FC236}">
+                <a16:creationId xmlns:a16="http://schemas.microsoft.com/office/drawing/2014/main" id="{37AD17E6-70CE-CD69-1998-BAA7AD052C71}"/>
+              </a:ext>
+            </a:extLst>
+          </p:cNvPr>
+          <p:cNvPicPr>
+            <a:picLocks noChangeAspect="1"/>
+          </p:cNvPicPr>
+          <p:nvPr/>
+        </p:nvPicPr>
+        <p:blipFill rotWithShape="1">
+          <a:blip r:embed="rId4"/>
+          <a:srcRect r="41372"/>
+          <a:stretch/>
+        </p:blipFill>
+        <p:spPr>
+          <a:xfrm>
+            <a:off x="6708461" y="5285117"/>
+            <a:ext cx="3349939" cy="1500271"/>
+          </a:xfrm>
+          <a:prstGeom prst="rect">
+            <a:avLst/>
+          </a:prstGeom>
+        </p:spPr>
+      </p:pic>
+      <p:sp>
+        <p:nvSpPr>
+          <p:cNvPr id="31" name="CasellaDiTesto 30">
+            <a:extLst>
+              <a:ext uri="{FF2B5EF4-FFF2-40B4-BE49-F238E27FC236}">
+                <a16:creationId xmlns:a16="http://schemas.microsoft.com/office/drawing/2014/main" id="{D8C638DF-3451-DE7A-8467-E132B7CC68B3}"/>
+              </a:ext>
+            </a:extLst>
+          </p:cNvPr>
+          <p:cNvSpPr txBox="1"/>
+          <p:nvPr/>
+        </p:nvSpPr>
+        <p:spPr>
+          <a:xfrm>
+            <a:off x="670649" y="3766908"/>
+            <a:ext cx="2854036" cy="338554"/>
+          </a:xfrm>
+          <a:prstGeom prst="rect">
+            <a:avLst/>
+          </a:prstGeom>
+          <a:noFill/>
+        </p:spPr>
+        <p:txBody>
+          <a:bodyPr wrap="square" rtlCol="0">
+            <a:spAutoFit/>
+          </a:bodyPr>
+          <a:lstStyle/>
+          <a:p>
+            <a:r>
+              <a:rPr lang="it-IT" sz="1600" dirty="0" err="1">
+                <a:solidFill>
+                  <a:schemeClr val="tx2"/>
+                </a:solidFill>
+              </a:rPr>
+              <a:t>kern</a:t>
+            </a:r>
+            <a:r>
+              <a:rPr lang="it-IT" sz="1600" dirty="0">
+                <a:solidFill>
+                  <a:schemeClr val="tx2"/>
+                </a:solidFill>
+              </a:rPr>
+              <a:t>/thread/</a:t>
+            </a:r>
+            <a:r>
+              <a:rPr lang="it-IT" sz="1600" dirty="0" err="1">
+                <a:solidFill>
+                  <a:schemeClr val="tx2"/>
+                </a:solidFill>
+              </a:rPr>
+              <a:t>clock.c</a:t>
+            </a:r>
+            <a:endParaRPr lang="it-IT" sz="1600" dirty="0">
+              <a:solidFill>
+                <a:schemeClr val="tx2"/>
+              </a:solidFill>
+            </a:endParaRPr>
+          </a:p>
+        </p:txBody>
+      </p:sp>
+      <p:sp>
+        <p:nvSpPr>
+          <p:cNvPr id="32" name="CasellaDiTesto 31">
+            <a:extLst>
+              <a:ext uri="{FF2B5EF4-FFF2-40B4-BE49-F238E27FC236}">
+                <a16:creationId xmlns:a16="http://schemas.microsoft.com/office/drawing/2014/main" id="{5944CDBB-5E16-0F9D-A244-989075A6FCA3}"/>
+              </a:ext>
+            </a:extLst>
+          </p:cNvPr>
+          <p:cNvSpPr txBox="1"/>
+          <p:nvPr/>
+        </p:nvSpPr>
+        <p:spPr>
+          <a:xfrm>
+            <a:off x="10058400" y="3854756"/>
+            <a:ext cx="2854036" cy="338554"/>
+          </a:xfrm>
+          <a:prstGeom prst="rect">
+            <a:avLst/>
+          </a:prstGeom>
+          <a:noFill/>
+        </p:spPr>
+        <p:txBody>
+          <a:bodyPr wrap="square" rtlCol="0">
+            <a:spAutoFit/>
+          </a:bodyPr>
+          <a:lstStyle/>
+          <a:p>
+            <a:r>
+              <a:rPr lang="it-IT" sz="1600" dirty="0" err="1">
+                <a:solidFill>
+                  <a:schemeClr val="tx2"/>
+                </a:solidFill>
+              </a:rPr>
+              <a:t>src</a:t>
+            </a:r>
+            <a:r>
+              <a:rPr lang="it-IT" sz="1600" dirty="0">
+                <a:solidFill>
+                  <a:schemeClr val="tx2"/>
+                </a:solidFill>
+              </a:rPr>
+              <a:t>/devices/</a:t>
+            </a:r>
+            <a:r>
+              <a:rPr lang="it-IT" sz="1600" dirty="0" err="1">
+                <a:solidFill>
+                  <a:schemeClr val="tx2"/>
+                </a:solidFill>
+              </a:rPr>
+              <a:t>timer.c</a:t>
+            </a:r>
+            <a:endParaRPr lang="it-IT" sz="1600" dirty="0">
+              <a:solidFill>
+                <a:schemeClr val="tx2"/>
+              </a:solidFill>
+            </a:endParaRPr>
+          </a:p>
+        </p:txBody>
+      </p:sp>
+      <p:sp>
+        <p:nvSpPr>
+          <p:cNvPr id="33" name="CasellaDiTesto 32">
+            <a:extLst>
+              <a:ext uri="{FF2B5EF4-FFF2-40B4-BE49-F238E27FC236}">
+                <a16:creationId xmlns:a16="http://schemas.microsoft.com/office/drawing/2014/main" id="{850B6FBD-C53C-E4F1-B453-E7A4E82195E5}"/>
+              </a:ext>
+            </a:extLst>
+          </p:cNvPr>
+          <p:cNvSpPr txBox="1"/>
+          <p:nvPr/>
+        </p:nvSpPr>
+        <p:spPr>
+          <a:xfrm>
+            <a:off x="9925486" y="5054920"/>
+            <a:ext cx="2549237" cy="338554"/>
+          </a:xfrm>
+          <a:prstGeom prst="rect">
+            <a:avLst/>
+          </a:prstGeom>
+          <a:noFill/>
+        </p:spPr>
+        <p:txBody>
+          <a:bodyPr wrap="square" rtlCol="0">
+            <a:spAutoFit/>
+          </a:bodyPr>
+          <a:lstStyle/>
+          <a:p>
+            <a:r>
+              <a:rPr lang="it-IT" sz="1600" dirty="0" err="1">
+                <a:solidFill>
+                  <a:schemeClr val="tx2"/>
+                </a:solidFill>
+              </a:rPr>
+              <a:t>src</a:t>
+            </a:r>
+            <a:r>
+              <a:rPr lang="it-IT" sz="1600" dirty="0">
+                <a:solidFill>
+                  <a:schemeClr val="tx2"/>
+                </a:solidFill>
+              </a:rPr>
+              <a:t>/threads/</a:t>
+            </a:r>
+            <a:r>
+              <a:rPr lang="it-IT" sz="1600" dirty="0" err="1">
+                <a:solidFill>
+                  <a:schemeClr val="tx2"/>
+                </a:solidFill>
+              </a:rPr>
+              <a:t>thread.c</a:t>
+            </a:r>
+            <a:endParaRPr lang="it-IT" sz="1600" dirty="0">
+              <a:solidFill>
+                <a:schemeClr val="tx2"/>
+              </a:solidFill>
+            </a:endParaRPr>
           </a:p>
         </p:txBody>
       </p:sp>
@@ -15196,10 +15754,10 @@
       </p:grpSpPr>
       <p:sp>
         <p:nvSpPr>
-          <p:cNvPr id="9" name="Segnaposto testo 8">
+          <p:cNvPr id="33" name="Titolo 32">
             <a:extLst>
               <a:ext uri="{FF2B5EF4-FFF2-40B4-BE49-F238E27FC236}">
-                <a16:creationId xmlns:a16="http://schemas.microsoft.com/office/drawing/2014/main" id="{00842FCF-9A2A-27B3-4ED6-BB0713CE4444}"/>
+                <a16:creationId xmlns:a16="http://schemas.microsoft.com/office/drawing/2014/main" id="{8F1499F5-A73C-5715-A022-479D6D672320}"/>
               </a:ext>
             </a:extLst>
           </p:cNvPr>
@@ -15207,31 +15765,21 @@
             <a:spLocks noGrp="1"/>
           </p:cNvSpPr>
           <p:nvPr>
-            <p:ph type="body" sz="quarter" idx="4294967295"/>
+            <p:ph type="title"/>
           </p:nvPr>
         </p:nvSpPr>
-        <p:spPr>
-          <a:xfrm>
-            <a:off x="8765309" y="627510"/>
-            <a:ext cx="1241645" cy="552450"/>
-          </a:xfrm>
-        </p:spPr>
+        <p:spPr/>
         <p:txBody>
-          <a:bodyPr>
-            <a:normAutofit/>
-          </a:bodyPr>
+          <a:bodyPr/>
           <a:lstStyle/>
           <a:p>
-            <a:pPr marL="0" indent="0">
-              <a:buNone/>
-            </a:pPr>
-            <a:r>
-              <a:rPr lang="it-IT" sz="2200" dirty="0">
-                <a:solidFill>
-                  <a:schemeClr val="accent2"/>
-                </a:solidFill>
-              </a:rPr>
-              <a:t>PINTOS</a:t>
+            <a:r>
+              <a:rPr lang="it-IT" dirty="0"/>
+              <a:t>Scheduling </a:t>
+            </a:r>
+            <a:r>
+              <a:rPr lang="it-IT" sz="1600" dirty="0"/>
+              <a:t>- implementazione</a:t>
             </a:r>
           </a:p>
         </p:txBody>
@@ -15249,13 +15797,13 @@
             <a:spLocks noGrp="1"/>
           </p:cNvSpPr>
           <p:nvPr>
-            <p:ph type="body" idx="4294967295"/>
+            <p:ph type="body" idx="3"/>
           </p:nvPr>
         </p:nvSpPr>
         <p:spPr>
           <a:xfrm>
-            <a:off x="2124927" y="643385"/>
-            <a:ext cx="1132874" cy="536575"/>
+            <a:off x="6680747" y="2697019"/>
+            <a:ext cx="2721867" cy="862994"/>
           </a:xfrm>
         </p:spPr>
         <p:txBody>
@@ -15266,139 +15814,43 @@
               <a:buNone/>
             </a:pPr>
             <a:r>
-              <a:rPr lang="it-IT" sz="2200" dirty="0">
-                <a:solidFill>
-                  <a:schemeClr val="accent2"/>
+              <a:rPr lang="it-IT" dirty="0"/>
+              <a:t>PINTOS</a:t>
+            </a:r>
+          </a:p>
+          <a:p>
+            <a:pPr marL="0" indent="0">
+              <a:buNone/>
+            </a:pPr>
+            <a:r>
+              <a:rPr lang="it-IT" sz="1800" dirty="0" err="1">
+                <a:solidFill>
+                  <a:schemeClr val="tx2"/>
                 </a:solidFill>
               </a:rPr>
-              <a:t>OS161</a:t>
-            </a:r>
-          </a:p>
-        </p:txBody>
-      </p:sp>
-      <p:sp>
-        <p:nvSpPr>
-          <p:cNvPr id="13" name="CasellaDiTesto 12">
-            <a:extLst>
-              <a:ext uri="{FF2B5EF4-FFF2-40B4-BE49-F238E27FC236}">
-                <a16:creationId xmlns:a16="http://schemas.microsoft.com/office/drawing/2014/main" id="{8AB031D8-5771-1B7A-C8F6-21435769AF4F}"/>
-              </a:ext>
-            </a:extLst>
-          </p:cNvPr>
-          <p:cNvSpPr txBox="1"/>
-          <p:nvPr/>
-        </p:nvSpPr>
-        <p:spPr>
-          <a:xfrm>
-            <a:off x="1477818" y="2170545"/>
-            <a:ext cx="3269673" cy="1625600"/>
-          </a:xfrm>
-          <a:prstGeom prst="rect">
-            <a:avLst/>
-          </a:prstGeom>
-          <a:noFill/>
-        </p:spPr>
-        <p:txBody>
-          <a:bodyPr wrap="square" rtlCol="0">
-            <a:spAutoFit/>
-          </a:bodyPr>
-          <a:lstStyle/>
-          <a:p>
-            <a:endParaRPr lang="it-IT" dirty="0"/>
-          </a:p>
-        </p:txBody>
-      </p:sp>
-      <p:sp>
-        <p:nvSpPr>
-          <p:cNvPr id="16" name="CasellaDiTesto 15">
-            <a:extLst>
-              <a:ext uri="{FF2B5EF4-FFF2-40B4-BE49-F238E27FC236}">
-                <a16:creationId xmlns:a16="http://schemas.microsoft.com/office/drawing/2014/main" id="{DF923670-E929-E821-2DCE-4EEA84267A27}"/>
-              </a:ext>
-            </a:extLst>
-          </p:cNvPr>
-          <p:cNvSpPr txBox="1"/>
-          <p:nvPr/>
-        </p:nvSpPr>
-        <p:spPr>
-          <a:xfrm>
-            <a:off x="1477818" y="1976581"/>
-            <a:ext cx="2318327" cy="1246909"/>
-          </a:xfrm>
-          <a:prstGeom prst="rect">
-            <a:avLst/>
-          </a:prstGeom>
-          <a:noFill/>
-        </p:spPr>
-        <p:txBody>
-          <a:bodyPr wrap="square" rtlCol="0">
-            <a:spAutoFit/>
-          </a:bodyPr>
-          <a:lstStyle/>
-          <a:p>
-            <a:endParaRPr lang="it-IT" dirty="0"/>
-          </a:p>
-        </p:txBody>
-      </p:sp>
-      <p:pic>
-        <p:nvPicPr>
-          <p:cNvPr id="18" name="Immagine 17">
-            <a:extLst>
-              <a:ext uri="{FF2B5EF4-FFF2-40B4-BE49-F238E27FC236}">
-                <a16:creationId xmlns:a16="http://schemas.microsoft.com/office/drawing/2014/main" id="{9231CEA0-BE6A-96A5-CED9-D931BC44A05B}"/>
-              </a:ext>
-            </a:extLst>
-          </p:cNvPr>
-          <p:cNvPicPr>
-            <a:picLocks noChangeAspect="1"/>
-          </p:cNvPicPr>
-          <p:nvPr/>
-        </p:nvPicPr>
-        <p:blipFill>
-          <a:blip r:embed="rId2"/>
-          <a:stretch>
-            <a:fillRect/>
-          </a:stretch>
-        </p:blipFill>
-        <p:spPr>
-          <a:xfrm>
-            <a:off x="521309" y="1276942"/>
-            <a:ext cx="5388564" cy="4971480"/>
-          </a:xfrm>
-          <a:prstGeom prst="rect">
-            <a:avLst/>
-          </a:prstGeom>
-        </p:spPr>
-      </p:pic>
-      <p:sp>
-        <p:nvSpPr>
-          <p:cNvPr id="19" name="CasellaDiTesto 18">
-            <a:extLst>
-              <a:ext uri="{FF2B5EF4-FFF2-40B4-BE49-F238E27FC236}">
-                <a16:creationId xmlns:a16="http://schemas.microsoft.com/office/drawing/2014/main" id="{EBBB4B28-F125-4571-5BAB-D88782E9010A}"/>
-              </a:ext>
-            </a:extLst>
-          </p:cNvPr>
-          <p:cNvSpPr txBox="1"/>
-          <p:nvPr/>
-        </p:nvSpPr>
-        <p:spPr>
-          <a:xfrm>
-            <a:off x="7002463" y="2410690"/>
-            <a:ext cx="1762846" cy="1246909"/>
-          </a:xfrm>
-          <a:prstGeom prst="rect">
-            <a:avLst/>
-          </a:prstGeom>
-          <a:noFill/>
-        </p:spPr>
-        <p:txBody>
-          <a:bodyPr wrap="square" rtlCol="0">
-            <a:spAutoFit/>
-          </a:bodyPr>
-          <a:lstStyle/>
-          <a:p>
-            <a:endParaRPr lang="it-IT" dirty="0"/>
+              <a:t>src</a:t>
+            </a:r>
+            <a:r>
+              <a:rPr lang="it-IT" sz="1800" dirty="0">
+                <a:solidFill>
+                  <a:schemeClr val="tx2"/>
+                </a:solidFill>
+              </a:rPr>
+              <a:t>/threads/</a:t>
+            </a:r>
+            <a:r>
+              <a:rPr lang="it-IT" sz="1800" dirty="0" err="1">
+                <a:solidFill>
+                  <a:schemeClr val="tx2"/>
+                </a:solidFill>
+              </a:rPr>
+              <a:t>thread.c</a:t>
+            </a:r>
+            <a:endParaRPr lang="it-IT" sz="1800" dirty="0">
+              <a:solidFill>
+                <a:schemeClr val="tx2"/>
+              </a:solidFill>
+            </a:endParaRPr>
           </a:p>
         </p:txBody>
       </p:sp>
@@ -15416,22 +15868,578 @@
           </p:cNvPicPr>
           <p:nvPr/>
         </p:nvPicPr>
-        <p:blipFill>
-          <a:blip r:embed="rId3"/>
-          <a:stretch>
-            <a:fillRect/>
-          </a:stretch>
+        <p:blipFill rotWithShape="1">
+          <a:blip r:embed="rId2"/>
+          <a:srcRect t="4823" r="27512" b="47359"/>
+          <a:stretch/>
         </p:blipFill>
         <p:spPr>
           <a:xfrm>
-            <a:off x="6410349" y="1276942"/>
-            <a:ext cx="5549718" cy="5495053"/>
+            <a:off x="6680747" y="3735363"/>
+            <a:ext cx="4589653" cy="2997810"/>
           </a:xfrm>
           <a:prstGeom prst="rect">
             <a:avLst/>
           </a:prstGeom>
         </p:spPr>
       </p:pic>
+      <p:sp>
+        <p:nvSpPr>
+          <p:cNvPr id="15" name="Segnaposto contenuto 3">
+            <a:extLst>
+              <a:ext uri="{FF2B5EF4-FFF2-40B4-BE49-F238E27FC236}">
+                <a16:creationId xmlns:a16="http://schemas.microsoft.com/office/drawing/2014/main" id="{FCA804C0-F24D-50D4-D44C-5A5612A99909}"/>
+              </a:ext>
+            </a:extLst>
+          </p:cNvPr>
+          <p:cNvSpPr txBox="1">
+            <a:spLocks/>
+          </p:cNvSpPr>
+          <p:nvPr/>
+        </p:nvSpPr>
+        <p:spPr>
+          <a:xfrm>
+            <a:off x="581193" y="1949204"/>
+            <a:ext cx="10400843" cy="716370"/>
+          </a:xfrm>
+          <a:prstGeom prst="rect">
+            <a:avLst/>
+          </a:prstGeom>
+        </p:spPr>
+        <p:txBody>
+          <a:bodyPr>
+            <a:normAutofit/>
+          </a:bodyPr>
+          <a:lstStyle>
+            <a:lvl1pPr marL="306000" indent="-306000" algn="l" defTabSz="457200" rtl="0" eaLnBrk="1" latinLnBrk="0" hangingPunct="1">
+              <a:spcBef>
+                <a:spcPct val="20000"/>
+              </a:spcBef>
+              <a:spcAft>
+                <a:spcPts val="600"/>
+              </a:spcAft>
+              <a:buClr>
+                <a:schemeClr val="accent2"/>
+              </a:buClr>
+              <a:buSzPct val="92000"/>
+              <a:buFont typeface="Wingdings 2" panose="05020102010507070707" pitchFamily="18" charset="2"/>
+              <a:buChar char=""/>
+              <a:defRPr sz="1800" kern="1200">
+                <a:solidFill>
+                  <a:schemeClr val="tx2"/>
+                </a:solidFill>
+                <a:latin typeface="+mn-lt"/>
+                <a:ea typeface="+mn-ea"/>
+                <a:cs typeface="+mn-cs"/>
+              </a:defRPr>
+            </a:lvl1pPr>
+            <a:lvl2pPr marL="630000" indent="-306000" algn="l" defTabSz="457200" rtl="0" eaLnBrk="1" latinLnBrk="0" hangingPunct="1">
+              <a:spcBef>
+                <a:spcPct val="20000"/>
+              </a:spcBef>
+              <a:spcAft>
+                <a:spcPts val="600"/>
+              </a:spcAft>
+              <a:buClr>
+                <a:schemeClr val="accent2"/>
+              </a:buClr>
+              <a:buSzPct val="92000"/>
+              <a:buFont typeface="Wingdings 2" panose="05020102010507070707" pitchFamily="18" charset="2"/>
+              <a:buChar char=""/>
+              <a:defRPr sz="1600" kern="1200">
+                <a:solidFill>
+                  <a:schemeClr val="tx2"/>
+                </a:solidFill>
+                <a:latin typeface="+mn-lt"/>
+                <a:ea typeface="+mn-ea"/>
+                <a:cs typeface="+mn-cs"/>
+              </a:defRPr>
+            </a:lvl2pPr>
+            <a:lvl3pPr marL="900000" indent="-270000" algn="l" defTabSz="457200" rtl="0" eaLnBrk="1" latinLnBrk="0" hangingPunct="1">
+              <a:spcBef>
+                <a:spcPct val="20000"/>
+              </a:spcBef>
+              <a:spcAft>
+                <a:spcPts val="600"/>
+              </a:spcAft>
+              <a:buClr>
+                <a:schemeClr val="accent2"/>
+              </a:buClr>
+              <a:buSzPct val="92000"/>
+              <a:buFont typeface="Wingdings 2" panose="05020102010507070707" pitchFamily="18" charset="2"/>
+              <a:buChar char=""/>
+              <a:defRPr sz="1400" kern="1200">
+                <a:solidFill>
+                  <a:schemeClr val="tx2"/>
+                </a:solidFill>
+                <a:latin typeface="+mn-lt"/>
+                <a:ea typeface="+mn-ea"/>
+                <a:cs typeface="+mn-cs"/>
+              </a:defRPr>
+            </a:lvl3pPr>
+            <a:lvl4pPr marL="1242000" indent="-234000" algn="l" defTabSz="457200" rtl="0" eaLnBrk="1" latinLnBrk="0" hangingPunct="1">
+              <a:spcBef>
+                <a:spcPct val="20000"/>
+              </a:spcBef>
+              <a:spcAft>
+                <a:spcPts val="600"/>
+              </a:spcAft>
+              <a:buClr>
+                <a:schemeClr val="accent2"/>
+              </a:buClr>
+              <a:buSzPct val="92000"/>
+              <a:buFont typeface="Wingdings 2" panose="05020102010507070707" pitchFamily="18" charset="2"/>
+              <a:buChar char=""/>
+              <a:defRPr sz="1200" kern="1200">
+                <a:solidFill>
+                  <a:schemeClr val="tx2"/>
+                </a:solidFill>
+                <a:latin typeface="+mn-lt"/>
+                <a:ea typeface="+mn-ea"/>
+                <a:cs typeface="+mn-cs"/>
+              </a:defRPr>
+            </a:lvl4pPr>
+            <a:lvl5pPr marL="1602000" indent="-234000" algn="l" defTabSz="457200" rtl="0" eaLnBrk="1" latinLnBrk="0" hangingPunct="1">
+              <a:spcBef>
+                <a:spcPct val="20000"/>
+              </a:spcBef>
+              <a:spcAft>
+                <a:spcPts val="600"/>
+              </a:spcAft>
+              <a:buClr>
+                <a:schemeClr val="accent2"/>
+              </a:buClr>
+              <a:buSzPct val="92000"/>
+              <a:buFont typeface="Wingdings 2" panose="05020102010507070707" pitchFamily="18" charset="2"/>
+              <a:buChar char=""/>
+              <a:defRPr sz="1200" kern="1200">
+                <a:solidFill>
+                  <a:schemeClr val="tx2"/>
+                </a:solidFill>
+                <a:latin typeface="+mn-lt"/>
+                <a:ea typeface="+mn-ea"/>
+                <a:cs typeface="+mn-cs"/>
+              </a:defRPr>
+            </a:lvl5pPr>
+            <a:lvl6pPr marL="1900000" indent="-228600" algn="l" defTabSz="457200" rtl="0" eaLnBrk="1" latinLnBrk="0" hangingPunct="1">
+              <a:spcBef>
+                <a:spcPct val="20000"/>
+              </a:spcBef>
+              <a:spcAft>
+                <a:spcPts val="600"/>
+              </a:spcAft>
+              <a:buClr>
+                <a:schemeClr val="accent2"/>
+              </a:buClr>
+              <a:buSzPct val="92000"/>
+              <a:buFont typeface="Wingdings 2" panose="05020102010507070707" pitchFamily="18" charset="2"/>
+              <a:buChar char=""/>
+              <a:defRPr sz="1200" kern="1200">
+                <a:solidFill>
+                  <a:schemeClr val="tx2"/>
+                </a:solidFill>
+                <a:latin typeface="+mn-lt"/>
+                <a:ea typeface="+mn-ea"/>
+                <a:cs typeface="+mn-cs"/>
+              </a:defRPr>
+            </a:lvl6pPr>
+            <a:lvl7pPr marL="2200000" indent="-228600" algn="l" defTabSz="457200" rtl="0" eaLnBrk="1" latinLnBrk="0" hangingPunct="1">
+              <a:spcBef>
+                <a:spcPct val="20000"/>
+              </a:spcBef>
+              <a:spcAft>
+                <a:spcPts val="600"/>
+              </a:spcAft>
+              <a:buClr>
+                <a:schemeClr val="accent2"/>
+              </a:buClr>
+              <a:buSzPct val="92000"/>
+              <a:buFont typeface="Wingdings 2" panose="05020102010507070707" pitchFamily="18" charset="2"/>
+              <a:buChar char=""/>
+              <a:defRPr sz="1200" kern="1200">
+                <a:solidFill>
+                  <a:schemeClr val="tx2"/>
+                </a:solidFill>
+                <a:latin typeface="+mn-lt"/>
+                <a:ea typeface="+mn-ea"/>
+                <a:cs typeface="+mn-cs"/>
+              </a:defRPr>
+            </a:lvl7pPr>
+            <a:lvl8pPr marL="2500000" indent="-228600" algn="l" defTabSz="457200" rtl="0" eaLnBrk="1" latinLnBrk="0" hangingPunct="1">
+              <a:spcBef>
+                <a:spcPct val="20000"/>
+              </a:spcBef>
+              <a:spcAft>
+                <a:spcPts val="600"/>
+              </a:spcAft>
+              <a:buClr>
+                <a:schemeClr val="accent2"/>
+              </a:buClr>
+              <a:buSzPct val="92000"/>
+              <a:buFont typeface="Wingdings 2" panose="05020102010507070707" pitchFamily="18" charset="2"/>
+              <a:buChar char=""/>
+              <a:defRPr sz="1200" kern="1200">
+                <a:solidFill>
+                  <a:schemeClr val="tx2"/>
+                </a:solidFill>
+                <a:latin typeface="+mn-lt"/>
+                <a:ea typeface="+mn-ea"/>
+                <a:cs typeface="+mn-cs"/>
+              </a:defRPr>
+            </a:lvl8pPr>
+            <a:lvl9pPr marL="2800000" indent="-228600" algn="l" defTabSz="457200" rtl="0" eaLnBrk="1" latinLnBrk="0" hangingPunct="1">
+              <a:spcBef>
+                <a:spcPct val="20000"/>
+              </a:spcBef>
+              <a:spcAft>
+                <a:spcPts val="600"/>
+              </a:spcAft>
+              <a:buClr>
+                <a:schemeClr val="accent2"/>
+              </a:buClr>
+              <a:buSzPct val="92000"/>
+              <a:buFont typeface="Wingdings 2" panose="05020102010507070707" pitchFamily="18" charset="2"/>
+              <a:buChar char=""/>
+              <a:defRPr sz="1200" kern="1200">
+                <a:solidFill>
+                  <a:schemeClr val="tx2"/>
+                </a:solidFill>
+                <a:latin typeface="+mn-lt"/>
+                <a:ea typeface="+mn-ea"/>
+                <a:cs typeface="+mn-cs"/>
+              </a:defRPr>
+            </a:lvl9pPr>
+          </a:lstStyle>
+          <a:p>
+            <a:pPr marL="0" indent="0">
+              <a:buNone/>
+            </a:pPr>
+            <a:r>
+              <a:rPr lang="it-IT" dirty="0"/>
+              <a:t>La funzione responsabile di cedere volontariamente la CPU allo scheduler e consentire al successivo thread pronto di essere eseguito è la </a:t>
+            </a:r>
+            <a:r>
+              <a:rPr lang="it-IT" kern="0" dirty="0" err="1">
+                <a:solidFill>
+                  <a:srgbClr val="1C00CF"/>
+                </a:solidFill>
+                <a:latin typeface="Consolas" panose="020B0609020204030204" pitchFamily="49" charset="0"/>
+                <a:cs typeface="Courier New" panose="02070309020205020404" pitchFamily="49" charset="0"/>
+              </a:rPr>
+              <a:t>thread_yield</a:t>
+            </a:r>
+            <a:r>
+              <a:rPr lang="it-IT" kern="0" dirty="0">
+                <a:solidFill>
+                  <a:srgbClr val="1C00CF"/>
+                </a:solidFill>
+                <a:latin typeface="Consolas" panose="020B0609020204030204" pitchFamily="49" charset="0"/>
+                <a:cs typeface="Courier New" panose="02070309020205020404" pitchFamily="49" charset="0"/>
+              </a:rPr>
+              <a:t>()</a:t>
+            </a:r>
+            <a:r>
+              <a:rPr lang="it-IT" dirty="0"/>
+              <a:t> per entrambi i sistemi operativi</a:t>
+            </a:r>
+          </a:p>
+        </p:txBody>
+      </p:sp>
+      <p:pic>
+        <p:nvPicPr>
+          <p:cNvPr id="41" name="Immagine 40">
+            <a:extLst>
+              <a:ext uri="{FF2B5EF4-FFF2-40B4-BE49-F238E27FC236}">
+                <a16:creationId xmlns:a16="http://schemas.microsoft.com/office/drawing/2014/main" id="{7899F936-062D-A239-2F55-D291938D6220}"/>
+              </a:ext>
+            </a:extLst>
+          </p:cNvPr>
+          <p:cNvPicPr>
+            <a:picLocks noChangeAspect="1"/>
+          </p:cNvPicPr>
+          <p:nvPr/>
+        </p:nvPicPr>
+        <p:blipFill rotWithShape="1">
+          <a:blip r:embed="rId3"/>
+          <a:srcRect r="18839"/>
+          <a:stretch/>
+        </p:blipFill>
+        <p:spPr>
+          <a:xfrm>
+            <a:off x="581193" y="3735363"/>
+            <a:ext cx="5087076" cy="914127"/>
+          </a:xfrm>
+          <a:prstGeom prst="rect">
+            <a:avLst/>
+          </a:prstGeom>
+        </p:spPr>
+      </p:pic>
+      <p:sp>
+        <p:nvSpPr>
+          <p:cNvPr id="44" name="Segnaposto testo 3">
+            <a:extLst>
+              <a:ext uri="{FF2B5EF4-FFF2-40B4-BE49-F238E27FC236}">
+                <a16:creationId xmlns:a16="http://schemas.microsoft.com/office/drawing/2014/main" id="{DB01AAE8-91D9-A99A-F76D-7A96287760FC}"/>
+              </a:ext>
+            </a:extLst>
+          </p:cNvPr>
+          <p:cNvSpPr txBox="1">
+            <a:spLocks/>
+          </p:cNvSpPr>
+          <p:nvPr/>
+        </p:nvSpPr>
+        <p:spPr>
+          <a:xfrm>
+            <a:off x="581193" y="2697019"/>
+            <a:ext cx="2721867" cy="862994"/>
+          </a:xfrm>
+          <a:prstGeom prst="rect">
+            <a:avLst/>
+          </a:prstGeom>
+        </p:spPr>
+        <p:txBody>
+          <a:bodyPr vert="horz" lIns="91440" tIns="45720" rIns="91440" bIns="45720" rtlCol="0" anchor="b">
+            <a:noAutofit/>
+          </a:bodyPr>
+          <a:lstStyle>
+            <a:lvl1pPr marL="0" indent="0" algn="l" defTabSz="457200" rtl="0" eaLnBrk="1" latinLnBrk="0" hangingPunct="1">
+              <a:spcBef>
+                <a:spcPct val="20000"/>
+              </a:spcBef>
+              <a:spcAft>
+                <a:spcPts val="600"/>
+              </a:spcAft>
+              <a:buClr>
+                <a:schemeClr val="accent2"/>
+              </a:buClr>
+              <a:buSzPct val="92000"/>
+              <a:buFont typeface="Wingdings 2" panose="05020102010507070707" pitchFamily="18" charset="2"/>
+              <a:buNone/>
+              <a:defRPr sz="2200" b="0" kern="1200">
+                <a:solidFill>
+                  <a:schemeClr val="accent2"/>
+                </a:solidFill>
+                <a:latin typeface="+mn-lt"/>
+                <a:ea typeface="+mn-ea"/>
+                <a:cs typeface="+mn-cs"/>
+              </a:defRPr>
+            </a:lvl1pPr>
+            <a:lvl2pPr marL="457200" indent="0" algn="l" defTabSz="457200" rtl="0" eaLnBrk="1" latinLnBrk="0" hangingPunct="1">
+              <a:spcBef>
+                <a:spcPct val="20000"/>
+              </a:spcBef>
+              <a:spcAft>
+                <a:spcPts val="600"/>
+              </a:spcAft>
+              <a:buClr>
+                <a:schemeClr val="accent2"/>
+              </a:buClr>
+              <a:buSzPct val="92000"/>
+              <a:buFont typeface="Wingdings 2" panose="05020102010507070707" pitchFamily="18" charset="2"/>
+              <a:buNone/>
+              <a:defRPr sz="2000" b="1" kern="1200">
+                <a:solidFill>
+                  <a:schemeClr val="tx2"/>
+                </a:solidFill>
+                <a:latin typeface="+mn-lt"/>
+                <a:ea typeface="+mn-ea"/>
+                <a:cs typeface="+mn-cs"/>
+              </a:defRPr>
+            </a:lvl2pPr>
+            <a:lvl3pPr marL="914400" indent="0" algn="l" defTabSz="457200" rtl="0" eaLnBrk="1" latinLnBrk="0" hangingPunct="1">
+              <a:spcBef>
+                <a:spcPct val="20000"/>
+              </a:spcBef>
+              <a:spcAft>
+                <a:spcPts val="600"/>
+              </a:spcAft>
+              <a:buClr>
+                <a:schemeClr val="accent2"/>
+              </a:buClr>
+              <a:buSzPct val="92000"/>
+              <a:buFont typeface="Wingdings 2" panose="05020102010507070707" pitchFamily="18" charset="2"/>
+              <a:buNone/>
+              <a:defRPr sz="1800" b="1" kern="1200">
+                <a:solidFill>
+                  <a:schemeClr val="tx2"/>
+                </a:solidFill>
+                <a:latin typeface="+mn-lt"/>
+                <a:ea typeface="+mn-ea"/>
+                <a:cs typeface="+mn-cs"/>
+              </a:defRPr>
+            </a:lvl3pPr>
+            <a:lvl4pPr marL="1371600" indent="0" algn="l" defTabSz="457200" rtl="0" eaLnBrk="1" latinLnBrk="0" hangingPunct="1">
+              <a:spcBef>
+                <a:spcPct val="20000"/>
+              </a:spcBef>
+              <a:spcAft>
+                <a:spcPts val="600"/>
+              </a:spcAft>
+              <a:buClr>
+                <a:schemeClr val="accent2"/>
+              </a:buClr>
+              <a:buSzPct val="92000"/>
+              <a:buFont typeface="Wingdings 2" panose="05020102010507070707" pitchFamily="18" charset="2"/>
+              <a:buNone/>
+              <a:defRPr sz="1600" b="1" kern="1200">
+                <a:solidFill>
+                  <a:schemeClr val="tx2"/>
+                </a:solidFill>
+                <a:latin typeface="+mn-lt"/>
+                <a:ea typeface="+mn-ea"/>
+                <a:cs typeface="+mn-cs"/>
+              </a:defRPr>
+            </a:lvl4pPr>
+            <a:lvl5pPr marL="1828800" indent="0" algn="l" defTabSz="457200" rtl="0" eaLnBrk="1" latinLnBrk="0" hangingPunct="1">
+              <a:spcBef>
+                <a:spcPct val="20000"/>
+              </a:spcBef>
+              <a:spcAft>
+                <a:spcPts val="600"/>
+              </a:spcAft>
+              <a:buClr>
+                <a:schemeClr val="accent2"/>
+              </a:buClr>
+              <a:buSzPct val="92000"/>
+              <a:buFont typeface="Wingdings 2" panose="05020102010507070707" pitchFamily="18" charset="2"/>
+              <a:buNone/>
+              <a:defRPr sz="1600" b="1" kern="1200">
+                <a:solidFill>
+                  <a:schemeClr val="tx2"/>
+                </a:solidFill>
+                <a:latin typeface="+mn-lt"/>
+                <a:ea typeface="+mn-ea"/>
+                <a:cs typeface="+mn-cs"/>
+              </a:defRPr>
+            </a:lvl5pPr>
+            <a:lvl6pPr marL="2286000" indent="0" algn="l" defTabSz="457200" rtl="0" eaLnBrk="1" latinLnBrk="0" hangingPunct="1">
+              <a:spcBef>
+                <a:spcPct val="20000"/>
+              </a:spcBef>
+              <a:spcAft>
+                <a:spcPts val="600"/>
+              </a:spcAft>
+              <a:buClr>
+                <a:schemeClr val="accent2"/>
+              </a:buClr>
+              <a:buSzPct val="92000"/>
+              <a:buFont typeface="Wingdings 2" panose="05020102010507070707" pitchFamily="18" charset="2"/>
+              <a:buNone/>
+              <a:defRPr sz="1600" b="1" kern="1200">
+                <a:solidFill>
+                  <a:schemeClr val="tx2"/>
+                </a:solidFill>
+                <a:latin typeface="+mn-lt"/>
+                <a:ea typeface="+mn-ea"/>
+                <a:cs typeface="+mn-cs"/>
+              </a:defRPr>
+            </a:lvl6pPr>
+            <a:lvl7pPr marL="2743200" indent="0" algn="l" defTabSz="457200" rtl="0" eaLnBrk="1" latinLnBrk="0" hangingPunct="1">
+              <a:spcBef>
+                <a:spcPct val="20000"/>
+              </a:spcBef>
+              <a:spcAft>
+                <a:spcPts val="600"/>
+              </a:spcAft>
+              <a:buClr>
+                <a:schemeClr val="accent2"/>
+              </a:buClr>
+              <a:buSzPct val="92000"/>
+              <a:buFont typeface="Wingdings 2" panose="05020102010507070707" pitchFamily="18" charset="2"/>
+              <a:buNone/>
+              <a:defRPr sz="1600" b="1" kern="1200">
+                <a:solidFill>
+                  <a:schemeClr val="tx2"/>
+                </a:solidFill>
+                <a:latin typeface="+mn-lt"/>
+                <a:ea typeface="+mn-ea"/>
+                <a:cs typeface="+mn-cs"/>
+              </a:defRPr>
+            </a:lvl7pPr>
+            <a:lvl8pPr marL="3200400" indent="0" algn="l" defTabSz="457200" rtl="0" eaLnBrk="1" latinLnBrk="0" hangingPunct="1">
+              <a:spcBef>
+                <a:spcPct val="20000"/>
+              </a:spcBef>
+              <a:spcAft>
+                <a:spcPts val="600"/>
+              </a:spcAft>
+              <a:buClr>
+                <a:schemeClr val="accent2"/>
+              </a:buClr>
+              <a:buSzPct val="92000"/>
+              <a:buFont typeface="Wingdings 2" panose="05020102010507070707" pitchFamily="18" charset="2"/>
+              <a:buNone/>
+              <a:defRPr sz="1600" b="1" kern="1200">
+                <a:solidFill>
+                  <a:schemeClr val="tx2"/>
+                </a:solidFill>
+                <a:latin typeface="+mn-lt"/>
+                <a:ea typeface="+mn-ea"/>
+                <a:cs typeface="+mn-cs"/>
+              </a:defRPr>
+            </a:lvl8pPr>
+            <a:lvl9pPr marL="3657600" indent="0" algn="l" defTabSz="457200" rtl="0" eaLnBrk="1" latinLnBrk="0" hangingPunct="1">
+              <a:spcBef>
+                <a:spcPct val="20000"/>
+              </a:spcBef>
+              <a:spcAft>
+                <a:spcPts val="600"/>
+              </a:spcAft>
+              <a:buClr>
+                <a:schemeClr val="accent2"/>
+              </a:buClr>
+              <a:buSzPct val="92000"/>
+              <a:buFont typeface="Wingdings 2" panose="05020102010507070707" pitchFamily="18" charset="2"/>
+              <a:buNone/>
+              <a:defRPr sz="1600" b="1" kern="1200">
+                <a:solidFill>
+                  <a:schemeClr val="tx2"/>
+                </a:solidFill>
+                <a:latin typeface="+mn-lt"/>
+                <a:ea typeface="+mn-ea"/>
+                <a:cs typeface="+mn-cs"/>
+              </a:defRPr>
+            </a:lvl9pPr>
+          </a:lstStyle>
+          <a:p>
+            <a:r>
+              <a:rPr lang="it-IT" dirty="0"/>
+              <a:t>OS161</a:t>
+            </a:r>
+          </a:p>
+          <a:p>
+            <a:r>
+              <a:rPr lang="it-IT" sz="1800" dirty="0" err="1">
+                <a:solidFill>
+                  <a:schemeClr val="tx2"/>
+                </a:solidFill>
+              </a:rPr>
+              <a:t>kern</a:t>
+            </a:r>
+            <a:r>
+              <a:rPr lang="it-IT" sz="1800" dirty="0">
+                <a:solidFill>
+                  <a:schemeClr val="tx2"/>
+                </a:solidFill>
+              </a:rPr>
+              <a:t>/thread/</a:t>
+            </a:r>
+            <a:r>
+              <a:rPr lang="it-IT" sz="1800" dirty="0" err="1">
+                <a:solidFill>
+                  <a:schemeClr val="tx2"/>
+                </a:solidFill>
+              </a:rPr>
+              <a:t>thread.c</a:t>
+            </a:r>
+            <a:endParaRPr lang="it-IT" sz="1800" dirty="0">
+              <a:solidFill>
+                <a:schemeClr val="tx2"/>
+              </a:solidFill>
+            </a:endParaRPr>
+          </a:p>
+        </p:txBody>
+      </p:sp>
     </p:spTree>
     <p:extLst>
       <p:ext uri="{BB962C8B-B14F-4D97-AF65-F5344CB8AC3E}">
@@ -15464,10 +16472,10 @@
       </p:grpSpPr>
       <p:sp>
         <p:nvSpPr>
-          <p:cNvPr id="2" name="Titolo 1">
+          <p:cNvPr id="8" name="Titolo 7">
             <a:extLst>
               <a:ext uri="{FF2B5EF4-FFF2-40B4-BE49-F238E27FC236}">
-                <a16:creationId xmlns:a16="http://schemas.microsoft.com/office/drawing/2014/main" id="{A8407669-AD4A-530A-308F-4AD673D020A5}"/>
+                <a16:creationId xmlns:a16="http://schemas.microsoft.com/office/drawing/2014/main" id="{064988E0-DEF4-1D6D-6DBE-7F09F55F537D}"/>
               </a:ext>
             </a:extLst>
           </p:cNvPr>
@@ -15484,127 +16492,610 @@
           <a:lstStyle/>
           <a:p>
             <a:r>
-              <a:rPr lang="it-IT" dirty="0" err="1"/>
-              <a:t>Paging</a:t>
-            </a:r>
-            <a:r>
               <a:rPr lang="it-IT" dirty="0"/>
-              <a:t> e  </a:t>
-            </a:r>
-            <a:r>
-              <a:rPr lang="it-IT" dirty="0" err="1"/>
-              <a:t>virtual</a:t>
-            </a:r>
+              <a:t>Scheduling </a:t>
+            </a:r>
+            <a:r>
+              <a:rPr lang="it-IT" sz="1600" dirty="0"/>
+              <a:t>- implementazione</a:t>
+            </a:r>
+          </a:p>
+        </p:txBody>
+      </p:sp>
+      <p:pic>
+        <p:nvPicPr>
+          <p:cNvPr id="20" name="Immagine 19">
+            <a:extLst>
+              <a:ext uri="{FF2B5EF4-FFF2-40B4-BE49-F238E27FC236}">
+                <a16:creationId xmlns:a16="http://schemas.microsoft.com/office/drawing/2014/main" id="{1E817B1A-2606-2857-7596-1C4194E3592A}"/>
+              </a:ext>
+            </a:extLst>
+          </p:cNvPr>
+          <p:cNvPicPr>
+            <a:picLocks noChangeAspect="1"/>
+          </p:cNvPicPr>
+          <p:nvPr/>
+        </p:nvPicPr>
+        <p:blipFill rotWithShape="1">
+          <a:blip r:embed="rId2"/>
+          <a:srcRect r="29336"/>
+          <a:stretch/>
+        </p:blipFill>
+        <p:spPr>
+          <a:xfrm>
+            <a:off x="6523734" y="3492307"/>
+            <a:ext cx="4914314" cy="2636035"/>
+          </a:xfrm>
+          <a:prstGeom prst="rect">
+            <a:avLst/>
+          </a:prstGeom>
+        </p:spPr>
+      </p:pic>
+      <p:pic>
+        <p:nvPicPr>
+          <p:cNvPr id="24" name="Immagine 23">
+            <a:extLst>
+              <a:ext uri="{FF2B5EF4-FFF2-40B4-BE49-F238E27FC236}">
+                <a16:creationId xmlns:a16="http://schemas.microsoft.com/office/drawing/2014/main" id="{6B753CFD-671C-0A35-85D7-2565A316605D}"/>
+              </a:ext>
+            </a:extLst>
+          </p:cNvPr>
+          <p:cNvPicPr>
+            <a:picLocks noChangeAspect="1"/>
+          </p:cNvPicPr>
+          <p:nvPr/>
+        </p:nvPicPr>
+        <p:blipFill rotWithShape="1">
+          <a:blip r:embed="rId3"/>
+          <a:srcRect r="33771"/>
+          <a:stretch/>
+        </p:blipFill>
+        <p:spPr>
+          <a:xfrm>
+            <a:off x="581192" y="3657082"/>
+            <a:ext cx="5087075" cy="896573"/>
+          </a:xfrm>
+          <a:prstGeom prst="rect">
+            <a:avLst/>
+          </a:prstGeom>
+        </p:spPr>
+      </p:pic>
+      <p:sp>
+        <p:nvSpPr>
+          <p:cNvPr id="25" name="Segnaposto testo 3">
+            <a:extLst>
+              <a:ext uri="{FF2B5EF4-FFF2-40B4-BE49-F238E27FC236}">
+                <a16:creationId xmlns:a16="http://schemas.microsoft.com/office/drawing/2014/main" id="{42CFD057-0819-2FA4-37D1-BE9B183ACE67}"/>
+              </a:ext>
+            </a:extLst>
+          </p:cNvPr>
+          <p:cNvSpPr txBox="1">
+            <a:spLocks/>
+          </p:cNvSpPr>
+          <p:nvPr/>
+        </p:nvSpPr>
+        <p:spPr>
+          <a:xfrm>
+            <a:off x="6523734" y="2250892"/>
+            <a:ext cx="2721867" cy="862994"/>
+          </a:xfrm>
+          <a:prstGeom prst="rect">
+            <a:avLst/>
+          </a:prstGeom>
+        </p:spPr>
+        <p:txBody>
+          <a:bodyPr vert="horz" lIns="91440" tIns="45720" rIns="91440" bIns="45720" rtlCol="0" anchor="b">
+            <a:noAutofit/>
+          </a:bodyPr>
+          <a:lstStyle>
+            <a:lvl1pPr marL="0" indent="0" algn="l" defTabSz="457200" rtl="0" eaLnBrk="1" latinLnBrk="0" hangingPunct="1">
+              <a:spcBef>
+                <a:spcPct val="20000"/>
+              </a:spcBef>
+              <a:spcAft>
+                <a:spcPts val="600"/>
+              </a:spcAft>
+              <a:buClr>
+                <a:schemeClr val="accent2"/>
+              </a:buClr>
+              <a:buSzPct val="92000"/>
+              <a:buFont typeface="Wingdings 2" panose="05020102010507070707" pitchFamily="18" charset="2"/>
+              <a:buNone/>
+              <a:defRPr sz="2200" b="0" kern="1200">
+                <a:solidFill>
+                  <a:schemeClr val="accent2"/>
+                </a:solidFill>
+                <a:latin typeface="+mn-lt"/>
+                <a:ea typeface="+mn-ea"/>
+                <a:cs typeface="+mn-cs"/>
+              </a:defRPr>
+            </a:lvl1pPr>
+            <a:lvl2pPr marL="457200" indent="0" algn="l" defTabSz="457200" rtl="0" eaLnBrk="1" latinLnBrk="0" hangingPunct="1">
+              <a:spcBef>
+                <a:spcPct val="20000"/>
+              </a:spcBef>
+              <a:spcAft>
+                <a:spcPts val="600"/>
+              </a:spcAft>
+              <a:buClr>
+                <a:schemeClr val="accent2"/>
+              </a:buClr>
+              <a:buSzPct val="92000"/>
+              <a:buFont typeface="Wingdings 2" panose="05020102010507070707" pitchFamily="18" charset="2"/>
+              <a:buNone/>
+              <a:defRPr sz="2000" b="1" kern="1200">
+                <a:solidFill>
+                  <a:schemeClr val="tx2"/>
+                </a:solidFill>
+                <a:latin typeface="+mn-lt"/>
+                <a:ea typeface="+mn-ea"/>
+                <a:cs typeface="+mn-cs"/>
+              </a:defRPr>
+            </a:lvl2pPr>
+            <a:lvl3pPr marL="914400" indent="0" algn="l" defTabSz="457200" rtl="0" eaLnBrk="1" latinLnBrk="0" hangingPunct="1">
+              <a:spcBef>
+                <a:spcPct val="20000"/>
+              </a:spcBef>
+              <a:spcAft>
+                <a:spcPts val="600"/>
+              </a:spcAft>
+              <a:buClr>
+                <a:schemeClr val="accent2"/>
+              </a:buClr>
+              <a:buSzPct val="92000"/>
+              <a:buFont typeface="Wingdings 2" panose="05020102010507070707" pitchFamily="18" charset="2"/>
+              <a:buNone/>
+              <a:defRPr sz="1800" b="1" kern="1200">
+                <a:solidFill>
+                  <a:schemeClr val="tx2"/>
+                </a:solidFill>
+                <a:latin typeface="+mn-lt"/>
+                <a:ea typeface="+mn-ea"/>
+                <a:cs typeface="+mn-cs"/>
+              </a:defRPr>
+            </a:lvl3pPr>
+            <a:lvl4pPr marL="1371600" indent="0" algn="l" defTabSz="457200" rtl="0" eaLnBrk="1" latinLnBrk="0" hangingPunct="1">
+              <a:spcBef>
+                <a:spcPct val="20000"/>
+              </a:spcBef>
+              <a:spcAft>
+                <a:spcPts val="600"/>
+              </a:spcAft>
+              <a:buClr>
+                <a:schemeClr val="accent2"/>
+              </a:buClr>
+              <a:buSzPct val="92000"/>
+              <a:buFont typeface="Wingdings 2" panose="05020102010507070707" pitchFamily="18" charset="2"/>
+              <a:buNone/>
+              <a:defRPr sz="1600" b="1" kern="1200">
+                <a:solidFill>
+                  <a:schemeClr val="tx2"/>
+                </a:solidFill>
+                <a:latin typeface="+mn-lt"/>
+                <a:ea typeface="+mn-ea"/>
+                <a:cs typeface="+mn-cs"/>
+              </a:defRPr>
+            </a:lvl4pPr>
+            <a:lvl5pPr marL="1828800" indent="0" algn="l" defTabSz="457200" rtl="0" eaLnBrk="1" latinLnBrk="0" hangingPunct="1">
+              <a:spcBef>
+                <a:spcPct val="20000"/>
+              </a:spcBef>
+              <a:spcAft>
+                <a:spcPts val="600"/>
+              </a:spcAft>
+              <a:buClr>
+                <a:schemeClr val="accent2"/>
+              </a:buClr>
+              <a:buSzPct val="92000"/>
+              <a:buFont typeface="Wingdings 2" panose="05020102010507070707" pitchFamily="18" charset="2"/>
+              <a:buNone/>
+              <a:defRPr sz="1600" b="1" kern="1200">
+                <a:solidFill>
+                  <a:schemeClr val="tx2"/>
+                </a:solidFill>
+                <a:latin typeface="+mn-lt"/>
+                <a:ea typeface="+mn-ea"/>
+                <a:cs typeface="+mn-cs"/>
+              </a:defRPr>
+            </a:lvl5pPr>
+            <a:lvl6pPr marL="2286000" indent="0" algn="l" defTabSz="457200" rtl="0" eaLnBrk="1" latinLnBrk="0" hangingPunct="1">
+              <a:spcBef>
+                <a:spcPct val="20000"/>
+              </a:spcBef>
+              <a:spcAft>
+                <a:spcPts val="600"/>
+              </a:spcAft>
+              <a:buClr>
+                <a:schemeClr val="accent2"/>
+              </a:buClr>
+              <a:buSzPct val="92000"/>
+              <a:buFont typeface="Wingdings 2" panose="05020102010507070707" pitchFamily="18" charset="2"/>
+              <a:buNone/>
+              <a:defRPr sz="1600" b="1" kern="1200">
+                <a:solidFill>
+                  <a:schemeClr val="tx2"/>
+                </a:solidFill>
+                <a:latin typeface="+mn-lt"/>
+                <a:ea typeface="+mn-ea"/>
+                <a:cs typeface="+mn-cs"/>
+              </a:defRPr>
+            </a:lvl6pPr>
+            <a:lvl7pPr marL="2743200" indent="0" algn="l" defTabSz="457200" rtl="0" eaLnBrk="1" latinLnBrk="0" hangingPunct="1">
+              <a:spcBef>
+                <a:spcPct val="20000"/>
+              </a:spcBef>
+              <a:spcAft>
+                <a:spcPts val="600"/>
+              </a:spcAft>
+              <a:buClr>
+                <a:schemeClr val="accent2"/>
+              </a:buClr>
+              <a:buSzPct val="92000"/>
+              <a:buFont typeface="Wingdings 2" panose="05020102010507070707" pitchFamily="18" charset="2"/>
+              <a:buNone/>
+              <a:defRPr sz="1600" b="1" kern="1200">
+                <a:solidFill>
+                  <a:schemeClr val="tx2"/>
+                </a:solidFill>
+                <a:latin typeface="+mn-lt"/>
+                <a:ea typeface="+mn-ea"/>
+                <a:cs typeface="+mn-cs"/>
+              </a:defRPr>
+            </a:lvl7pPr>
+            <a:lvl8pPr marL="3200400" indent="0" algn="l" defTabSz="457200" rtl="0" eaLnBrk="1" latinLnBrk="0" hangingPunct="1">
+              <a:spcBef>
+                <a:spcPct val="20000"/>
+              </a:spcBef>
+              <a:spcAft>
+                <a:spcPts val="600"/>
+              </a:spcAft>
+              <a:buClr>
+                <a:schemeClr val="accent2"/>
+              </a:buClr>
+              <a:buSzPct val="92000"/>
+              <a:buFont typeface="Wingdings 2" panose="05020102010507070707" pitchFamily="18" charset="2"/>
+              <a:buNone/>
+              <a:defRPr sz="1600" b="1" kern="1200">
+                <a:solidFill>
+                  <a:schemeClr val="tx2"/>
+                </a:solidFill>
+                <a:latin typeface="+mn-lt"/>
+                <a:ea typeface="+mn-ea"/>
+                <a:cs typeface="+mn-cs"/>
+              </a:defRPr>
+            </a:lvl8pPr>
+            <a:lvl9pPr marL="3657600" indent="0" algn="l" defTabSz="457200" rtl="0" eaLnBrk="1" latinLnBrk="0" hangingPunct="1">
+              <a:spcBef>
+                <a:spcPct val="20000"/>
+              </a:spcBef>
+              <a:spcAft>
+                <a:spcPts val="600"/>
+              </a:spcAft>
+              <a:buClr>
+                <a:schemeClr val="accent2"/>
+              </a:buClr>
+              <a:buSzPct val="92000"/>
+              <a:buFont typeface="Wingdings 2" panose="05020102010507070707" pitchFamily="18" charset="2"/>
+              <a:buNone/>
+              <a:defRPr sz="1600" b="1" kern="1200">
+                <a:solidFill>
+                  <a:schemeClr val="tx2"/>
+                </a:solidFill>
+                <a:latin typeface="+mn-lt"/>
+                <a:ea typeface="+mn-ea"/>
+                <a:cs typeface="+mn-cs"/>
+              </a:defRPr>
+            </a:lvl9pPr>
+          </a:lstStyle>
+          <a:p>
             <a:r>
               <a:rPr lang="it-IT" dirty="0"/>
-              <a:t> </a:t>
-            </a:r>
-            <a:r>
-              <a:rPr lang="it-IT" dirty="0" err="1"/>
-              <a:t>memory</a:t>
-            </a:r>
-            <a:endParaRPr lang="it-IT" dirty="0"/>
+              <a:t>PINTOS</a:t>
+            </a:r>
+          </a:p>
+          <a:p>
+            <a:r>
+              <a:rPr lang="it-IT" sz="1800" dirty="0" err="1">
+                <a:solidFill>
+                  <a:schemeClr val="tx2"/>
+                </a:solidFill>
+              </a:rPr>
+              <a:t>src</a:t>
+            </a:r>
+            <a:r>
+              <a:rPr lang="it-IT" sz="1800" dirty="0">
+                <a:solidFill>
+                  <a:schemeClr val="tx2"/>
+                </a:solidFill>
+              </a:rPr>
+              <a:t>/threads/</a:t>
+            </a:r>
+            <a:r>
+              <a:rPr lang="it-IT" sz="1800" dirty="0" err="1">
+                <a:solidFill>
+                  <a:schemeClr val="tx2"/>
+                </a:solidFill>
+              </a:rPr>
+              <a:t>thread.c</a:t>
+            </a:r>
+            <a:endParaRPr lang="it-IT" sz="1800" dirty="0">
+              <a:solidFill>
+                <a:schemeClr val="tx2"/>
+              </a:solidFill>
+            </a:endParaRPr>
           </a:p>
         </p:txBody>
       </p:sp>
       <p:sp>
         <p:nvSpPr>
-          <p:cNvPr id="3" name="Segnaposto contenuto 2">
+          <p:cNvPr id="28" name="Segnaposto testo 3">
             <a:extLst>
               <a:ext uri="{FF2B5EF4-FFF2-40B4-BE49-F238E27FC236}">
-                <a16:creationId xmlns:a16="http://schemas.microsoft.com/office/drawing/2014/main" id="{81551D5C-43AF-6C06-2D96-A6CA08117673}"/>
+                <a16:creationId xmlns:a16="http://schemas.microsoft.com/office/drawing/2014/main" id="{B0B24CDF-9D03-780B-BE7B-FBB9EAEF3063}"/>
               </a:ext>
             </a:extLst>
           </p:cNvPr>
-          <p:cNvSpPr>
-            <a:spLocks noGrp="1"/>
+          <p:cNvSpPr txBox="1">
+            <a:spLocks/>
           </p:cNvSpPr>
-          <p:nvPr>
-            <p:ph idx="1"/>
-          </p:nvPr>
+          <p:nvPr/>
         </p:nvSpPr>
-        <p:spPr/>
+        <p:spPr>
+          <a:xfrm>
+            <a:off x="581192" y="2337925"/>
+            <a:ext cx="2721867" cy="862994"/>
+          </a:xfrm>
+          <a:prstGeom prst="rect">
+            <a:avLst/>
+          </a:prstGeom>
+        </p:spPr>
         <p:txBody>
-          <a:bodyPr>
-            <a:normAutofit/>
+          <a:bodyPr vert="horz" lIns="91440" tIns="45720" rIns="91440" bIns="45720" rtlCol="0" anchor="b">
+            <a:noAutofit/>
           </a:bodyPr>
-          <a:lstStyle/>
+          <a:lstStyle>
+            <a:lvl1pPr marL="0" indent="0" algn="l" defTabSz="457200" rtl="0" eaLnBrk="1" latinLnBrk="0" hangingPunct="1">
+              <a:spcBef>
+                <a:spcPct val="20000"/>
+              </a:spcBef>
+              <a:spcAft>
+                <a:spcPts val="600"/>
+              </a:spcAft>
+              <a:buClr>
+                <a:schemeClr val="accent2"/>
+              </a:buClr>
+              <a:buSzPct val="92000"/>
+              <a:buFont typeface="Wingdings 2" panose="05020102010507070707" pitchFamily="18" charset="2"/>
+              <a:buNone/>
+              <a:defRPr sz="2200" b="0" kern="1200">
+                <a:solidFill>
+                  <a:schemeClr val="accent2"/>
+                </a:solidFill>
+                <a:latin typeface="+mn-lt"/>
+                <a:ea typeface="+mn-ea"/>
+                <a:cs typeface="+mn-cs"/>
+              </a:defRPr>
+            </a:lvl1pPr>
+            <a:lvl2pPr marL="457200" indent="0" algn="l" defTabSz="457200" rtl="0" eaLnBrk="1" latinLnBrk="0" hangingPunct="1">
+              <a:spcBef>
+                <a:spcPct val="20000"/>
+              </a:spcBef>
+              <a:spcAft>
+                <a:spcPts val="600"/>
+              </a:spcAft>
+              <a:buClr>
+                <a:schemeClr val="accent2"/>
+              </a:buClr>
+              <a:buSzPct val="92000"/>
+              <a:buFont typeface="Wingdings 2" panose="05020102010507070707" pitchFamily="18" charset="2"/>
+              <a:buNone/>
+              <a:defRPr sz="2000" b="1" kern="1200">
+                <a:solidFill>
+                  <a:schemeClr val="tx2"/>
+                </a:solidFill>
+                <a:latin typeface="+mn-lt"/>
+                <a:ea typeface="+mn-ea"/>
+                <a:cs typeface="+mn-cs"/>
+              </a:defRPr>
+            </a:lvl2pPr>
+            <a:lvl3pPr marL="914400" indent="0" algn="l" defTabSz="457200" rtl="0" eaLnBrk="1" latinLnBrk="0" hangingPunct="1">
+              <a:spcBef>
+                <a:spcPct val="20000"/>
+              </a:spcBef>
+              <a:spcAft>
+                <a:spcPts val="600"/>
+              </a:spcAft>
+              <a:buClr>
+                <a:schemeClr val="accent2"/>
+              </a:buClr>
+              <a:buSzPct val="92000"/>
+              <a:buFont typeface="Wingdings 2" panose="05020102010507070707" pitchFamily="18" charset="2"/>
+              <a:buNone/>
+              <a:defRPr sz="1800" b="1" kern="1200">
+                <a:solidFill>
+                  <a:schemeClr val="tx2"/>
+                </a:solidFill>
+                <a:latin typeface="+mn-lt"/>
+                <a:ea typeface="+mn-ea"/>
+                <a:cs typeface="+mn-cs"/>
+              </a:defRPr>
+            </a:lvl3pPr>
+            <a:lvl4pPr marL="1371600" indent="0" algn="l" defTabSz="457200" rtl="0" eaLnBrk="1" latinLnBrk="0" hangingPunct="1">
+              <a:spcBef>
+                <a:spcPct val="20000"/>
+              </a:spcBef>
+              <a:spcAft>
+                <a:spcPts val="600"/>
+              </a:spcAft>
+              <a:buClr>
+                <a:schemeClr val="accent2"/>
+              </a:buClr>
+              <a:buSzPct val="92000"/>
+              <a:buFont typeface="Wingdings 2" panose="05020102010507070707" pitchFamily="18" charset="2"/>
+              <a:buNone/>
+              <a:defRPr sz="1600" b="1" kern="1200">
+                <a:solidFill>
+                  <a:schemeClr val="tx2"/>
+                </a:solidFill>
+                <a:latin typeface="+mn-lt"/>
+                <a:ea typeface="+mn-ea"/>
+                <a:cs typeface="+mn-cs"/>
+              </a:defRPr>
+            </a:lvl4pPr>
+            <a:lvl5pPr marL="1828800" indent="0" algn="l" defTabSz="457200" rtl="0" eaLnBrk="1" latinLnBrk="0" hangingPunct="1">
+              <a:spcBef>
+                <a:spcPct val="20000"/>
+              </a:spcBef>
+              <a:spcAft>
+                <a:spcPts val="600"/>
+              </a:spcAft>
+              <a:buClr>
+                <a:schemeClr val="accent2"/>
+              </a:buClr>
+              <a:buSzPct val="92000"/>
+              <a:buFont typeface="Wingdings 2" panose="05020102010507070707" pitchFamily="18" charset="2"/>
+              <a:buNone/>
+              <a:defRPr sz="1600" b="1" kern="1200">
+                <a:solidFill>
+                  <a:schemeClr val="tx2"/>
+                </a:solidFill>
+                <a:latin typeface="+mn-lt"/>
+                <a:ea typeface="+mn-ea"/>
+                <a:cs typeface="+mn-cs"/>
+              </a:defRPr>
+            </a:lvl5pPr>
+            <a:lvl6pPr marL="2286000" indent="0" algn="l" defTabSz="457200" rtl="0" eaLnBrk="1" latinLnBrk="0" hangingPunct="1">
+              <a:spcBef>
+                <a:spcPct val="20000"/>
+              </a:spcBef>
+              <a:spcAft>
+                <a:spcPts val="600"/>
+              </a:spcAft>
+              <a:buClr>
+                <a:schemeClr val="accent2"/>
+              </a:buClr>
+              <a:buSzPct val="92000"/>
+              <a:buFont typeface="Wingdings 2" panose="05020102010507070707" pitchFamily="18" charset="2"/>
+              <a:buNone/>
+              <a:defRPr sz="1600" b="1" kern="1200">
+                <a:solidFill>
+                  <a:schemeClr val="tx2"/>
+                </a:solidFill>
+                <a:latin typeface="+mn-lt"/>
+                <a:ea typeface="+mn-ea"/>
+                <a:cs typeface="+mn-cs"/>
+              </a:defRPr>
+            </a:lvl6pPr>
+            <a:lvl7pPr marL="2743200" indent="0" algn="l" defTabSz="457200" rtl="0" eaLnBrk="1" latinLnBrk="0" hangingPunct="1">
+              <a:spcBef>
+                <a:spcPct val="20000"/>
+              </a:spcBef>
+              <a:spcAft>
+                <a:spcPts val="600"/>
+              </a:spcAft>
+              <a:buClr>
+                <a:schemeClr val="accent2"/>
+              </a:buClr>
+              <a:buSzPct val="92000"/>
+              <a:buFont typeface="Wingdings 2" panose="05020102010507070707" pitchFamily="18" charset="2"/>
+              <a:buNone/>
+              <a:defRPr sz="1600" b="1" kern="1200">
+                <a:solidFill>
+                  <a:schemeClr val="tx2"/>
+                </a:solidFill>
+                <a:latin typeface="+mn-lt"/>
+                <a:ea typeface="+mn-ea"/>
+                <a:cs typeface="+mn-cs"/>
+              </a:defRPr>
+            </a:lvl7pPr>
+            <a:lvl8pPr marL="3200400" indent="0" algn="l" defTabSz="457200" rtl="0" eaLnBrk="1" latinLnBrk="0" hangingPunct="1">
+              <a:spcBef>
+                <a:spcPct val="20000"/>
+              </a:spcBef>
+              <a:spcAft>
+                <a:spcPts val="600"/>
+              </a:spcAft>
+              <a:buClr>
+                <a:schemeClr val="accent2"/>
+              </a:buClr>
+              <a:buSzPct val="92000"/>
+              <a:buFont typeface="Wingdings 2" panose="05020102010507070707" pitchFamily="18" charset="2"/>
+              <a:buNone/>
+              <a:defRPr sz="1600" b="1" kern="1200">
+                <a:solidFill>
+                  <a:schemeClr val="tx2"/>
+                </a:solidFill>
+                <a:latin typeface="+mn-lt"/>
+                <a:ea typeface="+mn-ea"/>
+                <a:cs typeface="+mn-cs"/>
+              </a:defRPr>
+            </a:lvl8pPr>
+            <a:lvl9pPr marL="3657600" indent="0" algn="l" defTabSz="457200" rtl="0" eaLnBrk="1" latinLnBrk="0" hangingPunct="1">
+              <a:spcBef>
+                <a:spcPct val="20000"/>
+              </a:spcBef>
+              <a:spcAft>
+                <a:spcPts val="600"/>
+              </a:spcAft>
+              <a:buClr>
+                <a:schemeClr val="accent2"/>
+              </a:buClr>
+              <a:buSzPct val="92000"/>
+              <a:buFont typeface="Wingdings 2" panose="05020102010507070707" pitchFamily="18" charset="2"/>
+              <a:buNone/>
+              <a:defRPr sz="1600" b="1" kern="1200">
+                <a:solidFill>
+                  <a:schemeClr val="tx2"/>
+                </a:solidFill>
+                <a:latin typeface="+mn-lt"/>
+                <a:ea typeface="+mn-ea"/>
+                <a:cs typeface="+mn-cs"/>
+              </a:defRPr>
+            </a:lvl9pPr>
+          </a:lstStyle>
           <a:p>
             <a:r>
               <a:rPr lang="it-IT" dirty="0"/>
-              <a:t>La gestione della memoria virtuale è simile in entrambi i SO</a:t>
-            </a:r>
-          </a:p>
-          <a:p>
-            <a:pPr lvl="1"/>
-            <a:r>
-              <a:rPr lang="it-IT" dirty="0"/>
-              <a:t>Uso della paginazione, perciò della Page </a:t>
-            </a:r>
-            <a:r>
-              <a:rPr lang="it-IT" dirty="0" err="1"/>
-              <a:t>Table</a:t>
-            </a:r>
-            <a:endParaRPr lang="it-IT" dirty="0"/>
-          </a:p>
-          <a:p>
-            <a:pPr lvl="1"/>
-            <a:r>
-              <a:rPr lang="it-IT" dirty="0"/>
-              <a:t>Gestione similare della Frame </a:t>
-            </a:r>
-            <a:r>
-              <a:rPr lang="it-IT" dirty="0" err="1"/>
-              <a:t>Table</a:t>
-            </a:r>
-            <a:endParaRPr lang="it-IT" dirty="0"/>
-          </a:p>
-          <a:p>
-            <a:pPr lvl="1"/>
-            <a:r>
-              <a:rPr lang="it-IT" dirty="0"/>
-              <a:t>Stessa gestione dello spazio degli indirizzi dei processi</a:t>
-            </a:r>
-          </a:p>
-          <a:p>
-            <a:r>
-              <a:rPr lang="it-IT" dirty="0"/>
-              <a:t>Uso di strutture dati analoghe</a:t>
-            </a:r>
-          </a:p>
-          <a:p>
-            <a:pPr lvl="1"/>
-            <a:r>
-              <a:rPr lang="it-IT" dirty="0"/>
-              <a:t>Vettori</a:t>
-            </a:r>
-          </a:p>
-          <a:p>
-            <a:pPr lvl="1"/>
-            <a:r>
-              <a:rPr lang="it-IT" dirty="0"/>
-              <a:t>Bitmap</a:t>
-            </a:r>
-          </a:p>
-          <a:p>
-            <a:pPr lvl="1"/>
-            <a:r>
-              <a:rPr lang="it-IT" dirty="0"/>
-              <a:t>Liste</a:t>
-            </a:r>
-          </a:p>
-          <a:p>
-            <a:r>
-              <a:rPr lang="it-IT" dirty="0"/>
-              <a:t>Paginazione più complessa su OS161, quindi con più funzionalità</a:t>
-            </a:r>
+              <a:t>OS161</a:t>
+            </a:r>
+          </a:p>
+          <a:p>
+            <a:r>
+              <a:rPr lang="it-IT" sz="1800" dirty="0" err="1">
+                <a:solidFill>
+                  <a:schemeClr val="tx2"/>
+                </a:solidFill>
+              </a:rPr>
+              <a:t>kern</a:t>
+            </a:r>
+            <a:r>
+              <a:rPr lang="it-IT" sz="1800" dirty="0">
+                <a:solidFill>
+                  <a:schemeClr val="tx2"/>
+                </a:solidFill>
+              </a:rPr>
+              <a:t>/thread/</a:t>
+            </a:r>
+            <a:r>
+              <a:rPr lang="it-IT" sz="1800" dirty="0" err="1">
+                <a:solidFill>
+                  <a:schemeClr val="tx2"/>
+                </a:solidFill>
+              </a:rPr>
+              <a:t>thread.c</a:t>
+            </a:r>
+            <a:endParaRPr lang="it-IT" sz="1800" dirty="0">
+              <a:solidFill>
+                <a:schemeClr val="tx2"/>
+              </a:solidFill>
+            </a:endParaRPr>
           </a:p>
         </p:txBody>
       </p:sp>
     </p:spTree>
     <p:extLst>
       <p:ext uri="{BB962C8B-B14F-4D97-AF65-F5344CB8AC3E}">
-        <p14:creationId xmlns:p14="http://schemas.microsoft.com/office/powerpoint/2010/main" val="450538825"/>
+        <p14:creationId xmlns:p14="http://schemas.microsoft.com/office/powerpoint/2010/main" val="3203019218"/>
       </p:ext>
     </p:extLst>
   </p:cSld>

--- a/Progetto_SO.pptx
+++ b/Progetto_SO.pptx
@@ -8,17 +8,17 @@
     <p:sldId id="256" r:id="rId2"/>
     <p:sldId id="261" r:id="rId3"/>
     <p:sldId id="260" r:id="rId4"/>
-    <p:sldId id="257" r:id="rId5"/>
-    <p:sldId id="283" r:id="rId6"/>
-    <p:sldId id="271" r:id="rId7"/>
-    <p:sldId id="285" r:id="rId8"/>
-    <p:sldId id="269" r:id="rId9"/>
-    <p:sldId id="290" r:id="rId10"/>
-    <p:sldId id="286" r:id="rId11"/>
-    <p:sldId id="279" r:id="rId12"/>
-    <p:sldId id="287" r:id="rId13"/>
-    <p:sldId id="288" r:id="rId14"/>
-    <p:sldId id="289" r:id="rId15"/>
+    <p:sldId id="271" r:id="rId5"/>
+    <p:sldId id="285" r:id="rId6"/>
+    <p:sldId id="269" r:id="rId7"/>
+    <p:sldId id="290" r:id="rId8"/>
+    <p:sldId id="286" r:id="rId9"/>
+    <p:sldId id="279" r:id="rId10"/>
+    <p:sldId id="287" r:id="rId11"/>
+    <p:sldId id="288" r:id="rId12"/>
+    <p:sldId id="289" r:id="rId13"/>
+    <p:sldId id="291" r:id="rId14"/>
+    <p:sldId id="292" r:id="rId15"/>
     <p:sldId id="284" r:id="rId16"/>
   </p:sldIdLst>
   <p:sldSz cx="12192000" cy="6858000"/>
@@ -6559,7 +6559,7 @@
           <a:p>
             <a:fld id="{F259A98E-7D3E-4BAE-A284-2CE0D83E33BF}" type="datetimeFigureOut">
               <a:rPr lang="it-IT" smtClean="0"/>
-              <a:t>07/01/2024</a:t>
+              <a:t>15/01/2024</a:t>
             </a:fld>
             <a:endParaRPr lang="it-IT"/>
           </a:p>
@@ -6821,7 +6821,7 @@
           <a:p>
             <a:fld id="{F259A98E-7D3E-4BAE-A284-2CE0D83E33BF}" type="datetimeFigureOut">
               <a:rPr lang="it-IT" smtClean="0"/>
-              <a:t>07/01/2024</a:t>
+              <a:t>15/01/2024</a:t>
             </a:fld>
             <a:endParaRPr lang="it-IT"/>
           </a:p>
@@ -7056,7 +7056,7 @@
           <a:p>
             <a:fld id="{F259A98E-7D3E-4BAE-A284-2CE0D83E33BF}" type="datetimeFigureOut">
               <a:rPr lang="it-IT" smtClean="0"/>
-              <a:t>07/01/2024</a:t>
+              <a:t>15/01/2024</a:t>
             </a:fld>
             <a:endParaRPr lang="it-IT"/>
           </a:p>
@@ -7296,7 +7296,7 @@
           <a:p>
             <a:fld id="{F259A98E-7D3E-4BAE-A284-2CE0D83E33BF}" type="datetimeFigureOut">
               <a:rPr lang="it-IT" smtClean="0"/>
-              <a:t>07/01/2024</a:t>
+              <a:t>15/01/2024</a:t>
             </a:fld>
             <a:endParaRPr lang="it-IT"/>
           </a:p>
@@ -7603,7 +7603,7 @@
           <a:p>
             <a:fld id="{F259A98E-7D3E-4BAE-A284-2CE0D83E33BF}" type="datetimeFigureOut">
               <a:rPr lang="it-IT" smtClean="0"/>
-              <a:t>07/01/2024</a:t>
+              <a:t>15/01/2024</a:t>
             </a:fld>
             <a:endParaRPr lang="it-IT"/>
           </a:p>
@@ -7905,7 +7905,7 @@
           <a:p>
             <a:fld id="{F259A98E-7D3E-4BAE-A284-2CE0D83E33BF}" type="datetimeFigureOut">
               <a:rPr lang="it-IT" smtClean="0"/>
-              <a:t>07/01/2024</a:t>
+              <a:t>15/01/2024</a:t>
             </a:fld>
             <a:endParaRPr lang="it-IT"/>
           </a:p>
@@ -8327,7 +8327,7 @@
           <a:p>
             <a:fld id="{F259A98E-7D3E-4BAE-A284-2CE0D83E33BF}" type="datetimeFigureOut">
               <a:rPr lang="it-IT" smtClean="0"/>
-              <a:t>07/01/2024</a:t>
+              <a:t>15/01/2024</a:t>
             </a:fld>
             <a:endParaRPr lang="it-IT"/>
           </a:p>
@@ -8422,7 +8422,7 @@
           <a:p>
             <a:fld id="{F259A98E-7D3E-4BAE-A284-2CE0D83E33BF}" type="datetimeFigureOut">
               <a:rPr lang="it-IT" smtClean="0"/>
-              <a:t>07/01/2024</a:t>
+              <a:t>15/01/2024</a:t>
             </a:fld>
             <a:endParaRPr lang="it-IT"/>
           </a:p>
@@ -8584,7 +8584,7 @@
           <a:p>
             <a:fld id="{F259A98E-7D3E-4BAE-A284-2CE0D83E33BF}" type="datetimeFigureOut">
               <a:rPr lang="it-IT" smtClean="0"/>
-              <a:t>07/01/2024</a:t>
+              <a:t>15/01/2024</a:t>
             </a:fld>
             <a:endParaRPr lang="it-IT"/>
           </a:p>
@@ -8962,7 +8962,7 @@
           <a:p>
             <a:fld id="{F259A98E-7D3E-4BAE-A284-2CE0D83E33BF}" type="datetimeFigureOut">
               <a:rPr lang="it-IT" smtClean="0"/>
-              <a:t>07/01/2024</a:t>
+              <a:t>15/01/2024</a:t>
             </a:fld>
             <a:endParaRPr lang="it-IT"/>
           </a:p>
@@ -9251,7 +9251,7 @@
           <a:p>
             <a:fld id="{F259A98E-7D3E-4BAE-A284-2CE0D83E33BF}" type="datetimeFigureOut">
               <a:rPr lang="it-IT" smtClean="0"/>
-              <a:t>07/01/2024</a:t>
+              <a:t>15/01/2024</a:t>
             </a:fld>
             <a:endParaRPr lang="it-IT"/>
           </a:p>
@@ -9462,7 +9462,7 @@
           <a:p>
             <a:fld id="{F259A98E-7D3E-4BAE-A284-2CE0D83E33BF}" type="datetimeFigureOut">
               <a:rPr lang="it-IT" smtClean="0"/>
-              <a:t>07/01/2024</a:t>
+              <a:t>15/01/2024</a:t>
             </a:fld>
             <a:endParaRPr lang="it-IT"/>
           </a:p>
@@ -10223,7 +10223,7 @@
           <p:cNvPr id="2" name="Titolo 1">
             <a:extLst>
               <a:ext uri="{FF2B5EF4-FFF2-40B4-BE49-F238E27FC236}">
-                <a16:creationId xmlns:a16="http://schemas.microsoft.com/office/drawing/2014/main" id="{A8407669-AD4A-530A-308F-4AD673D020A5}"/>
+                <a16:creationId xmlns:a16="http://schemas.microsoft.com/office/drawing/2014/main" id="{69441F67-1949-8EC8-EB98-85670AC3670C}"/>
               </a:ext>
             </a:extLst>
           </p:cNvPr>
@@ -10236,28 +10236,22 @@
         </p:nvSpPr>
         <p:spPr/>
         <p:txBody>
-          <a:bodyPr/>
+          <a:bodyPr>
+            <a:normAutofit/>
+          </a:bodyPr>
           <a:lstStyle/>
           <a:p>
             <a:r>
-              <a:rPr lang="it-IT" dirty="0" err="1"/>
-              <a:t>Paging</a:t>
-            </a:r>
-            <a:r>
               <a:rPr lang="it-IT" dirty="0"/>
-              <a:t> e  </a:t>
-            </a:r>
-            <a:r>
-              <a:rPr lang="it-IT" dirty="0" err="1"/>
-              <a:t>virtual</a:t>
-            </a:r>
-            <a:r>
-              <a:rPr lang="it-IT" dirty="0"/>
-              <a:t> </a:t>
-            </a:r>
-            <a:r>
-              <a:rPr lang="it-IT" dirty="0" err="1"/>
-              <a:t>memory</a:t>
+              <a:t>Meccanismi di sincronizzazione </a:t>
+            </a:r>
+            <a:r>
+              <a:rPr lang="it-IT" sz="1600" dirty="0"/>
+              <a:t>- </a:t>
+            </a:r>
+            <a:r>
+              <a:rPr lang="it-IT" sz="1600" dirty="0" err="1"/>
+              <a:t>SEmaphore</a:t>
             </a:r>
             <a:endParaRPr lang="it-IT" dirty="0"/>
           </a:p>
@@ -10265,10 +10259,10 @@
       </p:sp>
       <p:sp>
         <p:nvSpPr>
-          <p:cNvPr id="3" name="Segnaposto contenuto 2">
+          <p:cNvPr id="4" name="Segnaposto testo 3">
             <a:extLst>
               <a:ext uri="{FF2B5EF4-FFF2-40B4-BE49-F238E27FC236}">
-                <a16:creationId xmlns:a16="http://schemas.microsoft.com/office/drawing/2014/main" id="{81551D5C-43AF-6C06-2D96-A6CA08117673}"/>
+                <a16:creationId xmlns:a16="http://schemas.microsoft.com/office/drawing/2014/main" id="{3484543A-BB31-0207-182F-1F1C206F0C68}"/>
               </a:ext>
             </a:extLst>
           </p:cNvPr>
@@ -10276,83 +10270,642 @@
             <a:spLocks noGrp="1"/>
           </p:cNvSpPr>
           <p:nvPr>
-            <p:ph idx="1"/>
+            <p:ph type="body" idx="1"/>
           </p:nvPr>
         </p:nvSpPr>
-        <p:spPr/>
+        <p:spPr>
+          <a:xfrm>
+            <a:off x="887219" y="2794235"/>
+            <a:ext cx="5087075" cy="536005"/>
+          </a:xfrm>
+        </p:spPr>
+        <p:txBody>
+          <a:bodyPr/>
+          <a:lstStyle/>
+          <a:p>
+            <a:r>
+              <a:rPr lang="it-IT" dirty="0"/>
+              <a:t>OS161</a:t>
+            </a:r>
+          </a:p>
+        </p:txBody>
+      </p:sp>
+      <p:sp>
+        <p:nvSpPr>
+          <p:cNvPr id="8" name="Segnaposto contenuto 7">
+            <a:extLst>
+              <a:ext uri="{FF2B5EF4-FFF2-40B4-BE49-F238E27FC236}">
+                <a16:creationId xmlns:a16="http://schemas.microsoft.com/office/drawing/2014/main" id="{A1E5DF89-94E7-98C4-F563-B3A43317A1CE}"/>
+              </a:ext>
+            </a:extLst>
+          </p:cNvPr>
+          <p:cNvSpPr>
+            <a:spLocks noGrp="1"/>
+          </p:cNvSpPr>
+          <p:nvPr>
+            <p:ph sz="half" idx="2"/>
+          </p:nvPr>
+        </p:nvSpPr>
+        <p:spPr>
+          <a:xfrm>
+            <a:off x="581194" y="3469395"/>
+            <a:ext cx="5393100" cy="2934999"/>
+          </a:xfrm>
+        </p:spPr>
         <p:txBody>
           <a:bodyPr>
-            <a:normAutofit/>
+            <a:noAutofit/>
           </a:bodyPr>
           <a:lstStyle/>
           <a:p>
             <a:r>
+              <a:rPr lang="it-IT" sz="1600" dirty="0"/>
+              <a:t>Semafori implementati come </a:t>
+            </a:r>
+            <a:r>
+              <a:rPr lang="it-IT" sz="1600" dirty="0" err="1"/>
+              <a:t>struct</a:t>
+            </a:r>
+            <a:r>
+              <a:rPr lang="it-IT" sz="1600" dirty="0"/>
+              <a:t> contenente:</a:t>
+            </a:r>
+          </a:p>
+          <a:p>
+            <a:pPr lvl="1"/>
+            <a:r>
               <a:rPr lang="it-IT" dirty="0"/>
-              <a:t>La gestione della memoria virtuale è simile in entrambi i SO</a:t>
+              <a:t>nome: utilizzato per identificarlo</a:t>
             </a:r>
           </a:p>
           <a:p>
             <a:pPr lvl="1"/>
             <a:r>
+              <a:rPr lang="it-IT" dirty="0" err="1"/>
+              <a:t>wchan</a:t>
+            </a:r>
+            <a:r>
               <a:rPr lang="it-IT" dirty="0"/>
-              <a:t>Uso della paginazione, perciò della Page </a:t>
+              <a:t>: per memorizzare i </a:t>
             </a:r>
             <a:r>
               <a:rPr lang="it-IT" dirty="0" err="1"/>
-              <a:t>Table</a:t>
-            </a:r>
-            <a:endParaRPr lang="it-IT" dirty="0"/>
+              <a:t>threads</a:t>
+            </a:r>
+            <a:r>
+              <a:rPr lang="it-IT" dirty="0"/>
+              <a:t> in attesa</a:t>
+            </a:r>
           </a:p>
           <a:p>
             <a:pPr lvl="1"/>
             <a:r>
+              <a:rPr lang="it-IT" dirty="0" err="1"/>
+              <a:t>spinlock</a:t>
+            </a:r>
+            <a:r>
               <a:rPr lang="it-IT" dirty="0"/>
-              <a:t>Gestione similare della Frame </a:t>
+              <a:t>: per mettere un lock sul semaforo (protegge il contatore)</a:t>
+            </a:r>
+          </a:p>
+          <a:p>
+            <a:pPr lvl="1"/>
+            <a:r>
+              <a:rPr lang="it-IT" dirty="0"/>
+              <a:t>contatore: numero di </a:t>
             </a:r>
             <a:r>
               <a:rPr lang="it-IT" dirty="0" err="1"/>
-              <a:t>Table</a:t>
-            </a:r>
-            <a:endParaRPr lang="it-IT" dirty="0"/>
+              <a:t>threads</a:t>
+            </a:r>
+            <a:r>
+              <a:rPr lang="it-IT" dirty="0"/>
+              <a:t> che possono accedere alla risorsa</a:t>
+            </a:r>
+          </a:p>
+          <a:p>
+            <a:r>
+              <a:rPr lang="it-IT" sz="1600" dirty="0"/>
+              <a:t>Sono usate le funzioni </a:t>
+            </a:r>
+            <a:r>
+              <a:rPr lang="it-IT" sz="1600" b="1" dirty="0"/>
+              <a:t>P </a:t>
+            </a:r>
+            <a:r>
+              <a:rPr lang="it-IT" sz="1600" dirty="0"/>
+              <a:t>(decrementa il contatore e blocca il </a:t>
+            </a:r>
+            <a:r>
+              <a:rPr lang="it-IT" sz="1600" dirty="0" err="1"/>
+              <a:t>thread</a:t>
+            </a:r>
+            <a:r>
+              <a:rPr lang="it-IT" sz="1600" dirty="0"/>
+              <a:t> se </a:t>
+            </a:r>
+            <a:r>
+              <a:rPr lang="it-IT" sz="1600" dirty="0" err="1"/>
+              <a:t>cont</a:t>
+            </a:r>
+            <a:r>
+              <a:rPr lang="it-IT" sz="1600" dirty="0"/>
+              <a:t>=0) e </a:t>
+            </a:r>
+            <a:r>
+              <a:rPr lang="it-IT" sz="1600" b="1" dirty="0"/>
+              <a:t>V</a:t>
+            </a:r>
+            <a:r>
+              <a:rPr lang="it-IT" sz="1600" dirty="0"/>
+              <a:t> (incrementa il contatore e sveglia un </a:t>
+            </a:r>
+            <a:r>
+              <a:rPr lang="it-IT" sz="1600" dirty="0" err="1"/>
+              <a:t>thread</a:t>
+            </a:r>
+            <a:r>
+              <a:rPr lang="it-IT" sz="1600" dirty="0"/>
+              <a:t> in attesa)</a:t>
+            </a:r>
+            <a:endParaRPr lang="it-IT" sz="1600" b="1" dirty="0"/>
+          </a:p>
+          <a:p>
+            <a:endParaRPr lang="it-IT" sz="1600" dirty="0"/>
+          </a:p>
+        </p:txBody>
+      </p:sp>
+      <p:sp>
+        <p:nvSpPr>
+          <p:cNvPr id="9" name="Segnaposto testo 8">
+            <a:extLst>
+              <a:ext uri="{FF2B5EF4-FFF2-40B4-BE49-F238E27FC236}">
+                <a16:creationId xmlns:a16="http://schemas.microsoft.com/office/drawing/2014/main" id="{00842FCF-9A2A-27B3-4ED6-BB0713CE4444}"/>
+              </a:ext>
+            </a:extLst>
+          </p:cNvPr>
+          <p:cNvSpPr>
+            <a:spLocks noGrp="1"/>
+          </p:cNvSpPr>
+          <p:nvPr>
+            <p:ph type="body" sz="quarter" idx="3"/>
+          </p:nvPr>
+        </p:nvSpPr>
+        <p:spPr>
+          <a:xfrm>
+            <a:off x="6523735" y="2794235"/>
+            <a:ext cx="5087073" cy="553373"/>
+          </a:xfrm>
+        </p:spPr>
+        <p:txBody>
+          <a:bodyPr/>
+          <a:lstStyle/>
+          <a:p>
+            <a:r>
+              <a:rPr lang="it-IT" dirty="0"/>
+              <a:t>PINTOS</a:t>
+            </a:r>
+          </a:p>
+        </p:txBody>
+      </p:sp>
+      <p:sp>
+        <p:nvSpPr>
+          <p:cNvPr id="10" name="Segnaposto contenuto 9">
+            <a:extLst>
+              <a:ext uri="{FF2B5EF4-FFF2-40B4-BE49-F238E27FC236}">
+                <a16:creationId xmlns:a16="http://schemas.microsoft.com/office/drawing/2014/main" id="{3CDA2ECB-1671-3745-42C6-213A778ECD29}"/>
+              </a:ext>
+            </a:extLst>
+          </p:cNvPr>
+          <p:cNvSpPr>
+            <a:spLocks noGrp="1"/>
+          </p:cNvSpPr>
+          <p:nvPr>
+            <p:ph sz="quarter" idx="4"/>
+          </p:nvPr>
+        </p:nvSpPr>
+        <p:spPr>
+          <a:xfrm>
+            <a:off x="6217709" y="3469395"/>
+            <a:ext cx="5393100" cy="2934999"/>
+          </a:xfrm>
+        </p:spPr>
+        <p:txBody>
+          <a:bodyPr>
+            <a:noAutofit/>
+          </a:bodyPr>
+          <a:lstStyle/>
+          <a:p>
+            <a:r>
+              <a:rPr lang="it-IT" sz="1600" dirty="0"/>
+              <a:t>Semafori implementati come </a:t>
+            </a:r>
+            <a:r>
+              <a:rPr lang="it-IT" sz="1600" dirty="0" err="1"/>
+              <a:t>struct</a:t>
+            </a:r>
+            <a:r>
+              <a:rPr lang="it-IT" sz="1600" dirty="0"/>
+              <a:t> contenente:</a:t>
+            </a:r>
           </a:p>
           <a:p>
             <a:pPr lvl="1"/>
             <a:r>
               <a:rPr lang="it-IT" dirty="0"/>
-              <a:t>Stessa gestione dello spazio degli indirizzi dei processi</a:t>
-            </a:r>
-          </a:p>
-          <a:p>
+              <a:t>valore: non negativo che indica il numero di </a:t>
+            </a:r>
+            <a:r>
+              <a:rPr lang="it-IT" dirty="0" err="1"/>
+              <a:t>threads</a:t>
+            </a:r>
             <a:r>
               <a:rPr lang="it-IT" dirty="0"/>
-              <a:t>Uso di strutture dati analoghe</a:t>
+              <a:t> che possono accedere alla risorsa</a:t>
             </a:r>
           </a:p>
           <a:p>
             <a:pPr lvl="1"/>
             <a:r>
               <a:rPr lang="it-IT" dirty="0"/>
-              <a:t>Vettori</a:t>
-            </a:r>
-          </a:p>
-          <a:p>
-            <a:pPr lvl="1"/>
+              <a:t>lista: </a:t>
+            </a:r>
+            <a:r>
+              <a:rPr lang="it-IT" dirty="0" err="1"/>
+              <a:t>linked</a:t>
+            </a:r>
             <a:r>
               <a:rPr lang="it-IT" dirty="0"/>
-              <a:t>Bitmap</a:t>
-            </a:r>
-          </a:p>
-          <a:p>
-            <a:pPr lvl="1"/>
+              <a:t> list che memorizza i </a:t>
+            </a:r>
+            <a:r>
+              <a:rPr lang="it-IT" dirty="0" err="1"/>
+              <a:t>threads</a:t>
+            </a:r>
             <a:r>
               <a:rPr lang="it-IT" dirty="0"/>
-              <a:t>Liste</a:t>
-            </a:r>
-          </a:p>
-          <a:p>
-            <a:r>
-              <a:rPr lang="it-IT" dirty="0"/>
-              <a:t>Paginazione più complessa su OS161, quindi con più funzionalità</a:t>
+              <a:t> in attesa</a:t>
+            </a:r>
+          </a:p>
+          <a:p>
+            <a:r>
+              <a:rPr lang="it-IT" sz="1600" dirty="0"/>
+              <a:t>Sono usate le funzioni </a:t>
+            </a:r>
+            <a:r>
+              <a:rPr lang="it-IT" sz="1600" b="1" dirty="0" err="1"/>
+              <a:t>sema_down</a:t>
+            </a:r>
+            <a:r>
+              <a:rPr lang="it-IT" sz="1600" b="1" dirty="0"/>
+              <a:t> </a:t>
+            </a:r>
+            <a:r>
+              <a:rPr lang="it-IT" sz="1600" dirty="0"/>
+              <a:t>(decrementa il contatore e blocca il </a:t>
+            </a:r>
+            <a:r>
+              <a:rPr lang="it-IT" sz="1600" dirty="0" err="1"/>
+              <a:t>thread</a:t>
+            </a:r>
+            <a:r>
+              <a:rPr lang="it-IT" sz="1600" dirty="0"/>
+              <a:t> se </a:t>
+            </a:r>
+            <a:r>
+              <a:rPr lang="it-IT" sz="1600" dirty="0" err="1"/>
+              <a:t>cont</a:t>
+            </a:r>
+            <a:r>
+              <a:rPr lang="it-IT" sz="1600" dirty="0"/>
+              <a:t>=0) e </a:t>
+            </a:r>
+            <a:r>
+              <a:rPr lang="it-IT" sz="1600" b="1" dirty="0" err="1"/>
+              <a:t>sema_up</a:t>
+            </a:r>
+            <a:r>
+              <a:rPr lang="it-IT" sz="1600" dirty="0"/>
+              <a:t> (incrementa il contatore e sveglia un </a:t>
+            </a:r>
+            <a:r>
+              <a:rPr lang="it-IT" sz="1600" dirty="0" err="1"/>
+              <a:t>thread</a:t>
+            </a:r>
+            <a:r>
+              <a:rPr lang="it-IT" sz="1600" dirty="0"/>
+              <a:t> in attesa)</a:t>
+            </a:r>
+          </a:p>
+          <a:p>
+            <a:r>
+              <a:rPr lang="it-IT" sz="1600" dirty="0"/>
+              <a:t>È presente la funzione </a:t>
+            </a:r>
+            <a:r>
+              <a:rPr lang="it-IT" sz="1600" b="1" dirty="0" err="1"/>
+              <a:t>sema_try_down</a:t>
+            </a:r>
+            <a:r>
+              <a:rPr lang="it-IT" sz="1600" dirty="0"/>
+              <a:t> che prova ad abbassare il valore del semaforo senza attendere. Se il </a:t>
+            </a:r>
+            <a:r>
+              <a:rPr lang="it-IT" sz="1600" dirty="0" err="1"/>
+              <a:t>value</a:t>
+            </a:r>
+            <a:r>
+              <a:rPr lang="it-IT" sz="1600" dirty="0"/>
+              <a:t> è 0 il </a:t>
+            </a:r>
+            <a:r>
+              <a:rPr lang="it-IT" sz="1600" dirty="0" err="1"/>
+              <a:t>thread</a:t>
+            </a:r>
+            <a:r>
+              <a:rPr lang="it-IT" sz="1600" dirty="0"/>
+              <a:t> è bloccato e messo in attesa; altrimenti viene decrementato e la funzione restituisce </a:t>
+            </a:r>
+            <a:r>
+              <a:rPr lang="it-IT" sz="1600" dirty="0" err="1"/>
+              <a:t>true</a:t>
+            </a:r>
+            <a:endParaRPr lang="it-IT" sz="1600" dirty="0"/>
+          </a:p>
+        </p:txBody>
+      </p:sp>
+      <p:sp>
+        <p:nvSpPr>
+          <p:cNvPr id="3" name="Segnaposto testo 3">
+            <a:extLst>
+              <a:ext uri="{FF2B5EF4-FFF2-40B4-BE49-F238E27FC236}">
+                <a16:creationId xmlns:a16="http://schemas.microsoft.com/office/drawing/2014/main" id="{DD092F63-1123-8337-F4DC-4B5BF08C3E1F}"/>
+              </a:ext>
+            </a:extLst>
+          </p:cNvPr>
+          <p:cNvSpPr txBox="1">
+            <a:spLocks/>
+          </p:cNvSpPr>
+          <p:nvPr/>
+        </p:nvSpPr>
+        <p:spPr>
+          <a:xfrm>
+            <a:off x="615548" y="1879772"/>
+            <a:ext cx="11245148" cy="921080"/>
+          </a:xfrm>
+          <a:prstGeom prst="rect">
+            <a:avLst/>
+          </a:prstGeom>
+        </p:spPr>
+        <p:txBody>
+          <a:bodyPr vert="horz" lIns="91440" tIns="45720" rIns="91440" bIns="45720" rtlCol="0" anchor="b">
+            <a:noAutofit/>
+          </a:bodyPr>
+          <a:lstStyle>
+            <a:lvl1pPr marL="0" indent="0" algn="l" defTabSz="457200" rtl="0" eaLnBrk="1" latinLnBrk="0" hangingPunct="1">
+              <a:spcBef>
+                <a:spcPct val="20000"/>
+              </a:spcBef>
+              <a:spcAft>
+                <a:spcPts val="600"/>
+              </a:spcAft>
+              <a:buClr>
+                <a:schemeClr val="accent2"/>
+              </a:buClr>
+              <a:buSzPct val="92000"/>
+              <a:buFont typeface="Wingdings 2" panose="05020102010507070707" pitchFamily="18" charset="2"/>
+              <a:buNone/>
+              <a:defRPr sz="2200" b="0" kern="1200">
+                <a:solidFill>
+                  <a:schemeClr val="accent2"/>
+                </a:solidFill>
+                <a:latin typeface="+mn-lt"/>
+                <a:ea typeface="+mn-ea"/>
+                <a:cs typeface="+mn-cs"/>
+              </a:defRPr>
+            </a:lvl1pPr>
+            <a:lvl2pPr marL="457200" indent="0" algn="l" defTabSz="457200" rtl="0" eaLnBrk="1" latinLnBrk="0" hangingPunct="1">
+              <a:spcBef>
+                <a:spcPct val="20000"/>
+              </a:spcBef>
+              <a:spcAft>
+                <a:spcPts val="600"/>
+              </a:spcAft>
+              <a:buClr>
+                <a:schemeClr val="accent2"/>
+              </a:buClr>
+              <a:buSzPct val="92000"/>
+              <a:buFont typeface="Wingdings 2" panose="05020102010507070707" pitchFamily="18" charset="2"/>
+              <a:buNone/>
+              <a:defRPr sz="2000" b="1" kern="1200">
+                <a:solidFill>
+                  <a:schemeClr val="tx2"/>
+                </a:solidFill>
+                <a:latin typeface="+mn-lt"/>
+                <a:ea typeface="+mn-ea"/>
+                <a:cs typeface="+mn-cs"/>
+              </a:defRPr>
+            </a:lvl2pPr>
+            <a:lvl3pPr marL="914400" indent="0" algn="l" defTabSz="457200" rtl="0" eaLnBrk="1" latinLnBrk="0" hangingPunct="1">
+              <a:spcBef>
+                <a:spcPct val="20000"/>
+              </a:spcBef>
+              <a:spcAft>
+                <a:spcPts val="600"/>
+              </a:spcAft>
+              <a:buClr>
+                <a:schemeClr val="accent2"/>
+              </a:buClr>
+              <a:buSzPct val="92000"/>
+              <a:buFont typeface="Wingdings 2" panose="05020102010507070707" pitchFamily="18" charset="2"/>
+              <a:buNone/>
+              <a:defRPr sz="1800" b="1" kern="1200">
+                <a:solidFill>
+                  <a:schemeClr val="tx2"/>
+                </a:solidFill>
+                <a:latin typeface="+mn-lt"/>
+                <a:ea typeface="+mn-ea"/>
+                <a:cs typeface="+mn-cs"/>
+              </a:defRPr>
+            </a:lvl3pPr>
+            <a:lvl4pPr marL="1371600" indent="0" algn="l" defTabSz="457200" rtl="0" eaLnBrk="1" latinLnBrk="0" hangingPunct="1">
+              <a:spcBef>
+                <a:spcPct val="20000"/>
+              </a:spcBef>
+              <a:spcAft>
+                <a:spcPts val="600"/>
+              </a:spcAft>
+              <a:buClr>
+                <a:schemeClr val="accent2"/>
+              </a:buClr>
+              <a:buSzPct val="92000"/>
+              <a:buFont typeface="Wingdings 2" panose="05020102010507070707" pitchFamily="18" charset="2"/>
+              <a:buNone/>
+              <a:defRPr sz="1600" b="1" kern="1200">
+                <a:solidFill>
+                  <a:schemeClr val="tx2"/>
+                </a:solidFill>
+                <a:latin typeface="+mn-lt"/>
+                <a:ea typeface="+mn-ea"/>
+                <a:cs typeface="+mn-cs"/>
+              </a:defRPr>
+            </a:lvl4pPr>
+            <a:lvl5pPr marL="1828800" indent="0" algn="l" defTabSz="457200" rtl="0" eaLnBrk="1" latinLnBrk="0" hangingPunct="1">
+              <a:spcBef>
+                <a:spcPct val="20000"/>
+              </a:spcBef>
+              <a:spcAft>
+                <a:spcPts val="600"/>
+              </a:spcAft>
+              <a:buClr>
+                <a:schemeClr val="accent2"/>
+              </a:buClr>
+              <a:buSzPct val="92000"/>
+              <a:buFont typeface="Wingdings 2" panose="05020102010507070707" pitchFamily="18" charset="2"/>
+              <a:buNone/>
+              <a:defRPr sz="1600" b="1" kern="1200">
+                <a:solidFill>
+                  <a:schemeClr val="tx2"/>
+                </a:solidFill>
+                <a:latin typeface="+mn-lt"/>
+                <a:ea typeface="+mn-ea"/>
+                <a:cs typeface="+mn-cs"/>
+              </a:defRPr>
+            </a:lvl5pPr>
+            <a:lvl6pPr marL="2286000" indent="0" algn="l" defTabSz="457200" rtl="0" eaLnBrk="1" latinLnBrk="0" hangingPunct="1">
+              <a:spcBef>
+                <a:spcPct val="20000"/>
+              </a:spcBef>
+              <a:spcAft>
+                <a:spcPts val="600"/>
+              </a:spcAft>
+              <a:buClr>
+                <a:schemeClr val="accent2"/>
+              </a:buClr>
+              <a:buSzPct val="92000"/>
+              <a:buFont typeface="Wingdings 2" panose="05020102010507070707" pitchFamily="18" charset="2"/>
+              <a:buNone/>
+              <a:defRPr sz="1600" b="1" kern="1200">
+                <a:solidFill>
+                  <a:schemeClr val="tx2"/>
+                </a:solidFill>
+                <a:latin typeface="+mn-lt"/>
+                <a:ea typeface="+mn-ea"/>
+                <a:cs typeface="+mn-cs"/>
+              </a:defRPr>
+            </a:lvl6pPr>
+            <a:lvl7pPr marL="2743200" indent="0" algn="l" defTabSz="457200" rtl="0" eaLnBrk="1" latinLnBrk="0" hangingPunct="1">
+              <a:spcBef>
+                <a:spcPct val="20000"/>
+              </a:spcBef>
+              <a:spcAft>
+                <a:spcPts val="600"/>
+              </a:spcAft>
+              <a:buClr>
+                <a:schemeClr val="accent2"/>
+              </a:buClr>
+              <a:buSzPct val="92000"/>
+              <a:buFont typeface="Wingdings 2" panose="05020102010507070707" pitchFamily="18" charset="2"/>
+              <a:buNone/>
+              <a:defRPr sz="1600" b="1" kern="1200">
+                <a:solidFill>
+                  <a:schemeClr val="tx2"/>
+                </a:solidFill>
+                <a:latin typeface="+mn-lt"/>
+                <a:ea typeface="+mn-ea"/>
+                <a:cs typeface="+mn-cs"/>
+              </a:defRPr>
+            </a:lvl7pPr>
+            <a:lvl8pPr marL="3200400" indent="0" algn="l" defTabSz="457200" rtl="0" eaLnBrk="1" latinLnBrk="0" hangingPunct="1">
+              <a:spcBef>
+                <a:spcPct val="20000"/>
+              </a:spcBef>
+              <a:spcAft>
+                <a:spcPts val="600"/>
+              </a:spcAft>
+              <a:buClr>
+                <a:schemeClr val="accent2"/>
+              </a:buClr>
+              <a:buSzPct val="92000"/>
+              <a:buFont typeface="Wingdings 2" panose="05020102010507070707" pitchFamily="18" charset="2"/>
+              <a:buNone/>
+              <a:defRPr sz="1600" b="1" kern="1200">
+                <a:solidFill>
+                  <a:schemeClr val="tx2"/>
+                </a:solidFill>
+                <a:latin typeface="+mn-lt"/>
+                <a:ea typeface="+mn-ea"/>
+                <a:cs typeface="+mn-cs"/>
+              </a:defRPr>
+            </a:lvl8pPr>
+            <a:lvl9pPr marL="3657600" indent="0" algn="l" defTabSz="457200" rtl="0" eaLnBrk="1" latinLnBrk="0" hangingPunct="1">
+              <a:spcBef>
+                <a:spcPct val="20000"/>
+              </a:spcBef>
+              <a:spcAft>
+                <a:spcPts val="600"/>
+              </a:spcAft>
+              <a:buClr>
+                <a:schemeClr val="accent2"/>
+              </a:buClr>
+              <a:buSzPct val="92000"/>
+              <a:buFont typeface="Wingdings 2" panose="05020102010507070707" pitchFamily="18" charset="2"/>
+              <a:buNone/>
+              <a:defRPr sz="1600" b="1" kern="1200">
+                <a:solidFill>
+                  <a:schemeClr val="tx2"/>
+                </a:solidFill>
+                <a:latin typeface="+mn-lt"/>
+                <a:ea typeface="+mn-ea"/>
+                <a:cs typeface="+mn-cs"/>
+              </a:defRPr>
+            </a:lvl9pPr>
+          </a:lstStyle>
+          <a:p>
+            <a:r>
+              <a:rPr lang="it-IT" sz="2000" b="0" dirty="0">
+                <a:solidFill>
+                  <a:schemeClr val="tx1"/>
+                </a:solidFill>
+                <a:effectLst/>
+              </a:rPr>
+              <a:t>Sia OS161 che </a:t>
+            </a:r>
+            <a:r>
+              <a:rPr lang="it-IT" sz="2000" b="0" dirty="0" err="1">
+                <a:solidFill>
+                  <a:schemeClr val="tx1"/>
+                </a:solidFill>
+                <a:effectLst/>
+              </a:rPr>
+              <a:t>PintOS</a:t>
+            </a:r>
+            <a:r>
+              <a:rPr lang="it-IT" sz="2000" b="0" dirty="0">
+                <a:solidFill>
+                  <a:schemeClr val="tx1"/>
+                </a:solidFill>
+                <a:effectLst/>
+              </a:rPr>
+              <a:t> implementano i semafori seguono il modello classico di semafori di </a:t>
+            </a:r>
+            <a:r>
+              <a:rPr lang="it-IT" sz="2000" b="0" dirty="0" err="1">
+                <a:solidFill>
+                  <a:schemeClr val="tx1"/>
+                </a:solidFill>
+                <a:effectLst/>
+              </a:rPr>
+              <a:t>Dijkstra</a:t>
+            </a:r>
+            <a:r>
+              <a:rPr lang="it-IT" sz="2000" b="0" dirty="0">
+                <a:solidFill>
+                  <a:schemeClr val="tx1"/>
+                </a:solidFill>
+                <a:effectLst/>
+              </a:rPr>
+              <a:t>, con operazioni atomiche di "down" e "up" per garantire la sincronizzazione.</a:t>
             </a:r>
           </a:p>
         </p:txBody>
@@ -10360,7 +10913,7 @@
     </p:spTree>
     <p:extLst>
       <p:ext uri="{BB962C8B-B14F-4D97-AF65-F5344CB8AC3E}">
-        <p14:creationId xmlns:p14="http://schemas.microsoft.com/office/powerpoint/2010/main" val="450538825"/>
+        <p14:creationId xmlns:p14="http://schemas.microsoft.com/office/powerpoint/2010/main" val="4198586686"/>
       </p:ext>
     </p:extLst>
   </p:cSld>
@@ -10416,11 +10969,15 @@
             </a:r>
             <a:r>
               <a:rPr lang="it-IT" sz="1600" dirty="0"/>
-              <a:t>– Interrupt </a:t>
+              <a:t>– lock (</a:t>
             </a:r>
             <a:r>
               <a:rPr lang="it-IT" sz="1600" dirty="0" err="1"/>
-              <a:t>disable</a:t>
+              <a:t>mutex</a:t>
+            </a:r>
+            <a:r>
+              <a:rPr lang="it-IT" sz="1600" dirty="0"/>
+              <a:t>)</a:t>
             </a:r>
             <a:endParaRPr lang="it-IT" dirty="0"/>
           </a:p>
@@ -10444,7 +11001,7 @@
         </p:nvSpPr>
         <p:spPr>
           <a:xfrm>
-            <a:off x="887219" y="2913503"/>
+            <a:off x="887219" y="2555699"/>
             <a:ext cx="5087075" cy="536005"/>
           </a:xfrm>
         </p:spPr>
@@ -10477,102 +11034,77 @@
         </p:nvSpPr>
         <p:spPr>
           <a:xfrm>
-            <a:off x="581194" y="3588663"/>
+            <a:off x="581194" y="3230859"/>
             <a:ext cx="5393100" cy="2934999"/>
           </a:xfrm>
         </p:spPr>
         <p:txBody>
           <a:bodyPr>
-            <a:normAutofit lnSpcReduction="10000"/>
+            <a:noAutofit/>
           </a:bodyPr>
           <a:lstStyle/>
           <a:p>
             <a:r>
+              <a:rPr lang="it-IT" sz="1600" dirty="0"/>
+              <a:t>Lock implementato come </a:t>
+            </a:r>
+            <a:r>
+              <a:rPr lang="it-IT" sz="1600" dirty="0" err="1"/>
+              <a:t>struct</a:t>
+            </a:r>
+            <a:r>
+              <a:rPr lang="it-IT" sz="1600" dirty="0"/>
+              <a:t> contenente:</a:t>
+            </a:r>
+          </a:p>
+          <a:p>
+            <a:pPr lvl="1"/>
+            <a:r>
               <a:rPr lang="it-IT" dirty="0"/>
-              <a:t>Dà la possibilità di modificare la priorità degli interrupt e di abilitarli/disabilitarli</a:t>
-            </a:r>
-          </a:p>
-          <a:p>
-            <a:r>
-              <a:rPr lang="it-IT" b="1" dirty="0"/>
-              <a:t>spl0</a:t>
-            </a:r>
+              <a:t>nome: per identificare il lock</a:t>
+            </a:r>
+          </a:p>
+          <a:p>
+            <a:pPr lvl="1"/>
             <a:r>
               <a:rPr lang="it-IT" dirty="0"/>
-              <a:t>() </a:t>
-            </a:r>
-            <a:r>
-              <a:rPr lang="it-IT" dirty="0">
-                <a:sym typeface="Wingdings" panose="05000000000000000000" pitchFamily="2" charset="2"/>
-              </a:rPr>
-              <a:t> </a:t>
-            </a:r>
-            <a:r>
-              <a:rPr lang="it-IT" altLang="it-IT" dirty="0"/>
-              <a:t>imposta IPL su 0, abilitando tutti gli interrupt </a:t>
-            </a:r>
-            <a:endParaRPr lang="it-IT" dirty="0"/>
-          </a:p>
-          <a:p>
-            <a:r>
-              <a:rPr lang="it-IT" b="1" dirty="0" err="1"/>
-              <a:t>splhigh</a:t>
-            </a:r>
+              <a:t>HANGMAN_LOCKABLE: per rilevare i deadlock</a:t>
+            </a:r>
+          </a:p>
+          <a:p>
+            <a:r>
+              <a:rPr lang="it-IT" sz="1600" dirty="0"/>
+              <a:t>Le operazioni sui Lock sono simili a quelle che offre </a:t>
+            </a:r>
+            <a:r>
+              <a:rPr lang="it-IT" sz="1600" dirty="0" err="1"/>
+              <a:t>PintOS</a:t>
+            </a:r>
+            <a:endParaRPr lang="it-IT" sz="1600" dirty="0"/>
+          </a:p>
+          <a:p>
+            <a:r>
+              <a:rPr lang="it-IT" sz="1600" dirty="0"/>
+              <a:t>La differenza principale è che OS161 utilizza anche un hook per riconoscere e prevenire i deadlock</a:t>
+            </a:r>
+          </a:p>
+          <a:p>
+            <a:pPr lvl="1"/>
             <a:r>
               <a:rPr lang="it-IT" dirty="0"/>
-              <a:t>() </a:t>
-            </a:r>
-            <a:r>
-              <a:rPr lang="it-IT" dirty="0">
-                <a:sym typeface="Wingdings" panose="05000000000000000000" pitchFamily="2" charset="2"/>
-              </a:rPr>
-              <a:t> i</a:t>
-            </a:r>
-            <a:r>
-              <a:rPr lang="it-IT" altLang="it-IT" dirty="0"/>
-              <a:t>mposta IPL al valore più alto, disabilitando tutti gli interrupt. </a:t>
-            </a:r>
-            <a:endParaRPr lang="it-IT" dirty="0"/>
-          </a:p>
-          <a:p>
-            <a:r>
-              <a:rPr lang="it-IT" b="1" dirty="0" err="1"/>
-              <a:t>splx</a:t>
+              <a:t>Il rilevatore di deadlock di OS161 utilizza un approccio basato sul grafo per rilevare i deadlock. I </a:t>
+            </a:r>
+            <a:r>
+              <a:rPr lang="it-IT" dirty="0" err="1"/>
+              <a:t>thread</a:t>
             </a:r>
             <a:r>
               <a:rPr lang="it-IT" dirty="0"/>
-              <a:t>(S) </a:t>
-            </a:r>
-            <a:r>
-              <a:rPr lang="it-IT" dirty="0">
-                <a:sym typeface="Wingdings" panose="05000000000000000000" pitchFamily="2" charset="2"/>
-              </a:rPr>
-              <a:t> imposta IPL al valore S, abilitando lo stato rappresentato da S</a:t>
-            </a:r>
-          </a:p>
-          <a:p>
-            <a:r>
-              <a:rPr lang="it-IT" sz="1400" i="1" dirty="0" err="1">
-                <a:sym typeface="Wingdings" panose="05000000000000000000" pitchFamily="2" charset="2"/>
-              </a:rPr>
-              <a:t>kern</a:t>
-            </a:r>
-            <a:r>
-              <a:rPr lang="it-IT" sz="1400" i="1" dirty="0">
-                <a:sym typeface="Wingdings" panose="05000000000000000000" pitchFamily="2" charset="2"/>
-              </a:rPr>
-              <a:t>/include/</a:t>
-            </a:r>
-            <a:r>
-              <a:rPr lang="it-IT" sz="1400" i="1" dirty="0" err="1">
-                <a:sym typeface="Wingdings" panose="05000000000000000000" pitchFamily="2" charset="2"/>
-              </a:rPr>
-              <a:t>spl.h</a:t>
-            </a:r>
-            <a:endParaRPr lang="it-IT" sz="1400" i="1" dirty="0"/>
-          </a:p>
-          <a:p>
-            <a:endParaRPr lang="it-IT" dirty="0"/>
+              <a:t> e i lock vengono rappresentati come nodi e archi in un grafo. Il codice di rilevamento dei deadlock controlla il grafo per rilevare cicli. Se viene rilevato un ciclo, significa che esiste un deadlock</a:t>
+            </a:r>
+          </a:p>
+          <a:p>
+            <a:endParaRPr lang="it-IT" sz="1600" dirty="0"/>
           </a:p>
         </p:txBody>
       </p:sp>
@@ -10594,7 +11126,7 @@
         </p:nvSpPr>
         <p:spPr>
           <a:xfrm>
-            <a:off x="6523735" y="2913503"/>
+            <a:off x="6523735" y="2555699"/>
             <a:ext cx="5087073" cy="553373"/>
           </a:xfrm>
         </p:spPr>
@@ -10627,94 +11159,133 @@
         </p:nvSpPr>
         <p:spPr>
           <a:xfrm>
-            <a:off x="6217709" y="3588663"/>
+            <a:off x="6217709" y="3230859"/>
             <a:ext cx="5393100" cy="2934999"/>
           </a:xfrm>
         </p:spPr>
         <p:txBody>
           <a:bodyPr>
-            <a:normAutofit lnSpcReduction="10000"/>
+            <a:noAutofit/>
           </a:bodyPr>
           <a:lstStyle/>
           <a:p>
             <a:r>
+              <a:rPr lang="it-IT" sz="1600" dirty="0"/>
+              <a:t>Lock implementato come </a:t>
+            </a:r>
+            <a:r>
+              <a:rPr lang="it-IT" sz="1600" dirty="0" err="1"/>
+              <a:t>struct</a:t>
+            </a:r>
+            <a:r>
+              <a:rPr lang="it-IT" sz="1600" dirty="0"/>
+              <a:t> contenente:</a:t>
+            </a:r>
+          </a:p>
+          <a:p>
+            <a:pPr lvl="1"/>
+            <a:r>
+              <a:rPr lang="it-IT" dirty="0" err="1"/>
+              <a:t>thread</a:t>
+            </a:r>
+            <a:r>
               <a:rPr lang="it-IT" dirty="0"/>
-              <a:t>Dà la possibilità di abilitare/disabilitare gli interrupt ma </a:t>
-            </a:r>
-            <a:r>
-              <a:rPr lang="it-IT" b="1" dirty="0"/>
-              <a:t>non</a:t>
+              <a:t>: chi detiene il lock</a:t>
+            </a:r>
+          </a:p>
+          <a:p>
+            <a:pPr lvl="1"/>
+            <a:r>
+              <a:rPr lang="it-IT" dirty="0" err="1"/>
+              <a:t>semaphore</a:t>
             </a:r>
             <a:r>
               <a:rPr lang="it-IT" dirty="0"/>
-              <a:t> dà la possibilità di controllare la priorità degli interrupt</a:t>
-            </a:r>
-          </a:p>
-          <a:p>
-            <a:r>
-              <a:rPr lang="it-IT" b="1" dirty="0" err="1"/>
-              <a:t>intr_enable</a:t>
-            </a:r>
-            <a:r>
-              <a:rPr lang="it-IT" dirty="0"/>
-              <a:t>() </a:t>
-            </a:r>
-            <a:r>
-              <a:rPr lang="it-IT" dirty="0">
-                <a:sym typeface="Wingdings" panose="05000000000000000000" pitchFamily="2" charset="2"/>
-              </a:rPr>
-              <a:t> abilita gli interrupt</a:t>
-            </a:r>
+              <a:t>: struttura semaforo binario per il controllo degli accessi</a:t>
+            </a:r>
+          </a:p>
+          <a:p>
+            <a:r>
+              <a:rPr lang="it-IT" sz="1600" dirty="0"/>
+              <a:t>Le funzioni sui Lock sono: </a:t>
+            </a:r>
+          </a:p>
+          <a:p>
+            <a:pPr lvl="1"/>
+            <a:r>
+              <a:rPr lang="it-IT" sz="1200" b="1" dirty="0" err="1"/>
+              <a:t>lock_init</a:t>
+            </a:r>
+            <a:r>
+              <a:rPr lang="it-IT" sz="1200" dirty="0"/>
+              <a:t> : Inizializza un nuovo lock.</a:t>
+            </a:r>
+          </a:p>
+          <a:p>
+            <a:pPr lvl="1"/>
+            <a:r>
+              <a:rPr lang="it-IT" sz="1200" b="1" dirty="0" err="1"/>
+              <a:t>lock_acquire</a:t>
+            </a:r>
+            <a:r>
+              <a:rPr lang="it-IT" sz="1200" dirty="0"/>
+              <a:t> : Acquisisce il lock, aspettando, se necessario, il suo rilascio.</a:t>
+            </a:r>
+          </a:p>
+          <a:p>
+            <a:pPr lvl="1"/>
+            <a:r>
+              <a:rPr lang="it-IT" sz="1200" b="1" dirty="0" err="1"/>
+              <a:t>lock_try_acquire</a:t>
+            </a:r>
+            <a:r>
+              <a:rPr lang="it-IT" sz="1200" dirty="0"/>
+              <a:t> : Prova ad acquisire il lock senza attendere.</a:t>
+            </a:r>
+          </a:p>
+          <a:p>
+            <a:pPr lvl="1"/>
+            <a:r>
+              <a:rPr lang="it-IT" sz="1200" b="1" dirty="0" err="1"/>
+              <a:t>lock_release</a:t>
+            </a:r>
+            <a:r>
+              <a:rPr lang="it-IT" sz="1200" dirty="0"/>
+              <a:t> : Rilascia il lock detenuto dal </a:t>
+            </a:r>
+            <a:r>
+              <a:rPr lang="it-IT" sz="1200" dirty="0" err="1"/>
+              <a:t>thread</a:t>
+            </a:r>
+            <a:r>
+              <a:rPr lang="it-IT" sz="1200" dirty="0"/>
+              <a:t> corrente.</a:t>
+            </a:r>
+          </a:p>
+          <a:p>
+            <a:pPr lvl="1"/>
+            <a:r>
+              <a:rPr lang="it-IT" sz="1200" b="1" dirty="0" err="1"/>
+              <a:t>lock_held_by_current_thread</a:t>
+            </a:r>
+            <a:r>
+              <a:rPr lang="it-IT" sz="1200" dirty="0"/>
+              <a:t> : Verifica se il </a:t>
+            </a:r>
+            <a:r>
+              <a:rPr lang="it-IT" sz="1200" dirty="0" err="1"/>
+              <a:t>thread</a:t>
+            </a:r>
+            <a:r>
+              <a:rPr lang="it-IT" sz="1200" dirty="0"/>
+              <a:t> in esecuzione possiede il lock.</a:t>
+            </a:r>
+          </a:p>
+          <a:p>
+            <a:pPr marL="324000" lvl="1" indent="0">
+              <a:buNone/>
+            </a:pPr>
             <a:endParaRPr lang="it-IT" dirty="0"/>
-          </a:p>
-          <a:p>
-            <a:r>
-              <a:rPr lang="it-IT" b="1" dirty="0" err="1"/>
-              <a:t>intr_disable</a:t>
-            </a:r>
-            <a:r>
-              <a:rPr lang="it-IT" dirty="0"/>
-              <a:t>() </a:t>
-            </a:r>
-            <a:r>
-              <a:rPr lang="it-IT" dirty="0">
-                <a:sym typeface="Wingdings" panose="05000000000000000000" pitchFamily="2" charset="2"/>
-              </a:rPr>
-              <a:t> disabilita gli interrupt</a:t>
-            </a:r>
-          </a:p>
-          <a:p>
-            <a:r>
-              <a:rPr lang="it-IT" sz="1400" i="1" dirty="0" err="1">
-                <a:sym typeface="Wingdings" panose="05000000000000000000" pitchFamily="2" charset="2"/>
-              </a:rPr>
-              <a:t>src</a:t>
-            </a:r>
-            <a:r>
-              <a:rPr lang="it-IT" sz="1400" i="1" dirty="0">
-                <a:sym typeface="Wingdings" panose="05000000000000000000" pitchFamily="2" charset="2"/>
-              </a:rPr>
-              <a:t>/</a:t>
-            </a:r>
-            <a:r>
-              <a:rPr lang="it-IT" sz="1400" i="1" dirty="0" err="1">
-                <a:sym typeface="Wingdings" panose="05000000000000000000" pitchFamily="2" charset="2"/>
-              </a:rPr>
-              <a:t>thread</a:t>
-            </a:r>
-            <a:r>
-              <a:rPr lang="it-IT" sz="1400" i="1" dirty="0">
-                <a:sym typeface="Wingdings" panose="05000000000000000000" pitchFamily="2" charset="2"/>
-              </a:rPr>
-              <a:t>/</a:t>
-            </a:r>
-            <a:r>
-              <a:rPr lang="it-IT" sz="1400" i="1" dirty="0" err="1">
-                <a:sym typeface="Wingdings" panose="05000000000000000000" pitchFamily="2" charset="2"/>
-              </a:rPr>
-              <a:t>interrupt.h</a:t>
-            </a:r>
-            <a:endParaRPr lang="it-IT" sz="1400" dirty="0"/>
           </a:p>
         </p:txBody>
       </p:sp>
@@ -10734,7 +11305,7 @@
         </p:nvSpPr>
         <p:spPr>
           <a:xfrm>
-            <a:off x="615548" y="1999040"/>
+            <a:off x="615548" y="1641236"/>
             <a:ext cx="11245148" cy="921080"/>
           </a:xfrm>
           <a:prstGeom prst="rect">
@@ -10947,28 +11518,31 @@
           </a:lstStyle>
           <a:p>
             <a:r>
+              <a:rPr lang="it-IT" sz="2000" b="0" dirty="0">
+                <a:solidFill>
+                  <a:schemeClr val="tx1"/>
+                </a:solidFill>
+                <a:effectLst/>
+              </a:rPr>
+              <a:t>Un </a:t>
+            </a:r>
+            <a:r>
               <a:rPr lang="it-IT" sz="2000" dirty="0">
                 <a:solidFill>
                   <a:schemeClr val="tx1"/>
                 </a:solidFill>
+                <a:effectLst/>
               </a:rPr>
-              <a:t>Sia OS161 che </a:t>
-            </a:r>
-            <a:r>
-              <a:rPr lang="it-IT" sz="2000" dirty="0" err="1">
+              <a:t>lock</a:t>
+            </a:r>
+            <a:r>
+              <a:rPr lang="it-IT" sz="2000" b="0" dirty="0">
                 <a:solidFill>
                   <a:schemeClr val="tx1"/>
                 </a:solidFill>
+                <a:effectLst/>
               </a:rPr>
-              <a:t>PintOS</a:t>
-            </a:r>
-            <a:r>
-              <a:rPr lang="it-IT" sz="2000" dirty="0">
-                <a:solidFill>
-                  <a:schemeClr val="tx1"/>
-                </a:solidFill>
-              </a:rPr>
-              <a:t> danno la possibilità di abilitare/disabilitare gli interrupt per poter gestire le sezioni critiche</a:t>
+              <a:t> è analogo a un semaforo con un valore iniziale di 1, equivalente al verde di un semaforo. L'azione "up" di un lock è chiamata "rilascio", mentre l'azione "down" è detta "acquisizione".</a:t>
             </a:r>
           </a:p>
         </p:txBody>
@@ -10976,7 +11550,7 @@
     </p:spTree>
     <p:extLst>
       <p:ext uri="{BB962C8B-B14F-4D97-AF65-F5344CB8AC3E}">
-        <p14:creationId xmlns:p14="http://schemas.microsoft.com/office/powerpoint/2010/main" val="151468646"/>
+        <p14:creationId xmlns:p14="http://schemas.microsoft.com/office/powerpoint/2010/main" val="1952330264"/>
       </p:ext>
     </p:extLst>
   </p:cSld>
@@ -11032,1365 +11606,6 @@
             </a:r>
             <a:r>
               <a:rPr lang="it-IT" sz="1600" dirty="0"/>
-              <a:t>- </a:t>
-            </a:r>
-            <a:r>
-              <a:rPr lang="it-IT" sz="1600" dirty="0" err="1"/>
-              <a:t>SEmaphore</a:t>
-            </a:r>
-            <a:endParaRPr lang="it-IT" dirty="0"/>
-          </a:p>
-        </p:txBody>
-      </p:sp>
-      <p:sp>
-        <p:nvSpPr>
-          <p:cNvPr id="4" name="Segnaposto testo 3">
-            <a:extLst>
-              <a:ext uri="{FF2B5EF4-FFF2-40B4-BE49-F238E27FC236}">
-                <a16:creationId xmlns:a16="http://schemas.microsoft.com/office/drawing/2014/main" id="{3484543A-BB31-0207-182F-1F1C206F0C68}"/>
-              </a:ext>
-            </a:extLst>
-          </p:cNvPr>
-          <p:cNvSpPr>
-            <a:spLocks noGrp="1"/>
-          </p:cNvSpPr>
-          <p:nvPr>
-            <p:ph type="body" idx="1"/>
-          </p:nvPr>
-        </p:nvSpPr>
-        <p:spPr>
-          <a:xfrm>
-            <a:off x="887219" y="2794235"/>
-            <a:ext cx="5087075" cy="536005"/>
-          </a:xfrm>
-        </p:spPr>
-        <p:txBody>
-          <a:bodyPr/>
-          <a:lstStyle/>
-          <a:p>
-            <a:r>
-              <a:rPr lang="it-IT" dirty="0"/>
-              <a:t>OS161</a:t>
-            </a:r>
-          </a:p>
-        </p:txBody>
-      </p:sp>
-      <p:sp>
-        <p:nvSpPr>
-          <p:cNvPr id="8" name="Segnaposto contenuto 7">
-            <a:extLst>
-              <a:ext uri="{FF2B5EF4-FFF2-40B4-BE49-F238E27FC236}">
-                <a16:creationId xmlns:a16="http://schemas.microsoft.com/office/drawing/2014/main" id="{A1E5DF89-94E7-98C4-F563-B3A43317A1CE}"/>
-              </a:ext>
-            </a:extLst>
-          </p:cNvPr>
-          <p:cNvSpPr>
-            <a:spLocks noGrp="1"/>
-          </p:cNvSpPr>
-          <p:nvPr>
-            <p:ph sz="half" idx="2"/>
-          </p:nvPr>
-        </p:nvSpPr>
-        <p:spPr>
-          <a:xfrm>
-            <a:off x="581194" y="3469395"/>
-            <a:ext cx="5393100" cy="2934999"/>
-          </a:xfrm>
-        </p:spPr>
-        <p:txBody>
-          <a:bodyPr>
-            <a:noAutofit/>
-          </a:bodyPr>
-          <a:lstStyle/>
-          <a:p>
-            <a:r>
-              <a:rPr lang="it-IT" sz="1600" dirty="0"/>
-              <a:t>Semafori implementati come </a:t>
-            </a:r>
-            <a:r>
-              <a:rPr lang="it-IT" sz="1600" dirty="0" err="1"/>
-              <a:t>struct</a:t>
-            </a:r>
-            <a:r>
-              <a:rPr lang="it-IT" sz="1600" dirty="0"/>
-              <a:t> contenente:</a:t>
-            </a:r>
-          </a:p>
-          <a:p>
-            <a:pPr lvl="1"/>
-            <a:r>
-              <a:rPr lang="it-IT" dirty="0"/>
-              <a:t>nome: utilizzato per identificarlo</a:t>
-            </a:r>
-          </a:p>
-          <a:p>
-            <a:pPr lvl="1"/>
-            <a:r>
-              <a:rPr lang="it-IT" dirty="0" err="1"/>
-              <a:t>wchan</a:t>
-            </a:r>
-            <a:r>
-              <a:rPr lang="it-IT" dirty="0"/>
-              <a:t>: per memorizzare i </a:t>
-            </a:r>
-            <a:r>
-              <a:rPr lang="it-IT" dirty="0" err="1"/>
-              <a:t>threads</a:t>
-            </a:r>
-            <a:r>
-              <a:rPr lang="it-IT" dirty="0"/>
-              <a:t> in attesa</a:t>
-            </a:r>
-          </a:p>
-          <a:p>
-            <a:pPr lvl="1"/>
-            <a:r>
-              <a:rPr lang="it-IT" dirty="0" err="1"/>
-              <a:t>spinlock</a:t>
-            </a:r>
-            <a:r>
-              <a:rPr lang="it-IT" dirty="0"/>
-              <a:t>: per mettere un lock sul semaforo (protegge il contatore)</a:t>
-            </a:r>
-          </a:p>
-          <a:p>
-            <a:pPr lvl="1"/>
-            <a:r>
-              <a:rPr lang="it-IT" dirty="0"/>
-              <a:t>contatore: numero di </a:t>
-            </a:r>
-            <a:r>
-              <a:rPr lang="it-IT" dirty="0" err="1"/>
-              <a:t>threads</a:t>
-            </a:r>
-            <a:r>
-              <a:rPr lang="it-IT" dirty="0"/>
-              <a:t> che possono accedere alla risorsa</a:t>
-            </a:r>
-          </a:p>
-          <a:p>
-            <a:r>
-              <a:rPr lang="it-IT" sz="1600" dirty="0"/>
-              <a:t>Sono usate le funzioni </a:t>
-            </a:r>
-            <a:r>
-              <a:rPr lang="it-IT" sz="1600" b="1" dirty="0"/>
-              <a:t>P </a:t>
-            </a:r>
-            <a:r>
-              <a:rPr lang="it-IT" sz="1600" dirty="0"/>
-              <a:t>(decrementa il contatore e blocca il </a:t>
-            </a:r>
-            <a:r>
-              <a:rPr lang="it-IT" sz="1600" dirty="0" err="1"/>
-              <a:t>thread</a:t>
-            </a:r>
-            <a:r>
-              <a:rPr lang="it-IT" sz="1600" dirty="0"/>
-              <a:t> se </a:t>
-            </a:r>
-            <a:r>
-              <a:rPr lang="it-IT" sz="1600" dirty="0" err="1"/>
-              <a:t>cont</a:t>
-            </a:r>
-            <a:r>
-              <a:rPr lang="it-IT" sz="1600" dirty="0"/>
-              <a:t>=0) e </a:t>
-            </a:r>
-            <a:r>
-              <a:rPr lang="it-IT" sz="1600" b="1" dirty="0"/>
-              <a:t>V</a:t>
-            </a:r>
-            <a:r>
-              <a:rPr lang="it-IT" sz="1600" dirty="0"/>
-              <a:t> (incrementa il contatore e sveglia un </a:t>
-            </a:r>
-            <a:r>
-              <a:rPr lang="it-IT" sz="1600" dirty="0" err="1"/>
-              <a:t>thread</a:t>
-            </a:r>
-            <a:r>
-              <a:rPr lang="it-IT" sz="1600" dirty="0"/>
-              <a:t> in attesa)</a:t>
-            </a:r>
-            <a:endParaRPr lang="it-IT" sz="1600" b="1" dirty="0"/>
-          </a:p>
-          <a:p>
-            <a:endParaRPr lang="it-IT" sz="1600" dirty="0"/>
-          </a:p>
-        </p:txBody>
-      </p:sp>
-      <p:sp>
-        <p:nvSpPr>
-          <p:cNvPr id="9" name="Segnaposto testo 8">
-            <a:extLst>
-              <a:ext uri="{FF2B5EF4-FFF2-40B4-BE49-F238E27FC236}">
-                <a16:creationId xmlns:a16="http://schemas.microsoft.com/office/drawing/2014/main" id="{00842FCF-9A2A-27B3-4ED6-BB0713CE4444}"/>
-              </a:ext>
-            </a:extLst>
-          </p:cNvPr>
-          <p:cNvSpPr>
-            <a:spLocks noGrp="1"/>
-          </p:cNvSpPr>
-          <p:nvPr>
-            <p:ph type="body" sz="quarter" idx="3"/>
-          </p:nvPr>
-        </p:nvSpPr>
-        <p:spPr>
-          <a:xfrm>
-            <a:off x="6523735" y="2794235"/>
-            <a:ext cx="5087073" cy="553373"/>
-          </a:xfrm>
-        </p:spPr>
-        <p:txBody>
-          <a:bodyPr/>
-          <a:lstStyle/>
-          <a:p>
-            <a:r>
-              <a:rPr lang="it-IT" dirty="0"/>
-              <a:t>PINTOS</a:t>
-            </a:r>
-          </a:p>
-        </p:txBody>
-      </p:sp>
-      <p:sp>
-        <p:nvSpPr>
-          <p:cNvPr id="10" name="Segnaposto contenuto 9">
-            <a:extLst>
-              <a:ext uri="{FF2B5EF4-FFF2-40B4-BE49-F238E27FC236}">
-                <a16:creationId xmlns:a16="http://schemas.microsoft.com/office/drawing/2014/main" id="{3CDA2ECB-1671-3745-42C6-213A778ECD29}"/>
-              </a:ext>
-            </a:extLst>
-          </p:cNvPr>
-          <p:cNvSpPr>
-            <a:spLocks noGrp="1"/>
-          </p:cNvSpPr>
-          <p:nvPr>
-            <p:ph sz="quarter" idx="4"/>
-          </p:nvPr>
-        </p:nvSpPr>
-        <p:spPr>
-          <a:xfrm>
-            <a:off x="6217709" y="3469395"/>
-            <a:ext cx="5393100" cy="2934999"/>
-          </a:xfrm>
-        </p:spPr>
-        <p:txBody>
-          <a:bodyPr>
-            <a:noAutofit/>
-          </a:bodyPr>
-          <a:lstStyle/>
-          <a:p>
-            <a:r>
-              <a:rPr lang="it-IT" sz="1600" dirty="0"/>
-              <a:t>Semafori implementati come </a:t>
-            </a:r>
-            <a:r>
-              <a:rPr lang="it-IT" sz="1600" dirty="0" err="1"/>
-              <a:t>struct</a:t>
-            </a:r>
-            <a:r>
-              <a:rPr lang="it-IT" sz="1600" dirty="0"/>
-              <a:t> contenente:</a:t>
-            </a:r>
-          </a:p>
-          <a:p>
-            <a:pPr lvl="1"/>
-            <a:r>
-              <a:rPr lang="it-IT" dirty="0"/>
-              <a:t>valore: non negativo che indica il numero di </a:t>
-            </a:r>
-            <a:r>
-              <a:rPr lang="it-IT" dirty="0" err="1"/>
-              <a:t>threads</a:t>
-            </a:r>
-            <a:r>
-              <a:rPr lang="it-IT" dirty="0"/>
-              <a:t> che possono accedere alla risorsa</a:t>
-            </a:r>
-          </a:p>
-          <a:p>
-            <a:pPr lvl="1"/>
-            <a:r>
-              <a:rPr lang="it-IT" dirty="0"/>
-              <a:t>lista: </a:t>
-            </a:r>
-            <a:r>
-              <a:rPr lang="it-IT" dirty="0" err="1"/>
-              <a:t>linked</a:t>
-            </a:r>
-            <a:r>
-              <a:rPr lang="it-IT" dirty="0"/>
-              <a:t> list che memorizza i </a:t>
-            </a:r>
-            <a:r>
-              <a:rPr lang="it-IT" dirty="0" err="1"/>
-              <a:t>threads</a:t>
-            </a:r>
-            <a:r>
-              <a:rPr lang="it-IT" dirty="0"/>
-              <a:t> in attesa</a:t>
-            </a:r>
-          </a:p>
-          <a:p>
-            <a:r>
-              <a:rPr lang="it-IT" sz="1600" dirty="0"/>
-              <a:t>Sono usate le funzioni </a:t>
-            </a:r>
-            <a:r>
-              <a:rPr lang="it-IT" sz="1600" b="1" dirty="0" err="1"/>
-              <a:t>sema_down</a:t>
-            </a:r>
-            <a:r>
-              <a:rPr lang="it-IT" sz="1600" b="1" dirty="0"/>
-              <a:t> </a:t>
-            </a:r>
-            <a:r>
-              <a:rPr lang="it-IT" sz="1600" dirty="0"/>
-              <a:t>(decrementa il contatore e blocca il </a:t>
-            </a:r>
-            <a:r>
-              <a:rPr lang="it-IT" sz="1600" dirty="0" err="1"/>
-              <a:t>thread</a:t>
-            </a:r>
-            <a:r>
-              <a:rPr lang="it-IT" sz="1600" dirty="0"/>
-              <a:t> se </a:t>
-            </a:r>
-            <a:r>
-              <a:rPr lang="it-IT" sz="1600" dirty="0" err="1"/>
-              <a:t>cont</a:t>
-            </a:r>
-            <a:r>
-              <a:rPr lang="it-IT" sz="1600" dirty="0"/>
-              <a:t>=0) e </a:t>
-            </a:r>
-            <a:r>
-              <a:rPr lang="it-IT" sz="1600" b="1" dirty="0" err="1"/>
-              <a:t>sema_up</a:t>
-            </a:r>
-            <a:r>
-              <a:rPr lang="it-IT" sz="1600" dirty="0"/>
-              <a:t> (incrementa il contatore e sveglia un </a:t>
-            </a:r>
-            <a:r>
-              <a:rPr lang="it-IT" sz="1600" dirty="0" err="1"/>
-              <a:t>thread</a:t>
-            </a:r>
-            <a:r>
-              <a:rPr lang="it-IT" sz="1600" dirty="0"/>
-              <a:t> in attesa)</a:t>
-            </a:r>
-          </a:p>
-          <a:p>
-            <a:r>
-              <a:rPr lang="it-IT" sz="1600" dirty="0"/>
-              <a:t>È presente la funzione </a:t>
-            </a:r>
-            <a:r>
-              <a:rPr lang="it-IT" sz="1600" b="1" dirty="0" err="1"/>
-              <a:t>sema_try_down</a:t>
-            </a:r>
-            <a:r>
-              <a:rPr lang="it-IT" sz="1600" dirty="0"/>
-              <a:t> che prova ad abbassare il valore del semaforo senza attendere. Se il </a:t>
-            </a:r>
-            <a:r>
-              <a:rPr lang="it-IT" sz="1600" dirty="0" err="1"/>
-              <a:t>value</a:t>
-            </a:r>
-            <a:r>
-              <a:rPr lang="it-IT" sz="1600" dirty="0"/>
-              <a:t> è 0 il </a:t>
-            </a:r>
-            <a:r>
-              <a:rPr lang="it-IT" sz="1600" dirty="0" err="1"/>
-              <a:t>thread</a:t>
-            </a:r>
-            <a:r>
-              <a:rPr lang="it-IT" sz="1600" dirty="0"/>
-              <a:t> è bloccato e messo in attesa; altrimenti viene decrementato e la funzione restituisce </a:t>
-            </a:r>
-            <a:r>
-              <a:rPr lang="it-IT" sz="1600" dirty="0" err="1"/>
-              <a:t>true</a:t>
-            </a:r>
-            <a:endParaRPr lang="it-IT" sz="1600" dirty="0"/>
-          </a:p>
-        </p:txBody>
-      </p:sp>
-      <p:sp>
-        <p:nvSpPr>
-          <p:cNvPr id="3" name="Segnaposto testo 3">
-            <a:extLst>
-              <a:ext uri="{FF2B5EF4-FFF2-40B4-BE49-F238E27FC236}">
-                <a16:creationId xmlns:a16="http://schemas.microsoft.com/office/drawing/2014/main" id="{DD092F63-1123-8337-F4DC-4B5BF08C3E1F}"/>
-              </a:ext>
-            </a:extLst>
-          </p:cNvPr>
-          <p:cNvSpPr txBox="1">
-            <a:spLocks/>
-          </p:cNvSpPr>
-          <p:nvPr/>
-        </p:nvSpPr>
-        <p:spPr>
-          <a:xfrm>
-            <a:off x="615548" y="1879772"/>
-            <a:ext cx="11245148" cy="921080"/>
-          </a:xfrm>
-          <a:prstGeom prst="rect">
-            <a:avLst/>
-          </a:prstGeom>
-        </p:spPr>
-        <p:txBody>
-          <a:bodyPr vert="horz" lIns="91440" tIns="45720" rIns="91440" bIns="45720" rtlCol="0" anchor="b">
-            <a:noAutofit/>
-          </a:bodyPr>
-          <a:lstStyle>
-            <a:lvl1pPr marL="0" indent="0" algn="l" defTabSz="457200" rtl="0" eaLnBrk="1" latinLnBrk="0" hangingPunct="1">
-              <a:spcBef>
-                <a:spcPct val="20000"/>
-              </a:spcBef>
-              <a:spcAft>
-                <a:spcPts val="600"/>
-              </a:spcAft>
-              <a:buClr>
-                <a:schemeClr val="accent2"/>
-              </a:buClr>
-              <a:buSzPct val="92000"/>
-              <a:buFont typeface="Wingdings 2" panose="05020102010507070707" pitchFamily="18" charset="2"/>
-              <a:buNone/>
-              <a:defRPr sz="2200" b="0" kern="1200">
-                <a:solidFill>
-                  <a:schemeClr val="accent2"/>
-                </a:solidFill>
-                <a:latin typeface="+mn-lt"/>
-                <a:ea typeface="+mn-ea"/>
-                <a:cs typeface="+mn-cs"/>
-              </a:defRPr>
-            </a:lvl1pPr>
-            <a:lvl2pPr marL="457200" indent="0" algn="l" defTabSz="457200" rtl="0" eaLnBrk="1" latinLnBrk="0" hangingPunct="1">
-              <a:spcBef>
-                <a:spcPct val="20000"/>
-              </a:spcBef>
-              <a:spcAft>
-                <a:spcPts val="600"/>
-              </a:spcAft>
-              <a:buClr>
-                <a:schemeClr val="accent2"/>
-              </a:buClr>
-              <a:buSzPct val="92000"/>
-              <a:buFont typeface="Wingdings 2" panose="05020102010507070707" pitchFamily="18" charset="2"/>
-              <a:buNone/>
-              <a:defRPr sz="2000" b="1" kern="1200">
-                <a:solidFill>
-                  <a:schemeClr val="tx2"/>
-                </a:solidFill>
-                <a:latin typeface="+mn-lt"/>
-                <a:ea typeface="+mn-ea"/>
-                <a:cs typeface="+mn-cs"/>
-              </a:defRPr>
-            </a:lvl2pPr>
-            <a:lvl3pPr marL="914400" indent="0" algn="l" defTabSz="457200" rtl="0" eaLnBrk="1" latinLnBrk="0" hangingPunct="1">
-              <a:spcBef>
-                <a:spcPct val="20000"/>
-              </a:spcBef>
-              <a:spcAft>
-                <a:spcPts val="600"/>
-              </a:spcAft>
-              <a:buClr>
-                <a:schemeClr val="accent2"/>
-              </a:buClr>
-              <a:buSzPct val="92000"/>
-              <a:buFont typeface="Wingdings 2" panose="05020102010507070707" pitchFamily="18" charset="2"/>
-              <a:buNone/>
-              <a:defRPr sz="1800" b="1" kern="1200">
-                <a:solidFill>
-                  <a:schemeClr val="tx2"/>
-                </a:solidFill>
-                <a:latin typeface="+mn-lt"/>
-                <a:ea typeface="+mn-ea"/>
-                <a:cs typeface="+mn-cs"/>
-              </a:defRPr>
-            </a:lvl3pPr>
-            <a:lvl4pPr marL="1371600" indent="0" algn="l" defTabSz="457200" rtl="0" eaLnBrk="1" latinLnBrk="0" hangingPunct="1">
-              <a:spcBef>
-                <a:spcPct val="20000"/>
-              </a:spcBef>
-              <a:spcAft>
-                <a:spcPts val="600"/>
-              </a:spcAft>
-              <a:buClr>
-                <a:schemeClr val="accent2"/>
-              </a:buClr>
-              <a:buSzPct val="92000"/>
-              <a:buFont typeface="Wingdings 2" panose="05020102010507070707" pitchFamily="18" charset="2"/>
-              <a:buNone/>
-              <a:defRPr sz="1600" b="1" kern="1200">
-                <a:solidFill>
-                  <a:schemeClr val="tx2"/>
-                </a:solidFill>
-                <a:latin typeface="+mn-lt"/>
-                <a:ea typeface="+mn-ea"/>
-                <a:cs typeface="+mn-cs"/>
-              </a:defRPr>
-            </a:lvl4pPr>
-            <a:lvl5pPr marL="1828800" indent="0" algn="l" defTabSz="457200" rtl="0" eaLnBrk="1" latinLnBrk="0" hangingPunct="1">
-              <a:spcBef>
-                <a:spcPct val="20000"/>
-              </a:spcBef>
-              <a:spcAft>
-                <a:spcPts val="600"/>
-              </a:spcAft>
-              <a:buClr>
-                <a:schemeClr val="accent2"/>
-              </a:buClr>
-              <a:buSzPct val="92000"/>
-              <a:buFont typeface="Wingdings 2" panose="05020102010507070707" pitchFamily="18" charset="2"/>
-              <a:buNone/>
-              <a:defRPr sz="1600" b="1" kern="1200">
-                <a:solidFill>
-                  <a:schemeClr val="tx2"/>
-                </a:solidFill>
-                <a:latin typeface="+mn-lt"/>
-                <a:ea typeface="+mn-ea"/>
-                <a:cs typeface="+mn-cs"/>
-              </a:defRPr>
-            </a:lvl5pPr>
-            <a:lvl6pPr marL="2286000" indent="0" algn="l" defTabSz="457200" rtl="0" eaLnBrk="1" latinLnBrk="0" hangingPunct="1">
-              <a:spcBef>
-                <a:spcPct val="20000"/>
-              </a:spcBef>
-              <a:spcAft>
-                <a:spcPts val="600"/>
-              </a:spcAft>
-              <a:buClr>
-                <a:schemeClr val="accent2"/>
-              </a:buClr>
-              <a:buSzPct val="92000"/>
-              <a:buFont typeface="Wingdings 2" panose="05020102010507070707" pitchFamily="18" charset="2"/>
-              <a:buNone/>
-              <a:defRPr sz="1600" b="1" kern="1200">
-                <a:solidFill>
-                  <a:schemeClr val="tx2"/>
-                </a:solidFill>
-                <a:latin typeface="+mn-lt"/>
-                <a:ea typeface="+mn-ea"/>
-                <a:cs typeface="+mn-cs"/>
-              </a:defRPr>
-            </a:lvl6pPr>
-            <a:lvl7pPr marL="2743200" indent="0" algn="l" defTabSz="457200" rtl="0" eaLnBrk="1" latinLnBrk="0" hangingPunct="1">
-              <a:spcBef>
-                <a:spcPct val="20000"/>
-              </a:spcBef>
-              <a:spcAft>
-                <a:spcPts val="600"/>
-              </a:spcAft>
-              <a:buClr>
-                <a:schemeClr val="accent2"/>
-              </a:buClr>
-              <a:buSzPct val="92000"/>
-              <a:buFont typeface="Wingdings 2" panose="05020102010507070707" pitchFamily="18" charset="2"/>
-              <a:buNone/>
-              <a:defRPr sz="1600" b="1" kern="1200">
-                <a:solidFill>
-                  <a:schemeClr val="tx2"/>
-                </a:solidFill>
-                <a:latin typeface="+mn-lt"/>
-                <a:ea typeface="+mn-ea"/>
-                <a:cs typeface="+mn-cs"/>
-              </a:defRPr>
-            </a:lvl7pPr>
-            <a:lvl8pPr marL="3200400" indent="0" algn="l" defTabSz="457200" rtl="0" eaLnBrk="1" latinLnBrk="0" hangingPunct="1">
-              <a:spcBef>
-                <a:spcPct val="20000"/>
-              </a:spcBef>
-              <a:spcAft>
-                <a:spcPts val="600"/>
-              </a:spcAft>
-              <a:buClr>
-                <a:schemeClr val="accent2"/>
-              </a:buClr>
-              <a:buSzPct val="92000"/>
-              <a:buFont typeface="Wingdings 2" panose="05020102010507070707" pitchFamily="18" charset="2"/>
-              <a:buNone/>
-              <a:defRPr sz="1600" b="1" kern="1200">
-                <a:solidFill>
-                  <a:schemeClr val="tx2"/>
-                </a:solidFill>
-                <a:latin typeface="+mn-lt"/>
-                <a:ea typeface="+mn-ea"/>
-                <a:cs typeface="+mn-cs"/>
-              </a:defRPr>
-            </a:lvl8pPr>
-            <a:lvl9pPr marL="3657600" indent="0" algn="l" defTabSz="457200" rtl="0" eaLnBrk="1" latinLnBrk="0" hangingPunct="1">
-              <a:spcBef>
-                <a:spcPct val="20000"/>
-              </a:spcBef>
-              <a:spcAft>
-                <a:spcPts val="600"/>
-              </a:spcAft>
-              <a:buClr>
-                <a:schemeClr val="accent2"/>
-              </a:buClr>
-              <a:buSzPct val="92000"/>
-              <a:buFont typeface="Wingdings 2" panose="05020102010507070707" pitchFamily="18" charset="2"/>
-              <a:buNone/>
-              <a:defRPr sz="1600" b="1" kern="1200">
-                <a:solidFill>
-                  <a:schemeClr val="tx2"/>
-                </a:solidFill>
-                <a:latin typeface="+mn-lt"/>
-                <a:ea typeface="+mn-ea"/>
-                <a:cs typeface="+mn-cs"/>
-              </a:defRPr>
-            </a:lvl9pPr>
-          </a:lstStyle>
-          <a:p>
-            <a:r>
-              <a:rPr lang="it-IT" sz="2000" b="0" dirty="0">
-                <a:solidFill>
-                  <a:schemeClr val="tx1"/>
-                </a:solidFill>
-                <a:effectLst/>
-              </a:rPr>
-              <a:t>Sia OS161 che </a:t>
-            </a:r>
-            <a:r>
-              <a:rPr lang="it-IT" sz="2000" b="0" dirty="0" err="1">
-                <a:solidFill>
-                  <a:schemeClr val="tx1"/>
-                </a:solidFill>
-                <a:effectLst/>
-              </a:rPr>
-              <a:t>PintOS</a:t>
-            </a:r>
-            <a:r>
-              <a:rPr lang="it-IT" sz="2000" b="0" dirty="0">
-                <a:solidFill>
-                  <a:schemeClr val="tx1"/>
-                </a:solidFill>
-                <a:effectLst/>
-              </a:rPr>
-              <a:t> implementano i semafori seguono il modello classico di semafori di </a:t>
-            </a:r>
-            <a:r>
-              <a:rPr lang="it-IT" sz="2000" b="0" dirty="0" err="1">
-                <a:solidFill>
-                  <a:schemeClr val="tx1"/>
-                </a:solidFill>
-                <a:effectLst/>
-              </a:rPr>
-              <a:t>Dijkstra</a:t>
-            </a:r>
-            <a:r>
-              <a:rPr lang="it-IT" sz="2000" b="0" dirty="0">
-                <a:solidFill>
-                  <a:schemeClr val="tx1"/>
-                </a:solidFill>
-                <a:effectLst/>
-              </a:rPr>
-              <a:t>, con operazioni atomiche di "down" e "up" per garantire la sincronizzazione.</a:t>
-            </a:r>
-          </a:p>
-        </p:txBody>
-      </p:sp>
-    </p:spTree>
-    <p:extLst>
-      <p:ext uri="{BB962C8B-B14F-4D97-AF65-F5344CB8AC3E}">
-        <p14:creationId xmlns:p14="http://schemas.microsoft.com/office/powerpoint/2010/main" val="4198586686"/>
-      </p:ext>
-    </p:extLst>
-  </p:cSld>
-  <p:clrMapOvr>
-    <a:masterClrMapping/>
-  </p:clrMapOvr>
-</p:sld>
-</file>
-
-<file path=ppt/slides/slide13.xml><?xml version="1.0" encoding="utf-8"?>
-<p:sld xmlns:a="http://schemas.openxmlformats.org/drawingml/2006/main" xmlns:r="http://schemas.openxmlformats.org/officeDocument/2006/relationships" xmlns:p="http://schemas.openxmlformats.org/presentationml/2006/main">
-  <p:cSld>
-    <p:spTree>
-      <p:nvGrpSpPr>
-        <p:cNvPr id="1" name=""/>
-        <p:cNvGrpSpPr/>
-        <p:nvPr/>
-      </p:nvGrpSpPr>
-      <p:grpSpPr>
-        <a:xfrm>
-          <a:off x="0" y="0"/>
-          <a:ext cx="0" cy="0"/>
-          <a:chOff x="0" y="0"/>
-          <a:chExt cx="0" cy="0"/>
-        </a:xfrm>
-      </p:grpSpPr>
-      <p:sp>
-        <p:nvSpPr>
-          <p:cNvPr id="2" name="Titolo 1">
-            <a:extLst>
-              <a:ext uri="{FF2B5EF4-FFF2-40B4-BE49-F238E27FC236}">
-                <a16:creationId xmlns:a16="http://schemas.microsoft.com/office/drawing/2014/main" id="{69441F67-1949-8EC8-EB98-85670AC3670C}"/>
-              </a:ext>
-            </a:extLst>
-          </p:cNvPr>
-          <p:cNvSpPr>
-            <a:spLocks noGrp="1"/>
-          </p:cNvSpPr>
-          <p:nvPr>
-            <p:ph type="title"/>
-          </p:nvPr>
-        </p:nvSpPr>
-        <p:spPr/>
-        <p:txBody>
-          <a:bodyPr>
-            <a:normAutofit/>
-          </a:bodyPr>
-          <a:lstStyle/>
-          <a:p>
-            <a:r>
-              <a:rPr lang="it-IT" dirty="0"/>
-              <a:t>Meccanismi di sincronizzazione </a:t>
-            </a:r>
-            <a:r>
-              <a:rPr lang="it-IT" sz="1600" dirty="0"/>
-              <a:t>– lock (</a:t>
-            </a:r>
-            <a:r>
-              <a:rPr lang="it-IT" sz="1600" dirty="0" err="1"/>
-              <a:t>mutex</a:t>
-            </a:r>
-            <a:r>
-              <a:rPr lang="it-IT" sz="1600" dirty="0"/>
-              <a:t>)</a:t>
-            </a:r>
-            <a:endParaRPr lang="it-IT" dirty="0"/>
-          </a:p>
-        </p:txBody>
-      </p:sp>
-      <p:sp>
-        <p:nvSpPr>
-          <p:cNvPr id="4" name="Segnaposto testo 3">
-            <a:extLst>
-              <a:ext uri="{FF2B5EF4-FFF2-40B4-BE49-F238E27FC236}">
-                <a16:creationId xmlns:a16="http://schemas.microsoft.com/office/drawing/2014/main" id="{3484543A-BB31-0207-182F-1F1C206F0C68}"/>
-              </a:ext>
-            </a:extLst>
-          </p:cNvPr>
-          <p:cNvSpPr>
-            <a:spLocks noGrp="1"/>
-          </p:cNvSpPr>
-          <p:nvPr>
-            <p:ph type="body" idx="1"/>
-          </p:nvPr>
-        </p:nvSpPr>
-        <p:spPr>
-          <a:xfrm>
-            <a:off x="887219" y="2555699"/>
-            <a:ext cx="5087075" cy="536005"/>
-          </a:xfrm>
-        </p:spPr>
-        <p:txBody>
-          <a:bodyPr/>
-          <a:lstStyle/>
-          <a:p>
-            <a:r>
-              <a:rPr lang="it-IT" dirty="0"/>
-              <a:t>OS161</a:t>
-            </a:r>
-          </a:p>
-        </p:txBody>
-      </p:sp>
-      <p:sp>
-        <p:nvSpPr>
-          <p:cNvPr id="8" name="Segnaposto contenuto 7">
-            <a:extLst>
-              <a:ext uri="{FF2B5EF4-FFF2-40B4-BE49-F238E27FC236}">
-                <a16:creationId xmlns:a16="http://schemas.microsoft.com/office/drawing/2014/main" id="{A1E5DF89-94E7-98C4-F563-B3A43317A1CE}"/>
-              </a:ext>
-            </a:extLst>
-          </p:cNvPr>
-          <p:cNvSpPr>
-            <a:spLocks noGrp="1"/>
-          </p:cNvSpPr>
-          <p:nvPr>
-            <p:ph sz="half" idx="2"/>
-          </p:nvPr>
-        </p:nvSpPr>
-        <p:spPr>
-          <a:xfrm>
-            <a:off x="581194" y="3230859"/>
-            <a:ext cx="5393100" cy="2934999"/>
-          </a:xfrm>
-        </p:spPr>
-        <p:txBody>
-          <a:bodyPr>
-            <a:noAutofit/>
-          </a:bodyPr>
-          <a:lstStyle/>
-          <a:p>
-            <a:r>
-              <a:rPr lang="it-IT" sz="1600" dirty="0"/>
-              <a:t>Lock implementato come </a:t>
-            </a:r>
-            <a:r>
-              <a:rPr lang="it-IT" sz="1600" dirty="0" err="1"/>
-              <a:t>struct</a:t>
-            </a:r>
-            <a:r>
-              <a:rPr lang="it-IT" sz="1600" dirty="0"/>
-              <a:t> contenente:</a:t>
-            </a:r>
-          </a:p>
-          <a:p>
-            <a:pPr lvl="1"/>
-            <a:r>
-              <a:rPr lang="it-IT" dirty="0"/>
-              <a:t>nome: per identificare il lock</a:t>
-            </a:r>
-          </a:p>
-          <a:p>
-            <a:pPr lvl="1"/>
-            <a:r>
-              <a:rPr lang="it-IT" dirty="0"/>
-              <a:t>HANGMAN_LOCKABLE: per rilevare i deadlock</a:t>
-            </a:r>
-          </a:p>
-          <a:p>
-            <a:r>
-              <a:rPr lang="it-IT" sz="1600" dirty="0"/>
-              <a:t>Le operazioni sui Lock sono simili a quelle che offre </a:t>
-            </a:r>
-            <a:r>
-              <a:rPr lang="it-IT" sz="1600" dirty="0" err="1"/>
-              <a:t>PintOS</a:t>
-            </a:r>
-            <a:endParaRPr lang="it-IT" sz="1600" dirty="0"/>
-          </a:p>
-          <a:p>
-            <a:r>
-              <a:rPr lang="it-IT" sz="1600" dirty="0"/>
-              <a:t>La differenza principale è che OS161 utilizza anche un hook per riconoscere e prevenire i deadlock</a:t>
-            </a:r>
-          </a:p>
-          <a:p>
-            <a:pPr lvl="1"/>
-            <a:r>
-              <a:rPr lang="it-IT" dirty="0"/>
-              <a:t>Il rilevatore di deadlock di OS161 utilizza un approccio basato sul grafo per rilevare i deadlock. I </a:t>
-            </a:r>
-            <a:r>
-              <a:rPr lang="it-IT" dirty="0" err="1"/>
-              <a:t>thread</a:t>
-            </a:r>
-            <a:r>
-              <a:rPr lang="it-IT" dirty="0"/>
-              <a:t> e i lock vengono rappresentati come nodi e archi in un grafo. Il codice di rilevamento dei deadlock controlla il grafo per rilevare cicli. Se viene rilevato un ciclo, significa che esiste un deadlock</a:t>
-            </a:r>
-          </a:p>
-          <a:p>
-            <a:endParaRPr lang="it-IT" sz="1600" dirty="0"/>
-          </a:p>
-        </p:txBody>
-      </p:sp>
-      <p:sp>
-        <p:nvSpPr>
-          <p:cNvPr id="9" name="Segnaposto testo 8">
-            <a:extLst>
-              <a:ext uri="{FF2B5EF4-FFF2-40B4-BE49-F238E27FC236}">
-                <a16:creationId xmlns:a16="http://schemas.microsoft.com/office/drawing/2014/main" id="{00842FCF-9A2A-27B3-4ED6-BB0713CE4444}"/>
-              </a:ext>
-            </a:extLst>
-          </p:cNvPr>
-          <p:cNvSpPr>
-            <a:spLocks noGrp="1"/>
-          </p:cNvSpPr>
-          <p:nvPr>
-            <p:ph type="body" sz="quarter" idx="3"/>
-          </p:nvPr>
-        </p:nvSpPr>
-        <p:spPr>
-          <a:xfrm>
-            <a:off x="6523735" y="2555699"/>
-            <a:ext cx="5087073" cy="553373"/>
-          </a:xfrm>
-        </p:spPr>
-        <p:txBody>
-          <a:bodyPr/>
-          <a:lstStyle/>
-          <a:p>
-            <a:r>
-              <a:rPr lang="it-IT" dirty="0"/>
-              <a:t>PINTOS</a:t>
-            </a:r>
-          </a:p>
-        </p:txBody>
-      </p:sp>
-      <p:sp>
-        <p:nvSpPr>
-          <p:cNvPr id="10" name="Segnaposto contenuto 9">
-            <a:extLst>
-              <a:ext uri="{FF2B5EF4-FFF2-40B4-BE49-F238E27FC236}">
-                <a16:creationId xmlns:a16="http://schemas.microsoft.com/office/drawing/2014/main" id="{3CDA2ECB-1671-3745-42C6-213A778ECD29}"/>
-              </a:ext>
-            </a:extLst>
-          </p:cNvPr>
-          <p:cNvSpPr>
-            <a:spLocks noGrp="1"/>
-          </p:cNvSpPr>
-          <p:nvPr>
-            <p:ph sz="quarter" idx="4"/>
-          </p:nvPr>
-        </p:nvSpPr>
-        <p:spPr>
-          <a:xfrm>
-            <a:off x="6217709" y="3230859"/>
-            <a:ext cx="5393100" cy="2934999"/>
-          </a:xfrm>
-        </p:spPr>
-        <p:txBody>
-          <a:bodyPr>
-            <a:noAutofit/>
-          </a:bodyPr>
-          <a:lstStyle/>
-          <a:p>
-            <a:r>
-              <a:rPr lang="it-IT" sz="1600" dirty="0"/>
-              <a:t>Lock implementato come </a:t>
-            </a:r>
-            <a:r>
-              <a:rPr lang="it-IT" sz="1600" dirty="0" err="1"/>
-              <a:t>struct</a:t>
-            </a:r>
-            <a:r>
-              <a:rPr lang="it-IT" sz="1600" dirty="0"/>
-              <a:t> contenente:</a:t>
-            </a:r>
-          </a:p>
-          <a:p>
-            <a:pPr lvl="1"/>
-            <a:r>
-              <a:rPr lang="it-IT" dirty="0" err="1"/>
-              <a:t>thread</a:t>
-            </a:r>
-            <a:r>
-              <a:rPr lang="it-IT" dirty="0"/>
-              <a:t>: chi detiene il lock</a:t>
-            </a:r>
-          </a:p>
-          <a:p>
-            <a:pPr lvl="1"/>
-            <a:r>
-              <a:rPr lang="it-IT" dirty="0" err="1"/>
-              <a:t>semaphore</a:t>
-            </a:r>
-            <a:r>
-              <a:rPr lang="it-IT" dirty="0"/>
-              <a:t>: struttura semaforo binario per il controllo degli accessi</a:t>
-            </a:r>
-          </a:p>
-          <a:p>
-            <a:r>
-              <a:rPr lang="it-IT" sz="1600" dirty="0"/>
-              <a:t>Le funzioni sui Lock sono: </a:t>
-            </a:r>
-          </a:p>
-          <a:p>
-            <a:pPr lvl="1"/>
-            <a:r>
-              <a:rPr lang="it-IT" sz="1200" b="1" dirty="0" err="1"/>
-              <a:t>lock_init</a:t>
-            </a:r>
-            <a:r>
-              <a:rPr lang="it-IT" sz="1200" dirty="0"/>
-              <a:t> : Inizializza un nuovo lock.</a:t>
-            </a:r>
-          </a:p>
-          <a:p>
-            <a:pPr lvl="1"/>
-            <a:r>
-              <a:rPr lang="it-IT" sz="1200" b="1" dirty="0" err="1"/>
-              <a:t>lock_acquire</a:t>
-            </a:r>
-            <a:r>
-              <a:rPr lang="it-IT" sz="1200" dirty="0"/>
-              <a:t> : Acquisisce il lock, aspettando, se necessario, il suo rilascio.</a:t>
-            </a:r>
-          </a:p>
-          <a:p>
-            <a:pPr lvl="1"/>
-            <a:r>
-              <a:rPr lang="it-IT" sz="1200" b="1" dirty="0" err="1"/>
-              <a:t>lock_try_acquire</a:t>
-            </a:r>
-            <a:r>
-              <a:rPr lang="it-IT" sz="1200" dirty="0"/>
-              <a:t> : Prova ad acquisire il lock senza attendere.</a:t>
-            </a:r>
-          </a:p>
-          <a:p>
-            <a:pPr lvl="1"/>
-            <a:r>
-              <a:rPr lang="it-IT" sz="1200" b="1" dirty="0" err="1"/>
-              <a:t>lock_release</a:t>
-            </a:r>
-            <a:r>
-              <a:rPr lang="it-IT" sz="1200" dirty="0"/>
-              <a:t> : Rilascia il lock detenuto dal </a:t>
-            </a:r>
-            <a:r>
-              <a:rPr lang="it-IT" sz="1200" dirty="0" err="1"/>
-              <a:t>thread</a:t>
-            </a:r>
-            <a:r>
-              <a:rPr lang="it-IT" sz="1200" dirty="0"/>
-              <a:t> corrente.</a:t>
-            </a:r>
-          </a:p>
-          <a:p>
-            <a:pPr lvl="1"/>
-            <a:r>
-              <a:rPr lang="it-IT" sz="1200" b="1" dirty="0" err="1"/>
-              <a:t>lock_held_by_current_thread</a:t>
-            </a:r>
-            <a:r>
-              <a:rPr lang="it-IT" sz="1200" dirty="0"/>
-              <a:t> : Verifica se il </a:t>
-            </a:r>
-            <a:r>
-              <a:rPr lang="it-IT" sz="1200" dirty="0" err="1"/>
-              <a:t>thread</a:t>
-            </a:r>
-            <a:r>
-              <a:rPr lang="it-IT" sz="1200" dirty="0"/>
-              <a:t> in esecuzione possiede il lock.</a:t>
-            </a:r>
-          </a:p>
-          <a:p>
-            <a:pPr marL="324000" lvl="1" indent="0">
-              <a:buNone/>
-            </a:pPr>
-            <a:endParaRPr lang="it-IT" dirty="0"/>
-          </a:p>
-        </p:txBody>
-      </p:sp>
-      <p:sp>
-        <p:nvSpPr>
-          <p:cNvPr id="3" name="Segnaposto testo 3">
-            <a:extLst>
-              <a:ext uri="{FF2B5EF4-FFF2-40B4-BE49-F238E27FC236}">
-                <a16:creationId xmlns:a16="http://schemas.microsoft.com/office/drawing/2014/main" id="{DD092F63-1123-8337-F4DC-4B5BF08C3E1F}"/>
-              </a:ext>
-            </a:extLst>
-          </p:cNvPr>
-          <p:cNvSpPr txBox="1">
-            <a:spLocks/>
-          </p:cNvSpPr>
-          <p:nvPr/>
-        </p:nvSpPr>
-        <p:spPr>
-          <a:xfrm>
-            <a:off x="615548" y="1641236"/>
-            <a:ext cx="11245148" cy="921080"/>
-          </a:xfrm>
-          <a:prstGeom prst="rect">
-            <a:avLst/>
-          </a:prstGeom>
-        </p:spPr>
-        <p:txBody>
-          <a:bodyPr vert="horz" lIns="91440" tIns="45720" rIns="91440" bIns="45720" rtlCol="0" anchor="b">
-            <a:noAutofit/>
-          </a:bodyPr>
-          <a:lstStyle>
-            <a:lvl1pPr marL="0" indent="0" algn="l" defTabSz="457200" rtl="0" eaLnBrk="1" latinLnBrk="0" hangingPunct="1">
-              <a:spcBef>
-                <a:spcPct val="20000"/>
-              </a:spcBef>
-              <a:spcAft>
-                <a:spcPts val="600"/>
-              </a:spcAft>
-              <a:buClr>
-                <a:schemeClr val="accent2"/>
-              </a:buClr>
-              <a:buSzPct val="92000"/>
-              <a:buFont typeface="Wingdings 2" panose="05020102010507070707" pitchFamily="18" charset="2"/>
-              <a:buNone/>
-              <a:defRPr sz="2200" b="0" kern="1200">
-                <a:solidFill>
-                  <a:schemeClr val="accent2"/>
-                </a:solidFill>
-                <a:latin typeface="+mn-lt"/>
-                <a:ea typeface="+mn-ea"/>
-                <a:cs typeface="+mn-cs"/>
-              </a:defRPr>
-            </a:lvl1pPr>
-            <a:lvl2pPr marL="457200" indent="0" algn="l" defTabSz="457200" rtl="0" eaLnBrk="1" latinLnBrk="0" hangingPunct="1">
-              <a:spcBef>
-                <a:spcPct val="20000"/>
-              </a:spcBef>
-              <a:spcAft>
-                <a:spcPts val="600"/>
-              </a:spcAft>
-              <a:buClr>
-                <a:schemeClr val="accent2"/>
-              </a:buClr>
-              <a:buSzPct val="92000"/>
-              <a:buFont typeface="Wingdings 2" panose="05020102010507070707" pitchFamily="18" charset="2"/>
-              <a:buNone/>
-              <a:defRPr sz="2000" b="1" kern="1200">
-                <a:solidFill>
-                  <a:schemeClr val="tx2"/>
-                </a:solidFill>
-                <a:latin typeface="+mn-lt"/>
-                <a:ea typeface="+mn-ea"/>
-                <a:cs typeface="+mn-cs"/>
-              </a:defRPr>
-            </a:lvl2pPr>
-            <a:lvl3pPr marL="914400" indent="0" algn="l" defTabSz="457200" rtl="0" eaLnBrk="1" latinLnBrk="0" hangingPunct="1">
-              <a:spcBef>
-                <a:spcPct val="20000"/>
-              </a:spcBef>
-              <a:spcAft>
-                <a:spcPts val="600"/>
-              </a:spcAft>
-              <a:buClr>
-                <a:schemeClr val="accent2"/>
-              </a:buClr>
-              <a:buSzPct val="92000"/>
-              <a:buFont typeface="Wingdings 2" panose="05020102010507070707" pitchFamily="18" charset="2"/>
-              <a:buNone/>
-              <a:defRPr sz="1800" b="1" kern="1200">
-                <a:solidFill>
-                  <a:schemeClr val="tx2"/>
-                </a:solidFill>
-                <a:latin typeface="+mn-lt"/>
-                <a:ea typeface="+mn-ea"/>
-                <a:cs typeface="+mn-cs"/>
-              </a:defRPr>
-            </a:lvl3pPr>
-            <a:lvl4pPr marL="1371600" indent="0" algn="l" defTabSz="457200" rtl="0" eaLnBrk="1" latinLnBrk="0" hangingPunct="1">
-              <a:spcBef>
-                <a:spcPct val="20000"/>
-              </a:spcBef>
-              <a:spcAft>
-                <a:spcPts val="600"/>
-              </a:spcAft>
-              <a:buClr>
-                <a:schemeClr val="accent2"/>
-              </a:buClr>
-              <a:buSzPct val="92000"/>
-              <a:buFont typeface="Wingdings 2" panose="05020102010507070707" pitchFamily="18" charset="2"/>
-              <a:buNone/>
-              <a:defRPr sz="1600" b="1" kern="1200">
-                <a:solidFill>
-                  <a:schemeClr val="tx2"/>
-                </a:solidFill>
-                <a:latin typeface="+mn-lt"/>
-                <a:ea typeface="+mn-ea"/>
-                <a:cs typeface="+mn-cs"/>
-              </a:defRPr>
-            </a:lvl4pPr>
-            <a:lvl5pPr marL="1828800" indent="0" algn="l" defTabSz="457200" rtl="0" eaLnBrk="1" latinLnBrk="0" hangingPunct="1">
-              <a:spcBef>
-                <a:spcPct val="20000"/>
-              </a:spcBef>
-              <a:spcAft>
-                <a:spcPts val="600"/>
-              </a:spcAft>
-              <a:buClr>
-                <a:schemeClr val="accent2"/>
-              </a:buClr>
-              <a:buSzPct val="92000"/>
-              <a:buFont typeface="Wingdings 2" panose="05020102010507070707" pitchFamily="18" charset="2"/>
-              <a:buNone/>
-              <a:defRPr sz="1600" b="1" kern="1200">
-                <a:solidFill>
-                  <a:schemeClr val="tx2"/>
-                </a:solidFill>
-                <a:latin typeface="+mn-lt"/>
-                <a:ea typeface="+mn-ea"/>
-                <a:cs typeface="+mn-cs"/>
-              </a:defRPr>
-            </a:lvl5pPr>
-            <a:lvl6pPr marL="2286000" indent="0" algn="l" defTabSz="457200" rtl="0" eaLnBrk="1" latinLnBrk="0" hangingPunct="1">
-              <a:spcBef>
-                <a:spcPct val="20000"/>
-              </a:spcBef>
-              <a:spcAft>
-                <a:spcPts val="600"/>
-              </a:spcAft>
-              <a:buClr>
-                <a:schemeClr val="accent2"/>
-              </a:buClr>
-              <a:buSzPct val="92000"/>
-              <a:buFont typeface="Wingdings 2" panose="05020102010507070707" pitchFamily="18" charset="2"/>
-              <a:buNone/>
-              <a:defRPr sz="1600" b="1" kern="1200">
-                <a:solidFill>
-                  <a:schemeClr val="tx2"/>
-                </a:solidFill>
-                <a:latin typeface="+mn-lt"/>
-                <a:ea typeface="+mn-ea"/>
-                <a:cs typeface="+mn-cs"/>
-              </a:defRPr>
-            </a:lvl6pPr>
-            <a:lvl7pPr marL="2743200" indent="0" algn="l" defTabSz="457200" rtl="0" eaLnBrk="1" latinLnBrk="0" hangingPunct="1">
-              <a:spcBef>
-                <a:spcPct val="20000"/>
-              </a:spcBef>
-              <a:spcAft>
-                <a:spcPts val="600"/>
-              </a:spcAft>
-              <a:buClr>
-                <a:schemeClr val="accent2"/>
-              </a:buClr>
-              <a:buSzPct val="92000"/>
-              <a:buFont typeface="Wingdings 2" panose="05020102010507070707" pitchFamily="18" charset="2"/>
-              <a:buNone/>
-              <a:defRPr sz="1600" b="1" kern="1200">
-                <a:solidFill>
-                  <a:schemeClr val="tx2"/>
-                </a:solidFill>
-                <a:latin typeface="+mn-lt"/>
-                <a:ea typeface="+mn-ea"/>
-                <a:cs typeface="+mn-cs"/>
-              </a:defRPr>
-            </a:lvl7pPr>
-            <a:lvl8pPr marL="3200400" indent="0" algn="l" defTabSz="457200" rtl="0" eaLnBrk="1" latinLnBrk="0" hangingPunct="1">
-              <a:spcBef>
-                <a:spcPct val="20000"/>
-              </a:spcBef>
-              <a:spcAft>
-                <a:spcPts val="600"/>
-              </a:spcAft>
-              <a:buClr>
-                <a:schemeClr val="accent2"/>
-              </a:buClr>
-              <a:buSzPct val="92000"/>
-              <a:buFont typeface="Wingdings 2" panose="05020102010507070707" pitchFamily="18" charset="2"/>
-              <a:buNone/>
-              <a:defRPr sz="1600" b="1" kern="1200">
-                <a:solidFill>
-                  <a:schemeClr val="tx2"/>
-                </a:solidFill>
-                <a:latin typeface="+mn-lt"/>
-                <a:ea typeface="+mn-ea"/>
-                <a:cs typeface="+mn-cs"/>
-              </a:defRPr>
-            </a:lvl8pPr>
-            <a:lvl9pPr marL="3657600" indent="0" algn="l" defTabSz="457200" rtl="0" eaLnBrk="1" latinLnBrk="0" hangingPunct="1">
-              <a:spcBef>
-                <a:spcPct val="20000"/>
-              </a:spcBef>
-              <a:spcAft>
-                <a:spcPts val="600"/>
-              </a:spcAft>
-              <a:buClr>
-                <a:schemeClr val="accent2"/>
-              </a:buClr>
-              <a:buSzPct val="92000"/>
-              <a:buFont typeface="Wingdings 2" panose="05020102010507070707" pitchFamily="18" charset="2"/>
-              <a:buNone/>
-              <a:defRPr sz="1600" b="1" kern="1200">
-                <a:solidFill>
-                  <a:schemeClr val="tx2"/>
-                </a:solidFill>
-                <a:latin typeface="+mn-lt"/>
-                <a:ea typeface="+mn-ea"/>
-                <a:cs typeface="+mn-cs"/>
-              </a:defRPr>
-            </a:lvl9pPr>
-          </a:lstStyle>
-          <a:p>
-            <a:r>
-              <a:rPr lang="it-IT" sz="2000" b="0" dirty="0">
-                <a:solidFill>
-                  <a:schemeClr val="tx1"/>
-                </a:solidFill>
-                <a:effectLst/>
-              </a:rPr>
-              <a:t>Un </a:t>
-            </a:r>
-            <a:r>
-              <a:rPr lang="it-IT" sz="2000" dirty="0">
-                <a:solidFill>
-                  <a:schemeClr val="tx1"/>
-                </a:solidFill>
-                <a:effectLst/>
-              </a:rPr>
-              <a:t>lock</a:t>
-            </a:r>
-            <a:r>
-              <a:rPr lang="it-IT" sz="2000" b="0" dirty="0">
-                <a:solidFill>
-                  <a:schemeClr val="tx1"/>
-                </a:solidFill>
-                <a:effectLst/>
-              </a:rPr>
-              <a:t> è analogo a un semaforo con un valore iniziale di 1, equivalente al verde di un semaforo. L'azione "up" di un lock è chiamata "rilascio", mentre l'azione "down" è detta "acquisizione".</a:t>
-            </a:r>
-          </a:p>
-        </p:txBody>
-      </p:sp>
-    </p:spTree>
-    <p:extLst>
-      <p:ext uri="{BB962C8B-B14F-4D97-AF65-F5344CB8AC3E}">
-        <p14:creationId xmlns:p14="http://schemas.microsoft.com/office/powerpoint/2010/main" val="1952330264"/>
-      </p:ext>
-    </p:extLst>
-  </p:cSld>
-  <p:clrMapOvr>
-    <a:masterClrMapping/>
-  </p:clrMapOvr>
-</p:sld>
-</file>
-
-<file path=ppt/slides/slide14.xml><?xml version="1.0" encoding="utf-8"?>
-<p:sld xmlns:a="http://schemas.openxmlformats.org/drawingml/2006/main" xmlns:r="http://schemas.openxmlformats.org/officeDocument/2006/relationships" xmlns:p="http://schemas.openxmlformats.org/presentationml/2006/main">
-  <p:cSld>
-    <p:spTree>
-      <p:nvGrpSpPr>
-        <p:cNvPr id="1" name=""/>
-        <p:cNvGrpSpPr/>
-        <p:nvPr/>
-      </p:nvGrpSpPr>
-      <p:grpSpPr>
-        <a:xfrm>
-          <a:off x="0" y="0"/>
-          <a:ext cx="0" cy="0"/>
-          <a:chOff x="0" y="0"/>
-          <a:chExt cx="0" cy="0"/>
-        </a:xfrm>
-      </p:grpSpPr>
-      <p:sp>
-        <p:nvSpPr>
-          <p:cNvPr id="2" name="Titolo 1">
-            <a:extLst>
-              <a:ext uri="{FF2B5EF4-FFF2-40B4-BE49-F238E27FC236}">
-                <a16:creationId xmlns:a16="http://schemas.microsoft.com/office/drawing/2014/main" id="{69441F67-1949-8EC8-EB98-85670AC3670C}"/>
-              </a:ext>
-            </a:extLst>
-          </p:cNvPr>
-          <p:cNvSpPr>
-            <a:spLocks noGrp="1"/>
-          </p:cNvSpPr>
-          <p:nvPr>
-            <p:ph type="title"/>
-          </p:nvPr>
-        </p:nvSpPr>
-        <p:spPr/>
-        <p:txBody>
-          <a:bodyPr>
-            <a:normAutofit/>
-          </a:bodyPr>
-          <a:lstStyle/>
-          <a:p>
-            <a:r>
-              <a:rPr lang="it-IT" dirty="0"/>
-              <a:t>Meccanismi di sincronizzazione </a:t>
-            </a:r>
-            <a:r>
-              <a:rPr lang="it-IT" sz="1600" dirty="0"/>
               <a:t>– SPINLOCK</a:t>
             </a:r>
             <a:endParaRPr lang="it-IT" dirty="0"/>
@@ -14048,6 +13263,393 @@
     <p:extLst>
       <p:ext uri="{BB962C8B-B14F-4D97-AF65-F5344CB8AC3E}">
         <p14:creationId xmlns:p14="http://schemas.microsoft.com/office/powerpoint/2010/main" val="3698987389"/>
+      </p:ext>
+    </p:extLst>
+  </p:cSld>
+  <p:clrMapOvr>
+    <a:masterClrMapping/>
+  </p:clrMapOvr>
+</p:sld>
+</file>
+
+<file path=ppt/slides/slide13.xml><?xml version="1.0" encoding="utf-8"?>
+<p:sld xmlns:a="http://schemas.openxmlformats.org/drawingml/2006/main" xmlns:r="http://schemas.openxmlformats.org/officeDocument/2006/relationships" xmlns:p="http://schemas.openxmlformats.org/presentationml/2006/main">
+  <p:cSld>
+    <p:spTree>
+      <p:nvGrpSpPr>
+        <p:cNvPr id="1" name=""/>
+        <p:cNvGrpSpPr/>
+        <p:nvPr/>
+      </p:nvGrpSpPr>
+      <p:grpSpPr>
+        <a:xfrm>
+          <a:off x="0" y="0"/>
+          <a:ext cx="0" cy="0"/>
+          <a:chOff x="0" y="0"/>
+          <a:chExt cx="0" cy="0"/>
+        </a:xfrm>
+      </p:grpSpPr>
+      <p:sp>
+        <p:nvSpPr>
+          <p:cNvPr id="2" name="Titolo 1">
+            <a:extLst>
+              <a:ext uri="{FF2B5EF4-FFF2-40B4-BE49-F238E27FC236}">
+                <a16:creationId xmlns:a16="http://schemas.microsoft.com/office/drawing/2014/main" id="{1A511C35-E257-03AB-D204-0A956C12D05C}"/>
+              </a:ext>
+            </a:extLst>
+          </p:cNvPr>
+          <p:cNvSpPr>
+            <a:spLocks noGrp="1"/>
+          </p:cNvSpPr>
+          <p:nvPr>
+            <p:ph type="title"/>
+          </p:nvPr>
+        </p:nvSpPr>
+        <p:spPr>
+          <a:xfrm>
+            <a:off x="581192" y="702156"/>
+            <a:ext cx="11029616" cy="1013800"/>
+          </a:xfrm>
+        </p:spPr>
+        <p:txBody>
+          <a:bodyPr>
+            <a:normAutofit/>
+          </a:bodyPr>
+          <a:lstStyle/>
+          <a:p>
+            <a:r>
+              <a:rPr lang="it-IT">
+                <a:solidFill>
+                  <a:srgbClr val="FFFEFF"/>
+                </a:solidFill>
+              </a:rPr>
+              <a:t>System calls</a:t>
+            </a:r>
+          </a:p>
+        </p:txBody>
+      </p:sp>
+      <p:graphicFrame>
+        <p:nvGraphicFramePr>
+          <p:cNvPr id="5" name="Segnaposto contenuto 2">
+            <a:extLst>
+              <a:ext uri="{FF2B5EF4-FFF2-40B4-BE49-F238E27FC236}">
+                <a16:creationId xmlns:a16="http://schemas.microsoft.com/office/drawing/2014/main" id="{70BCEF6C-68E2-651D-606F-250E5D2ABFA7}"/>
+              </a:ext>
+            </a:extLst>
+          </p:cNvPr>
+          <p:cNvGraphicFramePr>
+            <a:graphicFrameLocks noGrp="1"/>
+          </p:cNvGraphicFramePr>
+          <p:nvPr>
+            <p:ph idx="1"/>
+          </p:nvPr>
+        </p:nvGraphicFramePr>
+        <p:xfrm>
+          <a:off x="581025" y="2181225"/>
+          <a:ext cx="11029950" cy="3678238"/>
+        </p:xfrm>
+        <a:graphic>
+          <a:graphicData uri="http://schemas.openxmlformats.org/drawingml/2006/diagram">
+            <dgm:relIds xmlns:dgm="http://schemas.openxmlformats.org/drawingml/2006/diagram" xmlns:r="http://schemas.openxmlformats.org/officeDocument/2006/relationships" r:dm="rId2" r:lo="rId3" r:qs="rId4" r:cs="rId5"/>
+          </a:graphicData>
+        </a:graphic>
+      </p:graphicFrame>
+    </p:spTree>
+    <p:extLst>
+      <p:ext uri="{BB962C8B-B14F-4D97-AF65-F5344CB8AC3E}">
+        <p14:creationId xmlns:p14="http://schemas.microsoft.com/office/powerpoint/2010/main" val="488791685"/>
+      </p:ext>
+    </p:extLst>
+  </p:cSld>
+  <p:clrMapOvr>
+    <a:masterClrMapping/>
+  </p:clrMapOvr>
+</p:sld>
+</file>
+
+<file path=ppt/slides/slide14.xml><?xml version="1.0" encoding="utf-8"?>
+<p:sld xmlns:a="http://schemas.openxmlformats.org/drawingml/2006/main" xmlns:r="http://schemas.openxmlformats.org/officeDocument/2006/relationships" xmlns:p="http://schemas.openxmlformats.org/presentationml/2006/main">
+  <p:cSld>
+    <p:spTree>
+      <p:nvGrpSpPr>
+        <p:cNvPr id="1" name="">
+          <a:extLst>
+            <a:ext uri="{FF2B5EF4-FFF2-40B4-BE49-F238E27FC236}">
+              <a16:creationId xmlns:a16="http://schemas.microsoft.com/office/drawing/2014/main" id="{4DB107C6-3187-F9C2-B29A-716D02AB9FAF}"/>
+            </a:ext>
+          </a:extLst>
+        </p:cNvPr>
+        <p:cNvGrpSpPr/>
+        <p:nvPr/>
+      </p:nvGrpSpPr>
+      <p:grpSpPr>
+        <a:xfrm>
+          <a:off x="0" y="0"/>
+          <a:ext cx="0" cy="0"/>
+          <a:chOff x="0" y="0"/>
+          <a:chExt cx="0" cy="0"/>
+        </a:xfrm>
+      </p:grpSpPr>
+      <p:sp>
+        <p:nvSpPr>
+          <p:cNvPr id="2" name="Titolo 1">
+            <a:extLst>
+              <a:ext uri="{FF2B5EF4-FFF2-40B4-BE49-F238E27FC236}">
+                <a16:creationId xmlns:a16="http://schemas.microsoft.com/office/drawing/2014/main" id="{4A7BA406-5059-EED5-0C32-07A17E669B05}"/>
+              </a:ext>
+            </a:extLst>
+          </p:cNvPr>
+          <p:cNvSpPr>
+            <a:spLocks noGrp="1"/>
+          </p:cNvSpPr>
+          <p:nvPr>
+            <p:ph type="title"/>
+          </p:nvPr>
+        </p:nvSpPr>
+        <p:spPr/>
+        <p:txBody>
+          <a:bodyPr/>
+          <a:lstStyle/>
+          <a:p>
+            <a:r>
+              <a:rPr lang="it-IT" dirty="0"/>
+              <a:t>System calls</a:t>
+            </a:r>
+          </a:p>
+        </p:txBody>
+      </p:sp>
+      <p:sp>
+        <p:nvSpPr>
+          <p:cNvPr id="5" name="Segnaposto testo 4">
+            <a:extLst>
+              <a:ext uri="{FF2B5EF4-FFF2-40B4-BE49-F238E27FC236}">
+                <a16:creationId xmlns:a16="http://schemas.microsoft.com/office/drawing/2014/main" id="{C6A595F7-B24E-14B1-A2DE-F977BEC69C75}"/>
+              </a:ext>
+            </a:extLst>
+          </p:cNvPr>
+          <p:cNvSpPr>
+            <a:spLocks noGrp="1"/>
+          </p:cNvSpPr>
+          <p:nvPr>
+            <p:ph type="body" idx="1"/>
+          </p:nvPr>
+        </p:nvSpPr>
+        <p:spPr>
+          <a:xfrm>
+            <a:off x="673386" y="2051770"/>
+            <a:ext cx="5087075" cy="873994"/>
+          </a:xfrm>
+        </p:spPr>
+        <p:txBody>
+          <a:bodyPr/>
+          <a:lstStyle/>
+          <a:p>
+            <a:r>
+              <a:rPr lang="en-US" dirty="0"/>
+              <a:t>OS161</a:t>
+            </a:r>
+          </a:p>
+          <a:p>
+            <a:r>
+              <a:rPr lang="en-US" sz="1800" dirty="0">
+                <a:solidFill>
+                  <a:schemeClr val="tx2"/>
+                </a:solidFill>
+              </a:rPr>
+              <a:t>kern/arch/</a:t>
+            </a:r>
+            <a:r>
+              <a:rPr lang="en-US" sz="1800" dirty="0" err="1">
+                <a:solidFill>
+                  <a:schemeClr val="tx2"/>
+                </a:solidFill>
+              </a:rPr>
+              <a:t>mips</a:t>
+            </a:r>
+            <a:r>
+              <a:rPr lang="en-US" sz="1800" dirty="0">
+                <a:solidFill>
+                  <a:schemeClr val="tx2"/>
+                </a:solidFill>
+              </a:rPr>
+              <a:t>/</a:t>
+            </a:r>
+            <a:r>
+              <a:rPr lang="en-US" sz="1800" dirty="0" err="1">
+                <a:solidFill>
+                  <a:schemeClr val="tx2"/>
+                </a:solidFill>
+              </a:rPr>
+              <a:t>syscall</a:t>
+            </a:r>
+            <a:r>
+              <a:rPr lang="en-US" sz="1800" dirty="0">
+                <a:solidFill>
+                  <a:schemeClr val="tx2"/>
+                </a:solidFill>
+              </a:rPr>
+              <a:t>/</a:t>
+            </a:r>
+            <a:r>
+              <a:rPr lang="en-US" sz="1800" dirty="0" err="1">
+                <a:solidFill>
+                  <a:schemeClr val="tx2"/>
+                </a:solidFill>
+              </a:rPr>
+              <a:t>syscall.c</a:t>
+            </a:r>
+            <a:endParaRPr lang="it-IT" sz="1800" dirty="0">
+              <a:solidFill>
+                <a:schemeClr val="tx2"/>
+              </a:solidFill>
+            </a:endParaRPr>
+          </a:p>
+        </p:txBody>
+      </p:sp>
+      <p:sp>
+        <p:nvSpPr>
+          <p:cNvPr id="6" name="Segnaposto testo 5">
+            <a:extLst>
+              <a:ext uri="{FF2B5EF4-FFF2-40B4-BE49-F238E27FC236}">
+                <a16:creationId xmlns:a16="http://schemas.microsoft.com/office/drawing/2014/main" id="{62659CF6-E7AE-5C22-7B34-F5CD584206EF}"/>
+              </a:ext>
+            </a:extLst>
+          </p:cNvPr>
+          <p:cNvSpPr>
+            <a:spLocks noGrp="1"/>
+          </p:cNvSpPr>
+          <p:nvPr>
+            <p:ph type="body" sz="quarter" idx="3"/>
+          </p:nvPr>
+        </p:nvSpPr>
+        <p:spPr>
+          <a:xfrm>
+            <a:off x="6096000" y="2016123"/>
+            <a:ext cx="5087073" cy="910937"/>
+          </a:xfrm>
+        </p:spPr>
+        <p:txBody>
+          <a:bodyPr/>
+          <a:lstStyle/>
+          <a:p>
+            <a:r>
+              <a:rPr lang="it-IT" dirty="0"/>
+              <a:t>PINTOS</a:t>
+            </a:r>
+          </a:p>
+          <a:p>
+            <a:r>
+              <a:rPr lang="it-IT" sz="1800" dirty="0" err="1">
+                <a:solidFill>
+                  <a:schemeClr val="tx2"/>
+                </a:solidFill>
+              </a:rPr>
+              <a:t>src</a:t>
+            </a:r>
+            <a:r>
+              <a:rPr lang="it-IT" sz="1800" dirty="0">
+                <a:solidFill>
+                  <a:schemeClr val="tx2"/>
+                </a:solidFill>
+              </a:rPr>
+              <a:t>/</a:t>
+            </a:r>
+            <a:r>
+              <a:rPr lang="it-IT" sz="1800" dirty="0" err="1">
+                <a:solidFill>
+                  <a:schemeClr val="tx2"/>
+                </a:solidFill>
+              </a:rPr>
+              <a:t>userprog</a:t>
+            </a:r>
+            <a:r>
+              <a:rPr lang="it-IT" sz="1800" dirty="0">
+                <a:solidFill>
+                  <a:schemeClr val="tx2"/>
+                </a:solidFill>
+              </a:rPr>
+              <a:t>/</a:t>
+            </a:r>
+            <a:r>
+              <a:rPr lang="it-IT" sz="1800" dirty="0" err="1">
+                <a:solidFill>
+                  <a:schemeClr val="tx2"/>
+                </a:solidFill>
+              </a:rPr>
+              <a:t>syscall.c</a:t>
+            </a:r>
+            <a:endParaRPr lang="it-IT" b="0" dirty="0">
+              <a:solidFill>
+                <a:srgbClr val="CE9178"/>
+              </a:solidFill>
+              <a:effectLst/>
+              <a:latin typeface="Consolas" panose="020B0609020204030204" pitchFamily="49" charset="0"/>
+            </a:endParaRPr>
+          </a:p>
+        </p:txBody>
+      </p:sp>
+      <p:pic>
+        <p:nvPicPr>
+          <p:cNvPr id="15" name="Segnaposto contenuto 14">
+            <a:extLst>
+              <a:ext uri="{FF2B5EF4-FFF2-40B4-BE49-F238E27FC236}">
+                <a16:creationId xmlns:a16="http://schemas.microsoft.com/office/drawing/2014/main" id="{8EC9F7AA-4ADD-C9BD-8077-39712864C536}"/>
+              </a:ext>
+            </a:extLst>
+          </p:cNvPr>
+          <p:cNvPicPr>
+            <a:picLocks noGrp="1" noChangeAspect="1"/>
+          </p:cNvPicPr>
+          <p:nvPr>
+            <p:ph sz="quarter" idx="4"/>
+          </p:nvPr>
+        </p:nvPicPr>
+        <p:blipFill>
+          <a:blip r:embed="rId2"/>
+          <a:stretch>
+            <a:fillRect/>
+          </a:stretch>
+        </p:blipFill>
+        <p:spPr>
+          <a:xfrm>
+            <a:off x="6096000" y="3566938"/>
+            <a:ext cx="5710920" cy="1741134"/>
+          </a:xfrm>
+        </p:spPr>
+      </p:pic>
+      <p:pic>
+        <p:nvPicPr>
+          <p:cNvPr id="24" name="Segnaposto contenuto 23">
+            <a:extLst>
+              <a:ext uri="{FF2B5EF4-FFF2-40B4-BE49-F238E27FC236}">
+                <a16:creationId xmlns:a16="http://schemas.microsoft.com/office/drawing/2014/main" id="{9A8F9342-8DAE-F88D-3CEF-5B42B1CBAB41}"/>
+              </a:ext>
+            </a:extLst>
+          </p:cNvPr>
+          <p:cNvPicPr>
+            <a:picLocks noGrp="1" noChangeAspect="1"/>
+          </p:cNvPicPr>
+          <p:nvPr>
+            <p:ph sz="half" idx="2"/>
+          </p:nvPr>
+        </p:nvPicPr>
+        <p:blipFill>
+          <a:blip r:embed="rId3"/>
+          <a:stretch>
+            <a:fillRect/>
+          </a:stretch>
+        </p:blipFill>
+        <p:spPr>
+          <a:xfrm>
+            <a:off x="756514" y="3032886"/>
+            <a:ext cx="4464981" cy="3621547"/>
+          </a:xfrm>
+        </p:spPr>
+      </p:pic>
+    </p:spTree>
+    <p:extLst>
+      <p:ext uri="{BB962C8B-B14F-4D97-AF65-F5344CB8AC3E}">
+        <p14:creationId xmlns:p14="http://schemas.microsoft.com/office/powerpoint/2010/main" val="4059111834"/>
       </p:ext>
     </p:extLst>
   </p:cSld>
@@ -14617,406 +14219,6 @@
 <file path=ppt/slides/slide4.xml><?xml version="1.0" encoding="utf-8"?>
 <p:sld xmlns:a="http://schemas.openxmlformats.org/drawingml/2006/main" xmlns:r="http://schemas.openxmlformats.org/officeDocument/2006/relationships" xmlns:p="http://schemas.openxmlformats.org/presentationml/2006/main">
   <p:cSld>
-    <p:bg>
-      <p:bgPr>
-        <a:solidFill>
-          <a:schemeClr val="bg1"/>
-        </a:solidFill>
-        <a:effectLst/>
-      </p:bgPr>
-    </p:bg>
-    <p:spTree>
-      <p:nvGrpSpPr>
-        <p:cNvPr id="1" name=""/>
-        <p:cNvGrpSpPr/>
-        <p:nvPr/>
-      </p:nvGrpSpPr>
-      <p:grpSpPr>
-        <a:xfrm>
-          <a:off x="0" y="0"/>
-          <a:ext cx="0" cy="0"/>
-          <a:chOff x="0" y="0"/>
-          <a:chExt cx="0" cy="0"/>
-        </a:xfrm>
-      </p:grpSpPr>
-      <p:sp>
-        <p:nvSpPr>
-          <p:cNvPr id="2" name="Titolo 1">
-            <a:extLst>
-              <a:ext uri="{FF2B5EF4-FFF2-40B4-BE49-F238E27FC236}">
-                <a16:creationId xmlns:a16="http://schemas.microsoft.com/office/drawing/2014/main" id="{1A511C35-E257-03AB-D204-0A956C12D05C}"/>
-              </a:ext>
-            </a:extLst>
-          </p:cNvPr>
-          <p:cNvSpPr>
-            <a:spLocks noGrp="1"/>
-          </p:cNvSpPr>
-          <p:nvPr>
-            <p:ph type="title"/>
-          </p:nvPr>
-        </p:nvSpPr>
-        <p:spPr>
-          <a:xfrm>
-            <a:off x="581192" y="702156"/>
-            <a:ext cx="11029616" cy="1013800"/>
-          </a:xfrm>
-        </p:spPr>
-        <p:txBody>
-          <a:bodyPr>
-            <a:normAutofit/>
-          </a:bodyPr>
-          <a:lstStyle/>
-          <a:p>
-            <a:r>
-              <a:rPr lang="it-IT">
-                <a:solidFill>
-                  <a:srgbClr val="FFFEFF"/>
-                </a:solidFill>
-              </a:rPr>
-              <a:t>System calls</a:t>
-            </a:r>
-          </a:p>
-        </p:txBody>
-      </p:sp>
-      <p:graphicFrame>
-        <p:nvGraphicFramePr>
-          <p:cNvPr id="5" name="Segnaposto contenuto 2">
-            <a:extLst>
-              <a:ext uri="{FF2B5EF4-FFF2-40B4-BE49-F238E27FC236}">
-                <a16:creationId xmlns:a16="http://schemas.microsoft.com/office/drawing/2014/main" id="{70BCEF6C-68E2-651D-606F-250E5D2ABFA7}"/>
-              </a:ext>
-            </a:extLst>
-          </p:cNvPr>
-          <p:cNvGraphicFramePr>
-            <a:graphicFrameLocks noGrp="1"/>
-          </p:cNvGraphicFramePr>
-          <p:nvPr>
-            <p:ph idx="1"/>
-            <p:extLst>
-              <p:ext uri="{D42A27DB-BD31-4B8C-83A1-F6EECF244321}">
-                <p14:modId xmlns:p14="http://schemas.microsoft.com/office/powerpoint/2010/main" val="1942437161"/>
-              </p:ext>
-            </p:extLst>
-          </p:nvPr>
-        </p:nvGraphicFramePr>
-        <p:xfrm>
-          <a:off x="581025" y="2181225"/>
-          <a:ext cx="11029950" cy="3678238"/>
-        </p:xfrm>
-        <a:graphic>
-          <a:graphicData uri="http://schemas.openxmlformats.org/drawingml/2006/diagram">
-            <dgm:relIds xmlns:dgm="http://schemas.openxmlformats.org/drawingml/2006/diagram" xmlns:r="http://schemas.openxmlformats.org/officeDocument/2006/relationships" r:dm="rId2" r:lo="rId3" r:qs="rId4" r:cs="rId5"/>
-          </a:graphicData>
-        </a:graphic>
-      </p:graphicFrame>
-    </p:spTree>
-    <p:extLst>
-      <p:ext uri="{BB962C8B-B14F-4D97-AF65-F5344CB8AC3E}">
-        <p14:creationId xmlns:p14="http://schemas.microsoft.com/office/powerpoint/2010/main" val="4006432628"/>
-      </p:ext>
-    </p:extLst>
-  </p:cSld>
-  <p:clrMapOvr>
-    <a:masterClrMapping/>
-  </p:clrMapOvr>
-</p:sld>
-</file>
-
-<file path=ppt/slides/slide5.xml><?xml version="1.0" encoding="utf-8"?>
-<p:sld xmlns:a="http://schemas.openxmlformats.org/drawingml/2006/main" xmlns:r="http://schemas.openxmlformats.org/officeDocument/2006/relationships" xmlns:p="http://schemas.openxmlformats.org/presentationml/2006/main">
-  <p:cSld>
-    <p:spTree>
-      <p:nvGrpSpPr>
-        <p:cNvPr id="1" name="">
-          <a:extLst>
-            <a:ext uri="{FF2B5EF4-FFF2-40B4-BE49-F238E27FC236}">
-              <a16:creationId xmlns:a16="http://schemas.microsoft.com/office/drawing/2014/main" id="{4DB107C6-3187-F9C2-B29A-716D02AB9FAF}"/>
-            </a:ext>
-          </a:extLst>
-        </p:cNvPr>
-        <p:cNvGrpSpPr/>
-        <p:nvPr/>
-      </p:nvGrpSpPr>
-      <p:grpSpPr>
-        <a:xfrm>
-          <a:off x="0" y="0"/>
-          <a:ext cx="0" cy="0"/>
-          <a:chOff x="0" y="0"/>
-          <a:chExt cx="0" cy="0"/>
-        </a:xfrm>
-      </p:grpSpPr>
-      <p:sp>
-        <p:nvSpPr>
-          <p:cNvPr id="2" name="Titolo 1">
-            <a:extLst>
-              <a:ext uri="{FF2B5EF4-FFF2-40B4-BE49-F238E27FC236}">
-                <a16:creationId xmlns:a16="http://schemas.microsoft.com/office/drawing/2014/main" id="{4A7BA406-5059-EED5-0C32-07A17E669B05}"/>
-              </a:ext>
-            </a:extLst>
-          </p:cNvPr>
-          <p:cNvSpPr>
-            <a:spLocks noGrp="1"/>
-          </p:cNvSpPr>
-          <p:nvPr>
-            <p:ph type="title"/>
-          </p:nvPr>
-        </p:nvSpPr>
-        <p:spPr/>
-        <p:txBody>
-          <a:bodyPr/>
-          <a:lstStyle/>
-          <a:p>
-            <a:r>
-              <a:rPr lang="it-IT" dirty="0"/>
-              <a:t>System calls</a:t>
-            </a:r>
-          </a:p>
-        </p:txBody>
-      </p:sp>
-      <p:sp>
-        <p:nvSpPr>
-          <p:cNvPr id="5" name="Segnaposto testo 4">
-            <a:extLst>
-              <a:ext uri="{FF2B5EF4-FFF2-40B4-BE49-F238E27FC236}">
-                <a16:creationId xmlns:a16="http://schemas.microsoft.com/office/drawing/2014/main" id="{C6A595F7-B24E-14B1-A2DE-F977BEC69C75}"/>
-              </a:ext>
-            </a:extLst>
-          </p:cNvPr>
-          <p:cNvSpPr>
-            <a:spLocks noGrp="1"/>
-          </p:cNvSpPr>
-          <p:nvPr>
-            <p:ph type="body" idx="1"/>
-          </p:nvPr>
-        </p:nvSpPr>
-        <p:spPr>
-          <a:xfrm>
-            <a:off x="673386" y="2051770"/>
-            <a:ext cx="5087075" cy="873994"/>
-          </a:xfrm>
-        </p:spPr>
-        <p:txBody>
-          <a:bodyPr/>
-          <a:lstStyle/>
-          <a:p>
-            <a:r>
-              <a:rPr lang="en-US" dirty="0"/>
-              <a:t>OS161</a:t>
-            </a:r>
-          </a:p>
-          <a:p>
-            <a:r>
-              <a:rPr lang="en-US" sz="1800" dirty="0">
-                <a:solidFill>
-                  <a:schemeClr val="tx2"/>
-                </a:solidFill>
-              </a:rPr>
-              <a:t>kern/arch/</a:t>
-            </a:r>
-            <a:r>
-              <a:rPr lang="en-US" sz="1800" dirty="0" err="1">
-                <a:solidFill>
-                  <a:schemeClr val="tx2"/>
-                </a:solidFill>
-              </a:rPr>
-              <a:t>mips</a:t>
-            </a:r>
-            <a:r>
-              <a:rPr lang="en-US" sz="1800" dirty="0">
-                <a:solidFill>
-                  <a:schemeClr val="tx2"/>
-                </a:solidFill>
-              </a:rPr>
-              <a:t>/</a:t>
-            </a:r>
-            <a:r>
-              <a:rPr lang="en-US" sz="1800" dirty="0" err="1">
-                <a:solidFill>
-                  <a:schemeClr val="tx2"/>
-                </a:solidFill>
-              </a:rPr>
-              <a:t>syscall</a:t>
-            </a:r>
-            <a:r>
-              <a:rPr lang="en-US" sz="1800" dirty="0">
-                <a:solidFill>
-                  <a:schemeClr val="tx2"/>
-                </a:solidFill>
-              </a:rPr>
-              <a:t>/</a:t>
-            </a:r>
-            <a:r>
-              <a:rPr lang="en-US" sz="1800" dirty="0" err="1">
-                <a:solidFill>
-                  <a:schemeClr val="tx2"/>
-                </a:solidFill>
-              </a:rPr>
-              <a:t>syscall.c</a:t>
-            </a:r>
-            <a:endParaRPr lang="it-IT" sz="1800" dirty="0">
-              <a:solidFill>
-                <a:schemeClr val="tx2"/>
-              </a:solidFill>
-            </a:endParaRPr>
-          </a:p>
-        </p:txBody>
-      </p:sp>
-      <p:sp>
-        <p:nvSpPr>
-          <p:cNvPr id="6" name="Segnaposto testo 5">
-            <a:extLst>
-              <a:ext uri="{FF2B5EF4-FFF2-40B4-BE49-F238E27FC236}">
-                <a16:creationId xmlns:a16="http://schemas.microsoft.com/office/drawing/2014/main" id="{62659CF6-E7AE-5C22-7B34-F5CD584206EF}"/>
-              </a:ext>
-            </a:extLst>
-          </p:cNvPr>
-          <p:cNvSpPr>
-            <a:spLocks noGrp="1"/>
-          </p:cNvSpPr>
-          <p:nvPr>
-            <p:ph type="body" sz="quarter" idx="3"/>
-          </p:nvPr>
-        </p:nvSpPr>
-        <p:spPr>
-          <a:xfrm>
-            <a:off x="6096000" y="2016123"/>
-            <a:ext cx="5087073" cy="910937"/>
-          </a:xfrm>
-        </p:spPr>
-        <p:txBody>
-          <a:bodyPr/>
-          <a:lstStyle/>
-          <a:p>
-            <a:r>
-              <a:rPr lang="it-IT" dirty="0"/>
-              <a:t>PINTOS</a:t>
-            </a:r>
-          </a:p>
-          <a:p>
-            <a:r>
-              <a:rPr lang="it-IT" sz="1800" dirty="0" err="1">
-                <a:solidFill>
-                  <a:schemeClr val="tx2"/>
-                </a:solidFill>
-              </a:rPr>
-              <a:t>src</a:t>
-            </a:r>
-            <a:r>
-              <a:rPr lang="it-IT" sz="1800" dirty="0">
-                <a:solidFill>
-                  <a:schemeClr val="tx2"/>
-                </a:solidFill>
-              </a:rPr>
-              <a:t>/</a:t>
-            </a:r>
-            <a:r>
-              <a:rPr lang="it-IT" sz="1800" dirty="0" err="1">
-                <a:solidFill>
-                  <a:schemeClr val="tx2"/>
-                </a:solidFill>
-              </a:rPr>
-              <a:t>userprog</a:t>
-            </a:r>
-            <a:r>
-              <a:rPr lang="it-IT" sz="1800" dirty="0">
-                <a:solidFill>
-                  <a:schemeClr val="tx2"/>
-                </a:solidFill>
-              </a:rPr>
-              <a:t>/</a:t>
-            </a:r>
-            <a:r>
-              <a:rPr lang="it-IT" sz="1800" dirty="0" err="1">
-                <a:solidFill>
-                  <a:schemeClr val="tx2"/>
-                </a:solidFill>
-              </a:rPr>
-              <a:t>syscall.c</a:t>
-            </a:r>
-            <a:endParaRPr lang="it-IT" b="0" dirty="0">
-              <a:solidFill>
-                <a:srgbClr val="CE9178"/>
-              </a:solidFill>
-              <a:effectLst/>
-              <a:latin typeface="Consolas" panose="020B0609020204030204" pitchFamily="49" charset="0"/>
-            </a:endParaRPr>
-          </a:p>
-        </p:txBody>
-      </p:sp>
-      <p:pic>
-        <p:nvPicPr>
-          <p:cNvPr id="15" name="Segnaposto contenuto 14">
-            <a:extLst>
-              <a:ext uri="{FF2B5EF4-FFF2-40B4-BE49-F238E27FC236}">
-                <a16:creationId xmlns:a16="http://schemas.microsoft.com/office/drawing/2014/main" id="{8EC9F7AA-4ADD-C9BD-8077-39712864C536}"/>
-              </a:ext>
-            </a:extLst>
-          </p:cNvPr>
-          <p:cNvPicPr>
-            <a:picLocks noGrp="1" noChangeAspect="1"/>
-          </p:cNvPicPr>
-          <p:nvPr>
-            <p:ph sz="quarter" idx="4"/>
-          </p:nvPr>
-        </p:nvPicPr>
-        <p:blipFill>
-          <a:blip r:embed="rId2"/>
-          <a:stretch>
-            <a:fillRect/>
-          </a:stretch>
-        </p:blipFill>
-        <p:spPr>
-          <a:xfrm>
-            <a:off x="6096000" y="3566938"/>
-            <a:ext cx="5710920" cy="1741134"/>
-          </a:xfrm>
-        </p:spPr>
-      </p:pic>
-      <p:pic>
-        <p:nvPicPr>
-          <p:cNvPr id="24" name="Segnaposto contenuto 23">
-            <a:extLst>
-              <a:ext uri="{FF2B5EF4-FFF2-40B4-BE49-F238E27FC236}">
-                <a16:creationId xmlns:a16="http://schemas.microsoft.com/office/drawing/2014/main" id="{9A8F9342-8DAE-F88D-3CEF-5B42B1CBAB41}"/>
-              </a:ext>
-            </a:extLst>
-          </p:cNvPr>
-          <p:cNvPicPr>
-            <a:picLocks noGrp="1" noChangeAspect="1"/>
-          </p:cNvPicPr>
-          <p:nvPr>
-            <p:ph sz="half" idx="2"/>
-          </p:nvPr>
-        </p:nvPicPr>
-        <p:blipFill>
-          <a:blip r:embed="rId3"/>
-          <a:stretch>
-            <a:fillRect/>
-          </a:stretch>
-        </p:blipFill>
-        <p:spPr>
-          <a:xfrm>
-            <a:off x="756514" y="3032886"/>
-            <a:ext cx="4464981" cy="3621547"/>
-          </a:xfrm>
-        </p:spPr>
-      </p:pic>
-    </p:spTree>
-    <p:extLst>
-      <p:ext uri="{BB962C8B-B14F-4D97-AF65-F5344CB8AC3E}">
-        <p14:creationId xmlns:p14="http://schemas.microsoft.com/office/powerpoint/2010/main" val="4174609051"/>
-      </p:ext>
-    </p:extLst>
-  </p:cSld>
-  <p:clrMapOvr>
-    <a:masterClrMapping/>
-  </p:clrMapOvr>
-</p:sld>
-</file>
-
-<file path=ppt/slides/slide6.xml><?xml version="1.0" encoding="utf-8"?>
-<p:sld xmlns:a="http://schemas.openxmlformats.org/drawingml/2006/main" xmlns:r="http://schemas.openxmlformats.org/officeDocument/2006/relationships" xmlns:p="http://schemas.openxmlformats.org/presentationml/2006/main">
-  <p:cSld>
     <p:spTree>
       <p:nvGrpSpPr>
         <p:cNvPr id="1" name="">
@@ -15180,7 +14382,7 @@
 </p:sld>
 </file>
 
-<file path=ppt/slides/slide7.xml><?xml version="1.0" encoding="utf-8"?>
+<file path=ppt/slides/slide5.xml><?xml version="1.0" encoding="utf-8"?>
 <p:sld xmlns:a="http://schemas.openxmlformats.org/drawingml/2006/main" xmlns:r="http://schemas.openxmlformats.org/officeDocument/2006/relationships" xmlns:p="http://schemas.openxmlformats.org/presentationml/2006/main">
   <p:cSld>
     <p:spTree>
@@ -15735,7 +14937,7 @@
 </p:sld>
 </file>
 
-<file path=ppt/slides/slide8.xml><?xml version="1.0" encoding="utf-8"?>
+<file path=ppt/slides/slide6.xml><?xml version="1.0" encoding="utf-8"?>
 <p:sld xmlns:a="http://schemas.openxmlformats.org/drawingml/2006/main" xmlns:r="http://schemas.openxmlformats.org/officeDocument/2006/relationships" xmlns:p="http://schemas.openxmlformats.org/presentationml/2006/main">
   <p:cSld>
     <p:spTree>
@@ -16453,7 +15655,7 @@
 </p:sld>
 </file>
 
-<file path=ppt/slides/slide9.xml><?xml version="1.0" encoding="utf-8"?>
+<file path=ppt/slides/slide7.xml><?xml version="1.0" encoding="utf-8"?>
 <p:sld xmlns:a="http://schemas.openxmlformats.org/drawingml/2006/main" xmlns:r="http://schemas.openxmlformats.org/officeDocument/2006/relationships" xmlns:p="http://schemas.openxmlformats.org/presentationml/2006/main">
   <p:cSld>
     <p:spTree>
@@ -17096,6 +16298,791 @@
     <p:extLst>
       <p:ext uri="{BB962C8B-B14F-4D97-AF65-F5344CB8AC3E}">
         <p14:creationId xmlns:p14="http://schemas.microsoft.com/office/powerpoint/2010/main" val="3203019218"/>
+      </p:ext>
+    </p:extLst>
+  </p:cSld>
+  <p:clrMapOvr>
+    <a:masterClrMapping/>
+  </p:clrMapOvr>
+</p:sld>
+</file>
+
+<file path=ppt/slides/slide8.xml><?xml version="1.0" encoding="utf-8"?>
+<p:sld xmlns:a="http://schemas.openxmlformats.org/drawingml/2006/main" xmlns:r="http://schemas.openxmlformats.org/officeDocument/2006/relationships" xmlns:p="http://schemas.openxmlformats.org/presentationml/2006/main">
+  <p:cSld>
+    <p:spTree>
+      <p:nvGrpSpPr>
+        <p:cNvPr id="1" name=""/>
+        <p:cNvGrpSpPr/>
+        <p:nvPr/>
+      </p:nvGrpSpPr>
+      <p:grpSpPr>
+        <a:xfrm>
+          <a:off x="0" y="0"/>
+          <a:ext cx="0" cy="0"/>
+          <a:chOff x="0" y="0"/>
+          <a:chExt cx="0" cy="0"/>
+        </a:xfrm>
+      </p:grpSpPr>
+      <p:sp>
+        <p:nvSpPr>
+          <p:cNvPr id="2" name="Titolo 1">
+            <a:extLst>
+              <a:ext uri="{FF2B5EF4-FFF2-40B4-BE49-F238E27FC236}">
+                <a16:creationId xmlns:a16="http://schemas.microsoft.com/office/drawing/2014/main" id="{A8407669-AD4A-530A-308F-4AD673D020A5}"/>
+              </a:ext>
+            </a:extLst>
+          </p:cNvPr>
+          <p:cNvSpPr>
+            <a:spLocks noGrp="1"/>
+          </p:cNvSpPr>
+          <p:nvPr>
+            <p:ph type="title"/>
+          </p:nvPr>
+        </p:nvSpPr>
+        <p:spPr/>
+        <p:txBody>
+          <a:bodyPr/>
+          <a:lstStyle/>
+          <a:p>
+            <a:r>
+              <a:rPr lang="it-IT" dirty="0" err="1"/>
+              <a:t>Paging</a:t>
+            </a:r>
+            <a:r>
+              <a:rPr lang="it-IT" dirty="0"/>
+              <a:t> e  </a:t>
+            </a:r>
+            <a:r>
+              <a:rPr lang="it-IT" dirty="0" err="1"/>
+              <a:t>virtual</a:t>
+            </a:r>
+            <a:r>
+              <a:rPr lang="it-IT" dirty="0"/>
+              <a:t> </a:t>
+            </a:r>
+            <a:r>
+              <a:rPr lang="it-IT" dirty="0" err="1"/>
+              <a:t>memory</a:t>
+            </a:r>
+            <a:endParaRPr lang="it-IT" dirty="0"/>
+          </a:p>
+        </p:txBody>
+      </p:sp>
+      <p:sp>
+        <p:nvSpPr>
+          <p:cNvPr id="3" name="Segnaposto contenuto 2">
+            <a:extLst>
+              <a:ext uri="{FF2B5EF4-FFF2-40B4-BE49-F238E27FC236}">
+                <a16:creationId xmlns:a16="http://schemas.microsoft.com/office/drawing/2014/main" id="{81551D5C-43AF-6C06-2D96-A6CA08117673}"/>
+              </a:ext>
+            </a:extLst>
+          </p:cNvPr>
+          <p:cNvSpPr>
+            <a:spLocks noGrp="1"/>
+          </p:cNvSpPr>
+          <p:nvPr>
+            <p:ph idx="1"/>
+          </p:nvPr>
+        </p:nvSpPr>
+        <p:spPr/>
+        <p:txBody>
+          <a:bodyPr>
+            <a:normAutofit/>
+          </a:bodyPr>
+          <a:lstStyle/>
+          <a:p>
+            <a:r>
+              <a:rPr lang="it-IT" dirty="0"/>
+              <a:t>La gestione della memoria virtuale è simile in entrambi i SO</a:t>
+            </a:r>
+          </a:p>
+          <a:p>
+            <a:pPr lvl="1"/>
+            <a:r>
+              <a:rPr lang="it-IT" dirty="0"/>
+              <a:t>Uso della paginazione, perciò della Page </a:t>
+            </a:r>
+            <a:r>
+              <a:rPr lang="it-IT" dirty="0" err="1"/>
+              <a:t>Table</a:t>
+            </a:r>
+            <a:endParaRPr lang="it-IT" dirty="0"/>
+          </a:p>
+          <a:p>
+            <a:pPr lvl="1"/>
+            <a:r>
+              <a:rPr lang="it-IT" dirty="0"/>
+              <a:t>Gestione similare della Frame </a:t>
+            </a:r>
+            <a:r>
+              <a:rPr lang="it-IT" dirty="0" err="1"/>
+              <a:t>Table</a:t>
+            </a:r>
+            <a:endParaRPr lang="it-IT" dirty="0"/>
+          </a:p>
+          <a:p>
+            <a:pPr lvl="1"/>
+            <a:r>
+              <a:rPr lang="it-IT" dirty="0"/>
+              <a:t>Stessa gestione dello spazio degli indirizzi dei processi</a:t>
+            </a:r>
+          </a:p>
+          <a:p>
+            <a:r>
+              <a:rPr lang="it-IT" dirty="0"/>
+              <a:t>Uso di strutture dati analoghe</a:t>
+            </a:r>
+          </a:p>
+          <a:p>
+            <a:pPr lvl="1"/>
+            <a:r>
+              <a:rPr lang="it-IT" dirty="0"/>
+              <a:t>Vettori</a:t>
+            </a:r>
+          </a:p>
+          <a:p>
+            <a:pPr lvl="1"/>
+            <a:r>
+              <a:rPr lang="it-IT" dirty="0"/>
+              <a:t>Bitmap</a:t>
+            </a:r>
+          </a:p>
+          <a:p>
+            <a:pPr lvl="1"/>
+            <a:r>
+              <a:rPr lang="it-IT" dirty="0"/>
+              <a:t>Liste</a:t>
+            </a:r>
+          </a:p>
+          <a:p>
+            <a:r>
+              <a:rPr lang="it-IT" dirty="0"/>
+              <a:t>Paginazione più complessa su OS161, quindi con più funzionalità</a:t>
+            </a:r>
+          </a:p>
+        </p:txBody>
+      </p:sp>
+    </p:spTree>
+    <p:extLst>
+      <p:ext uri="{BB962C8B-B14F-4D97-AF65-F5344CB8AC3E}">
+        <p14:creationId xmlns:p14="http://schemas.microsoft.com/office/powerpoint/2010/main" val="450538825"/>
+      </p:ext>
+    </p:extLst>
+  </p:cSld>
+  <p:clrMapOvr>
+    <a:masterClrMapping/>
+  </p:clrMapOvr>
+</p:sld>
+</file>
+
+<file path=ppt/slides/slide9.xml><?xml version="1.0" encoding="utf-8"?>
+<p:sld xmlns:a="http://schemas.openxmlformats.org/drawingml/2006/main" xmlns:r="http://schemas.openxmlformats.org/officeDocument/2006/relationships" xmlns:p="http://schemas.openxmlformats.org/presentationml/2006/main">
+  <p:cSld>
+    <p:spTree>
+      <p:nvGrpSpPr>
+        <p:cNvPr id="1" name=""/>
+        <p:cNvGrpSpPr/>
+        <p:nvPr/>
+      </p:nvGrpSpPr>
+      <p:grpSpPr>
+        <a:xfrm>
+          <a:off x="0" y="0"/>
+          <a:ext cx="0" cy="0"/>
+          <a:chOff x="0" y="0"/>
+          <a:chExt cx="0" cy="0"/>
+        </a:xfrm>
+      </p:grpSpPr>
+      <p:sp>
+        <p:nvSpPr>
+          <p:cNvPr id="2" name="Titolo 1">
+            <a:extLst>
+              <a:ext uri="{FF2B5EF4-FFF2-40B4-BE49-F238E27FC236}">
+                <a16:creationId xmlns:a16="http://schemas.microsoft.com/office/drawing/2014/main" id="{69441F67-1949-8EC8-EB98-85670AC3670C}"/>
+              </a:ext>
+            </a:extLst>
+          </p:cNvPr>
+          <p:cNvSpPr>
+            <a:spLocks noGrp="1"/>
+          </p:cNvSpPr>
+          <p:nvPr>
+            <p:ph type="title"/>
+          </p:nvPr>
+        </p:nvSpPr>
+        <p:spPr/>
+        <p:txBody>
+          <a:bodyPr>
+            <a:normAutofit/>
+          </a:bodyPr>
+          <a:lstStyle/>
+          <a:p>
+            <a:r>
+              <a:rPr lang="it-IT" dirty="0"/>
+              <a:t>Meccanismi di sincronizzazione </a:t>
+            </a:r>
+            <a:r>
+              <a:rPr lang="it-IT" sz="1600" dirty="0"/>
+              <a:t>– Interrupt </a:t>
+            </a:r>
+            <a:r>
+              <a:rPr lang="it-IT" sz="1600" dirty="0" err="1"/>
+              <a:t>disable</a:t>
+            </a:r>
+            <a:endParaRPr lang="it-IT" dirty="0"/>
+          </a:p>
+        </p:txBody>
+      </p:sp>
+      <p:sp>
+        <p:nvSpPr>
+          <p:cNvPr id="4" name="Segnaposto testo 3">
+            <a:extLst>
+              <a:ext uri="{FF2B5EF4-FFF2-40B4-BE49-F238E27FC236}">
+                <a16:creationId xmlns:a16="http://schemas.microsoft.com/office/drawing/2014/main" id="{3484543A-BB31-0207-182F-1F1C206F0C68}"/>
+              </a:ext>
+            </a:extLst>
+          </p:cNvPr>
+          <p:cNvSpPr>
+            <a:spLocks noGrp="1"/>
+          </p:cNvSpPr>
+          <p:nvPr>
+            <p:ph type="body" idx="1"/>
+          </p:nvPr>
+        </p:nvSpPr>
+        <p:spPr>
+          <a:xfrm>
+            <a:off x="887219" y="2913503"/>
+            <a:ext cx="5087075" cy="536005"/>
+          </a:xfrm>
+        </p:spPr>
+        <p:txBody>
+          <a:bodyPr/>
+          <a:lstStyle/>
+          <a:p>
+            <a:r>
+              <a:rPr lang="it-IT" dirty="0"/>
+              <a:t>OS161</a:t>
+            </a:r>
+          </a:p>
+        </p:txBody>
+      </p:sp>
+      <p:sp>
+        <p:nvSpPr>
+          <p:cNvPr id="8" name="Segnaposto contenuto 7">
+            <a:extLst>
+              <a:ext uri="{FF2B5EF4-FFF2-40B4-BE49-F238E27FC236}">
+                <a16:creationId xmlns:a16="http://schemas.microsoft.com/office/drawing/2014/main" id="{A1E5DF89-94E7-98C4-F563-B3A43317A1CE}"/>
+              </a:ext>
+            </a:extLst>
+          </p:cNvPr>
+          <p:cNvSpPr>
+            <a:spLocks noGrp="1"/>
+          </p:cNvSpPr>
+          <p:nvPr>
+            <p:ph sz="half" idx="2"/>
+          </p:nvPr>
+        </p:nvSpPr>
+        <p:spPr>
+          <a:xfrm>
+            <a:off x="581194" y="3588663"/>
+            <a:ext cx="5393100" cy="2934999"/>
+          </a:xfrm>
+        </p:spPr>
+        <p:txBody>
+          <a:bodyPr>
+            <a:normAutofit lnSpcReduction="10000"/>
+          </a:bodyPr>
+          <a:lstStyle/>
+          <a:p>
+            <a:r>
+              <a:rPr lang="it-IT" dirty="0"/>
+              <a:t>Dà la possibilità di modificare la priorità degli interrupt e di abilitarli/disabilitarli</a:t>
+            </a:r>
+          </a:p>
+          <a:p>
+            <a:r>
+              <a:rPr lang="it-IT" b="1" dirty="0"/>
+              <a:t>spl0</a:t>
+            </a:r>
+            <a:r>
+              <a:rPr lang="it-IT" dirty="0"/>
+              <a:t>() </a:t>
+            </a:r>
+            <a:r>
+              <a:rPr lang="it-IT" dirty="0">
+                <a:sym typeface="Wingdings" panose="05000000000000000000" pitchFamily="2" charset="2"/>
+              </a:rPr>
+              <a:t> </a:t>
+            </a:r>
+            <a:r>
+              <a:rPr lang="it-IT" altLang="it-IT" dirty="0"/>
+              <a:t>imposta IPL su 0, abilitando tutti gli interrupt </a:t>
+            </a:r>
+            <a:endParaRPr lang="it-IT" dirty="0"/>
+          </a:p>
+          <a:p>
+            <a:r>
+              <a:rPr lang="it-IT" b="1" dirty="0" err="1"/>
+              <a:t>splhigh</a:t>
+            </a:r>
+            <a:r>
+              <a:rPr lang="it-IT" dirty="0"/>
+              <a:t>() </a:t>
+            </a:r>
+            <a:r>
+              <a:rPr lang="it-IT" dirty="0">
+                <a:sym typeface="Wingdings" panose="05000000000000000000" pitchFamily="2" charset="2"/>
+              </a:rPr>
+              <a:t> i</a:t>
+            </a:r>
+            <a:r>
+              <a:rPr lang="it-IT" altLang="it-IT" dirty="0"/>
+              <a:t>mposta IPL al valore più alto, disabilitando tutti gli interrupt. </a:t>
+            </a:r>
+            <a:endParaRPr lang="it-IT" dirty="0"/>
+          </a:p>
+          <a:p>
+            <a:r>
+              <a:rPr lang="it-IT" b="1" dirty="0" err="1"/>
+              <a:t>splx</a:t>
+            </a:r>
+            <a:r>
+              <a:rPr lang="it-IT" dirty="0"/>
+              <a:t>(S) </a:t>
+            </a:r>
+            <a:r>
+              <a:rPr lang="it-IT" dirty="0">
+                <a:sym typeface="Wingdings" panose="05000000000000000000" pitchFamily="2" charset="2"/>
+              </a:rPr>
+              <a:t> imposta IPL al valore S, abilitando lo stato rappresentato da S</a:t>
+            </a:r>
+          </a:p>
+          <a:p>
+            <a:r>
+              <a:rPr lang="it-IT" sz="1400" i="1" dirty="0" err="1">
+                <a:sym typeface="Wingdings" panose="05000000000000000000" pitchFamily="2" charset="2"/>
+              </a:rPr>
+              <a:t>kern</a:t>
+            </a:r>
+            <a:r>
+              <a:rPr lang="it-IT" sz="1400" i="1" dirty="0">
+                <a:sym typeface="Wingdings" panose="05000000000000000000" pitchFamily="2" charset="2"/>
+              </a:rPr>
+              <a:t>/include/</a:t>
+            </a:r>
+            <a:r>
+              <a:rPr lang="it-IT" sz="1400" i="1" dirty="0" err="1">
+                <a:sym typeface="Wingdings" panose="05000000000000000000" pitchFamily="2" charset="2"/>
+              </a:rPr>
+              <a:t>spl.h</a:t>
+            </a:r>
+            <a:endParaRPr lang="it-IT" sz="1400" i="1" dirty="0"/>
+          </a:p>
+          <a:p>
+            <a:endParaRPr lang="it-IT" dirty="0"/>
+          </a:p>
+        </p:txBody>
+      </p:sp>
+      <p:sp>
+        <p:nvSpPr>
+          <p:cNvPr id="9" name="Segnaposto testo 8">
+            <a:extLst>
+              <a:ext uri="{FF2B5EF4-FFF2-40B4-BE49-F238E27FC236}">
+                <a16:creationId xmlns:a16="http://schemas.microsoft.com/office/drawing/2014/main" id="{00842FCF-9A2A-27B3-4ED6-BB0713CE4444}"/>
+              </a:ext>
+            </a:extLst>
+          </p:cNvPr>
+          <p:cNvSpPr>
+            <a:spLocks noGrp="1"/>
+          </p:cNvSpPr>
+          <p:nvPr>
+            <p:ph type="body" sz="quarter" idx="3"/>
+          </p:nvPr>
+        </p:nvSpPr>
+        <p:spPr>
+          <a:xfrm>
+            <a:off x="6523735" y="2913503"/>
+            <a:ext cx="5087073" cy="553373"/>
+          </a:xfrm>
+        </p:spPr>
+        <p:txBody>
+          <a:bodyPr/>
+          <a:lstStyle/>
+          <a:p>
+            <a:r>
+              <a:rPr lang="it-IT" dirty="0"/>
+              <a:t>PINTOS</a:t>
+            </a:r>
+          </a:p>
+        </p:txBody>
+      </p:sp>
+      <p:sp>
+        <p:nvSpPr>
+          <p:cNvPr id="10" name="Segnaposto contenuto 9">
+            <a:extLst>
+              <a:ext uri="{FF2B5EF4-FFF2-40B4-BE49-F238E27FC236}">
+                <a16:creationId xmlns:a16="http://schemas.microsoft.com/office/drawing/2014/main" id="{3CDA2ECB-1671-3745-42C6-213A778ECD29}"/>
+              </a:ext>
+            </a:extLst>
+          </p:cNvPr>
+          <p:cNvSpPr>
+            <a:spLocks noGrp="1"/>
+          </p:cNvSpPr>
+          <p:nvPr>
+            <p:ph sz="quarter" idx="4"/>
+          </p:nvPr>
+        </p:nvSpPr>
+        <p:spPr>
+          <a:xfrm>
+            <a:off x="6217709" y="3588663"/>
+            <a:ext cx="5393100" cy="2934999"/>
+          </a:xfrm>
+        </p:spPr>
+        <p:txBody>
+          <a:bodyPr>
+            <a:normAutofit lnSpcReduction="10000"/>
+          </a:bodyPr>
+          <a:lstStyle/>
+          <a:p>
+            <a:r>
+              <a:rPr lang="it-IT" dirty="0"/>
+              <a:t>Dà la possibilità di abilitare/disabilitare gli interrupt ma </a:t>
+            </a:r>
+            <a:r>
+              <a:rPr lang="it-IT" b="1" dirty="0"/>
+              <a:t>non</a:t>
+            </a:r>
+            <a:r>
+              <a:rPr lang="it-IT" dirty="0"/>
+              <a:t> dà la possibilità di controllare la priorità degli interrupt</a:t>
+            </a:r>
+          </a:p>
+          <a:p>
+            <a:r>
+              <a:rPr lang="it-IT" b="1" dirty="0" err="1"/>
+              <a:t>intr_enable</a:t>
+            </a:r>
+            <a:r>
+              <a:rPr lang="it-IT" dirty="0"/>
+              <a:t>() </a:t>
+            </a:r>
+            <a:r>
+              <a:rPr lang="it-IT" dirty="0">
+                <a:sym typeface="Wingdings" panose="05000000000000000000" pitchFamily="2" charset="2"/>
+              </a:rPr>
+              <a:t> abilita gli interrupt</a:t>
+            </a:r>
+            <a:endParaRPr lang="it-IT" dirty="0"/>
+          </a:p>
+          <a:p>
+            <a:r>
+              <a:rPr lang="it-IT" b="1" dirty="0" err="1"/>
+              <a:t>intr_disable</a:t>
+            </a:r>
+            <a:r>
+              <a:rPr lang="it-IT" dirty="0"/>
+              <a:t>() </a:t>
+            </a:r>
+            <a:r>
+              <a:rPr lang="it-IT" dirty="0">
+                <a:sym typeface="Wingdings" panose="05000000000000000000" pitchFamily="2" charset="2"/>
+              </a:rPr>
+              <a:t> disabilita gli interrupt</a:t>
+            </a:r>
+          </a:p>
+          <a:p>
+            <a:r>
+              <a:rPr lang="it-IT" sz="1400" i="1" dirty="0" err="1">
+                <a:sym typeface="Wingdings" panose="05000000000000000000" pitchFamily="2" charset="2"/>
+              </a:rPr>
+              <a:t>src</a:t>
+            </a:r>
+            <a:r>
+              <a:rPr lang="it-IT" sz="1400" i="1" dirty="0">
+                <a:sym typeface="Wingdings" panose="05000000000000000000" pitchFamily="2" charset="2"/>
+              </a:rPr>
+              <a:t>/</a:t>
+            </a:r>
+            <a:r>
+              <a:rPr lang="it-IT" sz="1400" i="1" dirty="0" err="1">
+                <a:sym typeface="Wingdings" panose="05000000000000000000" pitchFamily="2" charset="2"/>
+              </a:rPr>
+              <a:t>thread</a:t>
+            </a:r>
+            <a:r>
+              <a:rPr lang="it-IT" sz="1400" i="1" dirty="0">
+                <a:sym typeface="Wingdings" panose="05000000000000000000" pitchFamily="2" charset="2"/>
+              </a:rPr>
+              <a:t>/</a:t>
+            </a:r>
+            <a:r>
+              <a:rPr lang="it-IT" sz="1400" i="1" dirty="0" err="1">
+                <a:sym typeface="Wingdings" panose="05000000000000000000" pitchFamily="2" charset="2"/>
+              </a:rPr>
+              <a:t>interrupt.h</a:t>
+            </a:r>
+            <a:endParaRPr lang="it-IT" sz="1400" dirty="0"/>
+          </a:p>
+        </p:txBody>
+      </p:sp>
+      <p:sp>
+        <p:nvSpPr>
+          <p:cNvPr id="3" name="Segnaposto testo 3">
+            <a:extLst>
+              <a:ext uri="{FF2B5EF4-FFF2-40B4-BE49-F238E27FC236}">
+                <a16:creationId xmlns:a16="http://schemas.microsoft.com/office/drawing/2014/main" id="{DD092F63-1123-8337-F4DC-4B5BF08C3E1F}"/>
+              </a:ext>
+            </a:extLst>
+          </p:cNvPr>
+          <p:cNvSpPr txBox="1">
+            <a:spLocks/>
+          </p:cNvSpPr>
+          <p:nvPr/>
+        </p:nvSpPr>
+        <p:spPr>
+          <a:xfrm>
+            <a:off x="615548" y="1999040"/>
+            <a:ext cx="11245148" cy="921080"/>
+          </a:xfrm>
+          <a:prstGeom prst="rect">
+            <a:avLst/>
+          </a:prstGeom>
+        </p:spPr>
+        <p:txBody>
+          <a:bodyPr vert="horz" lIns="91440" tIns="45720" rIns="91440" bIns="45720" rtlCol="0" anchor="b">
+            <a:noAutofit/>
+          </a:bodyPr>
+          <a:lstStyle>
+            <a:lvl1pPr marL="0" indent="0" algn="l" defTabSz="457200" rtl="0" eaLnBrk="1" latinLnBrk="0" hangingPunct="1">
+              <a:spcBef>
+                <a:spcPct val="20000"/>
+              </a:spcBef>
+              <a:spcAft>
+                <a:spcPts val="600"/>
+              </a:spcAft>
+              <a:buClr>
+                <a:schemeClr val="accent2"/>
+              </a:buClr>
+              <a:buSzPct val="92000"/>
+              <a:buFont typeface="Wingdings 2" panose="05020102010507070707" pitchFamily="18" charset="2"/>
+              <a:buNone/>
+              <a:defRPr sz="2200" b="0" kern="1200">
+                <a:solidFill>
+                  <a:schemeClr val="accent2"/>
+                </a:solidFill>
+                <a:latin typeface="+mn-lt"/>
+                <a:ea typeface="+mn-ea"/>
+                <a:cs typeface="+mn-cs"/>
+              </a:defRPr>
+            </a:lvl1pPr>
+            <a:lvl2pPr marL="457200" indent="0" algn="l" defTabSz="457200" rtl="0" eaLnBrk="1" latinLnBrk="0" hangingPunct="1">
+              <a:spcBef>
+                <a:spcPct val="20000"/>
+              </a:spcBef>
+              <a:spcAft>
+                <a:spcPts val="600"/>
+              </a:spcAft>
+              <a:buClr>
+                <a:schemeClr val="accent2"/>
+              </a:buClr>
+              <a:buSzPct val="92000"/>
+              <a:buFont typeface="Wingdings 2" panose="05020102010507070707" pitchFamily="18" charset="2"/>
+              <a:buNone/>
+              <a:defRPr sz="2000" b="1" kern="1200">
+                <a:solidFill>
+                  <a:schemeClr val="tx2"/>
+                </a:solidFill>
+                <a:latin typeface="+mn-lt"/>
+                <a:ea typeface="+mn-ea"/>
+                <a:cs typeface="+mn-cs"/>
+              </a:defRPr>
+            </a:lvl2pPr>
+            <a:lvl3pPr marL="914400" indent="0" algn="l" defTabSz="457200" rtl="0" eaLnBrk="1" latinLnBrk="0" hangingPunct="1">
+              <a:spcBef>
+                <a:spcPct val="20000"/>
+              </a:spcBef>
+              <a:spcAft>
+                <a:spcPts val="600"/>
+              </a:spcAft>
+              <a:buClr>
+                <a:schemeClr val="accent2"/>
+              </a:buClr>
+              <a:buSzPct val="92000"/>
+              <a:buFont typeface="Wingdings 2" panose="05020102010507070707" pitchFamily="18" charset="2"/>
+              <a:buNone/>
+              <a:defRPr sz="1800" b="1" kern="1200">
+                <a:solidFill>
+                  <a:schemeClr val="tx2"/>
+                </a:solidFill>
+                <a:latin typeface="+mn-lt"/>
+                <a:ea typeface="+mn-ea"/>
+                <a:cs typeface="+mn-cs"/>
+              </a:defRPr>
+            </a:lvl3pPr>
+            <a:lvl4pPr marL="1371600" indent="0" algn="l" defTabSz="457200" rtl="0" eaLnBrk="1" latinLnBrk="0" hangingPunct="1">
+              <a:spcBef>
+                <a:spcPct val="20000"/>
+              </a:spcBef>
+              <a:spcAft>
+                <a:spcPts val="600"/>
+              </a:spcAft>
+              <a:buClr>
+                <a:schemeClr val="accent2"/>
+              </a:buClr>
+              <a:buSzPct val="92000"/>
+              <a:buFont typeface="Wingdings 2" panose="05020102010507070707" pitchFamily="18" charset="2"/>
+              <a:buNone/>
+              <a:defRPr sz="1600" b="1" kern="1200">
+                <a:solidFill>
+                  <a:schemeClr val="tx2"/>
+                </a:solidFill>
+                <a:latin typeface="+mn-lt"/>
+                <a:ea typeface="+mn-ea"/>
+                <a:cs typeface="+mn-cs"/>
+              </a:defRPr>
+            </a:lvl4pPr>
+            <a:lvl5pPr marL="1828800" indent="0" algn="l" defTabSz="457200" rtl="0" eaLnBrk="1" latinLnBrk="0" hangingPunct="1">
+              <a:spcBef>
+                <a:spcPct val="20000"/>
+              </a:spcBef>
+              <a:spcAft>
+                <a:spcPts val="600"/>
+              </a:spcAft>
+              <a:buClr>
+                <a:schemeClr val="accent2"/>
+              </a:buClr>
+              <a:buSzPct val="92000"/>
+              <a:buFont typeface="Wingdings 2" panose="05020102010507070707" pitchFamily="18" charset="2"/>
+              <a:buNone/>
+              <a:defRPr sz="1600" b="1" kern="1200">
+                <a:solidFill>
+                  <a:schemeClr val="tx2"/>
+                </a:solidFill>
+                <a:latin typeface="+mn-lt"/>
+                <a:ea typeface="+mn-ea"/>
+                <a:cs typeface="+mn-cs"/>
+              </a:defRPr>
+            </a:lvl5pPr>
+            <a:lvl6pPr marL="2286000" indent="0" algn="l" defTabSz="457200" rtl="0" eaLnBrk="1" latinLnBrk="0" hangingPunct="1">
+              <a:spcBef>
+                <a:spcPct val="20000"/>
+              </a:spcBef>
+              <a:spcAft>
+                <a:spcPts val="600"/>
+              </a:spcAft>
+              <a:buClr>
+                <a:schemeClr val="accent2"/>
+              </a:buClr>
+              <a:buSzPct val="92000"/>
+              <a:buFont typeface="Wingdings 2" panose="05020102010507070707" pitchFamily="18" charset="2"/>
+              <a:buNone/>
+              <a:defRPr sz="1600" b="1" kern="1200">
+                <a:solidFill>
+                  <a:schemeClr val="tx2"/>
+                </a:solidFill>
+                <a:latin typeface="+mn-lt"/>
+                <a:ea typeface="+mn-ea"/>
+                <a:cs typeface="+mn-cs"/>
+              </a:defRPr>
+            </a:lvl6pPr>
+            <a:lvl7pPr marL="2743200" indent="0" algn="l" defTabSz="457200" rtl="0" eaLnBrk="1" latinLnBrk="0" hangingPunct="1">
+              <a:spcBef>
+                <a:spcPct val="20000"/>
+              </a:spcBef>
+              <a:spcAft>
+                <a:spcPts val="600"/>
+              </a:spcAft>
+              <a:buClr>
+                <a:schemeClr val="accent2"/>
+              </a:buClr>
+              <a:buSzPct val="92000"/>
+              <a:buFont typeface="Wingdings 2" panose="05020102010507070707" pitchFamily="18" charset="2"/>
+              <a:buNone/>
+              <a:defRPr sz="1600" b="1" kern="1200">
+                <a:solidFill>
+                  <a:schemeClr val="tx2"/>
+                </a:solidFill>
+                <a:latin typeface="+mn-lt"/>
+                <a:ea typeface="+mn-ea"/>
+                <a:cs typeface="+mn-cs"/>
+              </a:defRPr>
+            </a:lvl7pPr>
+            <a:lvl8pPr marL="3200400" indent="0" algn="l" defTabSz="457200" rtl="0" eaLnBrk="1" latinLnBrk="0" hangingPunct="1">
+              <a:spcBef>
+                <a:spcPct val="20000"/>
+              </a:spcBef>
+              <a:spcAft>
+                <a:spcPts val="600"/>
+              </a:spcAft>
+              <a:buClr>
+                <a:schemeClr val="accent2"/>
+              </a:buClr>
+              <a:buSzPct val="92000"/>
+              <a:buFont typeface="Wingdings 2" panose="05020102010507070707" pitchFamily="18" charset="2"/>
+              <a:buNone/>
+              <a:defRPr sz="1600" b="1" kern="1200">
+                <a:solidFill>
+                  <a:schemeClr val="tx2"/>
+                </a:solidFill>
+                <a:latin typeface="+mn-lt"/>
+                <a:ea typeface="+mn-ea"/>
+                <a:cs typeface="+mn-cs"/>
+              </a:defRPr>
+            </a:lvl8pPr>
+            <a:lvl9pPr marL="3657600" indent="0" algn="l" defTabSz="457200" rtl="0" eaLnBrk="1" latinLnBrk="0" hangingPunct="1">
+              <a:spcBef>
+                <a:spcPct val="20000"/>
+              </a:spcBef>
+              <a:spcAft>
+                <a:spcPts val="600"/>
+              </a:spcAft>
+              <a:buClr>
+                <a:schemeClr val="accent2"/>
+              </a:buClr>
+              <a:buSzPct val="92000"/>
+              <a:buFont typeface="Wingdings 2" panose="05020102010507070707" pitchFamily="18" charset="2"/>
+              <a:buNone/>
+              <a:defRPr sz="1600" b="1" kern="1200">
+                <a:solidFill>
+                  <a:schemeClr val="tx2"/>
+                </a:solidFill>
+                <a:latin typeface="+mn-lt"/>
+                <a:ea typeface="+mn-ea"/>
+                <a:cs typeface="+mn-cs"/>
+              </a:defRPr>
+            </a:lvl9pPr>
+          </a:lstStyle>
+          <a:p>
+            <a:r>
+              <a:rPr lang="it-IT" sz="2000" dirty="0">
+                <a:solidFill>
+                  <a:schemeClr val="tx1"/>
+                </a:solidFill>
+              </a:rPr>
+              <a:t>Sia OS161 che </a:t>
+            </a:r>
+            <a:r>
+              <a:rPr lang="it-IT" sz="2000" dirty="0" err="1">
+                <a:solidFill>
+                  <a:schemeClr val="tx1"/>
+                </a:solidFill>
+              </a:rPr>
+              <a:t>PintOS</a:t>
+            </a:r>
+            <a:r>
+              <a:rPr lang="it-IT" sz="2000" dirty="0">
+                <a:solidFill>
+                  <a:schemeClr val="tx1"/>
+                </a:solidFill>
+              </a:rPr>
+              <a:t> danno la possibilità di abilitare/disabilitare gli interrupt per poter gestire le sezioni critiche</a:t>
+            </a:r>
+          </a:p>
+        </p:txBody>
+      </p:sp>
+    </p:spTree>
+    <p:extLst>
+      <p:ext uri="{BB962C8B-B14F-4D97-AF65-F5344CB8AC3E}">
+        <p14:creationId xmlns:p14="http://schemas.microsoft.com/office/powerpoint/2010/main" val="151468646"/>
       </p:ext>
     </p:extLst>
   </p:cSld>
